--- a/docs/Figures.pptx
+++ b/docs/Figures.pptx
@@ -9,10 +9,13 @@
     <p:sldId id="257" r:id="rId3"/>
     <p:sldId id="262" r:id="rId4"/>
     <p:sldId id="261" r:id="rId5"/>
-    <p:sldId id="263" r:id="rId6"/>
-    <p:sldId id="258" r:id="rId7"/>
-    <p:sldId id="259" r:id="rId8"/>
-    <p:sldId id="260" r:id="rId9"/>
+    <p:sldId id="266" r:id="rId6"/>
+    <p:sldId id="263" r:id="rId7"/>
+    <p:sldId id="258" r:id="rId8"/>
+    <p:sldId id="259" r:id="rId9"/>
+    <p:sldId id="260" r:id="rId10"/>
+    <p:sldId id="264" r:id="rId11"/>
+    <p:sldId id="265" r:id="rId12"/>
   </p:sldIdLst>
   <p:sldSz cx="12192000" cy="6858000"/>
   <p:notesSz cx="6858000" cy="9144000"/>
@@ -250,7 +253,7 @@
           <a:p>
             <a:fld id="{DDA058EC-E564-4FAA-9823-230C53E76A76}" type="datetimeFigureOut">
               <a:rPr lang="zh-CN" altLang="en-US" smtClean="0"/>
-              <a:t>2019/7/27</a:t>
+              <a:t>2019/7/28</a:t>
             </a:fld>
             <a:endParaRPr lang="zh-CN" altLang="en-US"/>
           </a:p>
@@ -420,7 +423,7 @@
           <a:p>
             <a:fld id="{DDA058EC-E564-4FAA-9823-230C53E76A76}" type="datetimeFigureOut">
               <a:rPr lang="zh-CN" altLang="en-US" smtClean="0"/>
-              <a:t>2019/7/27</a:t>
+              <a:t>2019/7/28</a:t>
             </a:fld>
             <a:endParaRPr lang="zh-CN" altLang="en-US"/>
           </a:p>
@@ -600,7 +603,7 @@
           <a:p>
             <a:fld id="{DDA058EC-E564-4FAA-9823-230C53E76A76}" type="datetimeFigureOut">
               <a:rPr lang="zh-CN" altLang="en-US" smtClean="0"/>
-              <a:t>2019/7/27</a:t>
+              <a:t>2019/7/28</a:t>
             </a:fld>
             <a:endParaRPr lang="zh-CN" altLang="en-US"/>
           </a:p>
@@ -770,7 +773,7 @@
           <a:p>
             <a:fld id="{DDA058EC-E564-4FAA-9823-230C53E76A76}" type="datetimeFigureOut">
               <a:rPr lang="zh-CN" altLang="en-US" smtClean="0"/>
-              <a:t>2019/7/27</a:t>
+              <a:t>2019/7/28</a:t>
             </a:fld>
             <a:endParaRPr lang="zh-CN" altLang="en-US"/>
           </a:p>
@@ -1016,7 +1019,7 @@
           <a:p>
             <a:fld id="{DDA058EC-E564-4FAA-9823-230C53E76A76}" type="datetimeFigureOut">
               <a:rPr lang="zh-CN" altLang="en-US" smtClean="0"/>
-              <a:t>2019/7/27</a:t>
+              <a:t>2019/7/28</a:t>
             </a:fld>
             <a:endParaRPr lang="zh-CN" altLang="en-US"/>
           </a:p>
@@ -1248,7 +1251,7 @@
           <a:p>
             <a:fld id="{DDA058EC-E564-4FAA-9823-230C53E76A76}" type="datetimeFigureOut">
               <a:rPr lang="zh-CN" altLang="en-US" smtClean="0"/>
-              <a:t>2019/7/27</a:t>
+              <a:t>2019/7/28</a:t>
             </a:fld>
             <a:endParaRPr lang="zh-CN" altLang="en-US"/>
           </a:p>
@@ -1615,7 +1618,7 @@
           <a:p>
             <a:fld id="{DDA058EC-E564-4FAA-9823-230C53E76A76}" type="datetimeFigureOut">
               <a:rPr lang="zh-CN" altLang="en-US" smtClean="0"/>
-              <a:t>2019/7/27</a:t>
+              <a:t>2019/7/28</a:t>
             </a:fld>
             <a:endParaRPr lang="zh-CN" altLang="en-US"/>
           </a:p>
@@ -1733,7 +1736,7 @@
           <a:p>
             <a:fld id="{DDA058EC-E564-4FAA-9823-230C53E76A76}" type="datetimeFigureOut">
               <a:rPr lang="zh-CN" altLang="en-US" smtClean="0"/>
-              <a:t>2019/7/27</a:t>
+              <a:t>2019/7/28</a:t>
             </a:fld>
             <a:endParaRPr lang="zh-CN" altLang="en-US"/>
           </a:p>
@@ -1828,7 +1831,7 @@
           <a:p>
             <a:fld id="{DDA058EC-E564-4FAA-9823-230C53E76A76}" type="datetimeFigureOut">
               <a:rPr lang="zh-CN" altLang="en-US" smtClean="0"/>
-              <a:t>2019/7/27</a:t>
+              <a:t>2019/7/28</a:t>
             </a:fld>
             <a:endParaRPr lang="zh-CN" altLang="en-US"/>
           </a:p>
@@ -2105,7 +2108,7 @@
           <a:p>
             <a:fld id="{DDA058EC-E564-4FAA-9823-230C53E76A76}" type="datetimeFigureOut">
               <a:rPr lang="zh-CN" altLang="en-US" smtClean="0"/>
-              <a:t>2019/7/27</a:t>
+              <a:t>2019/7/28</a:t>
             </a:fld>
             <a:endParaRPr lang="zh-CN" altLang="en-US"/>
           </a:p>
@@ -2358,7 +2361,7 @@
           <a:p>
             <a:fld id="{DDA058EC-E564-4FAA-9823-230C53E76A76}" type="datetimeFigureOut">
               <a:rPr lang="zh-CN" altLang="en-US" smtClean="0"/>
-              <a:t>2019/7/27</a:t>
+              <a:t>2019/7/28</a:t>
             </a:fld>
             <a:endParaRPr lang="zh-CN" altLang="en-US"/>
           </a:p>
@@ -2571,7 +2574,7 @@
           <a:p>
             <a:fld id="{DDA058EC-E564-4FAA-9823-230C53E76A76}" type="datetimeFigureOut">
               <a:rPr lang="zh-CN" altLang="en-US" smtClean="0"/>
-              <a:t>2019/7/27</a:t>
+              <a:t>2019/7/28</a:t>
             </a:fld>
             <a:endParaRPr lang="zh-CN" altLang="en-US"/>
           </a:p>
@@ -2993,11 +2996,7 @@
           <a:p>
             <a:r>
               <a:rPr lang="en-US" altLang="zh-CN" dirty="0" smtClean="0"/>
-              <a:t>INFOCOM </a:t>
-            </a:r>
-            <a:r>
-              <a:rPr lang="en-US" altLang="zh-CN" dirty="0" smtClean="0"/>
-              <a:t>2020 Figure</a:t>
+              <a:t>INFOCOM 2020 Figure</a:t>
             </a:r>
             <a:endParaRPr lang="zh-CN" altLang="en-US" dirty="0"/>
           </a:p>
@@ -3026,6 +3025,377 @@
     <p:extLst>
       <p:ext uri="{BB962C8B-B14F-4D97-AF65-F5344CB8AC3E}">
         <p14:creationId xmlns:p14="http://schemas.microsoft.com/office/powerpoint/2010/main" val="2728662256"/>
+      </p:ext>
+    </p:extLst>
+  </p:cSld>
+  <p:clrMapOvr>
+    <a:masterClrMapping/>
+  </p:clrMapOvr>
+</p:sld>
+</file>
+
+<file path=ppt/slides/slide10.xml><?xml version="1.0" encoding="utf-8"?>
+<p:sld xmlns:a="http://schemas.openxmlformats.org/drawingml/2006/main" xmlns:r="http://schemas.openxmlformats.org/officeDocument/2006/relationships" xmlns:p="http://schemas.openxmlformats.org/presentationml/2006/main">
+  <p:cSld>
+    <p:spTree>
+      <p:nvGrpSpPr>
+        <p:cNvPr id="1" name=""/>
+        <p:cNvGrpSpPr/>
+        <p:nvPr/>
+      </p:nvGrpSpPr>
+      <p:grpSpPr>
+        <a:xfrm>
+          <a:off x="0" y="0"/>
+          <a:ext cx="0" cy="0"/>
+          <a:chOff x="0" y="0"/>
+          <a:chExt cx="0" cy="0"/>
+        </a:xfrm>
+      </p:grpSpPr>
+      <p:pic>
+        <p:nvPicPr>
+          <p:cNvPr id="5" name="图片 4"/>
+          <p:cNvPicPr>
+            <a:picLocks noChangeAspect="1"/>
+          </p:cNvPicPr>
+          <p:nvPr/>
+        </p:nvPicPr>
+        <p:blipFill>
+          <a:blip r:embed="rId2"/>
+          <a:stretch>
+            <a:fillRect/>
+          </a:stretch>
+        </p:blipFill>
+        <p:spPr>
+          <a:xfrm>
+            <a:off x="1355667" y="522663"/>
+            <a:ext cx="8915400" cy="342900"/>
+          </a:xfrm>
+          <a:prstGeom prst="rect">
+            <a:avLst/>
+          </a:prstGeom>
+        </p:spPr>
+      </p:pic>
+      <p:pic>
+        <p:nvPicPr>
+          <p:cNvPr id="7" name="图片 6"/>
+          <p:cNvPicPr>
+            <a:picLocks noChangeAspect="1"/>
+          </p:cNvPicPr>
+          <p:nvPr/>
+        </p:nvPicPr>
+        <p:blipFill>
+          <a:blip r:embed="rId3"/>
+          <a:stretch>
+            <a:fillRect/>
+          </a:stretch>
+        </p:blipFill>
+        <p:spPr>
+          <a:xfrm>
+            <a:off x="1355667" y="1686442"/>
+            <a:ext cx="9153525" cy="333375"/>
+          </a:xfrm>
+          <a:prstGeom prst="rect">
+            <a:avLst/>
+          </a:prstGeom>
+        </p:spPr>
+      </p:pic>
+      <p:pic>
+        <p:nvPicPr>
+          <p:cNvPr id="8" name="图片 7"/>
+          <p:cNvPicPr>
+            <a:picLocks noChangeAspect="1"/>
+          </p:cNvPicPr>
+          <p:nvPr/>
+        </p:nvPicPr>
+        <p:blipFill>
+          <a:blip r:embed="rId4"/>
+          <a:stretch>
+            <a:fillRect/>
+          </a:stretch>
+        </p:blipFill>
+        <p:spPr>
+          <a:xfrm>
+            <a:off x="1355667" y="2292144"/>
+            <a:ext cx="9067800" cy="266700"/>
+          </a:xfrm>
+          <a:prstGeom prst="rect">
+            <a:avLst/>
+          </a:prstGeom>
+        </p:spPr>
+      </p:pic>
+      <p:pic>
+        <p:nvPicPr>
+          <p:cNvPr id="9" name="图片 8"/>
+          <p:cNvPicPr>
+            <a:picLocks noChangeAspect="1"/>
+          </p:cNvPicPr>
+          <p:nvPr/>
+        </p:nvPicPr>
+        <p:blipFill>
+          <a:blip r:embed="rId5"/>
+          <a:stretch>
+            <a:fillRect/>
+          </a:stretch>
+        </p:blipFill>
+        <p:spPr>
+          <a:xfrm>
+            <a:off x="1355667" y="2831171"/>
+            <a:ext cx="9477375" cy="352425"/>
+          </a:xfrm>
+          <a:prstGeom prst="rect">
+            <a:avLst/>
+          </a:prstGeom>
+        </p:spPr>
+      </p:pic>
+      <p:pic>
+        <p:nvPicPr>
+          <p:cNvPr id="10" name="图片 9"/>
+          <p:cNvPicPr>
+            <a:picLocks noChangeAspect="1"/>
+          </p:cNvPicPr>
+          <p:nvPr/>
+        </p:nvPicPr>
+        <p:blipFill>
+          <a:blip r:embed="rId6"/>
+          <a:stretch>
+            <a:fillRect/>
+          </a:stretch>
+        </p:blipFill>
+        <p:spPr>
+          <a:xfrm>
+            <a:off x="1362075" y="3257550"/>
+            <a:ext cx="9467850" cy="342900"/>
+          </a:xfrm>
+          <a:prstGeom prst="rect">
+            <a:avLst/>
+          </a:prstGeom>
+        </p:spPr>
+      </p:pic>
+      <p:pic>
+        <p:nvPicPr>
+          <p:cNvPr id="12" name="图片 11"/>
+          <p:cNvPicPr>
+            <a:picLocks noChangeAspect="1"/>
+          </p:cNvPicPr>
+          <p:nvPr/>
+        </p:nvPicPr>
+        <p:blipFill>
+          <a:blip r:embed="rId7"/>
+          <a:stretch>
+            <a:fillRect/>
+          </a:stretch>
+        </p:blipFill>
+        <p:spPr>
+          <a:xfrm>
+            <a:off x="1369954" y="1053594"/>
+            <a:ext cx="9124950" cy="342900"/>
+          </a:xfrm>
+          <a:prstGeom prst="rect">
+            <a:avLst/>
+          </a:prstGeom>
+        </p:spPr>
+      </p:pic>
+    </p:spTree>
+    <p:extLst>
+      <p:ext uri="{BB962C8B-B14F-4D97-AF65-F5344CB8AC3E}">
+        <p14:creationId xmlns:p14="http://schemas.microsoft.com/office/powerpoint/2010/main" val="2722843450"/>
+      </p:ext>
+    </p:extLst>
+  </p:cSld>
+  <p:clrMapOvr>
+    <a:masterClrMapping/>
+  </p:clrMapOvr>
+</p:sld>
+</file>
+
+<file path=ppt/slides/slide11.xml><?xml version="1.0" encoding="utf-8"?>
+<p:sld xmlns:a="http://schemas.openxmlformats.org/drawingml/2006/main" xmlns:r="http://schemas.openxmlformats.org/officeDocument/2006/relationships" xmlns:p="http://schemas.openxmlformats.org/presentationml/2006/main">
+  <p:cSld>
+    <p:spTree>
+      <p:nvGrpSpPr>
+        <p:cNvPr id="1" name=""/>
+        <p:cNvGrpSpPr/>
+        <p:nvPr/>
+      </p:nvGrpSpPr>
+      <p:grpSpPr>
+        <a:xfrm>
+          <a:off x="0" y="0"/>
+          <a:ext cx="0" cy="0"/>
+          <a:chOff x="0" y="0"/>
+          <a:chExt cx="0" cy="0"/>
+        </a:xfrm>
+      </p:grpSpPr>
+      <p:sp>
+        <p:nvSpPr>
+          <p:cNvPr id="2" name="标题 1"/>
+          <p:cNvSpPr>
+            <a:spLocks noGrp="1"/>
+          </p:cNvSpPr>
+          <p:nvPr>
+            <p:ph type="title"/>
+          </p:nvPr>
+        </p:nvSpPr>
+        <p:spPr/>
+        <p:txBody>
+          <a:bodyPr/>
+          <a:lstStyle/>
+          <a:p>
+            <a:r>
+              <a:rPr lang="en-US" altLang="zh-CN" dirty="0" smtClean="0"/>
+              <a:t>Merge</a:t>
+            </a:r>
+            <a:endParaRPr lang="zh-CN" altLang="en-US" dirty="0"/>
+          </a:p>
+        </p:txBody>
+      </p:sp>
+      <p:pic>
+        <p:nvPicPr>
+          <p:cNvPr id="4" name="图片 3"/>
+          <p:cNvPicPr>
+            <a:picLocks noChangeAspect="1"/>
+          </p:cNvPicPr>
+          <p:nvPr/>
+        </p:nvPicPr>
+        <p:blipFill>
+          <a:blip r:embed="rId2"/>
+          <a:stretch>
+            <a:fillRect/>
+          </a:stretch>
+        </p:blipFill>
+        <p:spPr>
+          <a:xfrm>
+            <a:off x="902104" y="1690688"/>
+            <a:ext cx="8858250" cy="295275"/>
+          </a:xfrm>
+          <a:prstGeom prst="rect">
+            <a:avLst/>
+          </a:prstGeom>
+        </p:spPr>
+      </p:pic>
+      <p:pic>
+        <p:nvPicPr>
+          <p:cNvPr id="6" name="图片 5"/>
+          <p:cNvPicPr>
+            <a:picLocks noChangeAspect="1"/>
+          </p:cNvPicPr>
+          <p:nvPr/>
+        </p:nvPicPr>
+        <p:blipFill>
+          <a:blip r:embed="rId3"/>
+          <a:stretch>
+            <a:fillRect/>
+          </a:stretch>
+        </p:blipFill>
+        <p:spPr>
+          <a:xfrm>
+            <a:off x="902104" y="2843730"/>
+            <a:ext cx="9020175" cy="295275"/>
+          </a:xfrm>
+          <a:prstGeom prst="rect">
+            <a:avLst/>
+          </a:prstGeom>
+        </p:spPr>
+      </p:pic>
+      <p:pic>
+        <p:nvPicPr>
+          <p:cNvPr id="8" name="图片 7"/>
+          <p:cNvPicPr>
+            <a:picLocks noChangeAspect="1"/>
+          </p:cNvPicPr>
+          <p:nvPr/>
+        </p:nvPicPr>
+        <p:blipFill>
+          <a:blip r:embed="rId4"/>
+          <a:stretch>
+            <a:fillRect/>
+          </a:stretch>
+        </p:blipFill>
+        <p:spPr>
+          <a:xfrm>
+            <a:off x="902104" y="3975554"/>
+            <a:ext cx="9134475" cy="285750"/>
+          </a:xfrm>
+          <a:prstGeom prst="rect">
+            <a:avLst/>
+          </a:prstGeom>
+        </p:spPr>
+      </p:pic>
+      <p:pic>
+        <p:nvPicPr>
+          <p:cNvPr id="9" name="图片 8"/>
+          <p:cNvPicPr>
+            <a:picLocks noChangeAspect="1"/>
+          </p:cNvPicPr>
+          <p:nvPr/>
+        </p:nvPicPr>
+        <p:blipFill>
+          <a:blip r:embed="rId5"/>
+          <a:stretch>
+            <a:fillRect/>
+          </a:stretch>
+        </p:blipFill>
+        <p:spPr>
+          <a:xfrm>
+            <a:off x="906866" y="3420251"/>
+            <a:ext cx="9115425" cy="295275"/>
+          </a:xfrm>
+          <a:prstGeom prst="rect">
+            <a:avLst/>
+          </a:prstGeom>
+        </p:spPr>
+      </p:pic>
+      <p:pic>
+        <p:nvPicPr>
+          <p:cNvPr id="10" name="图片 9"/>
+          <p:cNvPicPr>
+            <a:picLocks noChangeAspect="1"/>
+          </p:cNvPicPr>
+          <p:nvPr/>
+        </p:nvPicPr>
+        <p:blipFill>
+          <a:blip r:embed="rId6"/>
+          <a:stretch>
+            <a:fillRect/>
+          </a:stretch>
+        </p:blipFill>
+        <p:spPr>
+          <a:xfrm>
+            <a:off x="892579" y="4573293"/>
+            <a:ext cx="9029700" cy="323850"/>
+          </a:xfrm>
+          <a:prstGeom prst="rect">
+            <a:avLst/>
+          </a:prstGeom>
+        </p:spPr>
+      </p:pic>
+      <p:pic>
+        <p:nvPicPr>
+          <p:cNvPr id="11" name="图片 10"/>
+          <p:cNvPicPr>
+            <a:picLocks noChangeAspect="1"/>
+          </p:cNvPicPr>
+          <p:nvPr/>
+        </p:nvPicPr>
+        <p:blipFill>
+          <a:blip r:embed="rId7"/>
+          <a:stretch>
+            <a:fillRect/>
+          </a:stretch>
+        </p:blipFill>
+        <p:spPr>
+          <a:xfrm>
+            <a:off x="902104" y="2221053"/>
+            <a:ext cx="9020175" cy="352425"/>
+          </a:xfrm>
+          <a:prstGeom prst="rect">
+            <a:avLst/>
+          </a:prstGeom>
+        </p:spPr>
+      </p:pic>
+    </p:spTree>
+    <p:extLst>
+      <p:ext uri="{BB962C8B-B14F-4D97-AF65-F5344CB8AC3E}">
+        <p14:creationId xmlns:p14="http://schemas.microsoft.com/office/powerpoint/2010/main" val="2982497880"/>
       </p:ext>
     </p:extLst>
   </p:cSld>
@@ -3052,447 +3422,1052 @@
           <a:chExt cx="0" cy="0"/>
         </a:xfrm>
       </p:grpSpPr>
-      <p:pic>
-        <p:nvPicPr>
-          <p:cNvPr id="6" name="Picture 11" descr="IOSfirewall"/>
-          <p:cNvPicPr>
-            <a:picLocks noChangeAspect="1" noChangeArrowheads="1"/>
-          </p:cNvPicPr>
+      <p:grpSp>
+        <p:nvGrpSpPr>
+          <p:cNvPr id="2" name="组合 1"/>
+          <p:cNvGrpSpPr/>
           <p:nvPr/>
-        </p:nvPicPr>
-        <p:blipFill>
-          <a:blip r:embed="rId2">
+        </p:nvGrpSpPr>
+        <p:grpSpPr>
+          <a:xfrm>
+            <a:off x="1435983" y="557272"/>
+            <a:ext cx="8375787" cy="1454662"/>
+            <a:chOff x="1056120" y="1630292"/>
+            <a:chExt cx="8375787" cy="1454662"/>
+          </a:xfrm>
+        </p:grpSpPr>
+        <p:pic>
+          <p:nvPicPr>
+            <p:cNvPr id="6" name="Picture 11" descr="IOSfirewall"/>
+            <p:cNvPicPr>
+              <a:picLocks noChangeAspect="1" noChangeArrowheads="1"/>
+            </p:cNvPicPr>
+            <p:nvPr/>
+          </p:nvPicPr>
+          <p:blipFill>
+            <a:blip r:embed="rId2">
+              <a:extLst>
+                <a:ext uri="{28A0092B-C50C-407E-A947-70E740481C1C}">
+                  <a14:useLocalDpi xmlns:a14="http://schemas.microsoft.com/office/drawing/2010/main" val="0"/>
+                </a:ext>
+              </a:extLst>
+            </a:blip>
+            <a:srcRect/>
+            <a:stretch>
+              <a:fillRect/>
+            </a:stretch>
+          </p:blipFill>
+          <p:spPr bwMode="auto">
+            <a:xfrm>
+              <a:off x="3511608" y="1630292"/>
+              <a:ext cx="850900" cy="1066800"/>
+            </a:xfrm>
+            <a:prstGeom prst="rect">
+              <a:avLst/>
+            </a:prstGeom>
+            <a:noFill/>
+            <a:ln>
+              <a:noFill/>
+            </a:ln>
             <a:extLst>
-              <a:ext uri="{28A0092B-C50C-407E-A947-70E740481C1C}">
-                <a14:useLocalDpi xmlns:a14="http://schemas.microsoft.com/office/drawing/2010/main" val="0"/>
+              <a:ext uri="{909E8E84-426E-40DD-AFC4-6F175D3DCCD1}">
+                <a14:hiddenFill xmlns:a14="http://schemas.microsoft.com/office/drawing/2010/main">
+                  <a:solidFill>
+                    <a:srgbClr val="FFFFFF"/>
+                  </a:solidFill>
+                </a14:hiddenFill>
+              </a:ext>
+              <a:ext uri="{91240B29-F687-4F45-9708-019B960494DF}">
+                <a14:hiddenLine xmlns:a14="http://schemas.microsoft.com/office/drawing/2010/main" w="9525">
+                  <a:solidFill>
+                    <a:srgbClr val="000000"/>
+                  </a:solidFill>
+                  <a:miter lim="800000"/>
+                  <a:headEnd/>
+                  <a:tailEnd/>
+                </a14:hiddenLine>
               </a:ext>
             </a:extLst>
-          </a:blip>
-          <a:srcRect/>
-          <a:stretch>
-            <a:fillRect/>
-          </a:stretch>
-        </p:blipFill>
-        <p:spPr bwMode="auto">
-          <a:xfrm>
-            <a:off x="3511608" y="1630292"/>
-            <a:ext cx="850900" cy="1066800"/>
-          </a:xfrm>
-          <a:prstGeom prst="rect">
-            <a:avLst/>
-          </a:prstGeom>
-          <a:noFill/>
-          <a:ln>
+          </p:spPr>
+        </p:pic>
+        <p:pic>
+          <p:nvPicPr>
+            <p:cNvPr id="7" name="Picture 27"/>
+            <p:cNvPicPr>
+              <a:picLocks noChangeArrowheads="1"/>
+            </p:cNvPicPr>
+            <p:nvPr/>
+          </p:nvPicPr>
+          <p:blipFill>
+            <a:blip r:embed="rId3">
+              <a:extLst>
+                <a:ext uri="{28A0092B-C50C-407E-A947-70E740481C1C}">
+                  <a14:useLocalDpi xmlns:a14="http://schemas.microsoft.com/office/drawing/2010/main" val="0"/>
+                </a:ext>
+              </a:extLst>
+            </a:blip>
+            <a:srcRect/>
+            <a:stretch>
+              <a:fillRect/>
+            </a:stretch>
+          </p:blipFill>
+          <p:spPr bwMode="auto">
+            <a:xfrm>
+              <a:off x="1056120" y="2123484"/>
+              <a:ext cx="1077913" cy="592138"/>
+            </a:xfrm>
+            <a:prstGeom prst="rect">
+              <a:avLst/>
+            </a:prstGeom>
             <a:noFill/>
-          </a:ln>
-          <a:extLst>
-            <a:ext uri="{909E8E84-426E-40DD-AFC4-6F175D3DCCD1}">
-              <a14:hiddenFill xmlns:a14="http://schemas.microsoft.com/office/drawing/2010/main">
-                <a:solidFill>
-                  <a:srgbClr val="FFFFFF"/>
-                </a:solidFill>
-              </a14:hiddenFill>
-            </a:ext>
-            <a:ext uri="{91240B29-F687-4F45-9708-019B960494DF}">
-              <a14:hiddenLine xmlns:a14="http://schemas.microsoft.com/office/drawing/2010/main" w="9525">
-                <a:solidFill>
-                  <a:srgbClr val="000000"/>
-                </a:solidFill>
-                <a:miter lim="800000"/>
-                <a:headEnd/>
-                <a:tailEnd/>
-              </a14:hiddenLine>
-            </a:ext>
-          </a:extLst>
-        </p:spPr>
-      </p:pic>
-      <p:pic>
-        <p:nvPicPr>
-          <p:cNvPr id="7" name="Picture 27"/>
-          <p:cNvPicPr>
-            <a:picLocks noChangeArrowheads="1"/>
-          </p:cNvPicPr>
-          <p:nvPr/>
-        </p:nvPicPr>
-        <p:blipFill>
-          <a:blip r:embed="rId3">
+            <a:ln>
+              <a:noFill/>
+            </a:ln>
             <a:extLst>
-              <a:ext uri="{28A0092B-C50C-407E-A947-70E740481C1C}">
-                <a14:useLocalDpi xmlns:a14="http://schemas.microsoft.com/office/drawing/2010/main" val="0"/>
+              <a:ext uri="{909E8E84-426E-40DD-AFC4-6F175D3DCCD1}">
+                <a14:hiddenFill xmlns:a14="http://schemas.microsoft.com/office/drawing/2010/main">
+                  <a:solidFill>
+                    <a:srgbClr val="FFFFFF"/>
+                  </a:solidFill>
+                </a14:hiddenFill>
+              </a:ext>
+              <a:ext uri="{91240B29-F687-4F45-9708-019B960494DF}">
+                <a14:hiddenLine xmlns:a14="http://schemas.microsoft.com/office/drawing/2010/main" w="9525">
+                  <a:solidFill>
+                    <a:srgbClr val="000000"/>
+                  </a:solidFill>
+                  <a:miter lim="800000"/>
+                  <a:headEnd/>
+                  <a:tailEnd/>
+                </a14:hiddenLine>
               </a:ext>
             </a:extLst>
-          </a:blip>
-          <a:srcRect/>
-          <a:stretch>
-            <a:fillRect/>
-          </a:stretch>
-        </p:blipFill>
-        <p:spPr bwMode="auto">
-          <a:xfrm>
-            <a:off x="1056120" y="2123484"/>
-            <a:ext cx="1077913" cy="592138"/>
-          </a:xfrm>
-          <a:prstGeom prst="rect">
-            <a:avLst/>
-          </a:prstGeom>
-          <a:noFill/>
-          <a:ln>
+          </p:spPr>
+        </p:pic>
+        <p:pic>
+          <p:nvPicPr>
+            <p:cNvPr id="8" name="Picture 57" descr="icon_color"/>
+            <p:cNvPicPr>
+              <a:picLocks noChangeAspect="1" noChangeArrowheads="1"/>
+            </p:cNvPicPr>
+            <p:nvPr/>
+          </p:nvPicPr>
+          <p:blipFill>
+            <a:blip r:embed="rId4">
+              <a:extLst>
+                <a:ext uri="{28A0092B-C50C-407E-A947-70E740481C1C}">
+                  <a14:useLocalDpi xmlns:a14="http://schemas.microsoft.com/office/drawing/2010/main" val="0"/>
+                </a:ext>
+              </a:extLst>
+            </a:blip>
+            <a:srcRect/>
+            <a:stretch>
+              <a:fillRect/>
+            </a:stretch>
+          </p:blipFill>
+          <p:spPr bwMode="auto">
+            <a:xfrm>
+              <a:off x="5740083" y="1743394"/>
+              <a:ext cx="981075" cy="935037"/>
+            </a:xfrm>
+            <a:prstGeom prst="rect">
+              <a:avLst/>
+            </a:prstGeom>
             <a:noFill/>
-          </a:ln>
-          <a:extLst>
-            <a:ext uri="{909E8E84-426E-40DD-AFC4-6F175D3DCCD1}">
-              <a14:hiddenFill xmlns:a14="http://schemas.microsoft.com/office/drawing/2010/main">
-                <a:solidFill>
-                  <a:srgbClr val="FFFFFF"/>
-                </a:solidFill>
-              </a14:hiddenFill>
-            </a:ext>
-            <a:ext uri="{91240B29-F687-4F45-9708-019B960494DF}">
-              <a14:hiddenLine xmlns:a14="http://schemas.microsoft.com/office/drawing/2010/main" w="9525">
-                <a:solidFill>
-                  <a:srgbClr val="000000"/>
-                </a:solidFill>
-                <a:miter lim="800000"/>
-                <a:headEnd/>
-                <a:tailEnd/>
-              </a14:hiddenLine>
-            </a:ext>
-          </a:extLst>
-        </p:spPr>
-      </p:pic>
-      <p:pic>
-        <p:nvPicPr>
-          <p:cNvPr id="8" name="Picture 57" descr="icon_color"/>
-          <p:cNvPicPr>
-            <a:picLocks noChangeAspect="1" noChangeArrowheads="1"/>
-          </p:cNvPicPr>
-          <p:nvPr/>
-        </p:nvPicPr>
-        <p:blipFill>
-          <a:blip r:embed="rId4">
+            <a:ln>
+              <a:noFill/>
+            </a:ln>
             <a:extLst>
-              <a:ext uri="{28A0092B-C50C-407E-A947-70E740481C1C}">
-                <a14:useLocalDpi xmlns:a14="http://schemas.microsoft.com/office/drawing/2010/main" val="0"/>
+              <a:ext uri="{909E8E84-426E-40DD-AFC4-6F175D3DCCD1}">
+                <a14:hiddenFill xmlns:a14="http://schemas.microsoft.com/office/drawing/2010/main">
+                  <a:solidFill>
+                    <a:srgbClr val="FFFFFF"/>
+                  </a:solidFill>
+                </a14:hiddenFill>
+              </a:ext>
+              <a:ext uri="{91240B29-F687-4F45-9708-019B960494DF}">
+                <a14:hiddenLine xmlns:a14="http://schemas.microsoft.com/office/drawing/2010/main" w="9525">
+                  <a:solidFill>
+                    <a:srgbClr val="000000"/>
+                  </a:solidFill>
+                  <a:miter lim="800000"/>
+                  <a:headEnd/>
+                  <a:tailEnd/>
+                </a14:hiddenLine>
               </a:ext>
             </a:extLst>
-          </a:blip>
-          <a:srcRect/>
-          <a:stretch>
-            <a:fillRect/>
-          </a:stretch>
-        </p:blipFill>
-        <p:spPr bwMode="auto">
-          <a:xfrm>
-            <a:off x="5740083" y="1743394"/>
-            <a:ext cx="981075" cy="935037"/>
-          </a:xfrm>
-          <a:prstGeom prst="rect">
-            <a:avLst/>
-          </a:prstGeom>
-          <a:noFill/>
-          <a:ln>
+          </p:spPr>
+        </p:pic>
+        <p:pic>
+          <p:nvPicPr>
+            <p:cNvPr id="10" name="Picture 19"/>
+            <p:cNvPicPr>
+              <a:picLocks noChangeArrowheads="1"/>
+            </p:cNvPicPr>
+            <p:nvPr/>
+          </p:nvPicPr>
+          <p:blipFill>
+            <a:blip r:embed="rId5">
+              <a:extLst>
+                <a:ext uri="{28A0092B-C50C-407E-A947-70E740481C1C}">
+                  <a14:useLocalDpi xmlns:a14="http://schemas.microsoft.com/office/drawing/2010/main" val="0"/>
+                </a:ext>
+              </a:extLst>
+            </a:blip>
+            <a:srcRect/>
+            <a:stretch>
+              <a:fillRect/>
+            </a:stretch>
+          </p:blipFill>
+          <p:spPr bwMode="auto">
+            <a:xfrm>
+              <a:off x="8098733" y="1999119"/>
+              <a:ext cx="1008062" cy="663575"/>
+            </a:xfrm>
+            <a:prstGeom prst="rect">
+              <a:avLst/>
+            </a:prstGeom>
             <a:noFill/>
-          </a:ln>
-          <a:extLst>
-            <a:ext uri="{909E8E84-426E-40DD-AFC4-6F175D3DCCD1}">
-              <a14:hiddenFill xmlns:a14="http://schemas.microsoft.com/office/drawing/2010/main">
-                <a:solidFill>
-                  <a:srgbClr val="FFFFFF"/>
-                </a:solidFill>
-              </a14:hiddenFill>
-            </a:ext>
-            <a:ext uri="{91240B29-F687-4F45-9708-019B960494DF}">
-              <a14:hiddenLine xmlns:a14="http://schemas.microsoft.com/office/drawing/2010/main" w="9525">
-                <a:solidFill>
-                  <a:srgbClr val="000000"/>
-                </a:solidFill>
-                <a:miter lim="800000"/>
-                <a:headEnd/>
-                <a:tailEnd/>
-              </a14:hiddenLine>
-            </a:ext>
-          </a:extLst>
-        </p:spPr>
-      </p:pic>
-      <p:pic>
-        <p:nvPicPr>
-          <p:cNvPr id="10" name="Picture 19"/>
-          <p:cNvPicPr>
-            <a:picLocks noChangeArrowheads="1"/>
-          </p:cNvPicPr>
-          <p:nvPr/>
-        </p:nvPicPr>
-        <p:blipFill>
-          <a:blip r:embed="rId5">
+            <a:ln>
+              <a:noFill/>
+            </a:ln>
             <a:extLst>
-              <a:ext uri="{28A0092B-C50C-407E-A947-70E740481C1C}">
-                <a14:useLocalDpi xmlns:a14="http://schemas.microsoft.com/office/drawing/2010/main" val="0"/>
+              <a:ext uri="{909E8E84-426E-40DD-AFC4-6F175D3DCCD1}">
+                <a14:hiddenFill xmlns:a14="http://schemas.microsoft.com/office/drawing/2010/main">
+                  <a:solidFill>
+                    <a:srgbClr val="FFFFFF"/>
+                  </a:solidFill>
+                </a14:hiddenFill>
+              </a:ext>
+              <a:ext uri="{91240B29-F687-4F45-9708-019B960494DF}">
+                <a14:hiddenLine xmlns:a14="http://schemas.microsoft.com/office/drawing/2010/main" w="9525">
+                  <a:solidFill>
+                    <a:srgbClr val="000000"/>
+                  </a:solidFill>
+                  <a:miter lim="800000"/>
+                  <a:headEnd/>
+                  <a:tailEnd/>
+                </a14:hiddenLine>
               </a:ext>
             </a:extLst>
-          </a:blip>
-          <a:srcRect/>
-          <a:stretch>
-            <a:fillRect/>
-          </a:stretch>
-        </p:blipFill>
-        <p:spPr bwMode="auto">
+          </p:spPr>
+        </p:pic>
+        <p:cxnSp>
+          <p:nvCxnSpPr>
+            <p:cNvPr id="3" name="直接箭头连接符 2"/>
+            <p:cNvCxnSpPr/>
+            <p:nvPr/>
+          </p:nvCxnSpPr>
+          <p:spPr>
+            <a:xfrm>
+              <a:off x="2318789" y="2352492"/>
+              <a:ext cx="1064491" cy="0"/>
+            </a:xfrm>
+            <a:prstGeom prst="straightConnector1">
+              <a:avLst/>
+            </a:prstGeom>
+            <a:ln w="50800">
+              <a:tailEnd type="triangle"/>
+            </a:ln>
+          </p:spPr>
+          <p:style>
+            <a:lnRef idx="1">
+              <a:schemeClr val="accent1"/>
+            </a:lnRef>
+            <a:fillRef idx="0">
+              <a:schemeClr val="accent1"/>
+            </a:fillRef>
+            <a:effectRef idx="0">
+              <a:schemeClr val="accent1"/>
+            </a:effectRef>
+            <a:fontRef idx="minor">
+              <a:schemeClr val="tx1"/>
+            </a:fontRef>
+          </p:style>
+        </p:cxnSp>
+        <p:cxnSp>
+          <p:nvCxnSpPr>
+            <p:cNvPr id="11" name="直接箭头连接符 10"/>
+            <p:cNvCxnSpPr/>
+            <p:nvPr/>
+          </p:nvCxnSpPr>
+          <p:spPr>
+            <a:xfrm>
+              <a:off x="4523924" y="2331712"/>
+              <a:ext cx="1064491" cy="0"/>
+            </a:xfrm>
+            <a:prstGeom prst="straightConnector1">
+              <a:avLst/>
+            </a:prstGeom>
+            <a:ln w="50800">
+              <a:solidFill>
+                <a:srgbClr val="0096D5"/>
+              </a:solidFill>
+              <a:tailEnd type="triangle"/>
+            </a:ln>
+          </p:spPr>
+          <p:style>
+            <a:lnRef idx="1">
+              <a:schemeClr val="accent1"/>
+            </a:lnRef>
+            <a:fillRef idx="0">
+              <a:schemeClr val="accent1"/>
+            </a:fillRef>
+            <a:effectRef idx="0">
+              <a:schemeClr val="accent1"/>
+            </a:effectRef>
+            <a:fontRef idx="minor">
+              <a:schemeClr val="tx1"/>
+            </a:fontRef>
+          </p:style>
+        </p:cxnSp>
+        <p:cxnSp>
+          <p:nvCxnSpPr>
+            <p:cNvPr id="12" name="直接箭头连接符 11"/>
+            <p:cNvCxnSpPr/>
+            <p:nvPr/>
+          </p:nvCxnSpPr>
+          <p:spPr>
+            <a:xfrm>
+              <a:off x="6897010" y="2330906"/>
+              <a:ext cx="1064491" cy="0"/>
+            </a:xfrm>
+            <a:prstGeom prst="straightConnector1">
+              <a:avLst/>
+            </a:prstGeom>
+            <a:ln w="50800">
+              <a:solidFill>
+                <a:srgbClr val="0096D5"/>
+              </a:solidFill>
+              <a:tailEnd type="triangle"/>
+            </a:ln>
+          </p:spPr>
+          <p:style>
+            <a:lnRef idx="1">
+              <a:schemeClr val="accent1"/>
+            </a:lnRef>
+            <a:fillRef idx="0">
+              <a:schemeClr val="accent1"/>
+            </a:fillRef>
+            <a:effectRef idx="0">
+              <a:schemeClr val="accent1"/>
+            </a:effectRef>
+            <a:fontRef idx="minor">
+              <a:schemeClr val="tx1"/>
+            </a:fontRef>
+          </p:style>
+        </p:cxnSp>
+        <p:sp>
+          <p:nvSpPr>
+            <p:cNvPr id="13" name="文本框 12"/>
+            <p:cNvSpPr txBox="1"/>
+            <p:nvPr/>
+          </p:nvSpPr>
+          <p:spPr>
+            <a:xfrm>
+              <a:off x="1270607" y="2715622"/>
+              <a:ext cx="648938" cy="369332"/>
+            </a:xfrm>
+            <a:prstGeom prst="rect">
+              <a:avLst/>
+            </a:prstGeom>
+            <a:noFill/>
+          </p:spPr>
+          <p:txBody>
+            <a:bodyPr wrap="square" rtlCol="0">
+              <a:spAutoFit/>
+            </a:bodyPr>
+            <a:lstStyle/>
+            <a:p>
+              <a:r>
+                <a:rPr lang="en-US" altLang="zh-CN" b="1" dirty="0" smtClean="0"/>
+                <a:t>NAT</a:t>
+              </a:r>
+              <a:endParaRPr lang="zh-CN" altLang="en-US" b="1" dirty="0"/>
+            </a:p>
+          </p:txBody>
+        </p:sp>
+        <p:sp>
+          <p:nvSpPr>
+            <p:cNvPr id="14" name="文本框 13"/>
+            <p:cNvSpPr txBox="1"/>
+            <p:nvPr/>
+          </p:nvSpPr>
+          <p:spPr>
+            <a:xfrm>
+              <a:off x="3445134" y="2715622"/>
+              <a:ext cx="983848" cy="369332"/>
+            </a:xfrm>
+            <a:prstGeom prst="rect">
+              <a:avLst/>
+            </a:prstGeom>
+            <a:noFill/>
+          </p:spPr>
+          <p:txBody>
+            <a:bodyPr wrap="square" rtlCol="0">
+              <a:spAutoFit/>
+            </a:bodyPr>
+            <a:lstStyle/>
+            <a:p>
+              <a:r>
+                <a:rPr lang="en-US" altLang="zh-CN" b="1" dirty="0" smtClean="0"/>
+                <a:t>Firewall</a:t>
+              </a:r>
+              <a:endParaRPr lang="zh-CN" altLang="en-US" b="1" dirty="0"/>
+            </a:p>
+          </p:txBody>
+        </p:sp>
+        <p:sp>
+          <p:nvSpPr>
+            <p:cNvPr id="15" name="文本框 14"/>
+            <p:cNvSpPr txBox="1"/>
+            <p:nvPr/>
+          </p:nvSpPr>
+          <p:spPr>
+            <a:xfrm>
+              <a:off x="5874203" y="2715622"/>
+              <a:ext cx="554589" cy="369332"/>
+            </a:xfrm>
+            <a:prstGeom prst="rect">
+              <a:avLst/>
+            </a:prstGeom>
+            <a:noFill/>
+          </p:spPr>
+          <p:txBody>
+            <a:bodyPr wrap="square" rtlCol="0">
+              <a:spAutoFit/>
+            </a:bodyPr>
+            <a:lstStyle/>
+            <a:p>
+              <a:r>
+                <a:rPr lang="en-US" altLang="zh-CN" b="1" dirty="0" smtClean="0"/>
+                <a:t>DPI</a:t>
+              </a:r>
+              <a:endParaRPr lang="zh-CN" altLang="en-US" b="1" dirty="0"/>
+            </a:p>
+          </p:txBody>
+        </p:sp>
+        <p:sp>
+          <p:nvSpPr>
+            <p:cNvPr id="16" name="文本框 15"/>
+            <p:cNvSpPr txBox="1"/>
+            <p:nvPr/>
+          </p:nvSpPr>
+          <p:spPr>
+            <a:xfrm>
+              <a:off x="7773621" y="2715622"/>
+              <a:ext cx="1658286" cy="369332"/>
+            </a:xfrm>
+            <a:prstGeom prst="rect">
+              <a:avLst/>
+            </a:prstGeom>
+            <a:noFill/>
+          </p:spPr>
+          <p:txBody>
+            <a:bodyPr wrap="square" rtlCol="0">
+              <a:spAutoFit/>
+            </a:bodyPr>
+            <a:lstStyle/>
+            <a:p>
+              <a:r>
+                <a:rPr lang="en-US" altLang="zh-CN" b="1" dirty="0" smtClean="0"/>
+                <a:t>Load Balancer</a:t>
+              </a:r>
+              <a:endParaRPr lang="zh-CN" altLang="en-US" b="1" dirty="0"/>
+            </a:p>
+          </p:txBody>
+        </p:sp>
+      </p:grpSp>
+      <p:grpSp>
+        <p:nvGrpSpPr>
+          <p:cNvPr id="17" name="组合 16"/>
+          <p:cNvGrpSpPr/>
+          <p:nvPr/>
+        </p:nvGrpSpPr>
+        <p:grpSpPr>
           <a:xfrm>
-            <a:off x="8098733" y="1999119"/>
-            <a:ext cx="1008062" cy="663575"/>
+            <a:off x="1435982" y="2523219"/>
+            <a:ext cx="8375788" cy="3219061"/>
+            <a:chOff x="-226141" y="3637635"/>
+            <a:chExt cx="8375788" cy="3219061"/>
           </a:xfrm>
-          <a:prstGeom prst="rect">
-            <a:avLst/>
-          </a:prstGeom>
-          <a:noFill/>
-          <a:ln>
-            <a:noFill/>
-          </a:ln>
-          <a:extLst>
-            <a:ext uri="{909E8E84-426E-40DD-AFC4-6F175D3DCCD1}">
-              <a14:hiddenFill xmlns:a14="http://schemas.microsoft.com/office/drawing/2010/main">
-                <a:solidFill>
-                  <a:srgbClr val="FFFFFF"/>
-                </a:solidFill>
-              </a14:hiddenFill>
-            </a:ext>
-            <a:ext uri="{91240B29-F687-4F45-9708-019B960494DF}">
-              <a14:hiddenLine xmlns:a14="http://schemas.microsoft.com/office/drawing/2010/main" w="9525">
-                <a:solidFill>
-                  <a:srgbClr val="000000"/>
-                </a:solidFill>
-                <a:miter lim="800000"/>
-                <a:headEnd/>
-                <a:tailEnd/>
-              </a14:hiddenLine>
-            </a:ext>
-          </a:extLst>
-        </p:spPr>
-      </p:pic>
-      <p:cxnSp>
-        <p:nvCxnSpPr>
-          <p:cNvPr id="3" name="直接箭头连接符 2"/>
-          <p:cNvCxnSpPr/>
-          <p:nvPr/>
-        </p:nvCxnSpPr>
-        <p:spPr>
-          <a:xfrm>
-            <a:off x="2318789" y="2352492"/>
-            <a:ext cx="1064491" cy="0"/>
-          </a:xfrm>
-          <a:prstGeom prst="straightConnector1">
-            <a:avLst/>
-          </a:prstGeom>
-          <a:ln w="50800">
-            <a:tailEnd type="triangle"/>
-          </a:ln>
-        </p:spPr>
-        <p:style>
-          <a:lnRef idx="1">
-            <a:schemeClr val="accent1"/>
-          </a:lnRef>
-          <a:fillRef idx="0">
-            <a:schemeClr val="accent1"/>
-          </a:fillRef>
-          <a:effectRef idx="0">
-            <a:schemeClr val="accent1"/>
-          </a:effectRef>
-          <a:fontRef idx="minor">
-            <a:schemeClr val="tx1"/>
-          </a:fontRef>
-        </p:style>
-      </p:cxnSp>
-      <p:cxnSp>
-        <p:nvCxnSpPr>
-          <p:cNvPr id="11" name="直接箭头连接符 10"/>
-          <p:cNvCxnSpPr/>
-          <p:nvPr/>
-        </p:nvCxnSpPr>
-        <p:spPr>
-          <a:xfrm>
-            <a:off x="4523924" y="2331712"/>
-            <a:ext cx="1064491" cy="0"/>
-          </a:xfrm>
-          <a:prstGeom prst="straightConnector1">
-            <a:avLst/>
-          </a:prstGeom>
-          <a:ln w="50800">
+        </p:grpSpPr>
+        <p:sp>
+          <p:nvSpPr>
+            <p:cNvPr id="18" name="矩形 17"/>
+            <p:cNvSpPr/>
+            <p:nvPr/>
+          </p:nvSpPr>
+          <p:spPr>
+            <a:xfrm>
+              <a:off x="2662402" y="3637635"/>
+              <a:ext cx="2603241" cy="3219061"/>
+            </a:xfrm>
+            <a:prstGeom prst="rect">
+              <a:avLst/>
+            </a:prstGeom>
             <a:solidFill>
-              <a:srgbClr val="0096D5"/>
+              <a:schemeClr val="bg1">
+                <a:lumMod val="85000"/>
+              </a:schemeClr>
             </a:solidFill>
-            <a:tailEnd type="triangle"/>
-          </a:ln>
-        </p:spPr>
-        <p:style>
-          <a:lnRef idx="1">
-            <a:schemeClr val="accent1"/>
-          </a:lnRef>
-          <a:fillRef idx="0">
-            <a:schemeClr val="accent1"/>
-          </a:fillRef>
-          <a:effectRef idx="0">
-            <a:schemeClr val="accent1"/>
-          </a:effectRef>
-          <a:fontRef idx="minor">
-            <a:schemeClr val="tx1"/>
-          </a:fontRef>
-        </p:style>
-      </p:cxnSp>
-      <p:cxnSp>
-        <p:nvCxnSpPr>
-          <p:cNvPr id="12" name="直接箭头连接符 11"/>
-          <p:cNvCxnSpPr/>
-          <p:nvPr/>
-        </p:nvCxnSpPr>
-        <p:spPr>
-          <a:xfrm>
-            <a:off x="6897010" y="2330906"/>
-            <a:ext cx="1064491" cy="0"/>
-          </a:xfrm>
-          <a:prstGeom prst="straightConnector1">
-            <a:avLst/>
-          </a:prstGeom>
-          <a:ln w="50800">
-            <a:solidFill>
-              <a:srgbClr val="0096D5"/>
-            </a:solidFill>
-            <a:tailEnd type="triangle"/>
-          </a:ln>
-        </p:spPr>
-        <p:style>
-          <a:lnRef idx="1">
-            <a:schemeClr val="accent1"/>
-          </a:lnRef>
-          <a:fillRef idx="0">
-            <a:schemeClr val="accent1"/>
-          </a:fillRef>
-          <a:effectRef idx="0">
-            <a:schemeClr val="accent1"/>
-          </a:effectRef>
-          <a:fontRef idx="minor">
-            <a:schemeClr val="tx1"/>
-          </a:fontRef>
-        </p:style>
-      </p:cxnSp>
-      <p:sp>
-        <p:nvSpPr>
-          <p:cNvPr id="13" name="文本框 12"/>
-          <p:cNvSpPr txBox="1"/>
-          <p:nvPr/>
-        </p:nvSpPr>
-        <p:spPr>
-          <a:xfrm>
-            <a:off x="1270607" y="2715622"/>
-            <a:ext cx="648938" cy="369332"/>
-          </a:xfrm>
-          <a:prstGeom prst="rect">
-            <a:avLst/>
-          </a:prstGeom>
-          <a:noFill/>
-        </p:spPr>
-        <p:txBody>
-          <a:bodyPr wrap="square" rtlCol="0">
-            <a:spAutoFit/>
-          </a:bodyPr>
-          <a:lstStyle/>
-          <a:p>
-            <a:r>
-              <a:rPr lang="en-US" altLang="zh-CN" b="1" dirty="0" smtClean="0"/>
-              <a:t>NAT</a:t>
-            </a:r>
-            <a:endParaRPr lang="zh-CN" altLang="en-US" b="1" dirty="0"/>
-          </a:p>
-        </p:txBody>
-      </p:sp>
-      <p:sp>
-        <p:nvSpPr>
-          <p:cNvPr id="14" name="文本框 13"/>
-          <p:cNvSpPr txBox="1"/>
-          <p:nvPr/>
-        </p:nvSpPr>
-        <p:spPr>
-          <a:xfrm>
-            <a:off x="3445134" y="2715622"/>
-            <a:ext cx="983848" cy="369332"/>
-          </a:xfrm>
-          <a:prstGeom prst="rect">
-            <a:avLst/>
-          </a:prstGeom>
-          <a:noFill/>
-        </p:spPr>
-        <p:txBody>
-          <a:bodyPr wrap="square" rtlCol="0">
-            <a:spAutoFit/>
-          </a:bodyPr>
-          <a:lstStyle/>
-          <a:p>
-            <a:r>
-              <a:rPr lang="en-US" altLang="zh-CN" b="1" dirty="0" smtClean="0"/>
-              <a:t>Firewall</a:t>
-            </a:r>
-            <a:endParaRPr lang="zh-CN" altLang="en-US" b="1" dirty="0"/>
-          </a:p>
-        </p:txBody>
-      </p:sp>
-      <p:sp>
-        <p:nvSpPr>
-          <p:cNvPr id="15" name="文本框 14"/>
-          <p:cNvSpPr txBox="1"/>
-          <p:nvPr/>
-        </p:nvSpPr>
-        <p:spPr>
-          <a:xfrm>
-            <a:off x="5874203" y="2715622"/>
-            <a:ext cx="554589" cy="369332"/>
-          </a:xfrm>
-          <a:prstGeom prst="rect">
-            <a:avLst/>
-          </a:prstGeom>
-          <a:noFill/>
-        </p:spPr>
-        <p:txBody>
-          <a:bodyPr wrap="square" rtlCol="0">
-            <a:spAutoFit/>
-          </a:bodyPr>
-          <a:lstStyle/>
-          <a:p>
-            <a:r>
-              <a:rPr lang="en-US" altLang="zh-CN" b="1" dirty="0" smtClean="0"/>
-              <a:t>DPI</a:t>
-            </a:r>
-            <a:endParaRPr lang="zh-CN" altLang="en-US" b="1" dirty="0"/>
-          </a:p>
-        </p:txBody>
-      </p:sp>
-      <p:sp>
-        <p:nvSpPr>
-          <p:cNvPr id="16" name="文本框 15"/>
-          <p:cNvSpPr txBox="1"/>
-          <p:nvPr/>
-        </p:nvSpPr>
-        <p:spPr>
-          <a:xfrm>
-            <a:off x="7773621" y="2715622"/>
-            <a:ext cx="1658286" cy="369332"/>
-          </a:xfrm>
-          <a:prstGeom prst="rect">
-            <a:avLst/>
-          </a:prstGeom>
-          <a:noFill/>
-        </p:spPr>
-        <p:txBody>
-          <a:bodyPr wrap="square" rtlCol="0">
-            <a:spAutoFit/>
-          </a:bodyPr>
-          <a:lstStyle/>
-          <a:p>
-            <a:r>
-              <a:rPr lang="en-US" altLang="zh-CN" b="1" dirty="0" smtClean="0"/>
-              <a:t>Load Balancer</a:t>
-            </a:r>
-            <a:endParaRPr lang="zh-CN" altLang="en-US" b="1" dirty="0"/>
-          </a:p>
-        </p:txBody>
-      </p:sp>
+            <a:ln>
+              <a:solidFill>
+                <a:schemeClr val="bg2"/>
+              </a:solidFill>
+            </a:ln>
+          </p:spPr>
+          <p:style>
+            <a:lnRef idx="2">
+              <a:schemeClr val="accent3">
+                <a:shade val="50000"/>
+              </a:schemeClr>
+            </a:lnRef>
+            <a:fillRef idx="1">
+              <a:schemeClr val="accent3"/>
+            </a:fillRef>
+            <a:effectRef idx="0">
+              <a:schemeClr val="accent3"/>
+            </a:effectRef>
+            <a:fontRef idx="minor">
+              <a:schemeClr val="lt1"/>
+            </a:fontRef>
+          </p:style>
+          <p:txBody>
+            <a:bodyPr rtlCol="0" anchor="ctr"/>
+            <a:lstStyle/>
+            <a:p>
+              <a:pPr algn="ctr"/>
+              <a:endParaRPr lang="zh-CN" altLang="en-US"/>
+            </a:p>
+          </p:txBody>
+        </p:sp>
+        <p:cxnSp>
+          <p:nvCxnSpPr>
+            <p:cNvPr id="19" name="直接箭头连接符 18"/>
+            <p:cNvCxnSpPr>
+              <a:stCxn id="23" idx="3"/>
+              <a:endCxn id="24" idx="1"/>
+            </p:cNvCxnSpPr>
+            <p:nvPr/>
+          </p:nvCxnSpPr>
+          <p:spPr>
+            <a:xfrm flipV="1">
+              <a:off x="4462764" y="4961546"/>
+              <a:ext cx="2353709" cy="815043"/>
+            </a:xfrm>
+            <a:prstGeom prst="straightConnector1">
+              <a:avLst/>
+            </a:prstGeom>
+            <a:ln w="50800">
+              <a:tailEnd type="triangle"/>
+            </a:ln>
+          </p:spPr>
+          <p:style>
+            <a:lnRef idx="1">
+              <a:schemeClr val="accent1"/>
+            </a:lnRef>
+            <a:fillRef idx="0">
+              <a:schemeClr val="accent1"/>
+            </a:fillRef>
+            <a:effectRef idx="0">
+              <a:schemeClr val="accent1"/>
+            </a:effectRef>
+            <a:fontRef idx="minor">
+              <a:schemeClr val="tx1"/>
+            </a:fontRef>
+          </p:style>
+        </p:cxnSp>
+        <p:grpSp>
+          <p:nvGrpSpPr>
+            <p:cNvPr id="20" name="组合 19"/>
+            <p:cNvGrpSpPr/>
+            <p:nvPr/>
+          </p:nvGrpSpPr>
+          <p:grpSpPr>
+            <a:xfrm>
+              <a:off x="-226141" y="3854424"/>
+              <a:ext cx="8375788" cy="2960229"/>
+              <a:chOff x="-226141" y="3854424"/>
+              <a:chExt cx="8375788" cy="2960229"/>
+            </a:xfrm>
+          </p:grpSpPr>
+          <p:pic>
+            <p:nvPicPr>
+              <p:cNvPr id="21" name="Picture 11" descr="IOSfirewall"/>
+              <p:cNvPicPr>
+                <a:picLocks noChangeAspect="1" noChangeArrowheads="1"/>
+              </p:cNvPicPr>
+              <p:nvPr/>
+            </p:nvPicPr>
+            <p:blipFill>
+              <a:blip r:embed="rId2">
+                <a:extLst>
+                  <a:ext uri="{28A0092B-C50C-407E-A947-70E740481C1C}">
+                    <a14:useLocalDpi xmlns:a14="http://schemas.microsoft.com/office/drawing/2010/main" val="0"/>
+                  </a:ext>
+                </a:extLst>
+              </a:blip>
+              <a:srcRect/>
+              <a:stretch>
+                <a:fillRect/>
+              </a:stretch>
+            </p:blipFill>
+            <p:spPr bwMode="auto">
+              <a:xfrm>
+                <a:off x="3546777" y="3854424"/>
+                <a:ext cx="850900" cy="1066800"/>
+              </a:xfrm>
+              <a:prstGeom prst="rect">
+                <a:avLst/>
+              </a:prstGeom>
+              <a:noFill/>
+              <a:ln>
+                <a:noFill/>
+              </a:ln>
+              <a:extLst>
+                <a:ext uri="{909E8E84-426E-40DD-AFC4-6F175D3DCCD1}">
+                  <a14:hiddenFill xmlns:a14="http://schemas.microsoft.com/office/drawing/2010/main">
+                    <a:solidFill>
+                      <a:srgbClr val="FFFFFF"/>
+                    </a:solidFill>
+                  </a14:hiddenFill>
+                </a:ext>
+                <a:ext uri="{91240B29-F687-4F45-9708-019B960494DF}">
+                  <a14:hiddenLine xmlns:a14="http://schemas.microsoft.com/office/drawing/2010/main" w="9525">
+                    <a:solidFill>
+                      <a:srgbClr val="000000"/>
+                    </a:solidFill>
+                    <a:miter lim="800000"/>
+                    <a:headEnd/>
+                    <a:tailEnd/>
+                  </a14:hiddenLine>
+                </a:ext>
+              </a:extLst>
+            </p:spPr>
+          </p:pic>
+          <p:pic>
+            <p:nvPicPr>
+              <p:cNvPr id="22" name="Picture 27"/>
+              <p:cNvPicPr>
+                <a:picLocks noChangeArrowheads="1"/>
+              </p:cNvPicPr>
+              <p:nvPr/>
+            </p:nvPicPr>
+            <p:blipFill>
+              <a:blip r:embed="rId3">
+                <a:extLst>
+                  <a:ext uri="{28A0092B-C50C-407E-A947-70E740481C1C}">
+                    <a14:useLocalDpi xmlns:a14="http://schemas.microsoft.com/office/drawing/2010/main" val="0"/>
+                  </a:ext>
+                </a:extLst>
+              </a:blip>
+              <a:srcRect/>
+              <a:stretch>
+                <a:fillRect/>
+              </a:stretch>
+            </p:blipFill>
+            <p:spPr bwMode="auto">
+              <a:xfrm>
+                <a:off x="-226141" y="4581765"/>
+                <a:ext cx="1077913" cy="592138"/>
+              </a:xfrm>
+              <a:prstGeom prst="rect">
+                <a:avLst/>
+              </a:prstGeom>
+              <a:noFill/>
+              <a:ln>
+                <a:noFill/>
+              </a:ln>
+              <a:extLst>
+                <a:ext uri="{909E8E84-426E-40DD-AFC4-6F175D3DCCD1}">
+                  <a14:hiddenFill xmlns:a14="http://schemas.microsoft.com/office/drawing/2010/main">
+                    <a:solidFill>
+                      <a:srgbClr val="FFFFFF"/>
+                    </a:solidFill>
+                  </a14:hiddenFill>
+                </a:ext>
+                <a:ext uri="{91240B29-F687-4F45-9708-019B960494DF}">
+                  <a14:hiddenLine xmlns:a14="http://schemas.microsoft.com/office/drawing/2010/main" w="9525">
+                    <a:solidFill>
+                      <a:srgbClr val="000000"/>
+                    </a:solidFill>
+                    <a:miter lim="800000"/>
+                    <a:headEnd/>
+                    <a:tailEnd/>
+                  </a14:hiddenLine>
+                </a:ext>
+              </a:extLst>
+            </p:spPr>
+          </p:pic>
+          <p:pic>
+            <p:nvPicPr>
+              <p:cNvPr id="23" name="Picture 57" descr="icon_color"/>
+              <p:cNvPicPr>
+                <a:picLocks noChangeAspect="1" noChangeArrowheads="1"/>
+              </p:cNvPicPr>
+              <p:nvPr/>
+            </p:nvPicPr>
+            <p:blipFill>
+              <a:blip r:embed="rId4">
+                <a:extLst>
+                  <a:ext uri="{28A0092B-C50C-407E-A947-70E740481C1C}">
+                    <a14:useLocalDpi xmlns:a14="http://schemas.microsoft.com/office/drawing/2010/main" val="0"/>
+                  </a:ext>
+                </a:extLst>
+              </a:blip>
+              <a:srcRect/>
+              <a:stretch>
+                <a:fillRect/>
+              </a:stretch>
+            </p:blipFill>
+            <p:spPr bwMode="auto">
+              <a:xfrm>
+                <a:off x="3481689" y="5309070"/>
+                <a:ext cx="981075" cy="935037"/>
+              </a:xfrm>
+              <a:prstGeom prst="rect">
+                <a:avLst/>
+              </a:prstGeom>
+              <a:noFill/>
+              <a:ln>
+                <a:noFill/>
+              </a:ln>
+              <a:extLst>
+                <a:ext uri="{909E8E84-426E-40DD-AFC4-6F175D3DCCD1}">
+                  <a14:hiddenFill xmlns:a14="http://schemas.microsoft.com/office/drawing/2010/main">
+                    <a:solidFill>
+                      <a:srgbClr val="FFFFFF"/>
+                    </a:solidFill>
+                  </a14:hiddenFill>
+                </a:ext>
+                <a:ext uri="{91240B29-F687-4F45-9708-019B960494DF}">
+                  <a14:hiddenLine xmlns:a14="http://schemas.microsoft.com/office/drawing/2010/main" w="9525">
+                    <a:solidFill>
+                      <a:srgbClr val="000000"/>
+                    </a:solidFill>
+                    <a:miter lim="800000"/>
+                    <a:headEnd/>
+                    <a:tailEnd/>
+                  </a14:hiddenLine>
+                </a:ext>
+              </a:extLst>
+            </p:spPr>
+          </p:pic>
+          <p:pic>
+            <p:nvPicPr>
+              <p:cNvPr id="24" name="Picture 19"/>
+              <p:cNvPicPr>
+                <a:picLocks noChangeArrowheads="1"/>
+              </p:cNvPicPr>
+              <p:nvPr/>
+            </p:nvPicPr>
+            <p:blipFill>
+              <a:blip r:embed="rId5">
+                <a:extLst>
+                  <a:ext uri="{28A0092B-C50C-407E-A947-70E740481C1C}">
+                    <a14:useLocalDpi xmlns:a14="http://schemas.microsoft.com/office/drawing/2010/main" val="0"/>
+                  </a:ext>
+                </a:extLst>
+              </a:blip>
+              <a:srcRect/>
+              <a:stretch>
+                <a:fillRect/>
+              </a:stretch>
+            </p:blipFill>
+            <p:spPr bwMode="auto">
+              <a:xfrm>
+                <a:off x="6816473" y="4629758"/>
+                <a:ext cx="1008062" cy="663575"/>
+              </a:xfrm>
+              <a:prstGeom prst="rect">
+                <a:avLst/>
+              </a:prstGeom>
+              <a:noFill/>
+              <a:ln>
+                <a:noFill/>
+              </a:ln>
+              <a:extLst>
+                <a:ext uri="{909E8E84-426E-40DD-AFC4-6F175D3DCCD1}">
+                  <a14:hiddenFill xmlns:a14="http://schemas.microsoft.com/office/drawing/2010/main">
+                    <a:solidFill>
+                      <a:srgbClr val="FFFFFF"/>
+                    </a:solidFill>
+                  </a14:hiddenFill>
+                </a:ext>
+                <a:ext uri="{91240B29-F687-4F45-9708-019B960494DF}">
+                  <a14:hiddenLine xmlns:a14="http://schemas.microsoft.com/office/drawing/2010/main" w="9525">
+                    <a:solidFill>
+                      <a:srgbClr val="000000"/>
+                    </a:solidFill>
+                    <a:miter lim="800000"/>
+                    <a:headEnd/>
+                    <a:tailEnd/>
+                  </a14:hiddenLine>
+                </a:ext>
+              </a:extLst>
+            </p:spPr>
+          </p:pic>
+          <p:cxnSp>
+            <p:nvCxnSpPr>
+              <p:cNvPr id="25" name="直接箭头连接符 24"/>
+              <p:cNvCxnSpPr>
+                <a:stCxn id="22" idx="3"/>
+                <a:endCxn id="21" idx="1"/>
+              </p:cNvCxnSpPr>
+              <p:nvPr/>
+            </p:nvCxnSpPr>
+            <p:spPr>
+              <a:xfrm flipV="1">
+                <a:off x="851772" y="4387824"/>
+                <a:ext cx="2695005" cy="490010"/>
+              </a:xfrm>
+              <a:prstGeom prst="straightConnector1">
+                <a:avLst/>
+              </a:prstGeom>
+              <a:ln w="50800">
+                <a:tailEnd type="triangle"/>
+              </a:ln>
+            </p:spPr>
+            <p:style>
+              <a:lnRef idx="1">
+                <a:schemeClr val="accent1"/>
+              </a:lnRef>
+              <a:fillRef idx="0">
+                <a:schemeClr val="accent1"/>
+              </a:fillRef>
+              <a:effectRef idx="0">
+                <a:schemeClr val="accent1"/>
+              </a:effectRef>
+              <a:fontRef idx="minor">
+                <a:schemeClr val="tx1"/>
+              </a:fontRef>
+            </p:style>
+          </p:cxnSp>
+          <p:sp>
+            <p:nvSpPr>
+              <p:cNvPr id="26" name="文本框 25"/>
+              <p:cNvSpPr txBox="1"/>
+              <p:nvPr/>
+            </p:nvSpPr>
+            <p:spPr>
+              <a:xfrm>
+                <a:off x="-11653" y="5222526"/>
+                <a:ext cx="648938" cy="369332"/>
+              </a:xfrm>
+              <a:prstGeom prst="rect">
+                <a:avLst/>
+              </a:prstGeom>
+              <a:noFill/>
+            </p:spPr>
+            <p:txBody>
+              <a:bodyPr wrap="square" rtlCol="0">
+                <a:spAutoFit/>
+              </a:bodyPr>
+              <a:lstStyle/>
+              <a:p>
+                <a:r>
+                  <a:rPr lang="en-US" altLang="zh-CN" b="1" dirty="0" smtClean="0"/>
+                  <a:t>NAT</a:t>
+                </a:r>
+                <a:endParaRPr lang="zh-CN" altLang="en-US" b="1" dirty="0"/>
+              </a:p>
+            </p:txBody>
+          </p:sp>
+          <p:sp>
+            <p:nvSpPr>
+              <p:cNvPr id="27" name="文本框 26"/>
+              <p:cNvSpPr txBox="1"/>
+              <p:nvPr/>
+            </p:nvSpPr>
+            <p:spPr>
+              <a:xfrm>
+                <a:off x="3478916" y="4877834"/>
+                <a:ext cx="983848" cy="369332"/>
+              </a:xfrm>
+              <a:prstGeom prst="rect">
+                <a:avLst/>
+              </a:prstGeom>
+              <a:noFill/>
+            </p:spPr>
+            <p:txBody>
+              <a:bodyPr wrap="square" rtlCol="0">
+                <a:spAutoFit/>
+              </a:bodyPr>
+              <a:lstStyle/>
+              <a:p>
+                <a:r>
+                  <a:rPr lang="en-US" altLang="zh-CN" b="1" dirty="0" smtClean="0"/>
+                  <a:t>Firewall</a:t>
+                </a:r>
+                <a:endParaRPr lang="zh-CN" altLang="en-US" b="1" dirty="0"/>
+              </a:p>
+            </p:txBody>
+          </p:sp>
+          <p:sp>
+            <p:nvSpPr>
+              <p:cNvPr id="28" name="文本框 27"/>
+              <p:cNvSpPr txBox="1"/>
+              <p:nvPr/>
+            </p:nvSpPr>
+            <p:spPr>
+              <a:xfrm>
+                <a:off x="3694931" y="6216533"/>
+                <a:ext cx="554589" cy="369332"/>
+              </a:xfrm>
+              <a:prstGeom prst="rect">
+                <a:avLst/>
+              </a:prstGeom>
+              <a:noFill/>
+            </p:spPr>
+            <p:txBody>
+              <a:bodyPr wrap="square" rtlCol="0">
+                <a:spAutoFit/>
+              </a:bodyPr>
+              <a:lstStyle/>
+              <a:p>
+                <a:r>
+                  <a:rPr lang="en-US" altLang="zh-CN" b="1" dirty="0" smtClean="0"/>
+                  <a:t>DPI</a:t>
+                </a:r>
+                <a:endParaRPr lang="zh-CN" altLang="en-US" b="1" dirty="0"/>
+              </a:p>
+            </p:txBody>
+          </p:sp>
+          <p:sp>
+            <p:nvSpPr>
+              <p:cNvPr id="29" name="文本框 28"/>
+              <p:cNvSpPr txBox="1"/>
+              <p:nvPr/>
+            </p:nvSpPr>
+            <p:spPr>
+              <a:xfrm>
+                <a:off x="6491361" y="5342403"/>
+                <a:ext cx="1658286" cy="369332"/>
+              </a:xfrm>
+              <a:prstGeom prst="rect">
+                <a:avLst/>
+              </a:prstGeom>
+              <a:noFill/>
+            </p:spPr>
+            <p:txBody>
+              <a:bodyPr wrap="square" rtlCol="0">
+                <a:spAutoFit/>
+              </a:bodyPr>
+              <a:lstStyle/>
+              <a:p>
+                <a:r>
+                  <a:rPr lang="en-US" altLang="zh-CN" b="1" dirty="0" smtClean="0"/>
+                  <a:t>Load Balancer</a:t>
+                </a:r>
+                <a:endParaRPr lang="zh-CN" altLang="en-US" b="1" dirty="0"/>
+              </a:p>
+            </p:txBody>
+          </p:sp>
+          <p:cxnSp>
+            <p:nvCxnSpPr>
+              <p:cNvPr id="30" name="直接箭头连接符 29"/>
+              <p:cNvCxnSpPr>
+                <a:stCxn id="22" idx="3"/>
+                <a:endCxn id="23" idx="1"/>
+              </p:cNvCxnSpPr>
+              <p:nvPr/>
+            </p:nvCxnSpPr>
+            <p:spPr>
+              <a:xfrm>
+                <a:off x="851772" y="4877834"/>
+                <a:ext cx="2629917" cy="898755"/>
+              </a:xfrm>
+              <a:prstGeom prst="straightConnector1">
+                <a:avLst/>
+              </a:prstGeom>
+              <a:ln w="50800">
+                <a:tailEnd type="triangle"/>
+              </a:ln>
+            </p:spPr>
+            <p:style>
+              <a:lnRef idx="1">
+                <a:schemeClr val="accent1"/>
+              </a:lnRef>
+              <a:fillRef idx="0">
+                <a:schemeClr val="accent1"/>
+              </a:fillRef>
+              <a:effectRef idx="0">
+                <a:schemeClr val="accent1"/>
+              </a:effectRef>
+              <a:fontRef idx="minor">
+                <a:schemeClr val="tx1"/>
+              </a:fontRef>
+            </p:style>
+          </p:cxnSp>
+          <p:cxnSp>
+            <p:nvCxnSpPr>
+              <p:cNvPr id="31" name="直接箭头连接符 30"/>
+              <p:cNvCxnSpPr>
+                <a:stCxn id="21" idx="3"/>
+                <a:endCxn id="24" idx="1"/>
+              </p:cNvCxnSpPr>
+              <p:nvPr/>
+            </p:nvCxnSpPr>
+            <p:spPr>
+              <a:xfrm>
+                <a:off x="4397677" y="4387824"/>
+                <a:ext cx="2418796" cy="573722"/>
+              </a:xfrm>
+              <a:prstGeom prst="straightConnector1">
+                <a:avLst/>
+              </a:prstGeom>
+              <a:ln w="50800">
+                <a:tailEnd type="triangle"/>
+              </a:ln>
+            </p:spPr>
+            <p:style>
+              <a:lnRef idx="1">
+                <a:schemeClr val="accent1"/>
+              </a:lnRef>
+              <a:fillRef idx="0">
+                <a:schemeClr val="accent1"/>
+              </a:fillRef>
+              <a:effectRef idx="0">
+                <a:schemeClr val="accent1"/>
+              </a:effectRef>
+              <a:fontRef idx="minor">
+                <a:schemeClr val="tx1"/>
+              </a:fontRef>
+            </p:style>
+          </p:cxnSp>
+          <p:sp>
+            <p:nvSpPr>
+              <p:cNvPr id="32" name="文本框 31"/>
+              <p:cNvSpPr txBox="1"/>
+              <p:nvPr/>
+            </p:nvSpPr>
+            <p:spPr>
+              <a:xfrm>
+                <a:off x="3096130" y="6506876"/>
+                <a:ext cx="1749419" cy="307777"/>
+              </a:xfrm>
+              <a:prstGeom prst="rect">
+                <a:avLst/>
+              </a:prstGeom>
+              <a:noFill/>
+            </p:spPr>
+            <p:txBody>
+              <a:bodyPr wrap="square" rtlCol="0">
+                <a:spAutoFit/>
+              </a:bodyPr>
+              <a:lstStyle/>
+              <a:p>
+                <a:r>
+                  <a:rPr lang="en-US" altLang="zh-CN" sz="1400" b="1" dirty="0" smtClean="0"/>
+                  <a:t>Working in Parallel</a:t>
+                </a:r>
+                <a:endParaRPr lang="zh-CN" altLang="en-US" sz="1400" b="1" dirty="0"/>
+              </a:p>
+            </p:txBody>
+          </p:sp>
+        </p:grpSp>
+      </p:grpSp>
     </p:spTree>
     <p:extLst>
       <p:ext uri="{BB962C8B-B14F-4D97-AF65-F5344CB8AC3E}">
@@ -3531,7 +4506,7 @@
         </p:nvGrpSpPr>
         <p:grpSpPr>
           <a:xfrm>
-            <a:off x="2736052" y="1575569"/>
+            <a:off x="2162474" y="1450878"/>
             <a:ext cx="5424030" cy="3219061"/>
             <a:chOff x="1392443" y="3637635"/>
             <a:chExt cx="5424030" cy="3219061"/>
@@ -4143,45 +5118,316 @@
           <a:chExt cx="0" cy="0"/>
         </a:xfrm>
       </p:grpSpPr>
+      <p:grpSp>
+        <p:nvGrpSpPr>
+          <p:cNvPr id="3" name="组合 2"/>
+          <p:cNvGrpSpPr/>
+          <p:nvPr/>
+        </p:nvGrpSpPr>
+        <p:grpSpPr>
+          <a:xfrm>
+            <a:off x="2728543" y="790897"/>
+            <a:ext cx="3614668" cy="576000"/>
+            <a:chOff x="2714572" y="1763486"/>
+            <a:chExt cx="3614668" cy="576000"/>
+          </a:xfrm>
+        </p:grpSpPr>
+        <p:sp>
+          <p:nvSpPr>
+            <p:cNvPr id="2" name="矩形 1"/>
+            <p:cNvSpPr/>
+            <p:nvPr/>
+          </p:nvSpPr>
+          <p:spPr>
+            <a:xfrm>
+              <a:off x="2714572" y="1763486"/>
+              <a:ext cx="576000" cy="576000"/>
+            </a:xfrm>
+            <a:prstGeom prst="rect">
+              <a:avLst/>
+            </a:prstGeom>
+            <a:solidFill>
+              <a:schemeClr val="accent6">
+                <a:lumMod val="60000"/>
+                <a:lumOff val="40000"/>
+              </a:schemeClr>
+            </a:solidFill>
+          </p:spPr>
+          <p:style>
+            <a:lnRef idx="2">
+              <a:schemeClr val="accent6">
+                <a:shade val="50000"/>
+              </a:schemeClr>
+            </a:lnRef>
+            <a:fillRef idx="1">
+              <a:schemeClr val="accent6"/>
+            </a:fillRef>
+            <a:effectRef idx="0">
+              <a:schemeClr val="accent6"/>
+            </a:effectRef>
+            <a:fontRef idx="minor">
+              <a:schemeClr val="lt1"/>
+            </a:fontRef>
+          </p:style>
+          <p:txBody>
+            <a:bodyPr rtlCol="0" anchor="ctr"/>
+            <a:lstStyle/>
+            <a:p>
+              <a:pPr algn="ctr"/>
+              <a:r>
+                <a:rPr lang="en-US" altLang="zh-CN" dirty="0">
+                  <a:solidFill>
+                    <a:schemeClr val="tx1"/>
+                  </a:solidFill>
+                </a:rPr>
+                <a:t>5</a:t>
+              </a:r>
+              <a:r>
+                <a:rPr lang="en-US" altLang="zh-CN" dirty="0" smtClean="0">
+                  <a:solidFill>
+                    <a:schemeClr val="tx1"/>
+                  </a:solidFill>
+                </a:rPr>
+                <a:t>0</a:t>
+              </a:r>
+              <a:endParaRPr lang="zh-CN" altLang="en-US" dirty="0">
+                <a:solidFill>
+                  <a:schemeClr val="tx1"/>
+                </a:solidFill>
+              </a:endParaRPr>
+            </a:p>
+          </p:txBody>
+        </p:sp>
+        <p:sp>
+          <p:nvSpPr>
+            <p:cNvPr id="8" name="矩形 7"/>
+            <p:cNvSpPr/>
+            <p:nvPr/>
+          </p:nvSpPr>
+          <p:spPr>
+            <a:xfrm>
+              <a:off x="4233906" y="1763486"/>
+              <a:ext cx="576000" cy="576000"/>
+            </a:xfrm>
+            <a:prstGeom prst="rect">
+              <a:avLst/>
+            </a:prstGeom>
+            <a:solidFill>
+              <a:schemeClr val="accent6">
+                <a:lumMod val="60000"/>
+                <a:lumOff val="40000"/>
+              </a:schemeClr>
+            </a:solidFill>
+          </p:spPr>
+          <p:style>
+            <a:lnRef idx="2">
+              <a:schemeClr val="accent6">
+                <a:shade val="50000"/>
+              </a:schemeClr>
+            </a:lnRef>
+            <a:fillRef idx="1">
+              <a:schemeClr val="accent6"/>
+            </a:fillRef>
+            <a:effectRef idx="0">
+              <a:schemeClr val="accent6"/>
+            </a:effectRef>
+            <a:fontRef idx="minor">
+              <a:schemeClr val="lt1"/>
+            </a:fontRef>
+          </p:style>
+          <p:txBody>
+            <a:bodyPr rtlCol="0" anchor="ctr"/>
+            <a:lstStyle/>
+            <a:p>
+              <a:pPr algn="ctr"/>
+              <a:r>
+                <a:rPr lang="en-US" altLang="zh-CN" dirty="0">
+                  <a:solidFill>
+                    <a:schemeClr val="tx1"/>
+                  </a:solidFill>
+                </a:rPr>
+                <a:t>6</a:t>
+              </a:r>
+              <a:r>
+                <a:rPr lang="en-US" altLang="zh-CN" dirty="0">
+                  <a:solidFill>
+                    <a:schemeClr val="tx1"/>
+                  </a:solidFill>
+                </a:rPr>
+                <a:t>0</a:t>
+              </a:r>
+              <a:endParaRPr lang="zh-CN" altLang="en-US" dirty="0">
+                <a:solidFill>
+                  <a:schemeClr val="tx1"/>
+                </a:solidFill>
+              </a:endParaRPr>
+            </a:p>
+          </p:txBody>
+        </p:sp>
+        <p:sp>
+          <p:nvSpPr>
+            <p:cNvPr id="9" name="矩形 8"/>
+            <p:cNvSpPr/>
+            <p:nvPr/>
+          </p:nvSpPr>
+          <p:spPr>
+            <a:xfrm>
+              <a:off x="5753240" y="1763486"/>
+              <a:ext cx="576000" cy="576000"/>
+            </a:xfrm>
+            <a:prstGeom prst="rect">
+              <a:avLst/>
+            </a:prstGeom>
+            <a:solidFill>
+              <a:schemeClr val="accent6">
+                <a:lumMod val="60000"/>
+                <a:lumOff val="40000"/>
+              </a:schemeClr>
+            </a:solidFill>
+          </p:spPr>
+          <p:style>
+            <a:lnRef idx="2">
+              <a:schemeClr val="accent6">
+                <a:shade val="50000"/>
+              </a:schemeClr>
+            </a:lnRef>
+            <a:fillRef idx="1">
+              <a:schemeClr val="accent6"/>
+            </a:fillRef>
+            <a:effectRef idx="0">
+              <a:schemeClr val="accent6"/>
+            </a:effectRef>
+            <a:fontRef idx="minor">
+              <a:schemeClr val="lt1"/>
+            </a:fontRef>
+          </p:style>
+          <p:txBody>
+            <a:bodyPr rtlCol="0" anchor="ctr"/>
+            <a:lstStyle/>
+            <a:p>
+              <a:pPr algn="ctr"/>
+              <a:r>
+                <a:rPr lang="en-US" altLang="zh-CN" dirty="0">
+                  <a:solidFill>
+                    <a:schemeClr val="tx1"/>
+                  </a:solidFill>
+                </a:rPr>
+                <a:t>7</a:t>
+              </a:r>
+              <a:r>
+                <a:rPr lang="en-US" altLang="zh-CN" dirty="0">
+                  <a:solidFill>
+                    <a:schemeClr val="tx1"/>
+                  </a:solidFill>
+                </a:rPr>
+                <a:t>0</a:t>
+              </a:r>
+              <a:endParaRPr lang="zh-CN" altLang="en-US" dirty="0">
+                <a:solidFill>
+                  <a:schemeClr val="tx1"/>
+                </a:solidFill>
+              </a:endParaRPr>
+            </a:p>
+          </p:txBody>
+        </p:sp>
+        <p:cxnSp>
+          <p:nvCxnSpPr>
+            <p:cNvPr id="11" name="直接箭头连接符 10"/>
+            <p:cNvCxnSpPr>
+              <a:stCxn id="2" idx="3"/>
+              <a:endCxn id="8" idx="1"/>
+            </p:cNvCxnSpPr>
+            <p:nvPr/>
+          </p:nvCxnSpPr>
+          <p:spPr>
+            <a:xfrm>
+              <a:off x="3290572" y="2051486"/>
+              <a:ext cx="943334" cy="0"/>
+            </a:xfrm>
+            <a:prstGeom prst="straightConnector1">
+              <a:avLst/>
+            </a:prstGeom>
+            <a:ln w="19050">
+              <a:tailEnd type="triangle"/>
+            </a:ln>
+          </p:spPr>
+          <p:style>
+            <a:lnRef idx="1">
+              <a:schemeClr val="dk1"/>
+            </a:lnRef>
+            <a:fillRef idx="0">
+              <a:schemeClr val="dk1"/>
+            </a:fillRef>
+            <a:effectRef idx="0">
+              <a:schemeClr val="dk1"/>
+            </a:effectRef>
+            <a:fontRef idx="minor">
+              <a:schemeClr val="tx1"/>
+            </a:fontRef>
+          </p:style>
+        </p:cxnSp>
+        <p:cxnSp>
+          <p:nvCxnSpPr>
+            <p:cNvPr id="12" name="直接箭头连接符 11"/>
+            <p:cNvCxnSpPr>
+              <a:stCxn id="8" idx="3"/>
+              <a:endCxn id="9" idx="1"/>
+            </p:cNvCxnSpPr>
+            <p:nvPr/>
+          </p:nvCxnSpPr>
+          <p:spPr>
+            <a:xfrm>
+              <a:off x="4809906" y="2051486"/>
+              <a:ext cx="943334" cy="0"/>
+            </a:xfrm>
+            <a:prstGeom prst="straightConnector1">
+              <a:avLst/>
+            </a:prstGeom>
+            <a:ln w="19050">
+              <a:tailEnd type="triangle"/>
+            </a:ln>
+          </p:spPr>
+          <p:style>
+            <a:lnRef idx="1">
+              <a:schemeClr val="dk1"/>
+            </a:lnRef>
+            <a:fillRef idx="0">
+              <a:schemeClr val="dk1"/>
+            </a:fillRef>
+            <a:effectRef idx="0">
+              <a:schemeClr val="dk1"/>
+            </a:effectRef>
+            <a:fontRef idx="minor">
+              <a:schemeClr val="tx1"/>
+            </a:fontRef>
+          </p:style>
+        </p:cxnSp>
+      </p:grpSp>
       <p:sp>
         <p:nvSpPr>
-          <p:cNvPr id="15" name="椭圆 14"/>
-          <p:cNvSpPr/>
+          <p:cNvPr id="27" name="文本框 26"/>
+          <p:cNvSpPr txBox="1"/>
           <p:nvPr/>
         </p:nvSpPr>
         <p:spPr>
           <a:xfrm>
-            <a:off x="1281906" y="3603748"/>
-            <a:ext cx="1296000" cy="1296000"/>
+            <a:off x="2661419" y="1465564"/>
+            <a:ext cx="710247" cy="369332"/>
           </a:xfrm>
-          <a:prstGeom prst="ellipse">
+          <a:prstGeom prst="rect">
             <a:avLst/>
           </a:prstGeom>
+          <a:noFill/>
         </p:spPr>
-        <p:style>
-          <a:lnRef idx="2">
-            <a:schemeClr val="accent1">
-              <a:shade val="50000"/>
-            </a:schemeClr>
-          </a:lnRef>
-          <a:fillRef idx="1">
-            <a:schemeClr val="accent1"/>
-          </a:fillRef>
-          <a:effectRef idx="0">
-            <a:schemeClr val="accent1"/>
-          </a:effectRef>
-          <a:fontRef idx="minor">
-            <a:schemeClr val="lt1"/>
-          </a:fontRef>
-        </p:style>
         <p:txBody>
-          <a:bodyPr rtlCol="0" anchor="ctr"/>
+          <a:bodyPr wrap="square" rtlCol="0">
+            <a:spAutoFit/>
+          </a:bodyPr>
           <a:lstStyle/>
           <a:p>
-            <a:pPr algn="ctr"/>
             <a:r>
               <a:rPr lang="en-US" altLang="zh-CN" dirty="0" smtClean="0"/>
-              <a:t>100</a:t>
+              <a:t>NF A</a:t>
             </a:r>
             <a:endParaRPr lang="zh-CN" altLang="en-US" dirty="0"/>
           </a:p>
@@ -4189,47 +5435,29 @@
       </p:sp>
       <p:sp>
         <p:nvSpPr>
-          <p:cNvPr id="2" name="矩形 1"/>
-          <p:cNvSpPr/>
+          <p:cNvPr id="28" name="文本框 27"/>
+          <p:cNvSpPr txBox="1"/>
           <p:nvPr/>
         </p:nvSpPr>
         <p:spPr>
           <a:xfrm>
-            <a:off x="2714572" y="1763486"/>
-            <a:ext cx="576000" cy="576000"/>
+            <a:off x="5732867" y="1463483"/>
+            <a:ext cx="710247" cy="369332"/>
           </a:xfrm>
           <a:prstGeom prst="rect">
             <a:avLst/>
           </a:prstGeom>
+          <a:noFill/>
         </p:spPr>
-        <p:style>
-          <a:lnRef idx="2">
-            <a:schemeClr val="accent6">
-              <a:shade val="50000"/>
-            </a:schemeClr>
-          </a:lnRef>
-          <a:fillRef idx="1">
-            <a:schemeClr val="accent6"/>
-          </a:fillRef>
-          <a:effectRef idx="0">
-            <a:schemeClr val="accent6"/>
-          </a:effectRef>
-          <a:fontRef idx="minor">
-            <a:schemeClr val="lt1"/>
-          </a:fontRef>
-        </p:style>
         <p:txBody>
-          <a:bodyPr rtlCol="0" anchor="ctr"/>
+          <a:bodyPr wrap="square" rtlCol="0">
+            <a:spAutoFit/>
+          </a:bodyPr>
           <a:lstStyle/>
           <a:p>
-            <a:pPr algn="ctr"/>
-            <a:r>
-              <a:rPr lang="en-US" altLang="zh-CN" dirty="0"/>
-              <a:t>5</a:t>
-            </a:r>
             <a:r>
               <a:rPr lang="en-US" altLang="zh-CN" dirty="0" smtClean="0"/>
-              <a:t>0</a:t>
+              <a:t>NF C</a:t>
             </a:r>
             <a:endParaRPr lang="zh-CN" altLang="en-US" dirty="0"/>
           </a:p>
@@ -4237,440 +5465,552 @@
       </p:sp>
       <p:sp>
         <p:nvSpPr>
-          <p:cNvPr id="8" name="矩形 7"/>
-          <p:cNvSpPr/>
+          <p:cNvPr id="29" name="文本框 28"/>
+          <p:cNvSpPr txBox="1"/>
           <p:nvPr/>
         </p:nvSpPr>
         <p:spPr>
           <a:xfrm>
-            <a:off x="4233906" y="1763486"/>
-            <a:ext cx="576000" cy="576000"/>
+            <a:off x="4197143" y="1465564"/>
+            <a:ext cx="710247" cy="369332"/>
           </a:xfrm>
           <a:prstGeom prst="rect">
             <a:avLst/>
           </a:prstGeom>
+          <a:noFill/>
         </p:spPr>
-        <p:style>
-          <a:lnRef idx="2">
-            <a:schemeClr val="accent6">
-              <a:shade val="50000"/>
-            </a:schemeClr>
-          </a:lnRef>
-          <a:fillRef idx="1">
-            <a:schemeClr val="accent6"/>
-          </a:fillRef>
-          <a:effectRef idx="0">
-            <a:schemeClr val="accent6"/>
-          </a:effectRef>
-          <a:fontRef idx="minor">
-            <a:schemeClr val="lt1"/>
-          </a:fontRef>
-        </p:style>
         <p:txBody>
-          <a:bodyPr rtlCol="0" anchor="ctr"/>
+          <a:bodyPr wrap="square" rtlCol="0">
+            <a:spAutoFit/>
+          </a:bodyPr>
           <a:lstStyle/>
           <a:p>
-            <a:pPr algn="ctr"/>
-            <a:r>
-              <a:rPr lang="en-US" altLang="zh-CN" dirty="0"/>
-              <a:t>6</a:t>
-            </a:r>
             <a:r>
               <a:rPr lang="en-US" altLang="zh-CN" dirty="0" smtClean="0"/>
-              <a:t>0</a:t>
+              <a:t>NF B</a:t>
             </a:r>
             <a:endParaRPr lang="zh-CN" altLang="en-US" dirty="0"/>
           </a:p>
         </p:txBody>
       </p:sp>
-      <p:sp>
-        <p:nvSpPr>
-          <p:cNvPr id="9" name="矩形 8"/>
-          <p:cNvSpPr/>
+      <p:grpSp>
+        <p:nvGrpSpPr>
+          <p:cNvPr id="34" name="组合 33"/>
+          <p:cNvGrpSpPr/>
           <p:nvPr/>
-        </p:nvSpPr>
-        <p:spPr>
+        </p:nvGrpSpPr>
+        <p:grpSpPr>
           <a:xfrm>
-            <a:off x="5753240" y="1763486"/>
-            <a:ext cx="576000" cy="576000"/>
+            <a:off x="1298296" y="2014897"/>
+            <a:ext cx="6507942" cy="4058057"/>
+            <a:chOff x="1298296" y="2014897"/>
+            <a:chExt cx="6507942" cy="4058057"/>
           </a:xfrm>
-          <a:prstGeom prst="rect">
-            <a:avLst/>
-          </a:prstGeom>
-        </p:spPr>
-        <p:style>
-          <a:lnRef idx="2">
-            <a:schemeClr val="accent6">
-              <a:shade val="50000"/>
-            </a:schemeClr>
-          </a:lnRef>
-          <a:fillRef idx="1">
-            <a:schemeClr val="accent6"/>
-          </a:fillRef>
-          <a:effectRef idx="0">
-            <a:schemeClr val="accent6"/>
-          </a:effectRef>
-          <a:fontRef idx="minor">
-            <a:schemeClr val="lt1"/>
-          </a:fontRef>
-        </p:style>
-        <p:txBody>
-          <a:bodyPr rtlCol="0" anchor="ctr"/>
-          <a:lstStyle/>
-          <a:p>
-            <a:pPr algn="ctr"/>
-            <a:r>
-              <a:rPr lang="en-US" altLang="zh-CN" dirty="0"/>
-              <a:t>7</a:t>
-            </a:r>
-            <a:r>
-              <a:rPr lang="en-US" altLang="zh-CN" dirty="0" smtClean="0"/>
-              <a:t>0</a:t>
-            </a:r>
-            <a:endParaRPr lang="zh-CN" altLang="en-US" dirty="0"/>
-          </a:p>
-        </p:txBody>
-      </p:sp>
-      <p:cxnSp>
-        <p:nvCxnSpPr>
-          <p:cNvPr id="11" name="直接箭头连接符 10"/>
-          <p:cNvCxnSpPr>
-            <a:stCxn id="2" idx="3"/>
-            <a:endCxn id="8" idx="1"/>
-          </p:cNvCxnSpPr>
-          <p:nvPr/>
-        </p:nvCxnSpPr>
-        <p:spPr>
-          <a:xfrm>
-            <a:off x="3290572" y="2051486"/>
-            <a:ext cx="943334" cy="0"/>
-          </a:xfrm>
-          <a:prstGeom prst="straightConnector1">
-            <a:avLst/>
-          </a:prstGeom>
-          <a:ln w="19050">
-            <a:tailEnd type="triangle"/>
-          </a:ln>
-        </p:spPr>
-        <p:style>
-          <a:lnRef idx="1">
-            <a:schemeClr val="accent6"/>
-          </a:lnRef>
-          <a:fillRef idx="0">
-            <a:schemeClr val="accent6"/>
-          </a:fillRef>
-          <a:effectRef idx="0">
-            <a:schemeClr val="accent6"/>
-          </a:effectRef>
-          <a:fontRef idx="minor">
-            <a:schemeClr val="tx1"/>
-          </a:fontRef>
-        </p:style>
-      </p:cxnSp>
-      <p:cxnSp>
-        <p:nvCxnSpPr>
-          <p:cNvPr id="12" name="直接箭头连接符 11"/>
-          <p:cNvCxnSpPr>
-            <a:stCxn id="8" idx="3"/>
-            <a:endCxn id="9" idx="1"/>
-          </p:cNvCxnSpPr>
-          <p:nvPr/>
-        </p:nvCxnSpPr>
-        <p:spPr>
-          <a:xfrm>
-            <a:off x="4809906" y="2051486"/>
-            <a:ext cx="943334" cy="0"/>
-          </a:xfrm>
-          <a:prstGeom prst="straightConnector1">
-            <a:avLst/>
-          </a:prstGeom>
-          <a:ln w="19050">
-            <a:tailEnd type="triangle"/>
-          </a:ln>
-        </p:spPr>
-        <p:style>
-          <a:lnRef idx="1">
-            <a:schemeClr val="accent6"/>
-          </a:lnRef>
-          <a:fillRef idx="0">
-            <a:schemeClr val="accent6"/>
-          </a:fillRef>
-          <a:effectRef idx="0">
-            <a:schemeClr val="accent6"/>
-          </a:effectRef>
-          <a:fontRef idx="minor">
-            <a:schemeClr val="tx1"/>
-          </a:fontRef>
-        </p:style>
-      </p:cxnSp>
-      <p:sp>
-        <p:nvSpPr>
-          <p:cNvPr id="16" name="椭圆 15"/>
-          <p:cNvSpPr/>
-          <p:nvPr/>
-        </p:nvSpPr>
-        <p:spPr>
-          <a:xfrm>
-            <a:off x="6461067" y="3603748"/>
-            <a:ext cx="1296000" cy="1296000"/>
-          </a:xfrm>
-          <a:prstGeom prst="ellipse">
-            <a:avLst/>
-          </a:prstGeom>
-        </p:spPr>
-        <p:style>
-          <a:lnRef idx="2">
-            <a:schemeClr val="accent1">
-              <a:shade val="50000"/>
-            </a:schemeClr>
-          </a:lnRef>
-          <a:fillRef idx="1">
-            <a:schemeClr val="accent1"/>
-          </a:fillRef>
-          <a:effectRef idx="0">
-            <a:schemeClr val="accent1"/>
-          </a:effectRef>
-          <a:fontRef idx="minor">
-            <a:schemeClr val="lt1"/>
-          </a:fontRef>
-        </p:style>
-        <p:txBody>
-          <a:bodyPr rtlCol="0" anchor="ctr"/>
-          <a:lstStyle/>
-          <a:p>
-            <a:pPr algn="ctr"/>
-            <a:r>
-              <a:rPr lang="en-US" altLang="zh-CN" dirty="0" smtClean="0"/>
-              <a:t>130</a:t>
-            </a:r>
-            <a:endParaRPr lang="zh-CN" altLang="en-US" dirty="0"/>
-          </a:p>
-        </p:txBody>
-      </p:sp>
-      <p:sp>
-        <p:nvSpPr>
-          <p:cNvPr id="17" name="椭圆 16"/>
-          <p:cNvSpPr/>
-          <p:nvPr/>
-        </p:nvSpPr>
-        <p:spPr>
-          <a:xfrm>
-            <a:off x="3887877" y="4466867"/>
-            <a:ext cx="1296000" cy="1296000"/>
-          </a:xfrm>
-          <a:prstGeom prst="ellipse">
-            <a:avLst/>
-          </a:prstGeom>
-        </p:spPr>
-        <p:style>
-          <a:lnRef idx="2">
-            <a:schemeClr val="accent1">
-              <a:shade val="50000"/>
-            </a:schemeClr>
-          </a:lnRef>
-          <a:fillRef idx="1">
-            <a:schemeClr val="accent1"/>
-          </a:fillRef>
-          <a:effectRef idx="0">
-            <a:schemeClr val="accent1"/>
-          </a:effectRef>
-          <a:fontRef idx="minor">
-            <a:schemeClr val="lt1"/>
-          </a:fontRef>
-        </p:style>
-        <p:txBody>
-          <a:bodyPr rtlCol="0" anchor="ctr"/>
-          <a:lstStyle/>
-          <a:p>
-            <a:pPr algn="ctr"/>
-            <a:r>
-              <a:rPr lang="en-US" altLang="zh-CN" dirty="0" smtClean="0"/>
-              <a:t>150</a:t>
-            </a:r>
-            <a:endParaRPr lang="zh-CN" altLang="en-US" dirty="0"/>
-          </a:p>
-        </p:txBody>
-      </p:sp>
-      <p:sp>
-        <p:nvSpPr>
-          <p:cNvPr id="18" name="椭圆 17"/>
-          <p:cNvSpPr/>
-          <p:nvPr/>
-        </p:nvSpPr>
-        <p:spPr>
-          <a:xfrm>
-            <a:off x="3873906" y="2955748"/>
-            <a:ext cx="1296000" cy="1296000"/>
-          </a:xfrm>
-          <a:prstGeom prst="ellipse">
-            <a:avLst/>
-          </a:prstGeom>
-        </p:spPr>
-        <p:style>
-          <a:lnRef idx="2">
-            <a:schemeClr val="accent1">
-              <a:shade val="50000"/>
-            </a:schemeClr>
-          </a:lnRef>
-          <a:fillRef idx="1">
-            <a:schemeClr val="accent1"/>
-          </a:fillRef>
-          <a:effectRef idx="0">
-            <a:schemeClr val="accent1"/>
-          </a:effectRef>
-          <a:fontRef idx="minor">
-            <a:schemeClr val="lt1"/>
-          </a:fontRef>
-        </p:style>
-        <p:txBody>
-          <a:bodyPr rtlCol="0" anchor="ctr"/>
-          <a:lstStyle/>
-          <a:p>
-            <a:pPr algn="ctr"/>
-            <a:r>
-              <a:rPr lang="en-US" altLang="zh-CN" dirty="0" smtClean="0"/>
-              <a:t>120</a:t>
-            </a:r>
-            <a:endParaRPr lang="zh-CN" altLang="en-US" dirty="0"/>
-          </a:p>
-        </p:txBody>
-      </p:sp>
-      <p:cxnSp>
-        <p:nvCxnSpPr>
-          <p:cNvPr id="20" name="直接连接符 19"/>
-          <p:cNvCxnSpPr>
-            <a:stCxn id="15" idx="6"/>
-            <a:endCxn id="18" idx="2"/>
-          </p:cNvCxnSpPr>
-          <p:nvPr/>
-        </p:nvCxnSpPr>
-        <p:spPr>
-          <a:xfrm flipV="1">
-            <a:off x="2577906" y="3603748"/>
-            <a:ext cx="1296000" cy="648000"/>
-          </a:xfrm>
-          <a:prstGeom prst="line">
-            <a:avLst/>
-          </a:prstGeom>
-          <a:ln w="19050"/>
-        </p:spPr>
-        <p:style>
-          <a:lnRef idx="1">
-            <a:schemeClr val="accent1"/>
-          </a:lnRef>
-          <a:fillRef idx="0">
-            <a:schemeClr val="accent1"/>
-          </a:fillRef>
-          <a:effectRef idx="0">
-            <a:schemeClr val="accent1"/>
-          </a:effectRef>
-          <a:fontRef idx="minor">
-            <a:schemeClr val="tx1"/>
-          </a:fontRef>
-        </p:style>
-      </p:cxnSp>
-      <p:cxnSp>
-        <p:nvCxnSpPr>
-          <p:cNvPr id="21" name="直接连接符 20"/>
-          <p:cNvCxnSpPr>
-            <a:stCxn id="15" idx="6"/>
-            <a:endCxn id="17" idx="2"/>
-          </p:cNvCxnSpPr>
-          <p:nvPr/>
-        </p:nvCxnSpPr>
-        <p:spPr>
-          <a:xfrm>
-            <a:off x="2577906" y="4251748"/>
-            <a:ext cx="1309971" cy="863119"/>
-          </a:xfrm>
-          <a:prstGeom prst="line">
-            <a:avLst/>
-          </a:prstGeom>
-          <a:ln w="19050"/>
-        </p:spPr>
-        <p:style>
-          <a:lnRef idx="1">
-            <a:schemeClr val="accent1"/>
-          </a:lnRef>
-          <a:fillRef idx="0">
-            <a:schemeClr val="accent1"/>
-          </a:fillRef>
-          <a:effectRef idx="0">
-            <a:schemeClr val="accent1"/>
-          </a:effectRef>
-          <a:fontRef idx="minor">
-            <a:schemeClr val="tx1"/>
-          </a:fontRef>
-        </p:style>
-      </p:cxnSp>
-      <p:cxnSp>
-        <p:nvCxnSpPr>
-          <p:cNvPr id="22" name="直接连接符 21"/>
-          <p:cNvCxnSpPr>
-            <a:stCxn id="17" idx="6"/>
-            <a:endCxn id="16" idx="2"/>
-          </p:cNvCxnSpPr>
-          <p:nvPr/>
-        </p:nvCxnSpPr>
-        <p:spPr>
-          <a:xfrm flipV="1">
-            <a:off x="5183877" y="4251748"/>
-            <a:ext cx="1277190" cy="863119"/>
-          </a:xfrm>
-          <a:prstGeom prst="line">
-            <a:avLst/>
-          </a:prstGeom>
-          <a:ln w="19050"/>
-        </p:spPr>
-        <p:style>
-          <a:lnRef idx="1">
-            <a:schemeClr val="accent1"/>
-          </a:lnRef>
-          <a:fillRef idx="0">
-            <a:schemeClr val="accent1"/>
-          </a:fillRef>
-          <a:effectRef idx="0">
-            <a:schemeClr val="accent1"/>
-          </a:effectRef>
-          <a:fontRef idx="minor">
-            <a:schemeClr val="tx1"/>
-          </a:fontRef>
-        </p:style>
-      </p:cxnSp>
-      <p:cxnSp>
-        <p:nvCxnSpPr>
-          <p:cNvPr id="23" name="直接连接符 22"/>
-          <p:cNvCxnSpPr>
-            <a:stCxn id="16" idx="2"/>
-            <a:endCxn id="18" idx="6"/>
-          </p:cNvCxnSpPr>
-          <p:nvPr/>
-        </p:nvCxnSpPr>
-        <p:spPr>
-          <a:xfrm flipH="1" flipV="1">
-            <a:off x="5169906" y="3603748"/>
-            <a:ext cx="1291161" cy="648000"/>
-          </a:xfrm>
-          <a:prstGeom prst="line">
-            <a:avLst/>
-          </a:prstGeom>
-          <a:ln w="19050"/>
-        </p:spPr>
-        <p:style>
-          <a:lnRef idx="1">
-            <a:schemeClr val="accent1"/>
-          </a:lnRef>
-          <a:fillRef idx="0">
-            <a:schemeClr val="accent1"/>
-          </a:fillRef>
-          <a:effectRef idx="0">
-            <a:schemeClr val="accent1"/>
-          </a:effectRef>
-          <a:fontRef idx="minor">
-            <a:schemeClr val="tx1"/>
-          </a:fontRef>
-        </p:style>
-      </p:cxnSp>
+        </p:grpSpPr>
+        <p:grpSp>
+          <p:nvGrpSpPr>
+            <p:cNvPr id="4" name="组合 3"/>
+            <p:cNvGrpSpPr/>
+            <p:nvPr/>
+          </p:nvGrpSpPr>
+          <p:grpSpPr>
+            <a:xfrm>
+              <a:off x="1298296" y="2014897"/>
+              <a:ext cx="6507942" cy="3573005"/>
+              <a:chOff x="1281906" y="2622743"/>
+              <a:chExt cx="6507942" cy="3573005"/>
+            </a:xfrm>
+          </p:grpSpPr>
+          <p:sp>
+            <p:nvSpPr>
+              <p:cNvPr id="15" name="椭圆 14"/>
+              <p:cNvSpPr/>
+              <p:nvPr/>
+            </p:nvSpPr>
+            <p:spPr>
+              <a:xfrm>
+                <a:off x="1281906" y="3761245"/>
+                <a:ext cx="1296000" cy="1296000"/>
+              </a:xfrm>
+              <a:prstGeom prst="ellipse">
+                <a:avLst/>
+              </a:prstGeom>
+              <a:solidFill>
+                <a:schemeClr val="accent1">
+                  <a:lumMod val="60000"/>
+                  <a:lumOff val="40000"/>
+                </a:schemeClr>
+              </a:solidFill>
+            </p:spPr>
+            <p:style>
+              <a:lnRef idx="2">
+                <a:schemeClr val="accent1">
+                  <a:shade val="50000"/>
+                </a:schemeClr>
+              </a:lnRef>
+              <a:fillRef idx="1">
+                <a:schemeClr val="accent1"/>
+              </a:fillRef>
+              <a:effectRef idx="0">
+                <a:schemeClr val="accent1"/>
+              </a:effectRef>
+              <a:fontRef idx="minor">
+                <a:schemeClr val="lt1"/>
+              </a:fontRef>
+            </p:style>
+            <p:txBody>
+              <a:bodyPr rtlCol="0" anchor="ctr"/>
+              <a:lstStyle/>
+              <a:p>
+                <a:pPr algn="ctr"/>
+                <a:r>
+                  <a:rPr lang="en-US" altLang="zh-CN" dirty="0" smtClean="0">
+                    <a:solidFill>
+                      <a:schemeClr val="tx1"/>
+                    </a:solidFill>
+                  </a:rPr>
+                  <a:t>100</a:t>
+                </a:r>
+                <a:endParaRPr lang="zh-CN" altLang="en-US" dirty="0">
+                  <a:solidFill>
+                    <a:schemeClr val="tx1"/>
+                  </a:solidFill>
+                </a:endParaRPr>
+              </a:p>
+            </p:txBody>
+          </p:sp>
+          <p:sp>
+            <p:nvSpPr>
+              <p:cNvPr id="16" name="椭圆 15"/>
+              <p:cNvSpPr/>
+              <p:nvPr/>
+            </p:nvSpPr>
+            <p:spPr>
+              <a:xfrm>
+                <a:off x="6493848" y="3761245"/>
+                <a:ext cx="1296000" cy="1296000"/>
+              </a:xfrm>
+              <a:prstGeom prst="ellipse">
+                <a:avLst/>
+              </a:prstGeom>
+              <a:solidFill>
+                <a:schemeClr val="accent1">
+                  <a:lumMod val="60000"/>
+                  <a:lumOff val="40000"/>
+                </a:schemeClr>
+              </a:solidFill>
+            </p:spPr>
+            <p:style>
+              <a:lnRef idx="2">
+                <a:schemeClr val="accent1">
+                  <a:shade val="50000"/>
+                </a:schemeClr>
+              </a:lnRef>
+              <a:fillRef idx="1">
+                <a:schemeClr val="accent1"/>
+              </a:fillRef>
+              <a:effectRef idx="0">
+                <a:schemeClr val="accent1"/>
+              </a:effectRef>
+              <a:fontRef idx="minor">
+                <a:schemeClr val="lt1"/>
+              </a:fontRef>
+            </p:style>
+            <p:txBody>
+              <a:bodyPr rtlCol="0" anchor="ctr"/>
+              <a:lstStyle/>
+              <a:p>
+                <a:pPr algn="ctr"/>
+                <a:r>
+                  <a:rPr lang="en-US" altLang="zh-CN" dirty="0">
+                    <a:solidFill>
+                      <a:schemeClr val="tx1"/>
+                    </a:solidFill>
+                  </a:rPr>
+                  <a:t>130</a:t>
+                </a:r>
+                <a:endParaRPr lang="zh-CN" altLang="en-US" dirty="0">
+                  <a:solidFill>
+                    <a:schemeClr val="tx1"/>
+                  </a:solidFill>
+                </a:endParaRPr>
+              </a:p>
+            </p:txBody>
+          </p:sp>
+          <p:sp>
+            <p:nvSpPr>
+              <p:cNvPr id="17" name="椭圆 16"/>
+              <p:cNvSpPr/>
+              <p:nvPr/>
+            </p:nvSpPr>
+            <p:spPr>
+              <a:xfrm>
+                <a:off x="3887877" y="4899748"/>
+                <a:ext cx="1296000" cy="1296000"/>
+              </a:xfrm>
+              <a:prstGeom prst="ellipse">
+                <a:avLst/>
+              </a:prstGeom>
+              <a:solidFill>
+                <a:schemeClr val="accent1">
+                  <a:lumMod val="60000"/>
+                  <a:lumOff val="40000"/>
+                </a:schemeClr>
+              </a:solidFill>
+            </p:spPr>
+            <p:style>
+              <a:lnRef idx="2">
+                <a:schemeClr val="accent1">
+                  <a:shade val="50000"/>
+                </a:schemeClr>
+              </a:lnRef>
+              <a:fillRef idx="1">
+                <a:schemeClr val="accent1"/>
+              </a:fillRef>
+              <a:effectRef idx="0">
+                <a:schemeClr val="accent1"/>
+              </a:effectRef>
+              <a:fontRef idx="minor">
+                <a:schemeClr val="lt1"/>
+              </a:fontRef>
+            </p:style>
+            <p:txBody>
+              <a:bodyPr rtlCol="0" anchor="ctr"/>
+              <a:lstStyle/>
+              <a:p>
+                <a:pPr algn="ctr"/>
+                <a:r>
+                  <a:rPr lang="en-US" altLang="zh-CN" dirty="0" smtClean="0">
+                    <a:solidFill>
+                      <a:schemeClr val="tx1"/>
+                    </a:solidFill>
+                  </a:rPr>
+                  <a:t>120</a:t>
+                </a:r>
+                <a:endParaRPr lang="zh-CN" altLang="en-US" dirty="0">
+                  <a:solidFill>
+                    <a:schemeClr val="tx1"/>
+                  </a:solidFill>
+                </a:endParaRPr>
+              </a:p>
+            </p:txBody>
+          </p:sp>
+          <p:sp>
+            <p:nvSpPr>
+              <p:cNvPr id="18" name="椭圆 17"/>
+              <p:cNvSpPr/>
+              <p:nvPr/>
+            </p:nvSpPr>
+            <p:spPr>
+              <a:xfrm>
+                <a:off x="3887877" y="2622743"/>
+                <a:ext cx="1296000" cy="1296000"/>
+              </a:xfrm>
+              <a:prstGeom prst="ellipse">
+                <a:avLst/>
+              </a:prstGeom>
+              <a:solidFill>
+                <a:schemeClr val="accent1">
+                  <a:lumMod val="60000"/>
+                  <a:lumOff val="40000"/>
+                </a:schemeClr>
+              </a:solidFill>
+            </p:spPr>
+            <p:style>
+              <a:lnRef idx="2">
+                <a:schemeClr val="accent1">
+                  <a:shade val="50000"/>
+                </a:schemeClr>
+              </a:lnRef>
+              <a:fillRef idx="1">
+                <a:schemeClr val="accent1"/>
+              </a:fillRef>
+              <a:effectRef idx="0">
+                <a:schemeClr val="accent1"/>
+              </a:effectRef>
+              <a:fontRef idx="minor">
+                <a:schemeClr val="lt1"/>
+              </a:fontRef>
+            </p:style>
+            <p:txBody>
+              <a:bodyPr rtlCol="0" anchor="ctr"/>
+              <a:lstStyle/>
+              <a:p>
+                <a:pPr algn="ctr"/>
+                <a:r>
+                  <a:rPr lang="en-US" altLang="zh-CN" dirty="0" smtClean="0">
+                    <a:solidFill>
+                      <a:schemeClr val="tx1"/>
+                    </a:solidFill>
+                  </a:rPr>
+                  <a:t>150</a:t>
+                </a:r>
+                <a:endParaRPr lang="zh-CN" altLang="en-US" dirty="0">
+                  <a:solidFill>
+                    <a:schemeClr val="tx1"/>
+                  </a:solidFill>
+                </a:endParaRPr>
+              </a:p>
+            </p:txBody>
+          </p:sp>
+          <p:cxnSp>
+            <p:nvCxnSpPr>
+              <p:cNvPr id="20" name="直接连接符 19"/>
+              <p:cNvCxnSpPr>
+                <a:stCxn id="15" idx="6"/>
+                <a:endCxn id="18" idx="2"/>
+              </p:cNvCxnSpPr>
+              <p:nvPr/>
+            </p:nvCxnSpPr>
+            <p:spPr>
+              <a:xfrm flipV="1">
+                <a:off x="2577906" y="3270743"/>
+                <a:ext cx="1309971" cy="1138502"/>
+              </a:xfrm>
+              <a:prstGeom prst="line">
+                <a:avLst/>
+              </a:prstGeom>
+              <a:ln w="19050"/>
+            </p:spPr>
+            <p:style>
+              <a:lnRef idx="1">
+                <a:schemeClr val="accent1"/>
+              </a:lnRef>
+              <a:fillRef idx="0">
+                <a:schemeClr val="accent1"/>
+              </a:fillRef>
+              <a:effectRef idx="0">
+                <a:schemeClr val="accent1"/>
+              </a:effectRef>
+              <a:fontRef idx="minor">
+                <a:schemeClr val="tx1"/>
+              </a:fontRef>
+            </p:style>
+          </p:cxnSp>
+          <p:cxnSp>
+            <p:nvCxnSpPr>
+              <p:cNvPr id="21" name="直接连接符 20"/>
+              <p:cNvCxnSpPr>
+                <a:stCxn id="15" idx="6"/>
+                <a:endCxn id="17" idx="2"/>
+              </p:cNvCxnSpPr>
+              <p:nvPr/>
+            </p:nvCxnSpPr>
+            <p:spPr>
+              <a:xfrm>
+                <a:off x="2577906" y="4409245"/>
+                <a:ext cx="1309971" cy="1138503"/>
+              </a:xfrm>
+              <a:prstGeom prst="line">
+                <a:avLst/>
+              </a:prstGeom>
+              <a:ln w="19050"/>
+            </p:spPr>
+            <p:style>
+              <a:lnRef idx="1">
+                <a:schemeClr val="accent1"/>
+              </a:lnRef>
+              <a:fillRef idx="0">
+                <a:schemeClr val="accent1"/>
+              </a:fillRef>
+              <a:effectRef idx="0">
+                <a:schemeClr val="accent1"/>
+              </a:effectRef>
+              <a:fontRef idx="minor">
+                <a:schemeClr val="tx1"/>
+              </a:fontRef>
+            </p:style>
+          </p:cxnSp>
+          <p:cxnSp>
+            <p:nvCxnSpPr>
+              <p:cNvPr id="22" name="直接连接符 21"/>
+              <p:cNvCxnSpPr>
+                <a:stCxn id="17" idx="6"/>
+                <a:endCxn id="16" idx="2"/>
+              </p:cNvCxnSpPr>
+              <p:nvPr/>
+            </p:nvCxnSpPr>
+            <p:spPr>
+              <a:xfrm flipV="1">
+                <a:off x="5183877" y="4409245"/>
+                <a:ext cx="1309971" cy="1138503"/>
+              </a:xfrm>
+              <a:prstGeom prst="line">
+                <a:avLst/>
+              </a:prstGeom>
+              <a:ln w="19050"/>
+            </p:spPr>
+            <p:style>
+              <a:lnRef idx="1">
+                <a:schemeClr val="accent1"/>
+              </a:lnRef>
+              <a:fillRef idx="0">
+                <a:schemeClr val="accent1"/>
+              </a:fillRef>
+              <a:effectRef idx="0">
+                <a:schemeClr val="accent1"/>
+              </a:effectRef>
+              <a:fontRef idx="minor">
+                <a:schemeClr val="tx1"/>
+              </a:fontRef>
+            </p:style>
+          </p:cxnSp>
+          <p:cxnSp>
+            <p:nvCxnSpPr>
+              <p:cNvPr id="23" name="直接连接符 22"/>
+              <p:cNvCxnSpPr>
+                <a:stCxn id="16" idx="2"/>
+                <a:endCxn id="18" idx="6"/>
+              </p:cNvCxnSpPr>
+              <p:nvPr/>
+            </p:nvCxnSpPr>
+            <p:spPr>
+              <a:xfrm flipH="1" flipV="1">
+                <a:off x="5183877" y="3270743"/>
+                <a:ext cx="1309971" cy="1138502"/>
+              </a:xfrm>
+              <a:prstGeom prst="line">
+                <a:avLst/>
+              </a:prstGeom>
+              <a:ln w="19050"/>
+            </p:spPr>
+            <p:style>
+              <a:lnRef idx="1">
+                <a:schemeClr val="accent1"/>
+              </a:lnRef>
+              <a:fillRef idx="0">
+                <a:schemeClr val="accent1"/>
+              </a:fillRef>
+              <a:effectRef idx="0">
+                <a:schemeClr val="accent1"/>
+              </a:effectRef>
+              <a:fontRef idx="minor">
+                <a:schemeClr val="tx1"/>
+              </a:fontRef>
+            </p:style>
+          </p:cxnSp>
+        </p:grpSp>
+        <p:sp>
+          <p:nvSpPr>
+            <p:cNvPr id="30" name="文本框 29"/>
+            <p:cNvSpPr txBox="1"/>
+            <p:nvPr/>
+          </p:nvSpPr>
+          <p:spPr>
+            <a:xfrm>
+              <a:off x="1470435" y="4570569"/>
+              <a:ext cx="951723" cy="369332"/>
+            </a:xfrm>
+            <a:prstGeom prst="rect">
+              <a:avLst/>
+            </a:prstGeom>
+            <a:noFill/>
+          </p:spPr>
+          <p:txBody>
+            <a:bodyPr wrap="square" rtlCol="0">
+              <a:spAutoFit/>
+            </a:bodyPr>
+            <a:lstStyle/>
+            <a:p>
+              <a:r>
+                <a:rPr lang="en-US" altLang="zh-CN" dirty="0" smtClean="0"/>
+                <a:t>Node A</a:t>
+              </a:r>
+              <a:endParaRPr lang="zh-CN" altLang="en-US" dirty="0"/>
+            </a:p>
+          </p:txBody>
+        </p:sp>
+        <p:sp>
+          <p:nvSpPr>
+            <p:cNvPr id="31" name="文本框 30"/>
+            <p:cNvSpPr txBox="1"/>
+            <p:nvPr/>
+          </p:nvSpPr>
+          <p:spPr>
+            <a:xfrm>
+              <a:off x="4076405" y="5703622"/>
+              <a:ext cx="951723" cy="369332"/>
+            </a:xfrm>
+            <a:prstGeom prst="rect">
+              <a:avLst/>
+            </a:prstGeom>
+            <a:noFill/>
+          </p:spPr>
+          <p:txBody>
+            <a:bodyPr wrap="square" rtlCol="0">
+              <a:spAutoFit/>
+            </a:bodyPr>
+            <a:lstStyle/>
+            <a:p>
+              <a:r>
+                <a:rPr lang="en-US" altLang="zh-CN" dirty="0" smtClean="0"/>
+                <a:t>Node C</a:t>
+              </a:r>
+              <a:endParaRPr lang="zh-CN" altLang="en-US" dirty="0"/>
+            </a:p>
+          </p:txBody>
+        </p:sp>
+        <p:sp>
+          <p:nvSpPr>
+            <p:cNvPr id="32" name="文本框 31"/>
+            <p:cNvSpPr txBox="1"/>
+            <p:nvPr/>
+          </p:nvSpPr>
+          <p:spPr>
+            <a:xfrm>
+              <a:off x="4076405" y="3371482"/>
+              <a:ext cx="951723" cy="369332"/>
+            </a:xfrm>
+            <a:prstGeom prst="rect">
+              <a:avLst/>
+            </a:prstGeom>
+            <a:noFill/>
+          </p:spPr>
+          <p:txBody>
+            <a:bodyPr wrap="square" rtlCol="0">
+              <a:spAutoFit/>
+            </a:bodyPr>
+            <a:lstStyle/>
+            <a:p>
+              <a:r>
+                <a:rPr lang="en-US" altLang="zh-CN" dirty="0" smtClean="0"/>
+                <a:t>Node B</a:t>
+              </a:r>
+              <a:endParaRPr lang="zh-CN" altLang="en-US" dirty="0"/>
+            </a:p>
+          </p:txBody>
+        </p:sp>
+        <p:sp>
+          <p:nvSpPr>
+            <p:cNvPr id="33" name="文本框 32"/>
+            <p:cNvSpPr txBox="1"/>
+            <p:nvPr/>
+          </p:nvSpPr>
+          <p:spPr>
+            <a:xfrm>
+              <a:off x="6682376" y="4570569"/>
+              <a:ext cx="951723" cy="369332"/>
+            </a:xfrm>
+            <a:prstGeom prst="rect">
+              <a:avLst/>
+            </a:prstGeom>
+            <a:noFill/>
+          </p:spPr>
+          <p:txBody>
+            <a:bodyPr wrap="square" rtlCol="0">
+              <a:spAutoFit/>
+            </a:bodyPr>
+            <a:lstStyle/>
+            <a:p>
+              <a:r>
+                <a:rPr lang="en-US" altLang="zh-CN" dirty="0" smtClean="0"/>
+                <a:t>Node D</a:t>
+              </a:r>
+              <a:endParaRPr lang="zh-CN" altLang="en-US" dirty="0"/>
+            </a:p>
+          </p:txBody>
+        </p:sp>
+      </p:grpSp>
     </p:spTree>
     <p:extLst>
       <p:ext uri="{BB962C8B-B14F-4D97-AF65-F5344CB8AC3E}">
@@ -4701,247 +6041,1781 @@
           <a:chExt cx="0" cy="0"/>
         </a:xfrm>
       </p:grpSpPr>
-      <p:sp>
-        <p:nvSpPr>
-          <p:cNvPr id="4" name="矩形 3"/>
-          <p:cNvSpPr/>
-          <p:nvPr/>
-        </p:nvSpPr>
-        <p:spPr>
-          <a:xfrm>
-            <a:off x="1521400" y="2696473"/>
-            <a:ext cx="1585695" cy="972929"/>
-          </a:xfrm>
-          <a:prstGeom prst="rect">
-            <a:avLst/>
-          </a:prstGeom>
-          <a:solidFill>
-            <a:srgbClr val="9DC3E6"/>
-          </a:solidFill>
-        </p:spPr>
-        <p:style>
-          <a:lnRef idx="2">
-            <a:schemeClr val="accent1">
-              <a:shade val="50000"/>
-            </a:schemeClr>
-          </a:lnRef>
-          <a:fillRef idx="1">
-            <a:schemeClr val="accent1"/>
-          </a:fillRef>
-          <a:effectRef idx="0">
-            <a:schemeClr val="accent1"/>
-          </a:effectRef>
-          <a:fontRef idx="minor">
-            <a:schemeClr val="lt1"/>
-          </a:fontRef>
-        </p:style>
-        <p:txBody>
-          <a:bodyPr rtlCol="0" anchor="ctr"/>
-          <a:lstStyle/>
-          <a:p>
-            <a:pPr algn="ctr"/>
-            <a:r>
-              <a:rPr lang="en-US" altLang="zh-CN" dirty="0" smtClean="0">
-                <a:solidFill>
-                  <a:schemeClr val="tx1"/>
-                </a:solidFill>
-              </a:rPr>
-              <a:t>NF parallelism analysis</a:t>
-            </a:r>
-            <a:endParaRPr lang="zh-CN" altLang="en-US" dirty="0">
-              <a:solidFill>
-                <a:schemeClr val="tx1"/>
-              </a:solidFill>
-            </a:endParaRPr>
-          </a:p>
-        </p:txBody>
-      </p:sp>
-      <p:cxnSp>
-        <p:nvCxnSpPr>
-          <p:cNvPr id="8" name="直接箭头连接符 7"/>
-          <p:cNvCxnSpPr>
-            <a:endCxn id="4" idx="1"/>
-          </p:cNvCxnSpPr>
-          <p:nvPr/>
-        </p:nvCxnSpPr>
-        <p:spPr>
-          <a:xfrm>
-            <a:off x="289249" y="3181738"/>
-            <a:ext cx="1232151" cy="1200"/>
-          </a:xfrm>
-          <a:prstGeom prst="straightConnector1">
-            <a:avLst/>
-          </a:prstGeom>
-          <a:ln w="19050">
-            <a:solidFill>
-              <a:schemeClr val="tx1"/>
-            </a:solidFill>
-            <a:tailEnd type="triangle"/>
-          </a:ln>
-        </p:spPr>
-        <p:style>
-          <a:lnRef idx="1">
-            <a:schemeClr val="accent1"/>
-          </a:lnRef>
-          <a:fillRef idx="0">
-            <a:schemeClr val="accent1"/>
-          </a:fillRef>
-          <a:effectRef idx="0">
-            <a:schemeClr val="accent1"/>
-          </a:effectRef>
-          <a:fontRef idx="minor">
-            <a:schemeClr val="tx1"/>
-          </a:fontRef>
-        </p:style>
-      </p:cxnSp>
-      <p:cxnSp>
-        <p:nvCxnSpPr>
-          <p:cNvPr id="24" name="直接箭头连接符 23"/>
-          <p:cNvCxnSpPr>
-            <a:stCxn id="4" idx="3"/>
-            <a:endCxn id="10" idx="1"/>
-          </p:cNvCxnSpPr>
-          <p:nvPr/>
-        </p:nvCxnSpPr>
-        <p:spPr>
-          <a:xfrm flipV="1">
-            <a:off x="3107095" y="3181738"/>
-            <a:ext cx="1883546" cy="1200"/>
-          </a:xfrm>
-          <a:prstGeom prst="straightConnector1">
-            <a:avLst/>
-          </a:prstGeom>
-          <a:ln w="19050">
-            <a:solidFill>
-              <a:schemeClr val="tx1"/>
-            </a:solidFill>
-            <a:tailEnd type="triangle"/>
-          </a:ln>
-        </p:spPr>
-        <p:style>
-          <a:lnRef idx="1">
-            <a:schemeClr val="accent1"/>
-          </a:lnRef>
-          <a:fillRef idx="0">
-            <a:schemeClr val="accent1"/>
-          </a:fillRef>
-          <a:effectRef idx="0">
-            <a:schemeClr val="accent1"/>
-          </a:effectRef>
-          <a:fontRef idx="minor">
-            <a:schemeClr val="tx1"/>
-          </a:fontRef>
-        </p:style>
-      </p:cxnSp>
       <p:grpSp>
         <p:nvGrpSpPr>
-          <p:cNvPr id="46" name="组合 45"/>
+          <p:cNvPr id="3" name="组合 2"/>
           <p:cNvGrpSpPr/>
           <p:nvPr/>
         </p:nvGrpSpPr>
         <p:grpSpPr>
           <a:xfrm>
-            <a:off x="4599999" y="1201846"/>
-            <a:ext cx="7638654" cy="3959784"/>
-            <a:chOff x="4553346" y="1201846"/>
-            <a:chExt cx="7638654" cy="3959784"/>
+            <a:off x="2728543" y="790897"/>
+            <a:ext cx="3614668" cy="576000"/>
+            <a:chOff x="2714572" y="1763486"/>
+            <a:chExt cx="3614668" cy="576000"/>
+          </a:xfrm>
+        </p:grpSpPr>
+        <p:sp>
+          <p:nvSpPr>
+            <p:cNvPr id="2" name="矩形 1"/>
+            <p:cNvSpPr/>
+            <p:nvPr/>
+          </p:nvSpPr>
+          <p:spPr>
+            <a:xfrm>
+              <a:off x="2714572" y="1763486"/>
+              <a:ext cx="576000" cy="576000"/>
+            </a:xfrm>
+            <a:prstGeom prst="rect">
+              <a:avLst/>
+            </a:prstGeom>
+            <a:solidFill>
+              <a:schemeClr val="accent6">
+                <a:lumMod val="60000"/>
+                <a:lumOff val="40000"/>
+              </a:schemeClr>
+            </a:solidFill>
+          </p:spPr>
+          <p:style>
+            <a:lnRef idx="2">
+              <a:schemeClr val="accent6">
+                <a:shade val="50000"/>
+              </a:schemeClr>
+            </a:lnRef>
+            <a:fillRef idx="1">
+              <a:schemeClr val="accent6"/>
+            </a:fillRef>
+            <a:effectRef idx="0">
+              <a:schemeClr val="accent6"/>
+            </a:effectRef>
+            <a:fontRef idx="minor">
+              <a:schemeClr val="lt1"/>
+            </a:fontRef>
+          </p:style>
+          <p:txBody>
+            <a:bodyPr rtlCol="0" anchor="ctr"/>
+            <a:lstStyle/>
+            <a:p>
+              <a:pPr algn="ctr"/>
+              <a:r>
+                <a:rPr lang="en-US" altLang="zh-CN" dirty="0">
+                  <a:solidFill>
+                    <a:schemeClr val="tx1"/>
+                  </a:solidFill>
+                </a:rPr>
+                <a:t>5</a:t>
+              </a:r>
+              <a:r>
+                <a:rPr lang="en-US" altLang="zh-CN" dirty="0" smtClean="0">
+                  <a:solidFill>
+                    <a:schemeClr val="tx1"/>
+                  </a:solidFill>
+                </a:rPr>
+                <a:t>0</a:t>
+              </a:r>
+              <a:endParaRPr lang="zh-CN" altLang="en-US" dirty="0">
+                <a:solidFill>
+                  <a:schemeClr val="tx1"/>
+                </a:solidFill>
+              </a:endParaRPr>
+            </a:p>
+          </p:txBody>
+        </p:sp>
+        <p:sp>
+          <p:nvSpPr>
+            <p:cNvPr id="8" name="矩形 7"/>
+            <p:cNvSpPr/>
+            <p:nvPr/>
+          </p:nvSpPr>
+          <p:spPr>
+            <a:xfrm>
+              <a:off x="4233906" y="1763486"/>
+              <a:ext cx="576000" cy="576000"/>
+            </a:xfrm>
+            <a:prstGeom prst="rect">
+              <a:avLst/>
+            </a:prstGeom>
+            <a:solidFill>
+              <a:schemeClr val="accent6">
+                <a:lumMod val="60000"/>
+                <a:lumOff val="40000"/>
+              </a:schemeClr>
+            </a:solidFill>
+          </p:spPr>
+          <p:style>
+            <a:lnRef idx="2">
+              <a:schemeClr val="accent6">
+                <a:shade val="50000"/>
+              </a:schemeClr>
+            </a:lnRef>
+            <a:fillRef idx="1">
+              <a:schemeClr val="accent6"/>
+            </a:fillRef>
+            <a:effectRef idx="0">
+              <a:schemeClr val="accent6"/>
+            </a:effectRef>
+            <a:fontRef idx="minor">
+              <a:schemeClr val="lt1"/>
+            </a:fontRef>
+          </p:style>
+          <p:txBody>
+            <a:bodyPr rtlCol="0" anchor="ctr"/>
+            <a:lstStyle/>
+            <a:p>
+              <a:pPr algn="ctr"/>
+              <a:r>
+                <a:rPr lang="en-US" altLang="zh-CN" dirty="0">
+                  <a:solidFill>
+                    <a:schemeClr val="tx1"/>
+                  </a:solidFill>
+                </a:rPr>
+                <a:t>6</a:t>
+              </a:r>
+              <a:r>
+                <a:rPr lang="en-US" altLang="zh-CN" dirty="0">
+                  <a:solidFill>
+                    <a:schemeClr val="tx1"/>
+                  </a:solidFill>
+                </a:rPr>
+                <a:t>0</a:t>
+              </a:r>
+              <a:endParaRPr lang="zh-CN" altLang="en-US" dirty="0">
+                <a:solidFill>
+                  <a:schemeClr val="tx1"/>
+                </a:solidFill>
+              </a:endParaRPr>
+            </a:p>
+          </p:txBody>
+        </p:sp>
+        <p:sp>
+          <p:nvSpPr>
+            <p:cNvPr id="9" name="矩形 8"/>
+            <p:cNvSpPr/>
+            <p:nvPr/>
+          </p:nvSpPr>
+          <p:spPr>
+            <a:xfrm>
+              <a:off x="5753240" y="1763486"/>
+              <a:ext cx="576000" cy="576000"/>
+            </a:xfrm>
+            <a:prstGeom prst="rect">
+              <a:avLst/>
+            </a:prstGeom>
+            <a:solidFill>
+              <a:schemeClr val="accent6">
+                <a:lumMod val="60000"/>
+                <a:lumOff val="40000"/>
+              </a:schemeClr>
+            </a:solidFill>
+          </p:spPr>
+          <p:style>
+            <a:lnRef idx="2">
+              <a:schemeClr val="accent6">
+                <a:shade val="50000"/>
+              </a:schemeClr>
+            </a:lnRef>
+            <a:fillRef idx="1">
+              <a:schemeClr val="accent6"/>
+            </a:fillRef>
+            <a:effectRef idx="0">
+              <a:schemeClr val="accent6"/>
+            </a:effectRef>
+            <a:fontRef idx="minor">
+              <a:schemeClr val="lt1"/>
+            </a:fontRef>
+          </p:style>
+          <p:txBody>
+            <a:bodyPr rtlCol="0" anchor="ctr"/>
+            <a:lstStyle/>
+            <a:p>
+              <a:pPr algn="ctr"/>
+              <a:r>
+                <a:rPr lang="en-US" altLang="zh-CN" dirty="0">
+                  <a:solidFill>
+                    <a:schemeClr val="tx1"/>
+                  </a:solidFill>
+                </a:rPr>
+                <a:t>7</a:t>
+              </a:r>
+              <a:r>
+                <a:rPr lang="en-US" altLang="zh-CN" dirty="0">
+                  <a:solidFill>
+                    <a:schemeClr val="tx1"/>
+                  </a:solidFill>
+                </a:rPr>
+                <a:t>0</a:t>
+              </a:r>
+              <a:endParaRPr lang="zh-CN" altLang="en-US" dirty="0">
+                <a:solidFill>
+                  <a:schemeClr val="tx1"/>
+                </a:solidFill>
+              </a:endParaRPr>
+            </a:p>
+          </p:txBody>
+        </p:sp>
+        <p:cxnSp>
+          <p:nvCxnSpPr>
+            <p:cNvPr id="11" name="直接箭头连接符 10"/>
+            <p:cNvCxnSpPr>
+              <a:stCxn id="2" idx="3"/>
+              <a:endCxn id="8" idx="1"/>
+            </p:cNvCxnSpPr>
+            <p:nvPr/>
+          </p:nvCxnSpPr>
+          <p:spPr>
+            <a:xfrm>
+              <a:off x="3290572" y="2051486"/>
+              <a:ext cx="943334" cy="0"/>
+            </a:xfrm>
+            <a:prstGeom prst="straightConnector1">
+              <a:avLst/>
+            </a:prstGeom>
+            <a:ln w="19050">
+              <a:tailEnd type="triangle"/>
+            </a:ln>
+          </p:spPr>
+          <p:style>
+            <a:lnRef idx="1">
+              <a:schemeClr val="dk1"/>
+            </a:lnRef>
+            <a:fillRef idx="0">
+              <a:schemeClr val="dk1"/>
+            </a:fillRef>
+            <a:effectRef idx="0">
+              <a:schemeClr val="dk1"/>
+            </a:effectRef>
+            <a:fontRef idx="minor">
+              <a:schemeClr val="tx1"/>
+            </a:fontRef>
+          </p:style>
+        </p:cxnSp>
+        <p:cxnSp>
+          <p:nvCxnSpPr>
+            <p:cNvPr id="12" name="直接箭头连接符 11"/>
+            <p:cNvCxnSpPr>
+              <a:stCxn id="8" idx="3"/>
+              <a:endCxn id="9" idx="1"/>
+            </p:cNvCxnSpPr>
+            <p:nvPr/>
+          </p:nvCxnSpPr>
+          <p:spPr>
+            <a:xfrm>
+              <a:off x="4809906" y="2051486"/>
+              <a:ext cx="943334" cy="0"/>
+            </a:xfrm>
+            <a:prstGeom prst="straightConnector1">
+              <a:avLst/>
+            </a:prstGeom>
+            <a:ln w="19050">
+              <a:tailEnd type="triangle"/>
+            </a:ln>
+          </p:spPr>
+          <p:style>
+            <a:lnRef idx="1">
+              <a:schemeClr val="dk1"/>
+            </a:lnRef>
+            <a:fillRef idx="0">
+              <a:schemeClr val="dk1"/>
+            </a:fillRef>
+            <a:effectRef idx="0">
+              <a:schemeClr val="dk1"/>
+            </a:effectRef>
+            <a:fontRef idx="minor">
+              <a:schemeClr val="tx1"/>
+            </a:fontRef>
+          </p:style>
+        </p:cxnSp>
+      </p:grpSp>
+      <p:sp>
+        <p:nvSpPr>
+          <p:cNvPr id="27" name="文本框 26"/>
+          <p:cNvSpPr txBox="1"/>
+          <p:nvPr/>
+        </p:nvSpPr>
+        <p:spPr>
+          <a:xfrm>
+            <a:off x="2661419" y="1465564"/>
+            <a:ext cx="710247" cy="369332"/>
+          </a:xfrm>
+          <a:prstGeom prst="rect">
+            <a:avLst/>
+          </a:prstGeom>
+          <a:noFill/>
+        </p:spPr>
+        <p:txBody>
+          <a:bodyPr wrap="square" rtlCol="0">
+            <a:spAutoFit/>
+          </a:bodyPr>
+          <a:lstStyle/>
+          <a:p>
+            <a:r>
+              <a:rPr lang="en-US" altLang="zh-CN" dirty="0" smtClean="0"/>
+              <a:t>NF A</a:t>
+            </a:r>
+            <a:endParaRPr lang="zh-CN" altLang="en-US" dirty="0"/>
+          </a:p>
+        </p:txBody>
+      </p:sp>
+      <p:sp>
+        <p:nvSpPr>
+          <p:cNvPr id="28" name="文本框 27"/>
+          <p:cNvSpPr txBox="1"/>
+          <p:nvPr/>
+        </p:nvSpPr>
+        <p:spPr>
+          <a:xfrm>
+            <a:off x="5732867" y="1463483"/>
+            <a:ext cx="710247" cy="369332"/>
+          </a:xfrm>
+          <a:prstGeom prst="rect">
+            <a:avLst/>
+          </a:prstGeom>
+          <a:noFill/>
+        </p:spPr>
+        <p:txBody>
+          <a:bodyPr wrap="square" rtlCol="0">
+            <a:spAutoFit/>
+          </a:bodyPr>
+          <a:lstStyle/>
+          <a:p>
+            <a:r>
+              <a:rPr lang="en-US" altLang="zh-CN" dirty="0" smtClean="0"/>
+              <a:t>NF C</a:t>
+            </a:r>
+            <a:endParaRPr lang="zh-CN" altLang="en-US" dirty="0"/>
+          </a:p>
+        </p:txBody>
+      </p:sp>
+      <p:sp>
+        <p:nvSpPr>
+          <p:cNvPr id="29" name="文本框 28"/>
+          <p:cNvSpPr txBox="1"/>
+          <p:nvPr/>
+        </p:nvSpPr>
+        <p:spPr>
+          <a:xfrm>
+            <a:off x="4197143" y="1465564"/>
+            <a:ext cx="710247" cy="369332"/>
+          </a:xfrm>
+          <a:prstGeom prst="rect">
+            <a:avLst/>
+          </a:prstGeom>
+          <a:noFill/>
+        </p:spPr>
+        <p:txBody>
+          <a:bodyPr wrap="square" rtlCol="0">
+            <a:spAutoFit/>
+          </a:bodyPr>
+          <a:lstStyle/>
+          <a:p>
+            <a:r>
+              <a:rPr lang="en-US" altLang="zh-CN" dirty="0" smtClean="0"/>
+              <a:t>NF B</a:t>
+            </a:r>
+            <a:endParaRPr lang="zh-CN" altLang="en-US" dirty="0"/>
+          </a:p>
+        </p:txBody>
+      </p:sp>
+      <p:grpSp>
+        <p:nvGrpSpPr>
+          <p:cNvPr id="5" name="组合 4"/>
+          <p:cNvGrpSpPr/>
+          <p:nvPr/>
+        </p:nvGrpSpPr>
+        <p:grpSpPr>
+          <a:xfrm>
+            <a:off x="1298296" y="2014897"/>
+            <a:ext cx="6507942" cy="4058057"/>
+            <a:chOff x="1298296" y="2014897"/>
+            <a:chExt cx="6507942" cy="4058057"/>
           </a:xfrm>
         </p:grpSpPr>
         <p:grpSp>
           <p:nvGrpSpPr>
-            <p:cNvPr id="40" name="组合 39"/>
+            <p:cNvPr id="4" name="组合 3"/>
             <p:cNvGrpSpPr/>
             <p:nvPr/>
           </p:nvGrpSpPr>
           <p:grpSpPr>
             <a:xfrm>
-              <a:off x="4553346" y="1201846"/>
+              <a:off x="1298296" y="2014897"/>
+              <a:ext cx="6507942" cy="3573005"/>
+              <a:chOff x="1281906" y="2622743"/>
+              <a:chExt cx="6507942" cy="3573005"/>
+            </a:xfrm>
+          </p:grpSpPr>
+          <p:sp>
+            <p:nvSpPr>
+              <p:cNvPr id="15" name="椭圆 14"/>
+              <p:cNvSpPr/>
+              <p:nvPr/>
+            </p:nvSpPr>
+            <p:spPr>
+              <a:xfrm>
+                <a:off x="1281906" y="3761245"/>
+                <a:ext cx="1296000" cy="1296000"/>
+              </a:xfrm>
+              <a:prstGeom prst="ellipse">
+                <a:avLst/>
+              </a:prstGeom>
+              <a:solidFill>
+                <a:schemeClr val="accent1">
+                  <a:lumMod val="60000"/>
+                  <a:lumOff val="40000"/>
+                </a:schemeClr>
+              </a:solidFill>
+            </p:spPr>
+            <p:style>
+              <a:lnRef idx="2">
+                <a:schemeClr val="accent1">
+                  <a:shade val="50000"/>
+                </a:schemeClr>
+              </a:lnRef>
+              <a:fillRef idx="1">
+                <a:schemeClr val="accent1"/>
+              </a:fillRef>
+              <a:effectRef idx="0">
+                <a:schemeClr val="accent1"/>
+              </a:effectRef>
+              <a:fontRef idx="minor">
+                <a:schemeClr val="lt1"/>
+              </a:fontRef>
+            </p:style>
+            <p:txBody>
+              <a:bodyPr rtlCol="0" anchor="ctr"/>
+              <a:lstStyle/>
+              <a:p>
+                <a:pPr algn="ctr"/>
+                <a:endParaRPr lang="zh-CN" altLang="en-US" dirty="0">
+                  <a:solidFill>
+                    <a:schemeClr val="tx1"/>
+                  </a:solidFill>
+                </a:endParaRPr>
+              </a:p>
+            </p:txBody>
+          </p:sp>
+          <p:sp>
+            <p:nvSpPr>
+              <p:cNvPr id="16" name="椭圆 15"/>
+              <p:cNvSpPr/>
+              <p:nvPr/>
+            </p:nvSpPr>
+            <p:spPr>
+              <a:xfrm>
+                <a:off x="6493848" y="3761245"/>
+                <a:ext cx="1296000" cy="1296000"/>
+              </a:xfrm>
+              <a:prstGeom prst="ellipse">
+                <a:avLst/>
+              </a:prstGeom>
+              <a:solidFill>
+                <a:schemeClr val="accent1">
+                  <a:lumMod val="60000"/>
+                  <a:lumOff val="40000"/>
+                </a:schemeClr>
+              </a:solidFill>
+            </p:spPr>
+            <p:style>
+              <a:lnRef idx="2">
+                <a:schemeClr val="accent1">
+                  <a:shade val="50000"/>
+                </a:schemeClr>
+              </a:lnRef>
+              <a:fillRef idx="1">
+                <a:schemeClr val="accent1"/>
+              </a:fillRef>
+              <a:effectRef idx="0">
+                <a:schemeClr val="accent1"/>
+              </a:effectRef>
+              <a:fontRef idx="minor">
+                <a:schemeClr val="lt1"/>
+              </a:fontRef>
+            </p:style>
+            <p:txBody>
+              <a:bodyPr rtlCol="0" anchor="ctr"/>
+              <a:lstStyle/>
+              <a:p>
+                <a:pPr algn="ctr"/>
+                <a:endParaRPr lang="zh-CN" altLang="en-US" dirty="0">
+                  <a:solidFill>
+                    <a:schemeClr val="tx1"/>
+                  </a:solidFill>
+                </a:endParaRPr>
+              </a:p>
+            </p:txBody>
+          </p:sp>
+          <p:sp>
+            <p:nvSpPr>
+              <p:cNvPr id="17" name="椭圆 16"/>
+              <p:cNvSpPr/>
+              <p:nvPr/>
+            </p:nvSpPr>
+            <p:spPr>
+              <a:xfrm>
+                <a:off x="3887877" y="4899748"/>
+                <a:ext cx="1296000" cy="1296000"/>
+              </a:xfrm>
+              <a:prstGeom prst="ellipse">
+                <a:avLst/>
+              </a:prstGeom>
+              <a:solidFill>
+                <a:schemeClr val="accent1">
+                  <a:lumMod val="60000"/>
+                  <a:lumOff val="40000"/>
+                </a:schemeClr>
+              </a:solidFill>
+            </p:spPr>
+            <p:style>
+              <a:lnRef idx="2">
+                <a:schemeClr val="accent1">
+                  <a:shade val="50000"/>
+                </a:schemeClr>
+              </a:lnRef>
+              <a:fillRef idx="1">
+                <a:schemeClr val="accent1"/>
+              </a:fillRef>
+              <a:effectRef idx="0">
+                <a:schemeClr val="accent1"/>
+              </a:effectRef>
+              <a:fontRef idx="minor">
+                <a:schemeClr val="lt1"/>
+              </a:fontRef>
+            </p:style>
+            <p:txBody>
+              <a:bodyPr rtlCol="0" anchor="ctr"/>
+              <a:lstStyle/>
+              <a:p>
+                <a:pPr algn="ctr"/>
+                <a:endParaRPr lang="zh-CN" altLang="en-US" dirty="0">
+                  <a:solidFill>
+                    <a:schemeClr val="tx1"/>
+                  </a:solidFill>
+                </a:endParaRPr>
+              </a:p>
+            </p:txBody>
+          </p:sp>
+          <p:sp>
+            <p:nvSpPr>
+              <p:cNvPr id="18" name="椭圆 17"/>
+              <p:cNvSpPr/>
+              <p:nvPr/>
+            </p:nvSpPr>
+            <p:spPr>
+              <a:xfrm>
+                <a:off x="3887877" y="2622743"/>
+                <a:ext cx="1296000" cy="1296000"/>
+              </a:xfrm>
+              <a:prstGeom prst="ellipse">
+                <a:avLst/>
+              </a:prstGeom>
+              <a:solidFill>
+                <a:schemeClr val="accent1">
+                  <a:lumMod val="60000"/>
+                  <a:lumOff val="40000"/>
+                </a:schemeClr>
+              </a:solidFill>
+            </p:spPr>
+            <p:style>
+              <a:lnRef idx="2">
+                <a:schemeClr val="accent1">
+                  <a:shade val="50000"/>
+                </a:schemeClr>
+              </a:lnRef>
+              <a:fillRef idx="1">
+                <a:schemeClr val="accent1"/>
+              </a:fillRef>
+              <a:effectRef idx="0">
+                <a:schemeClr val="accent1"/>
+              </a:effectRef>
+              <a:fontRef idx="minor">
+                <a:schemeClr val="lt1"/>
+              </a:fontRef>
+            </p:style>
+            <p:txBody>
+              <a:bodyPr rtlCol="0" anchor="ctr"/>
+              <a:lstStyle/>
+              <a:p>
+                <a:pPr algn="ctr"/>
+                <a:endParaRPr lang="zh-CN" altLang="en-US" dirty="0">
+                  <a:solidFill>
+                    <a:schemeClr val="tx1"/>
+                  </a:solidFill>
+                </a:endParaRPr>
+              </a:p>
+            </p:txBody>
+          </p:sp>
+          <p:cxnSp>
+            <p:nvCxnSpPr>
+              <p:cNvPr id="20" name="直接连接符 19"/>
+              <p:cNvCxnSpPr>
+                <a:stCxn id="15" idx="6"/>
+                <a:endCxn id="18" idx="2"/>
+              </p:cNvCxnSpPr>
+              <p:nvPr/>
+            </p:nvCxnSpPr>
+            <p:spPr>
+              <a:xfrm flipV="1">
+                <a:off x="2577906" y="3270743"/>
+                <a:ext cx="1309971" cy="1138502"/>
+              </a:xfrm>
+              <a:prstGeom prst="line">
+                <a:avLst/>
+              </a:prstGeom>
+              <a:ln w="19050"/>
+            </p:spPr>
+            <p:style>
+              <a:lnRef idx="1">
+                <a:schemeClr val="accent1"/>
+              </a:lnRef>
+              <a:fillRef idx="0">
+                <a:schemeClr val="accent1"/>
+              </a:fillRef>
+              <a:effectRef idx="0">
+                <a:schemeClr val="accent1"/>
+              </a:effectRef>
+              <a:fontRef idx="minor">
+                <a:schemeClr val="tx1"/>
+              </a:fontRef>
+            </p:style>
+          </p:cxnSp>
+          <p:cxnSp>
+            <p:nvCxnSpPr>
+              <p:cNvPr id="21" name="直接连接符 20"/>
+              <p:cNvCxnSpPr>
+                <a:stCxn id="15" idx="6"/>
+                <a:endCxn id="17" idx="2"/>
+              </p:cNvCxnSpPr>
+              <p:nvPr/>
+            </p:nvCxnSpPr>
+            <p:spPr>
+              <a:xfrm>
+                <a:off x="2577906" y="4409245"/>
+                <a:ext cx="1309971" cy="1138503"/>
+              </a:xfrm>
+              <a:prstGeom prst="line">
+                <a:avLst/>
+              </a:prstGeom>
+              <a:ln w="19050"/>
+            </p:spPr>
+            <p:style>
+              <a:lnRef idx="1">
+                <a:schemeClr val="accent1"/>
+              </a:lnRef>
+              <a:fillRef idx="0">
+                <a:schemeClr val="accent1"/>
+              </a:fillRef>
+              <a:effectRef idx="0">
+                <a:schemeClr val="accent1"/>
+              </a:effectRef>
+              <a:fontRef idx="minor">
+                <a:schemeClr val="tx1"/>
+              </a:fontRef>
+            </p:style>
+          </p:cxnSp>
+          <p:cxnSp>
+            <p:nvCxnSpPr>
+              <p:cNvPr id="22" name="直接连接符 21"/>
+              <p:cNvCxnSpPr>
+                <a:stCxn id="17" idx="6"/>
+                <a:endCxn id="16" idx="2"/>
+              </p:cNvCxnSpPr>
+              <p:nvPr/>
+            </p:nvCxnSpPr>
+            <p:spPr>
+              <a:xfrm flipV="1">
+                <a:off x="5183877" y="4409245"/>
+                <a:ext cx="1309971" cy="1138503"/>
+              </a:xfrm>
+              <a:prstGeom prst="line">
+                <a:avLst/>
+              </a:prstGeom>
+              <a:ln w="19050"/>
+            </p:spPr>
+            <p:style>
+              <a:lnRef idx="1">
+                <a:schemeClr val="accent1"/>
+              </a:lnRef>
+              <a:fillRef idx="0">
+                <a:schemeClr val="accent1"/>
+              </a:fillRef>
+              <a:effectRef idx="0">
+                <a:schemeClr val="accent1"/>
+              </a:effectRef>
+              <a:fontRef idx="minor">
+                <a:schemeClr val="tx1"/>
+              </a:fontRef>
+            </p:style>
+          </p:cxnSp>
+          <p:cxnSp>
+            <p:nvCxnSpPr>
+              <p:cNvPr id="23" name="直接连接符 22"/>
+              <p:cNvCxnSpPr>
+                <a:stCxn id="16" idx="2"/>
+                <a:endCxn id="18" idx="6"/>
+              </p:cNvCxnSpPr>
+              <p:nvPr/>
+            </p:nvCxnSpPr>
+            <p:spPr>
+              <a:xfrm flipH="1" flipV="1">
+                <a:off x="5183877" y="3270743"/>
+                <a:ext cx="1309971" cy="1138502"/>
+              </a:xfrm>
+              <a:prstGeom prst="line">
+                <a:avLst/>
+              </a:prstGeom>
+              <a:ln w="19050"/>
+            </p:spPr>
+            <p:style>
+              <a:lnRef idx="1">
+                <a:schemeClr val="accent1"/>
+              </a:lnRef>
+              <a:fillRef idx="0">
+                <a:schemeClr val="accent1"/>
+              </a:fillRef>
+              <a:effectRef idx="0">
+                <a:schemeClr val="accent1"/>
+              </a:effectRef>
+              <a:fontRef idx="minor">
+                <a:schemeClr val="tx1"/>
+              </a:fontRef>
+            </p:style>
+          </p:cxnSp>
+        </p:grpSp>
+        <p:sp>
+          <p:nvSpPr>
+            <p:cNvPr id="30" name="文本框 29"/>
+            <p:cNvSpPr txBox="1"/>
+            <p:nvPr/>
+          </p:nvSpPr>
+          <p:spPr>
+            <a:xfrm>
+              <a:off x="1470435" y="4570569"/>
+              <a:ext cx="951723" cy="369332"/>
+            </a:xfrm>
+            <a:prstGeom prst="rect">
+              <a:avLst/>
+            </a:prstGeom>
+            <a:noFill/>
+          </p:spPr>
+          <p:txBody>
+            <a:bodyPr wrap="square" rtlCol="0">
+              <a:spAutoFit/>
+            </a:bodyPr>
+            <a:lstStyle/>
+            <a:p>
+              <a:r>
+                <a:rPr lang="en-US" altLang="zh-CN" dirty="0" smtClean="0"/>
+                <a:t>Node A</a:t>
+              </a:r>
+              <a:endParaRPr lang="zh-CN" altLang="en-US" dirty="0"/>
+            </a:p>
+          </p:txBody>
+        </p:sp>
+        <p:sp>
+          <p:nvSpPr>
+            <p:cNvPr id="31" name="文本框 30"/>
+            <p:cNvSpPr txBox="1"/>
+            <p:nvPr/>
+          </p:nvSpPr>
+          <p:spPr>
+            <a:xfrm>
+              <a:off x="4076405" y="5703622"/>
+              <a:ext cx="951723" cy="369332"/>
+            </a:xfrm>
+            <a:prstGeom prst="rect">
+              <a:avLst/>
+            </a:prstGeom>
+            <a:noFill/>
+          </p:spPr>
+          <p:txBody>
+            <a:bodyPr wrap="square" rtlCol="0">
+              <a:spAutoFit/>
+            </a:bodyPr>
+            <a:lstStyle/>
+            <a:p>
+              <a:r>
+                <a:rPr lang="en-US" altLang="zh-CN" dirty="0" smtClean="0"/>
+                <a:t>Node C</a:t>
+              </a:r>
+              <a:endParaRPr lang="zh-CN" altLang="en-US" dirty="0"/>
+            </a:p>
+          </p:txBody>
+        </p:sp>
+        <p:sp>
+          <p:nvSpPr>
+            <p:cNvPr id="32" name="文本框 31"/>
+            <p:cNvSpPr txBox="1"/>
+            <p:nvPr/>
+          </p:nvSpPr>
+          <p:spPr>
+            <a:xfrm>
+              <a:off x="4076405" y="3371482"/>
+              <a:ext cx="951723" cy="369332"/>
+            </a:xfrm>
+            <a:prstGeom prst="rect">
+              <a:avLst/>
+            </a:prstGeom>
+            <a:noFill/>
+          </p:spPr>
+          <p:txBody>
+            <a:bodyPr wrap="square" rtlCol="0">
+              <a:spAutoFit/>
+            </a:bodyPr>
+            <a:lstStyle/>
+            <a:p>
+              <a:r>
+                <a:rPr lang="en-US" altLang="zh-CN" dirty="0" smtClean="0"/>
+                <a:t>Node B</a:t>
+              </a:r>
+              <a:endParaRPr lang="zh-CN" altLang="en-US" dirty="0"/>
+            </a:p>
+          </p:txBody>
+        </p:sp>
+        <p:sp>
+          <p:nvSpPr>
+            <p:cNvPr id="33" name="文本框 32"/>
+            <p:cNvSpPr txBox="1"/>
+            <p:nvPr/>
+          </p:nvSpPr>
+          <p:spPr>
+            <a:xfrm>
+              <a:off x="6682376" y="4570569"/>
+              <a:ext cx="951723" cy="369332"/>
+            </a:xfrm>
+            <a:prstGeom prst="rect">
+              <a:avLst/>
+            </a:prstGeom>
+            <a:noFill/>
+          </p:spPr>
+          <p:txBody>
+            <a:bodyPr wrap="square" rtlCol="0">
+              <a:spAutoFit/>
+            </a:bodyPr>
+            <a:lstStyle/>
+            <a:p>
+              <a:r>
+                <a:rPr lang="en-US" altLang="zh-CN" dirty="0" smtClean="0"/>
+                <a:t>Node D</a:t>
+              </a:r>
+              <a:endParaRPr lang="zh-CN" altLang="en-US" dirty="0"/>
+            </a:p>
+          </p:txBody>
+        </p:sp>
+        <p:sp>
+          <p:nvSpPr>
+            <p:cNvPr id="24" name="矩形 23"/>
+            <p:cNvSpPr/>
+            <p:nvPr/>
+          </p:nvSpPr>
+          <p:spPr>
+            <a:xfrm>
+              <a:off x="1705096" y="3556148"/>
+              <a:ext cx="482400" cy="482400"/>
+            </a:xfrm>
+            <a:prstGeom prst="rect">
+              <a:avLst/>
+            </a:prstGeom>
+            <a:solidFill>
+              <a:schemeClr val="accent6">
+                <a:lumMod val="60000"/>
+                <a:lumOff val="40000"/>
+              </a:schemeClr>
+            </a:solidFill>
+          </p:spPr>
+          <p:style>
+            <a:lnRef idx="2">
+              <a:schemeClr val="accent6">
+                <a:shade val="50000"/>
+              </a:schemeClr>
+            </a:lnRef>
+            <a:fillRef idx="1">
+              <a:schemeClr val="accent6"/>
+            </a:fillRef>
+            <a:effectRef idx="0">
+              <a:schemeClr val="accent6"/>
+            </a:effectRef>
+            <a:fontRef idx="minor">
+              <a:schemeClr val="lt1"/>
+            </a:fontRef>
+          </p:style>
+          <p:txBody>
+            <a:bodyPr rtlCol="0" anchor="ctr"/>
+            <a:lstStyle/>
+            <a:p>
+              <a:pPr algn="ctr"/>
+              <a:r>
+                <a:rPr lang="en-US" altLang="zh-CN" sz="1100" dirty="0" smtClean="0">
+                  <a:solidFill>
+                    <a:schemeClr val="tx1"/>
+                  </a:solidFill>
+                </a:rPr>
+                <a:t>NF A</a:t>
+              </a:r>
+              <a:endParaRPr lang="zh-CN" altLang="en-US" sz="1100" dirty="0">
+                <a:solidFill>
+                  <a:schemeClr val="tx1"/>
+                </a:solidFill>
+              </a:endParaRPr>
+            </a:p>
+          </p:txBody>
+        </p:sp>
+        <p:sp>
+          <p:nvSpPr>
+            <p:cNvPr id="34" name="矩形 33"/>
+            <p:cNvSpPr/>
+            <p:nvPr/>
+          </p:nvSpPr>
+          <p:spPr>
+            <a:xfrm>
+              <a:off x="4289840" y="2155675"/>
+              <a:ext cx="482400" cy="483442"/>
+            </a:xfrm>
+            <a:prstGeom prst="rect">
+              <a:avLst/>
+            </a:prstGeom>
+            <a:solidFill>
+              <a:schemeClr val="accent6">
+                <a:lumMod val="60000"/>
+                <a:lumOff val="40000"/>
+              </a:schemeClr>
+            </a:solidFill>
+          </p:spPr>
+          <p:style>
+            <a:lnRef idx="2">
+              <a:schemeClr val="accent6">
+                <a:shade val="50000"/>
+              </a:schemeClr>
+            </a:lnRef>
+            <a:fillRef idx="1">
+              <a:schemeClr val="accent6"/>
+            </a:fillRef>
+            <a:effectRef idx="0">
+              <a:schemeClr val="accent6"/>
+            </a:effectRef>
+            <a:fontRef idx="minor">
+              <a:schemeClr val="lt1"/>
+            </a:fontRef>
+          </p:style>
+          <p:txBody>
+            <a:bodyPr rtlCol="0" anchor="ctr"/>
+            <a:lstStyle/>
+            <a:p>
+              <a:pPr algn="ctr"/>
+              <a:r>
+                <a:rPr lang="en-US" altLang="zh-CN" sz="1100" dirty="0" smtClean="0">
+                  <a:solidFill>
+                    <a:schemeClr val="tx1"/>
+                  </a:solidFill>
+                </a:rPr>
+                <a:t>NF B</a:t>
+              </a:r>
+              <a:endParaRPr lang="zh-CN" altLang="en-US" sz="1100" dirty="0">
+                <a:solidFill>
+                  <a:schemeClr val="tx1"/>
+                </a:solidFill>
+              </a:endParaRPr>
+            </a:p>
+          </p:txBody>
+        </p:sp>
+        <p:sp>
+          <p:nvSpPr>
+            <p:cNvPr id="35" name="矩形 34"/>
+            <p:cNvSpPr/>
+            <p:nvPr/>
+          </p:nvSpPr>
+          <p:spPr>
+            <a:xfrm>
+              <a:off x="4289840" y="2707805"/>
+              <a:ext cx="482400" cy="482400"/>
+            </a:xfrm>
+            <a:prstGeom prst="rect">
+              <a:avLst/>
+            </a:prstGeom>
+            <a:solidFill>
+              <a:schemeClr val="accent6">
+                <a:lumMod val="60000"/>
+                <a:lumOff val="40000"/>
+              </a:schemeClr>
+            </a:solidFill>
+          </p:spPr>
+          <p:style>
+            <a:lnRef idx="2">
+              <a:schemeClr val="accent6">
+                <a:shade val="50000"/>
+              </a:schemeClr>
+            </a:lnRef>
+            <a:fillRef idx="1">
+              <a:schemeClr val="accent6"/>
+            </a:fillRef>
+            <a:effectRef idx="0">
+              <a:schemeClr val="accent6"/>
+            </a:effectRef>
+            <a:fontRef idx="minor">
+              <a:schemeClr val="lt1"/>
+            </a:fontRef>
+          </p:style>
+          <p:txBody>
+            <a:bodyPr rtlCol="0" anchor="ctr"/>
+            <a:lstStyle/>
+            <a:p>
+              <a:pPr algn="ctr"/>
+              <a:r>
+                <a:rPr lang="en-US" altLang="zh-CN" sz="1100" dirty="0" smtClean="0">
+                  <a:solidFill>
+                    <a:schemeClr val="tx1"/>
+                  </a:solidFill>
+                </a:rPr>
+                <a:t>NF C</a:t>
+              </a:r>
+              <a:endParaRPr lang="zh-CN" altLang="en-US" sz="1100" dirty="0">
+                <a:solidFill>
+                  <a:schemeClr val="tx1"/>
+                </a:solidFill>
+              </a:endParaRPr>
+            </a:p>
+          </p:txBody>
+        </p:sp>
+      </p:grpSp>
+    </p:spTree>
+    <p:extLst>
+      <p:ext uri="{BB962C8B-B14F-4D97-AF65-F5344CB8AC3E}">
+        <p14:creationId xmlns:p14="http://schemas.microsoft.com/office/powerpoint/2010/main" val="2535903504"/>
+      </p:ext>
+    </p:extLst>
+  </p:cSld>
+  <p:clrMapOvr>
+    <a:masterClrMapping/>
+  </p:clrMapOvr>
+</p:sld>
+</file>
+
+<file path=ppt/slides/slide6.xml><?xml version="1.0" encoding="utf-8"?>
+<p:sld xmlns:a="http://schemas.openxmlformats.org/drawingml/2006/main" xmlns:r="http://schemas.openxmlformats.org/officeDocument/2006/relationships" xmlns:p="http://schemas.openxmlformats.org/presentationml/2006/main">
+  <p:cSld>
+    <p:spTree>
+      <p:nvGrpSpPr>
+        <p:cNvPr id="1" name=""/>
+        <p:cNvGrpSpPr/>
+        <p:nvPr/>
+      </p:nvGrpSpPr>
+      <p:grpSpPr>
+        <a:xfrm>
+          <a:off x="0" y="0"/>
+          <a:ext cx="0" cy="0"/>
+          <a:chOff x="0" y="0"/>
+          <a:chExt cx="0" cy="0"/>
+        </a:xfrm>
+      </p:grpSpPr>
+      <p:grpSp>
+        <p:nvGrpSpPr>
+          <p:cNvPr id="5" name="组合 4"/>
+          <p:cNvGrpSpPr/>
+          <p:nvPr/>
+        </p:nvGrpSpPr>
+        <p:grpSpPr>
+          <a:xfrm>
+            <a:off x="289249" y="1201846"/>
+            <a:ext cx="11949404" cy="3959784"/>
+            <a:chOff x="289249" y="1201846"/>
+            <a:chExt cx="11949404" cy="3959784"/>
+          </a:xfrm>
+        </p:grpSpPr>
+        <p:grpSp>
+          <p:nvGrpSpPr>
+            <p:cNvPr id="3" name="组合 2"/>
+            <p:cNvGrpSpPr/>
+            <p:nvPr/>
+          </p:nvGrpSpPr>
+          <p:grpSpPr>
+            <a:xfrm>
+              <a:off x="289249" y="2696473"/>
+              <a:ext cx="4701392" cy="972929"/>
+              <a:chOff x="289249" y="2696473"/>
+              <a:chExt cx="4701392" cy="972929"/>
+            </a:xfrm>
+          </p:grpSpPr>
+          <p:sp>
+            <p:nvSpPr>
+              <p:cNvPr id="4" name="矩形 3"/>
+              <p:cNvSpPr/>
+              <p:nvPr/>
+            </p:nvSpPr>
+            <p:spPr>
+              <a:xfrm>
+                <a:off x="1521400" y="2696473"/>
+                <a:ext cx="1585695" cy="972929"/>
+              </a:xfrm>
+              <a:prstGeom prst="rect">
+                <a:avLst/>
+              </a:prstGeom>
+              <a:solidFill>
+                <a:srgbClr val="9DC3E6"/>
+              </a:solidFill>
+            </p:spPr>
+            <p:style>
+              <a:lnRef idx="2">
+                <a:schemeClr val="accent1">
+                  <a:shade val="50000"/>
+                </a:schemeClr>
+              </a:lnRef>
+              <a:fillRef idx="1">
+                <a:schemeClr val="accent1"/>
+              </a:fillRef>
+              <a:effectRef idx="0">
+                <a:schemeClr val="accent1"/>
+              </a:effectRef>
+              <a:fontRef idx="minor">
+                <a:schemeClr val="lt1"/>
+              </a:fontRef>
+            </p:style>
+            <p:txBody>
+              <a:bodyPr rtlCol="0" anchor="ctr"/>
+              <a:lstStyle/>
+              <a:p>
+                <a:pPr algn="ctr"/>
+                <a:r>
+                  <a:rPr lang="en-US" altLang="zh-CN" dirty="0" smtClean="0">
+                    <a:solidFill>
+                      <a:schemeClr val="tx1"/>
+                    </a:solidFill>
+                  </a:rPr>
+                  <a:t>NF parallelism analysis</a:t>
+                </a:r>
+                <a:endParaRPr lang="zh-CN" altLang="en-US" dirty="0">
+                  <a:solidFill>
+                    <a:schemeClr val="tx1"/>
+                  </a:solidFill>
+                </a:endParaRPr>
+              </a:p>
+            </p:txBody>
+          </p:sp>
+          <p:cxnSp>
+            <p:nvCxnSpPr>
+              <p:cNvPr id="8" name="直接箭头连接符 7"/>
+              <p:cNvCxnSpPr>
+                <a:endCxn id="4" idx="1"/>
+              </p:cNvCxnSpPr>
+              <p:nvPr/>
+            </p:nvCxnSpPr>
+            <p:spPr>
+              <a:xfrm>
+                <a:off x="289249" y="3181738"/>
+                <a:ext cx="1232151" cy="1200"/>
+              </a:xfrm>
+              <a:prstGeom prst="straightConnector1">
+                <a:avLst/>
+              </a:prstGeom>
+              <a:ln w="19050">
+                <a:solidFill>
+                  <a:schemeClr val="tx1"/>
+                </a:solidFill>
+                <a:tailEnd type="triangle"/>
+              </a:ln>
+            </p:spPr>
+            <p:style>
+              <a:lnRef idx="1">
+                <a:schemeClr val="accent1"/>
+              </a:lnRef>
+              <a:fillRef idx="0">
+                <a:schemeClr val="accent1"/>
+              </a:fillRef>
+              <a:effectRef idx="0">
+                <a:schemeClr val="accent1"/>
+              </a:effectRef>
+              <a:fontRef idx="minor">
+                <a:schemeClr val="tx1"/>
+              </a:fontRef>
+            </p:style>
+          </p:cxnSp>
+          <p:cxnSp>
+            <p:nvCxnSpPr>
+              <p:cNvPr id="24" name="直接箭头连接符 23"/>
+              <p:cNvCxnSpPr>
+                <a:stCxn id="4" idx="3"/>
+                <a:endCxn id="10" idx="1"/>
+              </p:cNvCxnSpPr>
+              <p:nvPr/>
+            </p:nvCxnSpPr>
+            <p:spPr>
+              <a:xfrm flipV="1">
+                <a:off x="3107095" y="3181738"/>
+                <a:ext cx="1883546" cy="1200"/>
+              </a:xfrm>
+              <a:prstGeom prst="straightConnector1">
+                <a:avLst/>
+              </a:prstGeom>
+              <a:ln w="19050">
+                <a:solidFill>
+                  <a:schemeClr val="tx1"/>
+                </a:solidFill>
+                <a:tailEnd type="triangle"/>
+              </a:ln>
+            </p:spPr>
+            <p:style>
+              <a:lnRef idx="1">
+                <a:schemeClr val="accent1"/>
+              </a:lnRef>
+              <a:fillRef idx="0">
+                <a:schemeClr val="accent1"/>
+              </a:fillRef>
+              <a:effectRef idx="0">
+                <a:schemeClr val="accent1"/>
+              </a:effectRef>
+              <a:fontRef idx="minor">
+                <a:schemeClr val="tx1"/>
+              </a:fontRef>
+            </p:style>
+          </p:cxnSp>
+          <p:sp>
+            <p:nvSpPr>
+              <p:cNvPr id="33" name="文本框 32"/>
+              <p:cNvSpPr txBox="1"/>
+              <p:nvPr/>
+            </p:nvSpPr>
+            <p:spPr>
+              <a:xfrm>
+                <a:off x="3133977" y="2790308"/>
+                <a:ext cx="1744825" cy="369332"/>
+              </a:xfrm>
+              <a:prstGeom prst="rect">
+                <a:avLst/>
+              </a:prstGeom>
+              <a:noFill/>
+            </p:spPr>
+            <p:txBody>
+              <a:bodyPr wrap="square" rtlCol="0">
+                <a:spAutoFit/>
+              </a:bodyPr>
+              <a:lstStyle/>
+              <a:p>
+                <a:r>
+                  <a:rPr lang="en-US" altLang="zh-CN" dirty="0" smtClean="0"/>
+                  <a:t>Parallel strategy</a:t>
+                </a:r>
+                <a:endParaRPr lang="zh-CN" altLang="en-US" dirty="0"/>
+              </a:p>
+            </p:txBody>
+          </p:sp>
+          <p:sp>
+            <p:nvSpPr>
+              <p:cNvPr id="34" name="文本框 33"/>
+              <p:cNvSpPr txBox="1"/>
+              <p:nvPr/>
+            </p:nvSpPr>
+            <p:spPr>
+              <a:xfrm>
+                <a:off x="3133383" y="3155219"/>
+                <a:ext cx="1744825" cy="369332"/>
+              </a:xfrm>
+              <a:prstGeom prst="rect">
+                <a:avLst/>
+              </a:prstGeom>
+              <a:noFill/>
+            </p:spPr>
+            <p:txBody>
+              <a:bodyPr wrap="square" rtlCol="0">
+                <a:spAutoFit/>
+              </a:bodyPr>
+              <a:lstStyle/>
+              <a:p>
+                <a:r>
+                  <a:rPr lang="en-US" altLang="zh-CN" dirty="0" smtClean="0"/>
+                  <a:t>Running </a:t>
+                </a:r>
+                <a:r>
+                  <a:rPr lang="en-US" altLang="zh-CN" dirty="0" err="1" smtClean="0"/>
+                  <a:t>config</a:t>
+                </a:r>
+                <a:endParaRPr lang="zh-CN" altLang="en-US" dirty="0"/>
+              </a:p>
+            </p:txBody>
+          </p:sp>
+          <p:sp>
+            <p:nvSpPr>
+              <p:cNvPr id="37" name="文本框 36"/>
+              <p:cNvSpPr txBox="1"/>
+              <p:nvPr/>
+            </p:nvSpPr>
+            <p:spPr>
+              <a:xfrm>
+                <a:off x="295075" y="2790763"/>
+                <a:ext cx="1225731" cy="369332"/>
+              </a:xfrm>
+              <a:prstGeom prst="rect">
+                <a:avLst/>
+              </a:prstGeom>
+              <a:noFill/>
+            </p:spPr>
+            <p:txBody>
+              <a:bodyPr wrap="square" rtlCol="0">
+                <a:spAutoFit/>
+              </a:bodyPr>
+              <a:lstStyle/>
+              <a:p>
+                <a:r>
+                  <a:rPr lang="en-US" altLang="zh-CN" dirty="0" smtClean="0"/>
+                  <a:t>Sub-chain</a:t>
+                </a:r>
+                <a:endParaRPr lang="zh-CN" altLang="en-US" dirty="0"/>
+              </a:p>
+            </p:txBody>
+          </p:sp>
+        </p:grpSp>
+        <p:grpSp>
+          <p:nvGrpSpPr>
+            <p:cNvPr id="2" name="组合 1"/>
+            <p:cNvGrpSpPr/>
+            <p:nvPr/>
+          </p:nvGrpSpPr>
+          <p:grpSpPr>
+            <a:xfrm>
+              <a:off x="4599999" y="1201846"/>
               <a:ext cx="7638654" cy="3959784"/>
-              <a:chOff x="4132476" y="1201846"/>
+              <a:chOff x="4599999" y="1201846"/>
               <a:chExt cx="7638654" cy="3959784"/>
             </a:xfrm>
           </p:grpSpPr>
           <p:grpSp>
             <p:nvGrpSpPr>
-              <p:cNvPr id="20" name="组合 19"/>
+              <p:cNvPr id="46" name="组合 45"/>
               <p:cNvGrpSpPr/>
               <p:nvPr/>
             </p:nvGrpSpPr>
             <p:grpSpPr>
               <a:xfrm>
-                <a:off x="4178388" y="1201846"/>
-                <a:ext cx="7419563" cy="3959784"/>
-                <a:chOff x="3618552" y="352443"/>
-                <a:chExt cx="7869155" cy="5719665"/>
+                <a:off x="4599999" y="1201846"/>
+                <a:ext cx="7638654" cy="3959784"/>
+                <a:chOff x="4553346" y="1201846"/>
+                <a:chExt cx="7638654" cy="3959784"/>
               </a:xfrm>
             </p:grpSpPr>
             <p:grpSp>
               <p:nvGrpSpPr>
-                <p:cNvPr id="12" name="组合 11"/>
+                <p:cNvPr id="40" name="组合 39"/>
                 <p:cNvGrpSpPr/>
                 <p:nvPr/>
               </p:nvGrpSpPr>
               <p:grpSpPr>
                 <a:xfrm>
-                  <a:off x="3984171" y="352443"/>
-                  <a:ext cx="7137919" cy="5719665"/>
-                  <a:chOff x="4124131" y="354564"/>
-                  <a:chExt cx="7993224" cy="5719665"/>
+                  <a:off x="4553346" y="1201846"/>
+                  <a:ext cx="7638654" cy="3959784"/>
+                  <a:chOff x="4132476" y="1201846"/>
+                  <a:chExt cx="7638654" cy="3959784"/>
                 </a:xfrm>
               </p:grpSpPr>
+              <p:grpSp>
+                <p:nvGrpSpPr>
+                  <p:cNvPr id="20" name="组合 19"/>
+                  <p:cNvGrpSpPr/>
+                  <p:nvPr/>
+                </p:nvGrpSpPr>
+                <p:grpSpPr>
+                  <a:xfrm>
+                    <a:off x="4178388" y="1201846"/>
+                    <a:ext cx="7419563" cy="3959784"/>
+                    <a:chOff x="3618552" y="352443"/>
+                    <a:chExt cx="7869155" cy="5719665"/>
+                  </a:xfrm>
+                </p:grpSpPr>
+                <p:grpSp>
+                  <p:nvGrpSpPr>
+                    <p:cNvPr id="12" name="组合 11"/>
+                    <p:cNvGrpSpPr/>
+                    <p:nvPr/>
+                  </p:nvGrpSpPr>
+                  <p:grpSpPr>
+                    <a:xfrm>
+                      <a:off x="3984171" y="352443"/>
+                      <a:ext cx="7137919" cy="5719665"/>
+                      <a:chOff x="4124131" y="354564"/>
+                      <a:chExt cx="7993224" cy="5719665"/>
+                    </a:xfrm>
+                  </p:grpSpPr>
+                  <p:sp>
+                    <p:nvSpPr>
+                      <p:cNvPr id="10" name="矩形 9"/>
+                      <p:cNvSpPr/>
+                      <p:nvPr/>
+                    </p:nvSpPr>
+                    <p:spPr>
+                      <a:xfrm>
+                        <a:off x="4124131" y="354564"/>
+                        <a:ext cx="7993224" cy="5719665"/>
+                      </a:xfrm>
+                      <a:prstGeom prst="rect">
+                        <a:avLst/>
+                      </a:prstGeom>
+                      <a:solidFill>
+                        <a:schemeClr val="bg1"/>
+                      </a:solidFill>
+                    </p:spPr>
+                    <p:style>
+                      <a:lnRef idx="2">
+                        <a:schemeClr val="accent1">
+                          <a:shade val="50000"/>
+                        </a:schemeClr>
+                      </a:lnRef>
+                      <a:fillRef idx="1">
+                        <a:schemeClr val="accent1"/>
+                      </a:fillRef>
+                      <a:effectRef idx="0">
+                        <a:schemeClr val="accent1"/>
+                      </a:effectRef>
+                      <a:fontRef idx="minor">
+                        <a:schemeClr val="lt1"/>
+                      </a:fontRef>
+                    </p:style>
+                    <p:txBody>
+                      <a:bodyPr rtlCol="0" anchor="ctr"/>
+                      <a:lstStyle/>
+                      <a:p>
+                        <a:pPr algn="ctr"/>
+                        <a:endParaRPr lang="zh-CN" altLang="en-US"/>
+                      </a:p>
+                    </p:txBody>
+                  </p:sp>
+                  <p:sp>
+                    <p:nvSpPr>
+                      <p:cNvPr id="11" name="文本框 10"/>
+                      <p:cNvSpPr txBox="1"/>
+                      <p:nvPr/>
+                    </p:nvSpPr>
+                    <p:spPr>
+                      <a:xfrm>
+                        <a:off x="4292081" y="494521"/>
+                        <a:ext cx="1211272" cy="369331"/>
+                      </a:xfrm>
+                      <a:prstGeom prst="rect">
+                        <a:avLst/>
+                      </a:prstGeom>
+                      <a:noFill/>
+                    </p:spPr>
+                    <p:txBody>
+                      <a:bodyPr wrap="square" rtlCol="0">
+                        <a:spAutoFit/>
+                      </a:bodyPr>
+                      <a:lstStyle/>
+                      <a:p>
+                        <a:r>
+                          <a:rPr lang="en-US" altLang="zh-CN" dirty="0" smtClean="0"/>
+                          <a:t>Runtime</a:t>
+                        </a:r>
+                        <a:endParaRPr lang="zh-CN" altLang="en-US" dirty="0"/>
+                      </a:p>
+                    </p:txBody>
+                  </p:sp>
+                </p:grpSp>
+                <p:grpSp>
+                  <p:nvGrpSpPr>
+                    <p:cNvPr id="16" name="组合 15"/>
+                    <p:cNvGrpSpPr/>
+                    <p:nvPr/>
+                  </p:nvGrpSpPr>
+                  <p:grpSpPr>
+                    <a:xfrm>
+                      <a:off x="3618552" y="4865827"/>
+                      <a:ext cx="7869155" cy="822200"/>
+                      <a:chOff x="2929360" y="4613900"/>
+                      <a:chExt cx="7869155" cy="822200"/>
+                    </a:xfrm>
+                  </p:grpSpPr>
+                  <p:sp>
+                    <p:nvSpPr>
+                      <p:cNvPr id="6" name="矩形 5"/>
+                      <p:cNvSpPr/>
+                      <p:nvPr/>
+                    </p:nvSpPr>
+                    <p:spPr>
+                      <a:xfrm>
+                        <a:off x="3844269" y="4613900"/>
+                        <a:ext cx="1753533" cy="811595"/>
+                      </a:xfrm>
+                      <a:prstGeom prst="rect">
+                        <a:avLst/>
+                      </a:prstGeom>
+                      <a:solidFill>
+                        <a:srgbClr val="9DC3E6"/>
+                      </a:solidFill>
+                    </p:spPr>
+                    <p:style>
+                      <a:lnRef idx="2">
+                        <a:schemeClr val="accent1">
+                          <a:shade val="50000"/>
+                        </a:schemeClr>
+                      </a:lnRef>
+                      <a:fillRef idx="1">
+                        <a:schemeClr val="accent1"/>
+                      </a:fillRef>
+                      <a:effectRef idx="0">
+                        <a:schemeClr val="accent1"/>
+                      </a:effectRef>
+                      <a:fontRef idx="minor">
+                        <a:schemeClr val="lt1"/>
+                      </a:fontRef>
+                    </p:style>
+                    <p:txBody>
+                      <a:bodyPr rtlCol="0" anchor="ctr"/>
+                      <a:lstStyle/>
+                      <a:p>
+                        <a:pPr algn="ctr"/>
+                        <a:r>
+                          <a:rPr lang="en-US" altLang="zh-CN" dirty="0">
+                            <a:solidFill>
+                              <a:schemeClr val="tx1"/>
+                            </a:solidFill>
+                          </a:rPr>
+                          <a:t>Packet distribute </a:t>
+                        </a:r>
+                        <a:endParaRPr lang="zh-CN" altLang="en-US" dirty="0">
+                          <a:solidFill>
+                            <a:schemeClr val="tx1"/>
+                          </a:solidFill>
+                        </a:endParaRPr>
+                      </a:p>
+                    </p:txBody>
+                  </p:sp>
+                  <p:cxnSp>
+                    <p:nvCxnSpPr>
+                      <p:cNvPr id="13" name="直接箭头连接符 12"/>
+                      <p:cNvCxnSpPr/>
+                      <p:nvPr/>
+                    </p:nvCxnSpPr>
+                    <p:spPr>
+                      <a:xfrm>
+                        <a:off x="2929360" y="5019698"/>
+                        <a:ext cx="914909" cy="1"/>
+                      </a:xfrm>
+                      <a:prstGeom prst="straightConnector1">
+                        <a:avLst/>
+                      </a:prstGeom>
+                      <a:ln w="19050">
+                        <a:solidFill>
+                          <a:schemeClr val="tx1"/>
+                        </a:solidFill>
+                        <a:tailEnd type="triangle"/>
+                      </a:ln>
+                    </p:spPr>
+                    <p:style>
+                      <a:lnRef idx="1">
+                        <a:schemeClr val="accent1"/>
+                      </a:lnRef>
+                      <a:fillRef idx="0">
+                        <a:schemeClr val="accent1"/>
+                      </a:fillRef>
+                      <a:effectRef idx="0">
+                        <a:schemeClr val="accent1"/>
+                      </a:effectRef>
+                      <a:fontRef idx="minor">
+                        <a:schemeClr val="tx1"/>
+                      </a:fontRef>
+                    </p:style>
+                  </p:cxnSp>
+                  <p:cxnSp>
+                    <p:nvCxnSpPr>
+                      <p:cNvPr id="14" name="直接箭头连接符 13"/>
+                      <p:cNvCxnSpPr/>
+                      <p:nvPr/>
+                    </p:nvCxnSpPr>
+                    <p:spPr>
+                      <a:xfrm>
+                        <a:off x="9883606" y="5019699"/>
+                        <a:ext cx="914909" cy="1"/>
+                      </a:xfrm>
+                      <a:prstGeom prst="straightConnector1">
+                        <a:avLst/>
+                      </a:prstGeom>
+                      <a:ln w="19050">
+                        <a:solidFill>
+                          <a:schemeClr val="tx1"/>
+                        </a:solidFill>
+                        <a:tailEnd type="triangle"/>
+                      </a:ln>
+                    </p:spPr>
+                    <p:style>
+                      <a:lnRef idx="1">
+                        <a:schemeClr val="accent1"/>
+                      </a:lnRef>
+                      <a:fillRef idx="0">
+                        <a:schemeClr val="accent1"/>
+                      </a:fillRef>
+                      <a:effectRef idx="0">
+                        <a:schemeClr val="accent1"/>
+                      </a:effectRef>
+                      <a:fontRef idx="minor">
+                        <a:schemeClr val="tx1"/>
+                      </a:fontRef>
+                    </p:style>
+                  </p:cxnSp>
+                  <p:sp>
+                    <p:nvSpPr>
+                      <p:cNvPr id="15" name="矩形 14"/>
+                      <p:cNvSpPr/>
+                      <p:nvPr/>
+                    </p:nvSpPr>
+                    <p:spPr>
+                      <a:xfrm>
+                        <a:off x="8130073" y="4624505"/>
+                        <a:ext cx="1753533" cy="811595"/>
+                      </a:xfrm>
+                      <a:prstGeom prst="rect">
+                        <a:avLst/>
+                      </a:prstGeom>
+                      <a:solidFill>
+                        <a:srgbClr val="9DC3E6"/>
+                      </a:solidFill>
+                    </p:spPr>
+                    <p:style>
+                      <a:lnRef idx="2">
+                        <a:schemeClr val="accent1">
+                          <a:shade val="50000"/>
+                        </a:schemeClr>
+                      </a:lnRef>
+                      <a:fillRef idx="1">
+                        <a:schemeClr val="accent1"/>
+                      </a:fillRef>
+                      <a:effectRef idx="0">
+                        <a:schemeClr val="accent1"/>
+                      </a:effectRef>
+                      <a:fontRef idx="minor">
+                        <a:schemeClr val="lt1"/>
+                      </a:fontRef>
+                    </p:style>
+                    <p:txBody>
+                      <a:bodyPr rtlCol="0" anchor="ctr"/>
+                      <a:lstStyle/>
+                      <a:p>
+                        <a:pPr algn="ctr"/>
+                        <a:r>
+                          <a:rPr lang="en-US" altLang="zh-CN" dirty="0">
+                            <a:solidFill>
+                              <a:schemeClr val="tx1"/>
+                            </a:solidFill>
+                          </a:rPr>
+                          <a:t>Packet merge </a:t>
+                        </a:r>
+                        <a:endParaRPr lang="zh-CN" altLang="en-US" dirty="0">
+                          <a:solidFill>
+                            <a:schemeClr val="tx1"/>
+                          </a:solidFill>
+                        </a:endParaRPr>
+                      </a:p>
+                    </p:txBody>
+                  </p:sp>
+                </p:grpSp>
+                <p:sp>
+                  <p:nvSpPr>
+                    <p:cNvPr id="18" name="矩形 17"/>
+                    <p:cNvSpPr/>
+                    <p:nvPr/>
+                  </p:nvSpPr>
+                  <p:spPr>
+                    <a:xfrm>
+                      <a:off x="5673212" y="1198695"/>
+                      <a:ext cx="3759836" cy="2625289"/>
+                    </a:xfrm>
+                    <a:prstGeom prst="rect">
+                      <a:avLst/>
+                    </a:prstGeom>
+                    <a:solidFill>
+                      <a:schemeClr val="bg1"/>
+                    </a:solidFill>
+                  </p:spPr>
+                  <p:style>
+                    <a:lnRef idx="2">
+                      <a:schemeClr val="accent1">
+                        <a:shade val="50000"/>
+                      </a:schemeClr>
+                    </a:lnRef>
+                    <a:fillRef idx="1">
+                      <a:schemeClr val="accent1"/>
+                    </a:fillRef>
+                    <a:effectRef idx="0">
+                      <a:schemeClr val="accent1"/>
+                    </a:effectRef>
+                    <a:fontRef idx="minor">
+                      <a:schemeClr val="lt1"/>
+                    </a:fontRef>
+                  </p:style>
+                  <p:txBody>
+                    <a:bodyPr rtlCol="0" anchor="ctr"/>
+                    <a:lstStyle/>
+                    <a:p>
+                      <a:pPr algn="ctr"/>
+                      <a:endParaRPr lang="zh-CN" altLang="en-US"/>
+                    </a:p>
+                  </p:txBody>
+                </p:sp>
+              </p:grpSp>
               <p:sp>
                 <p:nvSpPr>
-                  <p:cNvPr id="10" name="矩形 9"/>
-                  <p:cNvSpPr/>
+                  <p:cNvPr id="35" name="文本框 34"/>
+                  <p:cNvSpPr txBox="1"/>
                   <p:nvPr/>
                 </p:nvSpPr>
                 <p:spPr>
                   <a:xfrm>
-                    <a:off x="4124131" y="354564"/>
-                    <a:ext cx="7993224" cy="5719665"/>
+                    <a:off x="5492033" y="2830992"/>
+                    <a:ext cx="461665" cy="1455650"/>
                   </a:xfrm>
                   <a:prstGeom prst="rect">
                     <a:avLst/>
                   </a:prstGeom>
-                  <a:solidFill>
-                    <a:schemeClr val="bg1"/>
-                  </a:solidFill>
+                  <a:noFill/>
                 </p:spPr>
-                <p:style>
-                  <a:lnRef idx="2">
-                    <a:schemeClr val="accent1">
-                      <a:shade val="50000"/>
-                    </a:schemeClr>
-                  </a:lnRef>
-                  <a:fillRef idx="1">
-                    <a:schemeClr val="accent1"/>
-                  </a:fillRef>
-                  <a:effectRef idx="0">
-                    <a:schemeClr val="accent1"/>
-                  </a:effectRef>
-                  <a:fontRef idx="minor">
-                    <a:schemeClr val="lt1"/>
-                  </a:fontRef>
-                </p:style>
                 <p:txBody>
-                  <a:bodyPr rtlCol="0" anchor="ctr"/>
+                  <a:bodyPr vert="eaVert" wrap="square" rtlCol="0">
+                    <a:spAutoFit/>
+                  </a:bodyPr>
                   <a:lstStyle/>
                   <a:p>
-                    <a:pPr algn="ctr"/>
-                    <a:endParaRPr lang="zh-CN" altLang="en-US"/>
+                    <a:r>
+                      <a:rPr lang="en-US" altLang="zh-CN" dirty="0" smtClean="0"/>
+                      <a:t>Packet copies</a:t>
+                    </a:r>
+                    <a:endParaRPr lang="zh-CN" altLang="en-US" dirty="0"/>
                   </a:p>
                 </p:txBody>
               </p:sp>
               <p:sp>
                 <p:nvSpPr>
-                  <p:cNvPr id="11" name="文本框 10"/>
+                  <p:cNvPr id="36" name="文本框 35"/>
                   <p:cNvSpPr txBox="1"/>
                   <p:nvPr/>
                 </p:nvSpPr>
                 <p:spPr>
                   <a:xfrm>
-                    <a:off x="4292081" y="494521"/>
-                    <a:ext cx="1211272" cy="369331"/>
+                    <a:off x="9862414" y="3079563"/>
+                    <a:ext cx="461665" cy="889977"/>
+                  </a:xfrm>
+                  <a:prstGeom prst="rect">
+                    <a:avLst/>
+                  </a:prstGeom>
+                  <a:noFill/>
+                </p:spPr>
+                <p:txBody>
+                  <a:bodyPr vert="eaVert" wrap="square" rtlCol="0">
+                    <a:spAutoFit/>
+                  </a:bodyPr>
+                  <a:lstStyle/>
+                  <a:p>
+                    <a:r>
+                      <a:rPr lang="en-US" altLang="zh-CN" dirty="0" smtClean="0"/>
+                      <a:t>Outputs</a:t>
+                    </a:r>
+                    <a:endParaRPr lang="zh-CN" altLang="en-US" dirty="0"/>
+                  </a:p>
+                </p:txBody>
+              </p:sp>
+              <p:sp>
+                <p:nvSpPr>
+                  <p:cNvPr id="38" name="文本框 37"/>
+                  <p:cNvSpPr txBox="1"/>
+                  <p:nvPr/>
+                </p:nvSpPr>
+                <p:spPr>
+                  <a:xfrm>
+                    <a:off x="4132476" y="4253881"/>
+                    <a:ext cx="944118" cy="369332"/>
                   </a:xfrm>
                   <a:prstGeom prst="rect">
                     <a:avLst/>
@@ -4956,239 +7830,234 @@
                   <a:p>
                     <a:r>
                       <a:rPr lang="en-US" altLang="zh-CN" dirty="0" smtClean="0"/>
-                      <a:t>Runtime</a:t>
+                      <a:t>Packets</a:t>
+                    </a:r>
+                    <a:endParaRPr lang="zh-CN" altLang="en-US" dirty="0"/>
+                  </a:p>
+                </p:txBody>
+              </p:sp>
+              <p:sp>
+                <p:nvSpPr>
+                  <p:cNvPr id="39" name="文本框 38"/>
+                  <p:cNvSpPr txBox="1"/>
+                  <p:nvPr/>
+                </p:nvSpPr>
+                <p:spPr>
+                  <a:xfrm>
+                    <a:off x="10737808" y="4249079"/>
+                    <a:ext cx="1033322" cy="369332"/>
+                  </a:xfrm>
+                  <a:prstGeom prst="rect">
+                    <a:avLst/>
+                  </a:prstGeom>
+                  <a:noFill/>
+                </p:spPr>
+                <p:txBody>
+                  <a:bodyPr wrap="square" rtlCol="0">
+                    <a:spAutoFit/>
+                  </a:bodyPr>
+                  <a:lstStyle/>
+                  <a:p>
+                    <a:r>
+                      <a:rPr lang="en-US" altLang="zh-CN" dirty="0" smtClean="0"/>
+                      <a:t>Outputs</a:t>
                     </a:r>
                     <a:endParaRPr lang="zh-CN" altLang="en-US" dirty="0"/>
                   </a:p>
                 </p:txBody>
               </p:sp>
             </p:grpSp>
-            <p:grpSp>
-              <p:nvGrpSpPr>
-                <p:cNvPr id="16" name="组合 15"/>
-                <p:cNvGrpSpPr/>
+            <p:cxnSp>
+              <p:nvCxnSpPr>
+                <p:cNvPr id="30" name="肘形连接符 29"/>
+                <p:cNvCxnSpPr>
+                  <a:stCxn id="6" idx="0"/>
+                  <a:endCxn id="18" idx="1"/>
+                </p:cNvCxnSpPr>
                 <p:nvPr/>
-              </p:nvGrpSpPr>
-              <p:grpSpPr>
+              </p:nvCxnSpPr>
+              <p:spPr>
+                <a:xfrm rot="5400000" flipH="1" flipV="1">
+                  <a:off x="5597530" y="3387512"/>
+                  <a:ext cx="1630036" cy="247959"/>
+                </a:xfrm>
+                <a:prstGeom prst="bentConnector2">
+                  <a:avLst/>
+                </a:prstGeom>
+                <a:ln w="19050">
+                  <a:solidFill>
+                    <a:schemeClr val="tx1"/>
+                  </a:solidFill>
+                  <a:tailEnd type="triangle"/>
+                </a:ln>
+              </p:spPr>
+              <p:style>
+                <a:lnRef idx="1">
+                  <a:schemeClr val="accent1"/>
+                </a:lnRef>
+                <a:fillRef idx="0">
+                  <a:schemeClr val="accent1"/>
+                </a:fillRef>
+                <a:effectRef idx="0">
+                  <a:schemeClr val="accent1"/>
+                </a:effectRef>
+                <a:fontRef idx="minor">
+                  <a:schemeClr val="tx1"/>
+                </a:fontRef>
+              </p:style>
+            </p:cxnSp>
+            <p:cxnSp>
+              <p:nvCxnSpPr>
+                <p:cNvPr id="32" name="肘形连接符 31"/>
+                <p:cNvCxnSpPr>
+                  <a:stCxn id="18" idx="3"/>
+                  <a:endCxn id="15" idx="0"/>
+                </p:cNvCxnSpPr>
+                <p:nvPr/>
+              </p:nvCxnSpPr>
+              <p:spPr>
                 <a:xfrm>
-                  <a:off x="3618552" y="4865827"/>
-                  <a:ext cx="7869155" cy="822200"/>
-                  <a:chOff x="2929360" y="4613900"/>
-                  <a:chExt cx="7869155" cy="822200"/>
+                  <a:off x="10081552" y="2696473"/>
+                  <a:ext cx="247958" cy="1637378"/>
                 </a:xfrm>
-              </p:grpSpPr>
-              <p:sp>
-                <p:nvSpPr>
-                  <p:cNvPr id="6" name="矩形 5"/>
-                  <p:cNvSpPr/>
-                  <p:nvPr/>
-                </p:nvSpPr>
-                <p:spPr>
-                  <a:xfrm>
-                    <a:off x="3844269" y="4613900"/>
-                    <a:ext cx="1753533" cy="811595"/>
-                  </a:xfrm>
-                  <a:prstGeom prst="rect">
-                    <a:avLst/>
-                  </a:prstGeom>
+                <a:prstGeom prst="bentConnector2">
+                  <a:avLst/>
+                </a:prstGeom>
+                <a:ln w="19050">
                   <a:solidFill>
-                    <a:srgbClr val="9DC3E6"/>
+                    <a:schemeClr val="tx1"/>
                   </a:solidFill>
-                </p:spPr>
-                <p:style>
-                  <a:lnRef idx="2">
-                    <a:schemeClr val="accent1">
-                      <a:shade val="50000"/>
-                    </a:schemeClr>
-                  </a:lnRef>
-                  <a:fillRef idx="1">
-                    <a:schemeClr val="accent1"/>
-                  </a:fillRef>
-                  <a:effectRef idx="0">
-                    <a:schemeClr val="accent1"/>
-                  </a:effectRef>
-                  <a:fontRef idx="minor">
-                    <a:schemeClr val="lt1"/>
-                  </a:fontRef>
-                </p:style>
-                <p:txBody>
-                  <a:bodyPr rtlCol="0" anchor="ctr"/>
-                  <a:lstStyle/>
-                  <a:p>
-                    <a:pPr algn="ctr"/>
-                    <a:r>
-                      <a:rPr lang="en-US" altLang="zh-CN" dirty="0">
-                        <a:solidFill>
-                          <a:schemeClr val="tx1"/>
-                        </a:solidFill>
-                      </a:rPr>
-                      <a:t>Packet distribute </a:t>
-                    </a:r>
-                    <a:endParaRPr lang="zh-CN" altLang="en-US" dirty="0">
-                      <a:solidFill>
-                        <a:schemeClr val="tx1"/>
-                      </a:solidFill>
-                    </a:endParaRPr>
-                  </a:p>
-                </p:txBody>
-              </p:sp>
-              <p:cxnSp>
-                <p:nvCxnSpPr>
-                  <p:cNvPr id="13" name="直接箭头连接符 12"/>
-                  <p:cNvCxnSpPr/>
-                  <p:nvPr/>
-                </p:nvCxnSpPr>
-                <p:spPr>
-                  <a:xfrm>
-                    <a:off x="2929360" y="5019698"/>
-                    <a:ext cx="914909" cy="1"/>
-                  </a:xfrm>
-                  <a:prstGeom prst="straightConnector1">
-                    <a:avLst/>
-                  </a:prstGeom>
-                  <a:ln w="19050">
-                    <a:solidFill>
-                      <a:schemeClr val="tx1"/>
-                    </a:solidFill>
-                    <a:tailEnd type="triangle"/>
-                  </a:ln>
-                </p:spPr>
-                <p:style>
-                  <a:lnRef idx="1">
-                    <a:schemeClr val="accent1"/>
-                  </a:lnRef>
-                  <a:fillRef idx="0">
-                    <a:schemeClr val="accent1"/>
-                  </a:fillRef>
-                  <a:effectRef idx="0">
-                    <a:schemeClr val="accent1"/>
-                  </a:effectRef>
-                  <a:fontRef idx="minor">
-                    <a:schemeClr val="tx1"/>
-                  </a:fontRef>
-                </p:style>
-              </p:cxnSp>
-              <p:cxnSp>
-                <p:nvCxnSpPr>
-                  <p:cNvPr id="14" name="直接箭头连接符 13"/>
-                  <p:cNvCxnSpPr/>
-                  <p:nvPr/>
-                </p:nvCxnSpPr>
-                <p:spPr>
-                  <a:xfrm>
-                    <a:off x="9883606" y="5019699"/>
-                    <a:ext cx="914909" cy="1"/>
-                  </a:xfrm>
-                  <a:prstGeom prst="straightConnector1">
-                    <a:avLst/>
-                  </a:prstGeom>
-                  <a:ln w="19050">
-                    <a:solidFill>
-                      <a:schemeClr val="tx1"/>
-                    </a:solidFill>
-                    <a:tailEnd type="triangle"/>
-                  </a:ln>
-                </p:spPr>
-                <p:style>
-                  <a:lnRef idx="1">
-                    <a:schemeClr val="accent1"/>
-                  </a:lnRef>
-                  <a:fillRef idx="0">
-                    <a:schemeClr val="accent1"/>
-                  </a:fillRef>
-                  <a:effectRef idx="0">
-                    <a:schemeClr val="accent1"/>
-                  </a:effectRef>
-                  <a:fontRef idx="minor">
-                    <a:schemeClr val="tx1"/>
-                  </a:fontRef>
-                </p:style>
-              </p:cxnSp>
-              <p:sp>
-                <p:nvSpPr>
-                  <p:cNvPr id="15" name="矩形 14"/>
-                  <p:cNvSpPr/>
-                  <p:nvPr/>
-                </p:nvSpPr>
-                <p:spPr>
-                  <a:xfrm>
-                    <a:off x="8130073" y="4624505"/>
-                    <a:ext cx="1753533" cy="811595"/>
-                  </a:xfrm>
-                  <a:prstGeom prst="rect">
-                    <a:avLst/>
-                  </a:prstGeom>
-                  <a:solidFill>
-                    <a:srgbClr val="9DC3E6"/>
-                  </a:solidFill>
-                </p:spPr>
-                <p:style>
-                  <a:lnRef idx="2">
-                    <a:schemeClr val="accent1">
-                      <a:shade val="50000"/>
-                    </a:schemeClr>
-                  </a:lnRef>
-                  <a:fillRef idx="1">
-                    <a:schemeClr val="accent1"/>
-                  </a:fillRef>
-                  <a:effectRef idx="0">
-                    <a:schemeClr val="accent1"/>
-                  </a:effectRef>
-                  <a:fontRef idx="minor">
-                    <a:schemeClr val="lt1"/>
-                  </a:fontRef>
-                </p:style>
-                <p:txBody>
-                  <a:bodyPr rtlCol="0" anchor="ctr"/>
-                  <a:lstStyle/>
-                  <a:p>
-                    <a:pPr algn="ctr"/>
-                    <a:r>
-                      <a:rPr lang="en-US" altLang="zh-CN" dirty="0">
-                        <a:solidFill>
-                          <a:schemeClr val="tx1"/>
-                        </a:solidFill>
-                      </a:rPr>
-                      <a:t>Packet merge </a:t>
-                    </a:r>
-                    <a:endParaRPr lang="zh-CN" altLang="en-US" dirty="0">
-                      <a:solidFill>
-                        <a:schemeClr val="tx1"/>
-                      </a:solidFill>
-                    </a:endParaRPr>
-                  </a:p>
-                </p:txBody>
-              </p:sp>
-            </p:grpSp>
+                  <a:tailEnd type="triangle"/>
+                </a:ln>
+              </p:spPr>
+              <p:style>
+                <a:lnRef idx="1">
+                  <a:schemeClr val="accent1"/>
+                </a:lnRef>
+                <a:fillRef idx="0">
+                  <a:schemeClr val="accent1"/>
+                </a:fillRef>
+                <a:effectRef idx="0">
+                  <a:schemeClr val="accent1"/>
+                </a:effectRef>
+                <a:fontRef idx="minor">
+                  <a:schemeClr val="tx1"/>
+                </a:fontRef>
+              </p:style>
+            </p:cxnSp>
+          </p:grpSp>
+          <p:cxnSp>
+            <p:nvCxnSpPr>
+              <p:cNvPr id="47" name="直接箭头连接符 46"/>
+              <p:cNvCxnSpPr>
+                <a:stCxn id="6" idx="3"/>
+                <a:endCxn id="15" idx="1"/>
+              </p:cNvCxnSpPr>
+              <p:nvPr/>
+            </p:nvCxnSpPr>
+            <p:spPr>
+              <a:xfrm>
+                <a:off x="7161896" y="4607447"/>
+                <a:ext cx="2387593" cy="7342"/>
+              </a:xfrm>
+              <a:prstGeom prst="straightConnector1">
+                <a:avLst/>
+              </a:prstGeom>
+              <a:ln w="19050">
+                <a:solidFill>
+                  <a:schemeClr val="tx1"/>
+                </a:solidFill>
+                <a:tailEnd type="triangle"/>
+              </a:ln>
+            </p:spPr>
+            <p:style>
+              <a:lnRef idx="1">
+                <a:schemeClr val="accent1"/>
+              </a:lnRef>
+              <a:fillRef idx="0">
+                <a:schemeClr val="accent1"/>
+              </a:fillRef>
+              <a:effectRef idx="0">
+                <a:schemeClr val="accent1"/>
+              </a:effectRef>
+              <a:fontRef idx="minor">
+                <a:schemeClr val="tx1"/>
+              </a:fontRef>
+            </p:style>
+          </p:cxnSp>
+          <p:sp>
+            <p:nvSpPr>
+              <p:cNvPr id="51" name="文本框 50"/>
+              <p:cNvSpPr txBox="1"/>
+              <p:nvPr/>
+            </p:nvSpPr>
+            <p:spPr>
+              <a:xfrm>
+                <a:off x="7428463" y="4234109"/>
+                <a:ext cx="1761151" cy="369332"/>
+              </a:xfrm>
+              <a:prstGeom prst="rect">
+                <a:avLst/>
+              </a:prstGeom>
+              <a:noFill/>
+            </p:spPr>
+            <p:txBody>
+              <a:bodyPr wrap="square" rtlCol="0">
+                <a:spAutoFit/>
+              </a:bodyPr>
+              <a:lstStyle/>
+              <a:p>
+                <a:r>
+                  <a:rPr lang="en-US" altLang="zh-CN" dirty="0" smtClean="0"/>
+                  <a:t>Original packets</a:t>
+                </a:r>
+                <a:endParaRPr lang="zh-CN" altLang="en-US" dirty="0"/>
+              </a:p>
+            </p:txBody>
+          </p:sp>
+          <p:grpSp>
+            <p:nvGrpSpPr>
+              <p:cNvPr id="58" name="组合 57"/>
+              <p:cNvGrpSpPr/>
+              <p:nvPr/>
+            </p:nvGrpSpPr>
+            <p:grpSpPr>
+              <a:xfrm>
+                <a:off x="7484809" y="2189885"/>
+                <a:ext cx="1648457" cy="1034762"/>
+                <a:chOff x="7161895" y="2082578"/>
+                <a:chExt cx="1648457" cy="1034762"/>
+              </a:xfrm>
+            </p:grpSpPr>
             <p:sp>
               <p:nvSpPr>
-                <p:cNvPr id="18" name="矩形 17"/>
+                <p:cNvPr id="57" name="矩形 56"/>
                 <p:cNvSpPr/>
                 <p:nvPr/>
               </p:nvSpPr>
               <p:spPr>
                 <a:xfrm>
-                  <a:off x="5673212" y="1198695"/>
-                  <a:ext cx="3759836" cy="2625289"/>
+                  <a:off x="7634695" y="2082578"/>
+                  <a:ext cx="1175657" cy="673276"/>
                 </a:xfrm>
                 <a:prstGeom prst="rect">
                   <a:avLst/>
                 </a:prstGeom>
                 <a:solidFill>
-                  <a:schemeClr val="bg1"/>
+                  <a:srgbClr val="FFDA66"/>
                 </a:solidFill>
               </p:spPr>
               <p:style>
                 <a:lnRef idx="2">
-                  <a:schemeClr val="accent1">
+                  <a:schemeClr val="accent4">
                     <a:shade val="50000"/>
                   </a:schemeClr>
                 </a:lnRef>
                 <a:fillRef idx="1">
-                  <a:schemeClr val="accent1"/>
+                  <a:schemeClr val="accent4"/>
                 </a:fillRef>
                 <a:effectRef idx="0">
-                  <a:schemeClr val="accent1"/>
+                  <a:schemeClr val="accent4"/>
                 </a:effectRef>
                 <a:fontRef idx="minor">
                   <a:schemeClr val="lt1"/>
@@ -5203,77 +8072,115 @@
                 </a:p>
               </p:txBody>
             </p:sp>
+            <p:sp>
+              <p:nvSpPr>
+                <p:cNvPr id="56" name="矩形 55"/>
+                <p:cNvSpPr/>
+                <p:nvPr/>
+              </p:nvSpPr>
+              <p:spPr>
+                <a:xfrm>
+                  <a:off x="7417961" y="2244224"/>
+                  <a:ext cx="1175657" cy="673276"/>
+                </a:xfrm>
+                <a:prstGeom prst="rect">
+                  <a:avLst/>
+                </a:prstGeom>
+                <a:solidFill>
+                  <a:srgbClr val="FFDA66"/>
+                </a:solidFill>
+              </p:spPr>
+              <p:style>
+                <a:lnRef idx="2">
+                  <a:schemeClr val="accent4">
+                    <a:shade val="50000"/>
+                  </a:schemeClr>
+                </a:lnRef>
+                <a:fillRef idx="1">
+                  <a:schemeClr val="accent4"/>
+                </a:fillRef>
+                <a:effectRef idx="0">
+                  <a:schemeClr val="accent4"/>
+                </a:effectRef>
+                <a:fontRef idx="minor">
+                  <a:schemeClr val="lt1"/>
+                </a:fontRef>
+              </p:style>
+              <p:txBody>
+                <a:bodyPr rtlCol="0" anchor="ctr"/>
+                <a:lstStyle/>
+                <a:p>
+                  <a:pPr algn="ctr"/>
+                  <a:endParaRPr lang="zh-CN" altLang="en-US"/>
+                </a:p>
+              </p:txBody>
+            </p:sp>
+            <p:sp>
+              <p:nvSpPr>
+                <p:cNvPr id="53" name="矩形 52"/>
+                <p:cNvSpPr/>
+                <p:nvPr/>
+              </p:nvSpPr>
+              <p:spPr>
+                <a:xfrm>
+                  <a:off x="7161895" y="2444064"/>
+                  <a:ext cx="1175657" cy="673276"/>
+                </a:xfrm>
+                <a:prstGeom prst="rect">
+                  <a:avLst/>
+                </a:prstGeom>
+                <a:solidFill>
+                  <a:srgbClr val="FFDA66"/>
+                </a:solidFill>
+              </p:spPr>
+              <p:style>
+                <a:lnRef idx="2">
+                  <a:schemeClr val="accent4">
+                    <a:shade val="50000"/>
+                  </a:schemeClr>
+                </a:lnRef>
+                <a:fillRef idx="1">
+                  <a:schemeClr val="accent4"/>
+                </a:fillRef>
+                <a:effectRef idx="0">
+                  <a:schemeClr val="accent4"/>
+                </a:effectRef>
+                <a:fontRef idx="minor">
+                  <a:schemeClr val="lt1"/>
+                </a:fontRef>
+              </p:style>
+              <p:txBody>
+                <a:bodyPr rtlCol="0" anchor="ctr"/>
+                <a:lstStyle/>
+                <a:p>
+                  <a:pPr algn="ctr"/>
+                  <a:r>
+                    <a:rPr lang="en-US" altLang="zh-CN" dirty="0" smtClean="0">
+                      <a:solidFill>
+                        <a:schemeClr val="tx1"/>
+                      </a:solidFill>
+                    </a:rPr>
+                    <a:t>NF</a:t>
+                  </a:r>
+                  <a:endParaRPr lang="zh-CN" altLang="en-US" dirty="0">
+                    <a:solidFill>
+                      <a:schemeClr val="tx1"/>
+                    </a:solidFill>
+                  </a:endParaRPr>
+                </a:p>
+              </p:txBody>
+            </p:sp>
           </p:grpSp>
           <p:sp>
             <p:nvSpPr>
-              <p:cNvPr id="35" name="文本框 34"/>
+              <p:cNvPr id="59" name="文本框 58"/>
               <p:cNvSpPr txBox="1"/>
               <p:nvPr/>
             </p:nvSpPr>
             <p:spPr>
               <a:xfrm>
-                <a:off x="5492033" y="2830992"/>
-                <a:ext cx="461665" cy="1455650"/>
-              </a:xfrm>
-              <a:prstGeom prst="rect">
-                <a:avLst/>
-              </a:prstGeom>
-              <a:noFill/>
-            </p:spPr>
-            <p:txBody>
-              <a:bodyPr vert="eaVert" wrap="square" rtlCol="0">
-                <a:spAutoFit/>
-              </a:bodyPr>
-              <a:lstStyle/>
-              <a:p>
-                <a:r>
-                  <a:rPr lang="en-US" altLang="zh-CN" dirty="0" smtClean="0"/>
-                  <a:t>Packet copies</a:t>
-                </a:r>
-                <a:endParaRPr lang="zh-CN" altLang="en-US" dirty="0"/>
-              </a:p>
-            </p:txBody>
-          </p:sp>
-          <p:sp>
-            <p:nvSpPr>
-              <p:cNvPr id="36" name="文本框 35"/>
-              <p:cNvSpPr txBox="1"/>
-              <p:nvPr/>
-            </p:nvSpPr>
-            <p:spPr>
-              <a:xfrm>
-                <a:off x="9862414" y="3079563"/>
-                <a:ext cx="461665" cy="889977"/>
-              </a:xfrm>
-              <a:prstGeom prst="rect">
-                <a:avLst/>
-              </a:prstGeom>
-              <a:noFill/>
-            </p:spPr>
-            <p:txBody>
-              <a:bodyPr vert="eaVert" wrap="square" rtlCol="0">
-                <a:spAutoFit/>
-              </a:bodyPr>
-              <a:lstStyle/>
-              <a:p>
-                <a:r>
-                  <a:rPr lang="en-US" altLang="zh-CN" dirty="0" smtClean="0"/>
-                  <a:t>Outputs</a:t>
-                </a:r>
-                <a:endParaRPr lang="zh-CN" altLang="en-US" dirty="0"/>
-              </a:p>
-            </p:txBody>
-          </p:sp>
-          <p:sp>
-            <p:nvSpPr>
-              <p:cNvPr id="38" name="文本框 37"/>
-              <p:cNvSpPr txBox="1"/>
-              <p:nvPr/>
-            </p:nvSpPr>
-            <p:spPr>
-              <a:xfrm>
-                <a:off x="4132476" y="4253881"/>
-                <a:ext cx="944118" cy="369332"/>
+                <a:off x="6583181" y="1783186"/>
+                <a:ext cx="2397967" cy="369332"/>
               </a:xfrm>
               <a:prstGeom prst="rect">
                 <a:avLst/>
@@ -5288,471 +8195,14 @@
               <a:p>
                 <a:r>
                   <a:rPr lang="en-US" altLang="zh-CN" dirty="0" smtClean="0"/>
-                  <a:t>Packets</a:t>
-                </a:r>
-                <a:endParaRPr lang="zh-CN" altLang="en-US" dirty="0"/>
-              </a:p>
-            </p:txBody>
-          </p:sp>
-          <p:sp>
-            <p:nvSpPr>
-              <p:cNvPr id="39" name="文本框 38"/>
-              <p:cNvSpPr txBox="1"/>
-              <p:nvPr/>
-            </p:nvSpPr>
-            <p:spPr>
-              <a:xfrm>
-                <a:off x="10737808" y="4249079"/>
-                <a:ext cx="1033322" cy="369332"/>
-              </a:xfrm>
-              <a:prstGeom prst="rect">
-                <a:avLst/>
-              </a:prstGeom>
-              <a:noFill/>
-            </p:spPr>
-            <p:txBody>
-              <a:bodyPr wrap="square" rtlCol="0">
-                <a:spAutoFit/>
-              </a:bodyPr>
-              <a:lstStyle/>
-              <a:p>
-                <a:r>
-                  <a:rPr lang="en-US" altLang="zh-CN" dirty="0" smtClean="0"/>
-                  <a:t>Outputs</a:t>
+                  <a:t>NFs running in parallel</a:t>
                 </a:r>
                 <a:endParaRPr lang="zh-CN" altLang="en-US" dirty="0"/>
               </a:p>
             </p:txBody>
           </p:sp>
         </p:grpSp>
-        <p:cxnSp>
-          <p:nvCxnSpPr>
-            <p:cNvPr id="30" name="肘形连接符 29"/>
-            <p:cNvCxnSpPr>
-              <a:stCxn id="6" idx="0"/>
-              <a:endCxn id="18" idx="1"/>
-            </p:cNvCxnSpPr>
-            <p:nvPr/>
-          </p:nvCxnSpPr>
-          <p:spPr>
-            <a:xfrm rot="5400000" flipH="1" flipV="1">
-              <a:off x="5597530" y="3387512"/>
-              <a:ext cx="1630036" cy="247959"/>
-            </a:xfrm>
-            <a:prstGeom prst="bentConnector2">
-              <a:avLst/>
-            </a:prstGeom>
-            <a:ln w="19050">
-              <a:solidFill>
-                <a:schemeClr val="tx1"/>
-              </a:solidFill>
-              <a:tailEnd type="triangle"/>
-            </a:ln>
-          </p:spPr>
-          <p:style>
-            <a:lnRef idx="1">
-              <a:schemeClr val="accent1"/>
-            </a:lnRef>
-            <a:fillRef idx="0">
-              <a:schemeClr val="accent1"/>
-            </a:fillRef>
-            <a:effectRef idx="0">
-              <a:schemeClr val="accent1"/>
-            </a:effectRef>
-            <a:fontRef idx="minor">
-              <a:schemeClr val="tx1"/>
-            </a:fontRef>
-          </p:style>
-        </p:cxnSp>
-        <p:cxnSp>
-          <p:nvCxnSpPr>
-            <p:cNvPr id="32" name="肘形连接符 31"/>
-            <p:cNvCxnSpPr>
-              <a:stCxn id="18" idx="3"/>
-              <a:endCxn id="15" idx="0"/>
-            </p:cNvCxnSpPr>
-            <p:nvPr/>
-          </p:nvCxnSpPr>
-          <p:spPr>
-            <a:xfrm>
-              <a:off x="10081552" y="2696473"/>
-              <a:ext cx="247958" cy="1637378"/>
-            </a:xfrm>
-            <a:prstGeom prst="bentConnector2">
-              <a:avLst/>
-            </a:prstGeom>
-            <a:ln w="19050">
-              <a:solidFill>
-                <a:schemeClr val="tx1"/>
-              </a:solidFill>
-              <a:tailEnd type="triangle"/>
-            </a:ln>
-          </p:spPr>
-          <p:style>
-            <a:lnRef idx="1">
-              <a:schemeClr val="accent1"/>
-            </a:lnRef>
-            <a:fillRef idx="0">
-              <a:schemeClr val="accent1"/>
-            </a:fillRef>
-            <a:effectRef idx="0">
-              <a:schemeClr val="accent1"/>
-            </a:effectRef>
-            <a:fontRef idx="minor">
-              <a:schemeClr val="tx1"/>
-            </a:fontRef>
-          </p:style>
-        </p:cxnSp>
       </p:grpSp>
-      <p:sp>
-        <p:nvSpPr>
-          <p:cNvPr id="33" name="文本框 32"/>
-          <p:cNvSpPr txBox="1"/>
-          <p:nvPr/>
-        </p:nvSpPr>
-        <p:spPr>
-          <a:xfrm>
-            <a:off x="3133977" y="2790308"/>
-            <a:ext cx="1744825" cy="369332"/>
-          </a:xfrm>
-          <a:prstGeom prst="rect">
-            <a:avLst/>
-          </a:prstGeom>
-          <a:noFill/>
-        </p:spPr>
-        <p:txBody>
-          <a:bodyPr wrap="square" rtlCol="0">
-            <a:spAutoFit/>
-          </a:bodyPr>
-          <a:lstStyle/>
-          <a:p>
-            <a:r>
-              <a:rPr lang="en-US" altLang="zh-CN" dirty="0" smtClean="0"/>
-              <a:t>Parallel strategy</a:t>
-            </a:r>
-            <a:endParaRPr lang="zh-CN" altLang="en-US" dirty="0"/>
-          </a:p>
-        </p:txBody>
-      </p:sp>
-      <p:sp>
-        <p:nvSpPr>
-          <p:cNvPr id="34" name="文本框 33"/>
-          <p:cNvSpPr txBox="1"/>
-          <p:nvPr/>
-        </p:nvSpPr>
-        <p:spPr>
-          <a:xfrm>
-            <a:off x="3133383" y="3155219"/>
-            <a:ext cx="1744825" cy="369332"/>
-          </a:xfrm>
-          <a:prstGeom prst="rect">
-            <a:avLst/>
-          </a:prstGeom>
-          <a:noFill/>
-        </p:spPr>
-        <p:txBody>
-          <a:bodyPr wrap="square" rtlCol="0">
-            <a:spAutoFit/>
-          </a:bodyPr>
-          <a:lstStyle/>
-          <a:p>
-            <a:r>
-              <a:rPr lang="en-US" altLang="zh-CN" dirty="0" smtClean="0"/>
-              <a:t>Running </a:t>
-            </a:r>
-            <a:r>
-              <a:rPr lang="en-US" altLang="zh-CN" dirty="0" err="1" smtClean="0"/>
-              <a:t>config</a:t>
-            </a:r>
-            <a:endParaRPr lang="zh-CN" altLang="en-US" dirty="0"/>
-          </a:p>
-        </p:txBody>
-      </p:sp>
-      <p:sp>
-        <p:nvSpPr>
-          <p:cNvPr id="37" name="文本框 36"/>
-          <p:cNvSpPr txBox="1"/>
-          <p:nvPr/>
-        </p:nvSpPr>
-        <p:spPr>
-          <a:xfrm>
-            <a:off x="295075" y="2790763"/>
-            <a:ext cx="1225731" cy="369332"/>
-          </a:xfrm>
-          <a:prstGeom prst="rect">
-            <a:avLst/>
-          </a:prstGeom>
-          <a:noFill/>
-        </p:spPr>
-        <p:txBody>
-          <a:bodyPr wrap="square" rtlCol="0">
-            <a:spAutoFit/>
-          </a:bodyPr>
-          <a:lstStyle/>
-          <a:p>
-            <a:r>
-              <a:rPr lang="en-US" altLang="zh-CN" dirty="0" smtClean="0"/>
-              <a:t>Sub-chain</a:t>
-            </a:r>
-            <a:endParaRPr lang="zh-CN" altLang="en-US" dirty="0"/>
-          </a:p>
-        </p:txBody>
-      </p:sp>
-      <p:cxnSp>
-        <p:nvCxnSpPr>
-          <p:cNvPr id="47" name="直接箭头连接符 46"/>
-          <p:cNvCxnSpPr>
-            <a:stCxn id="6" idx="3"/>
-            <a:endCxn id="15" idx="1"/>
-          </p:cNvCxnSpPr>
-          <p:nvPr/>
-        </p:nvCxnSpPr>
-        <p:spPr>
-          <a:xfrm>
-            <a:off x="7161896" y="4607447"/>
-            <a:ext cx="2387593" cy="7342"/>
-          </a:xfrm>
-          <a:prstGeom prst="straightConnector1">
-            <a:avLst/>
-          </a:prstGeom>
-          <a:ln w="19050">
-            <a:solidFill>
-              <a:schemeClr val="tx1"/>
-            </a:solidFill>
-            <a:tailEnd type="triangle"/>
-          </a:ln>
-        </p:spPr>
-        <p:style>
-          <a:lnRef idx="1">
-            <a:schemeClr val="accent1"/>
-          </a:lnRef>
-          <a:fillRef idx="0">
-            <a:schemeClr val="accent1"/>
-          </a:fillRef>
-          <a:effectRef idx="0">
-            <a:schemeClr val="accent1"/>
-          </a:effectRef>
-          <a:fontRef idx="minor">
-            <a:schemeClr val="tx1"/>
-          </a:fontRef>
-        </p:style>
-      </p:cxnSp>
-      <p:sp>
-        <p:nvSpPr>
-          <p:cNvPr id="51" name="文本框 50"/>
-          <p:cNvSpPr txBox="1"/>
-          <p:nvPr/>
-        </p:nvSpPr>
-        <p:spPr>
-          <a:xfrm>
-            <a:off x="7428463" y="4234109"/>
-            <a:ext cx="1761151" cy="369332"/>
-          </a:xfrm>
-          <a:prstGeom prst="rect">
-            <a:avLst/>
-          </a:prstGeom>
-          <a:noFill/>
-        </p:spPr>
-        <p:txBody>
-          <a:bodyPr wrap="square" rtlCol="0">
-            <a:spAutoFit/>
-          </a:bodyPr>
-          <a:lstStyle/>
-          <a:p>
-            <a:r>
-              <a:rPr lang="en-US" altLang="zh-CN" dirty="0" smtClean="0"/>
-              <a:t>Original packets</a:t>
-            </a:r>
-            <a:endParaRPr lang="zh-CN" altLang="en-US" dirty="0"/>
-          </a:p>
-        </p:txBody>
-      </p:sp>
-      <p:grpSp>
-        <p:nvGrpSpPr>
-          <p:cNvPr id="58" name="组合 57"/>
-          <p:cNvGrpSpPr/>
-          <p:nvPr/>
-        </p:nvGrpSpPr>
-        <p:grpSpPr>
-          <a:xfrm>
-            <a:off x="7484809" y="2189885"/>
-            <a:ext cx="1648457" cy="1034762"/>
-            <a:chOff x="7161895" y="2082578"/>
-            <a:chExt cx="1648457" cy="1034762"/>
-          </a:xfrm>
-        </p:grpSpPr>
-        <p:sp>
-          <p:nvSpPr>
-            <p:cNvPr id="57" name="矩形 56"/>
-            <p:cNvSpPr/>
-            <p:nvPr/>
-          </p:nvSpPr>
-          <p:spPr>
-            <a:xfrm>
-              <a:off x="7634695" y="2082578"/>
-              <a:ext cx="1175657" cy="673276"/>
-            </a:xfrm>
-            <a:prstGeom prst="rect">
-              <a:avLst/>
-            </a:prstGeom>
-            <a:solidFill>
-              <a:srgbClr val="FFDA66"/>
-            </a:solidFill>
-          </p:spPr>
-          <p:style>
-            <a:lnRef idx="2">
-              <a:schemeClr val="accent4">
-                <a:shade val="50000"/>
-              </a:schemeClr>
-            </a:lnRef>
-            <a:fillRef idx="1">
-              <a:schemeClr val="accent4"/>
-            </a:fillRef>
-            <a:effectRef idx="0">
-              <a:schemeClr val="accent4"/>
-            </a:effectRef>
-            <a:fontRef idx="minor">
-              <a:schemeClr val="lt1"/>
-            </a:fontRef>
-          </p:style>
-          <p:txBody>
-            <a:bodyPr rtlCol="0" anchor="ctr"/>
-            <a:lstStyle/>
-            <a:p>
-              <a:pPr algn="ctr"/>
-              <a:endParaRPr lang="zh-CN" altLang="en-US"/>
-            </a:p>
-          </p:txBody>
-        </p:sp>
-        <p:sp>
-          <p:nvSpPr>
-            <p:cNvPr id="56" name="矩形 55"/>
-            <p:cNvSpPr/>
-            <p:nvPr/>
-          </p:nvSpPr>
-          <p:spPr>
-            <a:xfrm>
-              <a:off x="7417961" y="2244224"/>
-              <a:ext cx="1175657" cy="673276"/>
-            </a:xfrm>
-            <a:prstGeom prst="rect">
-              <a:avLst/>
-            </a:prstGeom>
-            <a:solidFill>
-              <a:srgbClr val="FFDA66"/>
-            </a:solidFill>
-          </p:spPr>
-          <p:style>
-            <a:lnRef idx="2">
-              <a:schemeClr val="accent4">
-                <a:shade val="50000"/>
-              </a:schemeClr>
-            </a:lnRef>
-            <a:fillRef idx="1">
-              <a:schemeClr val="accent4"/>
-            </a:fillRef>
-            <a:effectRef idx="0">
-              <a:schemeClr val="accent4"/>
-            </a:effectRef>
-            <a:fontRef idx="minor">
-              <a:schemeClr val="lt1"/>
-            </a:fontRef>
-          </p:style>
-          <p:txBody>
-            <a:bodyPr rtlCol="0" anchor="ctr"/>
-            <a:lstStyle/>
-            <a:p>
-              <a:pPr algn="ctr"/>
-              <a:endParaRPr lang="zh-CN" altLang="en-US"/>
-            </a:p>
-          </p:txBody>
-        </p:sp>
-        <p:sp>
-          <p:nvSpPr>
-            <p:cNvPr id="53" name="矩形 52"/>
-            <p:cNvSpPr/>
-            <p:nvPr/>
-          </p:nvSpPr>
-          <p:spPr>
-            <a:xfrm>
-              <a:off x="7161895" y="2444064"/>
-              <a:ext cx="1175657" cy="673276"/>
-            </a:xfrm>
-            <a:prstGeom prst="rect">
-              <a:avLst/>
-            </a:prstGeom>
-            <a:solidFill>
-              <a:srgbClr val="FFDA66"/>
-            </a:solidFill>
-          </p:spPr>
-          <p:style>
-            <a:lnRef idx="2">
-              <a:schemeClr val="accent4">
-                <a:shade val="50000"/>
-              </a:schemeClr>
-            </a:lnRef>
-            <a:fillRef idx="1">
-              <a:schemeClr val="accent4"/>
-            </a:fillRef>
-            <a:effectRef idx="0">
-              <a:schemeClr val="accent4"/>
-            </a:effectRef>
-            <a:fontRef idx="minor">
-              <a:schemeClr val="lt1"/>
-            </a:fontRef>
-          </p:style>
-          <p:txBody>
-            <a:bodyPr rtlCol="0" anchor="ctr"/>
-            <a:lstStyle/>
-            <a:p>
-              <a:pPr algn="ctr"/>
-              <a:r>
-                <a:rPr lang="en-US" altLang="zh-CN" dirty="0" smtClean="0">
-                  <a:solidFill>
-                    <a:schemeClr val="tx1"/>
-                  </a:solidFill>
-                </a:rPr>
-                <a:t>NF</a:t>
-              </a:r>
-              <a:endParaRPr lang="zh-CN" altLang="en-US" dirty="0">
-                <a:solidFill>
-                  <a:schemeClr val="tx1"/>
-                </a:solidFill>
-              </a:endParaRPr>
-            </a:p>
-          </p:txBody>
-        </p:sp>
-      </p:grpSp>
-      <p:sp>
-        <p:nvSpPr>
-          <p:cNvPr id="59" name="文本框 58"/>
-          <p:cNvSpPr txBox="1"/>
-          <p:nvPr/>
-        </p:nvSpPr>
-        <p:spPr>
-          <a:xfrm>
-            <a:off x="6583181" y="1783186"/>
-            <a:ext cx="2397967" cy="369332"/>
-          </a:xfrm>
-          <a:prstGeom prst="rect">
-            <a:avLst/>
-          </a:prstGeom>
-          <a:noFill/>
-        </p:spPr>
-        <p:txBody>
-          <a:bodyPr wrap="square" rtlCol="0">
-            <a:spAutoFit/>
-          </a:bodyPr>
-          <a:lstStyle/>
-          <a:p>
-            <a:r>
-              <a:rPr lang="en-US" altLang="zh-CN" dirty="0" smtClean="0"/>
-              <a:t>NFs running in parallel</a:t>
-            </a:r>
-            <a:endParaRPr lang="zh-CN" altLang="en-US" dirty="0"/>
-          </a:p>
-        </p:txBody>
-      </p:sp>
     </p:spTree>
     <p:extLst>
       <p:ext uri="{BB962C8B-B14F-4D97-AF65-F5344CB8AC3E}">
@@ -5766,7 +8216,7 @@
 </p:sld>
 </file>
 
-<file path=ppt/slides/slide6.xml><?xml version="1.0" encoding="utf-8"?>
+<file path=ppt/slides/slide7.xml><?xml version="1.0" encoding="utf-8"?>
 <p:sld xmlns:a="http://schemas.openxmlformats.org/drawingml/2006/main" xmlns:r="http://schemas.openxmlformats.org/officeDocument/2006/relationships" xmlns:p="http://schemas.openxmlformats.org/presentationml/2006/main">
   <p:cSld>
     <p:spTree>
@@ -6241,10 +8691,7 @@
               <a:avLst/>
             </a:prstGeom>
             <a:solidFill>
-              <a:schemeClr val="accent2">
-                <a:lumMod val="60000"/>
-                <a:lumOff val="40000"/>
-              </a:schemeClr>
+              <a:srgbClr val="9DC3E6"/>
             </a:solidFill>
           </p:spPr>
           <p:style>
@@ -6277,22 +8724,14 @@
                 <a:t>Field </a:t>
               </a:r>
               <a:r>
-                <a:rPr lang="en-US" altLang="zh-CN" dirty="0" smtClean="0">
+                <a:rPr lang="en-US" altLang="zh-CN" dirty="0">
                   <a:solidFill>
                     <a:schemeClr val="tx1"/>
                   </a:solidFill>
                 </a:rPr>
                 <a:t>C</a:t>
               </a:r>
-              <a:r>
-                <a:rPr lang="en-US" altLang="zh-CN" baseline="-25000" dirty="0" smtClean="0">
-                  <a:solidFill>
-                    <a:schemeClr val="tx1"/>
-                  </a:solidFill>
-                </a:rPr>
-                <a:t>1</a:t>
-              </a:r>
-              <a:endParaRPr lang="zh-CN" altLang="en-US" baseline="-25000" dirty="0">
+              <a:endParaRPr lang="zh-CN" altLang="en-US" dirty="0">
                 <a:solidFill>
                   <a:schemeClr val="tx1"/>
                 </a:solidFill>
@@ -6595,7 +9034,10 @@
                 <a:avLst/>
               </a:prstGeom>
               <a:solidFill>
-                <a:srgbClr val="9DC3E6"/>
+                <a:schemeClr val="accent4">
+                  <a:lumMod val="60000"/>
+                  <a:lumOff val="40000"/>
+                </a:schemeClr>
               </a:solidFill>
             </p:spPr>
             <p:style>
@@ -6625,9 +9067,25 @@
                       <a:schemeClr val="tx1"/>
                     </a:solidFill>
                   </a:rPr>
-                  <a:t>Field C</a:t>
+                  <a:t>Field </a:t>
                 </a:r>
-                <a:endParaRPr lang="zh-CN" altLang="en-US" dirty="0">
+                <a:r>
+                  <a:rPr lang="en-US" altLang="zh-CN" dirty="0">
+                    <a:solidFill>
+                      <a:schemeClr val="tx1"/>
+                    </a:solidFill>
+                  </a:rPr>
+                  <a:t>C</a:t>
+                </a:r>
+                <a:r>
+                  <a:rPr lang="en-US" altLang="zh-CN" baseline="-25000" dirty="0">
+                    <a:solidFill>
+                      <a:schemeClr val="tx1"/>
+                    </a:solidFill>
+                  </a:rPr>
+                  <a:t>2</a:t>
+                </a:r>
+                <a:endParaRPr lang="zh-CN" altLang="en-US" baseline="-25000" dirty="0">
                   <a:solidFill>
                     <a:schemeClr val="tx1"/>
                   </a:solidFill>
@@ -6849,6 +9307,80 @@
               <a:avLst/>
             </a:prstGeom>
             <a:solidFill>
+              <a:schemeClr val="accent2">
+                <a:lumMod val="60000"/>
+                <a:lumOff val="40000"/>
+              </a:schemeClr>
+            </a:solidFill>
+          </p:spPr>
+          <p:style>
+            <a:lnRef idx="2">
+              <a:schemeClr val="accent1">
+                <a:shade val="50000"/>
+              </a:schemeClr>
+            </a:lnRef>
+            <a:fillRef idx="1">
+              <a:schemeClr val="accent1"/>
+            </a:fillRef>
+            <a:effectRef idx="0">
+              <a:schemeClr val="accent1"/>
+            </a:effectRef>
+            <a:fontRef idx="minor">
+              <a:schemeClr val="lt1"/>
+            </a:fontRef>
+          </p:style>
+          <p:txBody>
+            <a:bodyPr rtlCol="0" anchor="ctr"/>
+            <a:lstStyle/>
+            <a:p>
+              <a:pPr algn="ctr"/>
+              <a:r>
+                <a:rPr lang="en-US" altLang="zh-CN" dirty="0">
+                  <a:solidFill>
+                    <a:schemeClr val="tx1"/>
+                  </a:solidFill>
+                </a:rPr>
+                <a:t>Field </a:t>
+              </a:r>
+              <a:r>
+                <a:rPr lang="en-US" altLang="zh-CN" dirty="0">
+                  <a:solidFill>
+                    <a:schemeClr val="tx1"/>
+                  </a:solidFill>
+                </a:rPr>
+                <a:t>A</a:t>
+              </a:r>
+              <a:r>
+                <a:rPr lang="en-US" altLang="zh-CN" baseline="-25000" dirty="0">
+                  <a:solidFill>
+                    <a:schemeClr val="tx1"/>
+                  </a:solidFill>
+                </a:rPr>
+                <a:t>1</a:t>
+              </a:r>
+              <a:endParaRPr lang="zh-CN" altLang="en-US" baseline="-25000" dirty="0">
+                <a:solidFill>
+                  <a:schemeClr val="tx1"/>
+                </a:solidFill>
+              </a:endParaRPr>
+            </a:p>
+          </p:txBody>
+        </p:sp>
+        <p:sp>
+          <p:nvSpPr>
+            <p:cNvPr id="44" name="矩形 43"/>
+            <p:cNvSpPr/>
+            <p:nvPr/>
+          </p:nvSpPr>
+          <p:spPr>
+            <a:xfrm>
+              <a:off x="1222310" y="1763486"/>
+              <a:ext cx="1035698" cy="494522"/>
+            </a:xfrm>
+            <a:prstGeom prst="rect">
+              <a:avLst/>
+            </a:prstGeom>
+            <a:solidFill>
               <a:schemeClr val="accent4">
                 <a:lumMod val="60000"/>
                 <a:lumOff val="40000"/>
@@ -6885,81 +9417,7 @@
                 <a:t>Field </a:t>
               </a:r>
               <a:r>
-                <a:rPr lang="en-US" altLang="zh-CN" dirty="0" smtClean="0">
-                  <a:solidFill>
-                    <a:schemeClr val="tx1"/>
-                  </a:solidFill>
-                </a:rPr>
-                <a:t>A</a:t>
-              </a:r>
-              <a:r>
-                <a:rPr lang="en-US" altLang="zh-CN" baseline="-25000" dirty="0" smtClean="0">
-                  <a:solidFill>
-                    <a:schemeClr val="tx1"/>
-                  </a:solidFill>
-                </a:rPr>
-                <a:t>2</a:t>
-              </a:r>
-              <a:endParaRPr lang="zh-CN" altLang="en-US" baseline="-25000" dirty="0">
-                <a:solidFill>
-                  <a:schemeClr val="tx1"/>
-                </a:solidFill>
-              </a:endParaRPr>
-            </a:p>
-          </p:txBody>
-        </p:sp>
-        <p:sp>
-          <p:nvSpPr>
-            <p:cNvPr id="44" name="矩形 43"/>
-            <p:cNvSpPr/>
-            <p:nvPr/>
-          </p:nvSpPr>
-          <p:spPr>
-            <a:xfrm>
-              <a:off x="1222310" y="1763486"/>
-              <a:ext cx="1035698" cy="494522"/>
-            </a:xfrm>
-            <a:prstGeom prst="rect">
-              <a:avLst/>
-            </a:prstGeom>
-            <a:solidFill>
-              <a:schemeClr val="accent2">
-                <a:lumMod val="60000"/>
-                <a:lumOff val="40000"/>
-              </a:schemeClr>
-            </a:solidFill>
-          </p:spPr>
-          <p:style>
-            <a:lnRef idx="2">
-              <a:schemeClr val="accent1">
-                <a:shade val="50000"/>
-              </a:schemeClr>
-            </a:lnRef>
-            <a:fillRef idx="1">
-              <a:schemeClr val="accent1"/>
-            </a:fillRef>
-            <a:effectRef idx="0">
-              <a:schemeClr val="accent1"/>
-            </a:effectRef>
-            <a:fontRef idx="minor">
-              <a:schemeClr val="lt1"/>
-            </a:fontRef>
-          </p:style>
-          <p:txBody>
-            <a:bodyPr rtlCol="0" anchor="ctr"/>
-            <a:lstStyle/>
-            <a:p>
-              <a:pPr algn="ctr"/>
-              <a:r>
                 <a:rPr lang="en-US" altLang="zh-CN" dirty="0">
-                  <a:solidFill>
-                    <a:schemeClr val="tx1"/>
-                  </a:solidFill>
-                </a:rPr>
-                <a:t>Field </a:t>
-              </a:r>
-              <a:r>
-                <a:rPr lang="en-US" altLang="zh-CN" dirty="0" smtClean="0">
                   <a:solidFill>
                     <a:schemeClr val="tx1"/>
                   </a:solidFill>
@@ -6967,12 +9425,12 @@
                 <a:t>C</a:t>
               </a:r>
               <a:r>
-                <a:rPr lang="en-US" altLang="zh-CN" baseline="-25000" dirty="0" smtClean="0">
+                <a:rPr lang="en-US" altLang="zh-CN" baseline="-25000" dirty="0">
                   <a:solidFill>
                     <a:schemeClr val="tx1"/>
                   </a:solidFill>
                 </a:rPr>
-                <a:t>1</a:t>
+                <a:t>2</a:t>
               </a:r>
               <a:endParaRPr lang="zh-CN" altLang="en-US" baseline="-25000" dirty="0">
                 <a:solidFill>
@@ -7503,6 +9961,74 @@
           </a:p>
         </p:txBody>
       </p:sp>
+      <p:sp>
+        <p:nvSpPr>
+          <p:cNvPr id="5" name="文本框 4"/>
+          <p:cNvSpPr txBox="1"/>
+          <p:nvPr/>
+        </p:nvSpPr>
+        <p:spPr>
+          <a:xfrm>
+            <a:off x="7604449" y="5197151"/>
+            <a:ext cx="3275045" cy="1200329"/>
+          </a:xfrm>
+          <a:prstGeom prst="rect">
+            <a:avLst/>
+          </a:prstGeom>
+          <a:noFill/>
+        </p:spPr>
+        <p:txBody>
+          <a:bodyPr wrap="square" rtlCol="0">
+            <a:spAutoFit/>
+          </a:bodyPr>
+          <a:lstStyle/>
+          <a:p>
+            <a:r>
+              <a:rPr lang="en-US" altLang="zh-CN" dirty="0" smtClean="0"/>
+              <a:t>ID</a:t>
+            </a:r>
+            <a:r>
+              <a:rPr lang="en-US" altLang="zh-CN" baseline="-25000" dirty="0" smtClean="0"/>
+              <a:t>1</a:t>
+            </a:r>
+            <a:r>
+              <a:rPr lang="en-US" altLang="zh-CN" dirty="0" smtClean="0"/>
+              <a:t>.Field A</a:t>
+            </a:r>
+          </a:p>
+          <a:p>
+            <a:r>
+              <a:rPr lang="en-US" altLang="zh-CN" dirty="0" smtClean="0"/>
+              <a:t>ID</a:t>
+            </a:r>
+            <a:r>
+              <a:rPr lang="en-US" altLang="zh-CN" baseline="-25000" dirty="0" smtClean="0"/>
+              <a:t>2</a:t>
+            </a:r>
+            <a:r>
+              <a:rPr lang="en-US" altLang="zh-CN" dirty="0" smtClean="0"/>
+              <a:t>.remove Field B</a:t>
+            </a:r>
+          </a:p>
+          <a:p>
+            <a:r>
+              <a:rPr lang="en-US" altLang="zh-CN" dirty="0" smtClean="0"/>
+              <a:t>ID</a:t>
+            </a:r>
+            <a:r>
+              <a:rPr lang="en-US" altLang="zh-CN" baseline="-25000" dirty="0" smtClean="0"/>
+              <a:t>2</a:t>
+            </a:r>
+            <a:r>
+              <a:rPr lang="en-US" altLang="zh-CN" dirty="0" smtClean="0"/>
+              <a:t>.add Field D</a:t>
+            </a:r>
+          </a:p>
+          <a:p>
+            <a:endParaRPr lang="zh-CN" altLang="en-US" dirty="0"/>
+          </a:p>
+        </p:txBody>
+      </p:sp>
     </p:spTree>
     <p:extLst>
       <p:ext uri="{BB962C8B-B14F-4D97-AF65-F5344CB8AC3E}">
@@ -7516,7 +10042,7 @@
 </p:sld>
 </file>
 
-<file path=ppt/slides/slide7.xml><?xml version="1.0" encoding="utf-8"?>
+<file path=ppt/slides/slide8.xml><?xml version="1.0" encoding="utf-8"?>
 <p:sld xmlns:a="http://schemas.openxmlformats.org/drawingml/2006/main" xmlns:r="http://schemas.openxmlformats.org/officeDocument/2006/relationships" xmlns:p="http://schemas.openxmlformats.org/presentationml/2006/main">
   <p:cSld>
     <p:spTree>
@@ -7571,15 +10097,7 @@
             <a:pPr algn="ctr"/>
             <a:r>
               <a:rPr lang="en-US" altLang="zh-CN" dirty="0" smtClean="0"/>
-              <a:t>NF A </a:t>
-            </a:r>
-            <a:r>
-              <a:rPr lang="en-US" altLang="zh-CN" dirty="0" smtClean="0"/>
-              <a:t>(2ms</a:t>
-            </a:r>
-            <a:r>
-              <a:rPr lang="en-US" altLang="zh-CN" dirty="0" smtClean="0"/>
-              <a:t>)</a:t>
+              <a:t>NF A (2ms)</a:t>
             </a:r>
             <a:endParaRPr lang="zh-CN" altLang="en-US" dirty="0"/>
           </a:p>
@@ -7623,15 +10141,7 @@
             <a:pPr algn="ctr"/>
             <a:r>
               <a:rPr lang="en-US" altLang="zh-CN" dirty="0" smtClean="0"/>
-              <a:t>NF B </a:t>
-            </a:r>
-            <a:r>
-              <a:rPr lang="en-US" altLang="zh-CN" dirty="0" smtClean="0"/>
-              <a:t>(2ms</a:t>
-            </a:r>
-            <a:r>
-              <a:rPr lang="en-US" altLang="zh-CN" dirty="0" smtClean="0"/>
-              <a:t>)</a:t>
+              <a:t>NF B (2ms)</a:t>
             </a:r>
             <a:endParaRPr lang="zh-CN" altLang="en-US" dirty="0"/>
           </a:p>
@@ -7675,15 +10185,7 @@
             <a:pPr algn="ctr"/>
             <a:r>
               <a:rPr lang="en-US" altLang="zh-CN" dirty="0" smtClean="0"/>
-              <a:t>NF C </a:t>
-            </a:r>
-            <a:r>
-              <a:rPr lang="en-US" altLang="zh-CN" dirty="0" smtClean="0"/>
-              <a:t>(1ms</a:t>
-            </a:r>
-            <a:r>
-              <a:rPr lang="en-US" altLang="zh-CN" dirty="0" smtClean="0"/>
-              <a:t>)</a:t>
+              <a:t>NF C (1ms)</a:t>
             </a:r>
             <a:endParaRPr lang="zh-CN" altLang="en-US" dirty="0"/>
           </a:p>
@@ -8044,7 +10546,7 @@
 </p:sld>
 </file>
 
-<file path=ppt/slides/slide8.xml><?xml version="1.0" encoding="utf-8"?>
+<file path=ppt/slides/slide9.xml><?xml version="1.0" encoding="utf-8"?>
 <p:sld xmlns:a="http://schemas.openxmlformats.org/drawingml/2006/main" xmlns:r="http://schemas.openxmlformats.org/officeDocument/2006/relationships" xmlns:p="http://schemas.openxmlformats.org/presentationml/2006/main">
   <p:cSld>
     <p:spTree>
@@ -8191,15 +10693,7 @@
             <a:pPr algn="ctr"/>
             <a:r>
               <a:rPr lang="en-US" altLang="zh-CN" dirty="0" smtClean="0"/>
-              <a:t>NF B </a:t>
-            </a:r>
-            <a:r>
-              <a:rPr lang="en-US" altLang="zh-CN" dirty="0" smtClean="0"/>
-              <a:t>(2ms</a:t>
-            </a:r>
-            <a:r>
-              <a:rPr lang="en-US" altLang="zh-CN" dirty="0" smtClean="0"/>
-              <a:t>)</a:t>
+              <a:t>NF B (2ms)</a:t>
             </a:r>
             <a:endParaRPr lang="zh-CN" altLang="en-US" dirty="0"/>
           </a:p>
@@ -8243,15 +10737,7 @@
             <a:pPr algn="ctr"/>
             <a:r>
               <a:rPr lang="en-US" altLang="zh-CN" dirty="0" smtClean="0"/>
-              <a:t>NF </a:t>
-            </a:r>
-            <a:r>
-              <a:rPr lang="en-US" altLang="zh-CN" dirty="0" smtClean="0"/>
-              <a:t>C </a:t>
-            </a:r>
-            <a:r>
-              <a:rPr lang="en-US" altLang="zh-CN" dirty="0" smtClean="0"/>
-              <a:t>(1ms)</a:t>
+              <a:t>NF C (1ms)</a:t>
             </a:r>
             <a:endParaRPr lang="zh-CN" altLang="en-US" dirty="0"/>
           </a:p>

--- a/docs/Figures.pptx
+++ b/docs/Figures.pptx
@@ -9,10 +9,11 @@
     <p:sldId id="257" r:id="rId3"/>
     <p:sldId id="262" r:id="rId4"/>
     <p:sldId id="261" r:id="rId5"/>
-    <p:sldId id="263" r:id="rId6"/>
-    <p:sldId id="258" r:id="rId7"/>
-    <p:sldId id="259" r:id="rId8"/>
-    <p:sldId id="260" r:id="rId9"/>
+    <p:sldId id="265" r:id="rId6"/>
+    <p:sldId id="263" r:id="rId7"/>
+    <p:sldId id="258" r:id="rId8"/>
+    <p:sldId id="259" r:id="rId9"/>
+    <p:sldId id="260" r:id="rId10"/>
   </p:sldIdLst>
   <p:sldSz cx="12192000" cy="6858000"/>
   <p:notesSz cx="6858000" cy="9144000"/>
@@ -161,10 +162,9 @@
           </a:lstStyle>
           <a:p>
             <a:r>
-              <a:rPr lang="zh-CN" altLang="en-US" smtClean="0"/>
+              <a:rPr lang="zh-CN" altLang="en-US"/>
               <a:t>单击此处编辑母版标题样式</a:t>
             </a:r>
-            <a:endParaRPr lang="zh-CN" altLang="en-US"/>
           </a:p>
         </p:txBody>
       </p:sp>
@@ -226,10 +226,9 @@
           </a:lstStyle>
           <a:p>
             <a:r>
-              <a:rPr lang="zh-CN" altLang="en-US" smtClean="0"/>
+              <a:rPr lang="zh-CN" altLang="en-US"/>
               <a:t>单击以编辑母版副标题样式</a:t>
             </a:r>
-            <a:endParaRPr lang="zh-CN" altLang="en-US"/>
           </a:p>
         </p:txBody>
       </p:sp>
@@ -250,7 +249,7 @@
           <a:p>
             <a:fld id="{DDA058EC-E564-4FAA-9823-230C53E76A76}" type="datetimeFigureOut">
               <a:rPr lang="zh-CN" altLang="en-US" smtClean="0"/>
-              <a:t>2019/7/27</a:t>
+              <a:t>2019/7/30</a:t>
             </a:fld>
             <a:endParaRPr lang="zh-CN" altLang="en-US"/>
           </a:p>
@@ -344,10 +343,9 @@
           <a:lstStyle/>
           <a:p>
             <a:r>
-              <a:rPr lang="zh-CN" altLang="en-US" smtClean="0"/>
+              <a:rPr lang="zh-CN" altLang="en-US"/>
               <a:t>单击此处编辑母版标题样式</a:t>
             </a:r>
-            <a:endParaRPr lang="zh-CN" altLang="en-US"/>
           </a:p>
         </p:txBody>
       </p:sp>
@@ -368,38 +366,37 @@
           <a:p>
             <a:pPr lvl="0"/>
             <a:r>
-              <a:rPr lang="zh-CN" altLang="en-US" smtClean="0"/>
+              <a:rPr lang="zh-CN" altLang="en-US"/>
               <a:t>编辑母版文本样式</a:t>
             </a:r>
           </a:p>
           <a:p>
             <a:pPr lvl="1"/>
             <a:r>
-              <a:rPr lang="zh-CN" altLang="en-US" smtClean="0"/>
+              <a:rPr lang="zh-CN" altLang="en-US"/>
               <a:t>第二级</a:t>
             </a:r>
           </a:p>
           <a:p>
             <a:pPr lvl="2"/>
             <a:r>
-              <a:rPr lang="zh-CN" altLang="en-US" smtClean="0"/>
+              <a:rPr lang="zh-CN" altLang="en-US"/>
               <a:t>第三级</a:t>
             </a:r>
           </a:p>
           <a:p>
             <a:pPr lvl="3"/>
             <a:r>
-              <a:rPr lang="zh-CN" altLang="en-US" smtClean="0"/>
+              <a:rPr lang="zh-CN" altLang="en-US"/>
               <a:t>第四级</a:t>
             </a:r>
           </a:p>
           <a:p>
             <a:pPr lvl="4"/>
             <a:r>
-              <a:rPr lang="zh-CN" altLang="en-US" smtClean="0"/>
+              <a:rPr lang="zh-CN" altLang="en-US"/>
               <a:t>第五级</a:t>
             </a:r>
-            <a:endParaRPr lang="zh-CN" altLang="en-US"/>
           </a:p>
         </p:txBody>
       </p:sp>
@@ -420,7 +417,7 @@
           <a:p>
             <a:fld id="{DDA058EC-E564-4FAA-9823-230C53E76A76}" type="datetimeFigureOut">
               <a:rPr lang="zh-CN" altLang="en-US" smtClean="0"/>
-              <a:t>2019/7/27</a:t>
+              <a:t>2019/7/30</a:t>
             </a:fld>
             <a:endParaRPr lang="zh-CN" altLang="en-US"/>
           </a:p>
@@ -519,10 +516,9 @@
           <a:lstStyle/>
           <a:p>
             <a:r>
-              <a:rPr lang="zh-CN" altLang="en-US" smtClean="0"/>
+              <a:rPr lang="zh-CN" altLang="en-US"/>
               <a:t>单击此处编辑母版标题样式</a:t>
             </a:r>
-            <a:endParaRPr lang="zh-CN" altLang="en-US"/>
           </a:p>
         </p:txBody>
       </p:sp>
@@ -548,38 +544,37 @@
           <a:p>
             <a:pPr lvl="0"/>
             <a:r>
-              <a:rPr lang="zh-CN" altLang="en-US" smtClean="0"/>
+              <a:rPr lang="zh-CN" altLang="en-US"/>
               <a:t>编辑母版文本样式</a:t>
             </a:r>
           </a:p>
           <a:p>
             <a:pPr lvl="1"/>
             <a:r>
-              <a:rPr lang="zh-CN" altLang="en-US" smtClean="0"/>
+              <a:rPr lang="zh-CN" altLang="en-US"/>
               <a:t>第二级</a:t>
             </a:r>
           </a:p>
           <a:p>
             <a:pPr lvl="2"/>
             <a:r>
-              <a:rPr lang="zh-CN" altLang="en-US" smtClean="0"/>
+              <a:rPr lang="zh-CN" altLang="en-US"/>
               <a:t>第三级</a:t>
             </a:r>
           </a:p>
           <a:p>
             <a:pPr lvl="3"/>
             <a:r>
-              <a:rPr lang="zh-CN" altLang="en-US" smtClean="0"/>
+              <a:rPr lang="zh-CN" altLang="en-US"/>
               <a:t>第四级</a:t>
             </a:r>
           </a:p>
           <a:p>
             <a:pPr lvl="4"/>
             <a:r>
-              <a:rPr lang="zh-CN" altLang="en-US" smtClean="0"/>
+              <a:rPr lang="zh-CN" altLang="en-US"/>
               <a:t>第五级</a:t>
             </a:r>
-            <a:endParaRPr lang="zh-CN" altLang="en-US"/>
           </a:p>
         </p:txBody>
       </p:sp>
@@ -600,7 +595,7 @@
           <a:p>
             <a:fld id="{DDA058EC-E564-4FAA-9823-230C53E76A76}" type="datetimeFigureOut">
               <a:rPr lang="zh-CN" altLang="en-US" smtClean="0"/>
-              <a:t>2019/7/27</a:t>
+              <a:t>2019/7/30</a:t>
             </a:fld>
             <a:endParaRPr lang="zh-CN" altLang="en-US"/>
           </a:p>
@@ -694,10 +689,9 @@
           <a:lstStyle/>
           <a:p>
             <a:r>
-              <a:rPr lang="zh-CN" altLang="en-US" smtClean="0"/>
+              <a:rPr lang="zh-CN" altLang="en-US"/>
               <a:t>单击此处编辑母版标题样式</a:t>
             </a:r>
-            <a:endParaRPr lang="zh-CN" altLang="en-US"/>
           </a:p>
         </p:txBody>
       </p:sp>
@@ -718,38 +712,37 @@
           <a:p>
             <a:pPr lvl="0"/>
             <a:r>
-              <a:rPr lang="zh-CN" altLang="en-US" smtClean="0"/>
+              <a:rPr lang="zh-CN" altLang="en-US"/>
               <a:t>编辑母版文本样式</a:t>
             </a:r>
           </a:p>
           <a:p>
             <a:pPr lvl="1"/>
             <a:r>
-              <a:rPr lang="zh-CN" altLang="en-US" smtClean="0"/>
+              <a:rPr lang="zh-CN" altLang="en-US"/>
               <a:t>第二级</a:t>
             </a:r>
           </a:p>
           <a:p>
             <a:pPr lvl="2"/>
             <a:r>
-              <a:rPr lang="zh-CN" altLang="en-US" smtClean="0"/>
+              <a:rPr lang="zh-CN" altLang="en-US"/>
               <a:t>第三级</a:t>
             </a:r>
           </a:p>
           <a:p>
             <a:pPr lvl="3"/>
             <a:r>
-              <a:rPr lang="zh-CN" altLang="en-US" smtClean="0"/>
+              <a:rPr lang="zh-CN" altLang="en-US"/>
               <a:t>第四级</a:t>
             </a:r>
           </a:p>
           <a:p>
             <a:pPr lvl="4"/>
             <a:r>
-              <a:rPr lang="zh-CN" altLang="en-US" smtClean="0"/>
+              <a:rPr lang="zh-CN" altLang="en-US"/>
               <a:t>第五级</a:t>
             </a:r>
-            <a:endParaRPr lang="zh-CN" altLang="en-US"/>
           </a:p>
         </p:txBody>
       </p:sp>
@@ -770,7 +763,7 @@
           <a:p>
             <a:fld id="{DDA058EC-E564-4FAA-9823-230C53E76A76}" type="datetimeFigureOut">
               <a:rPr lang="zh-CN" altLang="en-US" smtClean="0"/>
-              <a:t>2019/7/27</a:t>
+              <a:t>2019/7/30</a:t>
             </a:fld>
             <a:endParaRPr lang="zh-CN" altLang="en-US"/>
           </a:p>
@@ -873,10 +866,9 @@
           </a:lstStyle>
           <a:p>
             <a:r>
-              <a:rPr lang="zh-CN" altLang="en-US" smtClean="0"/>
+              <a:rPr lang="zh-CN" altLang="en-US"/>
               <a:t>单击此处编辑母版标题样式</a:t>
             </a:r>
-            <a:endParaRPr lang="zh-CN" altLang="en-US"/>
           </a:p>
         </p:txBody>
       </p:sp>
@@ -993,7 +985,7 @@
           <a:p>
             <a:pPr lvl="0"/>
             <a:r>
-              <a:rPr lang="zh-CN" altLang="en-US" smtClean="0"/>
+              <a:rPr lang="zh-CN" altLang="en-US"/>
               <a:t>编辑母版文本样式</a:t>
             </a:r>
           </a:p>
@@ -1016,7 +1008,7 @@
           <a:p>
             <a:fld id="{DDA058EC-E564-4FAA-9823-230C53E76A76}" type="datetimeFigureOut">
               <a:rPr lang="zh-CN" altLang="en-US" smtClean="0"/>
-              <a:t>2019/7/27</a:t>
+              <a:t>2019/7/30</a:t>
             </a:fld>
             <a:endParaRPr lang="zh-CN" altLang="en-US"/>
           </a:p>
@@ -1110,10 +1102,9 @@
           <a:lstStyle/>
           <a:p>
             <a:r>
-              <a:rPr lang="zh-CN" altLang="en-US" smtClean="0"/>
+              <a:rPr lang="zh-CN" altLang="en-US"/>
               <a:t>单击此处编辑母版标题样式</a:t>
             </a:r>
-            <a:endParaRPr lang="zh-CN" altLang="en-US"/>
           </a:p>
         </p:txBody>
       </p:sp>
@@ -1139,38 +1130,37 @@
           <a:p>
             <a:pPr lvl="0"/>
             <a:r>
-              <a:rPr lang="zh-CN" altLang="en-US" smtClean="0"/>
+              <a:rPr lang="zh-CN" altLang="en-US"/>
               <a:t>编辑母版文本样式</a:t>
             </a:r>
           </a:p>
           <a:p>
             <a:pPr lvl="1"/>
             <a:r>
-              <a:rPr lang="zh-CN" altLang="en-US" smtClean="0"/>
+              <a:rPr lang="zh-CN" altLang="en-US"/>
               <a:t>第二级</a:t>
             </a:r>
           </a:p>
           <a:p>
             <a:pPr lvl="2"/>
             <a:r>
-              <a:rPr lang="zh-CN" altLang="en-US" smtClean="0"/>
+              <a:rPr lang="zh-CN" altLang="en-US"/>
               <a:t>第三级</a:t>
             </a:r>
           </a:p>
           <a:p>
             <a:pPr lvl="3"/>
             <a:r>
-              <a:rPr lang="zh-CN" altLang="en-US" smtClean="0"/>
+              <a:rPr lang="zh-CN" altLang="en-US"/>
               <a:t>第四级</a:t>
             </a:r>
           </a:p>
           <a:p>
             <a:pPr lvl="4"/>
             <a:r>
-              <a:rPr lang="zh-CN" altLang="en-US" smtClean="0"/>
+              <a:rPr lang="zh-CN" altLang="en-US"/>
               <a:t>第五级</a:t>
             </a:r>
-            <a:endParaRPr lang="zh-CN" altLang="en-US"/>
           </a:p>
         </p:txBody>
       </p:sp>
@@ -1196,38 +1186,37 @@
           <a:p>
             <a:pPr lvl="0"/>
             <a:r>
-              <a:rPr lang="zh-CN" altLang="en-US" smtClean="0"/>
+              <a:rPr lang="zh-CN" altLang="en-US"/>
               <a:t>编辑母版文本样式</a:t>
             </a:r>
           </a:p>
           <a:p>
             <a:pPr lvl="1"/>
             <a:r>
-              <a:rPr lang="zh-CN" altLang="en-US" smtClean="0"/>
+              <a:rPr lang="zh-CN" altLang="en-US"/>
               <a:t>第二级</a:t>
             </a:r>
           </a:p>
           <a:p>
             <a:pPr lvl="2"/>
             <a:r>
-              <a:rPr lang="zh-CN" altLang="en-US" smtClean="0"/>
+              <a:rPr lang="zh-CN" altLang="en-US"/>
               <a:t>第三级</a:t>
             </a:r>
           </a:p>
           <a:p>
             <a:pPr lvl="3"/>
             <a:r>
-              <a:rPr lang="zh-CN" altLang="en-US" smtClean="0"/>
+              <a:rPr lang="zh-CN" altLang="en-US"/>
               <a:t>第四级</a:t>
             </a:r>
           </a:p>
           <a:p>
             <a:pPr lvl="4"/>
             <a:r>
-              <a:rPr lang="zh-CN" altLang="en-US" smtClean="0"/>
+              <a:rPr lang="zh-CN" altLang="en-US"/>
               <a:t>第五级</a:t>
             </a:r>
-            <a:endParaRPr lang="zh-CN" altLang="en-US"/>
           </a:p>
         </p:txBody>
       </p:sp>
@@ -1248,7 +1237,7 @@
           <a:p>
             <a:fld id="{DDA058EC-E564-4FAA-9823-230C53E76A76}" type="datetimeFigureOut">
               <a:rPr lang="zh-CN" altLang="en-US" smtClean="0"/>
-              <a:t>2019/7/27</a:t>
+              <a:t>2019/7/30</a:t>
             </a:fld>
             <a:endParaRPr lang="zh-CN" altLang="en-US"/>
           </a:p>
@@ -1347,10 +1336,9 @@
           <a:lstStyle/>
           <a:p>
             <a:r>
-              <a:rPr lang="zh-CN" altLang="en-US" smtClean="0"/>
+              <a:rPr lang="zh-CN" altLang="en-US"/>
               <a:t>单击此处编辑母版标题样式</a:t>
             </a:r>
-            <a:endParaRPr lang="zh-CN" altLang="en-US"/>
           </a:p>
         </p:txBody>
       </p:sp>
@@ -1413,7 +1401,7 @@
           <a:p>
             <a:pPr lvl="0"/>
             <a:r>
-              <a:rPr lang="zh-CN" altLang="en-US" smtClean="0"/>
+              <a:rPr lang="zh-CN" altLang="en-US"/>
               <a:t>编辑母版文本样式</a:t>
             </a:r>
           </a:p>
@@ -1441,38 +1429,37 @@
           <a:p>
             <a:pPr lvl="0"/>
             <a:r>
-              <a:rPr lang="zh-CN" altLang="en-US" smtClean="0"/>
+              <a:rPr lang="zh-CN" altLang="en-US"/>
               <a:t>编辑母版文本样式</a:t>
             </a:r>
           </a:p>
           <a:p>
             <a:pPr lvl="1"/>
             <a:r>
-              <a:rPr lang="zh-CN" altLang="en-US" smtClean="0"/>
+              <a:rPr lang="zh-CN" altLang="en-US"/>
               <a:t>第二级</a:t>
             </a:r>
           </a:p>
           <a:p>
             <a:pPr lvl="2"/>
             <a:r>
-              <a:rPr lang="zh-CN" altLang="en-US" smtClean="0"/>
+              <a:rPr lang="zh-CN" altLang="en-US"/>
               <a:t>第三级</a:t>
             </a:r>
           </a:p>
           <a:p>
             <a:pPr lvl="3"/>
             <a:r>
-              <a:rPr lang="zh-CN" altLang="en-US" smtClean="0"/>
+              <a:rPr lang="zh-CN" altLang="en-US"/>
               <a:t>第四级</a:t>
             </a:r>
           </a:p>
           <a:p>
             <a:pPr lvl="4"/>
             <a:r>
-              <a:rPr lang="zh-CN" altLang="en-US" smtClean="0"/>
+              <a:rPr lang="zh-CN" altLang="en-US"/>
               <a:t>第五级</a:t>
             </a:r>
-            <a:endParaRPr lang="zh-CN" altLang="en-US"/>
           </a:p>
         </p:txBody>
       </p:sp>
@@ -1535,7 +1522,7 @@
           <a:p>
             <a:pPr lvl="0"/>
             <a:r>
-              <a:rPr lang="zh-CN" altLang="en-US" smtClean="0"/>
+              <a:rPr lang="zh-CN" altLang="en-US"/>
               <a:t>编辑母版文本样式</a:t>
             </a:r>
           </a:p>
@@ -1563,38 +1550,37 @@
           <a:p>
             <a:pPr lvl="0"/>
             <a:r>
-              <a:rPr lang="zh-CN" altLang="en-US" smtClean="0"/>
+              <a:rPr lang="zh-CN" altLang="en-US"/>
               <a:t>编辑母版文本样式</a:t>
             </a:r>
           </a:p>
           <a:p>
             <a:pPr lvl="1"/>
             <a:r>
-              <a:rPr lang="zh-CN" altLang="en-US" smtClean="0"/>
+              <a:rPr lang="zh-CN" altLang="en-US"/>
               <a:t>第二级</a:t>
             </a:r>
           </a:p>
           <a:p>
             <a:pPr lvl="2"/>
             <a:r>
-              <a:rPr lang="zh-CN" altLang="en-US" smtClean="0"/>
+              <a:rPr lang="zh-CN" altLang="en-US"/>
               <a:t>第三级</a:t>
             </a:r>
           </a:p>
           <a:p>
             <a:pPr lvl="3"/>
             <a:r>
-              <a:rPr lang="zh-CN" altLang="en-US" smtClean="0"/>
+              <a:rPr lang="zh-CN" altLang="en-US"/>
               <a:t>第四级</a:t>
             </a:r>
           </a:p>
           <a:p>
             <a:pPr lvl="4"/>
             <a:r>
-              <a:rPr lang="zh-CN" altLang="en-US" smtClean="0"/>
+              <a:rPr lang="zh-CN" altLang="en-US"/>
               <a:t>第五级</a:t>
             </a:r>
-            <a:endParaRPr lang="zh-CN" altLang="en-US"/>
           </a:p>
         </p:txBody>
       </p:sp>
@@ -1615,7 +1601,7 @@
           <a:p>
             <a:fld id="{DDA058EC-E564-4FAA-9823-230C53E76A76}" type="datetimeFigureOut">
               <a:rPr lang="zh-CN" altLang="en-US" smtClean="0"/>
-              <a:t>2019/7/27</a:t>
+              <a:t>2019/7/30</a:t>
             </a:fld>
             <a:endParaRPr lang="zh-CN" altLang="en-US"/>
           </a:p>
@@ -1709,10 +1695,9 @@
           <a:lstStyle/>
           <a:p>
             <a:r>
-              <a:rPr lang="zh-CN" altLang="en-US" smtClean="0"/>
+              <a:rPr lang="zh-CN" altLang="en-US"/>
               <a:t>单击此处编辑母版标题样式</a:t>
             </a:r>
-            <a:endParaRPr lang="zh-CN" altLang="en-US"/>
           </a:p>
         </p:txBody>
       </p:sp>
@@ -1733,7 +1718,7 @@
           <a:p>
             <a:fld id="{DDA058EC-E564-4FAA-9823-230C53E76A76}" type="datetimeFigureOut">
               <a:rPr lang="zh-CN" altLang="en-US" smtClean="0"/>
-              <a:t>2019/7/27</a:t>
+              <a:t>2019/7/30</a:t>
             </a:fld>
             <a:endParaRPr lang="zh-CN" altLang="en-US"/>
           </a:p>
@@ -1828,7 +1813,7 @@
           <a:p>
             <a:fld id="{DDA058EC-E564-4FAA-9823-230C53E76A76}" type="datetimeFigureOut">
               <a:rPr lang="zh-CN" altLang="en-US" smtClean="0"/>
-              <a:t>2019/7/27</a:t>
+              <a:t>2019/7/30</a:t>
             </a:fld>
             <a:endParaRPr lang="zh-CN" altLang="en-US"/>
           </a:p>
@@ -1931,10 +1916,9 @@
           </a:lstStyle>
           <a:p>
             <a:r>
-              <a:rPr lang="zh-CN" altLang="en-US" smtClean="0"/>
+              <a:rPr lang="zh-CN" altLang="en-US"/>
               <a:t>单击此处编辑母版标题样式</a:t>
             </a:r>
-            <a:endParaRPr lang="zh-CN" altLang="en-US"/>
           </a:p>
         </p:txBody>
       </p:sp>
@@ -1988,38 +1972,37 @@
           <a:p>
             <a:pPr lvl="0"/>
             <a:r>
-              <a:rPr lang="zh-CN" altLang="en-US" smtClean="0"/>
+              <a:rPr lang="zh-CN" altLang="en-US"/>
               <a:t>编辑母版文本样式</a:t>
             </a:r>
           </a:p>
           <a:p>
             <a:pPr lvl="1"/>
             <a:r>
-              <a:rPr lang="zh-CN" altLang="en-US" smtClean="0"/>
+              <a:rPr lang="zh-CN" altLang="en-US"/>
               <a:t>第二级</a:t>
             </a:r>
           </a:p>
           <a:p>
             <a:pPr lvl="2"/>
             <a:r>
-              <a:rPr lang="zh-CN" altLang="en-US" smtClean="0"/>
+              <a:rPr lang="zh-CN" altLang="en-US"/>
               <a:t>第三级</a:t>
             </a:r>
           </a:p>
           <a:p>
             <a:pPr lvl="3"/>
             <a:r>
-              <a:rPr lang="zh-CN" altLang="en-US" smtClean="0"/>
+              <a:rPr lang="zh-CN" altLang="en-US"/>
               <a:t>第四级</a:t>
             </a:r>
           </a:p>
           <a:p>
             <a:pPr lvl="4"/>
             <a:r>
-              <a:rPr lang="zh-CN" altLang="en-US" smtClean="0"/>
+              <a:rPr lang="zh-CN" altLang="en-US"/>
               <a:t>第五级</a:t>
             </a:r>
-            <a:endParaRPr lang="zh-CN" altLang="en-US"/>
           </a:p>
         </p:txBody>
       </p:sp>
@@ -2082,7 +2065,7 @@
           <a:p>
             <a:pPr lvl="0"/>
             <a:r>
-              <a:rPr lang="zh-CN" altLang="en-US" smtClean="0"/>
+              <a:rPr lang="zh-CN" altLang="en-US"/>
               <a:t>编辑母版文本样式</a:t>
             </a:r>
           </a:p>
@@ -2105,7 +2088,7 @@
           <a:p>
             <a:fld id="{DDA058EC-E564-4FAA-9823-230C53E76A76}" type="datetimeFigureOut">
               <a:rPr lang="zh-CN" altLang="en-US" smtClean="0"/>
-              <a:t>2019/7/27</a:t>
+              <a:t>2019/7/30</a:t>
             </a:fld>
             <a:endParaRPr lang="zh-CN" altLang="en-US"/>
           </a:p>
@@ -2208,10 +2191,9 @@
           </a:lstStyle>
           <a:p>
             <a:r>
-              <a:rPr lang="zh-CN" altLang="en-US" smtClean="0"/>
+              <a:rPr lang="zh-CN" altLang="en-US"/>
               <a:t>单击此处编辑母版标题样式</a:t>
             </a:r>
-            <a:endParaRPr lang="zh-CN" altLang="en-US"/>
           </a:p>
         </p:txBody>
       </p:sp>
@@ -2335,7 +2317,7 @@
           <a:p>
             <a:pPr lvl="0"/>
             <a:r>
-              <a:rPr lang="zh-CN" altLang="en-US" smtClean="0"/>
+              <a:rPr lang="zh-CN" altLang="en-US"/>
               <a:t>编辑母版文本样式</a:t>
             </a:r>
           </a:p>
@@ -2358,7 +2340,7 @@
           <a:p>
             <a:fld id="{DDA058EC-E564-4FAA-9823-230C53E76A76}" type="datetimeFigureOut">
               <a:rPr lang="zh-CN" altLang="en-US" smtClean="0"/>
-              <a:t>2019/7/27</a:t>
+              <a:t>2019/7/30</a:t>
             </a:fld>
             <a:endParaRPr lang="zh-CN" altLang="en-US"/>
           </a:p>
@@ -2467,10 +2449,9 @@
           <a:lstStyle/>
           <a:p>
             <a:r>
-              <a:rPr lang="zh-CN" altLang="en-US" smtClean="0"/>
+              <a:rPr lang="zh-CN" altLang="en-US"/>
               <a:t>单击此处编辑母版标题样式</a:t>
             </a:r>
-            <a:endParaRPr lang="zh-CN" altLang="en-US"/>
           </a:p>
         </p:txBody>
       </p:sp>
@@ -2501,38 +2482,37 @@
           <a:p>
             <a:pPr lvl="0"/>
             <a:r>
-              <a:rPr lang="zh-CN" altLang="en-US" smtClean="0"/>
+              <a:rPr lang="zh-CN" altLang="en-US"/>
               <a:t>编辑母版文本样式</a:t>
             </a:r>
           </a:p>
           <a:p>
             <a:pPr lvl="1"/>
             <a:r>
-              <a:rPr lang="zh-CN" altLang="en-US" smtClean="0"/>
+              <a:rPr lang="zh-CN" altLang="en-US"/>
               <a:t>第二级</a:t>
             </a:r>
           </a:p>
           <a:p>
             <a:pPr lvl="2"/>
             <a:r>
-              <a:rPr lang="zh-CN" altLang="en-US" smtClean="0"/>
+              <a:rPr lang="zh-CN" altLang="en-US"/>
               <a:t>第三级</a:t>
             </a:r>
           </a:p>
           <a:p>
             <a:pPr lvl="3"/>
             <a:r>
-              <a:rPr lang="zh-CN" altLang="en-US" smtClean="0"/>
+              <a:rPr lang="zh-CN" altLang="en-US"/>
               <a:t>第四级</a:t>
             </a:r>
           </a:p>
           <a:p>
             <a:pPr lvl="4"/>
             <a:r>
-              <a:rPr lang="zh-CN" altLang="en-US" smtClean="0"/>
+              <a:rPr lang="zh-CN" altLang="en-US"/>
               <a:t>第五级</a:t>
             </a:r>
-            <a:endParaRPr lang="zh-CN" altLang="en-US"/>
           </a:p>
         </p:txBody>
       </p:sp>
@@ -2571,7 +2551,7 @@
           <a:p>
             <a:fld id="{DDA058EC-E564-4FAA-9823-230C53E76A76}" type="datetimeFigureOut">
               <a:rPr lang="zh-CN" altLang="en-US" smtClean="0"/>
-              <a:t>2019/7/27</a:t>
+              <a:t>2019/7/30</a:t>
             </a:fld>
             <a:endParaRPr lang="zh-CN" altLang="en-US"/>
           </a:p>
@@ -2992,12 +2972,8 @@
           <a:lstStyle/>
           <a:p>
             <a:r>
-              <a:rPr lang="en-US" altLang="zh-CN" dirty="0" smtClean="0"/>
-              <a:t>INFOCOM </a:t>
-            </a:r>
-            <a:r>
-              <a:rPr lang="en-US" altLang="zh-CN" dirty="0" smtClean="0"/>
-              <a:t>2020 Figure</a:t>
+              <a:rPr lang="en-US" altLang="zh-CN" dirty="0"/>
+              <a:t>INFOCOM 2020 Figure</a:t>
             </a:r>
             <a:endParaRPr lang="zh-CN" altLang="en-US" dirty="0"/>
           </a:p>
@@ -3396,7 +3372,7 @@
           <a:lstStyle/>
           <a:p>
             <a:r>
-              <a:rPr lang="en-US" altLang="zh-CN" b="1" dirty="0" smtClean="0"/>
+              <a:rPr lang="en-US" altLang="zh-CN" b="1" dirty="0"/>
               <a:t>NAT</a:t>
             </a:r>
             <a:endParaRPr lang="zh-CN" altLang="en-US" b="1" dirty="0"/>
@@ -3426,7 +3402,7 @@
           <a:lstStyle/>
           <a:p>
             <a:r>
-              <a:rPr lang="en-US" altLang="zh-CN" b="1" dirty="0" smtClean="0"/>
+              <a:rPr lang="en-US" altLang="zh-CN" b="1" dirty="0"/>
               <a:t>Firewall</a:t>
             </a:r>
             <a:endParaRPr lang="zh-CN" altLang="en-US" b="1" dirty="0"/>
@@ -3456,7 +3432,7 @@
           <a:lstStyle/>
           <a:p>
             <a:r>
-              <a:rPr lang="en-US" altLang="zh-CN" b="1" dirty="0" smtClean="0"/>
+              <a:rPr lang="en-US" altLang="zh-CN" b="1" dirty="0"/>
               <a:t>DPI</a:t>
             </a:r>
             <a:endParaRPr lang="zh-CN" altLang="en-US" b="1" dirty="0"/>
@@ -3486,7 +3462,7 @@
           <a:lstStyle/>
           <a:p>
             <a:r>
-              <a:rPr lang="en-US" altLang="zh-CN" b="1" dirty="0" smtClean="0"/>
+              <a:rPr lang="en-US" altLang="zh-CN" b="1" dirty="0"/>
               <a:t>Load Balancer</a:t>
             </a:r>
             <a:endParaRPr lang="zh-CN" altLang="en-US" b="1" dirty="0"/>
@@ -3912,7 +3888,7 @@
               <a:lstStyle/>
               <a:p>
                 <a:r>
-                  <a:rPr lang="en-US" altLang="zh-CN" b="1" dirty="0" smtClean="0"/>
+                  <a:rPr lang="en-US" altLang="zh-CN" b="1" dirty="0"/>
                   <a:t>NAT</a:t>
                 </a:r>
                 <a:endParaRPr lang="zh-CN" altLang="en-US" b="1" dirty="0"/>
@@ -3942,7 +3918,7 @@
               <a:lstStyle/>
               <a:p>
                 <a:r>
-                  <a:rPr lang="en-US" altLang="zh-CN" b="1" dirty="0" smtClean="0"/>
+                  <a:rPr lang="en-US" altLang="zh-CN" b="1" dirty="0"/>
                   <a:t>Firewall</a:t>
                 </a:r>
                 <a:endParaRPr lang="zh-CN" altLang="en-US" b="1" dirty="0"/>
@@ -3972,7 +3948,7 @@
               <a:lstStyle/>
               <a:p>
                 <a:r>
-                  <a:rPr lang="en-US" altLang="zh-CN" b="1" dirty="0" smtClean="0"/>
+                  <a:rPr lang="en-US" altLang="zh-CN" b="1" dirty="0"/>
                   <a:t>DPI</a:t>
                 </a:r>
                 <a:endParaRPr lang="zh-CN" altLang="en-US" b="1" dirty="0"/>
@@ -4002,7 +3978,7 @@
               <a:lstStyle/>
               <a:p>
                 <a:r>
-                  <a:rPr lang="en-US" altLang="zh-CN" b="1" dirty="0" smtClean="0"/>
+                  <a:rPr lang="en-US" altLang="zh-CN" b="1" dirty="0"/>
                   <a:t>Load Balancer</a:t>
                 </a:r>
                 <a:endParaRPr lang="zh-CN" altLang="en-US" b="1" dirty="0"/>
@@ -4104,7 +4080,7 @@
               <a:lstStyle/>
               <a:p>
                 <a:r>
-                  <a:rPr lang="en-US" altLang="zh-CN" sz="1400" b="1" dirty="0" smtClean="0"/>
+                  <a:rPr lang="en-US" altLang="zh-CN" sz="1400" b="1" dirty="0"/>
                   <a:t>Working in Parallel</a:t>
                 </a:r>
                 <a:endParaRPr lang="zh-CN" altLang="en-US" sz="1400" b="1" dirty="0"/>
@@ -4151,7 +4127,7 @@
         </p:nvSpPr>
         <p:spPr>
           <a:xfrm>
-            <a:off x="1281906" y="3603748"/>
+            <a:off x="2475319" y="1157284"/>
             <a:ext cx="1296000" cy="1296000"/>
           </a:xfrm>
           <a:prstGeom prst="ellipse">
@@ -4180,229 +4156,13 @@
           <a:p>
             <a:pPr algn="ctr"/>
             <a:r>
-              <a:rPr lang="en-US" altLang="zh-CN" dirty="0" smtClean="0"/>
+              <a:rPr lang="en-US" altLang="zh-CN" dirty="0"/>
               <a:t>100</a:t>
             </a:r>
             <a:endParaRPr lang="zh-CN" altLang="en-US" dirty="0"/>
           </a:p>
         </p:txBody>
       </p:sp>
-      <p:sp>
-        <p:nvSpPr>
-          <p:cNvPr id="2" name="矩形 1"/>
-          <p:cNvSpPr/>
-          <p:nvPr/>
-        </p:nvSpPr>
-        <p:spPr>
-          <a:xfrm>
-            <a:off x="2714572" y="1763486"/>
-            <a:ext cx="576000" cy="576000"/>
-          </a:xfrm>
-          <a:prstGeom prst="rect">
-            <a:avLst/>
-          </a:prstGeom>
-        </p:spPr>
-        <p:style>
-          <a:lnRef idx="2">
-            <a:schemeClr val="accent6">
-              <a:shade val="50000"/>
-            </a:schemeClr>
-          </a:lnRef>
-          <a:fillRef idx="1">
-            <a:schemeClr val="accent6"/>
-          </a:fillRef>
-          <a:effectRef idx="0">
-            <a:schemeClr val="accent6"/>
-          </a:effectRef>
-          <a:fontRef idx="minor">
-            <a:schemeClr val="lt1"/>
-          </a:fontRef>
-        </p:style>
-        <p:txBody>
-          <a:bodyPr rtlCol="0" anchor="ctr"/>
-          <a:lstStyle/>
-          <a:p>
-            <a:pPr algn="ctr"/>
-            <a:r>
-              <a:rPr lang="en-US" altLang="zh-CN" dirty="0"/>
-              <a:t>5</a:t>
-            </a:r>
-            <a:r>
-              <a:rPr lang="en-US" altLang="zh-CN" dirty="0" smtClean="0"/>
-              <a:t>0</a:t>
-            </a:r>
-            <a:endParaRPr lang="zh-CN" altLang="en-US" dirty="0"/>
-          </a:p>
-        </p:txBody>
-      </p:sp>
-      <p:sp>
-        <p:nvSpPr>
-          <p:cNvPr id="8" name="矩形 7"/>
-          <p:cNvSpPr/>
-          <p:nvPr/>
-        </p:nvSpPr>
-        <p:spPr>
-          <a:xfrm>
-            <a:off x="4233906" y="1763486"/>
-            <a:ext cx="576000" cy="576000"/>
-          </a:xfrm>
-          <a:prstGeom prst="rect">
-            <a:avLst/>
-          </a:prstGeom>
-        </p:spPr>
-        <p:style>
-          <a:lnRef idx="2">
-            <a:schemeClr val="accent6">
-              <a:shade val="50000"/>
-            </a:schemeClr>
-          </a:lnRef>
-          <a:fillRef idx="1">
-            <a:schemeClr val="accent6"/>
-          </a:fillRef>
-          <a:effectRef idx="0">
-            <a:schemeClr val="accent6"/>
-          </a:effectRef>
-          <a:fontRef idx="minor">
-            <a:schemeClr val="lt1"/>
-          </a:fontRef>
-        </p:style>
-        <p:txBody>
-          <a:bodyPr rtlCol="0" anchor="ctr"/>
-          <a:lstStyle/>
-          <a:p>
-            <a:pPr algn="ctr"/>
-            <a:r>
-              <a:rPr lang="en-US" altLang="zh-CN" dirty="0"/>
-              <a:t>6</a:t>
-            </a:r>
-            <a:r>
-              <a:rPr lang="en-US" altLang="zh-CN" dirty="0" smtClean="0"/>
-              <a:t>0</a:t>
-            </a:r>
-            <a:endParaRPr lang="zh-CN" altLang="en-US" dirty="0"/>
-          </a:p>
-        </p:txBody>
-      </p:sp>
-      <p:sp>
-        <p:nvSpPr>
-          <p:cNvPr id="9" name="矩形 8"/>
-          <p:cNvSpPr/>
-          <p:nvPr/>
-        </p:nvSpPr>
-        <p:spPr>
-          <a:xfrm>
-            <a:off x="5753240" y="1763486"/>
-            <a:ext cx="576000" cy="576000"/>
-          </a:xfrm>
-          <a:prstGeom prst="rect">
-            <a:avLst/>
-          </a:prstGeom>
-        </p:spPr>
-        <p:style>
-          <a:lnRef idx="2">
-            <a:schemeClr val="accent6">
-              <a:shade val="50000"/>
-            </a:schemeClr>
-          </a:lnRef>
-          <a:fillRef idx="1">
-            <a:schemeClr val="accent6"/>
-          </a:fillRef>
-          <a:effectRef idx="0">
-            <a:schemeClr val="accent6"/>
-          </a:effectRef>
-          <a:fontRef idx="minor">
-            <a:schemeClr val="lt1"/>
-          </a:fontRef>
-        </p:style>
-        <p:txBody>
-          <a:bodyPr rtlCol="0" anchor="ctr"/>
-          <a:lstStyle/>
-          <a:p>
-            <a:pPr algn="ctr"/>
-            <a:r>
-              <a:rPr lang="en-US" altLang="zh-CN" dirty="0"/>
-              <a:t>7</a:t>
-            </a:r>
-            <a:r>
-              <a:rPr lang="en-US" altLang="zh-CN" dirty="0" smtClean="0"/>
-              <a:t>0</a:t>
-            </a:r>
-            <a:endParaRPr lang="zh-CN" altLang="en-US" dirty="0"/>
-          </a:p>
-        </p:txBody>
-      </p:sp>
-      <p:cxnSp>
-        <p:nvCxnSpPr>
-          <p:cNvPr id="11" name="直接箭头连接符 10"/>
-          <p:cNvCxnSpPr>
-            <a:stCxn id="2" idx="3"/>
-            <a:endCxn id="8" idx="1"/>
-          </p:cNvCxnSpPr>
-          <p:nvPr/>
-        </p:nvCxnSpPr>
-        <p:spPr>
-          <a:xfrm>
-            <a:off x="3290572" y="2051486"/>
-            <a:ext cx="943334" cy="0"/>
-          </a:xfrm>
-          <a:prstGeom prst="straightConnector1">
-            <a:avLst/>
-          </a:prstGeom>
-          <a:ln w="19050">
-            <a:tailEnd type="triangle"/>
-          </a:ln>
-        </p:spPr>
-        <p:style>
-          <a:lnRef idx="1">
-            <a:schemeClr val="accent6"/>
-          </a:lnRef>
-          <a:fillRef idx="0">
-            <a:schemeClr val="accent6"/>
-          </a:fillRef>
-          <a:effectRef idx="0">
-            <a:schemeClr val="accent6"/>
-          </a:effectRef>
-          <a:fontRef idx="minor">
-            <a:schemeClr val="tx1"/>
-          </a:fontRef>
-        </p:style>
-      </p:cxnSp>
-      <p:cxnSp>
-        <p:nvCxnSpPr>
-          <p:cNvPr id="12" name="直接箭头连接符 11"/>
-          <p:cNvCxnSpPr>
-            <a:stCxn id="8" idx="3"/>
-            <a:endCxn id="9" idx="1"/>
-          </p:cNvCxnSpPr>
-          <p:nvPr/>
-        </p:nvCxnSpPr>
-        <p:spPr>
-          <a:xfrm>
-            <a:off x="4809906" y="2051486"/>
-            <a:ext cx="943334" cy="0"/>
-          </a:xfrm>
-          <a:prstGeom prst="straightConnector1">
-            <a:avLst/>
-          </a:prstGeom>
-          <a:ln w="19050">
-            <a:tailEnd type="triangle"/>
-          </a:ln>
-        </p:spPr>
-        <p:style>
-          <a:lnRef idx="1">
-            <a:schemeClr val="accent6"/>
-          </a:lnRef>
-          <a:fillRef idx="0">
-            <a:schemeClr val="accent6"/>
-          </a:fillRef>
-          <a:effectRef idx="0">
-            <a:schemeClr val="accent6"/>
-          </a:effectRef>
-          <a:fontRef idx="minor">
-            <a:schemeClr val="tx1"/>
-          </a:fontRef>
-        </p:style>
-      </p:cxnSp>
       <p:sp>
         <p:nvSpPr>
           <p:cNvPr id="16" name="椭圆 15"/>
@@ -4411,7 +4171,7 @@
         </p:nvSpPr>
         <p:spPr>
           <a:xfrm>
-            <a:off x="6461067" y="3603748"/>
+            <a:off x="7621699" y="1157284"/>
             <a:ext cx="1296000" cy="1296000"/>
           </a:xfrm>
           <a:prstGeom prst="ellipse">
@@ -4440,7 +4200,7 @@
           <a:p>
             <a:pPr algn="ctr"/>
             <a:r>
-              <a:rPr lang="en-US" altLang="zh-CN" dirty="0" smtClean="0"/>
+              <a:rPr lang="en-US" altLang="zh-CN" dirty="0"/>
               <a:t>130</a:t>
             </a:r>
             <a:endParaRPr lang="zh-CN" altLang="en-US" dirty="0"/>
@@ -4455,7 +4215,7 @@
         </p:nvSpPr>
         <p:spPr>
           <a:xfrm>
-            <a:off x="3887877" y="4466867"/>
+            <a:off x="5048509" y="2020403"/>
             <a:ext cx="1296000" cy="1296000"/>
           </a:xfrm>
           <a:prstGeom prst="ellipse">
@@ -4484,7 +4244,7 @@
           <a:p>
             <a:pPr algn="ctr"/>
             <a:r>
-              <a:rPr lang="en-US" altLang="zh-CN" dirty="0" smtClean="0"/>
+              <a:rPr lang="en-US" altLang="zh-CN" dirty="0"/>
               <a:t>150</a:t>
             </a:r>
             <a:endParaRPr lang="zh-CN" altLang="en-US" dirty="0"/>
@@ -4499,7 +4259,7 @@
         </p:nvSpPr>
         <p:spPr>
           <a:xfrm>
-            <a:off x="3873906" y="2955748"/>
+            <a:off x="5034538" y="509284"/>
             <a:ext cx="1296000" cy="1296000"/>
           </a:xfrm>
           <a:prstGeom prst="ellipse">
@@ -4528,7 +4288,7 @@
           <a:p>
             <a:pPr algn="ctr"/>
             <a:r>
-              <a:rPr lang="en-US" altLang="zh-CN" dirty="0" smtClean="0"/>
+              <a:rPr lang="en-US" altLang="zh-CN" dirty="0"/>
               <a:t>120</a:t>
             </a:r>
             <a:endParaRPr lang="zh-CN" altLang="en-US" dirty="0"/>
@@ -4539,6 +4299,7 @@
         <p:nvCxnSpPr>
           <p:cNvPr id="20" name="直接连接符 19"/>
           <p:cNvCxnSpPr>
+            <a:cxnSpLocks/>
             <a:stCxn id="15" idx="6"/>
             <a:endCxn id="18" idx="2"/>
           </p:cNvCxnSpPr>
@@ -4546,8 +4307,8 @@
         </p:nvCxnSpPr>
         <p:spPr>
           <a:xfrm flipV="1">
-            <a:off x="2577906" y="3603748"/>
-            <a:ext cx="1296000" cy="648000"/>
+            <a:off x="3771319" y="1157284"/>
+            <a:ext cx="1263219" cy="648000"/>
           </a:xfrm>
           <a:prstGeom prst="line">
             <a:avLst/>
@@ -4573,6 +4334,7 @@
         <p:nvCxnSpPr>
           <p:cNvPr id="21" name="直接连接符 20"/>
           <p:cNvCxnSpPr>
+            <a:cxnSpLocks/>
             <a:stCxn id="15" idx="6"/>
             <a:endCxn id="17" idx="2"/>
           </p:cNvCxnSpPr>
@@ -4580,8 +4342,8 @@
         </p:nvCxnSpPr>
         <p:spPr>
           <a:xfrm>
-            <a:off x="2577906" y="4251748"/>
-            <a:ext cx="1309971" cy="863119"/>
+            <a:off x="3771319" y="1805284"/>
+            <a:ext cx="1277190" cy="863119"/>
           </a:xfrm>
           <a:prstGeom prst="line">
             <a:avLst/>
@@ -4607,6 +4369,7 @@
         <p:nvCxnSpPr>
           <p:cNvPr id="22" name="直接连接符 21"/>
           <p:cNvCxnSpPr>
+            <a:cxnSpLocks/>
             <a:stCxn id="17" idx="6"/>
             <a:endCxn id="16" idx="2"/>
           </p:cNvCxnSpPr>
@@ -4614,7 +4377,7 @@
         </p:nvCxnSpPr>
         <p:spPr>
           <a:xfrm flipV="1">
-            <a:off x="5183877" y="4251748"/>
+            <a:off x="6344509" y="1805284"/>
             <a:ext cx="1277190" cy="863119"/>
           </a:xfrm>
           <a:prstGeom prst="line">
@@ -4641,6 +4404,7 @@
         <p:nvCxnSpPr>
           <p:cNvPr id="23" name="直接连接符 22"/>
           <p:cNvCxnSpPr>
+            <a:cxnSpLocks/>
             <a:stCxn id="16" idx="2"/>
             <a:endCxn id="18" idx="6"/>
           </p:cNvCxnSpPr>
@@ -4648,7 +4412,7 @@
         </p:nvCxnSpPr>
         <p:spPr>
           <a:xfrm flipH="1" flipV="1">
-            <a:off x="5169906" y="3603748"/>
+            <a:off x="6330538" y="1157284"/>
             <a:ext cx="1291161" cy="648000"/>
           </a:xfrm>
           <a:prstGeom prst="line">
@@ -4671,6 +4435,411 @@
           </a:fontRef>
         </p:style>
       </p:cxnSp>
+      <p:grpSp>
+        <p:nvGrpSpPr>
+          <p:cNvPr id="29" name="组合 28">
+            <a:extLst>
+              <a:ext uri="{FF2B5EF4-FFF2-40B4-BE49-F238E27FC236}">
+                <a16:creationId xmlns:a16="http://schemas.microsoft.com/office/drawing/2014/main" id="{3EAF4A9A-8AC7-4206-9252-E9670855CF26}"/>
+              </a:ext>
+            </a:extLst>
+          </p:cNvPr>
+          <p:cNvGrpSpPr/>
+          <p:nvPr/>
+        </p:nvGrpSpPr>
+        <p:grpSpPr>
+          <a:xfrm>
+            <a:off x="5505032" y="4331034"/>
+            <a:ext cx="3834106" cy="1945329"/>
+            <a:chOff x="2078168" y="1083133"/>
+            <a:chExt cx="3834106" cy="1945329"/>
+          </a:xfrm>
+        </p:grpSpPr>
+        <p:sp>
+          <p:nvSpPr>
+            <p:cNvPr id="2" name="矩形 1"/>
+            <p:cNvSpPr/>
+            <p:nvPr/>
+          </p:nvSpPr>
+          <p:spPr>
+            <a:xfrm>
+              <a:off x="2322687" y="1804629"/>
+              <a:ext cx="576000" cy="576000"/>
+            </a:xfrm>
+            <a:prstGeom prst="rect">
+              <a:avLst/>
+            </a:prstGeom>
+          </p:spPr>
+          <p:style>
+            <a:lnRef idx="2">
+              <a:schemeClr val="accent6">
+                <a:shade val="50000"/>
+              </a:schemeClr>
+            </a:lnRef>
+            <a:fillRef idx="1">
+              <a:schemeClr val="accent6"/>
+            </a:fillRef>
+            <a:effectRef idx="0">
+              <a:schemeClr val="accent6"/>
+            </a:effectRef>
+            <a:fontRef idx="minor">
+              <a:schemeClr val="lt1"/>
+            </a:fontRef>
+          </p:style>
+          <p:txBody>
+            <a:bodyPr rtlCol="0" anchor="ctr"/>
+            <a:lstStyle/>
+            <a:p>
+              <a:pPr algn="ctr"/>
+              <a:r>
+                <a:rPr lang="en-US" altLang="zh-CN" dirty="0"/>
+                <a:t>50</a:t>
+              </a:r>
+              <a:endParaRPr lang="zh-CN" altLang="en-US" dirty="0"/>
+            </a:p>
+          </p:txBody>
+        </p:sp>
+        <p:sp>
+          <p:nvSpPr>
+            <p:cNvPr id="8" name="矩形 7"/>
+            <p:cNvSpPr/>
+            <p:nvPr/>
+          </p:nvSpPr>
+          <p:spPr>
+            <a:xfrm>
+              <a:off x="3589976" y="1228629"/>
+              <a:ext cx="576000" cy="576000"/>
+            </a:xfrm>
+            <a:prstGeom prst="rect">
+              <a:avLst/>
+            </a:prstGeom>
+          </p:spPr>
+          <p:style>
+            <a:lnRef idx="2">
+              <a:schemeClr val="accent6">
+                <a:shade val="50000"/>
+              </a:schemeClr>
+            </a:lnRef>
+            <a:fillRef idx="1">
+              <a:schemeClr val="accent6"/>
+            </a:fillRef>
+            <a:effectRef idx="0">
+              <a:schemeClr val="accent6"/>
+            </a:effectRef>
+            <a:fontRef idx="minor">
+              <a:schemeClr val="lt1"/>
+            </a:fontRef>
+          </p:style>
+          <p:txBody>
+            <a:bodyPr rtlCol="0" anchor="ctr"/>
+            <a:lstStyle/>
+            <a:p>
+              <a:pPr algn="ctr"/>
+              <a:r>
+                <a:rPr lang="en-US" altLang="zh-CN" dirty="0"/>
+                <a:t>60</a:t>
+              </a:r>
+              <a:endParaRPr lang="zh-CN" altLang="en-US" dirty="0"/>
+            </a:p>
+          </p:txBody>
+        </p:sp>
+        <p:sp>
+          <p:nvSpPr>
+            <p:cNvPr id="9" name="矩形 8"/>
+            <p:cNvSpPr/>
+            <p:nvPr/>
+          </p:nvSpPr>
+          <p:spPr>
+            <a:xfrm>
+              <a:off x="4925643" y="1804629"/>
+              <a:ext cx="576000" cy="576000"/>
+            </a:xfrm>
+            <a:prstGeom prst="rect">
+              <a:avLst/>
+            </a:prstGeom>
+          </p:spPr>
+          <p:style>
+            <a:lnRef idx="2">
+              <a:schemeClr val="accent6">
+                <a:shade val="50000"/>
+              </a:schemeClr>
+            </a:lnRef>
+            <a:fillRef idx="1">
+              <a:schemeClr val="accent6"/>
+            </a:fillRef>
+            <a:effectRef idx="0">
+              <a:schemeClr val="accent6"/>
+            </a:effectRef>
+            <a:fontRef idx="minor">
+              <a:schemeClr val="lt1"/>
+            </a:fontRef>
+          </p:style>
+          <p:txBody>
+            <a:bodyPr rtlCol="0" anchor="ctr"/>
+            <a:lstStyle/>
+            <a:p>
+              <a:pPr algn="ctr"/>
+              <a:r>
+                <a:rPr lang="en-US" altLang="zh-CN" dirty="0"/>
+                <a:t>70</a:t>
+              </a:r>
+              <a:endParaRPr lang="zh-CN" altLang="en-US" dirty="0"/>
+            </a:p>
+          </p:txBody>
+        </p:sp>
+        <p:cxnSp>
+          <p:nvCxnSpPr>
+            <p:cNvPr id="11" name="直接箭头连接符 10"/>
+            <p:cNvCxnSpPr>
+              <a:stCxn id="2" idx="3"/>
+              <a:endCxn id="8" idx="1"/>
+            </p:cNvCxnSpPr>
+            <p:nvPr/>
+          </p:nvCxnSpPr>
+          <p:spPr>
+            <a:xfrm flipV="1">
+              <a:off x="2898687" y="1516629"/>
+              <a:ext cx="691289" cy="576000"/>
+            </a:xfrm>
+            <a:prstGeom prst="straightConnector1">
+              <a:avLst/>
+            </a:prstGeom>
+            <a:ln w="19050">
+              <a:tailEnd type="triangle"/>
+            </a:ln>
+          </p:spPr>
+          <p:style>
+            <a:lnRef idx="1">
+              <a:schemeClr val="accent6"/>
+            </a:lnRef>
+            <a:fillRef idx="0">
+              <a:schemeClr val="accent6"/>
+            </a:fillRef>
+            <a:effectRef idx="0">
+              <a:schemeClr val="accent6"/>
+            </a:effectRef>
+            <a:fontRef idx="minor">
+              <a:schemeClr val="tx1"/>
+            </a:fontRef>
+          </p:style>
+        </p:cxnSp>
+        <p:cxnSp>
+          <p:nvCxnSpPr>
+            <p:cNvPr id="12" name="直接箭头连接符 11"/>
+            <p:cNvCxnSpPr>
+              <a:stCxn id="8" idx="3"/>
+              <a:endCxn id="9" idx="1"/>
+            </p:cNvCxnSpPr>
+            <p:nvPr/>
+          </p:nvCxnSpPr>
+          <p:spPr>
+            <a:xfrm>
+              <a:off x="4165976" y="1516629"/>
+              <a:ext cx="759667" cy="576000"/>
+            </a:xfrm>
+            <a:prstGeom prst="straightConnector1">
+              <a:avLst/>
+            </a:prstGeom>
+            <a:ln w="19050">
+              <a:tailEnd type="triangle"/>
+            </a:ln>
+          </p:spPr>
+          <p:style>
+            <a:lnRef idx="1">
+              <a:schemeClr val="accent6"/>
+            </a:lnRef>
+            <a:fillRef idx="0">
+              <a:schemeClr val="accent6"/>
+            </a:fillRef>
+            <a:effectRef idx="0">
+              <a:schemeClr val="accent6"/>
+            </a:effectRef>
+            <a:fontRef idx="minor">
+              <a:schemeClr val="tx1"/>
+            </a:fontRef>
+          </p:style>
+        </p:cxnSp>
+        <p:cxnSp>
+          <p:nvCxnSpPr>
+            <p:cNvPr id="19" name="直接箭头连接符 18">
+              <a:extLst>
+                <a:ext uri="{FF2B5EF4-FFF2-40B4-BE49-F238E27FC236}">
+                  <a16:creationId xmlns:a16="http://schemas.microsoft.com/office/drawing/2014/main" id="{D44A5360-80C9-4037-A61C-460D8E70C480}"/>
+                </a:ext>
+              </a:extLst>
+            </p:cNvPr>
+            <p:cNvCxnSpPr>
+              <a:cxnSpLocks/>
+              <a:stCxn id="26" idx="2"/>
+            </p:cNvCxnSpPr>
+            <p:nvPr/>
+          </p:nvCxnSpPr>
+          <p:spPr>
+            <a:xfrm>
+              <a:off x="3995221" y="2631084"/>
+              <a:ext cx="252493" cy="397378"/>
+            </a:xfrm>
+            <a:prstGeom prst="straightConnector1">
+              <a:avLst/>
+            </a:prstGeom>
+            <a:ln>
+              <a:tailEnd type="triangle"/>
+            </a:ln>
+          </p:spPr>
+          <p:style>
+            <a:lnRef idx="3">
+              <a:schemeClr val="dk1"/>
+            </a:lnRef>
+            <a:fillRef idx="0">
+              <a:schemeClr val="dk1"/>
+            </a:fillRef>
+            <a:effectRef idx="2">
+              <a:schemeClr val="dk1"/>
+            </a:effectRef>
+            <a:fontRef idx="minor">
+              <a:schemeClr val="tx1"/>
+            </a:fontRef>
+          </p:style>
+        </p:cxnSp>
+        <p:sp>
+          <p:nvSpPr>
+            <p:cNvPr id="24" name="文本框 23">
+              <a:extLst>
+                <a:ext uri="{FF2B5EF4-FFF2-40B4-BE49-F238E27FC236}">
+                  <a16:creationId xmlns:a16="http://schemas.microsoft.com/office/drawing/2014/main" id="{835AAF0A-3EF0-4B70-ADCD-1311A34254E4}"/>
+                </a:ext>
+              </a:extLst>
+            </p:cNvPr>
+            <p:cNvSpPr txBox="1"/>
+            <p:nvPr/>
+          </p:nvSpPr>
+          <p:spPr>
+            <a:xfrm>
+              <a:off x="4247714" y="2622940"/>
+              <a:ext cx="736099" cy="369332"/>
+            </a:xfrm>
+            <a:prstGeom prst="rect">
+              <a:avLst/>
+            </a:prstGeom>
+            <a:noFill/>
+          </p:spPr>
+          <p:txBody>
+            <a:bodyPr wrap="none" rtlCol="0">
+              <a:spAutoFit/>
+            </a:bodyPr>
+            <a:lstStyle/>
+            <a:p>
+              <a:r>
+                <a:rPr lang="en-US" altLang="zh-CN" i="1" dirty="0">
+                  <a:latin typeface="Arial" panose="020B0604020202020204" pitchFamily="34" charset="0"/>
+                  <a:cs typeface="Arial" panose="020B0604020202020204" pitchFamily="34" charset="0"/>
+                </a:rPr>
+                <a:t>place</a:t>
+              </a:r>
+              <a:endParaRPr lang="zh-CN" altLang="en-US" i="1" dirty="0">
+                <a:latin typeface="Arial" panose="020B0604020202020204" pitchFamily="34" charset="0"/>
+                <a:cs typeface="Arial" panose="020B0604020202020204" pitchFamily="34" charset="0"/>
+              </a:endParaRPr>
+            </a:p>
+          </p:txBody>
+        </p:sp>
+        <p:sp>
+          <p:nvSpPr>
+            <p:cNvPr id="26" name="矩形 25">
+              <a:extLst>
+                <a:ext uri="{FF2B5EF4-FFF2-40B4-BE49-F238E27FC236}">
+                  <a16:creationId xmlns:a16="http://schemas.microsoft.com/office/drawing/2014/main" id="{832ABF27-8963-4BA3-900C-5C8DF9EC45EC}"/>
+                </a:ext>
+              </a:extLst>
+            </p:cNvPr>
+            <p:cNvSpPr/>
+            <p:nvPr/>
+          </p:nvSpPr>
+          <p:spPr>
+            <a:xfrm>
+              <a:off x="2078168" y="1083133"/>
+              <a:ext cx="3834106" cy="1547951"/>
+            </a:xfrm>
+            <a:prstGeom prst="rect">
+              <a:avLst/>
+            </a:prstGeom>
+            <a:noFill/>
+            <a:ln w="12700">
+              <a:prstDash val="dash"/>
+            </a:ln>
+          </p:spPr>
+          <p:style>
+            <a:lnRef idx="2">
+              <a:schemeClr val="dk1"/>
+            </a:lnRef>
+            <a:fillRef idx="1">
+              <a:schemeClr val="lt1"/>
+            </a:fillRef>
+            <a:effectRef idx="0">
+              <a:schemeClr val="dk1"/>
+            </a:effectRef>
+            <a:fontRef idx="minor">
+              <a:schemeClr val="dk1"/>
+            </a:fontRef>
+          </p:style>
+          <p:txBody>
+            <a:bodyPr rtlCol="0" anchor="ctr"/>
+            <a:lstStyle/>
+            <a:p>
+              <a:pPr algn="ctr"/>
+              <a:endParaRPr lang="zh-CN" altLang="en-US"/>
+            </a:p>
+          </p:txBody>
+        </p:sp>
+      </p:grpSp>
+      <p:sp>
+        <p:nvSpPr>
+          <p:cNvPr id="28" name="矩形 27">
+            <a:extLst>
+              <a:ext uri="{FF2B5EF4-FFF2-40B4-BE49-F238E27FC236}">
+                <a16:creationId xmlns:a16="http://schemas.microsoft.com/office/drawing/2014/main" id="{FDBDF632-7CA2-4A5F-9CE9-8065FB675F8F}"/>
+              </a:ext>
+            </a:extLst>
+          </p:cNvPr>
+          <p:cNvSpPr/>
+          <p:nvPr/>
+        </p:nvSpPr>
+        <p:spPr>
+          <a:xfrm>
+            <a:off x="2157652" y="255250"/>
+            <a:ext cx="7294900" cy="3173750"/>
+          </a:xfrm>
+          <a:prstGeom prst="rect">
+            <a:avLst/>
+          </a:prstGeom>
+          <a:noFill/>
+          <a:ln w="12700">
+            <a:prstDash val="solid"/>
+          </a:ln>
+        </p:spPr>
+        <p:style>
+          <a:lnRef idx="2">
+            <a:schemeClr val="dk1"/>
+          </a:lnRef>
+          <a:fillRef idx="1">
+            <a:schemeClr val="lt1"/>
+          </a:fillRef>
+          <a:effectRef idx="0">
+            <a:schemeClr val="dk1"/>
+          </a:effectRef>
+          <a:fontRef idx="minor">
+            <a:schemeClr val="dk1"/>
+          </a:fontRef>
+        </p:style>
+        <p:txBody>
+          <a:bodyPr rtlCol="0" anchor="ctr"/>
+          <a:lstStyle/>
+          <a:p>
+            <a:pPr algn="ctr"/>
+            <a:endParaRPr lang="zh-CN" altLang="en-US"/>
+          </a:p>
+        </p:txBody>
+      </p:sp>
     </p:spTree>
     <p:extLst>
       <p:ext uri="{BB962C8B-B14F-4D97-AF65-F5344CB8AC3E}">
@@ -4703,21 +4872,18 @@
       </p:grpSpPr>
       <p:sp>
         <p:nvSpPr>
-          <p:cNvPr id="4" name="矩形 3"/>
+          <p:cNvPr id="15" name="椭圆 14"/>
           <p:cNvSpPr/>
           <p:nvPr/>
         </p:nvSpPr>
         <p:spPr>
           <a:xfrm>
-            <a:off x="1521400" y="2696473"/>
-            <a:ext cx="1585695" cy="972929"/>
-          </a:xfrm>
-          <a:prstGeom prst="rect">
+            <a:off x="3465521" y="1933902"/>
+            <a:ext cx="887698" cy="887698"/>
+          </a:xfrm>
+          <a:prstGeom prst="ellipse">
             <a:avLst/>
           </a:prstGeom>
-          <a:solidFill>
-            <a:srgbClr val="9DC3E6"/>
-          </a:solidFill>
         </p:spPr>
         <p:style>
           <a:lnRef idx="2">
@@ -4741,7 +4907,1921 @@
           <a:p>
             <a:pPr algn="ctr"/>
             <a:r>
-              <a:rPr lang="en-US" altLang="zh-CN" dirty="0" smtClean="0">
+              <a:rPr lang="en-US" altLang="zh-CN" dirty="0"/>
+              <a:t>100</a:t>
+            </a:r>
+            <a:endParaRPr lang="zh-CN" altLang="en-US" dirty="0"/>
+          </a:p>
+        </p:txBody>
+      </p:sp>
+      <p:sp>
+        <p:nvSpPr>
+          <p:cNvPr id="16" name="椭圆 15"/>
+          <p:cNvSpPr/>
+          <p:nvPr/>
+        </p:nvSpPr>
+        <p:spPr>
+          <a:xfrm>
+            <a:off x="7294482" y="1933902"/>
+            <a:ext cx="887698" cy="887698"/>
+          </a:xfrm>
+          <a:prstGeom prst="ellipse">
+            <a:avLst/>
+          </a:prstGeom>
+        </p:spPr>
+        <p:style>
+          <a:lnRef idx="2">
+            <a:schemeClr val="accent1">
+              <a:shade val="50000"/>
+            </a:schemeClr>
+          </a:lnRef>
+          <a:fillRef idx="1">
+            <a:schemeClr val="accent1"/>
+          </a:fillRef>
+          <a:effectRef idx="0">
+            <a:schemeClr val="accent1"/>
+          </a:effectRef>
+          <a:fontRef idx="minor">
+            <a:schemeClr val="lt1"/>
+          </a:fontRef>
+        </p:style>
+        <p:txBody>
+          <a:bodyPr rtlCol="0" anchor="ctr"/>
+          <a:lstStyle/>
+          <a:p>
+            <a:pPr algn="ctr"/>
+            <a:r>
+              <a:rPr lang="en-US" altLang="zh-CN" dirty="0"/>
+              <a:t>130</a:t>
+            </a:r>
+            <a:endParaRPr lang="zh-CN" altLang="en-US" dirty="0"/>
+          </a:p>
+        </p:txBody>
+      </p:sp>
+      <p:sp>
+        <p:nvSpPr>
+          <p:cNvPr id="17" name="椭圆 16"/>
+          <p:cNvSpPr/>
+          <p:nvPr/>
+        </p:nvSpPr>
+        <p:spPr>
+          <a:xfrm>
+            <a:off x="5322810" y="2488157"/>
+            <a:ext cx="887698" cy="887698"/>
+          </a:xfrm>
+          <a:prstGeom prst="ellipse">
+            <a:avLst/>
+          </a:prstGeom>
+        </p:spPr>
+        <p:style>
+          <a:lnRef idx="2">
+            <a:schemeClr val="accent1">
+              <a:shade val="50000"/>
+            </a:schemeClr>
+          </a:lnRef>
+          <a:fillRef idx="1">
+            <a:schemeClr val="accent1"/>
+          </a:fillRef>
+          <a:effectRef idx="0">
+            <a:schemeClr val="accent1"/>
+          </a:effectRef>
+          <a:fontRef idx="minor">
+            <a:schemeClr val="lt1"/>
+          </a:fontRef>
+        </p:style>
+        <p:txBody>
+          <a:bodyPr rtlCol="0" anchor="ctr"/>
+          <a:lstStyle/>
+          <a:p>
+            <a:pPr algn="ctr"/>
+            <a:r>
+              <a:rPr lang="en-US" altLang="zh-CN" dirty="0"/>
+              <a:t>120</a:t>
+            </a:r>
+            <a:endParaRPr lang="zh-CN" altLang="en-US" dirty="0"/>
+          </a:p>
+        </p:txBody>
+      </p:sp>
+      <p:sp>
+        <p:nvSpPr>
+          <p:cNvPr id="18" name="椭圆 17"/>
+          <p:cNvSpPr/>
+          <p:nvPr/>
+        </p:nvSpPr>
+        <p:spPr>
+          <a:xfrm>
+            <a:off x="5339055" y="1378582"/>
+            <a:ext cx="887698" cy="887698"/>
+          </a:xfrm>
+          <a:prstGeom prst="ellipse">
+            <a:avLst/>
+          </a:prstGeom>
+        </p:spPr>
+        <p:style>
+          <a:lnRef idx="2">
+            <a:schemeClr val="accent1">
+              <a:shade val="50000"/>
+            </a:schemeClr>
+          </a:lnRef>
+          <a:fillRef idx="1">
+            <a:schemeClr val="accent1"/>
+          </a:fillRef>
+          <a:effectRef idx="0">
+            <a:schemeClr val="accent1"/>
+          </a:effectRef>
+          <a:fontRef idx="minor">
+            <a:schemeClr val="lt1"/>
+          </a:fontRef>
+        </p:style>
+        <p:txBody>
+          <a:bodyPr rtlCol="0" anchor="ctr"/>
+          <a:lstStyle/>
+          <a:p>
+            <a:pPr algn="ctr"/>
+            <a:r>
+              <a:rPr lang="en-US" altLang="zh-CN" dirty="0"/>
+              <a:t>150</a:t>
+            </a:r>
+            <a:endParaRPr lang="zh-CN" altLang="en-US" dirty="0"/>
+          </a:p>
+        </p:txBody>
+      </p:sp>
+      <p:cxnSp>
+        <p:nvCxnSpPr>
+          <p:cNvPr id="20" name="直接连接符 19"/>
+          <p:cNvCxnSpPr>
+            <a:cxnSpLocks/>
+            <a:stCxn id="15" idx="6"/>
+            <a:endCxn id="18" idx="2"/>
+          </p:cNvCxnSpPr>
+          <p:nvPr/>
+        </p:nvCxnSpPr>
+        <p:spPr>
+          <a:xfrm flipV="1">
+            <a:off x="4353219" y="1822431"/>
+            <a:ext cx="985836" cy="555320"/>
+          </a:xfrm>
+          <a:prstGeom prst="line">
+            <a:avLst/>
+          </a:prstGeom>
+          <a:ln w="19050"/>
+        </p:spPr>
+        <p:style>
+          <a:lnRef idx="1">
+            <a:schemeClr val="accent1"/>
+          </a:lnRef>
+          <a:fillRef idx="0">
+            <a:schemeClr val="accent1"/>
+          </a:fillRef>
+          <a:effectRef idx="0">
+            <a:schemeClr val="accent1"/>
+          </a:effectRef>
+          <a:fontRef idx="minor">
+            <a:schemeClr val="tx1"/>
+          </a:fontRef>
+        </p:style>
+      </p:cxnSp>
+      <p:cxnSp>
+        <p:nvCxnSpPr>
+          <p:cNvPr id="21" name="直接连接符 20"/>
+          <p:cNvCxnSpPr>
+            <a:cxnSpLocks/>
+            <a:stCxn id="15" idx="6"/>
+            <a:endCxn id="17" idx="2"/>
+          </p:cNvCxnSpPr>
+          <p:nvPr/>
+        </p:nvCxnSpPr>
+        <p:spPr>
+          <a:xfrm>
+            <a:off x="4353219" y="2377751"/>
+            <a:ext cx="969591" cy="554255"/>
+          </a:xfrm>
+          <a:prstGeom prst="line">
+            <a:avLst/>
+          </a:prstGeom>
+          <a:ln w="19050"/>
+        </p:spPr>
+        <p:style>
+          <a:lnRef idx="1">
+            <a:schemeClr val="accent1"/>
+          </a:lnRef>
+          <a:fillRef idx="0">
+            <a:schemeClr val="accent1"/>
+          </a:fillRef>
+          <a:effectRef idx="0">
+            <a:schemeClr val="accent1"/>
+          </a:effectRef>
+          <a:fontRef idx="minor">
+            <a:schemeClr val="tx1"/>
+          </a:fontRef>
+        </p:style>
+      </p:cxnSp>
+      <p:cxnSp>
+        <p:nvCxnSpPr>
+          <p:cNvPr id="22" name="直接连接符 21"/>
+          <p:cNvCxnSpPr>
+            <a:cxnSpLocks/>
+            <a:stCxn id="17" idx="6"/>
+            <a:endCxn id="16" idx="2"/>
+          </p:cNvCxnSpPr>
+          <p:nvPr/>
+        </p:nvCxnSpPr>
+        <p:spPr>
+          <a:xfrm flipV="1">
+            <a:off x="6210508" y="2377751"/>
+            <a:ext cx="1083974" cy="554255"/>
+          </a:xfrm>
+          <a:prstGeom prst="line">
+            <a:avLst/>
+          </a:prstGeom>
+          <a:ln w="19050"/>
+        </p:spPr>
+        <p:style>
+          <a:lnRef idx="1">
+            <a:schemeClr val="accent1"/>
+          </a:lnRef>
+          <a:fillRef idx="0">
+            <a:schemeClr val="accent1"/>
+          </a:fillRef>
+          <a:effectRef idx="0">
+            <a:schemeClr val="accent1"/>
+          </a:effectRef>
+          <a:fontRef idx="minor">
+            <a:schemeClr val="tx1"/>
+          </a:fontRef>
+        </p:style>
+      </p:cxnSp>
+      <p:cxnSp>
+        <p:nvCxnSpPr>
+          <p:cNvPr id="23" name="直接连接符 22"/>
+          <p:cNvCxnSpPr>
+            <a:cxnSpLocks/>
+            <a:stCxn id="16" idx="2"/>
+            <a:endCxn id="18" idx="6"/>
+          </p:cNvCxnSpPr>
+          <p:nvPr/>
+        </p:nvCxnSpPr>
+        <p:spPr>
+          <a:xfrm flipH="1" flipV="1">
+            <a:off x="6226753" y="1822431"/>
+            <a:ext cx="1067729" cy="555320"/>
+          </a:xfrm>
+          <a:prstGeom prst="line">
+            <a:avLst/>
+          </a:prstGeom>
+          <a:ln w="19050"/>
+        </p:spPr>
+        <p:style>
+          <a:lnRef idx="1">
+            <a:schemeClr val="accent1"/>
+          </a:lnRef>
+          <a:fillRef idx="0">
+            <a:schemeClr val="accent1"/>
+          </a:fillRef>
+          <a:effectRef idx="0">
+            <a:schemeClr val="accent1"/>
+          </a:effectRef>
+          <a:fontRef idx="minor">
+            <a:schemeClr val="tx1"/>
+          </a:fontRef>
+        </p:style>
+      </p:cxnSp>
+      <p:sp>
+        <p:nvSpPr>
+          <p:cNvPr id="28" name="矩形 27">
+            <a:extLst>
+              <a:ext uri="{FF2B5EF4-FFF2-40B4-BE49-F238E27FC236}">
+                <a16:creationId xmlns:a16="http://schemas.microsoft.com/office/drawing/2014/main" id="{FDBDF632-7CA2-4A5F-9CE9-8065FB675F8F}"/>
+              </a:ext>
+            </a:extLst>
+          </p:cNvPr>
+          <p:cNvSpPr/>
+          <p:nvPr/>
+        </p:nvSpPr>
+        <p:spPr>
+          <a:xfrm>
+            <a:off x="3028426" y="184558"/>
+            <a:ext cx="5570290" cy="3599530"/>
+          </a:xfrm>
+          <a:prstGeom prst="rect">
+            <a:avLst/>
+          </a:prstGeom>
+          <a:noFill/>
+          <a:ln w="12700">
+            <a:prstDash val="solid"/>
+          </a:ln>
+        </p:spPr>
+        <p:style>
+          <a:lnRef idx="2">
+            <a:schemeClr val="dk1"/>
+          </a:lnRef>
+          <a:fillRef idx="1">
+            <a:schemeClr val="lt1"/>
+          </a:fillRef>
+          <a:effectRef idx="0">
+            <a:schemeClr val="dk1"/>
+          </a:effectRef>
+          <a:fontRef idx="minor">
+            <a:schemeClr val="dk1"/>
+          </a:fontRef>
+        </p:style>
+        <p:txBody>
+          <a:bodyPr rtlCol="0" anchor="ctr"/>
+          <a:lstStyle/>
+          <a:p>
+            <a:pPr algn="ctr"/>
+            <a:endParaRPr lang="zh-CN" altLang="en-US"/>
+          </a:p>
+        </p:txBody>
+      </p:sp>
+      <p:sp>
+        <p:nvSpPr>
+          <p:cNvPr id="56" name="矩形 55">
+            <a:extLst>
+              <a:ext uri="{FF2B5EF4-FFF2-40B4-BE49-F238E27FC236}">
+                <a16:creationId xmlns:a16="http://schemas.microsoft.com/office/drawing/2014/main" id="{8E47E1E7-6324-44D7-AA4C-48D267E5FDE3}"/>
+              </a:ext>
+            </a:extLst>
+          </p:cNvPr>
+          <p:cNvSpPr/>
+          <p:nvPr/>
+        </p:nvSpPr>
+        <p:spPr>
+          <a:xfrm>
+            <a:off x="3028426" y="4170812"/>
+            <a:ext cx="5570290" cy="2632660"/>
+          </a:xfrm>
+          <a:prstGeom prst="rect">
+            <a:avLst/>
+          </a:prstGeom>
+          <a:noFill/>
+          <a:ln w="12700">
+            <a:prstDash val="solid"/>
+          </a:ln>
+        </p:spPr>
+        <p:style>
+          <a:lnRef idx="2">
+            <a:schemeClr val="dk1"/>
+          </a:lnRef>
+          <a:fillRef idx="1">
+            <a:schemeClr val="lt1"/>
+          </a:fillRef>
+          <a:effectRef idx="0">
+            <a:schemeClr val="dk1"/>
+          </a:effectRef>
+          <a:fontRef idx="minor">
+            <a:schemeClr val="dk1"/>
+          </a:fontRef>
+        </p:style>
+        <p:txBody>
+          <a:bodyPr rtlCol="0" anchor="ctr"/>
+          <a:lstStyle/>
+          <a:p>
+            <a:pPr algn="ctr"/>
+            <a:endParaRPr lang="zh-CN" altLang="en-US"/>
+          </a:p>
+        </p:txBody>
+      </p:sp>
+      <p:cxnSp>
+        <p:nvCxnSpPr>
+          <p:cNvPr id="58" name="直接连接符 57">
+            <a:extLst>
+              <a:ext uri="{FF2B5EF4-FFF2-40B4-BE49-F238E27FC236}">
+                <a16:creationId xmlns:a16="http://schemas.microsoft.com/office/drawing/2014/main" id="{00FE47E5-F772-4D4E-A901-77EF4CF3D90E}"/>
+              </a:ext>
+            </a:extLst>
+          </p:cNvPr>
+          <p:cNvCxnSpPr>
+            <a:cxnSpLocks/>
+          </p:cNvCxnSpPr>
+          <p:nvPr/>
+        </p:nvCxnSpPr>
+        <p:spPr>
+          <a:xfrm>
+            <a:off x="3028426" y="3974285"/>
+            <a:ext cx="5570290" cy="0"/>
+          </a:xfrm>
+          <a:prstGeom prst="line">
+            <a:avLst/>
+          </a:prstGeom>
+          <a:ln>
+            <a:prstDash val="lgDash"/>
+          </a:ln>
+        </p:spPr>
+        <p:style>
+          <a:lnRef idx="3">
+            <a:schemeClr val="accent1"/>
+          </a:lnRef>
+          <a:fillRef idx="0">
+            <a:schemeClr val="accent1"/>
+          </a:fillRef>
+          <a:effectRef idx="2">
+            <a:schemeClr val="accent1"/>
+          </a:effectRef>
+          <a:fontRef idx="minor">
+            <a:schemeClr val="tx1"/>
+          </a:fontRef>
+        </p:style>
+      </p:cxnSp>
+      <p:cxnSp>
+        <p:nvCxnSpPr>
+          <p:cNvPr id="59" name="直接箭头连接符 58">
+            <a:extLst>
+              <a:ext uri="{FF2B5EF4-FFF2-40B4-BE49-F238E27FC236}">
+                <a16:creationId xmlns:a16="http://schemas.microsoft.com/office/drawing/2014/main" id="{D33F44C0-0FBF-447A-B6AE-BB7E4EA5CBBE}"/>
+              </a:ext>
+            </a:extLst>
+          </p:cNvPr>
+          <p:cNvCxnSpPr>
+            <a:cxnSpLocks/>
+            <a:stCxn id="28" idx="2"/>
+            <a:endCxn id="56" idx="0"/>
+          </p:cNvCxnSpPr>
+          <p:nvPr/>
+        </p:nvCxnSpPr>
+        <p:spPr>
+          <a:xfrm>
+            <a:off x="5813571" y="3784088"/>
+            <a:ext cx="0" cy="386724"/>
+          </a:xfrm>
+          <a:prstGeom prst="straightConnector1">
+            <a:avLst/>
+          </a:prstGeom>
+          <a:ln>
+            <a:tailEnd type="triangle"/>
+          </a:ln>
+        </p:spPr>
+        <p:style>
+          <a:lnRef idx="3">
+            <a:schemeClr val="dk1"/>
+          </a:lnRef>
+          <a:fillRef idx="0">
+            <a:schemeClr val="dk1"/>
+          </a:fillRef>
+          <a:effectRef idx="2">
+            <a:schemeClr val="dk1"/>
+          </a:effectRef>
+          <a:fontRef idx="minor">
+            <a:schemeClr val="tx1"/>
+          </a:fontRef>
+        </p:style>
+      </p:cxnSp>
+      <p:grpSp>
+        <p:nvGrpSpPr>
+          <p:cNvPr id="165" name="组合 164">
+            <a:extLst>
+              <a:ext uri="{FF2B5EF4-FFF2-40B4-BE49-F238E27FC236}">
+                <a16:creationId xmlns:a16="http://schemas.microsoft.com/office/drawing/2014/main" id="{25E3DD2A-A724-4BB8-BBD3-5B39FFCCA7B8}"/>
+              </a:ext>
+            </a:extLst>
+          </p:cNvPr>
+          <p:cNvGrpSpPr/>
+          <p:nvPr/>
+        </p:nvGrpSpPr>
+        <p:grpSpPr>
+          <a:xfrm>
+            <a:off x="3465521" y="327373"/>
+            <a:ext cx="2635857" cy="1399359"/>
+            <a:chOff x="2730902" y="68731"/>
+            <a:chExt cx="2635857" cy="1399359"/>
+          </a:xfrm>
+        </p:grpSpPr>
+        <p:grpSp>
+          <p:nvGrpSpPr>
+            <p:cNvPr id="164" name="组合 163">
+              <a:extLst>
+                <a:ext uri="{FF2B5EF4-FFF2-40B4-BE49-F238E27FC236}">
+                  <a16:creationId xmlns:a16="http://schemas.microsoft.com/office/drawing/2014/main" id="{AA228E8E-ECC1-4E93-A1A9-422A5111B85D}"/>
+                </a:ext>
+              </a:extLst>
+            </p:cNvPr>
+            <p:cNvGrpSpPr/>
+            <p:nvPr/>
+          </p:nvGrpSpPr>
+          <p:grpSpPr>
+            <a:xfrm>
+              <a:off x="2730902" y="68731"/>
+              <a:ext cx="2635857" cy="1399359"/>
+              <a:chOff x="2730902" y="68731"/>
+              <a:chExt cx="2635857" cy="1399359"/>
+            </a:xfrm>
+          </p:grpSpPr>
+          <p:grpSp>
+            <p:nvGrpSpPr>
+              <p:cNvPr id="29" name="组合 28">
+                <a:extLst>
+                  <a:ext uri="{FF2B5EF4-FFF2-40B4-BE49-F238E27FC236}">
+                    <a16:creationId xmlns:a16="http://schemas.microsoft.com/office/drawing/2014/main" id="{3EAF4A9A-8AC7-4206-9252-E9670855CF26}"/>
+                  </a:ext>
+                </a:extLst>
+              </p:cNvPr>
+              <p:cNvGrpSpPr/>
+              <p:nvPr/>
+            </p:nvGrpSpPr>
+            <p:grpSpPr>
+              <a:xfrm>
+                <a:off x="2730902" y="68731"/>
+                <a:ext cx="2635857" cy="1399359"/>
+                <a:chOff x="2547176" y="1080081"/>
+                <a:chExt cx="2635857" cy="1399359"/>
+              </a:xfrm>
+            </p:grpSpPr>
+            <p:sp>
+              <p:nvSpPr>
+                <p:cNvPr id="2" name="矩形 1"/>
+                <p:cNvSpPr/>
+                <p:nvPr/>
+              </p:nvSpPr>
+              <p:spPr>
+                <a:xfrm>
+                  <a:off x="2678128" y="1449594"/>
+                  <a:ext cx="576000" cy="411583"/>
+                </a:xfrm>
+                <a:prstGeom prst="rect">
+                  <a:avLst/>
+                </a:prstGeom>
+              </p:spPr>
+              <p:style>
+                <a:lnRef idx="2">
+                  <a:schemeClr val="accent6">
+                    <a:shade val="50000"/>
+                  </a:schemeClr>
+                </a:lnRef>
+                <a:fillRef idx="1">
+                  <a:schemeClr val="accent6"/>
+                </a:fillRef>
+                <a:effectRef idx="0">
+                  <a:schemeClr val="accent6"/>
+                </a:effectRef>
+                <a:fontRef idx="minor">
+                  <a:schemeClr val="lt1"/>
+                </a:fontRef>
+              </p:style>
+              <p:txBody>
+                <a:bodyPr rtlCol="0" anchor="ctr"/>
+                <a:lstStyle/>
+                <a:p>
+                  <a:pPr algn="ctr"/>
+                  <a:r>
+                    <a:rPr lang="en-US" altLang="zh-CN" dirty="0"/>
+                    <a:t>50</a:t>
+                  </a:r>
+                  <a:endParaRPr lang="zh-CN" altLang="en-US" dirty="0"/>
+                </a:p>
+              </p:txBody>
+            </p:sp>
+            <p:sp>
+              <p:nvSpPr>
+                <p:cNvPr id="8" name="矩形 7"/>
+                <p:cNvSpPr/>
+                <p:nvPr/>
+              </p:nvSpPr>
+              <p:spPr>
+                <a:xfrm>
+                  <a:off x="3562628" y="1201271"/>
+                  <a:ext cx="576000" cy="411583"/>
+                </a:xfrm>
+                <a:prstGeom prst="rect">
+                  <a:avLst/>
+                </a:prstGeom>
+              </p:spPr>
+              <p:style>
+                <a:lnRef idx="2">
+                  <a:schemeClr val="accent6">
+                    <a:shade val="50000"/>
+                  </a:schemeClr>
+                </a:lnRef>
+                <a:fillRef idx="1">
+                  <a:schemeClr val="accent6"/>
+                </a:fillRef>
+                <a:effectRef idx="0">
+                  <a:schemeClr val="accent6"/>
+                </a:effectRef>
+                <a:fontRef idx="minor">
+                  <a:schemeClr val="lt1"/>
+                </a:fontRef>
+              </p:style>
+              <p:txBody>
+                <a:bodyPr rtlCol="0" anchor="ctr"/>
+                <a:lstStyle/>
+                <a:p>
+                  <a:pPr algn="ctr"/>
+                  <a:r>
+                    <a:rPr lang="en-US" altLang="zh-CN" dirty="0"/>
+                    <a:t>60</a:t>
+                  </a:r>
+                  <a:endParaRPr lang="zh-CN" altLang="en-US" dirty="0"/>
+                </a:p>
+              </p:txBody>
+            </p:sp>
+            <p:sp>
+              <p:nvSpPr>
+                <p:cNvPr id="9" name="矩形 8"/>
+                <p:cNvSpPr/>
+                <p:nvPr/>
+              </p:nvSpPr>
+              <p:spPr>
+                <a:xfrm>
+                  <a:off x="4469043" y="1449594"/>
+                  <a:ext cx="576000" cy="411583"/>
+                </a:xfrm>
+                <a:prstGeom prst="rect">
+                  <a:avLst/>
+                </a:prstGeom>
+              </p:spPr>
+              <p:style>
+                <a:lnRef idx="2">
+                  <a:schemeClr val="accent6">
+                    <a:shade val="50000"/>
+                  </a:schemeClr>
+                </a:lnRef>
+                <a:fillRef idx="1">
+                  <a:schemeClr val="accent6"/>
+                </a:fillRef>
+                <a:effectRef idx="0">
+                  <a:schemeClr val="accent6"/>
+                </a:effectRef>
+                <a:fontRef idx="minor">
+                  <a:schemeClr val="lt1"/>
+                </a:fontRef>
+              </p:style>
+              <p:txBody>
+                <a:bodyPr rtlCol="0" anchor="ctr"/>
+                <a:lstStyle/>
+                <a:p>
+                  <a:pPr algn="ctr"/>
+                  <a:r>
+                    <a:rPr lang="en-US" altLang="zh-CN" dirty="0"/>
+                    <a:t>70</a:t>
+                  </a:r>
+                  <a:endParaRPr lang="zh-CN" altLang="en-US" dirty="0"/>
+                </a:p>
+              </p:txBody>
+            </p:sp>
+            <p:cxnSp>
+              <p:nvCxnSpPr>
+                <p:cNvPr id="11" name="直接箭头连接符 10"/>
+                <p:cNvCxnSpPr>
+                  <a:cxnSpLocks/>
+                  <a:stCxn id="2" idx="3"/>
+                  <a:endCxn id="8" idx="1"/>
+                </p:cNvCxnSpPr>
+                <p:nvPr/>
+              </p:nvCxnSpPr>
+              <p:spPr>
+                <a:xfrm flipV="1">
+                  <a:off x="3254128" y="1407063"/>
+                  <a:ext cx="308500" cy="248323"/>
+                </a:xfrm>
+                <a:prstGeom prst="straightConnector1">
+                  <a:avLst/>
+                </a:prstGeom>
+                <a:ln w="19050">
+                  <a:tailEnd type="triangle"/>
+                </a:ln>
+              </p:spPr>
+              <p:style>
+                <a:lnRef idx="1">
+                  <a:schemeClr val="accent6"/>
+                </a:lnRef>
+                <a:fillRef idx="0">
+                  <a:schemeClr val="accent6"/>
+                </a:fillRef>
+                <a:effectRef idx="0">
+                  <a:schemeClr val="accent6"/>
+                </a:effectRef>
+                <a:fontRef idx="minor">
+                  <a:schemeClr val="tx1"/>
+                </a:fontRef>
+              </p:style>
+            </p:cxnSp>
+            <p:cxnSp>
+              <p:nvCxnSpPr>
+                <p:cNvPr id="12" name="直接箭头连接符 11"/>
+                <p:cNvCxnSpPr>
+                  <a:cxnSpLocks/>
+                  <a:stCxn id="8" idx="3"/>
+                  <a:endCxn id="9" idx="1"/>
+                </p:cNvCxnSpPr>
+                <p:nvPr/>
+              </p:nvCxnSpPr>
+              <p:spPr>
+                <a:xfrm>
+                  <a:off x="4138628" y="1407063"/>
+                  <a:ext cx="330415" cy="248323"/>
+                </a:xfrm>
+                <a:prstGeom prst="straightConnector1">
+                  <a:avLst/>
+                </a:prstGeom>
+                <a:ln w="19050">
+                  <a:tailEnd type="triangle"/>
+                </a:ln>
+              </p:spPr>
+              <p:style>
+                <a:lnRef idx="1">
+                  <a:schemeClr val="accent6"/>
+                </a:lnRef>
+                <a:fillRef idx="0">
+                  <a:schemeClr val="accent6"/>
+                </a:fillRef>
+                <a:effectRef idx="0">
+                  <a:schemeClr val="accent6"/>
+                </a:effectRef>
+                <a:fontRef idx="minor">
+                  <a:schemeClr val="tx1"/>
+                </a:fontRef>
+              </p:style>
+            </p:cxnSp>
+            <p:cxnSp>
+              <p:nvCxnSpPr>
+                <p:cNvPr id="19" name="直接箭头连接符 18">
+                  <a:extLst>
+                    <a:ext uri="{FF2B5EF4-FFF2-40B4-BE49-F238E27FC236}">
+                      <a16:creationId xmlns:a16="http://schemas.microsoft.com/office/drawing/2014/main" id="{D44A5360-80C9-4037-A61C-460D8E70C480}"/>
+                    </a:ext>
+                  </a:extLst>
+                </p:cNvPr>
+                <p:cNvCxnSpPr>
+                  <a:cxnSpLocks/>
+                </p:cNvCxnSpPr>
+                <p:nvPr/>
+              </p:nvCxnSpPr>
+              <p:spPr>
+                <a:xfrm>
+                  <a:off x="3160251" y="1983698"/>
+                  <a:ext cx="192730" cy="495742"/>
+                </a:xfrm>
+                <a:prstGeom prst="straightConnector1">
+                  <a:avLst/>
+                </a:prstGeom>
+                <a:ln>
+                  <a:tailEnd type="triangle"/>
+                </a:ln>
+              </p:spPr>
+              <p:style>
+                <a:lnRef idx="3">
+                  <a:schemeClr val="dk1"/>
+                </a:lnRef>
+                <a:fillRef idx="0">
+                  <a:schemeClr val="dk1"/>
+                </a:fillRef>
+                <a:effectRef idx="2">
+                  <a:schemeClr val="dk1"/>
+                </a:effectRef>
+                <a:fontRef idx="minor">
+                  <a:schemeClr val="tx1"/>
+                </a:fontRef>
+              </p:style>
+            </p:cxnSp>
+            <p:sp>
+              <p:nvSpPr>
+                <p:cNvPr id="24" name="文本框 23">
+                  <a:extLst>
+                    <a:ext uri="{FF2B5EF4-FFF2-40B4-BE49-F238E27FC236}">
+                      <a16:creationId xmlns:a16="http://schemas.microsoft.com/office/drawing/2014/main" id="{835AAF0A-3EF0-4B70-ADCD-1311A34254E4}"/>
+                    </a:ext>
+                  </a:extLst>
+                </p:cNvPr>
+                <p:cNvSpPr txBox="1"/>
+                <p:nvPr/>
+              </p:nvSpPr>
+              <p:spPr>
+                <a:xfrm>
+                  <a:off x="3268521" y="1980712"/>
+                  <a:ext cx="736099" cy="369332"/>
+                </a:xfrm>
+                <a:prstGeom prst="rect">
+                  <a:avLst/>
+                </a:prstGeom>
+                <a:noFill/>
+              </p:spPr>
+              <p:txBody>
+                <a:bodyPr wrap="none" rtlCol="0">
+                  <a:spAutoFit/>
+                </a:bodyPr>
+                <a:lstStyle/>
+                <a:p>
+                  <a:r>
+                    <a:rPr lang="en-US" altLang="zh-CN" i="1" dirty="0">
+                      <a:latin typeface="Arial" panose="020B0604020202020204" pitchFamily="34" charset="0"/>
+                      <a:cs typeface="Arial" panose="020B0604020202020204" pitchFamily="34" charset="0"/>
+                    </a:rPr>
+                    <a:t>place</a:t>
+                  </a:r>
+                  <a:endParaRPr lang="zh-CN" altLang="en-US" i="1" dirty="0">
+                    <a:latin typeface="Arial" panose="020B0604020202020204" pitchFamily="34" charset="0"/>
+                    <a:cs typeface="Arial" panose="020B0604020202020204" pitchFamily="34" charset="0"/>
+                  </a:endParaRPr>
+                </a:p>
+              </p:txBody>
+            </p:sp>
+            <p:sp>
+              <p:nvSpPr>
+                <p:cNvPr id="26" name="矩形 25">
+                  <a:extLst>
+                    <a:ext uri="{FF2B5EF4-FFF2-40B4-BE49-F238E27FC236}">
+                      <a16:creationId xmlns:a16="http://schemas.microsoft.com/office/drawing/2014/main" id="{832ABF27-8963-4BA3-900C-5C8DF9EC45EC}"/>
+                    </a:ext>
+                  </a:extLst>
+                </p:cNvPr>
+                <p:cNvSpPr/>
+                <p:nvPr/>
+              </p:nvSpPr>
+              <p:spPr>
+                <a:xfrm>
+                  <a:off x="2547176" y="1080081"/>
+                  <a:ext cx="2635857" cy="904301"/>
+                </a:xfrm>
+                <a:prstGeom prst="rect">
+                  <a:avLst/>
+                </a:prstGeom>
+                <a:noFill/>
+                <a:ln w="12700">
+                  <a:prstDash val="dash"/>
+                </a:ln>
+              </p:spPr>
+              <p:style>
+                <a:lnRef idx="2">
+                  <a:schemeClr val="dk1"/>
+                </a:lnRef>
+                <a:fillRef idx="1">
+                  <a:schemeClr val="lt1"/>
+                </a:fillRef>
+                <a:effectRef idx="0">
+                  <a:schemeClr val="dk1"/>
+                </a:effectRef>
+                <a:fontRef idx="minor">
+                  <a:schemeClr val="dk1"/>
+                </a:fontRef>
+              </p:style>
+              <p:txBody>
+                <a:bodyPr rtlCol="0" anchor="ctr"/>
+                <a:lstStyle/>
+                <a:p>
+                  <a:pPr algn="ctr"/>
+                  <a:endParaRPr lang="zh-CN" altLang="en-US"/>
+                </a:p>
+              </p:txBody>
+            </p:sp>
+          </p:grpSp>
+          <p:sp>
+            <p:nvSpPr>
+              <p:cNvPr id="109" name="文本框 108">
+                <a:extLst>
+                  <a:ext uri="{FF2B5EF4-FFF2-40B4-BE49-F238E27FC236}">
+                    <a16:creationId xmlns:a16="http://schemas.microsoft.com/office/drawing/2014/main" id="{758C9BD8-BF25-474B-A2EE-F18C4CACE941}"/>
+                  </a:ext>
+                </a:extLst>
+              </p:cNvPr>
+              <p:cNvSpPr txBox="1"/>
+              <p:nvPr/>
+            </p:nvSpPr>
+            <p:spPr>
+              <a:xfrm>
+                <a:off x="2861854" y="130760"/>
+                <a:ext cx="576000" cy="307777"/>
+              </a:xfrm>
+              <a:prstGeom prst="rect">
+                <a:avLst/>
+              </a:prstGeom>
+              <a:noFill/>
+            </p:spPr>
+            <p:txBody>
+              <a:bodyPr wrap="square" rtlCol="0">
+                <a:spAutoFit/>
+              </a:bodyPr>
+              <a:lstStyle/>
+              <a:p>
+                <a:r>
+                  <a:rPr lang="en-US" altLang="zh-CN" sz="1400" dirty="0"/>
+                  <a:t>NF A</a:t>
+                </a:r>
+                <a:endParaRPr lang="zh-CN" altLang="en-US" sz="1400" dirty="0"/>
+              </a:p>
+            </p:txBody>
+          </p:sp>
+        </p:grpSp>
+        <p:sp>
+          <p:nvSpPr>
+            <p:cNvPr id="110" name="文本框 109">
+              <a:extLst>
+                <a:ext uri="{FF2B5EF4-FFF2-40B4-BE49-F238E27FC236}">
+                  <a16:creationId xmlns:a16="http://schemas.microsoft.com/office/drawing/2014/main" id="{4E454B0A-3BCF-45F2-8B6A-CED330DFDC38}"/>
+                </a:ext>
+              </a:extLst>
+            </p:cNvPr>
+            <p:cNvSpPr txBox="1"/>
+            <p:nvPr/>
+          </p:nvSpPr>
+          <p:spPr>
+            <a:xfrm>
+              <a:off x="3735058" y="601504"/>
+              <a:ext cx="576000" cy="307777"/>
+            </a:xfrm>
+            <a:prstGeom prst="rect">
+              <a:avLst/>
+            </a:prstGeom>
+            <a:noFill/>
+          </p:spPr>
+          <p:txBody>
+            <a:bodyPr wrap="square" rtlCol="0">
+              <a:spAutoFit/>
+            </a:bodyPr>
+            <a:lstStyle/>
+            <a:p>
+              <a:r>
+                <a:rPr lang="en-US" altLang="zh-CN" sz="1400" dirty="0"/>
+                <a:t>NF B</a:t>
+              </a:r>
+              <a:endParaRPr lang="zh-CN" altLang="en-US" sz="1400" dirty="0"/>
+            </a:p>
+          </p:txBody>
+        </p:sp>
+        <p:sp>
+          <p:nvSpPr>
+            <p:cNvPr id="111" name="文本框 110">
+              <a:extLst>
+                <a:ext uri="{FF2B5EF4-FFF2-40B4-BE49-F238E27FC236}">
+                  <a16:creationId xmlns:a16="http://schemas.microsoft.com/office/drawing/2014/main" id="{5BBFC2AC-C247-46EA-9A0D-566237893AB1}"/>
+                </a:ext>
+              </a:extLst>
+            </p:cNvPr>
+            <p:cNvSpPr txBox="1"/>
+            <p:nvPr/>
+          </p:nvSpPr>
+          <p:spPr>
+            <a:xfrm>
+              <a:off x="4654305" y="131489"/>
+              <a:ext cx="576000" cy="307777"/>
+            </a:xfrm>
+            <a:prstGeom prst="rect">
+              <a:avLst/>
+            </a:prstGeom>
+            <a:noFill/>
+          </p:spPr>
+          <p:txBody>
+            <a:bodyPr wrap="square" rtlCol="0">
+              <a:spAutoFit/>
+            </a:bodyPr>
+            <a:lstStyle/>
+            <a:p>
+              <a:r>
+                <a:rPr lang="en-US" altLang="zh-CN" sz="1400" dirty="0"/>
+                <a:t>NF C</a:t>
+              </a:r>
+              <a:endParaRPr lang="zh-CN" altLang="en-US" sz="1400" dirty="0"/>
+            </a:p>
+          </p:txBody>
+        </p:sp>
+      </p:grpSp>
+      <p:sp>
+        <p:nvSpPr>
+          <p:cNvPr id="112" name="文本框 111">
+            <a:extLst>
+              <a:ext uri="{FF2B5EF4-FFF2-40B4-BE49-F238E27FC236}">
+                <a16:creationId xmlns:a16="http://schemas.microsoft.com/office/drawing/2014/main" id="{AFC5FA2A-933F-4EE9-A3C8-74DE2CF02B31}"/>
+              </a:ext>
+            </a:extLst>
+          </p:cNvPr>
+          <p:cNvSpPr txBox="1"/>
+          <p:nvPr/>
+        </p:nvSpPr>
+        <p:spPr>
+          <a:xfrm>
+            <a:off x="3496386" y="2858738"/>
+            <a:ext cx="825968" cy="307777"/>
+          </a:xfrm>
+          <a:prstGeom prst="rect">
+            <a:avLst/>
+          </a:prstGeom>
+          <a:noFill/>
+        </p:spPr>
+        <p:txBody>
+          <a:bodyPr wrap="square" rtlCol="0">
+            <a:spAutoFit/>
+          </a:bodyPr>
+          <a:lstStyle/>
+          <a:p>
+            <a:pPr algn="ctr"/>
+            <a:r>
+              <a:rPr lang="en-US" altLang="zh-CN" sz="1400" dirty="0"/>
+              <a:t>Node A</a:t>
+            </a:r>
+            <a:endParaRPr lang="zh-CN" altLang="en-US" sz="1400" dirty="0"/>
+          </a:p>
+        </p:txBody>
+      </p:sp>
+      <p:sp>
+        <p:nvSpPr>
+          <p:cNvPr id="113" name="文本框 112">
+            <a:extLst>
+              <a:ext uri="{FF2B5EF4-FFF2-40B4-BE49-F238E27FC236}">
+                <a16:creationId xmlns:a16="http://schemas.microsoft.com/office/drawing/2014/main" id="{E89F80E4-8A1C-4900-9FCE-D506011538C2}"/>
+              </a:ext>
+            </a:extLst>
+          </p:cNvPr>
+          <p:cNvSpPr txBox="1"/>
+          <p:nvPr/>
+        </p:nvSpPr>
+        <p:spPr>
+          <a:xfrm>
+            <a:off x="5376057" y="2222205"/>
+            <a:ext cx="825968" cy="307777"/>
+          </a:xfrm>
+          <a:prstGeom prst="rect">
+            <a:avLst/>
+          </a:prstGeom>
+          <a:noFill/>
+        </p:spPr>
+        <p:txBody>
+          <a:bodyPr wrap="square" rtlCol="0">
+            <a:spAutoFit/>
+          </a:bodyPr>
+          <a:lstStyle/>
+          <a:p>
+            <a:pPr algn="ctr"/>
+            <a:r>
+              <a:rPr lang="en-US" altLang="zh-CN" sz="1400" dirty="0"/>
+              <a:t>Node B</a:t>
+            </a:r>
+            <a:endParaRPr lang="zh-CN" altLang="en-US" sz="1400" dirty="0"/>
+          </a:p>
+        </p:txBody>
+      </p:sp>
+      <p:sp>
+        <p:nvSpPr>
+          <p:cNvPr id="114" name="文本框 113">
+            <a:extLst>
+              <a:ext uri="{FF2B5EF4-FFF2-40B4-BE49-F238E27FC236}">
+                <a16:creationId xmlns:a16="http://schemas.microsoft.com/office/drawing/2014/main" id="{7A81C3B8-7A92-499E-B801-F8E78F36959A}"/>
+              </a:ext>
+            </a:extLst>
+          </p:cNvPr>
+          <p:cNvSpPr txBox="1"/>
+          <p:nvPr/>
+        </p:nvSpPr>
+        <p:spPr>
+          <a:xfrm>
+            <a:off x="5353675" y="3342432"/>
+            <a:ext cx="825968" cy="307777"/>
+          </a:xfrm>
+          <a:prstGeom prst="rect">
+            <a:avLst/>
+          </a:prstGeom>
+          <a:noFill/>
+        </p:spPr>
+        <p:txBody>
+          <a:bodyPr wrap="square" rtlCol="0">
+            <a:spAutoFit/>
+          </a:bodyPr>
+          <a:lstStyle/>
+          <a:p>
+            <a:pPr algn="ctr"/>
+            <a:r>
+              <a:rPr lang="en-US" altLang="zh-CN" sz="1400" dirty="0"/>
+              <a:t>Node C</a:t>
+            </a:r>
+            <a:endParaRPr lang="zh-CN" altLang="en-US" sz="1400" dirty="0"/>
+          </a:p>
+        </p:txBody>
+      </p:sp>
+      <p:sp>
+        <p:nvSpPr>
+          <p:cNvPr id="115" name="文本框 114">
+            <a:extLst>
+              <a:ext uri="{FF2B5EF4-FFF2-40B4-BE49-F238E27FC236}">
+                <a16:creationId xmlns:a16="http://schemas.microsoft.com/office/drawing/2014/main" id="{7D7D0039-1D9C-4B2B-8FC2-AF5AB71DEDA8}"/>
+              </a:ext>
+            </a:extLst>
+          </p:cNvPr>
+          <p:cNvSpPr txBox="1"/>
+          <p:nvPr/>
+        </p:nvSpPr>
+        <p:spPr>
+          <a:xfrm>
+            <a:off x="7345914" y="2778117"/>
+            <a:ext cx="825968" cy="307777"/>
+          </a:xfrm>
+          <a:prstGeom prst="rect">
+            <a:avLst/>
+          </a:prstGeom>
+          <a:noFill/>
+        </p:spPr>
+        <p:txBody>
+          <a:bodyPr wrap="square" rtlCol="0">
+            <a:spAutoFit/>
+          </a:bodyPr>
+          <a:lstStyle/>
+          <a:p>
+            <a:pPr algn="ctr"/>
+            <a:r>
+              <a:rPr lang="en-US" altLang="zh-CN" sz="1400" dirty="0"/>
+              <a:t>Node D</a:t>
+            </a:r>
+            <a:endParaRPr lang="zh-CN" altLang="en-US" sz="1400" dirty="0"/>
+          </a:p>
+        </p:txBody>
+      </p:sp>
+      <p:sp>
+        <p:nvSpPr>
+          <p:cNvPr id="134" name="椭圆 133">
+            <a:extLst>
+              <a:ext uri="{FF2B5EF4-FFF2-40B4-BE49-F238E27FC236}">
+                <a16:creationId xmlns:a16="http://schemas.microsoft.com/office/drawing/2014/main" id="{FBB2EE7B-5275-44D2-9E9C-68049499D74C}"/>
+              </a:ext>
+            </a:extLst>
+          </p:cNvPr>
+          <p:cNvSpPr/>
+          <p:nvPr/>
+        </p:nvSpPr>
+        <p:spPr>
+          <a:xfrm>
+            <a:off x="3465521" y="4967529"/>
+            <a:ext cx="887698" cy="887698"/>
+          </a:xfrm>
+          <a:prstGeom prst="ellipse">
+            <a:avLst/>
+          </a:prstGeom>
+        </p:spPr>
+        <p:style>
+          <a:lnRef idx="2">
+            <a:schemeClr val="accent1">
+              <a:shade val="50000"/>
+            </a:schemeClr>
+          </a:lnRef>
+          <a:fillRef idx="1">
+            <a:schemeClr val="accent1"/>
+          </a:fillRef>
+          <a:effectRef idx="0">
+            <a:schemeClr val="accent1"/>
+          </a:effectRef>
+          <a:fontRef idx="minor">
+            <a:schemeClr val="lt1"/>
+          </a:fontRef>
+        </p:style>
+        <p:txBody>
+          <a:bodyPr rtlCol="0" anchor="ctr"/>
+          <a:lstStyle/>
+          <a:p>
+            <a:pPr algn="ctr"/>
+            <a:endParaRPr lang="zh-CN" altLang="en-US" dirty="0"/>
+          </a:p>
+        </p:txBody>
+      </p:sp>
+      <p:sp>
+        <p:nvSpPr>
+          <p:cNvPr id="135" name="椭圆 134">
+            <a:extLst>
+              <a:ext uri="{FF2B5EF4-FFF2-40B4-BE49-F238E27FC236}">
+                <a16:creationId xmlns:a16="http://schemas.microsoft.com/office/drawing/2014/main" id="{69939EFB-56F9-4715-AA16-099EB635B70B}"/>
+              </a:ext>
+            </a:extLst>
+          </p:cNvPr>
+          <p:cNvSpPr/>
+          <p:nvPr/>
+        </p:nvSpPr>
+        <p:spPr>
+          <a:xfrm>
+            <a:off x="7294482" y="4967529"/>
+            <a:ext cx="887698" cy="887698"/>
+          </a:xfrm>
+          <a:prstGeom prst="ellipse">
+            <a:avLst/>
+          </a:prstGeom>
+        </p:spPr>
+        <p:style>
+          <a:lnRef idx="2">
+            <a:schemeClr val="accent1">
+              <a:shade val="50000"/>
+            </a:schemeClr>
+          </a:lnRef>
+          <a:fillRef idx="1">
+            <a:schemeClr val="accent1"/>
+          </a:fillRef>
+          <a:effectRef idx="0">
+            <a:schemeClr val="accent1"/>
+          </a:effectRef>
+          <a:fontRef idx="minor">
+            <a:schemeClr val="lt1"/>
+          </a:fontRef>
+        </p:style>
+        <p:txBody>
+          <a:bodyPr rtlCol="0" anchor="ctr"/>
+          <a:lstStyle/>
+          <a:p>
+            <a:pPr algn="ctr"/>
+            <a:endParaRPr lang="zh-CN" altLang="en-US" dirty="0"/>
+          </a:p>
+        </p:txBody>
+      </p:sp>
+      <p:sp>
+        <p:nvSpPr>
+          <p:cNvPr id="136" name="椭圆 135">
+            <a:extLst>
+              <a:ext uri="{FF2B5EF4-FFF2-40B4-BE49-F238E27FC236}">
+                <a16:creationId xmlns:a16="http://schemas.microsoft.com/office/drawing/2014/main" id="{C414A83A-C6C7-4585-A76C-2847B8C19892}"/>
+              </a:ext>
+            </a:extLst>
+          </p:cNvPr>
+          <p:cNvSpPr/>
+          <p:nvPr/>
+        </p:nvSpPr>
+        <p:spPr>
+          <a:xfrm>
+            <a:off x="5322810" y="5521784"/>
+            <a:ext cx="887698" cy="887698"/>
+          </a:xfrm>
+          <a:prstGeom prst="ellipse">
+            <a:avLst/>
+          </a:prstGeom>
+        </p:spPr>
+        <p:style>
+          <a:lnRef idx="2">
+            <a:schemeClr val="accent1">
+              <a:shade val="50000"/>
+            </a:schemeClr>
+          </a:lnRef>
+          <a:fillRef idx="1">
+            <a:schemeClr val="accent1"/>
+          </a:fillRef>
+          <a:effectRef idx="0">
+            <a:schemeClr val="accent1"/>
+          </a:effectRef>
+          <a:fontRef idx="minor">
+            <a:schemeClr val="lt1"/>
+          </a:fontRef>
+        </p:style>
+        <p:txBody>
+          <a:bodyPr rtlCol="0" anchor="ctr"/>
+          <a:lstStyle/>
+          <a:p>
+            <a:pPr algn="ctr"/>
+            <a:endParaRPr lang="zh-CN" altLang="en-US" dirty="0"/>
+          </a:p>
+        </p:txBody>
+      </p:sp>
+      <p:sp>
+        <p:nvSpPr>
+          <p:cNvPr id="137" name="椭圆 136">
+            <a:extLst>
+              <a:ext uri="{FF2B5EF4-FFF2-40B4-BE49-F238E27FC236}">
+                <a16:creationId xmlns:a16="http://schemas.microsoft.com/office/drawing/2014/main" id="{50D27038-DFCA-497E-88C8-5B27C992F44F}"/>
+              </a:ext>
+            </a:extLst>
+          </p:cNvPr>
+          <p:cNvSpPr/>
+          <p:nvPr/>
+        </p:nvSpPr>
+        <p:spPr>
+          <a:xfrm>
+            <a:off x="5339055" y="4412209"/>
+            <a:ext cx="887698" cy="887698"/>
+          </a:xfrm>
+          <a:prstGeom prst="ellipse">
+            <a:avLst/>
+          </a:prstGeom>
+        </p:spPr>
+        <p:style>
+          <a:lnRef idx="2">
+            <a:schemeClr val="accent1">
+              <a:shade val="50000"/>
+            </a:schemeClr>
+          </a:lnRef>
+          <a:fillRef idx="1">
+            <a:schemeClr val="accent1"/>
+          </a:fillRef>
+          <a:effectRef idx="0">
+            <a:schemeClr val="accent1"/>
+          </a:effectRef>
+          <a:fontRef idx="minor">
+            <a:schemeClr val="lt1"/>
+          </a:fontRef>
+        </p:style>
+        <p:txBody>
+          <a:bodyPr rtlCol="0" anchor="ctr"/>
+          <a:lstStyle/>
+          <a:p>
+            <a:pPr algn="ctr"/>
+            <a:endParaRPr lang="zh-CN" altLang="en-US" dirty="0"/>
+          </a:p>
+        </p:txBody>
+      </p:sp>
+      <p:cxnSp>
+        <p:nvCxnSpPr>
+          <p:cNvPr id="138" name="直接连接符 137">
+            <a:extLst>
+              <a:ext uri="{FF2B5EF4-FFF2-40B4-BE49-F238E27FC236}">
+                <a16:creationId xmlns:a16="http://schemas.microsoft.com/office/drawing/2014/main" id="{275E09F6-FCD9-4A25-9AA6-A5162D77560E}"/>
+              </a:ext>
+            </a:extLst>
+          </p:cNvPr>
+          <p:cNvCxnSpPr>
+            <a:cxnSpLocks/>
+            <a:stCxn id="134" idx="6"/>
+            <a:endCxn id="137" idx="2"/>
+          </p:cNvCxnSpPr>
+          <p:nvPr/>
+        </p:nvCxnSpPr>
+        <p:spPr>
+          <a:xfrm flipV="1">
+            <a:off x="4353219" y="4856058"/>
+            <a:ext cx="985836" cy="555320"/>
+          </a:xfrm>
+          <a:prstGeom prst="line">
+            <a:avLst/>
+          </a:prstGeom>
+          <a:ln w="19050"/>
+        </p:spPr>
+        <p:style>
+          <a:lnRef idx="1">
+            <a:schemeClr val="accent1"/>
+          </a:lnRef>
+          <a:fillRef idx="0">
+            <a:schemeClr val="accent1"/>
+          </a:fillRef>
+          <a:effectRef idx="0">
+            <a:schemeClr val="accent1"/>
+          </a:effectRef>
+          <a:fontRef idx="minor">
+            <a:schemeClr val="tx1"/>
+          </a:fontRef>
+        </p:style>
+      </p:cxnSp>
+      <p:cxnSp>
+        <p:nvCxnSpPr>
+          <p:cNvPr id="139" name="直接连接符 138">
+            <a:extLst>
+              <a:ext uri="{FF2B5EF4-FFF2-40B4-BE49-F238E27FC236}">
+                <a16:creationId xmlns:a16="http://schemas.microsoft.com/office/drawing/2014/main" id="{9807963A-1FD7-4BCA-9899-30154347E249}"/>
+              </a:ext>
+            </a:extLst>
+          </p:cNvPr>
+          <p:cNvCxnSpPr>
+            <a:cxnSpLocks/>
+            <a:stCxn id="134" idx="6"/>
+            <a:endCxn id="136" idx="2"/>
+          </p:cNvCxnSpPr>
+          <p:nvPr/>
+        </p:nvCxnSpPr>
+        <p:spPr>
+          <a:xfrm>
+            <a:off x="4353219" y="5411378"/>
+            <a:ext cx="969591" cy="554255"/>
+          </a:xfrm>
+          <a:prstGeom prst="line">
+            <a:avLst/>
+          </a:prstGeom>
+          <a:ln w="19050"/>
+        </p:spPr>
+        <p:style>
+          <a:lnRef idx="1">
+            <a:schemeClr val="accent1"/>
+          </a:lnRef>
+          <a:fillRef idx="0">
+            <a:schemeClr val="accent1"/>
+          </a:fillRef>
+          <a:effectRef idx="0">
+            <a:schemeClr val="accent1"/>
+          </a:effectRef>
+          <a:fontRef idx="minor">
+            <a:schemeClr val="tx1"/>
+          </a:fontRef>
+        </p:style>
+      </p:cxnSp>
+      <p:cxnSp>
+        <p:nvCxnSpPr>
+          <p:cNvPr id="140" name="直接连接符 139">
+            <a:extLst>
+              <a:ext uri="{FF2B5EF4-FFF2-40B4-BE49-F238E27FC236}">
+                <a16:creationId xmlns:a16="http://schemas.microsoft.com/office/drawing/2014/main" id="{C4E7EC34-33D6-48D1-9AA6-3CF2975969E3}"/>
+              </a:ext>
+            </a:extLst>
+          </p:cNvPr>
+          <p:cNvCxnSpPr>
+            <a:cxnSpLocks/>
+            <a:stCxn id="136" idx="6"/>
+            <a:endCxn id="135" idx="2"/>
+          </p:cNvCxnSpPr>
+          <p:nvPr/>
+        </p:nvCxnSpPr>
+        <p:spPr>
+          <a:xfrm flipV="1">
+            <a:off x="6210508" y="5411378"/>
+            <a:ext cx="1083974" cy="554255"/>
+          </a:xfrm>
+          <a:prstGeom prst="line">
+            <a:avLst/>
+          </a:prstGeom>
+          <a:ln w="19050"/>
+        </p:spPr>
+        <p:style>
+          <a:lnRef idx="1">
+            <a:schemeClr val="accent1"/>
+          </a:lnRef>
+          <a:fillRef idx="0">
+            <a:schemeClr val="accent1"/>
+          </a:fillRef>
+          <a:effectRef idx="0">
+            <a:schemeClr val="accent1"/>
+          </a:effectRef>
+          <a:fontRef idx="minor">
+            <a:schemeClr val="tx1"/>
+          </a:fontRef>
+        </p:style>
+      </p:cxnSp>
+      <p:cxnSp>
+        <p:nvCxnSpPr>
+          <p:cNvPr id="141" name="直接连接符 140">
+            <a:extLst>
+              <a:ext uri="{FF2B5EF4-FFF2-40B4-BE49-F238E27FC236}">
+                <a16:creationId xmlns:a16="http://schemas.microsoft.com/office/drawing/2014/main" id="{B3719238-5327-4DC1-BC27-DFEC642C51E4}"/>
+              </a:ext>
+            </a:extLst>
+          </p:cNvPr>
+          <p:cNvCxnSpPr>
+            <a:cxnSpLocks/>
+            <a:stCxn id="135" idx="2"/>
+            <a:endCxn id="137" idx="6"/>
+          </p:cNvCxnSpPr>
+          <p:nvPr/>
+        </p:nvCxnSpPr>
+        <p:spPr>
+          <a:xfrm flipH="1" flipV="1">
+            <a:off x="6226753" y="4856058"/>
+            <a:ext cx="1067729" cy="555320"/>
+          </a:xfrm>
+          <a:prstGeom prst="line">
+            <a:avLst/>
+          </a:prstGeom>
+          <a:ln w="19050"/>
+        </p:spPr>
+        <p:style>
+          <a:lnRef idx="1">
+            <a:schemeClr val="accent1"/>
+          </a:lnRef>
+          <a:fillRef idx="0">
+            <a:schemeClr val="accent1"/>
+          </a:fillRef>
+          <a:effectRef idx="0">
+            <a:schemeClr val="accent1"/>
+          </a:effectRef>
+          <a:fontRef idx="minor">
+            <a:schemeClr val="tx1"/>
+          </a:fontRef>
+        </p:style>
+      </p:cxnSp>
+      <p:sp>
+        <p:nvSpPr>
+          <p:cNvPr id="142" name="文本框 141">
+            <a:extLst>
+              <a:ext uri="{FF2B5EF4-FFF2-40B4-BE49-F238E27FC236}">
+                <a16:creationId xmlns:a16="http://schemas.microsoft.com/office/drawing/2014/main" id="{C61353F9-ABEF-488B-B4D8-7DB599FA41BC}"/>
+              </a:ext>
+            </a:extLst>
+          </p:cNvPr>
+          <p:cNvSpPr txBox="1"/>
+          <p:nvPr/>
+        </p:nvSpPr>
+        <p:spPr>
+          <a:xfrm>
+            <a:off x="3496386" y="5892365"/>
+            <a:ext cx="825968" cy="307777"/>
+          </a:xfrm>
+          <a:prstGeom prst="rect">
+            <a:avLst/>
+          </a:prstGeom>
+          <a:noFill/>
+        </p:spPr>
+        <p:txBody>
+          <a:bodyPr wrap="square" rtlCol="0">
+            <a:spAutoFit/>
+          </a:bodyPr>
+          <a:lstStyle/>
+          <a:p>
+            <a:pPr algn="ctr"/>
+            <a:r>
+              <a:rPr lang="en-US" altLang="zh-CN" sz="1400" dirty="0"/>
+              <a:t>Node A</a:t>
+            </a:r>
+            <a:endParaRPr lang="zh-CN" altLang="en-US" sz="1400" dirty="0"/>
+          </a:p>
+        </p:txBody>
+      </p:sp>
+      <p:sp>
+        <p:nvSpPr>
+          <p:cNvPr id="143" name="文本框 142">
+            <a:extLst>
+              <a:ext uri="{FF2B5EF4-FFF2-40B4-BE49-F238E27FC236}">
+                <a16:creationId xmlns:a16="http://schemas.microsoft.com/office/drawing/2014/main" id="{8F4BCAEC-5A63-4310-AB9B-C5796856758E}"/>
+              </a:ext>
+            </a:extLst>
+          </p:cNvPr>
+          <p:cNvSpPr txBox="1"/>
+          <p:nvPr/>
+        </p:nvSpPr>
+        <p:spPr>
+          <a:xfrm>
+            <a:off x="5376057" y="5255832"/>
+            <a:ext cx="825968" cy="307777"/>
+          </a:xfrm>
+          <a:prstGeom prst="rect">
+            <a:avLst/>
+          </a:prstGeom>
+          <a:noFill/>
+        </p:spPr>
+        <p:txBody>
+          <a:bodyPr wrap="square" rtlCol="0">
+            <a:spAutoFit/>
+          </a:bodyPr>
+          <a:lstStyle/>
+          <a:p>
+            <a:pPr algn="ctr"/>
+            <a:r>
+              <a:rPr lang="en-US" altLang="zh-CN" sz="1400" dirty="0"/>
+              <a:t>Node B</a:t>
+            </a:r>
+            <a:endParaRPr lang="zh-CN" altLang="en-US" sz="1400" dirty="0"/>
+          </a:p>
+        </p:txBody>
+      </p:sp>
+      <p:sp>
+        <p:nvSpPr>
+          <p:cNvPr id="144" name="文本框 143">
+            <a:extLst>
+              <a:ext uri="{FF2B5EF4-FFF2-40B4-BE49-F238E27FC236}">
+                <a16:creationId xmlns:a16="http://schemas.microsoft.com/office/drawing/2014/main" id="{10852FAA-E44D-45F0-AFE9-6C1FB2D20A38}"/>
+              </a:ext>
+            </a:extLst>
+          </p:cNvPr>
+          <p:cNvSpPr txBox="1"/>
+          <p:nvPr/>
+        </p:nvSpPr>
+        <p:spPr>
+          <a:xfrm>
+            <a:off x="7345914" y="5811744"/>
+            <a:ext cx="825968" cy="307777"/>
+          </a:xfrm>
+          <a:prstGeom prst="rect">
+            <a:avLst/>
+          </a:prstGeom>
+          <a:noFill/>
+        </p:spPr>
+        <p:txBody>
+          <a:bodyPr wrap="square" rtlCol="0">
+            <a:spAutoFit/>
+          </a:bodyPr>
+          <a:lstStyle/>
+          <a:p>
+            <a:pPr algn="ctr"/>
+            <a:r>
+              <a:rPr lang="en-US" altLang="zh-CN" sz="1400" dirty="0"/>
+              <a:t>Node D</a:t>
+            </a:r>
+            <a:endParaRPr lang="zh-CN" altLang="en-US" sz="1400" dirty="0"/>
+          </a:p>
+        </p:txBody>
+      </p:sp>
+      <p:sp>
+        <p:nvSpPr>
+          <p:cNvPr id="145" name="文本框 144">
+            <a:extLst>
+              <a:ext uri="{FF2B5EF4-FFF2-40B4-BE49-F238E27FC236}">
+                <a16:creationId xmlns:a16="http://schemas.microsoft.com/office/drawing/2014/main" id="{79BC7E49-2EB7-4181-BF09-3F671F88DD7C}"/>
+              </a:ext>
+            </a:extLst>
+          </p:cNvPr>
+          <p:cNvSpPr txBox="1"/>
+          <p:nvPr/>
+        </p:nvSpPr>
+        <p:spPr>
+          <a:xfrm>
+            <a:off x="5353675" y="6407232"/>
+            <a:ext cx="825968" cy="307777"/>
+          </a:xfrm>
+          <a:prstGeom prst="rect">
+            <a:avLst/>
+          </a:prstGeom>
+          <a:noFill/>
+        </p:spPr>
+        <p:txBody>
+          <a:bodyPr wrap="square" rtlCol="0">
+            <a:spAutoFit/>
+          </a:bodyPr>
+          <a:lstStyle/>
+          <a:p>
+            <a:pPr algn="ctr"/>
+            <a:r>
+              <a:rPr lang="en-US" altLang="zh-CN" sz="1400" dirty="0"/>
+              <a:t>Node C</a:t>
+            </a:r>
+            <a:endParaRPr lang="zh-CN" altLang="en-US" sz="1400" dirty="0"/>
+          </a:p>
+        </p:txBody>
+      </p:sp>
+      <p:sp>
+        <p:nvSpPr>
+          <p:cNvPr id="133" name="矩形 132">
+            <a:extLst>
+              <a:ext uri="{FF2B5EF4-FFF2-40B4-BE49-F238E27FC236}">
+                <a16:creationId xmlns:a16="http://schemas.microsoft.com/office/drawing/2014/main" id="{ACA6BC67-1F21-4759-A5F6-E6685849D4A5}"/>
+              </a:ext>
+            </a:extLst>
+          </p:cNvPr>
+          <p:cNvSpPr/>
+          <p:nvPr/>
+        </p:nvSpPr>
+        <p:spPr>
+          <a:xfrm>
+            <a:off x="3610866" y="5203928"/>
+            <a:ext cx="576000" cy="411583"/>
+          </a:xfrm>
+          <a:prstGeom prst="rect">
+            <a:avLst/>
+          </a:prstGeom>
+        </p:spPr>
+        <p:style>
+          <a:lnRef idx="2">
+            <a:schemeClr val="accent6">
+              <a:shade val="50000"/>
+            </a:schemeClr>
+          </a:lnRef>
+          <a:fillRef idx="1">
+            <a:schemeClr val="accent6"/>
+          </a:fillRef>
+          <a:effectRef idx="0">
+            <a:schemeClr val="accent6"/>
+          </a:effectRef>
+          <a:fontRef idx="minor">
+            <a:schemeClr val="lt1"/>
+          </a:fontRef>
+        </p:style>
+        <p:txBody>
+          <a:bodyPr rtlCol="0" anchor="ctr"/>
+          <a:lstStyle/>
+          <a:p>
+            <a:pPr algn="ctr"/>
+            <a:r>
+              <a:rPr lang="en-US" altLang="zh-CN" sz="1400" dirty="0"/>
+              <a:t>NF A</a:t>
+            </a:r>
+            <a:endParaRPr lang="zh-CN" altLang="en-US" dirty="0"/>
+          </a:p>
+        </p:txBody>
+      </p:sp>
+      <p:sp>
+        <p:nvSpPr>
+          <p:cNvPr id="146" name="矩形 145">
+            <a:extLst>
+              <a:ext uri="{FF2B5EF4-FFF2-40B4-BE49-F238E27FC236}">
+                <a16:creationId xmlns:a16="http://schemas.microsoft.com/office/drawing/2014/main" id="{E3BDD941-C23E-48BE-A3C0-2B6C7395534F}"/>
+              </a:ext>
+            </a:extLst>
+          </p:cNvPr>
+          <p:cNvSpPr/>
+          <p:nvPr/>
+        </p:nvSpPr>
+        <p:spPr>
+          <a:xfrm>
+            <a:off x="5531975" y="4586704"/>
+            <a:ext cx="576000" cy="411583"/>
+          </a:xfrm>
+          <a:prstGeom prst="rect">
+            <a:avLst/>
+          </a:prstGeom>
+        </p:spPr>
+        <p:style>
+          <a:lnRef idx="2">
+            <a:schemeClr val="accent6">
+              <a:shade val="50000"/>
+            </a:schemeClr>
+          </a:lnRef>
+          <a:fillRef idx="1">
+            <a:schemeClr val="accent6"/>
+          </a:fillRef>
+          <a:effectRef idx="0">
+            <a:schemeClr val="accent6"/>
+          </a:effectRef>
+          <a:fontRef idx="minor">
+            <a:schemeClr val="lt1"/>
+          </a:fontRef>
+        </p:style>
+        <p:txBody>
+          <a:bodyPr rtlCol="0" anchor="ctr"/>
+          <a:lstStyle/>
+          <a:p>
+            <a:pPr algn="ctr"/>
+            <a:r>
+              <a:rPr lang="en-US" altLang="zh-CN" sz="1400" dirty="0"/>
+              <a:t>NF A</a:t>
+            </a:r>
+            <a:endParaRPr lang="zh-CN" altLang="en-US" dirty="0"/>
+          </a:p>
+        </p:txBody>
+      </p:sp>
+      <p:sp>
+        <p:nvSpPr>
+          <p:cNvPr id="147" name="矩形 146">
+            <a:extLst>
+              <a:ext uri="{FF2B5EF4-FFF2-40B4-BE49-F238E27FC236}">
+                <a16:creationId xmlns:a16="http://schemas.microsoft.com/office/drawing/2014/main" id="{573D86D0-E862-41B4-8C1B-6DE3A4D39C35}"/>
+              </a:ext>
+            </a:extLst>
+          </p:cNvPr>
+          <p:cNvSpPr/>
+          <p:nvPr/>
+        </p:nvSpPr>
+        <p:spPr>
+          <a:xfrm>
+            <a:off x="5457833" y="4738268"/>
+            <a:ext cx="576000" cy="411583"/>
+          </a:xfrm>
+          <a:prstGeom prst="rect">
+            <a:avLst/>
+          </a:prstGeom>
+        </p:spPr>
+        <p:style>
+          <a:lnRef idx="2">
+            <a:schemeClr val="accent6">
+              <a:shade val="50000"/>
+            </a:schemeClr>
+          </a:lnRef>
+          <a:fillRef idx="1">
+            <a:schemeClr val="accent6"/>
+          </a:fillRef>
+          <a:effectRef idx="0">
+            <a:schemeClr val="accent6"/>
+          </a:effectRef>
+          <a:fontRef idx="minor">
+            <a:schemeClr val="lt1"/>
+          </a:fontRef>
+        </p:style>
+        <p:txBody>
+          <a:bodyPr rtlCol="0" anchor="ctr"/>
+          <a:lstStyle/>
+          <a:p>
+            <a:pPr algn="ctr"/>
+            <a:r>
+              <a:rPr lang="en-US" altLang="zh-CN" sz="1400" dirty="0"/>
+              <a:t>NF B</a:t>
+            </a:r>
+            <a:endParaRPr lang="zh-CN" altLang="en-US" dirty="0"/>
+          </a:p>
+        </p:txBody>
+      </p:sp>
+      <p:cxnSp>
+        <p:nvCxnSpPr>
+          <p:cNvPr id="153" name="直接箭头连接符 152">
+            <a:extLst>
+              <a:ext uri="{FF2B5EF4-FFF2-40B4-BE49-F238E27FC236}">
+                <a16:creationId xmlns:a16="http://schemas.microsoft.com/office/drawing/2014/main" id="{1233A379-7985-4173-B7F1-FBA39EF76E59}"/>
+              </a:ext>
+            </a:extLst>
+          </p:cNvPr>
+          <p:cNvCxnSpPr>
+            <a:cxnSpLocks/>
+          </p:cNvCxnSpPr>
+          <p:nvPr/>
+        </p:nvCxnSpPr>
+        <p:spPr>
+          <a:xfrm flipH="1">
+            <a:off x="6096001" y="4496500"/>
+            <a:ext cx="204894" cy="167779"/>
+          </a:xfrm>
+          <a:prstGeom prst="straightConnector1">
+            <a:avLst/>
+          </a:prstGeom>
+          <a:ln w="9525" cap="flat" cmpd="sng" algn="ctr">
+            <a:solidFill>
+              <a:schemeClr val="dk1"/>
+            </a:solidFill>
+            <a:prstDash val="solid"/>
+            <a:round/>
+            <a:headEnd type="none" w="med" len="med"/>
+            <a:tailEnd type="arrow" w="med" len="med"/>
+          </a:ln>
+        </p:spPr>
+        <p:style>
+          <a:lnRef idx="0">
+            <a:scrgbClr r="0" g="0" b="0"/>
+          </a:lnRef>
+          <a:fillRef idx="0">
+            <a:scrgbClr r="0" g="0" b="0"/>
+          </a:fillRef>
+          <a:effectRef idx="0">
+            <a:scrgbClr r="0" g="0" b="0"/>
+          </a:effectRef>
+          <a:fontRef idx="minor">
+            <a:schemeClr val="tx1"/>
+          </a:fontRef>
+        </p:style>
+      </p:cxnSp>
+      <p:sp>
+        <p:nvSpPr>
+          <p:cNvPr id="161" name="文本框 160">
+            <a:extLst>
+              <a:ext uri="{FF2B5EF4-FFF2-40B4-BE49-F238E27FC236}">
+                <a16:creationId xmlns:a16="http://schemas.microsoft.com/office/drawing/2014/main" id="{815598E3-0AE0-469C-AC0A-88A54FF2A6C9}"/>
+              </a:ext>
+            </a:extLst>
+          </p:cNvPr>
+          <p:cNvSpPr txBox="1"/>
+          <p:nvPr/>
+        </p:nvSpPr>
+        <p:spPr>
+          <a:xfrm>
+            <a:off x="6243591" y="4324528"/>
+            <a:ext cx="576000" cy="307777"/>
+          </a:xfrm>
+          <a:prstGeom prst="rect">
+            <a:avLst/>
+          </a:prstGeom>
+          <a:noFill/>
+        </p:spPr>
+        <p:txBody>
+          <a:bodyPr wrap="square" rtlCol="0">
+            <a:spAutoFit/>
+          </a:bodyPr>
+          <a:lstStyle/>
+          <a:p>
+            <a:r>
+              <a:rPr lang="en-US" altLang="zh-CN" sz="1400" dirty="0"/>
+              <a:t>NF C</a:t>
+            </a:r>
+            <a:endParaRPr lang="zh-CN" altLang="en-US" sz="1400" dirty="0"/>
+          </a:p>
+        </p:txBody>
+      </p:sp>
+    </p:spTree>
+    <p:extLst>
+      <p:ext uri="{BB962C8B-B14F-4D97-AF65-F5344CB8AC3E}">
+        <p14:creationId xmlns:p14="http://schemas.microsoft.com/office/powerpoint/2010/main" val="2158545166"/>
+      </p:ext>
+    </p:extLst>
+  </p:cSld>
+  <p:clrMapOvr>
+    <a:masterClrMapping/>
+  </p:clrMapOvr>
+</p:sld>
+</file>
+
+<file path=ppt/slides/slide6.xml><?xml version="1.0" encoding="utf-8"?>
+<p:sld xmlns:a="http://schemas.openxmlformats.org/drawingml/2006/main" xmlns:r="http://schemas.openxmlformats.org/officeDocument/2006/relationships" xmlns:p="http://schemas.openxmlformats.org/presentationml/2006/main">
+  <p:cSld>
+    <p:spTree>
+      <p:nvGrpSpPr>
+        <p:cNvPr id="1" name=""/>
+        <p:cNvGrpSpPr/>
+        <p:nvPr/>
+      </p:nvGrpSpPr>
+      <p:grpSpPr>
+        <a:xfrm>
+          <a:off x="0" y="0"/>
+          <a:ext cx="0" cy="0"/>
+          <a:chOff x="0" y="0"/>
+          <a:chExt cx="0" cy="0"/>
+        </a:xfrm>
+      </p:grpSpPr>
+      <p:sp>
+        <p:nvSpPr>
+          <p:cNvPr id="4" name="矩形 3"/>
+          <p:cNvSpPr/>
+          <p:nvPr/>
+        </p:nvSpPr>
+        <p:spPr>
+          <a:xfrm>
+            <a:off x="1521400" y="2696473"/>
+            <a:ext cx="1585695" cy="972929"/>
+          </a:xfrm>
+          <a:prstGeom prst="rect">
+            <a:avLst/>
+          </a:prstGeom>
+          <a:solidFill>
+            <a:srgbClr val="9DC3E6"/>
+          </a:solidFill>
+        </p:spPr>
+        <p:style>
+          <a:lnRef idx="2">
+            <a:schemeClr val="accent1">
+              <a:shade val="50000"/>
+            </a:schemeClr>
+          </a:lnRef>
+          <a:fillRef idx="1">
+            <a:schemeClr val="accent1"/>
+          </a:fillRef>
+          <a:effectRef idx="0">
+            <a:schemeClr val="accent1"/>
+          </a:effectRef>
+          <a:fontRef idx="minor">
+            <a:schemeClr val="lt1"/>
+          </a:fontRef>
+        </p:style>
+        <p:txBody>
+          <a:bodyPr rtlCol="0" anchor="ctr"/>
+          <a:lstStyle/>
+          <a:p>
+            <a:pPr algn="ctr"/>
+            <a:r>
+              <a:rPr lang="en-US" altLang="zh-CN" dirty="0">
                 <a:solidFill>
                   <a:schemeClr val="tx1"/>
                 </a:solidFill>
@@ -4955,7 +7035,7 @@
                   <a:lstStyle/>
                   <a:p>
                     <a:r>
-                      <a:rPr lang="en-US" altLang="zh-CN" dirty="0" smtClean="0"/>
+                      <a:rPr lang="en-US" altLang="zh-CN" dirty="0"/>
                       <a:t>Runtime</a:t>
                     </a:r>
                     <a:endParaRPr lang="zh-CN" altLang="en-US" dirty="0"/>
@@ -5227,7 +7307,7 @@
               <a:lstStyle/>
               <a:p>
                 <a:r>
-                  <a:rPr lang="en-US" altLang="zh-CN" dirty="0" smtClean="0"/>
+                  <a:rPr lang="en-US" altLang="zh-CN" dirty="0"/>
                   <a:t>Packet copies</a:t>
                 </a:r>
                 <a:endParaRPr lang="zh-CN" altLang="en-US" dirty="0"/>
@@ -5257,7 +7337,7 @@
               <a:lstStyle/>
               <a:p>
                 <a:r>
-                  <a:rPr lang="en-US" altLang="zh-CN" dirty="0" smtClean="0"/>
+                  <a:rPr lang="en-US" altLang="zh-CN" dirty="0"/>
                   <a:t>Outputs</a:t>
                 </a:r>
                 <a:endParaRPr lang="zh-CN" altLang="en-US" dirty="0"/>
@@ -5287,7 +7367,7 @@
               <a:lstStyle/>
               <a:p>
                 <a:r>
-                  <a:rPr lang="en-US" altLang="zh-CN" dirty="0" smtClean="0"/>
+                  <a:rPr lang="en-US" altLang="zh-CN" dirty="0"/>
                   <a:t>Packets</a:t>
                 </a:r>
                 <a:endParaRPr lang="zh-CN" altLang="en-US" dirty="0"/>
@@ -5317,7 +7397,7 @@
               <a:lstStyle/>
               <a:p>
                 <a:r>
-                  <a:rPr lang="en-US" altLang="zh-CN" dirty="0" smtClean="0"/>
+                  <a:rPr lang="en-US" altLang="zh-CN" dirty="0"/>
                   <a:t>Outputs</a:t>
                 </a:r>
                 <a:endParaRPr lang="zh-CN" altLang="en-US" dirty="0"/>
@@ -5427,7 +7507,7 @@
           <a:lstStyle/>
           <a:p>
             <a:r>
-              <a:rPr lang="en-US" altLang="zh-CN" dirty="0" smtClean="0"/>
+              <a:rPr lang="en-US" altLang="zh-CN" dirty="0"/>
               <a:t>Parallel strategy</a:t>
             </a:r>
             <a:endParaRPr lang="zh-CN" altLang="en-US" dirty="0"/>
@@ -5457,11 +7537,11 @@
           <a:lstStyle/>
           <a:p>
             <a:r>
-              <a:rPr lang="en-US" altLang="zh-CN" dirty="0" smtClean="0"/>
+              <a:rPr lang="en-US" altLang="zh-CN" dirty="0"/>
               <a:t>Running </a:t>
             </a:r>
             <a:r>
-              <a:rPr lang="en-US" altLang="zh-CN" dirty="0" err="1" smtClean="0"/>
+              <a:rPr lang="en-US" altLang="zh-CN" dirty="0" err="1"/>
               <a:t>config</a:t>
             </a:r>
             <a:endParaRPr lang="zh-CN" altLang="en-US" dirty="0"/>
@@ -5491,7 +7571,7 @@
           <a:lstStyle/>
           <a:p>
             <a:r>
-              <a:rPr lang="en-US" altLang="zh-CN" dirty="0" smtClean="0"/>
+              <a:rPr lang="en-US" altLang="zh-CN" dirty="0"/>
               <a:t>Sub-chain</a:t>
             </a:r>
             <a:endParaRPr lang="zh-CN" altLang="en-US" dirty="0"/>
@@ -5560,7 +7640,7 @@
           <a:lstStyle/>
           <a:p>
             <a:r>
-              <a:rPr lang="en-US" altLang="zh-CN" dirty="0" smtClean="0"/>
+              <a:rPr lang="en-US" altLang="zh-CN" dirty="0"/>
               <a:t>Original packets</a:t>
             </a:r>
             <a:endParaRPr lang="zh-CN" altLang="en-US" dirty="0"/>
@@ -5707,7 +7787,7 @@
             <a:p>
               <a:pPr algn="ctr"/>
               <a:r>
-                <a:rPr lang="en-US" altLang="zh-CN" dirty="0" smtClean="0">
+                <a:rPr lang="en-US" altLang="zh-CN" dirty="0">
                   <a:solidFill>
                     <a:schemeClr val="tx1"/>
                   </a:solidFill>
@@ -5746,7 +7826,7 @@
           <a:lstStyle/>
           <a:p>
             <a:r>
-              <a:rPr lang="en-US" altLang="zh-CN" dirty="0" smtClean="0"/>
+              <a:rPr lang="en-US" altLang="zh-CN" dirty="0"/>
               <a:t>NFs running in parallel</a:t>
             </a:r>
             <a:endParaRPr lang="zh-CN" altLang="en-US" dirty="0"/>
@@ -5766,7 +7846,7 @@
 </p:sld>
 </file>
 
-<file path=ppt/slides/slide6.xml><?xml version="1.0" encoding="utf-8"?>
+<file path=ppt/slides/slide7.xml><?xml version="1.0" encoding="utf-8"?>
 <p:sld xmlns:a="http://schemas.openxmlformats.org/drawingml/2006/main" xmlns:r="http://schemas.openxmlformats.org/officeDocument/2006/relationships" xmlns:p="http://schemas.openxmlformats.org/presentationml/2006/main">
   <p:cSld>
     <p:spTree>
@@ -5837,7 +7917,7 @@
             <a:p>
               <a:pPr algn="ctr"/>
               <a:r>
-                <a:rPr lang="en-US" altLang="zh-CN" dirty="0" smtClean="0">
+                <a:rPr lang="en-US" altLang="zh-CN" dirty="0">
                   <a:solidFill>
                     <a:schemeClr val="tx1"/>
                   </a:solidFill>
@@ -6145,18 +8225,10 @@
                     <a:schemeClr val="tx1"/>
                   </a:solidFill>
                 </a:rPr>
-                <a:t>Field </a:t>
+                <a:t>Field A</a:t>
               </a:r>
               <a:r>
-                <a:rPr lang="en-US" altLang="zh-CN" dirty="0" smtClean="0">
-                  <a:solidFill>
-                    <a:schemeClr val="tx1"/>
-                  </a:solidFill>
-                </a:rPr>
-                <a:t>A</a:t>
-              </a:r>
-              <a:r>
-                <a:rPr lang="en-US" altLang="zh-CN" baseline="-25000" dirty="0" smtClean="0">
+                <a:rPr lang="en-US" altLang="zh-CN" baseline="-25000" dirty="0">
                   <a:solidFill>
                     <a:schemeClr val="tx1"/>
                   </a:solidFill>
@@ -6274,18 +8346,10 @@
                     <a:schemeClr val="tx1"/>
                   </a:solidFill>
                 </a:rPr>
-                <a:t>Field </a:t>
+                <a:t>Field C</a:t>
               </a:r>
               <a:r>
-                <a:rPr lang="en-US" altLang="zh-CN" dirty="0" smtClean="0">
-                  <a:solidFill>
-                    <a:schemeClr val="tx1"/>
-                  </a:solidFill>
-                </a:rPr>
-                <a:t>C</a:t>
-              </a:r>
-              <a:r>
-                <a:rPr lang="en-US" altLang="zh-CN" baseline="-25000" dirty="0" smtClean="0">
+                <a:rPr lang="en-US" altLang="zh-CN" baseline="-25000" dirty="0">
                   <a:solidFill>
                     <a:schemeClr val="tx1"/>
                   </a:solidFill>
@@ -6497,18 +8561,10 @@
                       <a:schemeClr val="tx1"/>
                     </a:solidFill>
                   </a:rPr>
-                  <a:t>Field </a:t>
+                  <a:t>Field A</a:t>
                 </a:r>
                 <a:r>
-                  <a:rPr lang="en-US" altLang="zh-CN" dirty="0" smtClean="0">
-                    <a:solidFill>
-                      <a:schemeClr val="tx1"/>
-                    </a:solidFill>
-                  </a:rPr>
-                  <a:t>A</a:t>
-                </a:r>
-                <a:r>
-                  <a:rPr lang="en-US" altLang="zh-CN" baseline="-25000" dirty="0" smtClean="0">
+                  <a:rPr lang="en-US" altLang="zh-CN" baseline="-25000" dirty="0">
                     <a:solidFill>
                       <a:schemeClr val="tx1"/>
                     </a:solidFill>
@@ -6565,7 +8621,7 @@
               <a:p>
                 <a:pPr algn="ctr"/>
                 <a:r>
-                  <a:rPr lang="en-US" altLang="zh-CN" dirty="0" smtClean="0">
+                  <a:rPr lang="en-US" altLang="zh-CN" dirty="0">
                     <a:solidFill>
                       <a:schemeClr val="tx1"/>
                     </a:solidFill>
@@ -6683,7 +8739,7 @@
               <a:p>
                 <a:pPr algn="ctr"/>
                 <a:r>
-                  <a:rPr lang="en-US" altLang="zh-CN" dirty="0" smtClean="0">
+                  <a:rPr lang="en-US" altLang="zh-CN" dirty="0">
                     <a:solidFill>
                       <a:schemeClr val="tx1"/>
                     </a:solidFill>
@@ -6882,18 +8938,10 @@
                     <a:schemeClr val="tx1"/>
                   </a:solidFill>
                 </a:rPr>
-                <a:t>Field </a:t>
+                <a:t>Field A</a:t>
               </a:r>
               <a:r>
-                <a:rPr lang="en-US" altLang="zh-CN" dirty="0" smtClean="0">
-                  <a:solidFill>
-                    <a:schemeClr val="tx1"/>
-                  </a:solidFill>
-                </a:rPr>
-                <a:t>A</a:t>
-              </a:r>
-              <a:r>
-                <a:rPr lang="en-US" altLang="zh-CN" baseline="-25000" dirty="0" smtClean="0">
+                <a:rPr lang="en-US" altLang="zh-CN" baseline="-25000" dirty="0">
                   <a:solidFill>
                     <a:schemeClr val="tx1"/>
                   </a:solidFill>
@@ -6956,18 +9004,10 @@
                     <a:schemeClr val="tx1"/>
                   </a:solidFill>
                 </a:rPr>
-                <a:t>Field </a:t>
+                <a:t>Field C</a:t>
               </a:r>
               <a:r>
-                <a:rPr lang="en-US" altLang="zh-CN" dirty="0" smtClean="0">
-                  <a:solidFill>
-                    <a:schemeClr val="tx1"/>
-                  </a:solidFill>
-                </a:rPr>
-                <a:t>C</a:t>
-              </a:r>
-              <a:r>
-                <a:rPr lang="en-US" altLang="zh-CN" baseline="-25000" dirty="0" smtClean="0">
+                <a:rPr lang="en-US" altLang="zh-CN" baseline="-25000" dirty="0">
                   <a:solidFill>
                     <a:schemeClr val="tx1"/>
                   </a:solidFill>
@@ -7338,11 +9378,11 @@
           <a:lstStyle/>
           <a:p>
             <a:r>
-              <a:rPr lang="en-US" altLang="zh-CN" dirty="0" smtClean="0"/>
+              <a:rPr lang="en-US" altLang="zh-CN" dirty="0"/>
               <a:t>Packet ID</a:t>
             </a:r>
             <a:r>
-              <a:rPr lang="en-US" altLang="zh-CN" baseline="-25000" dirty="0" smtClean="0"/>
+              <a:rPr lang="en-US" altLang="zh-CN" baseline="-25000" dirty="0"/>
               <a:t>1</a:t>
             </a:r>
             <a:endParaRPr lang="zh-CN" altLang="en-US" baseline="-25000" dirty="0"/>
@@ -7372,7 +9412,7 @@
           <a:lstStyle/>
           <a:p>
             <a:r>
-              <a:rPr lang="en-US" altLang="zh-CN" dirty="0" smtClean="0"/>
+              <a:rPr lang="en-US" altLang="zh-CN" dirty="0"/>
               <a:t>Packet ID</a:t>
             </a:r>
             <a:r>
@@ -7406,7 +9446,7 @@
           <a:lstStyle/>
           <a:p>
             <a:r>
-              <a:rPr lang="en-US" altLang="zh-CN" dirty="0" smtClean="0"/>
+              <a:rPr lang="en-US" altLang="zh-CN" dirty="0"/>
               <a:t>Original packet</a:t>
             </a:r>
             <a:endParaRPr lang="zh-CN" altLang="en-US" dirty="0"/>
@@ -7436,7 +9476,7 @@
           <a:lstStyle/>
           <a:p>
             <a:r>
-              <a:rPr lang="en-US" altLang="zh-CN" dirty="0" smtClean="0"/>
+              <a:rPr lang="en-US" altLang="zh-CN" dirty="0"/>
               <a:t>Final result</a:t>
             </a:r>
             <a:endParaRPr lang="zh-CN" altLang="en-US" dirty="0"/>
@@ -7466,7 +9506,7 @@
           <a:lstStyle/>
           <a:p>
             <a:r>
-              <a:rPr lang="en-US" altLang="zh-CN" dirty="0" smtClean="0"/>
+              <a:rPr lang="en-US" altLang="zh-CN" dirty="0"/>
               <a:t>Output</a:t>
             </a:r>
             <a:endParaRPr lang="zh-CN" altLang="en-US" dirty="0"/>
@@ -7496,7 +9536,7 @@
           <a:lstStyle/>
           <a:p>
             <a:r>
-              <a:rPr lang="en-US" altLang="zh-CN" dirty="0" smtClean="0"/>
+              <a:rPr lang="en-US" altLang="zh-CN" dirty="0"/>
               <a:t>Output</a:t>
             </a:r>
             <a:endParaRPr lang="zh-CN" altLang="en-US" dirty="0"/>
@@ -7507,534 +9547,6 @@
     <p:extLst>
       <p:ext uri="{BB962C8B-B14F-4D97-AF65-F5344CB8AC3E}">
         <p14:creationId xmlns:p14="http://schemas.microsoft.com/office/powerpoint/2010/main" val="4231142026"/>
-      </p:ext>
-    </p:extLst>
-  </p:cSld>
-  <p:clrMapOvr>
-    <a:masterClrMapping/>
-  </p:clrMapOvr>
-</p:sld>
-</file>
-
-<file path=ppt/slides/slide7.xml><?xml version="1.0" encoding="utf-8"?>
-<p:sld xmlns:a="http://schemas.openxmlformats.org/drawingml/2006/main" xmlns:r="http://schemas.openxmlformats.org/officeDocument/2006/relationships" xmlns:p="http://schemas.openxmlformats.org/presentationml/2006/main">
-  <p:cSld>
-    <p:spTree>
-      <p:nvGrpSpPr>
-        <p:cNvPr id="1" name=""/>
-        <p:cNvGrpSpPr/>
-        <p:nvPr/>
-      </p:nvGrpSpPr>
-      <p:grpSpPr>
-        <a:xfrm>
-          <a:off x="0" y="0"/>
-          <a:ext cx="0" cy="0"/>
-          <a:chOff x="0" y="0"/>
-          <a:chExt cx="0" cy="0"/>
-        </a:xfrm>
-      </p:grpSpPr>
-      <p:sp>
-        <p:nvSpPr>
-          <p:cNvPr id="2" name="矩形 1"/>
-          <p:cNvSpPr/>
-          <p:nvPr/>
-        </p:nvSpPr>
-        <p:spPr>
-          <a:xfrm>
-            <a:off x="1604356" y="2335876"/>
-            <a:ext cx="1354975" cy="789709"/>
-          </a:xfrm>
-          <a:prstGeom prst="rect">
-            <a:avLst/>
-          </a:prstGeom>
-        </p:spPr>
-        <p:style>
-          <a:lnRef idx="2">
-            <a:schemeClr val="accent1">
-              <a:shade val="50000"/>
-            </a:schemeClr>
-          </a:lnRef>
-          <a:fillRef idx="1">
-            <a:schemeClr val="accent1"/>
-          </a:fillRef>
-          <a:effectRef idx="0">
-            <a:schemeClr val="accent1"/>
-          </a:effectRef>
-          <a:fontRef idx="minor">
-            <a:schemeClr val="lt1"/>
-          </a:fontRef>
-        </p:style>
-        <p:txBody>
-          <a:bodyPr rtlCol="0" anchor="ctr"/>
-          <a:lstStyle/>
-          <a:p>
-            <a:pPr algn="ctr"/>
-            <a:r>
-              <a:rPr lang="en-US" altLang="zh-CN" dirty="0" smtClean="0"/>
-              <a:t>NF A </a:t>
-            </a:r>
-            <a:r>
-              <a:rPr lang="en-US" altLang="zh-CN" dirty="0" smtClean="0"/>
-              <a:t>(2ms</a:t>
-            </a:r>
-            <a:r>
-              <a:rPr lang="en-US" altLang="zh-CN" dirty="0" smtClean="0"/>
-              <a:t>)</a:t>
-            </a:r>
-            <a:endParaRPr lang="zh-CN" altLang="en-US" dirty="0"/>
-          </a:p>
-        </p:txBody>
-      </p:sp>
-      <p:sp>
-        <p:nvSpPr>
-          <p:cNvPr id="3" name="矩形 2"/>
-          <p:cNvSpPr/>
-          <p:nvPr/>
-        </p:nvSpPr>
-        <p:spPr>
-          <a:xfrm>
-            <a:off x="4308764" y="2335876"/>
-            <a:ext cx="1354975" cy="789709"/>
-          </a:xfrm>
-          <a:prstGeom prst="rect">
-            <a:avLst/>
-          </a:prstGeom>
-        </p:spPr>
-        <p:style>
-          <a:lnRef idx="2">
-            <a:schemeClr val="accent1">
-              <a:shade val="50000"/>
-            </a:schemeClr>
-          </a:lnRef>
-          <a:fillRef idx="1">
-            <a:schemeClr val="accent1"/>
-          </a:fillRef>
-          <a:effectRef idx="0">
-            <a:schemeClr val="accent1"/>
-          </a:effectRef>
-          <a:fontRef idx="minor">
-            <a:schemeClr val="lt1"/>
-          </a:fontRef>
-        </p:style>
-        <p:txBody>
-          <a:bodyPr rtlCol="0" anchor="ctr"/>
-          <a:lstStyle/>
-          <a:p>
-            <a:pPr algn="ctr"/>
-            <a:r>
-              <a:rPr lang="en-US" altLang="zh-CN" dirty="0" smtClean="0"/>
-              <a:t>NF B </a:t>
-            </a:r>
-            <a:r>
-              <a:rPr lang="en-US" altLang="zh-CN" dirty="0" smtClean="0"/>
-              <a:t>(2ms</a:t>
-            </a:r>
-            <a:r>
-              <a:rPr lang="en-US" altLang="zh-CN" dirty="0" smtClean="0"/>
-              <a:t>)</a:t>
-            </a:r>
-            <a:endParaRPr lang="zh-CN" altLang="en-US" dirty="0"/>
-          </a:p>
-        </p:txBody>
-      </p:sp>
-      <p:sp>
-        <p:nvSpPr>
-          <p:cNvPr id="4" name="矩形 3"/>
-          <p:cNvSpPr/>
-          <p:nvPr/>
-        </p:nvSpPr>
-        <p:spPr>
-          <a:xfrm>
-            <a:off x="7013172" y="2335875"/>
-            <a:ext cx="1354975" cy="789709"/>
-          </a:xfrm>
-          <a:prstGeom prst="rect">
-            <a:avLst/>
-          </a:prstGeom>
-        </p:spPr>
-        <p:style>
-          <a:lnRef idx="2">
-            <a:schemeClr val="accent1">
-              <a:shade val="50000"/>
-            </a:schemeClr>
-          </a:lnRef>
-          <a:fillRef idx="1">
-            <a:schemeClr val="accent1"/>
-          </a:fillRef>
-          <a:effectRef idx="0">
-            <a:schemeClr val="accent1"/>
-          </a:effectRef>
-          <a:fontRef idx="minor">
-            <a:schemeClr val="lt1"/>
-          </a:fontRef>
-        </p:style>
-        <p:txBody>
-          <a:bodyPr rtlCol="0" anchor="ctr"/>
-          <a:lstStyle/>
-          <a:p>
-            <a:pPr algn="ctr"/>
-            <a:r>
-              <a:rPr lang="en-US" altLang="zh-CN" dirty="0" smtClean="0"/>
-              <a:t>NF C </a:t>
-            </a:r>
-            <a:r>
-              <a:rPr lang="en-US" altLang="zh-CN" dirty="0" smtClean="0"/>
-              <a:t>(1ms</a:t>
-            </a:r>
-            <a:r>
-              <a:rPr lang="en-US" altLang="zh-CN" dirty="0" smtClean="0"/>
-              <a:t>)</a:t>
-            </a:r>
-            <a:endParaRPr lang="zh-CN" altLang="en-US" dirty="0"/>
-          </a:p>
-        </p:txBody>
-      </p:sp>
-      <p:cxnSp>
-        <p:nvCxnSpPr>
-          <p:cNvPr id="6" name="直接箭头连接符 5"/>
-          <p:cNvCxnSpPr>
-            <a:stCxn id="2" idx="3"/>
-            <a:endCxn id="3" idx="1"/>
-          </p:cNvCxnSpPr>
-          <p:nvPr/>
-        </p:nvCxnSpPr>
-        <p:spPr>
-          <a:xfrm>
-            <a:off x="2959331" y="2730731"/>
-            <a:ext cx="1349433" cy="0"/>
-          </a:xfrm>
-          <a:prstGeom prst="straightConnector1">
-            <a:avLst/>
-          </a:prstGeom>
-          <a:ln>
-            <a:tailEnd type="triangle"/>
-          </a:ln>
-        </p:spPr>
-        <p:style>
-          <a:lnRef idx="1">
-            <a:schemeClr val="accent1"/>
-          </a:lnRef>
-          <a:fillRef idx="0">
-            <a:schemeClr val="accent1"/>
-          </a:fillRef>
-          <a:effectRef idx="0">
-            <a:schemeClr val="accent1"/>
-          </a:effectRef>
-          <a:fontRef idx="minor">
-            <a:schemeClr val="tx1"/>
-          </a:fontRef>
-        </p:style>
-      </p:cxnSp>
-      <p:cxnSp>
-        <p:nvCxnSpPr>
-          <p:cNvPr id="7" name="直接箭头连接符 6"/>
-          <p:cNvCxnSpPr>
-            <a:stCxn id="3" idx="3"/>
-            <a:endCxn id="4" idx="1"/>
-          </p:cNvCxnSpPr>
-          <p:nvPr/>
-        </p:nvCxnSpPr>
-        <p:spPr>
-          <a:xfrm flipV="1">
-            <a:off x="5663739" y="2730730"/>
-            <a:ext cx="1349433" cy="1"/>
-          </a:xfrm>
-          <a:prstGeom prst="straightConnector1">
-            <a:avLst/>
-          </a:prstGeom>
-          <a:ln>
-            <a:tailEnd type="triangle"/>
-          </a:ln>
-        </p:spPr>
-        <p:style>
-          <a:lnRef idx="1">
-            <a:schemeClr val="accent1"/>
-          </a:lnRef>
-          <a:fillRef idx="0">
-            <a:schemeClr val="accent1"/>
-          </a:fillRef>
-          <a:effectRef idx="0">
-            <a:schemeClr val="accent1"/>
-          </a:effectRef>
-          <a:fontRef idx="minor">
-            <a:schemeClr val="tx1"/>
-          </a:fontRef>
-        </p:style>
-      </p:cxnSp>
-      <p:cxnSp>
-        <p:nvCxnSpPr>
-          <p:cNvPr id="11" name="直接连接符 10"/>
-          <p:cNvCxnSpPr>
-            <a:stCxn id="2" idx="2"/>
-          </p:cNvCxnSpPr>
-          <p:nvPr/>
-        </p:nvCxnSpPr>
-        <p:spPr>
-          <a:xfrm>
-            <a:off x="2281844" y="3125585"/>
-            <a:ext cx="1167938" cy="482139"/>
-          </a:xfrm>
-          <a:prstGeom prst="line">
-            <a:avLst/>
-          </a:prstGeom>
-        </p:spPr>
-        <p:style>
-          <a:lnRef idx="1">
-            <a:schemeClr val="accent1"/>
-          </a:lnRef>
-          <a:fillRef idx="0">
-            <a:schemeClr val="accent1"/>
-          </a:fillRef>
-          <a:effectRef idx="0">
-            <a:schemeClr val="accent1"/>
-          </a:effectRef>
-          <a:fontRef idx="minor">
-            <a:schemeClr val="tx1"/>
-          </a:fontRef>
-        </p:style>
-      </p:cxnSp>
-      <p:cxnSp>
-        <p:nvCxnSpPr>
-          <p:cNvPr id="12" name="直接连接符 11"/>
-          <p:cNvCxnSpPr/>
-          <p:nvPr/>
-        </p:nvCxnSpPr>
-        <p:spPr>
-          <a:xfrm>
-            <a:off x="4986251" y="3125585"/>
-            <a:ext cx="1167938" cy="482139"/>
-          </a:xfrm>
-          <a:prstGeom prst="line">
-            <a:avLst/>
-          </a:prstGeom>
-        </p:spPr>
-        <p:style>
-          <a:lnRef idx="1">
-            <a:schemeClr val="accent1"/>
-          </a:lnRef>
-          <a:fillRef idx="0">
-            <a:schemeClr val="accent1"/>
-          </a:fillRef>
-          <a:effectRef idx="0">
-            <a:schemeClr val="accent1"/>
-          </a:effectRef>
-          <a:fontRef idx="minor">
-            <a:schemeClr val="tx1"/>
-          </a:fontRef>
-        </p:style>
-      </p:cxnSp>
-      <p:sp>
-        <p:nvSpPr>
-          <p:cNvPr id="16" name="文本框 15"/>
-          <p:cNvSpPr txBox="1"/>
-          <p:nvPr/>
-        </p:nvSpPr>
-        <p:spPr>
-          <a:xfrm>
-            <a:off x="2902528" y="3545962"/>
-            <a:ext cx="1463040" cy="369332"/>
-          </a:xfrm>
-          <a:prstGeom prst="rect">
-            <a:avLst/>
-          </a:prstGeom>
-          <a:noFill/>
-        </p:spPr>
-        <p:txBody>
-          <a:bodyPr wrap="square" rtlCol="0">
-            <a:spAutoFit/>
-          </a:bodyPr>
-          <a:lstStyle/>
-          <a:p>
-            <a:r>
-              <a:rPr lang="en-US" altLang="zh-CN" dirty="0" smtClean="0"/>
-              <a:t>Parallelizable</a:t>
-            </a:r>
-          </a:p>
-        </p:txBody>
-      </p:sp>
-      <p:cxnSp>
-        <p:nvCxnSpPr>
-          <p:cNvPr id="20" name="直接连接符 19"/>
-          <p:cNvCxnSpPr/>
-          <p:nvPr/>
-        </p:nvCxnSpPr>
-        <p:spPr>
-          <a:xfrm flipH="1">
-            <a:off x="3818314" y="3125585"/>
-            <a:ext cx="1167938" cy="482139"/>
-          </a:xfrm>
-          <a:prstGeom prst="line">
-            <a:avLst/>
-          </a:prstGeom>
-        </p:spPr>
-        <p:style>
-          <a:lnRef idx="1">
-            <a:schemeClr val="accent1"/>
-          </a:lnRef>
-          <a:fillRef idx="0">
-            <a:schemeClr val="accent1"/>
-          </a:fillRef>
-          <a:effectRef idx="0">
-            <a:schemeClr val="accent1"/>
-          </a:effectRef>
-          <a:fontRef idx="minor">
-            <a:schemeClr val="tx1"/>
-          </a:fontRef>
-        </p:style>
-      </p:cxnSp>
-      <p:cxnSp>
-        <p:nvCxnSpPr>
-          <p:cNvPr id="21" name="直接连接符 20"/>
-          <p:cNvCxnSpPr/>
-          <p:nvPr/>
-        </p:nvCxnSpPr>
-        <p:spPr>
-          <a:xfrm flipH="1">
-            <a:off x="6522721" y="3123505"/>
-            <a:ext cx="1167938" cy="482139"/>
-          </a:xfrm>
-          <a:prstGeom prst="line">
-            <a:avLst/>
-          </a:prstGeom>
-        </p:spPr>
-        <p:style>
-          <a:lnRef idx="1">
-            <a:schemeClr val="accent1"/>
-          </a:lnRef>
-          <a:fillRef idx="0">
-            <a:schemeClr val="accent1"/>
-          </a:fillRef>
-          <a:effectRef idx="0">
-            <a:schemeClr val="accent1"/>
-          </a:effectRef>
-          <a:fontRef idx="minor">
-            <a:schemeClr val="tx1"/>
-          </a:fontRef>
-        </p:style>
-      </p:cxnSp>
-      <p:sp>
-        <p:nvSpPr>
-          <p:cNvPr id="22" name="文本框 21"/>
-          <p:cNvSpPr txBox="1"/>
-          <p:nvPr/>
-        </p:nvSpPr>
-        <p:spPr>
-          <a:xfrm>
-            <a:off x="5606935" y="3545962"/>
-            <a:ext cx="1463040" cy="369332"/>
-          </a:xfrm>
-          <a:prstGeom prst="rect">
-            <a:avLst/>
-          </a:prstGeom>
-          <a:noFill/>
-        </p:spPr>
-        <p:txBody>
-          <a:bodyPr wrap="square" rtlCol="0">
-            <a:spAutoFit/>
-          </a:bodyPr>
-          <a:lstStyle/>
-          <a:p>
-            <a:r>
-              <a:rPr lang="en-US" altLang="zh-CN" dirty="0" smtClean="0"/>
-              <a:t>Parallelizable</a:t>
-            </a:r>
-          </a:p>
-        </p:txBody>
-      </p:sp>
-      <p:cxnSp>
-        <p:nvCxnSpPr>
-          <p:cNvPr id="23" name="直接连接符 22"/>
-          <p:cNvCxnSpPr/>
-          <p:nvPr/>
-        </p:nvCxnSpPr>
-        <p:spPr>
-          <a:xfrm flipH="1">
-            <a:off x="2281844" y="1506389"/>
-            <a:ext cx="2120439" cy="806334"/>
-          </a:xfrm>
-          <a:prstGeom prst="line">
-            <a:avLst/>
-          </a:prstGeom>
-        </p:spPr>
-        <p:style>
-          <a:lnRef idx="1">
-            <a:schemeClr val="accent1"/>
-          </a:lnRef>
-          <a:fillRef idx="0">
-            <a:schemeClr val="accent1"/>
-          </a:fillRef>
-          <a:effectRef idx="0">
-            <a:schemeClr val="accent1"/>
-          </a:effectRef>
-          <a:fontRef idx="minor">
-            <a:schemeClr val="tx1"/>
-          </a:fontRef>
-        </p:style>
-      </p:cxnSp>
-      <p:cxnSp>
-        <p:nvCxnSpPr>
-          <p:cNvPr id="28" name="直接连接符 27"/>
-          <p:cNvCxnSpPr/>
-          <p:nvPr/>
-        </p:nvCxnSpPr>
-        <p:spPr>
-          <a:xfrm flipH="1" flipV="1">
-            <a:off x="5570220" y="1506389"/>
-            <a:ext cx="2120439" cy="806334"/>
-          </a:xfrm>
-          <a:prstGeom prst="line">
-            <a:avLst/>
-          </a:prstGeom>
-        </p:spPr>
-        <p:style>
-          <a:lnRef idx="1">
-            <a:schemeClr val="accent1"/>
-          </a:lnRef>
-          <a:fillRef idx="0">
-            <a:schemeClr val="accent1"/>
-          </a:fillRef>
-          <a:effectRef idx="0">
-            <a:schemeClr val="accent1"/>
-          </a:effectRef>
-          <a:fontRef idx="minor">
-            <a:schemeClr val="tx1"/>
-          </a:fontRef>
-        </p:style>
-      </p:cxnSp>
-      <p:sp>
-        <p:nvSpPr>
-          <p:cNvPr id="30" name="文本框 29"/>
-          <p:cNvSpPr txBox="1"/>
-          <p:nvPr/>
-        </p:nvSpPr>
-        <p:spPr>
-          <a:xfrm>
-            <a:off x="4108565" y="1198819"/>
-            <a:ext cx="1755371" cy="369332"/>
-          </a:xfrm>
-          <a:prstGeom prst="rect">
-            <a:avLst/>
-          </a:prstGeom>
-          <a:noFill/>
-        </p:spPr>
-        <p:txBody>
-          <a:bodyPr wrap="square" rtlCol="0">
-            <a:spAutoFit/>
-          </a:bodyPr>
-          <a:lstStyle/>
-          <a:p>
-            <a:r>
-              <a:rPr lang="en-US" altLang="zh-CN" dirty="0" err="1" smtClean="0"/>
-              <a:t>Unparallelizable</a:t>
-            </a:r>
-            <a:endParaRPr lang="en-US" altLang="zh-CN" dirty="0" smtClean="0"/>
-          </a:p>
-        </p:txBody>
-      </p:sp>
-    </p:spTree>
-    <p:extLst>
-      <p:ext uri="{BB962C8B-B14F-4D97-AF65-F5344CB8AC3E}">
-        <p14:creationId xmlns:p14="http://schemas.microsoft.com/office/powerpoint/2010/main" val="1609978852"/>
       </p:ext>
     </p:extLst>
   </p:cSld>
@@ -8063,6 +9575,510 @@
       </p:grpSpPr>
       <p:sp>
         <p:nvSpPr>
+          <p:cNvPr id="2" name="矩形 1"/>
+          <p:cNvSpPr/>
+          <p:nvPr/>
+        </p:nvSpPr>
+        <p:spPr>
+          <a:xfrm>
+            <a:off x="1604356" y="2335876"/>
+            <a:ext cx="1354975" cy="789709"/>
+          </a:xfrm>
+          <a:prstGeom prst="rect">
+            <a:avLst/>
+          </a:prstGeom>
+        </p:spPr>
+        <p:style>
+          <a:lnRef idx="2">
+            <a:schemeClr val="accent1">
+              <a:shade val="50000"/>
+            </a:schemeClr>
+          </a:lnRef>
+          <a:fillRef idx="1">
+            <a:schemeClr val="accent1"/>
+          </a:fillRef>
+          <a:effectRef idx="0">
+            <a:schemeClr val="accent1"/>
+          </a:effectRef>
+          <a:fontRef idx="minor">
+            <a:schemeClr val="lt1"/>
+          </a:fontRef>
+        </p:style>
+        <p:txBody>
+          <a:bodyPr rtlCol="0" anchor="ctr"/>
+          <a:lstStyle/>
+          <a:p>
+            <a:pPr algn="ctr"/>
+            <a:r>
+              <a:rPr lang="en-US" altLang="zh-CN" dirty="0"/>
+              <a:t>NF A (2ms)</a:t>
+            </a:r>
+            <a:endParaRPr lang="zh-CN" altLang="en-US" dirty="0"/>
+          </a:p>
+        </p:txBody>
+      </p:sp>
+      <p:sp>
+        <p:nvSpPr>
+          <p:cNvPr id="3" name="矩形 2"/>
+          <p:cNvSpPr/>
+          <p:nvPr/>
+        </p:nvSpPr>
+        <p:spPr>
+          <a:xfrm>
+            <a:off x="4308764" y="2335876"/>
+            <a:ext cx="1354975" cy="789709"/>
+          </a:xfrm>
+          <a:prstGeom prst="rect">
+            <a:avLst/>
+          </a:prstGeom>
+        </p:spPr>
+        <p:style>
+          <a:lnRef idx="2">
+            <a:schemeClr val="accent1">
+              <a:shade val="50000"/>
+            </a:schemeClr>
+          </a:lnRef>
+          <a:fillRef idx="1">
+            <a:schemeClr val="accent1"/>
+          </a:fillRef>
+          <a:effectRef idx="0">
+            <a:schemeClr val="accent1"/>
+          </a:effectRef>
+          <a:fontRef idx="minor">
+            <a:schemeClr val="lt1"/>
+          </a:fontRef>
+        </p:style>
+        <p:txBody>
+          <a:bodyPr rtlCol="0" anchor="ctr"/>
+          <a:lstStyle/>
+          <a:p>
+            <a:pPr algn="ctr"/>
+            <a:r>
+              <a:rPr lang="en-US" altLang="zh-CN" dirty="0"/>
+              <a:t>NF B (2ms)</a:t>
+            </a:r>
+            <a:endParaRPr lang="zh-CN" altLang="en-US" dirty="0"/>
+          </a:p>
+        </p:txBody>
+      </p:sp>
+      <p:sp>
+        <p:nvSpPr>
+          <p:cNvPr id="4" name="矩形 3"/>
+          <p:cNvSpPr/>
+          <p:nvPr/>
+        </p:nvSpPr>
+        <p:spPr>
+          <a:xfrm>
+            <a:off x="7013172" y="2335875"/>
+            <a:ext cx="1354975" cy="789709"/>
+          </a:xfrm>
+          <a:prstGeom prst="rect">
+            <a:avLst/>
+          </a:prstGeom>
+        </p:spPr>
+        <p:style>
+          <a:lnRef idx="2">
+            <a:schemeClr val="accent1">
+              <a:shade val="50000"/>
+            </a:schemeClr>
+          </a:lnRef>
+          <a:fillRef idx="1">
+            <a:schemeClr val="accent1"/>
+          </a:fillRef>
+          <a:effectRef idx="0">
+            <a:schemeClr val="accent1"/>
+          </a:effectRef>
+          <a:fontRef idx="minor">
+            <a:schemeClr val="lt1"/>
+          </a:fontRef>
+        </p:style>
+        <p:txBody>
+          <a:bodyPr rtlCol="0" anchor="ctr"/>
+          <a:lstStyle/>
+          <a:p>
+            <a:pPr algn="ctr"/>
+            <a:r>
+              <a:rPr lang="en-US" altLang="zh-CN" dirty="0"/>
+              <a:t>NF C (1ms)</a:t>
+            </a:r>
+            <a:endParaRPr lang="zh-CN" altLang="en-US" dirty="0"/>
+          </a:p>
+        </p:txBody>
+      </p:sp>
+      <p:cxnSp>
+        <p:nvCxnSpPr>
+          <p:cNvPr id="6" name="直接箭头连接符 5"/>
+          <p:cNvCxnSpPr>
+            <a:stCxn id="2" idx="3"/>
+            <a:endCxn id="3" idx="1"/>
+          </p:cNvCxnSpPr>
+          <p:nvPr/>
+        </p:nvCxnSpPr>
+        <p:spPr>
+          <a:xfrm>
+            <a:off x="2959331" y="2730731"/>
+            <a:ext cx="1349433" cy="0"/>
+          </a:xfrm>
+          <a:prstGeom prst="straightConnector1">
+            <a:avLst/>
+          </a:prstGeom>
+          <a:ln>
+            <a:tailEnd type="triangle"/>
+          </a:ln>
+        </p:spPr>
+        <p:style>
+          <a:lnRef idx="1">
+            <a:schemeClr val="accent1"/>
+          </a:lnRef>
+          <a:fillRef idx="0">
+            <a:schemeClr val="accent1"/>
+          </a:fillRef>
+          <a:effectRef idx="0">
+            <a:schemeClr val="accent1"/>
+          </a:effectRef>
+          <a:fontRef idx="minor">
+            <a:schemeClr val="tx1"/>
+          </a:fontRef>
+        </p:style>
+      </p:cxnSp>
+      <p:cxnSp>
+        <p:nvCxnSpPr>
+          <p:cNvPr id="7" name="直接箭头连接符 6"/>
+          <p:cNvCxnSpPr>
+            <a:stCxn id="3" idx="3"/>
+            <a:endCxn id="4" idx="1"/>
+          </p:cNvCxnSpPr>
+          <p:nvPr/>
+        </p:nvCxnSpPr>
+        <p:spPr>
+          <a:xfrm flipV="1">
+            <a:off x="5663739" y="2730730"/>
+            <a:ext cx="1349433" cy="1"/>
+          </a:xfrm>
+          <a:prstGeom prst="straightConnector1">
+            <a:avLst/>
+          </a:prstGeom>
+          <a:ln>
+            <a:tailEnd type="triangle"/>
+          </a:ln>
+        </p:spPr>
+        <p:style>
+          <a:lnRef idx="1">
+            <a:schemeClr val="accent1"/>
+          </a:lnRef>
+          <a:fillRef idx="0">
+            <a:schemeClr val="accent1"/>
+          </a:fillRef>
+          <a:effectRef idx="0">
+            <a:schemeClr val="accent1"/>
+          </a:effectRef>
+          <a:fontRef idx="minor">
+            <a:schemeClr val="tx1"/>
+          </a:fontRef>
+        </p:style>
+      </p:cxnSp>
+      <p:cxnSp>
+        <p:nvCxnSpPr>
+          <p:cNvPr id="11" name="直接连接符 10"/>
+          <p:cNvCxnSpPr>
+            <a:stCxn id="2" idx="2"/>
+          </p:cNvCxnSpPr>
+          <p:nvPr/>
+        </p:nvCxnSpPr>
+        <p:spPr>
+          <a:xfrm>
+            <a:off x="2281844" y="3125585"/>
+            <a:ext cx="1167938" cy="482139"/>
+          </a:xfrm>
+          <a:prstGeom prst="line">
+            <a:avLst/>
+          </a:prstGeom>
+        </p:spPr>
+        <p:style>
+          <a:lnRef idx="1">
+            <a:schemeClr val="accent1"/>
+          </a:lnRef>
+          <a:fillRef idx="0">
+            <a:schemeClr val="accent1"/>
+          </a:fillRef>
+          <a:effectRef idx="0">
+            <a:schemeClr val="accent1"/>
+          </a:effectRef>
+          <a:fontRef idx="minor">
+            <a:schemeClr val="tx1"/>
+          </a:fontRef>
+        </p:style>
+      </p:cxnSp>
+      <p:cxnSp>
+        <p:nvCxnSpPr>
+          <p:cNvPr id="12" name="直接连接符 11"/>
+          <p:cNvCxnSpPr/>
+          <p:nvPr/>
+        </p:nvCxnSpPr>
+        <p:spPr>
+          <a:xfrm>
+            <a:off x="4986251" y="3125585"/>
+            <a:ext cx="1167938" cy="482139"/>
+          </a:xfrm>
+          <a:prstGeom prst="line">
+            <a:avLst/>
+          </a:prstGeom>
+        </p:spPr>
+        <p:style>
+          <a:lnRef idx="1">
+            <a:schemeClr val="accent1"/>
+          </a:lnRef>
+          <a:fillRef idx="0">
+            <a:schemeClr val="accent1"/>
+          </a:fillRef>
+          <a:effectRef idx="0">
+            <a:schemeClr val="accent1"/>
+          </a:effectRef>
+          <a:fontRef idx="minor">
+            <a:schemeClr val="tx1"/>
+          </a:fontRef>
+        </p:style>
+      </p:cxnSp>
+      <p:sp>
+        <p:nvSpPr>
+          <p:cNvPr id="16" name="文本框 15"/>
+          <p:cNvSpPr txBox="1"/>
+          <p:nvPr/>
+        </p:nvSpPr>
+        <p:spPr>
+          <a:xfrm>
+            <a:off x="2902528" y="3545962"/>
+            <a:ext cx="1463040" cy="369332"/>
+          </a:xfrm>
+          <a:prstGeom prst="rect">
+            <a:avLst/>
+          </a:prstGeom>
+          <a:noFill/>
+        </p:spPr>
+        <p:txBody>
+          <a:bodyPr wrap="square" rtlCol="0">
+            <a:spAutoFit/>
+          </a:bodyPr>
+          <a:lstStyle/>
+          <a:p>
+            <a:r>
+              <a:rPr lang="en-US" altLang="zh-CN" dirty="0"/>
+              <a:t>Parallelizable</a:t>
+            </a:r>
+          </a:p>
+        </p:txBody>
+      </p:sp>
+      <p:cxnSp>
+        <p:nvCxnSpPr>
+          <p:cNvPr id="20" name="直接连接符 19"/>
+          <p:cNvCxnSpPr/>
+          <p:nvPr/>
+        </p:nvCxnSpPr>
+        <p:spPr>
+          <a:xfrm flipH="1">
+            <a:off x="3818314" y="3125585"/>
+            <a:ext cx="1167938" cy="482139"/>
+          </a:xfrm>
+          <a:prstGeom prst="line">
+            <a:avLst/>
+          </a:prstGeom>
+        </p:spPr>
+        <p:style>
+          <a:lnRef idx="1">
+            <a:schemeClr val="accent1"/>
+          </a:lnRef>
+          <a:fillRef idx="0">
+            <a:schemeClr val="accent1"/>
+          </a:fillRef>
+          <a:effectRef idx="0">
+            <a:schemeClr val="accent1"/>
+          </a:effectRef>
+          <a:fontRef idx="minor">
+            <a:schemeClr val="tx1"/>
+          </a:fontRef>
+        </p:style>
+      </p:cxnSp>
+      <p:cxnSp>
+        <p:nvCxnSpPr>
+          <p:cNvPr id="21" name="直接连接符 20"/>
+          <p:cNvCxnSpPr/>
+          <p:nvPr/>
+        </p:nvCxnSpPr>
+        <p:spPr>
+          <a:xfrm flipH="1">
+            <a:off x="6522721" y="3123505"/>
+            <a:ext cx="1167938" cy="482139"/>
+          </a:xfrm>
+          <a:prstGeom prst="line">
+            <a:avLst/>
+          </a:prstGeom>
+        </p:spPr>
+        <p:style>
+          <a:lnRef idx="1">
+            <a:schemeClr val="accent1"/>
+          </a:lnRef>
+          <a:fillRef idx="0">
+            <a:schemeClr val="accent1"/>
+          </a:fillRef>
+          <a:effectRef idx="0">
+            <a:schemeClr val="accent1"/>
+          </a:effectRef>
+          <a:fontRef idx="minor">
+            <a:schemeClr val="tx1"/>
+          </a:fontRef>
+        </p:style>
+      </p:cxnSp>
+      <p:sp>
+        <p:nvSpPr>
+          <p:cNvPr id="22" name="文本框 21"/>
+          <p:cNvSpPr txBox="1"/>
+          <p:nvPr/>
+        </p:nvSpPr>
+        <p:spPr>
+          <a:xfrm>
+            <a:off x="5606935" y="3545962"/>
+            <a:ext cx="1463040" cy="369332"/>
+          </a:xfrm>
+          <a:prstGeom prst="rect">
+            <a:avLst/>
+          </a:prstGeom>
+          <a:noFill/>
+        </p:spPr>
+        <p:txBody>
+          <a:bodyPr wrap="square" rtlCol="0">
+            <a:spAutoFit/>
+          </a:bodyPr>
+          <a:lstStyle/>
+          <a:p>
+            <a:r>
+              <a:rPr lang="en-US" altLang="zh-CN" dirty="0"/>
+              <a:t>Parallelizable</a:t>
+            </a:r>
+          </a:p>
+        </p:txBody>
+      </p:sp>
+      <p:cxnSp>
+        <p:nvCxnSpPr>
+          <p:cNvPr id="23" name="直接连接符 22"/>
+          <p:cNvCxnSpPr/>
+          <p:nvPr/>
+        </p:nvCxnSpPr>
+        <p:spPr>
+          <a:xfrm flipH="1">
+            <a:off x="2281844" y="1506389"/>
+            <a:ext cx="2120439" cy="806334"/>
+          </a:xfrm>
+          <a:prstGeom prst="line">
+            <a:avLst/>
+          </a:prstGeom>
+        </p:spPr>
+        <p:style>
+          <a:lnRef idx="1">
+            <a:schemeClr val="accent1"/>
+          </a:lnRef>
+          <a:fillRef idx="0">
+            <a:schemeClr val="accent1"/>
+          </a:fillRef>
+          <a:effectRef idx="0">
+            <a:schemeClr val="accent1"/>
+          </a:effectRef>
+          <a:fontRef idx="minor">
+            <a:schemeClr val="tx1"/>
+          </a:fontRef>
+        </p:style>
+      </p:cxnSp>
+      <p:cxnSp>
+        <p:nvCxnSpPr>
+          <p:cNvPr id="28" name="直接连接符 27"/>
+          <p:cNvCxnSpPr/>
+          <p:nvPr/>
+        </p:nvCxnSpPr>
+        <p:spPr>
+          <a:xfrm flipH="1" flipV="1">
+            <a:off x="5570220" y="1506389"/>
+            <a:ext cx="2120439" cy="806334"/>
+          </a:xfrm>
+          <a:prstGeom prst="line">
+            <a:avLst/>
+          </a:prstGeom>
+        </p:spPr>
+        <p:style>
+          <a:lnRef idx="1">
+            <a:schemeClr val="accent1"/>
+          </a:lnRef>
+          <a:fillRef idx="0">
+            <a:schemeClr val="accent1"/>
+          </a:fillRef>
+          <a:effectRef idx="0">
+            <a:schemeClr val="accent1"/>
+          </a:effectRef>
+          <a:fontRef idx="minor">
+            <a:schemeClr val="tx1"/>
+          </a:fontRef>
+        </p:style>
+      </p:cxnSp>
+      <p:sp>
+        <p:nvSpPr>
+          <p:cNvPr id="30" name="文本框 29"/>
+          <p:cNvSpPr txBox="1"/>
+          <p:nvPr/>
+        </p:nvSpPr>
+        <p:spPr>
+          <a:xfrm>
+            <a:off x="4108565" y="1198819"/>
+            <a:ext cx="1755371" cy="369332"/>
+          </a:xfrm>
+          <a:prstGeom prst="rect">
+            <a:avLst/>
+          </a:prstGeom>
+          <a:noFill/>
+        </p:spPr>
+        <p:txBody>
+          <a:bodyPr wrap="square" rtlCol="0">
+            <a:spAutoFit/>
+          </a:bodyPr>
+          <a:lstStyle/>
+          <a:p>
+            <a:r>
+              <a:rPr lang="en-US" altLang="zh-CN" dirty="0" err="1"/>
+              <a:t>Unparallelizable</a:t>
+            </a:r>
+            <a:endParaRPr lang="en-US" altLang="zh-CN" dirty="0"/>
+          </a:p>
+        </p:txBody>
+      </p:sp>
+    </p:spTree>
+    <p:extLst>
+      <p:ext uri="{BB962C8B-B14F-4D97-AF65-F5344CB8AC3E}">
+        <p14:creationId xmlns:p14="http://schemas.microsoft.com/office/powerpoint/2010/main" val="1609978852"/>
+      </p:ext>
+    </p:extLst>
+  </p:cSld>
+  <p:clrMapOvr>
+    <a:masterClrMapping/>
+  </p:clrMapOvr>
+</p:sld>
+</file>
+
+<file path=ppt/slides/slide9.xml><?xml version="1.0" encoding="utf-8"?>
+<p:sld xmlns:a="http://schemas.openxmlformats.org/drawingml/2006/main" xmlns:r="http://schemas.openxmlformats.org/officeDocument/2006/relationships" xmlns:p="http://schemas.openxmlformats.org/presentationml/2006/main">
+  <p:cSld>
+    <p:spTree>
+      <p:nvGrpSpPr>
+        <p:cNvPr id="1" name=""/>
+        <p:cNvGrpSpPr/>
+        <p:nvPr/>
+      </p:nvGrpSpPr>
+      <p:grpSpPr>
+        <a:xfrm>
+          <a:off x="0" y="0"/>
+          <a:ext cx="0" cy="0"/>
+          <a:chOff x="0" y="0"/>
+          <a:chExt cx="0" cy="0"/>
+        </a:xfrm>
+      </p:grpSpPr>
+      <p:sp>
+        <p:nvSpPr>
           <p:cNvPr id="4" name="矩形 3"/>
           <p:cNvSpPr/>
           <p:nvPr/>
@@ -8146,7 +10162,7 @@
           <a:p>
             <a:pPr algn="ctr"/>
             <a:r>
-              <a:rPr lang="en-US" altLang="zh-CN" dirty="0" smtClean="0"/>
+              <a:rPr lang="en-US" altLang="zh-CN" dirty="0"/>
               <a:t>NF A (2ms)</a:t>
             </a:r>
             <a:endParaRPr lang="zh-CN" altLang="en-US" dirty="0"/>
@@ -8190,16 +10206,8 @@
           <a:p>
             <a:pPr algn="ctr"/>
             <a:r>
-              <a:rPr lang="en-US" altLang="zh-CN" dirty="0" smtClean="0"/>
-              <a:t>NF B </a:t>
-            </a:r>
-            <a:r>
-              <a:rPr lang="en-US" altLang="zh-CN" dirty="0" smtClean="0"/>
-              <a:t>(2ms</a:t>
-            </a:r>
-            <a:r>
-              <a:rPr lang="en-US" altLang="zh-CN" dirty="0" smtClean="0"/>
-              <a:t>)</a:t>
+              <a:rPr lang="en-US" altLang="zh-CN" dirty="0"/>
+              <a:t>NF B (2ms)</a:t>
             </a:r>
             <a:endParaRPr lang="zh-CN" altLang="en-US" dirty="0"/>
           </a:p>
@@ -8242,16 +10250,8 @@
           <a:p>
             <a:pPr algn="ctr"/>
             <a:r>
-              <a:rPr lang="en-US" altLang="zh-CN" dirty="0" smtClean="0"/>
-              <a:t>NF </a:t>
-            </a:r>
-            <a:r>
-              <a:rPr lang="en-US" altLang="zh-CN" dirty="0" smtClean="0"/>
-              <a:t>C </a:t>
-            </a:r>
-            <a:r>
-              <a:rPr lang="en-US" altLang="zh-CN" dirty="0" smtClean="0"/>
-              <a:t>(1ms)</a:t>
+              <a:rPr lang="en-US" altLang="zh-CN" dirty="0"/>
+              <a:t>NF C (1ms)</a:t>
             </a:r>
             <a:endParaRPr lang="zh-CN" altLang="en-US" dirty="0"/>
           </a:p>

--- a/docs/Figures.pptx
+++ b/docs/Figures.pptx
@@ -11,9 +11,10 @@
     <p:sldId id="261" r:id="rId5"/>
     <p:sldId id="265" r:id="rId6"/>
     <p:sldId id="263" r:id="rId7"/>
-    <p:sldId id="258" r:id="rId8"/>
-    <p:sldId id="259" r:id="rId9"/>
-    <p:sldId id="260" r:id="rId10"/>
+    <p:sldId id="266" r:id="rId8"/>
+    <p:sldId id="258" r:id="rId9"/>
+    <p:sldId id="259" r:id="rId10"/>
+    <p:sldId id="260" r:id="rId11"/>
   </p:sldIdLst>
   <p:sldSz cx="12192000" cy="6858000"/>
   <p:notesSz cx="6858000" cy="9144000"/>
@@ -3002,6 +3003,252 @@
     <p:extLst>
       <p:ext uri="{BB962C8B-B14F-4D97-AF65-F5344CB8AC3E}">
         <p14:creationId xmlns:p14="http://schemas.microsoft.com/office/powerpoint/2010/main" val="2728662256"/>
+      </p:ext>
+    </p:extLst>
+  </p:cSld>
+  <p:clrMapOvr>
+    <a:masterClrMapping/>
+  </p:clrMapOvr>
+</p:sld>
+</file>
+
+<file path=ppt/slides/slide10.xml><?xml version="1.0" encoding="utf-8"?>
+<p:sld xmlns:a="http://schemas.openxmlformats.org/drawingml/2006/main" xmlns:r="http://schemas.openxmlformats.org/officeDocument/2006/relationships" xmlns:p="http://schemas.openxmlformats.org/presentationml/2006/main">
+  <p:cSld>
+    <p:spTree>
+      <p:nvGrpSpPr>
+        <p:cNvPr id="1" name=""/>
+        <p:cNvGrpSpPr/>
+        <p:nvPr/>
+      </p:nvGrpSpPr>
+      <p:grpSpPr>
+        <a:xfrm>
+          <a:off x="0" y="0"/>
+          <a:ext cx="0" cy="0"/>
+          <a:chOff x="0" y="0"/>
+          <a:chExt cx="0" cy="0"/>
+        </a:xfrm>
+      </p:grpSpPr>
+      <p:sp>
+        <p:nvSpPr>
+          <p:cNvPr id="4" name="矩形 3"/>
+          <p:cNvSpPr/>
+          <p:nvPr/>
+        </p:nvSpPr>
+        <p:spPr>
+          <a:xfrm>
+            <a:off x="1005838" y="814648"/>
+            <a:ext cx="2934393" cy="3308465"/>
+          </a:xfrm>
+          <a:prstGeom prst="rect">
+            <a:avLst/>
+          </a:prstGeom>
+          <a:solidFill>
+            <a:schemeClr val="bg1"/>
+          </a:solidFill>
+          <a:ln>
+            <a:solidFill>
+              <a:schemeClr val="tx1"/>
+            </a:solidFill>
+          </a:ln>
+        </p:spPr>
+        <p:style>
+          <a:lnRef idx="2">
+            <a:schemeClr val="accent1">
+              <a:shade val="50000"/>
+            </a:schemeClr>
+          </a:lnRef>
+          <a:fillRef idx="1">
+            <a:schemeClr val="accent1"/>
+          </a:fillRef>
+          <a:effectRef idx="0">
+            <a:schemeClr val="accent1"/>
+          </a:effectRef>
+          <a:fontRef idx="minor">
+            <a:schemeClr val="lt1"/>
+          </a:fontRef>
+        </p:style>
+        <p:txBody>
+          <a:bodyPr rtlCol="0" anchor="ctr"/>
+          <a:lstStyle/>
+          <a:p>
+            <a:pPr algn="ctr"/>
+            <a:endParaRPr lang="zh-CN" altLang="en-US"/>
+          </a:p>
+        </p:txBody>
+      </p:sp>
+      <p:sp>
+        <p:nvSpPr>
+          <p:cNvPr id="2" name="矩形 1"/>
+          <p:cNvSpPr/>
+          <p:nvPr/>
+        </p:nvSpPr>
+        <p:spPr>
+          <a:xfrm>
+            <a:off x="1795549" y="1351400"/>
+            <a:ext cx="1354975" cy="789709"/>
+          </a:xfrm>
+          <a:prstGeom prst="rect">
+            <a:avLst/>
+          </a:prstGeom>
+        </p:spPr>
+        <p:style>
+          <a:lnRef idx="2">
+            <a:schemeClr val="accent1">
+              <a:shade val="50000"/>
+            </a:schemeClr>
+          </a:lnRef>
+          <a:fillRef idx="1">
+            <a:schemeClr val="accent1"/>
+          </a:fillRef>
+          <a:effectRef idx="0">
+            <a:schemeClr val="accent1"/>
+          </a:effectRef>
+          <a:fontRef idx="minor">
+            <a:schemeClr val="lt1"/>
+          </a:fontRef>
+        </p:style>
+        <p:txBody>
+          <a:bodyPr rtlCol="0" anchor="ctr"/>
+          <a:lstStyle/>
+          <a:p>
+            <a:pPr algn="ctr"/>
+            <a:r>
+              <a:rPr lang="en-US" altLang="zh-CN" dirty="0"/>
+              <a:t>NF A (2ms)</a:t>
+            </a:r>
+            <a:endParaRPr lang="zh-CN" altLang="en-US" dirty="0"/>
+          </a:p>
+        </p:txBody>
+      </p:sp>
+      <p:sp>
+        <p:nvSpPr>
+          <p:cNvPr id="3" name="矩形 2"/>
+          <p:cNvSpPr/>
+          <p:nvPr/>
+        </p:nvSpPr>
+        <p:spPr>
+          <a:xfrm>
+            <a:off x="1795548" y="2709949"/>
+            <a:ext cx="1354975" cy="789709"/>
+          </a:xfrm>
+          <a:prstGeom prst="rect">
+            <a:avLst/>
+          </a:prstGeom>
+        </p:spPr>
+        <p:style>
+          <a:lnRef idx="2">
+            <a:schemeClr val="accent1">
+              <a:shade val="50000"/>
+            </a:schemeClr>
+          </a:lnRef>
+          <a:fillRef idx="1">
+            <a:schemeClr val="accent1"/>
+          </a:fillRef>
+          <a:effectRef idx="0">
+            <a:schemeClr val="accent1"/>
+          </a:effectRef>
+          <a:fontRef idx="minor">
+            <a:schemeClr val="lt1"/>
+          </a:fontRef>
+        </p:style>
+        <p:txBody>
+          <a:bodyPr rtlCol="0" anchor="ctr"/>
+          <a:lstStyle/>
+          <a:p>
+            <a:pPr algn="ctr"/>
+            <a:r>
+              <a:rPr lang="en-US" altLang="zh-CN" dirty="0"/>
+              <a:t>NF B (2ms)</a:t>
+            </a:r>
+            <a:endParaRPr lang="zh-CN" altLang="en-US" dirty="0"/>
+          </a:p>
+        </p:txBody>
+      </p:sp>
+      <p:sp>
+        <p:nvSpPr>
+          <p:cNvPr id="5" name="矩形 4"/>
+          <p:cNvSpPr/>
+          <p:nvPr/>
+        </p:nvSpPr>
+        <p:spPr>
+          <a:xfrm>
+            <a:off x="6200952" y="2074025"/>
+            <a:ext cx="1354975" cy="789709"/>
+          </a:xfrm>
+          <a:prstGeom prst="rect">
+            <a:avLst/>
+          </a:prstGeom>
+        </p:spPr>
+        <p:style>
+          <a:lnRef idx="2">
+            <a:schemeClr val="accent1">
+              <a:shade val="50000"/>
+            </a:schemeClr>
+          </a:lnRef>
+          <a:fillRef idx="1">
+            <a:schemeClr val="accent1"/>
+          </a:fillRef>
+          <a:effectRef idx="0">
+            <a:schemeClr val="accent1"/>
+          </a:effectRef>
+          <a:fontRef idx="minor">
+            <a:schemeClr val="lt1"/>
+          </a:fontRef>
+        </p:style>
+        <p:txBody>
+          <a:bodyPr rtlCol="0" anchor="ctr"/>
+          <a:lstStyle/>
+          <a:p>
+            <a:pPr algn="ctr"/>
+            <a:r>
+              <a:rPr lang="en-US" altLang="zh-CN" dirty="0"/>
+              <a:t>NF C (1ms)</a:t>
+            </a:r>
+            <a:endParaRPr lang="zh-CN" altLang="en-US" dirty="0"/>
+          </a:p>
+        </p:txBody>
+      </p:sp>
+      <p:cxnSp>
+        <p:nvCxnSpPr>
+          <p:cNvPr id="7" name="直接箭头连接符 6"/>
+          <p:cNvCxnSpPr>
+            <a:stCxn id="4" idx="3"/>
+            <a:endCxn id="5" idx="1"/>
+          </p:cNvCxnSpPr>
+          <p:nvPr/>
+        </p:nvCxnSpPr>
+        <p:spPr>
+          <a:xfrm flipV="1">
+            <a:off x="3940231" y="2468880"/>
+            <a:ext cx="2260721" cy="1"/>
+          </a:xfrm>
+          <a:prstGeom prst="straightConnector1">
+            <a:avLst/>
+          </a:prstGeom>
+          <a:ln>
+            <a:tailEnd type="triangle"/>
+          </a:ln>
+        </p:spPr>
+        <p:style>
+          <a:lnRef idx="1">
+            <a:schemeClr val="dk1"/>
+          </a:lnRef>
+          <a:fillRef idx="0">
+            <a:schemeClr val="dk1"/>
+          </a:fillRef>
+          <a:effectRef idx="0">
+            <a:schemeClr val="dk1"/>
+          </a:effectRef>
+          <a:fontRef idx="minor">
+            <a:schemeClr val="tx1"/>
+          </a:fontRef>
+        </p:style>
+      </p:cxnSp>
+    </p:spTree>
+    <p:extLst>
+      <p:ext uri="{BB962C8B-B14F-4D97-AF65-F5344CB8AC3E}">
+        <p14:creationId xmlns:p14="http://schemas.microsoft.com/office/powerpoint/2010/main" val="1535183959"/>
       </p:ext>
     </p:extLst>
   </p:cSld>
@@ -4907,10 +5154,16 @@
           <a:p>
             <a:pPr algn="ctr"/>
             <a:r>
-              <a:rPr lang="en-US" altLang="zh-CN" dirty="0"/>
+              <a:rPr lang="en-US" altLang="zh-CN" dirty="0">
+                <a:latin typeface="Times New Roman" panose="02020603050405020304" pitchFamily="18" charset="0"/>
+                <a:cs typeface="Times New Roman" panose="02020603050405020304" pitchFamily="18" charset="0"/>
+              </a:rPr>
               <a:t>100</a:t>
             </a:r>
-            <a:endParaRPr lang="zh-CN" altLang="en-US" dirty="0"/>
+            <a:endParaRPr lang="zh-CN" altLang="en-US" dirty="0">
+              <a:latin typeface="Times New Roman" panose="02020603050405020304" pitchFamily="18" charset="0"/>
+              <a:cs typeface="Times New Roman" panose="02020603050405020304" pitchFamily="18" charset="0"/>
+            </a:endParaRPr>
           </a:p>
         </p:txBody>
       </p:sp>
@@ -4951,10 +5204,16 @@
           <a:p>
             <a:pPr algn="ctr"/>
             <a:r>
-              <a:rPr lang="en-US" altLang="zh-CN" dirty="0"/>
+              <a:rPr lang="en-US" altLang="zh-CN" dirty="0">
+                <a:latin typeface="Times New Roman" panose="02020603050405020304" pitchFamily="18" charset="0"/>
+                <a:cs typeface="Times New Roman" panose="02020603050405020304" pitchFamily="18" charset="0"/>
+              </a:rPr>
               <a:t>130</a:t>
             </a:r>
-            <a:endParaRPr lang="zh-CN" altLang="en-US" dirty="0"/>
+            <a:endParaRPr lang="zh-CN" altLang="en-US" dirty="0">
+              <a:latin typeface="Times New Roman" panose="02020603050405020304" pitchFamily="18" charset="0"/>
+              <a:cs typeface="Times New Roman" panose="02020603050405020304" pitchFamily="18" charset="0"/>
+            </a:endParaRPr>
           </a:p>
         </p:txBody>
       </p:sp>
@@ -4995,10 +5254,16 @@
           <a:p>
             <a:pPr algn="ctr"/>
             <a:r>
-              <a:rPr lang="en-US" altLang="zh-CN" dirty="0"/>
+              <a:rPr lang="en-US" altLang="zh-CN" dirty="0">
+                <a:latin typeface="Times New Roman" panose="02020603050405020304" pitchFamily="18" charset="0"/>
+                <a:cs typeface="Times New Roman" panose="02020603050405020304" pitchFamily="18" charset="0"/>
+              </a:rPr>
               <a:t>120</a:t>
             </a:r>
-            <a:endParaRPr lang="zh-CN" altLang="en-US" dirty="0"/>
+            <a:endParaRPr lang="zh-CN" altLang="en-US" dirty="0">
+              <a:latin typeface="Times New Roman" panose="02020603050405020304" pitchFamily="18" charset="0"/>
+              <a:cs typeface="Times New Roman" panose="02020603050405020304" pitchFamily="18" charset="0"/>
+            </a:endParaRPr>
           </a:p>
         </p:txBody>
       </p:sp>
@@ -5039,10 +5304,16 @@
           <a:p>
             <a:pPr algn="ctr"/>
             <a:r>
-              <a:rPr lang="en-US" altLang="zh-CN" dirty="0"/>
+              <a:rPr lang="en-US" altLang="zh-CN" dirty="0">
+                <a:latin typeface="Times New Roman" panose="02020603050405020304" pitchFamily="18" charset="0"/>
+                <a:cs typeface="Times New Roman" panose="02020603050405020304" pitchFamily="18" charset="0"/>
+              </a:rPr>
               <a:t>150</a:t>
             </a:r>
-            <a:endParaRPr lang="zh-CN" altLang="en-US" dirty="0"/>
+            <a:endParaRPr lang="zh-CN" altLang="en-US" dirty="0">
+              <a:latin typeface="Times New Roman" panose="02020603050405020304" pitchFamily="18" charset="0"/>
+              <a:cs typeface="Times New Roman" panose="02020603050405020304" pitchFamily="18" charset="0"/>
+            </a:endParaRPr>
           </a:p>
         </p:txBody>
       </p:sp>
@@ -5230,7 +5501,10 @@
           <a:lstStyle/>
           <a:p>
             <a:pPr algn="ctr"/>
-            <a:endParaRPr lang="zh-CN" altLang="en-US"/>
+            <a:endParaRPr lang="zh-CN" altLang="en-US">
+              <a:latin typeface="Times New Roman" panose="02020603050405020304" pitchFamily="18" charset="0"/>
+              <a:cs typeface="Times New Roman" panose="02020603050405020304" pitchFamily="18" charset="0"/>
+            </a:endParaRPr>
           </a:p>
         </p:txBody>
       </p:sp>
@@ -5278,7 +5552,10 @@
           <a:lstStyle/>
           <a:p>
             <a:pPr algn="ctr"/>
-            <a:endParaRPr lang="zh-CN" altLang="en-US"/>
+            <a:endParaRPr lang="zh-CN" altLang="en-US">
+              <a:latin typeface="Times New Roman" panose="02020603050405020304" pitchFamily="18" charset="0"/>
+              <a:cs typeface="Times New Roman" panose="02020603050405020304" pitchFamily="18" charset="0"/>
+            </a:endParaRPr>
           </a:p>
         </p:txBody>
       </p:sp>
@@ -5463,10 +5740,16 @@
                 <a:p>
                   <a:pPr algn="ctr"/>
                   <a:r>
-                    <a:rPr lang="en-US" altLang="zh-CN" dirty="0"/>
+                    <a:rPr lang="en-US" altLang="zh-CN" dirty="0">
+                      <a:latin typeface="Times New Roman" panose="02020603050405020304" pitchFamily="18" charset="0"/>
+                      <a:cs typeface="Times New Roman" panose="02020603050405020304" pitchFamily="18" charset="0"/>
+                    </a:rPr>
                     <a:t>50</a:t>
                   </a:r>
-                  <a:endParaRPr lang="zh-CN" altLang="en-US" dirty="0"/>
+                  <a:endParaRPr lang="zh-CN" altLang="en-US" dirty="0">
+                    <a:latin typeface="Times New Roman" panose="02020603050405020304" pitchFamily="18" charset="0"/>
+                    <a:cs typeface="Times New Roman" panose="02020603050405020304" pitchFamily="18" charset="0"/>
+                  </a:endParaRPr>
                 </a:p>
               </p:txBody>
             </p:sp>
@@ -5507,10 +5790,16 @@
                 <a:p>
                   <a:pPr algn="ctr"/>
                   <a:r>
-                    <a:rPr lang="en-US" altLang="zh-CN" dirty="0"/>
+                    <a:rPr lang="en-US" altLang="zh-CN" dirty="0">
+                      <a:latin typeface="Times New Roman" panose="02020603050405020304" pitchFamily="18" charset="0"/>
+                      <a:cs typeface="Times New Roman" panose="02020603050405020304" pitchFamily="18" charset="0"/>
+                    </a:rPr>
                     <a:t>60</a:t>
                   </a:r>
-                  <a:endParaRPr lang="zh-CN" altLang="en-US" dirty="0"/>
+                  <a:endParaRPr lang="zh-CN" altLang="en-US" dirty="0">
+                    <a:latin typeface="Times New Roman" panose="02020603050405020304" pitchFamily="18" charset="0"/>
+                    <a:cs typeface="Times New Roman" panose="02020603050405020304" pitchFamily="18" charset="0"/>
+                  </a:endParaRPr>
                 </a:p>
               </p:txBody>
             </p:sp>
@@ -5551,10 +5840,16 @@
                 <a:p>
                   <a:pPr algn="ctr"/>
                   <a:r>
-                    <a:rPr lang="en-US" altLang="zh-CN" dirty="0"/>
+                    <a:rPr lang="en-US" altLang="zh-CN" dirty="0">
+                      <a:latin typeface="Times New Roman" panose="02020603050405020304" pitchFamily="18" charset="0"/>
+                      <a:cs typeface="Times New Roman" panose="02020603050405020304" pitchFamily="18" charset="0"/>
+                    </a:rPr>
                     <a:t>70</a:t>
                   </a:r>
-                  <a:endParaRPr lang="zh-CN" altLang="en-US" dirty="0"/>
+                  <a:endParaRPr lang="zh-CN" altLang="en-US" dirty="0">
+                    <a:latin typeface="Times New Roman" panose="02020603050405020304" pitchFamily="18" charset="0"/>
+                    <a:cs typeface="Times New Roman" panose="02020603050405020304" pitchFamily="18" charset="0"/>
+                  </a:endParaRPr>
                 </a:p>
               </p:txBody>
             </p:sp>
@@ -5648,7 +5943,7 @@
               </p:nvCxnSpPr>
               <p:spPr>
                 <a:xfrm>
-                  <a:off x="3160251" y="1983698"/>
+                  <a:off x="3434568" y="1983698"/>
                   <a:ext cx="192730" cy="495742"/>
                 </a:xfrm>
                 <a:prstGeom prst="straightConnector1">
@@ -5687,8 +5982,8 @@
               </p:nvSpPr>
               <p:spPr>
                 <a:xfrm>
-                  <a:off x="3268521" y="1980712"/>
-                  <a:ext cx="736099" cy="369332"/>
+                  <a:off x="3534523" y="1980712"/>
+                  <a:ext cx="684803" cy="369332"/>
                 </a:xfrm>
                 <a:prstGeom prst="rect">
                   <a:avLst/>
@@ -5703,14 +5998,14 @@
                 <a:p>
                   <a:r>
                     <a:rPr lang="en-US" altLang="zh-CN" i="1" dirty="0">
-                      <a:latin typeface="Arial" panose="020B0604020202020204" pitchFamily="34" charset="0"/>
-                      <a:cs typeface="Arial" panose="020B0604020202020204" pitchFamily="34" charset="0"/>
+                      <a:latin typeface="Times New Roman" panose="02020603050405020304" pitchFamily="18" charset="0"/>
+                      <a:cs typeface="Times New Roman" panose="02020603050405020304" pitchFamily="18" charset="0"/>
                     </a:rPr>
                     <a:t>place</a:t>
                   </a:r>
                   <a:endParaRPr lang="zh-CN" altLang="en-US" i="1" dirty="0">
-                    <a:latin typeface="Arial" panose="020B0604020202020204" pitchFamily="34" charset="0"/>
-                    <a:cs typeface="Arial" panose="020B0604020202020204" pitchFamily="34" charset="0"/>
+                    <a:latin typeface="Times New Roman" panose="02020603050405020304" pitchFamily="18" charset="0"/>
+                    <a:cs typeface="Times New Roman" panose="02020603050405020304" pitchFamily="18" charset="0"/>
                   </a:endParaRPr>
                 </a:p>
               </p:txBody>
@@ -5759,7 +6054,10 @@
                 <a:lstStyle/>
                 <a:p>
                   <a:pPr algn="ctr"/>
-                  <a:endParaRPr lang="zh-CN" altLang="en-US"/>
+                  <a:endParaRPr lang="zh-CN" altLang="en-US">
+                    <a:latin typeface="Times New Roman" panose="02020603050405020304" pitchFamily="18" charset="0"/>
+                    <a:cs typeface="Times New Roman" panose="02020603050405020304" pitchFamily="18" charset="0"/>
+                  </a:endParaRPr>
                 </a:p>
               </p:txBody>
             </p:sp>
@@ -5793,10 +6091,16 @@
               <a:lstStyle/>
               <a:p>
                 <a:r>
-                  <a:rPr lang="en-US" altLang="zh-CN" sz="1400" dirty="0"/>
+                  <a:rPr lang="en-US" altLang="zh-CN" sz="1400" dirty="0">
+                    <a:latin typeface="Times New Roman" panose="02020603050405020304" pitchFamily="18" charset="0"/>
+                    <a:cs typeface="Times New Roman" panose="02020603050405020304" pitchFamily="18" charset="0"/>
+                  </a:rPr>
                   <a:t>NF A</a:t>
                 </a:r>
-                <a:endParaRPr lang="zh-CN" altLang="en-US" sz="1400" dirty="0"/>
+                <a:endParaRPr lang="zh-CN" altLang="en-US" sz="1400" dirty="0">
+                  <a:latin typeface="Times New Roman" panose="02020603050405020304" pitchFamily="18" charset="0"/>
+                  <a:cs typeface="Times New Roman" panose="02020603050405020304" pitchFamily="18" charset="0"/>
+                </a:endParaRPr>
               </a:p>
             </p:txBody>
           </p:sp>
@@ -5830,10 +6134,16 @@
             <a:lstStyle/>
             <a:p>
               <a:r>
-                <a:rPr lang="en-US" altLang="zh-CN" sz="1400" dirty="0"/>
+                <a:rPr lang="en-US" altLang="zh-CN" sz="1400" dirty="0">
+                  <a:latin typeface="Times New Roman" panose="02020603050405020304" pitchFamily="18" charset="0"/>
+                  <a:cs typeface="Times New Roman" panose="02020603050405020304" pitchFamily="18" charset="0"/>
+                </a:rPr>
                 <a:t>NF B</a:t>
               </a:r>
-              <a:endParaRPr lang="zh-CN" altLang="en-US" sz="1400" dirty="0"/>
+              <a:endParaRPr lang="zh-CN" altLang="en-US" sz="1400" dirty="0">
+                <a:latin typeface="Times New Roman" panose="02020603050405020304" pitchFamily="18" charset="0"/>
+                <a:cs typeface="Times New Roman" panose="02020603050405020304" pitchFamily="18" charset="0"/>
+              </a:endParaRPr>
             </a:p>
           </p:txBody>
         </p:sp>
@@ -5866,10 +6176,16 @@
             <a:lstStyle/>
             <a:p>
               <a:r>
-                <a:rPr lang="en-US" altLang="zh-CN" sz="1400" dirty="0"/>
+                <a:rPr lang="en-US" altLang="zh-CN" sz="1400" dirty="0">
+                  <a:latin typeface="Times New Roman" panose="02020603050405020304" pitchFamily="18" charset="0"/>
+                  <a:cs typeface="Times New Roman" panose="02020603050405020304" pitchFamily="18" charset="0"/>
+                </a:rPr>
                 <a:t>NF C</a:t>
               </a:r>
-              <a:endParaRPr lang="zh-CN" altLang="en-US" sz="1400" dirty="0"/>
+              <a:endParaRPr lang="zh-CN" altLang="en-US" sz="1400" dirty="0">
+                <a:latin typeface="Times New Roman" panose="02020603050405020304" pitchFamily="18" charset="0"/>
+                <a:cs typeface="Times New Roman" panose="02020603050405020304" pitchFamily="18" charset="0"/>
+              </a:endParaRPr>
             </a:p>
           </p:txBody>
         </p:sp>
@@ -5904,10 +6220,16 @@
           <a:p>
             <a:pPr algn="ctr"/>
             <a:r>
-              <a:rPr lang="en-US" altLang="zh-CN" sz="1400" dirty="0"/>
+              <a:rPr lang="en-US" altLang="zh-CN" sz="1400" dirty="0">
+                <a:latin typeface="Times New Roman" panose="02020603050405020304" pitchFamily="18" charset="0"/>
+                <a:cs typeface="Times New Roman" panose="02020603050405020304" pitchFamily="18" charset="0"/>
+              </a:rPr>
               <a:t>Node A</a:t>
             </a:r>
-            <a:endParaRPr lang="zh-CN" altLang="en-US" sz="1400" dirty="0"/>
+            <a:endParaRPr lang="zh-CN" altLang="en-US" sz="1400" dirty="0">
+              <a:latin typeface="Times New Roman" panose="02020603050405020304" pitchFamily="18" charset="0"/>
+              <a:cs typeface="Times New Roman" panose="02020603050405020304" pitchFamily="18" charset="0"/>
+            </a:endParaRPr>
           </a:p>
         </p:txBody>
       </p:sp>
@@ -5941,10 +6263,16 @@
           <a:p>
             <a:pPr algn="ctr"/>
             <a:r>
-              <a:rPr lang="en-US" altLang="zh-CN" sz="1400" dirty="0"/>
+              <a:rPr lang="en-US" altLang="zh-CN" sz="1400" dirty="0">
+                <a:latin typeface="Times New Roman" panose="02020603050405020304" pitchFamily="18" charset="0"/>
+                <a:cs typeface="Times New Roman" panose="02020603050405020304" pitchFamily="18" charset="0"/>
+              </a:rPr>
               <a:t>Node B</a:t>
             </a:r>
-            <a:endParaRPr lang="zh-CN" altLang="en-US" sz="1400" dirty="0"/>
+            <a:endParaRPr lang="zh-CN" altLang="en-US" sz="1400" dirty="0">
+              <a:latin typeface="Times New Roman" panose="02020603050405020304" pitchFamily="18" charset="0"/>
+              <a:cs typeface="Times New Roman" panose="02020603050405020304" pitchFamily="18" charset="0"/>
+            </a:endParaRPr>
           </a:p>
         </p:txBody>
       </p:sp>
@@ -5978,10 +6306,16 @@
           <a:p>
             <a:pPr algn="ctr"/>
             <a:r>
-              <a:rPr lang="en-US" altLang="zh-CN" sz="1400" dirty="0"/>
+              <a:rPr lang="en-US" altLang="zh-CN" sz="1400" dirty="0">
+                <a:latin typeface="Times New Roman" panose="02020603050405020304" pitchFamily="18" charset="0"/>
+                <a:cs typeface="Times New Roman" panose="02020603050405020304" pitchFamily="18" charset="0"/>
+              </a:rPr>
               <a:t>Node C</a:t>
             </a:r>
-            <a:endParaRPr lang="zh-CN" altLang="en-US" sz="1400" dirty="0"/>
+            <a:endParaRPr lang="zh-CN" altLang="en-US" sz="1400" dirty="0">
+              <a:latin typeface="Times New Roman" panose="02020603050405020304" pitchFamily="18" charset="0"/>
+              <a:cs typeface="Times New Roman" panose="02020603050405020304" pitchFamily="18" charset="0"/>
+            </a:endParaRPr>
           </a:p>
         </p:txBody>
       </p:sp>
@@ -6015,10 +6349,16 @@
           <a:p>
             <a:pPr algn="ctr"/>
             <a:r>
-              <a:rPr lang="en-US" altLang="zh-CN" sz="1400" dirty="0"/>
+              <a:rPr lang="en-US" altLang="zh-CN" sz="1400" dirty="0">
+                <a:latin typeface="Times New Roman" panose="02020603050405020304" pitchFamily="18" charset="0"/>
+                <a:cs typeface="Times New Roman" panose="02020603050405020304" pitchFamily="18" charset="0"/>
+              </a:rPr>
               <a:t>Node D</a:t>
             </a:r>
-            <a:endParaRPr lang="zh-CN" altLang="en-US" sz="1400" dirty="0"/>
+            <a:endParaRPr lang="zh-CN" altLang="en-US" sz="1400" dirty="0">
+              <a:latin typeface="Times New Roman" panose="02020603050405020304" pitchFamily="18" charset="0"/>
+              <a:cs typeface="Times New Roman" panose="02020603050405020304" pitchFamily="18" charset="0"/>
+            </a:endParaRPr>
           </a:p>
         </p:txBody>
       </p:sp>
@@ -6064,7 +6404,10 @@
           <a:lstStyle/>
           <a:p>
             <a:pPr algn="ctr"/>
-            <a:endParaRPr lang="zh-CN" altLang="en-US" dirty="0"/>
+            <a:endParaRPr lang="zh-CN" altLang="en-US" dirty="0">
+              <a:latin typeface="Times New Roman" panose="02020603050405020304" pitchFamily="18" charset="0"/>
+              <a:cs typeface="Times New Roman" panose="02020603050405020304" pitchFamily="18" charset="0"/>
+            </a:endParaRPr>
           </a:p>
         </p:txBody>
       </p:sp>
@@ -6110,7 +6453,10 @@
           <a:lstStyle/>
           <a:p>
             <a:pPr algn="ctr"/>
-            <a:endParaRPr lang="zh-CN" altLang="en-US" dirty="0"/>
+            <a:endParaRPr lang="zh-CN" altLang="en-US" dirty="0">
+              <a:latin typeface="Times New Roman" panose="02020603050405020304" pitchFamily="18" charset="0"/>
+              <a:cs typeface="Times New Roman" panose="02020603050405020304" pitchFamily="18" charset="0"/>
+            </a:endParaRPr>
           </a:p>
         </p:txBody>
       </p:sp>
@@ -6156,7 +6502,10 @@
           <a:lstStyle/>
           <a:p>
             <a:pPr algn="ctr"/>
-            <a:endParaRPr lang="zh-CN" altLang="en-US" dirty="0"/>
+            <a:endParaRPr lang="zh-CN" altLang="en-US" dirty="0">
+              <a:latin typeface="Times New Roman" panose="02020603050405020304" pitchFamily="18" charset="0"/>
+              <a:cs typeface="Times New Roman" panose="02020603050405020304" pitchFamily="18" charset="0"/>
+            </a:endParaRPr>
           </a:p>
         </p:txBody>
       </p:sp>
@@ -6202,7 +6551,10 @@
           <a:lstStyle/>
           <a:p>
             <a:pPr algn="ctr"/>
-            <a:endParaRPr lang="zh-CN" altLang="en-US" dirty="0"/>
+            <a:endParaRPr lang="zh-CN" altLang="en-US" dirty="0">
+              <a:latin typeface="Times New Roman" panose="02020603050405020304" pitchFamily="18" charset="0"/>
+              <a:cs typeface="Times New Roman" panose="02020603050405020304" pitchFamily="18" charset="0"/>
+            </a:endParaRPr>
           </a:p>
         </p:txBody>
       </p:sp>
@@ -6400,10 +6752,16 @@
           <a:p>
             <a:pPr algn="ctr"/>
             <a:r>
-              <a:rPr lang="en-US" altLang="zh-CN" sz="1400" dirty="0"/>
+              <a:rPr lang="en-US" altLang="zh-CN" sz="1400" dirty="0">
+                <a:latin typeface="Times New Roman" panose="02020603050405020304" pitchFamily="18" charset="0"/>
+                <a:cs typeface="Times New Roman" panose="02020603050405020304" pitchFamily="18" charset="0"/>
+              </a:rPr>
               <a:t>Node A</a:t>
             </a:r>
-            <a:endParaRPr lang="zh-CN" altLang="en-US" sz="1400" dirty="0"/>
+            <a:endParaRPr lang="zh-CN" altLang="en-US" sz="1400" dirty="0">
+              <a:latin typeface="Times New Roman" panose="02020603050405020304" pitchFamily="18" charset="0"/>
+              <a:cs typeface="Times New Roman" panose="02020603050405020304" pitchFamily="18" charset="0"/>
+            </a:endParaRPr>
           </a:p>
         </p:txBody>
       </p:sp>
@@ -6437,10 +6795,16 @@
           <a:p>
             <a:pPr algn="ctr"/>
             <a:r>
-              <a:rPr lang="en-US" altLang="zh-CN" sz="1400" dirty="0"/>
+              <a:rPr lang="en-US" altLang="zh-CN" sz="1400" dirty="0">
+                <a:latin typeface="Times New Roman" panose="02020603050405020304" pitchFamily="18" charset="0"/>
+                <a:cs typeface="Times New Roman" panose="02020603050405020304" pitchFamily="18" charset="0"/>
+              </a:rPr>
               <a:t>Node B</a:t>
             </a:r>
-            <a:endParaRPr lang="zh-CN" altLang="en-US" sz="1400" dirty="0"/>
+            <a:endParaRPr lang="zh-CN" altLang="en-US" sz="1400" dirty="0">
+              <a:latin typeface="Times New Roman" panose="02020603050405020304" pitchFamily="18" charset="0"/>
+              <a:cs typeface="Times New Roman" panose="02020603050405020304" pitchFamily="18" charset="0"/>
+            </a:endParaRPr>
           </a:p>
         </p:txBody>
       </p:sp>
@@ -6474,10 +6838,16 @@
           <a:p>
             <a:pPr algn="ctr"/>
             <a:r>
-              <a:rPr lang="en-US" altLang="zh-CN" sz="1400" dirty="0"/>
+              <a:rPr lang="en-US" altLang="zh-CN" sz="1400" dirty="0">
+                <a:latin typeface="Times New Roman" panose="02020603050405020304" pitchFamily="18" charset="0"/>
+                <a:cs typeface="Times New Roman" panose="02020603050405020304" pitchFamily="18" charset="0"/>
+              </a:rPr>
               <a:t>Node D</a:t>
             </a:r>
-            <a:endParaRPr lang="zh-CN" altLang="en-US" sz="1400" dirty="0"/>
+            <a:endParaRPr lang="zh-CN" altLang="en-US" sz="1400" dirty="0">
+              <a:latin typeface="Times New Roman" panose="02020603050405020304" pitchFamily="18" charset="0"/>
+              <a:cs typeface="Times New Roman" panose="02020603050405020304" pitchFamily="18" charset="0"/>
+            </a:endParaRPr>
           </a:p>
         </p:txBody>
       </p:sp>
@@ -6511,10 +6881,16 @@
           <a:p>
             <a:pPr algn="ctr"/>
             <a:r>
-              <a:rPr lang="en-US" altLang="zh-CN" sz="1400" dirty="0"/>
+              <a:rPr lang="en-US" altLang="zh-CN" sz="1400" dirty="0">
+                <a:latin typeface="Times New Roman" panose="02020603050405020304" pitchFamily="18" charset="0"/>
+                <a:cs typeface="Times New Roman" panose="02020603050405020304" pitchFamily="18" charset="0"/>
+              </a:rPr>
               <a:t>Node C</a:t>
             </a:r>
-            <a:endParaRPr lang="zh-CN" altLang="en-US" sz="1400" dirty="0"/>
+            <a:endParaRPr lang="zh-CN" altLang="en-US" sz="1400" dirty="0">
+              <a:latin typeface="Times New Roman" panose="02020603050405020304" pitchFamily="18" charset="0"/>
+              <a:cs typeface="Times New Roman" panose="02020603050405020304" pitchFamily="18" charset="0"/>
+            </a:endParaRPr>
           </a:p>
         </p:txBody>
       </p:sp>
@@ -6561,10 +6937,16 @@
           <a:p>
             <a:pPr algn="ctr"/>
             <a:r>
-              <a:rPr lang="en-US" altLang="zh-CN" sz="1400" dirty="0"/>
+              <a:rPr lang="en-US" altLang="zh-CN" sz="1400" dirty="0">
+                <a:latin typeface="Times New Roman" panose="02020603050405020304" pitchFamily="18" charset="0"/>
+                <a:cs typeface="Times New Roman" panose="02020603050405020304" pitchFamily="18" charset="0"/>
+              </a:rPr>
               <a:t>NF A</a:t>
             </a:r>
-            <a:endParaRPr lang="zh-CN" altLang="en-US" dirty="0"/>
+            <a:endParaRPr lang="zh-CN" altLang="en-US" dirty="0">
+              <a:latin typeface="Times New Roman" panose="02020603050405020304" pitchFamily="18" charset="0"/>
+              <a:cs typeface="Times New Roman" panose="02020603050405020304" pitchFamily="18" charset="0"/>
+            </a:endParaRPr>
           </a:p>
         </p:txBody>
       </p:sp>
@@ -6611,10 +6993,16 @@
           <a:p>
             <a:pPr algn="ctr"/>
             <a:r>
-              <a:rPr lang="en-US" altLang="zh-CN" sz="1400" dirty="0"/>
+              <a:rPr lang="en-US" altLang="zh-CN" sz="1400" dirty="0">
+                <a:latin typeface="Times New Roman" panose="02020603050405020304" pitchFamily="18" charset="0"/>
+                <a:cs typeface="Times New Roman" panose="02020603050405020304" pitchFamily="18" charset="0"/>
+              </a:rPr>
               <a:t>NF A</a:t>
             </a:r>
-            <a:endParaRPr lang="zh-CN" altLang="en-US" dirty="0"/>
+            <a:endParaRPr lang="zh-CN" altLang="en-US" dirty="0">
+              <a:latin typeface="Times New Roman" panose="02020603050405020304" pitchFamily="18" charset="0"/>
+              <a:cs typeface="Times New Roman" panose="02020603050405020304" pitchFamily="18" charset="0"/>
+            </a:endParaRPr>
           </a:p>
         </p:txBody>
       </p:sp>
@@ -6661,10 +7049,16 @@
           <a:p>
             <a:pPr algn="ctr"/>
             <a:r>
-              <a:rPr lang="en-US" altLang="zh-CN" sz="1400" dirty="0"/>
+              <a:rPr lang="en-US" altLang="zh-CN" sz="1400" dirty="0">
+                <a:latin typeface="Times New Roman" panose="02020603050405020304" pitchFamily="18" charset="0"/>
+                <a:cs typeface="Times New Roman" panose="02020603050405020304" pitchFamily="18" charset="0"/>
+              </a:rPr>
               <a:t>NF B</a:t>
             </a:r>
-            <a:endParaRPr lang="zh-CN" altLang="en-US" dirty="0"/>
+            <a:endParaRPr lang="zh-CN" altLang="en-US" dirty="0">
+              <a:latin typeface="Times New Roman" panose="02020603050405020304" pitchFamily="18" charset="0"/>
+              <a:cs typeface="Times New Roman" panose="02020603050405020304" pitchFamily="18" charset="0"/>
+            </a:endParaRPr>
           </a:p>
         </p:txBody>
       </p:sp>
@@ -6744,10 +7138,16 @@
           <a:lstStyle/>
           <a:p>
             <a:r>
-              <a:rPr lang="en-US" altLang="zh-CN" sz="1400" dirty="0"/>
+              <a:rPr lang="en-US" altLang="zh-CN" sz="1400" dirty="0">
+                <a:latin typeface="Times New Roman" panose="02020603050405020304" pitchFamily="18" charset="0"/>
+                <a:cs typeface="Times New Roman" panose="02020603050405020304" pitchFamily="18" charset="0"/>
+              </a:rPr>
               <a:t>NF C</a:t>
             </a:r>
-            <a:endParaRPr lang="zh-CN" altLang="en-US" sz="1400" dirty="0"/>
+            <a:endParaRPr lang="zh-CN" altLang="en-US" sz="1400" dirty="0">
+              <a:latin typeface="Times New Roman" panose="02020603050405020304" pitchFamily="18" charset="0"/>
+              <a:cs typeface="Times New Roman" panose="02020603050405020304" pitchFamily="18" charset="0"/>
+            </a:endParaRPr>
           </a:p>
         </p:txBody>
       </p:sp>
@@ -7863,6 +8263,1333 @@
           <a:chExt cx="0" cy="0"/>
         </a:xfrm>
       </p:grpSpPr>
+      <p:graphicFrame>
+        <p:nvGraphicFramePr>
+          <p:cNvPr id="4" name="内容占位符 4"/>
+          <p:cNvGraphicFramePr>
+            <a:graphicFrameLocks noGrp="1"/>
+          </p:cNvGraphicFramePr>
+          <p:nvPr>
+            <p:ph idx="1"/>
+            <p:extLst>
+              <p:ext uri="{D42A27DB-BD31-4B8C-83A1-F6EECF244321}">
+                <p14:modId xmlns:p14="http://schemas.microsoft.com/office/powerpoint/2010/main" val="913581374"/>
+              </p:ext>
+            </p:extLst>
+          </p:nvPr>
+        </p:nvGraphicFramePr>
+        <p:xfrm>
+          <a:off x="2506107" y="3228922"/>
+          <a:ext cx="6222820" cy="2156442"/>
+        </p:xfrm>
+        <a:graphic>
+          <a:graphicData uri="http://schemas.openxmlformats.org/drawingml/2006/table">
+            <a:tbl>
+              <a:tblPr firstRow="1" bandRow="1">
+                <a:tableStyleId>{5940675A-B579-460E-94D1-54222C63F5DA}</a:tableStyleId>
+              </a:tblPr>
+              <a:tblGrid>
+                <a:gridCol w="1244564">
+                  <a:extLst>
+                    <a:ext uri="{9D8B030D-6E8A-4147-A177-3AD203B41FA5}">
+                      <a16:colId xmlns:a16="http://schemas.microsoft.com/office/drawing/2014/main" val="20000"/>
+                    </a:ext>
+                  </a:extLst>
+                </a:gridCol>
+                <a:gridCol w="1244564">
+                  <a:extLst>
+                    <a:ext uri="{9D8B030D-6E8A-4147-A177-3AD203B41FA5}">
+                      <a16:colId xmlns:a16="http://schemas.microsoft.com/office/drawing/2014/main" val="20001"/>
+                    </a:ext>
+                  </a:extLst>
+                </a:gridCol>
+                <a:gridCol w="1244564">
+                  <a:extLst>
+                    <a:ext uri="{9D8B030D-6E8A-4147-A177-3AD203B41FA5}">
+                      <a16:colId xmlns:a16="http://schemas.microsoft.com/office/drawing/2014/main" val="20002"/>
+                    </a:ext>
+                  </a:extLst>
+                </a:gridCol>
+                <a:gridCol w="1244564">
+                  <a:extLst>
+                    <a:ext uri="{9D8B030D-6E8A-4147-A177-3AD203B41FA5}">
+                      <a16:colId xmlns:a16="http://schemas.microsoft.com/office/drawing/2014/main" val="20003"/>
+                    </a:ext>
+                  </a:extLst>
+                </a:gridCol>
+                <a:gridCol w="1244564">
+                  <a:extLst>
+                    <a:ext uri="{9D8B030D-6E8A-4147-A177-3AD203B41FA5}">
+                      <a16:colId xmlns:a16="http://schemas.microsoft.com/office/drawing/2014/main" val="20004"/>
+                    </a:ext>
+                  </a:extLst>
+                </a:gridCol>
+              </a:tblGrid>
+              <a:tr h="571482">
+                <a:tc>
+                  <a:txBody>
+                    <a:bodyPr/>
+                    <a:lstStyle/>
+                    <a:p>
+                      <a:endParaRPr lang="zh-CN" altLang="en-US" sz="1200" dirty="0"/>
+                    </a:p>
+                  </a:txBody>
+                  <a:tcPr anchor="ctr">
+                    <a:lnTlToBr w="12700" cap="flat" cmpd="sng" algn="ctr">
+                      <a:solidFill>
+                        <a:schemeClr val="tx1"/>
+                      </a:solidFill>
+                      <a:prstDash val="solid"/>
+                      <a:round/>
+                      <a:headEnd type="none" w="med" len="med"/>
+                      <a:tailEnd type="none" w="med" len="med"/>
+                    </a:lnTlToBr>
+                  </a:tcPr>
+                </a:tc>
+                <a:tc>
+                  <a:txBody>
+                    <a:bodyPr/>
+                    <a:lstStyle/>
+                    <a:p>
+                      <a:pPr algn="ctr"/>
+                      <a:r>
+                        <a:rPr lang="en-US" altLang="zh-CN" sz="2000" dirty="0" smtClean="0"/>
+                        <a:t>Read</a:t>
+                      </a:r>
+                      <a:endParaRPr lang="zh-CN" altLang="en-US" sz="2000" dirty="0"/>
+                    </a:p>
+                  </a:txBody>
+                  <a:tcPr anchor="ctr"/>
+                </a:tc>
+                <a:tc>
+                  <a:txBody>
+                    <a:bodyPr/>
+                    <a:lstStyle/>
+                    <a:p>
+                      <a:pPr algn="ctr"/>
+                      <a:r>
+                        <a:rPr lang="en-US" altLang="zh-CN" sz="2000" dirty="0" smtClean="0"/>
+                        <a:t>Write</a:t>
+                      </a:r>
+                      <a:endParaRPr lang="zh-CN" altLang="en-US" sz="2000" dirty="0"/>
+                    </a:p>
+                  </a:txBody>
+                  <a:tcPr anchor="ctr"/>
+                </a:tc>
+                <a:tc>
+                  <a:txBody>
+                    <a:bodyPr/>
+                    <a:lstStyle/>
+                    <a:p>
+                      <a:pPr algn="ctr"/>
+                      <a:r>
+                        <a:rPr lang="en-US" altLang="zh-CN" sz="2000" dirty="0" smtClean="0"/>
+                        <a:t>Add/Rm</a:t>
+                      </a:r>
+                      <a:endParaRPr lang="zh-CN" altLang="en-US" sz="2000" dirty="0"/>
+                    </a:p>
+                  </a:txBody>
+                  <a:tcPr anchor="ctr"/>
+                </a:tc>
+                <a:tc>
+                  <a:txBody>
+                    <a:bodyPr/>
+                    <a:lstStyle/>
+                    <a:p>
+                      <a:pPr algn="ctr"/>
+                      <a:r>
+                        <a:rPr lang="en-US" altLang="zh-CN" sz="2000" dirty="0" smtClean="0"/>
+                        <a:t>Drop</a:t>
+                      </a:r>
+                      <a:endParaRPr lang="zh-CN" altLang="en-US" sz="2000" dirty="0"/>
+                    </a:p>
+                  </a:txBody>
+                  <a:tcPr anchor="ctr"/>
+                </a:tc>
+                <a:extLst>
+                  <a:ext uri="{0D108BD9-81ED-4DB2-BD59-A6C34878D82A}">
+                    <a16:rowId xmlns:a16="http://schemas.microsoft.com/office/drawing/2014/main" val="10000"/>
+                  </a:ext>
+                </a:extLst>
+              </a:tr>
+              <a:tr h="388845">
+                <a:tc>
+                  <a:txBody>
+                    <a:bodyPr/>
+                    <a:lstStyle/>
+                    <a:p>
+                      <a:pPr algn="ctr"/>
+                      <a:r>
+                        <a:rPr lang="en-US" altLang="zh-CN" sz="2000" dirty="0" smtClean="0"/>
+                        <a:t>Read</a:t>
+                      </a:r>
+                      <a:endParaRPr lang="zh-CN" altLang="en-US" sz="2000" dirty="0"/>
+                    </a:p>
+                  </a:txBody>
+                  <a:tcPr anchor="ctr"/>
+                </a:tc>
+                <a:tc>
+                  <a:txBody>
+                    <a:bodyPr/>
+                    <a:lstStyle/>
+                    <a:p>
+                      <a:pPr algn="ctr"/>
+                      <a:endParaRPr kumimoji="1" lang="zh-CN" altLang="en-US" sz="1800" kern="1200" dirty="0">
+                        <a:solidFill>
+                          <a:schemeClr val="lt1"/>
+                        </a:solidFill>
+                        <a:latin typeface="+mn-lt"/>
+                        <a:ea typeface="+mn-ea"/>
+                        <a:cs typeface="+mn-cs"/>
+                      </a:endParaRPr>
+                    </a:p>
+                  </a:txBody>
+                  <a:tcPr anchor="ctr">
+                    <a:solidFill>
+                      <a:srgbClr val="C9FFC8"/>
+                    </a:solidFill>
+                  </a:tcPr>
+                </a:tc>
+                <a:tc>
+                  <a:txBody>
+                    <a:bodyPr/>
+                    <a:lstStyle/>
+                    <a:p>
+                      <a:pPr algn="ctr"/>
+                      <a:endParaRPr lang="zh-CN" altLang="en-US" sz="2000" dirty="0"/>
+                    </a:p>
+                  </a:txBody>
+                  <a:tcPr anchor="ctr">
+                    <a:solidFill>
+                      <a:srgbClr val="C9FFC8"/>
+                    </a:solidFill>
+                  </a:tcPr>
+                </a:tc>
+                <a:tc>
+                  <a:txBody>
+                    <a:bodyPr/>
+                    <a:lstStyle/>
+                    <a:p>
+                      <a:pPr algn="ctr"/>
+                      <a:endParaRPr lang="zh-CN" altLang="en-US" sz="2000" dirty="0"/>
+                    </a:p>
+                  </a:txBody>
+                  <a:tcPr anchor="ctr">
+                    <a:solidFill>
+                      <a:srgbClr val="FFCC67"/>
+                    </a:solidFill>
+                  </a:tcPr>
+                </a:tc>
+                <a:tc>
+                  <a:txBody>
+                    <a:bodyPr/>
+                    <a:lstStyle/>
+                    <a:p>
+                      <a:pPr algn="ctr"/>
+                      <a:endParaRPr lang="zh-CN" altLang="en-US" sz="2000" dirty="0"/>
+                    </a:p>
+                  </a:txBody>
+                  <a:tcPr anchor="ctr">
+                    <a:solidFill>
+                      <a:srgbClr val="C9FFC8"/>
+                    </a:solidFill>
+                  </a:tcPr>
+                </a:tc>
+                <a:extLst>
+                  <a:ext uri="{0D108BD9-81ED-4DB2-BD59-A6C34878D82A}">
+                    <a16:rowId xmlns:a16="http://schemas.microsoft.com/office/drawing/2014/main" val="10001"/>
+                  </a:ext>
+                </a:extLst>
+              </a:tr>
+              <a:tr h="388845">
+                <a:tc>
+                  <a:txBody>
+                    <a:bodyPr/>
+                    <a:lstStyle/>
+                    <a:p>
+                      <a:pPr algn="ctr"/>
+                      <a:r>
+                        <a:rPr lang="en-US" altLang="zh-CN" sz="2000" dirty="0" smtClean="0"/>
+                        <a:t>Write</a:t>
+                      </a:r>
+                      <a:endParaRPr lang="zh-CN" altLang="en-US" sz="2000" dirty="0"/>
+                    </a:p>
+                  </a:txBody>
+                  <a:tcPr anchor="ctr"/>
+                </a:tc>
+                <a:tc>
+                  <a:txBody>
+                    <a:bodyPr/>
+                    <a:lstStyle/>
+                    <a:p>
+                      <a:pPr algn="ctr"/>
+                      <a:endParaRPr lang="zh-CN" altLang="en-US" sz="2000" dirty="0"/>
+                    </a:p>
+                  </a:txBody>
+                  <a:tcPr anchor="ctr">
+                    <a:solidFill>
+                      <a:srgbClr val="C0C0C0"/>
+                    </a:solidFill>
+                  </a:tcPr>
+                </a:tc>
+                <a:tc>
+                  <a:txBody>
+                    <a:bodyPr/>
+                    <a:lstStyle/>
+                    <a:p>
+                      <a:pPr algn="ctr"/>
+                      <a:endParaRPr lang="zh-CN" altLang="en-US" sz="2000" dirty="0"/>
+                    </a:p>
+                  </a:txBody>
+                  <a:tcPr anchor="ctr">
+                    <a:solidFill>
+                      <a:srgbClr val="C9FFC8"/>
+                    </a:solidFill>
+                  </a:tcPr>
+                </a:tc>
+                <a:tc>
+                  <a:txBody>
+                    <a:bodyPr/>
+                    <a:lstStyle/>
+                    <a:p>
+                      <a:pPr algn="ctr"/>
+                      <a:endParaRPr lang="zh-CN" altLang="en-US" sz="2000" dirty="0"/>
+                    </a:p>
+                  </a:txBody>
+                  <a:tcPr anchor="ctr">
+                    <a:solidFill>
+                      <a:srgbClr val="FFCC67"/>
+                    </a:solidFill>
+                  </a:tcPr>
+                </a:tc>
+                <a:tc>
+                  <a:txBody>
+                    <a:bodyPr/>
+                    <a:lstStyle/>
+                    <a:p>
+                      <a:pPr algn="ctr"/>
+                      <a:endParaRPr lang="zh-CN" altLang="en-US" sz="2000" dirty="0"/>
+                    </a:p>
+                  </a:txBody>
+                  <a:tcPr anchor="ctr">
+                    <a:solidFill>
+                      <a:srgbClr val="C9FFC8"/>
+                    </a:solidFill>
+                  </a:tcPr>
+                </a:tc>
+                <a:extLst>
+                  <a:ext uri="{0D108BD9-81ED-4DB2-BD59-A6C34878D82A}">
+                    <a16:rowId xmlns:a16="http://schemas.microsoft.com/office/drawing/2014/main" val="10002"/>
+                  </a:ext>
+                </a:extLst>
+              </a:tr>
+              <a:tr h="388845">
+                <a:tc>
+                  <a:txBody>
+                    <a:bodyPr/>
+                    <a:lstStyle/>
+                    <a:p>
+                      <a:pPr algn="ctr"/>
+                      <a:r>
+                        <a:rPr lang="en-US" altLang="zh-CN" sz="2000" dirty="0" smtClean="0"/>
+                        <a:t>Add/Rm</a:t>
+                      </a:r>
+                      <a:endParaRPr lang="zh-CN" altLang="en-US" sz="2000" dirty="0"/>
+                    </a:p>
+                  </a:txBody>
+                  <a:tcPr anchor="ctr"/>
+                </a:tc>
+                <a:tc>
+                  <a:txBody>
+                    <a:bodyPr/>
+                    <a:lstStyle/>
+                    <a:p>
+                      <a:pPr algn="ctr"/>
+                      <a:endParaRPr lang="zh-CN" altLang="en-US" sz="2000" dirty="0"/>
+                    </a:p>
+                  </a:txBody>
+                  <a:tcPr anchor="ctr">
+                    <a:solidFill>
+                      <a:srgbClr val="C0C0C0"/>
+                    </a:solidFill>
+                  </a:tcPr>
+                </a:tc>
+                <a:tc>
+                  <a:txBody>
+                    <a:bodyPr/>
+                    <a:lstStyle/>
+                    <a:p>
+                      <a:pPr algn="ctr"/>
+                      <a:endParaRPr lang="zh-CN" altLang="en-US" sz="2000" dirty="0"/>
+                    </a:p>
+                  </a:txBody>
+                  <a:tcPr anchor="ctr">
+                    <a:solidFill>
+                      <a:srgbClr val="C0C0C0"/>
+                    </a:solidFill>
+                  </a:tcPr>
+                </a:tc>
+                <a:tc>
+                  <a:txBody>
+                    <a:bodyPr/>
+                    <a:lstStyle/>
+                    <a:p>
+                      <a:pPr algn="ctr"/>
+                      <a:endParaRPr lang="zh-CN" altLang="en-US" sz="2000" dirty="0"/>
+                    </a:p>
+                  </a:txBody>
+                  <a:tcPr anchor="ctr">
+                    <a:solidFill>
+                      <a:srgbClr val="FFCC67"/>
+                    </a:solidFill>
+                  </a:tcPr>
+                </a:tc>
+                <a:tc>
+                  <a:txBody>
+                    <a:bodyPr/>
+                    <a:lstStyle/>
+                    <a:p>
+                      <a:pPr algn="ctr"/>
+                      <a:endParaRPr lang="zh-CN" altLang="en-US" sz="2000" dirty="0"/>
+                    </a:p>
+                  </a:txBody>
+                  <a:tcPr anchor="ctr">
+                    <a:solidFill>
+                      <a:srgbClr val="C9FFC8"/>
+                    </a:solidFill>
+                  </a:tcPr>
+                </a:tc>
+                <a:extLst>
+                  <a:ext uri="{0D108BD9-81ED-4DB2-BD59-A6C34878D82A}">
+                    <a16:rowId xmlns:a16="http://schemas.microsoft.com/office/drawing/2014/main" val="10003"/>
+                  </a:ext>
+                </a:extLst>
+              </a:tr>
+              <a:tr h="388845">
+                <a:tc>
+                  <a:txBody>
+                    <a:bodyPr/>
+                    <a:lstStyle/>
+                    <a:p>
+                      <a:pPr algn="ctr"/>
+                      <a:r>
+                        <a:rPr lang="en-US" altLang="zh-CN" sz="2000" dirty="0" smtClean="0"/>
+                        <a:t>Drop</a:t>
+                      </a:r>
+                      <a:endParaRPr lang="zh-CN" altLang="en-US" sz="2000" dirty="0"/>
+                    </a:p>
+                  </a:txBody>
+                  <a:tcPr anchor="ctr"/>
+                </a:tc>
+                <a:tc>
+                  <a:txBody>
+                    <a:bodyPr/>
+                    <a:lstStyle/>
+                    <a:p>
+                      <a:pPr algn="ctr"/>
+                      <a:endParaRPr lang="zh-CN" altLang="en-US" sz="2000" dirty="0"/>
+                    </a:p>
+                  </a:txBody>
+                  <a:tcPr anchor="ctr">
+                    <a:solidFill>
+                      <a:srgbClr val="C0C0C0"/>
+                    </a:solidFill>
+                  </a:tcPr>
+                </a:tc>
+                <a:tc>
+                  <a:txBody>
+                    <a:bodyPr/>
+                    <a:lstStyle/>
+                    <a:p>
+                      <a:pPr algn="ctr"/>
+                      <a:endParaRPr lang="zh-CN" altLang="en-US" sz="2000" dirty="0"/>
+                    </a:p>
+                  </a:txBody>
+                  <a:tcPr anchor="ctr">
+                    <a:solidFill>
+                      <a:srgbClr val="C0C0C0"/>
+                    </a:solidFill>
+                  </a:tcPr>
+                </a:tc>
+                <a:tc>
+                  <a:txBody>
+                    <a:bodyPr/>
+                    <a:lstStyle/>
+                    <a:p>
+                      <a:pPr algn="ctr"/>
+                      <a:endParaRPr lang="zh-CN" altLang="en-US" sz="2000" dirty="0"/>
+                    </a:p>
+                  </a:txBody>
+                  <a:tcPr anchor="ctr">
+                    <a:solidFill>
+                      <a:srgbClr val="C0C0C0"/>
+                    </a:solidFill>
+                  </a:tcPr>
+                </a:tc>
+                <a:tc>
+                  <a:txBody>
+                    <a:bodyPr/>
+                    <a:lstStyle/>
+                    <a:p>
+                      <a:pPr algn="ctr"/>
+                      <a:endParaRPr lang="zh-CN" altLang="en-US" sz="2000" dirty="0"/>
+                    </a:p>
+                  </a:txBody>
+                  <a:tcPr anchor="ctr">
+                    <a:solidFill>
+                      <a:srgbClr val="C9FFC8"/>
+                    </a:solidFill>
+                  </a:tcPr>
+                </a:tc>
+                <a:extLst>
+                  <a:ext uri="{0D108BD9-81ED-4DB2-BD59-A6C34878D82A}">
+                    <a16:rowId xmlns:a16="http://schemas.microsoft.com/office/drawing/2014/main" val="10004"/>
+                  </a:ext>
+                </a:extLst>
+              </a:tr>
+            </a:tbl>
+          </a:graphicData>
+        </a:graphic>
+      </p:graphicFrame>
+      <p:sp>
+        <p:nvSpPr>
+          <p:cNvPr id="10" name="矩形 9"/>
+          <p:cNvSpPr/>
+          <p:nvPr/>
+        </p:nvSpPr>
+        <p:spPr>
+          <a:xfrm>
+            <a:off x="2506107" y="3456276"/>
+            <a:ext cx="556563" cy="369332"/>
+          </a:xfrm>
+          <a:prstGeom prst="rect">
+            <a:avLst/>
+          </a:prstGeom>
+        </p:spPr>
+        <p:txBody>
+          <a:bodyPr wrap="none">
+            <a:spAutoFit/>
+          </a:bodyPr>
+          <a:lstStyle/>
+          <a:p>
+            <a:r>
+              <a:rPr kumimoji="1" lang="en-US" altLang="zh-CN" dirty="0" smtClean="0">
+                <a:latin typeface="Calibri" panose="020F0502020204030204" pitchFamily="34" charset="0"/>
+                <a:cs typeface="Calibri" panose="020F0502020204030204" pitchFamily="34" charset="0"/>
+              </a:rPr>
+              <a:t>NF1</a:t>
+            </a:r>
+            <a:endParaRPr lang="zh-CN" altLang="en-US" dirty="0">
+              <a:latin typeface="Calibri" panose="020F0502020204030204" pitchFamily="34" charset="0"/>
+              <a:cs typeface="Calibri" panose="020F0502020204030204" pitchFamily="34" charset="0"/>
+            </a:endParaRPr>
+          </a:p>
+        </p:txBody>
+      </p:sp>
+      <p:sp>
+        <p:nvSpPr>
+          <p:cNvPr id="11" name="矩形 10"/>
+          <p:cNvSpPr/>
+          <p:nvPr/>
+        </p:nvSpPr>
+        <p:spPr>
+          <a:xfrm>
+            <a:off x="3193195" y="3210260"/>
+            <a:ext cx="556563" cy="369332"/>
+          </a:xfrm>
+          <a:prstGeom prst="rect">
+            <a:avLst/>
+          </a:prstGeom>
+        </p:spPr>
+        <p:txBody>
+          <a:bodyPr wrap="none">
+            <a:spAutoFit/>
+          </a:bodyPr>
+          <a:lstStyle/>
+          <a:p>
+            <a:r>
+              <a:rPr kumimoji="1" lang="en-US" altLang="zh-CN" dirty="0" smtClean="0">
+                <a:latin typeface="Calibri" panose="020F0502020204030204" pitchFamily="34" charset="0"/>
+                <a:cs typeface="Calibri" panose="020F0502020204030204" pitchFamily="34" charset="0"/>
+              </a:rPr>
+              <a:t>NF2</a:t>
+            </a:r>
+            <a:endParaRPr lang="zh-CN" altLang="en-US" dirty="0">
+              <a:latin typeface="Calibri" panose="020F0502020204030204" pitchFamily="34" charset="0"/>
+              <a:cs typeface="Calibri" panose="020F0502020204030204" pitchFamily="34" charset="0"/>
+            </a:endParaRPr>
+          </a:p>
+        </p:txBody>
+      </p:sp>
+      <p:sp>
+        <p:nvSpPr>
+          <p:cNvPr id="12" name="矩形 11"/>
+          <p:cNvSpPr/>
+          <p:nvPr/>
+        </p:nvSpPr>
+        <p:spPr>
+          <a:xfrm>
+            <a:off x="5372132" y="3793806"/>
+            <a:ext cx="864000" cy="396000"/>
+          </a:xfrm>
+          <a:prstGeom prst="rect">
+            <a:avLst/>
+          </a:prstGeom>
+          <a:solidFill>
+            <a:srgbClr val="FFCC67"/>
+          </a:solidFill>
+          <a:ln>
+            <a:solidFill>
+              <a:schemeClr val="tx1"/>
+            </a:solidFill>
+          </a:ln>
+        </p:spPr>
+        <p:style>
+          <a:lnRef idx="2">
+            <a:schemeClr val="accent1">
+              <a:shade val="50000"/>
+            </a:schemeClr>
+          </a:lnRef>
+          <a:fillRef idx="1">
+            <a:schemeClr val="accent1"/>
+          </a:fillRef>
+          <a:effectRef idx="0">
+            <a:schemeClr val="accent1"/>
+          </a:effectRef>
+          <a:fontRef idx="minor">
+            <a:schemeClr val="lt1"/>
+          </a:fontRef>
+        </p:style>
+        <p:txBody>
+          <a:bodyPr rtlCol="0" anchor="ctr"/>
+          <a:lstStyle/>
+          <a:p>
+            <a:pPr algn="ctr"/>
+            <a:endParaRPr lang="zh-CN" altLang="en-US">
+              <a:latin typeface="Calibri" panose="020F0502020204030204" pitchFamily="34" charset="0"/>
+              <a:cs typeface="Calibri" panose="020F0502020204030204" pitchFamily="34" charset="0"/>
+            </a:endParaRPr>
+          </a:p>
+        </p:txBody>
+      </p:sp>
+      <p:sp>
+        <p:nvSpPr>
+          <p:cNvPr id="13" name="矩形 12"/>
+          <p:cNvSpPr/>
+          <p:nvPr/>
+        </p:nvSpPr>
+        <p:spPr>
+          <a:xfrm>
+            <a:off x="5372132" y="4189275"/>
+            <a:ext cx="864000" cy="396000"/>
+          </a:xfrm>
+          <a:prstGeom prst="rect">
+            <a:avLst/>
+          </a:prstGeom>
+          <a:solidFill>
+            <a:srgbClr val="FFCC67"/>
+          </a:solidFill>
+          <a:ln>
+            <a:solidFill>
+              <a:schemeClr val="tx1"/>
+            </a:solidFill>
+          </a:ln>
+        </p:spPr>
+        <p:style>
+          <a:lnRef idx="2">
+            <a:schemeClr val="accent1">
+              <a:shade val="50000"/>
+            </a:schemeClr>
+          </a:lnRef>
+          <a:fillRef idx="1">
+            <a:schemeClr val="accent1"/>
+          </a:fillRef>
+          <a:effectRef idx="0">
+            <a:schemeClr val="accent1"/>
+          </a:effectRef>
+          <a:fontRef idx="minor">
+            <a:schemeClr val="lt1"/>
+          </a:fontRef>
+        </p:style>
+        <p:txBody>
+          <a:bodyPr rtlCol="0" anchor="ctr"/>
+          <a:lstStyle/>
+          <a:p>
+            <a:pPr algn="ctr"/>
+            <a:endParaRPr lang="zh-CN" altLang="en-US">
+              <a:latin typeface="Calibri" panose="020F0502020204030204" pitchFamily="34" charset="0"/>
+              <a:cs typeface="Calibri" panose="020F0502020204030204" pitchFamily="34" charset="0"/>
+            </a:endParaRPr>
+          </a:p>
+        </p:txBody>
+      </p:sp>
+      <p:sp>
+        <p:nvSpPr>
+          <p:cNvPr id="17" name="文本框 16"/>
+          <p:cNvSpPr txBox="1"/>
+          <p:nvPr/>
+        </p:nvSpPr>
+        <p:spPr>
+          <a:xfrm>
+            <a:off x="1987871" y="2217478"/>
+            <a:ext cx="6831998" cy="461665"/>
+          </a:xfrm>
+          <a:prstGeom prst="rect">
+            <a:avLst/>
+          </a:prstGeom>
+          <a:noFill/>
+        </p:spPr>
+        <p:txBody>
+          <a:bodyPr wrap="none" rtlCol="0">
+            <a:spAutoFit/>
+          </a:bodyPr>
+          <a:lstStyle/>
+          <a:p>
+            <a:r>
+              <a:rPr kumimoji="1" lang="en-US" altLang="zh-CN" sz="2400" dirty="0" smtClean="0">
+                <a:latin typeface="Calibri" panose="020F0502020204030204" pitchFamily="34" charset="0"/>
+                <a:cs typeface="Calibri" panose="020F0502020204030204" pitchFamily="34" charset="0"/>
+              </a:rPr>
+              <a:t>For read-write or write-write case, we need not copy </a:t>
+            </a:r>
+          </a:p>
+        </p:txBody>
+      </p:sp>
+      <p:sp>
+        <p:nvSpPr>
+          <p:cNvPr id="18" name="文本框 17"/>
+          <p:cNvSpPr txBox="1"/>
+          <p:nvPr/>
+        </p:nvSpPr>
+        <p:spPr>
+          <a:xfrm>
+            <a:off x="2733524" y="2636167"/>
+            <a:ext cx="5340693" cy="461665"/>
+          </a:xfrm>
+          <a:prstGeom prst="rect">
+            <a:avLst/>
+          </a:prstGeom>
+          <a:noFill/>
+        </p:spPr>
+        <p:txBody>
+          <a:bodyPr wrap="none" rtlCol="0">
+            <a:spAutoFit/>
+          </a:bodyPr>
+          <a:lstStyle/>
+          <a:p>
+            <a:r>
+              <a:rPr kumimoji="1" lang="en-US" altLang="zh-CN" sz="2400" dirty="0">
+                <a:latin typeface="Calibri" panose="020F0502020204030204" pitchFamily="34" charset="0"/>
+                <a:cs typeface="Calibri" panose="020F0502020204030204" pitchFamily="34" charset="0"/>
+              </a:rPr>
+              <a:t>p</a:t>
+            </a:r>
+            <a:r>
+              <a:rPr kumimoji="1" lang="en-US" altLang="zh-CN" sz="2400" dirty="0" smtClean="0">
+                <a:latin typeface="Calibri" panose="020F0502020204030204" pitchFamily="34" charset="0"/>
+                <a:cs typeface="Calibri" panose="020F0502020204030204" pitchFamily="34" charset="0"/>
+              </a:rPr>
+              <a:t>ackets if two NFs modify different fields.</a:t>
+            </a:r>
+          </a:p>
+        </p:txBody>
+      </p:sp>
+      <p:grpSp>
+        <p:nvGrpSpPr>
+          <p:cNvPr id="25" name="组合 24"/>
+          <p:cNvGrpSpPr/>
+          <p:nvPr/>
+        </p:nvGrpSpPr>
+        <p:grpSpPr>
+          <a:xfrm>
+            <a:off x="1911426" y="1185183"/>
+            <a:ext cx="6984888" cy="498472"/>
+            <a:chOff x="1093976" y="1297960"/>
+            <a:chExt cx="6984888" cy="498472"/>
+          </a:xfrm>
+        </p:grpSpPr>
+        <p:sp>
+          <p:nvSpPr>
+            <p:cNvPr id="16" name="文本框 15"/>
+            <p:cNvSpPr txBox="1"/>
+            <p:nvPr/>
+          </p:nvSpPr>
+          <p:spPr>
+            <a:xfrm>
+              <a:off x="2246498" y="1316364"/>
+              <a:ext cx="5832366" cy="461665"/>
+            </a:xfrm>
+            <a:prstGeom prst="rect">
+              <a:avLst/>
+            </a:prstGeom>
+            <a:noFill/>
+          </p:spPr>
+          <p:txBody>
+            <a:bodyPr wrap="none" rtlCol="0">
+              <a:spAutoFit/>
+            </a:bodyPr>
+            <a:lstStyle/>
+            <a:p>
+              <a:r>
+                <a:rPr kumimoji="1" lang="en-US" altLang="zh-CN" sz="2400" dirty="0" smtClean="0">
+                  <a:latin typeface="Calibri" panose="020F0502020204030204" pitchFamily="34" charset="0"/>
+                  <a:cs typeface="Calibri" panose="020F0502020204030204" pitchFamily="34" charset="0"/>
+                </a:rPr>
+                <a:t> blocks denote </a:t>
+              </a:r>
+              <a:r>
+                <a:rPr kumimoji="1" lang="en-US" altLang="zh-CN" sz="2400" i="1" dirty="0" smtClean="0">
+                  <a:latin typeface="Calibri" panose="020F0502020204030204" pitchFamily="34" charset="0"/>
+                  <a:cs typeface="Calibri" panose="020F0502020204030204" pitchFamily="34" charset="0"/>
+                </a:rPr>
+                <a:t>parallelizable</a:t>
+              </a:r>
+              <a:r>
+                <a:rPr kumimoji="1" lang="en-US" altLang="zh-CN" sz="2400" dirty="0" smtClean="0">
+                  <a:latin typeface="Calibri" panose="020F0502020204030204" pitchFamily="34" charset="0"/>
+                  <a:cs typeface="Calibri" panose="020F0502020204030204" pitchFamily="34" charset="0"/>
+                </a:rPr>
+                <a:t>, need copy </a:t>
+              </a:r>
+              <a:r>
+                <a:rPr kumimoji="1" lang="en-US" altLang="zh-CN" sz="2400" dirty="0" err="1" smtClean="0">
+                  <a:latin typeface="Calibri" panose="020F0502020204030204" pitchFamily="34" charset="0"/>
+                  <a:cs typeface="Calibri" panose="020F0502020204030204" pitchFamily="34" charset="0"/>
+                </a:rPr>
+                <a:t>pkts</a:t>
+              </a:r>
+              <a:r>
+                <a:rPr kumimoji="1" lang="en-US" altLang="zh-CN" sz="2400" dirty="0" smtClean="0">
+                  <a:latin typeface="Calibri" panose="020F0502020204030204" pitchFamily="34" charset="0"/>
+                  <a:cs typeface="Calibri" panose="020F0502020204030204" pitchFamily="34" charset="0"/>
+                </a:rPr>
+                <a:t>.</a:t>
+              </a:r>
+              <a:endParaRPr kumimoji="1" lang="zh-CN" altLang="en-US" sz="2400" dirty="0">
+                <a:latin typeface="Calibri" panose="020F0502020204030204" pitchFamily="34" charset="0"/>
+                <a:cs typeface="Calibri" panose="020F0502020204030204" pitchFamily="34" charset="0"/>
+              </a:endParaRPr>
+            </a:p>
+          </p:txBody>
+        </p:sp>
+        <p:sp>
+          <p:nvSpPr>
+            <p:cNvPr id="21" name="矩形 20"/>
+            <p:cNvSpPr/>
+            <p:nvPr/>
+          </p:nvSpPr>
+          <p:spPr>
+            <a:xfrm>
+              <a:off x="1093976" y="1297960"/>
+              <a:ext cx="1278294" cy="498472"/>
+            </a:xfrm>
+            <a:prstGeom prst="rect">
+              <a:avLst/>
+            </a:prstGeom>
+            <a:solidFill>
+              <a:srgbClr val="FFCC67"/>
+            </a:solidFill>
+            <a:ln>
+              <a:noFill/>
+            </a:ln>
+          </p:spPr>
+          <p:style>
+            <a:lnRef idx="2">
+              <a:schemeClr val="accent1">
+                <a:shade val="50000"/>
+              </a:schemeClr>
+            </a:lnRef>
+            <a:fillRef idx="1">
+              <a:schemeClr val="accent1"/>
+            </a:fillRef>
+            <a:effectRef idx="0">
+              <a:schemeClr val="accent1"/>
+            </a:effectRef>
+            <a:fontRef idx="minor">
+              <a:schemeClr val="lt1"/>
+            </a:fontRef>
+          </p:style>
+          <p:txBody>
+            <a:bodyPr rtlCol="0" anchor="ctr"/>
+            <a:lstStyle/>
+            <a:p>
+              <a:pPr algn="ctr"/>
+              <a:r>
+                <a:rPr kumimoji="1" lang="en-US" altLang="zh-CN" sz="2400" dirty="0">
+                  <a:solidFill>
+                    <a:schemeClr val="tx1"/>
+                  </a:solidFill>
+                  <a:latin typeface="Calibri" panose="020F0502020204030204" pitchFamily="34" charset="0"/>
+                  <a:cs typeface="Calibri" panose="020F0502020204030204" pitchFamily="34" charset="0"/>
+                </a:rPr>
+                <a:t>Orange</a:t>
+              </a:r>
+              <a:endParaRPr kumimoji="1" lang="zh-CN" altLang="en-US" sz="2400" dirty="0">
+                <a:solidFill>
+                  <a:schemeClr val="tx1"/>
+                </a:solidFill>
+                <a:latin typeface="Calibri" panose="020F0502020204030204" pitchFamily="34" charset="0"/>
+                <a:cs typeface="Calibri" panose="020F0502020204030204" pitchFamily="34" charset="0"/>
+              </a:endParaRPr>
+            </a:p>
+          </p:txBody>
+        </p:sp>
+      </p:grpSp>
+      <p:grpSp>
+        <p:nvGrpSpPr>
+          <p:cNvPr id="24" name="组合 23"/>
+          <p:cNvGrpSpPr/>
+          <p:nvPr/>
+        </p:nvGrpSpPr>
+        <p:grpSpPr>
+          <a:xfrm>
+            <a:off x="1939182" y="645194"/>
+            <a:ext cx="6929377" cy="461665"/>
+            <a:chOff x="2784388" y="887797"/>
+            <a:chExt cx="6929377" cy="461665"/>
+          </a:xfrm>
+        </p:grpSpPr>
+        <p:sp>
+          <p:nvSpPr>
+            <p:cNvPr id="7" name="文本框 6"/>
+            <p:cNvSpPr txBox="1"/>
+            <p:nvPr/>
+          </p:nvSpPr>
+          <p:spPr>
+            <a:xfrm>
+              <a:off x="3839080" y="887797"/>
+              <a:ext cx="5874685" cy="461665"/>
+            </a:xfrm>
+            <a:prstGeom prst="rect">
+              <a:avLst/>
+            </a:prstGeom>
+            <a:noFill/>
+          </p:spPr>
+          <p:txBody>
+            <a:bodyPr wrap="none" rtlCol="0">
+              <a:spAutoFit/>
+            </a:bodyPr>
+            <a:lstStyle/>
+            <a:p>
+              <a:r>
+                <a:rPr kumimoji="1" lang="en-US" altLang="zh-CN" sz="2400" dirty="0" smtClean="0">
+                  <a:latin typeface="Calibri" panose="020F0502020204030204" pitchFamily="34" charset="0"/>
+                  <a:cs typeface="Calibri" panose="020F0502020204030204" pitchFamily="34" charset="0"/>
+                </a:rPr>
+                <a:t>blocks denote </a:t>
+              </a:r>
+              <a:r>
+                <a:rPr kumimoji="1" lang="en-US" altLang="zh-CN" sz="2400" i="1" dirty="0" smtClean="0">
+                  <a:latin typeface="Calibri" panose="020F0502020204030204" pitchFamily="34" charset="0"/>
+                  <a:cs typeface="Calibri" panose="020F0502020204030204" pitchFamily="34" charset="0"/>
+                </a:rPr>
+                <a:t>parallelizable</a:t>
+              </a:r>
+              <a:r>
+                <a:rPr kumimoji="1" lang="en-US" altLang="zh-CN" sz="2400" dirty="0" smtClean="0">
+                  <a:latin typeface="Calibri" panose="020F0502020204030204" pitchFamily="34" charset="0"/>
+                  <a:cs typeface="Calibri" panose="020F0502020204030204" pitchFamily="34" charset="0"/>
+                </a:rPr>
+                <a:t>, no need to copy.</a:t>
+              </a:r>
+              <a:endParaRPr kumimoji="1" lang="zh-CN" altLang="en-US" sz="2400" dirty="0">
+                <a:latin typeface="Calibri" panose="020F0502020204030204" pitchFamily="34" charset="0"/>
+                <a:cs typeface="Calibri" panose="020F0502020204030204" pitchFamily="34" charset="0"/>
+              </a:endParaRPr>
+            </a:p>
+          </p:txBody>
+        </p:sp>
+        <p:sp>
+          <p:nvSpPr>
+            <p:cNvPr id="22" name="矩形 21"/>
+            <p:cNvSpPr/>
+            <p:nvPr/>
+          </p:nvSpPr>
+          <p:spPr>
+            <a:xfrm>
+              <a:off x="2784388" y="901570"/>
+              <a:ext cx="1110341" cy="431343"/>
+            </a:xfrm>
+            <a:prstGeom prst="rect">
+              <a:avLst/>
+            </a:prstGeom>
+            <a:solidFill>
+              <a:srgbClr val="C9FFC8"/>
+            </a:solidFill>
+            <a:ln>
+              <a:noFill/>
+            </a:ln>
+          </p:spPr>
+          <p:style>
+            <a:lnRef idx="2">
+              <a:schemeClr val="accent1">
+                <a:shade val="50000"/>
+              </a:schemeClr>
+            </a:lnRef>
+            <a:fillRef idx="1">
+              <a:schemeClr val="accent1"/>
+            </a:fillRef>
+            <a:effectRef idx="0">
+              <a:schemeClr val="accent1"/>
+            </a:effectRef>
+            <a:fontRef idx="minor">
+              <a:schemeClr val="lt1"/>
+            </a:fontRef>
+          </p:style>
+          <p:txBody>
+            <a:bodyPr rtlCol="0" anchor="ctr"/>
+            <a:lstStyle/>
+            <a:p>
+              <a:pPr algn="ctr"/>
+              <a:r>
+                <a:rPr kumimoji="1" lang="en-US" altLang="zh-CN" sz="2400" dirty="0" smtClean="0">
+                  <a:solidFill>
+                    <a:schemeClr val="tx1"/>
+                  </a:solidFill>
+                  <a:latin typeface="Calibri" panose="020F0502020204030204" pitchFamily="34" charset="0"/>
+                  <a:cs typeface="Calibri" panose="020F0502020204030204" pitchFamily="34" charset="0"/>
+                </a:rPr>
+                <a:t>Green</a:t>
+              </a:r>
+              <a:endParaRPr kumimoji="1" lang="zh-CN" altLang="en-US" sz="2400" dirty="0">
+                <a:solidFill>
+                  <a:schemeClr val="tx1"/>
+                </a:solidFill>
+                <a:latin typeface="Calibri" panose="020F0502020204030204" pitchFamily="34" charset="0"/>
+                <a:cs typeface="Calibri" panose="020F0502020204030204" pitchFamily="34" charset="0"/>
+              </a:endParaRPr>
+            </a:p>
+          </p:txBody>
+        </p:sp>
+      </p:grpSp>
+      <p:grpSp>
+        <p:nvGrpSpPr>
+          <p:cNvPr id="26" name="组合 25"/>
+          <p:cNvGrpSpPr/>
+          <p:nvPr/>
+        </p:nvGrpSpPr>
+        <p:grpSpPr>
+          <a:xfrm>
+            <a:off x="2227581" y="1761982"/>
+            <a:ext cx="6352579" cy="498472"/>
+            <a:chOff x="1758314" y="1741571"/>
+            <a:chExt cx="6352579" cy="498472"/>
+          </a:xfrm>
+        </p:grpSpPr>
+        <p:sp>
+          <p:nvSpPr>
+            <p:cNvPr id="9" name="文本框 8"/>
+            <p:cNvSpPr txBox="1"/>
+            <p:nvPr/>
+          </p:nvSpPr>
+          <p:spPr>
+            <a:xfrm>
+              <a:off x="2543022" y="1756299"/>
+              <a:ext cx="5567871" cy="461665"/>
+            </a:xfrm>
+            <a:prstGeom prst="rect">
+              <a:avLst/>
+            </a:prstGeom>
+            <a:noFill/>
+          </p:spPr>
+          <p:txBody>
+            <a:bodyPr wrap="none" rtlCol="0">
+              <a:spAutoFit/>
+            </a:bodyPr>
+            <a:lstStyle/>
+            <a:p>
+              <a:r>
+                <a:rPr kumimoji="1" lang="en-US" altLang="zh-CN" sz="2400" dirty="0" smtClean="0">
+                  <a:latin typeface="Calibri" panose="020F0502020204030204" pitchFamily="34" charset="0"/>
+                  <a:cs typeface="Calibri" panose="020F0502020204030204" pitchFamily="34" charset="0"/>
+                </a:rPr>
+                <a:t> </a:t>
+              </a:r>
+              <a:r>
+                <a:rPr kumimoji="1" lang="en-US" altLang="zh-CN" sz="2400" dirty="0">
+                  <a:latin typeface="Calibri" panose="020F0502020204030204" pitchFamily="34" charset="0"/>
+                  <a:cs typeface="Calibri" panose="020F0502020204030204" pitchFamily="34" charset="0"/>
+                </a:rPr>
+                <a:t>b</a:t>
+              </a:r>
+              <a:r>
+                <a:rPr kumimoji="1" lang="en-US" altLang="zh-CN" sz="2400" dirty="0" smtClean="0">
+                  <a:latin typeface="Calibri" panose="020F0502020204030204" pitchFamily="34" charset="0"/>
+                  <a:cs typeface="Calibri" panose="020F0502020204030204" pitchFamily="34" charset="0"/>
+                </a:rPr>
+                <a:t>locks denote not</a:t>
+              </a:r>
+              <a:r>
+                <a:rPr kumimoji="1" lang="zh-CN" altLang="en-US" sz="2400" dirty="0" smtClean="0">
+                  <a:latin typeface="Calibri" panose="020F0502020204030204" pitchFamily="34" charset="0"/>
+                  <a:cs typeface="Calibri" panose="020F0502020204030204" pitchFamily="34" charset="0"/>
+                </a:rPr>
+                <a:t> </a:t>
+              </a:r>
+              <a:r>
+                <a:rPr kumimoji="1" lang="en-US" altLang="zh-CN" sz="2400" dirty="0" smtClean="0">
+                  <a:latin typeface="Calibri" panose="020F0502020204030204" pitchFamily="34" charset="0"/>
+                  <a:cs typeface="Calibri" panose="020F0502020204030204" pitchFamily="34" charset="0"/>
+                </a:rPr>
+                <a:t>parallelizable situations.</a:t>
+              </a:r>
+              <a:endParaRPr kumimoji="1" lang="zh-CN" altLang="en-US" sz="2400" dirty="0">
+                <a:latin typeface="Calibri" panose="020F0502020204030204" pitchFamily="34" charset="0"/>
+                <a:cs typeface="Calibri" panose="020F0502020204030204" pitchFamily="34" charset="0"/>
+              </a:endParaRPr>
+            </a:p>
+          </p:txBody>
+        </p:sp>
+        <p:sp>
+          <p:nvSpPr>
+            <p:cNvPr id="23" name="矩形 22"/>
+            <p:cNvSpPr/>
+            <p:nvPr/>
+          </p:nvSpPr>
+          <p:spPr>
+            <a:xfrm>
+              <a:off x="1758314" y="1741571"/>
+              <a:ext cx="886408" cy="498472"/>
+            </a:xfrm>
+            <a:prstGeom prst="rect">
+              <a:avLst/>
+            </a:prstGeom>
+            <a:solidFill>
+              <a:srgbClr val="C0C0C0"/>
+            </a:solidFill>
+            <a:ln>
+              <a:noFill/>
+            </a:ln>
+          </p:spPr>
+          <p:style>
+            <a:lnRef idx="2">
+              <a:schemeClr val="accent1">
+                <a:shade val="50000"/>
+              </a:schemeClr>
+            </a:lnRef>
+            <a:fillRef idx="1">
+              <a:schemeClr val="accent1"/>
+            </a:fillRef>
+            <a:effectRef idx="0">
+              <a:schemeClr val="accent1"/>
+            </a:effectRef>
+            <a:fontRef idx="minor">
+              <a:schemeClr val="lt1"/>
+            </a:fontRef>
+          </p:style>
+          <p:txBody>
+            <a:bodyPr rtlCol="0" anchor="ctr"/>
+            <a:lstStyle/>
+            <a:p>
+              <a:pPr algn="ctr"/>
+              <a:r>
+                <a:rPr kumimoji="1" lang="en-US" altLang="zh-CN" sz="2400" dirty="0" smtClean="0">
+                  <a:solidFill>
+                    <a:schemeClr val="tx1"/>
+                  </a:solidFill>
+                  <a:latin typeface="Calibri" panose="020F0502020204030204" pitchFamily="34" charset="0"/>
+                  <a:cs typeface="Calibri" panose="020F0502020204030204" pitchFamily="34" charset="0"/>
+                </a:rPr>
+                <a:t>Gray</a:t>
+              </a:r>
+              <a:endParaRPr kumimoji="1" lang="zh-CN" altLang="en-US" sz="2400" dirty="0">
+                <a:solidFill>
+                  <a:schemeClr val="tx1"/>
+                </a:solidFill>
+                <a:latin typeface="Calibri" panose="020F0502020204030204" pitchFamily="34" charset="0"/>
+                <a:cs typeface="Calibri" panose="020F0502020204030204" pitchFamily="34" charset="0"/>
+              </a:endParaRPr>
+            </a:p>
+          </p:txBody>
+        </p:sp>
+      </p:grpSp>
+    </p:spTree>
+    <p:extLst>
+      <p:ext uri="{BB962C8B-B14F-4D97-AF65-F5344CB8AC3E}">
+        <p14:creationId xmlns:p14="http://schemas.microsoft.com/office/powerpoint/2010/main" val="3894568000"/>
+      </p:ext>
+    </p:extLst>
+  </p:cSld>
+  <p:clrMapOvr>
+    <a:masterClrMapping/>
+  </p:clrMapOvr>
+  <p:timing>
+    <p:tnLst>
+      <p:par>
+        <p:cTn id="1" dur="indefinite" restart="never" nodeType="tmRoot">
+          <p:childTnLst>
+            <p:seq concurrent="1" nextAc="seek">
+              <p:cTn id="2" dur="indefinite" nodeType="mainSeq">
+                <p:childTnLst>
+                  <p:par>
+                    <p:cTn id="3" fill="hold">
+                      <p:stCondLst>
+                        <p:cond delay="indefinite"/>
+                      </p:stCondLst>
+                      <p:childTnLst>
+                        <p:par>
+                          <p:cTn id="4" fill="hold">
+                            <p:stCondLst>
+                              <p:cond delay="0"/>
+                            </p:stCondLst>
+                            <p:childTnLst>
+                              <p:par>
+                                <p:cTn id="5" presetID="10" presetClass="entr" presetSubtype="0" fill="hold" nodeType="clickEffect">
+                                  <p:stCondLst>
+                                    <p:cond delay="0"/>
+                                  </p:stCondLst>
+                                  <p:childTnLst>
+                                    <p:set>
+                                      <p:cBhvr>
+                                        <p:cTn id="6" dur="1" fill="hold">
+                                          <p:stCondLst>
+                                            <p:cond delay="0"/>
+                                          </p:stCondLst>
+                                        </p:cTn>
+                                        <p:tgtEl>
+                                          <p:spTgt spid="4"/>
+                                        </p:tgtEl>
+                                        <p:attrNameLst>
+                                          <p:attrName>style.visibility</p:attrName>
+                                        </p:attrNameLst>
+                                      </p:cBhvr>
+                                      <p:to>
+                                        <p:strVal val="visible"/>
+                                      </p:to>
+                                    </p:set>
+                                    <p:animEffect transition="in" filter="fade">
+                                      <p:cBhvr>
+                                        <p:cTn id="7" dur="500"/>
+                                        <p:tgtEl>
+                                          <p:spTgt spid="4"/>
+                                        </p:tgtEl>
+                                      </p:cBhvr>
+                                    </p:animEffect>
+                                  </p:childTnLst>
+                                </p:cTn>
+                              </p:par>
+                              <p:par>
+                                <p:cTn id="8" presetID="10" presetClass="entr" presetSubtype="0" fill="hold" grpId="0" nodeType="withEffect">
+                                  <p:stCondLst>
+                                    <p:cond delay="0"/>
+                                  </p:stCondLst>
+                                  <p:childTnLst>
+                                    <p:set>
+                                      <p:cBhvr>
+                                        <p:cTn id="9" dur="1" fill="hold">
+                                          <p:stCondLst>
+                                            <p:cond delay="0"/>
+                                          </p:stCondLst>
+                                        </p:cTn>
+                                        <p:tgtEl>
+                                          <p:spTgt spid="11"/>
+                                        </p:tgtEl>
+                                        <p:attrNameLst>
+                                          <p:attrName>style.visibility</p:attrName>
+                                        </p:attrNameLst>
+                                      </p:cBhvr>
+                                      <p:to>
+                                        <p:strVal val="visible"/>
+                                      </p:to>
+                                    </p:set>
+                                    <p:animEffect transition="in" filter="fade">
+                                      <p:cBhvr>
+                                        <p:cTn id="10" dur="500"/>
+                                        <p:tgtEl>
+                                          <p:spTgt spid="11"/>
+                                        </p:tgtEl>
+                                      </p:cBhvr>
+                                    </p:animEffect>
+                                  </p:childTnLst>
+                                </p:cTn>
+                              </p:par>
+                              <p:par>
+                                <p:cTn id="11" presetID="10" presetClass="entr" presetSubtype="0" fill="hold" grpId="0" nodeType="withEffect">
+                                  <p:stCondLst>
+                                    <p:cond delay="0"/>
+                                  </p:stCondLst>
+                                  <p:childTnLst>
+                                    <p:set>
+                                      <p:cBhvr>
+                                        <p:cTn id="12" dur="1" fill="hold">
+                                          <p:stCondLst>
+                                            <p:cond delay="0"/>
+                                          </p:stCondLst>
+                                        </p:cTn>
+                                        <p:tgtEl>
+                                          <p:spTgt spid="10"/>
+                                        </p:tgtEl>
+                                        <p:attrNameLst>
+                                          <p:attrName>style.visibility</p:attrName>
+                                        </p:attrNameLst>
+                                      </p:cBhvr>
+                                      <p:to>
+                                        <p:strVal val="visible"/>
+                                      </p:to>
+                                    </p:set>
+                                    <p:animEffect transition="in" filter="fade">
+                                      <p:cBhvr>
+                                        <p:cTn id="13" dur="500"/>
+                                        <p:tgtEl>
+                                          <p:spTgt spid="10"/>
+                                        </p:tgtEl>
+                                      </p:cBhvr>
+                                    </p:animEffect>
+                                  </p:childTnLst>
+                                </p:cTn>
+                              </p:par>
+                            </p:childTnLst>
+                          </p:cTn>
+                        </p:par>
+                      </p:childTnLst>
+                    </p:cTn>
+                  </p:par>
+                </p:childTnLst>
+              </p:cTn>
+              <p:prevCondLst>
+                <p:cond evt="onPrev" delay="0">
+                  <p:tgtEl>
+                    <p:sldTgt/>
+                  </p:tgtEl>
+                </p:cond>
+              </p:prevCondLst>
+              <p:nextCondLst>
+                <p:cond evt="onNext" delay="0">
+                  <p:tgtEl>
+                    <p:sldTgt/>
+                  </p:tgtEl>
+                </p:cond>
+              </p:nextCondLst>
+            </p:seq>
+          </p:childTnLst>
+        </p:cTn>
+      </p:par>
+    </p:tnLst>
+    <p:bldLst>
+      <p:bldP spid="10" grpId="0"/>
+      <p:bldP spid="11" grpId="0"/>
+    </p:bldLst>
+  </p:timing>
+</p:sld>
+</file>
+
+<file path=ppt/slides/slide8.xml><?xml version="1.0" encoding="utf-8"?>
+<p:sld xmlns:a="http://schemas.openxmlformats.org/drawingml/2006/main" xmlns:r="http://schemas.openxmlformats.org/officeDocument/2006/relationships" xmlns:p="http://schemas.openxmlformats.org/presentationml/2006/main">
+  <p:cSld>
+    <p:spTree>
+      <p:nvGrpSpPr>
+        <p:cNvPr id="1" name=""/>
+        <p:cNvGrpSpPr/>
+        <p:nvPr/>
+      </p:nvGrpSpPr>
+      <p:grpSpPr>
+        <a:xfrm>
+          <a:off x="0" y="0"/>
+          <a:ext cx="0" cy="0"/>
+          <a:chOff x="0" y="0"/>
+          <a:chExt cx="0" cy="0"/>
+        </a:xfrm>
+      </p:grpSpPr>
       <p:grpSp>
         <p:nvGrpSpPr>
           <p:cNvPr id="3" name="组合 2"/>
@@ -9556,7 +11283,7 @@
 </p:sld>
 </file>
 
-<file path=ppt/slides/slide8.xml><?xml version="1.0" encoding="utf-8"?>
+<file path=ppt/slides/slide9.xml><?xml version="1.0" encoding="utf-8"?>
 <p:sld xmlns:a="http://schemas.openxmlformats.org/drawingml/2006/main" xmlns:r="http://schemas.openxmlformats.org/officeDocument/2006/relationships" xmlns:p="http://schemas.openxmlformats.org/presentationml/2006/main">
   <p:cSld>
     <p:spTree>
@@ -10051,252 +11778,6 @@
     <p:extLst>
       <p:ext uri="{BB962C8B-B14F-4D97-AF65-F5344CB8AC3E}">
         <p14:creationId xmlns:p14="http://schemas.microsoft.com/office/powerpoint/2010/main" val="1609978852"/>
-      </p:ext>
-    </p:extLst>
-  </p:cSld>
-  <p:clrMapOvr>
-    <a:masterClrMapping/>
-  </p:clrMapOvr>
-</p:sld>
-</file>
-
-<file path=ppt/slides/slide9.xml><?xml version="1.0" encoding="utf-8"?>
-<p:sld xmlns:a="http://schemas.openxmlformats.org/drawingml/2006/main" xmlns:r="http://schemas.openxmlformats.org/officeDocument/2006/relationships" xmlns:p="http://schemas.openxmlformats.org/presentationml/2006/main">
-  <p:cSld>
-    <p:spTree>
-      <p:nvGrpSpPr>
-        <p:cNvPr id="1" name=""/>
-        <p:cNvGrpSpPr/>
-        <p:nvPr/>
-      </p:nvGrpSpPr>
-      <p:grpSpPr>
-        <a:xfrm>
-          <a:off x="0" y="0"/>
-          <a:ext cx="0" cy="0"/>
-          <a:chOff x="0" y="0"/>
-          <a:chExt cx="0" cy="0"/>
-        </a:xfrm>
-      </p:grpSpPr>
-      <p:sp>
-        <p:nvSpPr>
-          <p:cNvPr id="4" name="矩形 3"/>
-          <p:cNvSpPr/>
-          <p:nvPr/>
-        </p:nvSpPr>
-        <p:spPr>
-          <a:xfrm>
-            <a:off x="1005838" y="814648"/>
-            <a:ext cx="2934393" cy="3308465"/>
-          </a:xfrm>
-          <a:prstGeom prst="rect">
-            <a:avLst/>
-          </a:prstGeom>
-          <a:solidFill>
-            <a:schemeClr val="bg1"/>
-          </a:solidFill>
-          <a:ln>
-            <a:solidFill>
-              <a:schemeClr val="tx1"/>
-            </a:solidFill>
-          </a:ln>
-        </p:spPr>
-        <p:style>
-          <a:lnRef idx="2">
-            <a:schemeClr val="accent1">
-              <a:shade val="50000"/>
-            </a:schemeClr>
-          </a:lnRef>
-          <a:fillRef idx="1">
-            <a:schemeClr val="accent1"/>
-          </a:fillRef>
-          <a:effectRef idx="0">
-            <a:schemeClr val="accent1"/>
-          </a:effectRef>
-          <a:fontRef idx="minor">
-            <a:schemeClr val="lt1"/>
-          </a:fontRef>
-        </p:style>
-        <p:txBody>
-          <a:bodyPr rtlCol="0" anchor="ctr"/>
-          <a:lstStyle/>
-          <a:p>
-            <a:pPr algn="ctr"/>
-            <a:endParaRPr lang="zh-CN" altLang="en-US"/>
-          </a:p>
-        </p:txBody>
-      </p:sp>
-      <p:sp>
-        <p:nvSpPr>
-          <p:cNvPr id="2" name="矩形 1"/>
-          <p:cNvSpPr/>
-          <p:nvPr/>
-        </p:nvSpPr>
-        <p:spPr>
-          <a:xfrm>
-            <a:off x="1795549" y="1351400"/>
-            <a:ext cx="1354975" cy="789709"/>
-          </a:xfrm>
-          <a:prstGeom prst="rect">
-            <a:avLst/>
-          </a:prstGeom>
-        </p:spPr>
-        <p:style>
-          <a:lnRef idx="2">
-            <a:schemeClr val="accent1">
-              <a:shade val="50000"/>
-            </a:schemeClr>
-          </a:lnRef>
-          <a:fillRef idx="1">
-            <a:schemeClr val="accent1"/>
-          </a:fillRef>
-          <a:effectRef idx="0">
-            <a:schemeClr val="accent1"/>
-          </a:effectRef>
-          <a:fontRef idx="minor">
-            <a:schemeClr val="lt1"/>
-          </a:fontRef>
-        </p:style>
-        <p:txBody>
-          <a:bodyPr rtlCol="0" anchor="ctr"/>
-          <a:lstStyle/>
-          <a:p>
-            <a:pPr algn="ctr"/>
-            <a:r>
-              <a:rPr lang="en-US" altLang="zh-CN" dirty="0"/>
-              <a:t>NF A (2ms)</a:t>
-            </a:r>
-            <a:endParaRPr lang="zh-CN" altLang="en-US" dirty="0"/>
-          </a:p>
-        </p:txBody>
-      </p:sp>
-      <p:sp>
-        <p:nvSpPr>
-          <p:cNvPr id="3" name="矩形 2"/>
-          <p:cNvSpPr/>
-          <p:nvPr/>
-        </p:nvSpPr>
-        <p:spPr>
-          <a:xfrm>
-            <a:off x="1795548" y="2709949"/>
-            <a:ext cx="1354975" cy="789709"/>
-          </a:xfrm>
-          <a:prstGeom prst="rect">
-            <a:avLst/>
-          </a:prstGeom>
-        </p:spPr>
-        <p:style>
-          <a:lnRef idx="2">
-            <a:schemeClr val="accent1">
-              <a:shade val="50000"/>
-            </a:schemeClr>
-          </a:lnRef>
-          <a:fillRef idx="1">
-            <a:schemeClr val="accent1"/>
-          </a:fillRef>
-          <a:effectRef idx="0">
-            <a:schemeClr val="accent1"/>
-          </a:effectRef>
-          <a:fontRef idx="minor">
-            <a:schemeClr val="lt1"/>
-          </a:fontRef>
-        </p:style>
-        <p:txBody>
-          <a:bodyPr rtlCol="0" anchor="ctr"/>
-          <a:lstStyle/>
-          <a:p>
-            <a:pPr algn="ctr"/>
-            <a:r>
-              <a:rPr lang="en-US" altLang="zh-CN" dirty="0"/>
-              <a:t>NF B (2ms)</a:t>
-            </a:r>
-            <a:endParaRPr lang="zh-CN" altLang="en-US" dirty="0"/>
-          </a:p>
-        </p:txBody>
-      </p:sp>
-      <p:sp>
-        <p:nvSpPr>
-          <p:cNvPr id="5" name="矩形 4"/>
-          <p:cNvSpPr/>
-          <p:nvPr/>
-        </p:nvSpPr>
-        <p:spPr>
-          <a:xfrm>
-            <a:off x="6200952" y="2074025"/>
-            <a:ext cx="1354975" cy="789709"/>
-          </a:xfrm>
-          <a:prstGeom prst="rect">
-            <a:avLst/>
-          </a:prstGeom>
-        </p:spPr>
-        <p:style>
-          <a:lnRef idx="2">
-            <a:schemeClr val="accent1">
-              <a:shade val="50000"/>
-            </a:schemeClr>
-          </a:lnRef>
-          <a:fillRef idx="1">
-            <a:schemeClr val="accent1"/>
-          </a:fillRef>
-          <a:effectRef idx="0">
-            <a:schemeClr val="accent1"/>
-          </a:effectRef>
-          <a:fontRef idx="minor">
-            <a:schemeClr val="lt1"/>
-          </a:fontRef>
-        </p:style>
-        <p:txBody>
-          <a:bodyPr rtlCol="0" anchor="ctr"/>
-          <a:lstStyle/>
-          <a:p>
-            <a:pPr algn="ctr"/>
-            <a:r>
-              <a:rPr lang="en-US" altLang="zh-CN" dirty="0"/>
-              <a:t>NF C (1ms)</a:t>
-            </a:r>
-            <a:endParaRPr lang="zh-CN" altLang="en-US" dirty="0"/>
-          </a:p>
-        </p:txBody>
-      </p:sp>
-      <p:cxnSp>
-        <p:nvCxnSpPr>
-          <p:cNvPr id="7" name="直接箭头连接符 6"/>
-          <p:cNvCxnSpPr>
-            <a:stCxn id="4" idx="3"/>
-            <a:endCxn id="5" idx="1"/>
-          </p:cNvCxnSpPr>
-          <p:nvPr/>
-        </p:nvCxnSpPr>
-        <p:spPr>
-          <a:xfrm flipV="1">
-            <a:off x="3940231" y="2468880"/>
-            <a:ext cx="2260721" cy="1"/>
-          </a:xfrm>
-          <a:prstGeom prst="straightConnector1">
-            <a:avLst/>
-          </a:prstGeom>
-          <a:ln>
-            <a:tailEnd type="triangle"/>
-          </a:ln>
-        </p:spPr>
-        <p:style>
-          <a:lnRef idx="1">
-            <a:schemeClr val="dk1"/>
-          </a:lnRef>
-          <a:fillRef idx="0">
-            <a:schemeClr val="dk1"/>
-          </a:fillRef>
-          <a:effectRef idx="0">
-            <a:schemeClr val="dk1"/>
-          </a:effectRef>
-          <a:fontRef idx="minor">
-            <a:schemeClr val="tx1"/>
-          </a:fontRef>
-        </p:style>
-      </p:cxnSp>
-    </p:spTree>
-    <p:extLst>
-      <p:ext uri="{BB962C8B-B14F-4D97-AF65-F5344CB8AC3E}">
-        <p14:creationId xmlns:p14="http://schemas.microsoft.com/office/powerpoint/2010/main" val="1535183959"/>
       </p:ext>
     </p:extLst>
   </p:cSld>

--- a/docs/Figures.pptx
+++ b/docs/Figures.pptx
@@ -15,6 +15,8 @@
     <p:sldId id="258" r:id="rId9"/>
     <p:sldId id="259" r:id="rId10"/>
     <p:sldId id="260" r:id="rId11"/>
+    <p:sldId id="267" r:id="rId12"/>
+    <p:sldId id="268" r:id="rId13"/>
   </p:sldIdLst>
   <p:sldSz cx="12192000" cy="6858000"/>
   <p:notesSz cx="6858000" cy="9144000"/>
@@ -3249,6 +3251,2540 @@
     <p:extLst>
       <p:ext uri="{BB962C8B-B14F-4D97-AF65-F5344CB8AC3E}">
         <p14:creationId xmlns:p14="http://schemas.microsoft.com/office/powerpoint/2010/main" val="1535183959"/>
+      </p:ext>
+    </p:extLst>
+  </p:cSld>
+  <p:clrMapOvr>
+    <a:masterClrMapping/>
+  </p:clrMapOvr>
+</p:sld>
+</file>
+
+<file path=ppt/slides/slide11.xml><?xml version="1.0" encoding="utf-8"?>
+<p:sld xmlns:a="http://schemas.openxmlformats.org/drawingml/2006/main" xmlns:r="http://schemas.openxmlformats.org/officeDocument/2006/relationships" xmlns:p="http://schemas.openxmlformats.org/presentationml/2006/main">
+  <p:cSld>
+    <p:spTree>
+      <p:nvGrpSpPr>
+        <p:cNvPr id="1" name=""/>
+        <p:cNvGrpSpPr/>
+        <p:nvPr/>
+      </p:nvGrpSpPr>
+      <p:grpSpPr>
+        <a:xfrm>
+          <a:off x="0" y="0"/>
+          <a:ext cx="0" cy="0"/>
+          <a:chOff x="0" y="0"/>
+          <a:chExt cx="0" cy="0"/>
+        </a:xfrm>
+      </p:grpSpPr>
+      <p:sp>
+        <p:nvSpPr>
+          <p:cNvPr id="110" name="文本框 109"/>
+          <p:cNvSpPr txBox="1"/>
+          <p:nvPr/>
+        </p:nvSpPr>
+        <p:spPr>
+          <a:xfrm>
+            <a:off x="7936249" y="3765428"/>
+            <a:ext cx="1876993" cy="523220"/>
+          </a:xfrm>
+          <a:prstGeom prst="rect">
+            <a:avLst/>
+          </a:prstGeom>
+          <a:noFill/>
+        </p:spPr>
+        <p:txBody>
+          <a:bodyPr wrap="square" rtlCol="0">
+            <a:spAutoFit/>
+          </a:bodyPr>
+          <a:lstStyle/>
+          <a:p>
+            <a:r>
+              <a:rPr lang="en-US" altLang="zh-CN" sz="1400" dirty="0" smtClean="0">
+                <a:latin typeface="Times New Roman" panose="02020603050405020304" pitchFamily="18" charset="0"/>
+                <a:cs typeface="Times New Roman" panose="02020603050405020304" pitchFamily="18" charset="0"/>
+              </a:rPr>
+              <a:t>Obtain optimal solution </a:t>
+            </a:r>
+          </a:p>
+          <a:p>
+            <a:r>
+              <a:rPr lang="en-US" altLang="zh-CN" sz="1400" dirty="0" smtClean="0">
+                <a:latin typeface="Times New Roman" panose="02020603050405020304" pitchFamily="18" charset="0"/>
+                <a:cs typeface="Times New Roman" panose="02020603050405020304" pitchFamily="18" charset="0"/>
+              </a:rPr>
+              <a:t>by traversing</a:t>
+            </a:r>
+            <a:endParaRPr lang="zh-CN" altLang="en-US" sz="1400" dirty="0">
+              <a:latin typeface="Times New Roman" panose="02020603050405020304" pitchFamily="18" charset="0"/>
+              <a:cs typeface="Times New Roman" panose="02020603050405020304" pitchFamily="18" charset="0"/>
+            </a:endParaRPr>
+          </a:p>
+        </p:txBody>
+      </p:sp>
+      <p:sp>
+        <p:nvSpPr>
+          <p:cNvPr id="88" name="矩形 87"/>
+          <p:cNvSpPr/>
+          <p:nvPr/>
+        </p:nvSpPr>
+        <p:spPr>
+          <a:xfrm>
+            <a:off x="6742317" y="4457154"/>
+            <a:ext cx="1002735" cy="1917950"/>
+          </a:xfrm>
+          <a:prstGeom prst="rect">
+            <a:avLst/>
+          </a:prstGeom>
+          <a:solidFill>
+            <a:schemeClr val="bg1">
+              <a:lumMod val="85000"/>
+            </a:schemeClr>
+          </a:solidFill>
+          <a:ln>
+            <a:solidFill>
+              <a:schemeClr val="bg2"/>
+            </a:solidFill>
+          </a:ln>
+        </p:spPr>
+        <p:style>
+          <a:lnRef idx="2">
+            <a:schemeClr val="accent3">
+              <a:shade val="50000"/>
+            </a:schemeClr>
+          </a:lnRef>
+          <a:fillRef idx="1">
+            <a:schemeClr val="accent3"/>
+          </a:fillRef>
+          <a:effectRef idx="0">
+            <a:schemeClr val="accent3"/>
+          </a:effectRef>
+          <a:fontRef idx="minor">
+            <a:schemeClr val="lt1"/>
+          </a:fontRef>
+        </p:style>
+        <p:txBody>
+          <a:bodyPr rtlCol="0" anchor="ctr"/>
+          <a:lstStyle/>
+          <a:p>
+            <a:pPr algn="ctr"/>
+            <a:endParaRPr lang="zh-CN" altLang="en-US"/>
+          </a:p>
+        </p:txBody>
+      </p:sp>
+      <p:sp>
+        <p:nvSpPr>
+          <p:cNvPr id="87" name="矩形 86"/>
+          <p:cNvSpPr/>
+          <p:nvPr/>
+        </p:nvSpPr>
+        <p:spPr>
+          <a:xfrm>
+            <a:off x="5784008" y="1538913"/>
+            <a:ext cx="1002735" cy="1917950"/>
+          </a:xfrm>
+          <a:prstGeom prst="rect">
+            <a:avLst/>
+          </a:prstGeom>
+          <a:solidFill>
+            <a:schemeClr val="bg1">
+              <a:lumMod val="85000"/>
+            </a:schemeClr>
+          </a:solidFill>
+          <a:ln>
+            <a:solidFill>
+              <a:schemeClr val="bg2"/>
+            </a:solidFill>
+          </a:ln>
+        </p:spPr>
+        <p:style>
+          <a:lnRef idx="2">
+            <a:schemeClr val="accent3">
+              <a:shade val="50000"/>
+            </a:schemeClr>
+          </a:lnRef>
+          <a:fillRef idx="1">
+            <a:schemeClr val="accent3"/>
+          </a:fillRef>
+          <a:effectRef idx="0">
+            <a:schemeClr val="accent3"/>
+          </a:effectRef>
+          <a:fontRef idx="minor">
+            <a:schemeClr val="lt1"/>
+          </a:fontRef>
+        </p:style>
+        <p:txBody>
+          <a:bodyPr rtlCol="0" anchor="ctr"/>
+          <a:lstStyle/>
+          <a:p>
+            <a:pPr algn="ctr"/>
+            <a:endParaRPr lang="zh-CN" altLang="en-US"/>
+          </a:p>
+        </p:txBody>
+      </p:sp>
+      <p:cxnSp>
+        <p:nvCxnSpPr>
+          <p:cNvPr id="20" name="直接箭头连接符 19"/>
+          <p:cNvCxnSpPr>
+            <a:stCxn id="41" idx="3"/>
+            <a:endCxn id="42" idx="1"/>
+          </p:cNvCxnSpPr>
+          <p:nvPr/>
+        </p:nvCxnSpPr>
+        <p:spPr>
+          <a:xfrm>
+            <a:off x="1298982" y="4044375"/>
+            <a:ext cx="564898" cy="0"/>
+          </a:xfrm>
+          <a:prstGeom prst="straightConnector1">
+            <a:avLst/>
+          </a:prstGeom>
+          <a:ln>
+            <a:tailEnd type="triangle"/>
+          </a:ln>
+        </p:spPr>
+        <p:style>
+          <a:lnRef idx="1">
+            <a:schemeClr val="accent2"/>
+          </a:lnRef>
+          <a:fillRef idx="0">
+            <a:schemeClr val="accent2"/>
+          </a:fillRef>
+          <a:effectRef idx="0">
+            <a:schemeClr val="accent2"/>
+          </a:effectRef>
+          <a:fontRef idx="minor">
+            <a:schemeClr val="tx1"/>
+          </a:fontRef>
+        </p:style>
+      </p:cxnSp>
+      <p:sp>
+        <p:nvSpPr>
+          <p:cNvPr id="37" name="左中括号 36"/>
+          <p:cNvSpPr/>
+          <p:nvPr/>
+        </p:nvSpPr>
+        <p:spPr>
+          <a:xfrm>
+            <a:off x="5361052" y="2544023"/>
+            <a:ext cx="298764" cy="2987644"/>
+          </a:xfrm>
+          <a:prstGeom prst="leftBracket">
+            <a:avLst/>
+          </a:prstGeom>
+          <a:ln w="38100"/>
+        </p:spPr>
+        <p:style>
+          <a:lnRef idx="1">
+            <a:schemeClr val="dk1"/>
+          </a:lnRef>
+          <a:fillRef idx="0">
+            <a:schemeClr val="dk1"/>
+          </a:fillRef>
+          <a:effectRef idx="0">
+            <a:schemeClr val="dk1"/>
+          </a:effectRef>
+          <a:fontRef idx="minor">
+            <a:schemeClr val="tx1"/>
+          </a:fontRef>
+        </p:style>
+        <p:txBody>
+          <a:bodyPr rtlCol="0" anchor="ctr"/>
+          <a:lstStyle/>
+          <a:p>
+            <a:pPr algn="ctr"/>
+            <a:endParaRPr lang="zh-CN" altLang="en-US"/>
+          </a:p>
+        </p:txBody>
+      </p:sp>
+      <p:cxnSp>
+        <p:nvCxnSpPr>
+          <p:cNvPr id="39" name="直接箭头连接符 38"/>
+          <p:cNvCxnSpPr/>
+          <p:nvPr/>
+        </p:nvCxnSpPr>
+        <p:spPr>
+          <a:xfrm>
+            <a:off x="3739081" y="4044375"/>
+            <a:ext cx="1621971" cy="6529"/>
+          </a:xfrm>
+          <a:prstGeom prst="straightConnector1">
+            <a:avLst/>
+          </a:prstGeom>
+          <a:ln w="38100">
+            <a:tailEnd type="arrow"/>
+          </a:ln>
+        </p:spPr>
+        <p:style>
+          <a:lnRef idx="1">
+            <a:schemeClr val="dk1"/>
+          </a:lnRef>
+          <a:fillRef idx="0">
+            <a:schemeClr val="dk1"/>
+          </a:fillRef>
+          <a:effectRef idx="0">
+            <a:schemeClr val="dk1"/>
+          </a:effectRef>
+          <a:fontRef idx="minor">
+            <a:schemeClr val="tx1"/>
+          </a:fontRef>
+        </p:style>
+      </p:cxnSp>
+      <p:grpSp>
+        <p:nvGrpSpPr>
+          <p:cNvPr id="46" name="组合 45"/>
+          <p:cNvGrpSpPr/>
+          <p:nvPr/>
+        </p:nvGrpSpPr>
+        <p:grpSpPr>
+          <a:xfrm>
+            <a:off x="722982" y="3756375"/>
+            <a:ext cx="576000" cy="576000"/>
+            <a:chOff x="722982" y="3756375"/>
+            <a:chExt cx="576000" cy="576000"/>
+          </a:xfrm>
+        </p:grpSpPr>
+        <p:sp>
+          <p:nvSpPr>
+            <p:cNvPr id="13" name="矩形 12"/>
+            <p:cNvSpPr/>
+            <p:nvPr/>
+          </p:nvSpPr>
+          <p:spPr>
+            <a:xfrm>
+              <a:off x="722982" y="3756375"/>
+              <a:ext cx="288000" cy="576000"/>
+            </a:xfrm>
+            <a:prstGeom prst="rect">
+              <a:avLst/>
+            </a:prstGeom>
+            <a:solidFill>
+              <a:schemeClr val="accent4">
+                <a:lumMod val="60000"/>
+                <a:lumOff val="40000"/>
+              </a:schemeClr>
+            </a:solidFill>
+            <a:ln>
+              <a:noFill/>
+            </a:ln>
+          </p:spPr>
+          <p:style>
+            <a:lnRef idx="2">
+              <a:schemeClr val="accent6">
+                <a:shade val="50000"/>
+              </a:schemeClr>
+            </a:lnRef>
+            <a:fillRef idx="1">
+              <a:schemeClr val="accent6"/>
+            </a:fillRef>
+            <a:effectRef idx="0">
+              <a:schemeClr val="accent6"/>
+            </a:effectRef>
+            <a:fontRef idx="minor">
+              <a:schemeClr val="lt1"/>
+            </a:fontRef>
+          </p:style>
+          <p:txBody>
+            <a:bodyPr rtlCol="0" anchor="ctr"/>
+            <a:lstStyle/>
+            <a:p>
+              <a:pPr algn="ctr"/>
+              <a:endParaRPr lang="zh-CN" altLang="en-US" sz="1600" dirty="0">
+                <a:latin typeface="Times New Roman" panose="02020603050405020304" pitchFamily="18" charset="0"/>
+                <a:cs typeface="Times New Roman" panose="02020603050405020304" pitchFamily="18" charset="0"/>
+              </a:endParaRPr>
+            </a:p>
+          </p:txBody>
+        </p:sp>
+        <p:sp>
+          <p:nvSpPr>
+            <p:cNvPr id="41" name="矩形 40"/>
+            <p:cNvSpPr/>
+            <p:nvPr/>
+          </p:nvSpPr>
+          <p:spPr>
+            <a:xfrm>
+              <a:off x="1010982" y="3756375"/>
+              <a:ext cx="288000" cy="576000"/>
+            </a:xfrm>
+            <a:prstGeom prst="rect">
+              <a:avLst/>
+            </a:prstGeom>
+            <a:solidFill>
+              <a:schemeClr val="accent4">
+                <a:lumMod val="60000"/>
+                <a:lumOff val="40000"/>
+              </a:schemeClr>
+            </a:solidFill>
+            <a:ln>
+              <a:noFill/>
+            </a:ln>
+          </p:spPr>
+          <p:style>
+            <a:lnRef idx="2">
+              <a:schemeClr val="accent6">
+                <a:shade val="50000"/>
+              </a:schemeClr>
+            </a:lnRef>
+            <a:fillRef idx="1">
+              <a:schemeClr val="accent6"/>
+            </a:fillRef>
+            <a:effectRef idx="0">
+              <a:schemeClr val="accent6"/>
+            </a:effectRef>
+            <a:fontRef idx="minor">
+              <a:schemeClr val="lt1"/>
+            </a:fontRef>
+          </p:style>
+          <p:txBody>
+            <a:bodyPr rtlCol="0" anchor="ctr"/>
+            <a:lstStyle/>
+            <a:p>
+              <a:pPr algn="ctr"/>
+              <a:endParaRPr lang="zh-CN" altLang="en-US" sz="1200" dirty="0">
+                <a:latin typeface="Times New Roman" panose="02020603050405020304" pitchFamily="18" charset="0"/>
+                <a:cs typeface="Times New Roman" panose="02020603050405020304" pitchFamily="18" charset="0"/>
+              </a:endParaRPr>
+            </a:p>
+          </p:txBody>
+        </p:sp>
+      </p:grpSp>
+      <p:grpSp>
+        <p:nvGrpSpPr>
+          <p:cNvPr id="47" name="组合 46"/>
+          <p:cNvGrpSpPr/>
+          <p:nvPr/>
+        </p:nvGrpSpPr>
+        <p:grpSpPr>
+          <a:xfrm>
+            <a:off x="1863880" y="3756375"/>
+            <a:ext cx="576000" cy="576000"/>
+            <a:chOff x="1899933" y="3756375"/>
+            <a:chExt cx="576000" cy="576000"/>
+          </a:xfrm>
+        </p:grpSpPr>
+        <p:sp>
+          <p:nvSpPr>
+            <p:cNvPr id="42" name="矩形 41"/>
+            <p:cNvSpPr/>
+            <p:nvPr/>
+          </p:nvSpPr>
+          <p:spPr>
+            <a:xfrm>
+              <a:off x="1899933" y="3756375"/>
+              <a:ext cx="288000" cy="576000"/>
+            </a:xfrm>
+            <a:prstGeom prst="rect">
+              <a:avLst/>
+            </a:prstGeom>
+            <a:solidFill>
+              <a:schemeClr val="accent4">
+                <a:lumMod val="60000"/>
+                <a:lumOff val="40000"/>
+              </a:schemeClr>
+            </a:solidFill>
+            <a:ln>
+              <a:noFill/>
+            </a:ln>
+          </p:spPr>
+          <p:style>
+            <a:lnRef idx="2">
+              <a:schemeClr val="accent6">
+                <a:shade val="50000"/>
+              </a:schemeClr>
+            </a:lnRef>
+            <a:fillRef idx="1">
+              <a:schemeClr val="accent6"/>
+            </a:fillRef>
+            <a:effectRef idx="0">
+              <a:schemeClr val="accent6"/>
+            </a:effectRef>
+            <a:fontRef idx="minor">
+              <a:schemeClr val="lt1"/>
+            </a:fontRef>
+          </p:style>
+          <p:txBody>
+            <a:bodyPr rtlCol="0" anchor="ctr"/>
+            <a:lstStyle/>
+            <a:p>
+              <a:pPr algn="ctr"/>
+              <a:endParaRPr lang="zh-CN" altLang="en-US" sz="1600" dirty="0">
+                <a:latin typeface="Times New Roman" panose="02020603050405020304" pitchFamily="18" charset="0"/>
+                <a:cs typeface="Times New Roman" panose="02020603050405020304" pitchFamily="18" charset="0"/>
+              </a:endParaRPr>
+            </a:p>
+          </p:txBody>
+        </p:sp>
+        <p:sp>
+          <p:nvSpPr>
+            <p:cNvPr id="43" name="矩形 42"/>
+            <p:cNvSpPr/>
+            <p:nvPr/>
+          </p:nvSpPr>
+          <p:spPr>
+            <a:xfrm>
+              <a:off x="2187933" y="3756375"/>
+              <a:ext cx="288000" cy="576000"/>
+            </a:xfrm>
+            <a:prstGeom prst="rect">
+              <a:avLst/>
+            </a:prstGeom>
+            <a:solidFill>
+              <a:schemeClr val="accent5">
+                <a:lumMod val="60000"/>
+                <a:lumOff val="40000"/>
+              </a:schemeClr>
+            </a:solidFill>
+            <a:ln>
+              <a:noFill/>
+            </a:ln>
+          </p:spPr>
+          <p:style>
+            <a:lnRef idx="2">
+              <a:schemeClr val="accent6">
+                <a:shade val="50000"/>
+              </a:schemeClr>
+            </a:lnRef>
+            <a:fillRef idx="1">
+              <a:schemeClr val="accent6"/>
+            </a:fillRef>
+            <a:effectRef idx="0">
+              <a:schemeClr val="accent6"/>
+            </a:effectRef>
+            <a:fontRef idx="minor">
+              <a:schemeClr val="lt1"/>
+            </a:fontRef>
+          </p:style>
+          <p:txBody>
+            <a:bodyPr rtlCol="0" anchor="ctr"/>
+            <a:lstStyle/>
+            <a:p>
+              <a:pPr algn="ctr"/>
+              <a:endParaRPr lang="zh-CN" altLang="en-US" sz="1600" dirty="0">
+                <a:latin typeface="Times New Roman" panose="02020603050405020304" pitchFamily="18" charset="0"/>
+                <a:cs typeface="Times New Roman" panose="02020603050405020304" pitchFamily="18" charset="0"/>
+              </a:endParaRPr>
+            </a:p>
+          </p:txBody>
+        </p:sp>
+      </p:grpSp>
+      <p:grpSp>
+        <p:nvGrpSpPr>
+          <p:cNvPr id="48" name="组合 47"/>
+          <p:cNvGrpSpPr/>
+          <p:nvPr/>
+        </p:nvGrpSpPr>
+        <p:grpSpPr>
+          <a:xfrm>
+            <a:off x="3004779" y="3756375"/>
+            <a:ext cx="576000" cy="576000"/>
+            <a:chOff x="3004779" y="3756375"/>
+            <a:chExt cx="576000" cy="576000"/>
+          </a:xfrm>
+        </p:grpSpPr>
+        <p:sp>
+          <p:nvSpPr>
+            <p:cNvPr id="44" name="矩形 43"/>
+            <p:cNvSpPr/>
+            <p:nvPr/>
+          </p:nvSpPr>
+          <p:spPr>
+            <a:xfrm>
+              <a:off x="3004779" y="3756375"/>
+              <a:ext cx="288000" cy="576000"/>
+            </a:xfrm>
+            <a:prstGeom prst="rect">
+              <a:avLst/>
+            </a:prstGeom>
+            <a:solidFill>
+              <a:schemeClr val="accent5">
+                <a:lumMod val="60000"/>
+                <a:lumOff val="40000"/>
+              </a:schemeClr>
+            </a:solidFill>
+            <a:ln>
+              <a:noFill/>
+            </a:ln>
+          </p:spPr>
+          <p:style>
+            <a:lnRef idx="2">
+              <a:schemeClr val="accent6">
+                <a:shade val="50000"/>
+              </a:schemeClr>
+            </a:lnRef>
+            <a:fillRef idx="1">
+              <a:schemeClr val="accent6"/>
+            </a:fillRef>
+            <a:effectRef idx="0">
+              <a:schemeClr val="accent6"/>
+            </a:effectRef>
+            <a:fontRef idx="minor">
+              <a:schemeClr val="lt1"/>
+            </a:fontRef>
+          </p:style>
+          <p:txBody>
+            <a:bodyPr rtlCol="0" anchor="ctr"/>
+            <a:lstStyle/>
+            <a:p>
+              <a:pPr algn="ctr"/>
+              <a:endParaRPr lang="zh-CN" altLang="en-US" sz="1600" dirty="0">
+                <a:latin typeface="Times New Roman" panose="02020603050405020304" pitchFamily="18" charset="0"/>
+                <a:cs typeface="Times New Roman" panose="02020603050405020304" pitchFamily="18" charset="0"/>
+              </a:endParaRPr>
+            </a:p>
+          </p:txBody>
+        </p:sp>
+        <p:sp>
+          <p:nvSpPr>
+            <p:cNvPr id="45" name="矩形 44"/>
+            <p:cNvSpPr/>
+            <p:nvPr/>
+          </p:nvSpPr>
+          <p:spPr>
+            <a:xfrm>
+              <a:off x="3292779" y="3756375"/>
+              <a:ext cx="288000" cy="576000"/>
+            </a:xfrm>
+            <a:prstGeom prst="rect">
+              <a:avLst/>
+            </a:prstGeom>
+            <a:solidFill>
+              <a:schemeClr val="accent5">
+                <a:lumMod val="60000"/>
+                <a:lumOff val="40000"/>
+              </a:schemeClr>
+            </a:solidFill>
+            <a:ln>
+              <a:noFill/>
+            </a:ln>
+          </p:spPr>
+          <p:style>
+            <a:lnRef idx="2">
+              <a:schemeClr val="accent6">
+                <a:shade val="50000"/>
+              </a:schemeClr>
+            </a:lnRef>
+            <a:fillRef idx="1">
+              <a:schemeClr val="accent6"/>
+            </a:fillRef>
+            <a:effectRef idx="0">
+              <a:schemeClr val="accent6"/>
+            </a:effectRef>
+            <a:fontRef idx="minor">
+              <a:schemeClr val="lt1"/>
+            </a:fontRef>
+          </p:style>
+          <p:txBody>
+            <a:bodyPr rtlCol="0" anchor="ctr"/>
+            <a:lstStyle/>
+            <a:p>
+              <a:pPr algn="ctr"/>
+              <a:endParaRPr lang="zh-CN" altLang="en-US" sz="1600" dirty="0">
+                <a:latin typeface="Times New Roman" panose="02020603050405020304" pitchFamily="18" charset="0"/>
+                <a:cs typeface="Times New Roman" panose="02020603050405020304" pitchFamily="18" charset="0"/>
+              </a:endParaRPr>
+            </a:p>
+          </p:txBody>
+        </p:sp>
+      </p:grpSp>
+      <p:cxnSp>
+        <p:nvCxnSpPr>
+          <p:cNvPr id="53" name="直接箭头连接符 52"/>
+          <p:cNvCxnSpPr>
+            <a:stCxn id="43" idx="3"/>
+            <a:endCxn id="44" idx="1"/>
+          </p:cNvCxnSpPr>
+          <p:nvPr/>
+        </p:nvCxnSpPr>
+        <p:spPr>
+          <a:xfrm>
+            <a:off x="2439880" y="4044375"/>
+            <a:ext cx="564899" cy="0"/>
+          </a:xfrm>
+          <a:prstGeom prst="straightConnector1">
+            <a:avLst/>
+          </a:prstGeom>
+          <a:ln>
+            <a:tailEnd type="triangle"/>
+          </a:ln>
+        </p:spPr>
+        <p:style>
+          <a:lnRef idx="1">
+            <a:schemeClr val="accent2"/>
+          </a:lnRef>
+          <a:fillRef idx="0">
+            <a:schemeClr val="accent2"/>
+          </a:fillRef>
+          <a:effectRef idx="0">
+            <a:schemeClr val="accent2"/>
+          </a:effectRef>
+          <a:fontRef idx="minor">
+            <a:schemeClr val="tx1"/>
+          </a:fontRef>
+        </p:style>
+      </p:cxnSp>
+      <p:grpSp>
+        <p:nvGrpSpPr>
+          <p:cNvPr id="56" name="组合 55"/>
+          <p:cNvGrpSpPr/>
+          <p:nvPr/>
+        </p:nvGrpSpPr>
+        <p:grpSpPr>
+          <a:xfrm>
+            <a:off x="6016594" y="1633888"/>
+            <a:ext cx="576000" cy="576000"/>
+            <a:chOff x="722982" y="3756375"/>
+            <a:chExt cx="576000" cy="576000"/>
+          </a:xfrm>
+        </p:grpSpPr>
+        <p:sp>
+          <p:nvSpPr>
+            <p:cNvPr id="57" name="矩形 56"/>
+            <p:cNvSpPr/>
+            <p:nvPr/>
+          </p:nvSpPr>
+          <p:spPr>
+            <a:xfrm>
+              <a:off x="722982" y="3756375"/>
+              <a:ext cx="288000" cy="576000"/>
+            </a:xfrm>
+            <a:prstGeom prst="rect">
+              <a:avLst/>
+            </a:prstGeom>
+            <a:solidFill>
+              <a:schemeClr val="accent4">
+                <a:lumMod val="60000"/>
+                <a:lumOff val="40000"/>
+              </a:schemeClr>
+            </a:solidFill>
+            <a:ln>
+              <a:noFill/>
+            </a:ln>
+          </p:spPr>
+          <p:style>
+            <a:lnRef idx="2">
+              <a:schemeClr val="accent6">
+                <a:shade val="50000"/>
+              </a:schemeClr>
+            </a:lnRef>
+            <a:fillRef idx="1">
+              <a:schemeClr val="accent6"/>
+            </a:fillRef>
+            <a:effectRef idx="0">
+              <a:schemeClr val="accent6"/>
+            </a:effectRef>
+            <a:fontRef idx="minor">
+              <a:schemeClr val="lt1"/>
+            </a:fontRef>
+          </p:style>
+          <p:txBody>
+            <a:bodyPr rtlCol="0" anchor="ctr"/>
+            <a:lstStyle/>
+            <a:p>
+              <a:pPr algn="ctr"/>
+              <a:endParaRPr lang="zh-CN" altLang="en-US" sz="1600" dirty="0">
+                <a:latin typeface="Times New Roman" panose="02020603050405020304" pitchFamily="18" charset="0"/>
+                <a:cs typeface="Times New Roman" panose="02020603050405020304" pitchFamily="18" charset="0"/>
+              </a:endParaRPr>
+            </a:p>
+          </p:txBody>
+        </p:sp>
+        <p:sp>
+          <p:nvSpPr>
+            <p:cNvPr id="58" name="矩形 57"/>
+            <p:cNvSpPr/>
+            <p:nvPr/>
+          </p:nvSpPr>
+          <p:spPr>
+            <a:xfrm>
+              <a:off x="1010982" y="3756375"/>
+              <a:ext cx="288000" cy="576000"/>
+            </a:xfrm>
+            <a:prstGeom prst="rect">
+              <a:avLst/>
+            </a:prstGeom>
+            <a:solidFill>
+              <a:schemeClr val="accent4">
+                <a:lumMod val="60000"/>
+                <a:lumOff val="40000"/>
+              </a:schemeClr>
+            </a:solidFill>
+            <a:ln>
+              <a:noFill/>
+            </a:ln>
+          </p:spPr>
+          <p:style>
+            <a:lnRef idx="2">
+              <a:schemeClr val="accent6">
+                <a:shade val="50000"/>
+              </a:schemeClr>
+            </a:lnRef>
+            <a:fillRef idx="1">
+              <a:schemeClr val="accent6"/>
+            </a:fillRef>
+            <a:effectRef idx="0">
+              <a:schemeClr val="accent6"/>
+            </a:effectRef>
+            <a:fontRef idx="minor">
+              <a:schemeClr val="lt1"/>
+            </a:fontRef>
+          </p:style>
+          <p:txBody>
+            <a:bodyPr rtlCol="0" anchor="ctr"/>
+            <a:lstStyle/>
+            <a:p>
+              <a:pPr algn="ctr"/>
+              <a:endParaRPr lang="zh-CN" altLang="en-US" sz="1600" dirty="0">
+                <a:latin typeface="Times New Roman" panose="02020603050405020304" pitchFamily="18" charset="0"/>
+                <a:cs typeface="Times New Roman" panose="02020603050405020304" pitchFamily="18" charset="0"/>
+              </a:endParaRPr>
+            </a:p>
+          </p:txBody>
+        </p:sp>
+      </p:grpSp>
+      <p:grpSp>
+        <p:nvGrpSpPr>
+          <p:cNvPr id="59" name="组合 58"/>
+          <p:cNvGrpSpPr/>
+          <p:nvPr/>
+        </p:nvGrpSpPr>
+        <p:grpSpPr>
+          <a:xfrm>
+            <a:off x="6016594" y="2785888"/>
+            <a:ext cx="576000" cy="576000"/>
+            <a:chOff x="1899933" y="3756375"/>
+            <a:chExt cx="576000" cy="576000"/>
+          </a:xfrm>
+        </p:grpSpPr>
+        <p:sp>
+          <p:nvSpPr>
+            <p:cNvPr id="60" name="矩形 59"/>
+            <p:cNvSpPr/>
+            <p:nvPr/>
+          </p:nvSpPr>
+          <p:spPr>
+            <a:xfrm>
+              <a:off x="1899933" y="3756375"/>
+              <a:ext cx="288000" cy="576000"/>
+            </a:xfrm>
+            <a:prstGeom prst="rect">
+              <a:avLst/>
+            </a:prstGeom>
+            <a:solidFill>
+              <a:schemeClr val="accent4">
+                <a:lumMod val="60000"/>
+                <a:lumOff val="40000"/>
+              </a:schemeClr>
+            </a:solidFill>
+            <a:ln>
+              <a:noFill/>
+            </a:ln>
+          </p:spPr>
+          <p:style>
+            <a:lnRef idx="2">
+              <a:schemeClr val="accent6">
+                <a:shade val="50000"/>
+              </a:schemeClr>
+            </a:lnRef>
+            <a:fillRef idx="1">
+              <a:schemeClr val="accent6"/>
+            </a:fillRef>
+            <a:effectRef idx="0">
+              <a:schemeClr val="accent6"/>
+            </a:effectRef>
+            <a:fontRef idx="minor">
+              <a:schemeClr val="lt1"/>
+            </a:fontRef>
+          </p:style>
+          <p:txBody>
+            <a:bodyPr rtlCol="0" anchor="ctr"/>
+            <a:lstStyle/>
+            <a:p>
+              <a:pPr algn="ctr"/>
+              <a:endParaRPr lang="zh-CN" altLang="en-US" sz="1600" dirty="0">
+                <a:latin typeface="Times New Roman" panose="02020603050405020304" pitchFamily="18" charset="0"/>
+                <a:cs typeface="Times New Roman" panose="02020603050405020304" pitchFamily="18" charset="0"/>
+              </a:endParaRPr>
+            </a:p>
+          </p:txBody>
+        </p:sp>
+        <p:sp>
+          <p:nvSpPr>
+            <p:cNvPr id="61" name="矩形 60"/>
+            <p:cNvSpPr/>
+            <p:nvPr/>
+          </p:nvSpPr>
+          <p:spPr>
+            <a:xfrm>
+              <a:off x="2187933" y="3756375"/>
+              <a:ext cx="288000" cy="576000"/>
+            </a:xfrm>
+            <a:prstGeom prst="rect">
+              <a:avLst/>
+            </a:prstGeom>
+            <a:solidFill>
+              <a:schemeClr val="accent5">
+                <a:lumMod val="60000"/>
+                <a:lumOff val="40000"/>
+              </a:schemeClr>
+            </a:solidFill>
+            <a:ln>
+              <a:noFill/>
+            </a:ln>
+          </p:spPr>
+          <p:style>
+            <a:lnRef idx="2">
+              <a:schemeClr val="accent6">
+                <a:shade val="50000"/>
+              </a:schemeClr>
+            </a:lnRef>
+            <a:fillRef idx="1">
+              <a:schemeClr val="accent6"/>
+            </a:fillRef>
+            <a:effectRef idx="0">
+              <a:schemeClr val="accent6"/>
+            </a:effectRef>
+            <a:fontRef idx="minor">
+              <a:schemeClr val="lt1"/>
+            </a:fontRef>
+          </p:style>
+          <p:txBody>
+            <a:bodyPr rtlCol="0" anchor="ctr"/>
+            <a:lstStyle/>
+            <a:p>
+              <a:pPr algn="ctr"/>
+              <a:endParaRPr lang="zh-CN" altLang="en-US" sz="1600" dirty="0">
+                <a:latin typeface="Times New Roman" panose="02020603050405020304" pitchFamily="18" charset="0"/>
+                <a:cs typeface="Times New Roman" panose="02020603050405020304" pitchFamily="18" charset="0"/>
+              </a:endParaRPr>
+            </a:p>
+          </p:txBody>
+        </p:sp>
+      </p:grpSp>
+      <p:grpSp>
+        <p:nvGrpSpPr>
+          <p:cNvPr id="62" name="组合 61"/>
+          <p:cNvGrpSpPr/>
+          <p:nvPr/>
+        </p:nvGrpSpPr>
+        <p:grpSpPr>
+          <a:xfrm>
+            <a:off x="7193868" y="2209888"/>
+            <a:ext cx="576000" cy="576000"/>
+            <a:chOff x="3004779" y="3756375"/>
+            <a:chExt cx="576000" cy="576000"/>
+          </a:xfrm>
+        </p:grpSpPr>
+        <p:sp>
+          <p:nvSpPr>
+            <p:cNvPr id="63" name="矩形 62"/>
+            <p:cNvSpPr/>
+            <p:nvPr/>
+          </p:nvSpPr>
+          <p:spPr>
+            <a:xfrm>
+              <a:off x="3004779" y="3756375"/>
+              <a:ext cx="288000" cy="576000"/>
+            </a:xfrm>
+            <a:prstGeom prst="rect">
+              <a:avLst/>
+            </a:prstGeom>
+            <a:solidFill>
+              <a:schemeClr val="accent5">
+                <a:lumMod val="60000"/>
+                <a:lumOff val="40000"/>
+              </a:schemeClr>
+            </a:solidFill>
+            <a:ln>
+              <a:noFill/>
+            </a:ln>
+          </p:spPr>
+          <p:style>
+            <a:lnRef idx="2">
+              <a:schemeClr val="accent6">
+                <a:shade val="50000"/>
+              </a:schemeClr>
+            </a:lnRef>
+            <a:fillRef idx="1">
+              <a:schemeClr val="accent6"/>
+            </a:fillRef>
+            <a:effectRef idx="0">
+              <a:schemeClr val="accent6"/>
+            </a:effectRef>
+            <a:fontRef idx="minor">
+              <a:schemeClr val="lt1"/>
+            </a:fontRef>
+          </p:style>
+          <p:txBody>
+            <a:bodyPr rtlCol="0" anchor="ctr"/>
+            <a:lstStyle/>
+            <a:p>
+              <a:pPr algn="ctr"/>
+              <a:endParaRPr lang="zh-CN" altLang="en-US" sz="1600" dirty="0">
+                <a:latin typeface="Times New Roman" panose="02020603050405020304" pitchFamily="18" charset="0"/>
+                <a:cs typeface="Times New Roman" panose="02020603050405020304" pitchFamily="18" charset="0"/>
+              </a:endParaRPr>
+            </a:p>
+          </p:txBody>
+        </p:sp>
+        <p:sp>
+          <p:nvSpPr>
+            <p:cNvPr id="64" name="矩形 63"/>
+            <p:cNvSpPr/>
+            <p:nvPr/>
+          </p:nvSpPr>
+          <p:spPr>
+            <a:xfrm>
+              <a:off x="3292779" y="3756375"/>
+              <a:ext cx="288000" cy="576000"/>
+            </a:xfrm>
+            <a:prstGeom prst="rect">
+              <a:avLst/>
+            </a:prstGeom>
+            <a:solidFill>
+              <a:schemeClr val="accent5">
+                <a:lumMod val="60000"/>
+                <a:lumOff val="40000"/>
+              </a:schemeClr>
+            </a:solidFill>
+            <a:ln>
+              <a:noFill/>
+            </a:ln>
+          </p:spPr>
+          <p:style>
+            <a:lnRef idx="2">
+              <a:schemeClr val="accent6">
+                <a:shade val="50000"/>
+              </a:schemeClr>
+            </a:lnRef>
+            <a:fillRef idx="1">
+              <a:schemeClr val="accent6"/>
+            </a:fillRef>
+            <a:effectRef idx="0">
+              <a:schemeClr val="accent6"/>
+            </a:effectRef>
+            <a:fontRef idx="minor">
+              <a:schemeClr val="lt1"/>
+            </a:fontRef>
+          </p:style>
+          <p:txBody>
+            <a:bodyPr rtlCol="0" anchor="ctr"/>
+            <a:lstStyle/>
+            <a:p>
+              <a:pPr algn="ctr"/>
+              <a:endParaRPr lang="zh-CN" altLang="en-US" sz="1600" dirty="0">
+                <a:latin typeface="Times New Roman" panose="02020603050405020304" pitchFamily="18" charset="0"/>
+                <a:cs typeface="Times New Roman" panose="02020603050405020304" pitchFamily="18" charset="0"/>
+              </a:endParaRPr>
+            </a:p>
+          </p:txBody>
+        </p:sp>
+      </p:grpSp>
+      <p:grpSp>
+        <p:nvGrpSpPr>
+          <p:cNvPr id="65" name="组合 64"/>
+          <p:cNvGrpSpPr/>
+          <p:nvPr/>
+        </p:nvGrpSpPr>
+        <p:grpSpPr>
+          <a:xfrm>
+            <a:off x="5773694" y="5128129"/>
+            <a:ext cx="576000" cy="576000"/>
+            <a:chOff x="722982" y="3756375"/>
+            <a:chExt cx="576000" cy="576000"/>
+          </a:xfrm>
+        </p:grpSpPr>
+        <p:sp>
+          <p:nvSpPr>
+            <p:cNvPr id="66" name="矩形 65"/>
+            <p:cNvSpPr/>
+            <p:nvPr/>
+          </p:nvSpPr>
+          <p:spPr>
+            <a:xfrm>
+              <a:off x="722982" y="3756375"/>
+              <a:ext cx="288000" cy="576000"/>
+            </a:xfrm>
+            <a:prstGeom prst="rect">
+              <a:avLst/>
+            </a:prstGeom>
+            <a:solidFill>
+              <a:schemeClr val="accent4">
+                <a:lumMod val="60000"/>
+                <a:lumOff val="40000"/>
+              </a:schemeClr>
+            </a:solidFill>
+            <a:ln>
+              <a:noFill/>
+            </a:ln>
+          </p:spPr>
+          <p:style>
+            <a:lnRef idx="2">
+              <a:schemeClr val="accent6">
+                <a:shade val="50000"/>
+              </a:schemeClr>
+            </a:lnRef>
+            <a:fillRef idx="1">
+              <a:schemeClr val="accent6"/>
+            </a:fillRef>
+            <a:effectRef idx="0">
+              <a:schemeClr val="accent6"/>
+            </a:effectRef>
+            <a:fontRef idx="minor">
+              <a:schemeClr val="lt1"/>
+            </a:fontRef>
+          </p:style>
+          <p:txBody>
+            <a:bodyPr rtlCol="0" anchor="ctr"/>
+            <a:lstStyle/>
+            <a:p>
+              <a:pPr algn="ctr"/>
+              <a:endParaRPr lang="zh-CN" altLang="en-US" sz="1600" dirty="0">
+                <a:latin typeface="Times New Roman" panose="02020603050405020304" pitchFamily="18" charset="0"/>
+                <a:cs typeface="Times New Roman" panose="02020603050405020304" pitchFamily="18" charset="0"/>
+              </a:endParaRPr>
+            </a:p>
+          </p:txBody>
+        </p:sp>
+        <p:sp>
+          <p:nvSpPr>
+            <p:cNvPr id="67" name="矩形 66"/>
+            <p:cNvSpPr/>
+            <p:nvPr/>
+          </p:nvSpPr>
+          <p:spPr>
+            <a:xfrm>
+              <a:off x="1010982" y="3756375"/>
+              <a:ext cx="288000" cy="576000"/>
+            </a:xfrm>
+            <a:prstGeom prst="rect">
+              <a:avLst/>
+            </a:prstGeom>
+            <a:solidFill>
+              <a:schemeClr val="accent4">
+                <a:lumMod val="60000"/>
+                <a:lumOff val="40000"/>
+              </a:schemeClr>
+            </a:solidFill>
+            <a:ln>
+              <a:noFill/>
+            </a:ln>
+          </p:spPr>
+          <p:style>
+            <a:lnRef idx="2">
+              <a:schemeClr val="accent6">
+                <a:shade val="50000"/>
+              </a:schemeClr>
+            </a:lnRef>
+            <a:fillRef idx="1">
+              <a:schemeClr val="accent6"/>
+            </a:fillRef>
+            <a:effectRef idx="0">
+              <a:schemeClr val="accent6"/>
+            </a:effectRef>
+            <a:fontRef idx="minor">
+              <a:schemeClr val="lt1"/>
+            </a:fontRef>
+          </p:style>
+          <p:txBody>
+            <a:bodyPr rtlCol="0" anchor="ctr"/>
+            <a:lstStyle/>
+            <a:p>
+              <a:pPr algn="ctr"/>
+              <a:endParaRPr lang="zh-CN" altLang="en-US" sz="1600" dirty="0">
+                <a:latin typeface="Times New Roman" panose="02020603050405020304" pitchFamily="18" charset="0"/>
+                <a:cs typeface="Times New Roman" panose="02020603050405020304" pitchFamily="18" charset="0"/>
+              </a:endParaRPr>
+            </a:p>
+          </p:txBody>
+        </p:sp>
+      </p:grpSp>
+      <p:grpSp>
+        <p:nvGrpSpPr>
+          <p:cNvPr id="68" name="组合 67"/>
+          <p:cNvGrpSpPr/>
+          <p:nvPr/>
+        </p:nvGrpSpPr>
+        <p:grpSpPr>
+          <a:xfrm>
+            <a:off x="6955685" y="4552129"/>
+            <a:ext cx="576000" cy="576000"/>
+            <a:chOff x="1899933" y="3756375"/>
+            <a:chExt cx="576000" cy="576000"/>
+          </a:xfrm>
+        </p:grpSpPr>
+        <p:sp>
+          <p:nvSpPr>
+            <p:cNvPr id="69" name="矩形 68"/>
+            <p:cNvSpPr/>
+            <p:nvPr/>
+          </p:nvSpPr>
+          <p:spPr>
+            <a:xfrm>
+              <a:off x="1899933" y="3756375"/>
+              <a:ext cx="288000" cy="576000"/>
+            </a:xfrm>
+            <a:prstGeom prst="rect">
+              <a:avLst/>
+            </a:prstGeom>
+            <a:solidFill>
+              <a:schemeClr val="accent4">
+                <a:lumMod val="60000"/>
+                <a:lumOff val="40000"/>
+              </a:schemeClr>
+            </a:solidFill>
+            <a:ln>
+              <a:noFill/>
+            </a:ln>
+          </p:spPr>
+          <p:style>
+            <a:lnRef idx="2">
+              <a:schemeClr val="accent6">
+                <a:shade val="50000"/>
+              </a:schemeClr>
+            </a:lnRef>
+            <a:fillRef idx="1">
+              <a:schemeClr val="accent6"/>
+            </a:fillRef>
+            <a:effectRef idx="0">
+              <a:schemeClr val="accent6"/>
+            </a:effectRef>
+            <a:fontRef idx="minor">
+              <a:schemeClr val="lt1"/>
+            </a:fontRef>
+          </p:style>
+          <p:txBody>
+            <a:bodyPr rtlCol="0" anchor="ctr"/>
+            <a:lstStyle/>
+            <a:p>
+              <a:pPr algn="ctr"/>
+              <a:endParaRPr lang="zh-CN" altLang="en-US" sz="1600" dirty="0">
+                <a:latin typeface="Times New Roman" panose="02020603050405020304" pitchFamily="18" charset="0"/>
+                <a:cs typeface="Times New Roman" panose="02020603050405020304" pitchFamily="18" charset="0"/>
+              </a:endParaRPr>
+            </a:p>
+          </p:txBody>
+        </p:sp>
+        <p:sp>
+          <p:nvSpPr>
+            <p:cNvPr id="70" name="矩形 69"/>
+            <p:cNvSpPr/>
+            <p:nvPr/>
+          </p:nvSpPr>
+          <p:spPr>
+            <a:xfrm>
+              <a:off x="2187933" y="3756375"/>
+              <a:ext cx="288000" cy="576000"/>
+            </a:xfrm>
+            <a:prstGeom prst="rect">
+              <a:avLst/>
+            </a:prstGeom>
+            <a:solidFill>
+              <a:schemeClr val="accent5">
+                <a:lumMod val="60000"/>
+                <a:lumOff val="40000"/>
+              </a:schemeClr>
+            </a:solidFill>
+            <a:ln>
+              <a:noFill/>
+            </a:ln>
+          </p:spPr>
+          <p:style>
+            <a:lnRef idx="2">
+              <a:schemeClr val="accent6">
+                <a:shade val="50000"/>
+              </a:schemeClr>
+            </a:lnRef>
+            <a:fillRef idx="1">
+              <a:schemeClr val="accent6"/>
+            </a:fillRef>
+            <a:effectRef idx="0">
+              <a:schemeClr val="accent6"/>
+            </a:effectRef>
+            <a:fontRef idx="minor">
+              <a:schemeClr val="lt1"/>
+            </a:fontRef>
+          </p:style>
+          <p:txBody>
+            <a:bodyPr rtlCol="0" anchor="ctr"/>
+            <a:lstStyle/>
+            <a:p>
+              <a:pPr algn="ctr"/>
+              <a:endParaRPr lang="zh-CN" altLang="en-US" sz="1600" dirty="0">
+                <a:latin typeface="Times New Roman" panose="02020603050405020304" pitchFamily="18" charset="0"/>
+                <a:cs typeface="Times New Roman" panose="02020603050405020304" pitchFamily="18" charset="0"/>
+              </a:endParaRPr>
+            </a:p>
+          </p:txBody>
+        </p:sp>
+      </p:grpSp>
+      <p:grpSp>
+        <p:nvGrpSpPr>
+          <p:cNvPr id="71" name="组合 70"/>
+          <p:cNvGrpSpPr/>
+          <p:nvPr/>
+        </p:nvGrpSpPr>
+        <p:grpSpPr>
+          <a:xfrm>
+            <a:off x="6960546" y="5704129"/>
+            <a:ext cx="576000" cy="576000"/>
+            <a:chOff x="3004779" y="3756375"/>
+            <a:chExt cx="576000" cy="576000"/>
+          </a:xfrm>
+        </p:grpSpPr>
+        <p:sp>
+          <p:nvSpPr>
+            <p:cNvPr id="72" name="矩形 71"/>
+            <p:cNvSpPr/>
+            <p:nvPr/>
+          </p:nvSpPr>
+          <p:spPr>
+            <a:xfrm>
+              <a:off x="3004779" y="3756375"/>
+              <a:ext cx="288000" cy="576000"/>
+            </a:xfrm>
+            <a:prstGeom prst="rect">
+              <a:avLst/>
+            </a:prstGeom>
+            <a:solidFill>
+              <a:schemeClr val="accent5">
+                <a:lumMod val="60000"/>
+                <a:lumOff val="40000"/>
+              </a:schemeClr>
+            </a:solidFill>
+            <a:ln>
+              <a:noFill/>
+            </a:ln>
+          </p:spPr>
+          <p:style>
+            <a:lnRef idx="2">
+              <a:schemeClr val="accent6">
+                <a:shade val="50000"/>
+              </a:schemeClr>
+            </a:lnRef>
+            <a:fillRef idx="1">
+              <a:schemeClr val="accent6"/>
+            </a:fillRef>
+            <a:effectRef idx="0">
+              <a:schemeClr val="accent6"/>
+            </a:effectRef>
+            <a:fontRef idx="minor">
+              <a:schemeClr val="lt1"/>
+            </a:fontRef>
+          </p:style>
+          <p:txBody>
+            <a:bodyPr rtlCol="0" anchor="ctr"/>
+            <a:lstStyle/>
+            <a:p>
+              <a:pPr algn="ctr"/>
+              <a:endParaRPr lang="zh-CN" altLang="en-US" sz="1600" dirty="0">
+                <a:latin typeface="Times New Roman" panose="02020603050405020304" pitchFamily="18" charset="0"/>
+                <a:cs typeface="Times New Roman" panose="02020603050405020304" pitchFamily="18" charset="0"/>
+              </a:endParaRPr>
+            </a:p>
+          </p:txBody>
+        </p:sp>
+        <p:sp>
+          <p:nvSpPr>
+            <p:cNvPr id="73" name="矩形 72"/>
+            <p:cNvSpPr/>
+            <p:nvPr/>
+          </p:nvSpPr>
+          <p:spPr>
+            <a:xfrm>
+              <a:off x="3292779" y="3756375"/>
+              <a:ext cx="288000" cy="576000"/>
+            </a:xfrm>
+            <a:prstGeom prst="rect">
+              <a:avLst/>
+            </a:prstGeom>
+            <a:solidFill>
+              <a:schemeClr val="accent5">
+                <a:lumMod val="60000"/>
+                <a:lumOff val="40000"/>
+              </a:schemeClr>
+            </a:solidFill>
+            <a:ln>
+              <a:noFill/>
+            </a:ln>
+          </p:spPr>
+          <p:style>
+            <a:lnRef idx="2">
+              <a:schemeClr val="accent6">
+                <a:shade val="50000"/>
+              </a:schemeClr>
+            </a:lnRef>
+            <a:fillRef idx="1">
+              <a:schemeClr val="accent6"/>
+            </a:fillRef>
+            <a:effectRef idx="0">
+              <a:schemeClr val="accent6"/>
+            </a:effectRef>
+            <a:fontRef idx="minor">
+              <a:schemeClr val="lt1"/>
+            </a:fontRef>
+          </p:style>
+          <p:txBody>
+            <a:bodyPr rtlCol="0" anchor="ctr"/>
+            <a:lstStyle/>
+            <a:p>
+              <a:pPr algn="ctr"/>
+              <a:endParaRPr lang="zh-CN" altLang="en-US" sz="1600" dirty="0">
+                <a:latin typeface="Times New Roman" panose="02020603050405020304" pitchFamily="18" charset="0"/>
+                <a:cs typeface="Times New Roman" panose="02020603050405020304" pitchFamily="18" charset="0"/>
+              </a:endParaRPr>
+            </a:p>
+          </p:txBody>
+        </p:sp>
+      </p:grpSp>
+      <p:cxnSp>
+        <p:nvCxnSpPr>
+          <p:cNvPr id="74" name="直接箭头连接符 73"/>
+          <p:cNvCxnSpPr>
+            <a:stCxn id="58" idx="3"/>
+            <a:endCxn id="63" idx="1"/>
+          </p:cNvCxnSpPr>
+          <p:nvPr/>
+        </p:nvCxnSpPr>
+        <p:spPr>
+          <a:xfrm>
+            <a:off x="6592594" y="1921888"/>
+            <a:ext cx="601274" cy="576000"/>
+          </a:xfrm>
+          <a:prstGeom prst="straightConnector1">
+            <a:avLst/>
+          </a:prstGeom>
+          <a:ln>
+            <a:tailEnd type="triangle"/>
+          </a:ln>
+        </p:spPr>
+        <p:style>
+          <a:lnRef idx="1">
+            <a:schemeClr val="accent2"/>
+          </a:lnRef>
+          <a:fillRef idx="0">
+            <a:schemeClr val="accent2"/>
+          </a:fillRef>
+          <a:effectRef idx="0">
+            <a:schemeClr val="accent2"/>
+          </a:effectRef>
+          <a:fontRef idx="minor">
+            <a:schemeClr val="tx1"/>
+          </a:fontRef>
+        </p:style>
+      </p:cxnSp>
+      <p:cxnSp>
+        <p:nvCxnSpPr>
+          <p:cNvPr id="77" name="直接箭头连接符 76"/>
+          <p:cNvCxnSpPr>
+            <a:stCxn id="61" idx="3"/>
+            <a:endCxn id="63" idx="1"/>
+          </p:cNvCxnSpPr>
+          <p:nvPr/>
+        </p:nvCxnSpPr>
+        <p:spPr>
+          <a:xfrm flipV="1">
+            <a:off x="6592594" y="2497888"/>
+            <a:ext cx="601274" cy="576000"/>
+          </a:xfrm>
+          <a:prstGeom prst="straightConnector1">
+            <a:avLst/>
+          </a:prstGeom>
+          <a:ln>
+            <a:tailEnd type="triangle"/>
+          </a:ln>
+        </p:spPr>
+        <p:style>
+          <a:lnRef idx="1">
+            <a:schemeClr val="accent2"/>
+          </a:lnRef>
+          <a:fillRef idx="0">
+            <a:schemeClr val="accent2"/>
+          </a:fillRef>
+          <a:effectRef idx="0">
+            <a:schemeClr val="accent2"/>
+          </a:effectRef>
+          <a:fontRef idx="minor">
+            <a:schemeClr val="tx1"/>
+          </a:fontRef>
+        </p:style>
+      </p:cxnSp>
+      <p:cxnSp>
+        <p:nvCxnSpPr>
+          <p:cNvPr id="80" name="直接箭头连接符 79"/>
+          <p:cNvCxnSpPr>
+            <a:stCxn id="67" idx="3"/>
+            <a:endCxn id="69" idx="1"/>
+          </p:cNvCxnSpPr>
+          <p:nvPr/>
+        </p:nvCxnSpPr>
+        <p:spPr>
+          <a:xfrm flipV="1">
+            <a:off x="6349694" y="4840129"/>
+            <a:ext cx="605991" cy="576000"/>
+          </a:xfrm>
+          <a:prstGeom prst="straightConnector1">
+            <a:avLst/>
+          </a:prstGeom>
+          <a:ln>
+            <a:tailEnd type="triangle"/>
+          </a:ln>
+        </p:spPr>
+        <p:style>
+          <a:lnRef idx="1">
+            <a:schemeClr val="accent2"/>
+          </a:lnRef>
+          <a:fillRef idx="0">
+            <a:schemeClr val="accent2"/>
+          </a:fillRef>
+          <a:effectRef idx="0">
+            <a:schemeClr val="accent2"/>
+          </a:effectRef>
+          <a:fontRef idx="minor">
+            <a:schemeClr val="tx1"/>
+          </a:fontRef>
+        </p:style>
+      </p:cxnSp>
+      <p:cxnSp>
+        <p:nvCxnSpPr>
+          <p:cNvPr id="83" name="直接箭头连接符 82"/>
+          <p:cNvCxnSpPr>
+            <a:stCxn id="67" idx="3"/>
+            <a:endCxn id="72" idx="1"/>
+          </p:cNvCxnSpPr>
+          <p:nvPr/>
+        </p:nvCxnSpPr>
+        <p:spPr>
+          <a:xfrm>
+            <a:off x="6349694" y="5416129"/>
+            <a:ext cx="610852" cy="576000"/>
+          </a:xfrm>
+          <a:prstGeom prst="straightConnector1">
+            <a:avLst/>
+          </a:prstGeom>
+          <a:ln>
+            <a:tailEnd type="triangle"/>
+          </a:ln>
+        </p:spPr>
+        <p:style>
+          <a:lnRef idx="1">
+            <a:schemeClr val="accent2"/>
+          </a:lnRef>
+          <a:fillRef idx="0">
+            <a:schemeClr val="accent2"/>
+          </a:fillRef>
+          <a:effectRef idx="0">
+            <a:schemeClr val="accent2"/>
+          </a:effectRef>
+          <a:fontRef idx="minor">
+            <a:schemeClr val="tx1"/>
+          </a:fontRef>
+        </p:style>
+      </p:cxnSp>
+      <p:sp>
+        <p:nvSpPr>
+          <p:cNvPr id="89" name="矩形 88"/>
+          <p:cNvSpPr/>
+          <p:nvPr/>
+        </p:nvSpPr>
+        <p:spPr>
+          <a:xfrm>
+            <a:off x="10005833" y="3188452"/>
+            <a:ext cx="1002735" cy="1917950"/>
+          </a:xfrm>
+          <a:prstGeom prst="rect">
+            <a:avLst/>
+          </a:prstGeom>
+          <a:solidFill>
+            <a:schemeClr val="bg1">
+              <a:lumMod val="85000"/>
+            </a:schemeClr>
+          </a:solidFill>
+          <a:ln>
+            <a:solidFill>
+              <a:schemeClr val="bg2"/>
+            </a:solidFill>
+          </a:ln>
+        </p:spPr>
+        <p:style>
+          <a:lnRef idx="2">
+            <a:schemeClr val="accent3">
+              <a:shade val="50000"/>
+            </a:schemeClr>
+          </a:lnRef>
+          <a:fillRef idx="1">
+            <a:schemeClr val="accent3"/>
+          </a:fillRef>
+          <a:effectRef idx="0">
+            <a:schemeClr val="accent3"/>
+          </a:effectRef>
+          <a:fontRef idx="minor">
+            <a:schemeClr val="lt1"/>
+          </a:fontRef>
+        </p:style>
+        <p:txBody>
+          <a:bodyPr rtlCol="0" anchor="ctr"/>
+          <a:lstStyle/>
+          <a:p>
+            <a:pPr algn="ctr"/>
+            <a:endParaRPr lang="zh-CN" altLang="en-US"/>
+          </a:p>
+        </p:txBody>
+      </p:sp>
+      <p:grpSp>
+        <p:nvGrpSpPr>
+          <p:cNvPr id="90" name="组合 89"/>
+          <p:cNvGrpSpPr/>
+          <p:nvPr/>
+        </p:nvGrpSpPr>
+        <p:grpSpPr>
+          <a:xfrm>
+            <a:off x="10238419" y="3283427"/>
+            <a:ext cx="576000" cy="576000"/>
+            <a:chOff x="722982" y="3756375"/>
+            <a:chExt cx="576000" cy="576000"/>
+          </a:xfrm>
+        </p:grpSpPr>
+        <p:sp>
+          <p:nvSpPr>
+            <p:cNvPr id="91" name="矩形 90"/>
+            <p:cNvSpPr/>
+            <p:nvPr/>
+          </p:nvSpPr>
+          <p:spPr>
+            <a:xfrm>
+              <a:off x="722982" y="3756375"/>
+              <a:ext cx="288000" cy="576000"/>
+            </a:xfrm>
+            <a:prstGeom prst="rect">
+              <a:avLst/>
+            </a:prstGeom>
+            <a:solidFill>
+              <a:schemeClr val="accent4">
+                <a:lumMod val="60000"/>
+                <a:lumOff val="40000"/>
+              </a:schemeClr>
+            </a:solidFill>
+            <a:ln>
+              <a:noFill/>
+            </a:ln>
+          </p:spPr>
+          <p:style>
+            <a:lnRef idx="2">
+              <a:schemeClr val="accent6">
+                <a:shade val="50000"/>
+              </a:schemeClr>
+            </a:lnRef>
+            <a:fillRef idx="1">
+              <a:schemeClr val="accent6"/>
+            </a:fillRef>
+            <a:effectRef idx="0">
+              <a:schemeClr val="accent6"/>
+            </a:effectRef>
+            <a:fontRef idx="minor">
+              <a:schemeClr val="lt1"/>
+            </a:fontRef>
+          </p:style>
+          <p:txBody>
+            <a:bodyPr rtlCol="0" anchor="ctr"/>
+            <a:lstStyle/>
+            <a:p>
+              <a:pPr algn="ctr"/>
+              <a:endParaRPr lang="zh-CN" altLang="en-US" sz="1600" dirty="0">
+                <a:latin typeface="Times New Roman" panose="02020603050405020304" pitchFamily="18" charset="0"/>
+                <a:cs typeface="Times New Roman" panose="02020603050405020304" pitchFamily="18" charset="0"/>
+              </a:endParaRPr>
+            </a:p>
+          </p:txBody>
+        </p:sp>
+        <p:sp>
+          <p:nvSpPr>
+            <p:cNvPr id="92" name="矩形 91"/>
+            <p:cNvSpPr/>
+            <p:nvPr/>
+          </p:nvSpPr>
+          <p:spPr>
+            <a:xfrm>
+              <a:off x="1010982" y="3756375"/>
+              <a:ext cx="288000" cy="576000"/>
+            </a:xfrm>
+            <a:prstGeom prst="rect">
+              <a:avLst/>
+            </a:prstGeom>
+            <a:solidFill>
+              <a:schemeClr val="accent4">
+                <a:lumMod val="60000"/>
+                <a:lumOff val="40000"/>
+              </a:schemeClr>
+            </a:solidFill>
+            <a:ln>
+              <a:noFill/>
+            </a:ln>
+          </p:spPr>
+          <p:style>
+            <a:lnRef idx="2">
+              <a:schemeClr val="accent6">
+                <a:shade val="50000"/>
+              </a:schemeClr>
+            </a:lnRef>
+            <a:fillRef idx="1">
+              <a:schemeClr val="accent6"/>
+            </a:fillRef>
+            <a:effectRef idx="0">
+              <a:schemeClr val="accent6"/>
+            </a:effectRef>
+            <a:fontRef idx="minor">
+              <a:schemeClr val="lt1"/>
+            </a:fontRef>
+          </p:style>
+          <p:txBody>
+            <a:bodyPr rtlCol="0" anchor="ctr"/>
+            <a:lstStyle/>
+            <a:p>
+              <a:pPr algn="ctr"/>
+              <a:endParaRPr lang="zh-CN" altLang="en-US" sz="1600" dirty="0">
+                <a:latin typeface="Times New Roman" panose="02020603050405020304" pitchFamily="18" charset="0"/>
+                <a:cs typeface="Times New Roman" panose="02020603050405020304" pitchFamily="18" charset="0"/>
+              </a:endParaRPr>
+            </a:p>
+          </p:txBody>
+        </p:sp>
+      </p:grpSp>
+      <p:grpSp>
+        <p:nvGrpSpPr>
+          <p:cNvPr id="93" name="组合 92"/>
+          <p:cNvGrpSpPr/>
+          <p:nvPr/>
+        </p:nvGrpSpPr>
+        <p:grpSpPr>
+          <a:xfrm>
+            <a:off x="10238419" y="4435427"/>
+            <a:ext cx="576000" cy="576000"/>
+            <a:chOff x="1899933" y="3756375"/>
+            <a:chExt cx="576000" cy="576000"/>
+          </a:xfrm>
+        </p:grpSpPr>
+        <p:sp>
+          <p:nvSpPr>
+            <p:cNvPr id="94" name="矩形 93"/>
+            <p:cNvSpPr/>
+            <p:nvPr/>
+          </p:nvSpPr>
+          <p:spPr>
+            <a:xfrm>
+              <a:off x="1899933" y="3756375"/>
+              <a:ext cx="288000" cy="576000"/>
+            </a:xfrm>
+            <a:prstGeom prst="rect">
+              <a:avLst/>
+            </a:prstGeom>
+            <a:solidFill>
+              <a:schemeClr val="accent4">
+                <a:lumMod val="60000"/>
+                <a:lumOff val="40000"/>
+              </a:schemeClr>
+            </a:solidFill>
+            <a:ln>
+              <a:noFill/>
+            </a:ln>
+          </p:spPr>
+          <p:style>
+            <a:lnRef idx="2">
+              <a:schemeClr val="accent6">
+                <a:shade val="50000"/>
+              </a:schemeClr>
+            </a:lnRef>
+            <a:fillRef idx="1">
+              <a:schemeClr val="accent6"/>
+            </a:fillRef>
+            <a:effectRef idx="0">
+              <a:schemeClr val="accent6"/>
+            </a:effectRef>
+            <a:fontRef idx="minor">
+              <a:schemeClr val="lt1"/>
+            </a:fontRef>
+          </p:style>
+          <p:txBody>
+            <a:bodyPr rtlCol="0" anchor="ctr"/>
+            <a:lstStyle/>
+            <a:p>
+              <a:pPr algn="ctr"/>
+              <a:endParaRPr lang="zh-CN" altLang="en-US" sz="1600" dirty="0">
+                <a:latin typeface="Times New Roman" panose="02020603050405020304" pitchFamily="18" charset="0"/>
+                <a:cs typeface="Times New Roman" panose="02020603050405020304" pitchFamily="18" charset="0"/>
+              </a:endParaRPr>
+            </a:p>
+          </p:txBody>
+        </p:sp>
+        <p:sp>
+          <p:nvSpPr>
+            <p:cNvPr id="95" name="矩形 94"/>
+            <p:cNvSpPr/>
+            <p:nvPr/>
+          </p:nvSpPr>
+          <p:spPr>
+            <a:xfrm>
+              <a:off x="2187933" y="3756375"/>
+              <a:ext cx="288000" cy="576000"/>
+            </a:xfrm>
+            <a:prstGeom prst="rect">
+              <a:avLst/>
+            </a:prstGeom>
+            <a:solidFill>
+              <a:schemeClr val="accent5">
+                <a:lumMod val="60000"/>
+                <a:lumOff val="40000"/>
+              </a:schemeClr>
+            </a:solidFill>
+            <a:ln>
+              <a:noFill/>
+            </a:ln>
+          </p:spPr>
+          <p:style>
+            <a:lnRef idx="2">
+              <a:schemeClr val="accent6">
+                <a:shade val="50000"/>
+              </a:schemeClr>
+            </a:lnRef>
+            <a:fillRef idx="1">
+              <a:schemeClr val="accent6"/>
+            </a:fillRef>
+            <a:effectRef idx="0">
+              <a:schemeClr val="accent6"/>
+            </a:effectRef>
+            <a:fontRef idx="minor">
+              <a:schemeClr val="lt1"/>
+            </a:fontRef>
+          </p:style>
+          <p:txBody>
+            <a:bodyPr rtlCol="0" anchor="ctr"/>
+            <a:lstStyle/>
+            <a:p>
+              <a:pPr algn="ctr"/>
+              <a:endParaRPr lang="zh-CN" altLang="en-US" sz="1600" dirty="0">
+                <a:latin typeface="Times New Roman" panose="02020603050405020304" pitchFamily="18" charset="0"/>
+                <a:cs typeface="Times New Roman" panose="02020603050405020304" pitchFamily="18" charset="0"/>
+              </a:endParaRPr>
+            </a:p>
+          </p:txBody>
+        </p:sp>
+      </p:grpSp>
+      <p:grpSp>
+        <p:nvGrpSpPr>
+          <p:cNvPr id="96" name="组合 95"/>
+          <p:cNvGrpSpPr/>
+          <p:nvPr/>
+        </p:nvGrpSpPr>
+        <p:grpSpPr>
+          <a:xfrm>
+            <a:off x="11415693" y="3859427"/>
+            <a:ext cx="576000" cy="576000"/>
+            <a:chOff x="3004779" y="3756375"/>
+            <a:chExt cx="576000" cy="576000"/>
+          </a:xfrm>
+        </p:grpSpPr>
+        <p:sp>
+          <p:nvSpPr>
+            <p:cNvPr id="97" name="矩形 96"/>
+            <p:cNvSpPr/>
+            <p:nvPr/>
+          </p:nvSpPr>
+          <p:spPr>
+            <a:xfrm>
+              <a:off x="3004779" y="3756375"/>
+              <a:ext cx="288000" cy="576000"/>
+            </a:xfrm>
+            <a:prstGeom prst="rect">
+              <a:avLst/>
+            </a:prstGeom>
+            <a:solidFill>
+              <a:schemeClr val="accent5">
+                <a:lumMod val="60000"/>
+                <a:lumOff val="40000"/>
+              </a:schemeClr>
+            </a:solidFill>
+            <a:ln>
+              <a:noFill/>
+            </a:ln>
+          </p:spPr>
+          <p:style>
+            <a:lnRef idx="2">
+              <a:schemeClr val="accent6">
+                <a:shade val="50000"/>
+              </a:schemeClr>
+            </a:lnRef>
+            <a:fillRef idx="1">
+              <a:schemeClr val="accent6"/>
+            </a:fillRef>
+            <a:effectRef idx="0">
+              <a:schemeClr val="accent6"/>
+            </a:effectRef>
+            <a:fontRef idx="minor">
+              <a:schemeClr val="lt1"/>
+            </a:fontRef>
+          </p:style>
+          <p:txBody>
+            <a:bodyPr rtlCol="0" anchor="ctr"/>
+            <a:lstStyle/>
+            <a:p>
+              <a:pPr algn="ctr"/>
+              <a:endParaRPr lang="zh-CN" altLang="en-US" sz="1600" dirty="0">
+                <a:latin typeface="Times New Roman" panose="02020603050405020304" pitchFamily="18" charset="0"/>
+                <a:cs typeface="Times New Roman" panose="02020603050405020304" pitchFamily="18" charset="0"/>
+              </a:endParaRPr>
+            </a:p>
+          </p:txBody>
+        </p:sp>
+        <p:sp>
+          <p:nvSpPr>
+            <p:cNvPr id="98" name="矩形 97"/>
+            <p:cNvSpPr/>
+            <p:nvPr/>
+          </p:nvSpPr>
+          <p:spPr>
+            <a:xfrm>
+              <a:off x="3292779" y="3756375"/>
+              <a:ext cx="288000" cy="576000"/>
+            </a:xfrm>
+            <a:prstGeom prst="rect">
+              <a:avLst/>
+            </a:prstGeom>
+            <a:solidFill>
+              <a:schemeClr val="accent5">
+                <a:lumMod val="60000"/>
+                <a:lumOff val="40000"/>
+              </a:schemeClr>
+            </a:solidFill>
+            <a:ln>
+              <a:noFill/>
+            </a:ln>
+          </p:spPr>
+          <p:style>
+            <a:lnRef idx="2">
+              <a:schemeClr val="accent6">
+                <a:shade val="50000"/>
+              </a:schemeClr>
+            </a:lnRef>
+            <a:fillRef idx="1">
+              <a:schemeClr val="accent6"/>
+            </a:fillRef>
+            <a:effectRef idx="0">
+              <a:schemeClr val="accent6"/>
+            </a:effectRef>
+            <a:fontRef idx="minor">
+              <a:schemeClr val="lt1"/>
+            </a:fontRef>
+          </p:style>
+          <p:txBody>
+            <a:bodyPr rtlCol="0" anchor="ctr"/>
+            <a:lstStyle/>
+            <a:p>
+              <a:pPr algn="ctr"/>
+              <a:endParaRPr lang="zh-CN" altLang="en-US" sz="1600" dirty="0">
+                <a:latin typeface="Times New Roman" panose="02020603050405020304" pitchFamily="18" charset="0"/>
+                <a:cs typeface="Times New Roman" panose="02020603050405020304" pitchFamily="18" charset="0"/>
+              </a:endParaRPr>
+            </a:p>
+          </p:txBody>
+        </p:sp>
+      </p:grpSp>
+      <p:cxnSp>
+        <p:nvCxnSpPr>
+          <p:cNvPr id="99" name="直接箭头连接符 98"/>
+          <p:cNvCxnSpPr>
+            <a:stCxn id="92" idx="3"/>
+            <a:endCxn id="97" idx="1"/>
+          </p:cNvCxnSpPr>
+          <p:nvPr/>
+        </p:nvCxnSpPr>
+        <p:spPr>
+          <a:xfrm>
+            <a:off x="10814419" y="3571427"/>
+            <a:ext cx="601274" cy="576000"/>
+          </a:xfrm>
+          <a:prstGeom prst="straightConnector1">
+            <a:avLst/>
+          </a:prstGeom>
+          <a:ln>
+            <a:tailEnd type="triangle"/>
+          </a:ln>
+        </p:spPr>
+        <p:style>
+          <a:lnRef idx="1">
+            <a:schemeClr val="accent2"/>
+          </a:lnRef>
+          <a:fillRef idx="0">
+            <a:schemeClr val="accent2"/>
+          </a:fillRef>
+          <a:effectRef idx="0">
+            <a:schemeClr val="accent2"/>
+          </a:effectRef>
+          <a:fontRef idx="minor">
+            <a:schemeClr val="tx1"/>
+          </a:fontRef>
+        </p:style>
+      </p:cxnSp>
+      <p:cxnSp>
+        <p:nvCxnSpPr>
+          <p:cNvPr id="100" name="直接箭头连接符 99"/>
+          <p:cNvCxnSpPr>
+            <a:stCxn id="95" idx="3"/>
+            <a:endCxn id="97" idx="1"/>
+          </p:cNvCxnSpPr>
+          <p:nvPr/>
+        </p:nvCxnSpPr>
+        <p:spPr>
+          <a:xfrm flipV="1">
+            <a:off x="10814419" y="4147427"/>
+            <a:ext cx="601274" cy="576000"/>
+          </a:xfrm>
+          <a:prstGeom prst="straightConnector1">
+            <a:avLst/>
+          </a:prstGeom>
+          <a:ln>
+            <a:tailEnd type="triangle"/>
+          </a:ln>
+        </p:spPr>
+        <p:style>
+          <a:lnRef idx="1">
+            <a:schemeClr val="accent2"/>
+          </a:lnRef>
+          <a:fillRef idx="0">
+            <a:schemeClr val="accent2"/>
+          </a:fillRef>
+          <a:effectRef idx="0">
+            <a:schemeClr val="accent2"/>
+          </a:effectRef>
+          <a:fontRef idx="minor">
+            <a:schemeClr val="tx1"/>
+          </a:fontRef>
+        </p:style>
+      </p:cxnSp>
+      <p:cxnSp>
+        <p:nvCxnSpPr>
+          <p:cNvPr id="101" name="直接箭头连接符 100"/>
+          <p:cNvCxnSpPr/>
+          <p:nvPr/>
+        </p:nvCxnSpPr>
+        <p:spPr>
+          <a:xfrm flipV="1">
+            <a:off x="8010176" y="4044375"/>
+            <a:ext cx="1908535" cy="6531"/>
+          </a:xfrm>
+          <a:prstGeom prst="straightConnector1">
+            <a:avLst/>
+          </a:prstGeom>
+          <a:ln w="38100">
+            <a:tailEnd type="arrow"/>
+          </a:ln>
+        </p:spPr>
+        <p:style>
+          <a:lnRef idx="1">
+            <a:schemeClr val="dk1"/>
+          </a:lnRef>
+          <a:fillRef idx="0">
+            <a:schemeClr val="dk1"/>
+          </a:fillRef>
+          <a:effectRef idx="0">
+            <a:schemeClr val="dk1"/>
+          </a:effectRef>
+          <a:fontRef idx="minor">
+            <a:schemeClr val="tx1"/>
+          </a:fontRef>
+        </p:style>
+      </p:cxnSp>
+      <p:sp>
+        <p:nvSpPr>
+          <p:cNvPr id="102" name="文本框 101"/>
+          <p:cNvSpPr txBox="1"/>
+          <p:nvPr/>
+        </p:nvSpPr>
+        <p:spPr>
+          <a:xfrm>
+            <a:off x="468059" y="4324888"/>
+            <a:ext cx="1042444" cy="307777"/>
+          </a:xfrm>
+          <a:prstGeom prst="rect">
+            <a:avLst/>
+          </a:prstGeom>
+          <a:noFill/>
+        </p:spPr>
+        <p:txBody>
+          <a:bodyPr wrap="square" rtlCol="0">
+            <a:spAutoFit/>
+          </a:bodyPr>
+          <a:lstStyle/>
+          <a:p>
+            <a:r>
+              <a:rPr lang="en-US" altLang="zh-CN" sz="1400" dirty="0" smtClean="0">
+                <a:latin typeface="Times New Roman" panose="02020603050405020304" pitchFamily="18" charset="0"/>
+                <a:cs typeface="Times New Roman" panose="02020603050405020304" pitchFamily="18" charset="0"/>
+              </a:rPr>
+              <a:t>NF A (2 </a:t>
+            </a:r>
+            <a:r>
+              <a:rPr lang="en-US" altLang="zh-CN" sz="1400" dirty="0" err="1" smtClean="0">
+                <a:latin typeface="Times New Roman" panose="02020603050405020304" pitchFamily="18" charset="0"/>
+                <a:cs typeface="Times New Roman" panose="02020603050405020304" pitchFamily="18" charset="0"/>
+              </a:rPr>
+              <a:t>ms</a:t>
+            </a:r>
+            <a:r>
+              <a:rPr lang="en-US" altLang="zh-CN" sz="1400" dirty="0" smtClean="0">
+                <a:latin typeface="Times New Roman" panose="02020603050405020304" pitchFamily="18" charset="0"/>
+                <a:cs typeface="Times New Roman" panose="02020603050405020304" pitchFamily="18" charset="0"/>
+              </a:rPr>
+              <a:t>)</a:t>
+            </a:r>
+            <a:endParaRPr lang="zh-CN" altLang="en-US" sz="1400" dirty="0">
+              <a:latin typeface="Times New Roman" panose="02020603050405020304" pitchFamily="18" charset="0"/>
+              <a:cs typeface="Times New Roman" panose="02020603050405020304" pitchFamily="18" charset="0"/>
+            </a:endParaRPr>
+          </a:p>
+        </p:txBody>
+      </p:sp>
+      <p:sp>
+        <p:nvSpPr>
+          <p:cNvPr id="103" name="文本框 102"/>
+          <p:cNvSpPr txBox="1"/>
+          <p:nvPr/>
+        </p:nvSpPr>
+        <p:spPr>
+          <a:xfrm>
+            <a:off x="1630658" y="4345434"/>
+            <a:ext cx="1042444" cy="307777"/>
+          </a:xfrm>
+          <a:prstGeom prst="rect">
+            <a:avLst/>
+          </a:prstGeom>
+          <a:noFill/>
+        </p:spPr>
+        <p:txBody>
+          <a:bodyPr wrap="square" rtlCol="0">
+            <a:spAutoFit/>
+          </a:bodyPr>
+          <a:lstStyle/>
+          <a:p>
+            <a:r>
+              <a:rPr lang="en-US" altLang="zh-CN" sz="1400" dirty="0" smtClean="0">
+                <a:latin typeface="Times New Roman" panose="02020603050405020304" pitchFamily="18" charset="0"/>
+                <a:cs typeface="Times New Roman" panose="02020603050405020304" pitchFamily="18" charset="0"/>
+              </a:rPr>
+              <a:t>NF B (2 </a:t>
+            </a:r>
+            <a:r>
+              <a:rPr lang="en-US" altLang="zh-CN" sz="1400" dirty="0" err="1" smtClean="0">
+                <a:latin typeface="Times New Roman" panose="02020603050405020304" pitchFamily="18" charset="0"/>
+                <a:cs typeface="Times New Roman" panose="02020603050405020304" pitchFamily="18" charset="0"/>
+              </a:rPr>
+              <a:t>ms</a:t>
+            </a:r>
+            <a:r>
+              <a:rPr lang="en-US" altLang="zh-CN" sz="1400" dirty="0" smtClean="0">
+                <a:latin typeface="Times New Roman" panose="02020603050405020304" pitchFamily="18" charset="0"/>
+                <a:cs typeface="Times New Roman" panose="02020603050405020304" pitchFamily="18" charset="0"/>
+              </a:rPr>
+              <a:t>)</a:t>
+            </a:r>
+            <a:endParaRPr lang="zh-CN" altLang="en-US" sz="1400" dirty="0">
+              <a:latin typeface="Times New Roman" panose="02020603050405020304" pitchFamily="18" charset="0"/>
+              <a:cs typeface="Times New Roman" panose="02020603050405020304" pitchFamily="18" charset="0"/>
+            </a:endParaRPr>
+          </a:p>
+        </p:txBody>
+      </p:sp>
+      <p:sp>
+        <p:nvSpPr>
+          <p:cNvPr id="104" name="文本框 103"/>
+          <p:cNvSpPr txBox="1"/>
+          <p:nvPr/>
+        </p:nvSpPr>
+        <p:spPr>
+          <a:xfrm>
+            <a:off x="2793257" y="4345434"/>
+            <a:ext cx="1042444" cy="307777"/>
+          </a:xfrm>
+          <a:prstGeom prst="rect">
+            <a:avLst/>
+          </a:prstGeom>
+          <a:noFill/>
+        </p:spPr>
+        <p:txBody>
+          <a:bodyPr wrap="square" rtlCol="0">
+            <a:spAutoFit/>
+          </a:bodyPr>
+          <a:lstStyle/>
+          <a:p>
+            <a:r>
+              <a:rPr lang="en-US" altLang="zh-CN" sz="1400" dirty="0" smtClean="0">
+                <a:latin typeface="Times New Roman" panose="02020603050405020304" pitchFamily="18" charset="0"/>
+                <a:cs typeface="Times New Roman" panose="02020603050405020304" pitchFamily="18" charset="0"/>
+              </a:rPr>
+              <a:t>NF </a:t>
+            </a:r>
+            <a:r>
+              <a:rPr lang="en-US" altLang="zh-CN" sz="1400" dirty="0">
+                <a:latin typeface="Times New Roman" panose="02020603050405020304" pitchFamily="18" charset="0"/>
+                <a:cs typeface="Times New Roman" panose="02020603050405020304" pitchFamily="18" charset="0"/>
+              </a:rPr>
+              <a:t>C</a:t>
+            </a:r>
+            <a:r>
+              <a:rPr lang="en-US" altLang="zh-CN" sz="1400" dirty="0" smtClean="0">
+                <a:latin typeface="Times New Roman" panose="02020603050405020304" pitchFamily="18" charset="0"/>
+                <a:cs typeface="Times New Roman" panose="02020603050405020304" pitchFamily="18" charset="0"/>
+              </a:rPr>
+              <a:t> (1 </a:t>
+            </a:r>
+            <a:r>
+              <a:rPr lang="en-US" altLang="zh-CN" sz="1400" dirty="0" err="1" smtClean="0">
+                <a:latin typeface="Times New Roman" panose="02020603050405020304" pitchFamily="18" charset="0"/>
+                <a:cs typeface="Times New Roman" panose="02020603050405020304" pitchFamily="18" charset="0"/>
+              </a:rPr>
+              <a:t>ms</a:t>
+            </a:r>
+            <a:r>
+              <a:rPr lang="en-US" altLang="zh-CN" sz="1400" dirty="0" smtClean="0">
+                <a:latin typeface="Times New Roman" panose="02020603050405020304" pitchFamily="18" charset="0"/>
+                <a:cs typeface="Times New Roman" panose="02020603050405020304" pitchFamily="18" charset="0"/>
+              </a:rPr>
+              <a:t>)</a:t>
+            </a:r>
+            <a:endParaRPr lang="zh-CN" altLang="en-US" sz="1400" dirty="0">
+              <a:latin typeface="Times New Roman" panose="02020603050405020304" pitchFamily="18" charset="0"/>
+              <a:cs typeface="Times New Roman" panose="02020603050405020304" pitchFamily="18" charset="0"/>
+            </a:endParaRPr>
+          </a:p>
+        </p:txBody>
+      </p:sp>
+      <p:sp>
+        <p:nvSpPr>
+          <p:cNvPr id="105" name="文本框 104"/>
+          <p:cNvSpPr txBox="1"/>
+          <p:nvPr/>
+        </p:nvSpPr>
+        <p:spPr>
+          <a:xfrm>
+            <a:off x="3821142" y="3776235"/>
+            <a:ext cx="1444418" cy="523220"/>
+          </a:xfrm>
+          <a:prstGeom prst="rect">
+            <a:avLst/>
+          </a:prstGeom>
+          <a:noFill/>
+        </p:spPr>
+        <p:txBody>
+          <a:bodyPr wrap="square" rtlCol="0">
+            <a:spAutoFit/>
+          </a:bodyPr>
+          <a:lstStyle/>
+          <a:p>
+            <a:pPr>
+              <a:lnSpc>
+                <a:spcPts val="1680"/>
+              </a:lnSpc>
+            </a:pPr>
+            <a:r>
+              <a:rPr lang="en-US" altLang="zh-CN" sz="1400" dirty="0" smtClean="0">
+                <a:latin typeface="Times New Roman" panose="02020603050405020304" pitchFamily="18" charset="0"/>
+                <a:cs typeface="Times New Roman" panose="02020603050405020304" pitchFamily="18" charset="0"/>
+              </a:rPr>
+              <a:t>Two parallel </a:t>
+            </a:r>
+          </a:p>
+          <a:p>
+            <a:pPr>
+              <a:lnSpc>
+                <a:spcPts val="1680"/>
+              </a:lnSpc>
+            </a:pPr>
+            <a:r>
+              <a:rPr lang="en-US" altLang="zh-CN" sz="1400" dirty="0">
+                <a:latin typeface="Times New Roman" panose="02020603050405020304" pitchFamily="18" charset="0"/>
+                <a:cs typeface="Times New Roman" panose="02020603050405020304" pitchFamily="18" charset="0"/>
+              </a:rPr>
+              <a:t>s</a:t>
+            </a:r>
+            <a:r>
+              <a:rPr lang="en-US" altLang="zh-CN" sz="1400" dirty="0" smtClean="0">
+                <a:latin typeface="Times New Roman" panose="02020603050405020304" pitchFamily="18" charset="0"/>
+                <a:cs typeface="Times New Roman" panose="02020603050405020304" pitchFamily="18" charset="0"/>
+              </a:rPr>
+              <a:t>trategies in total. </a:t>
+            </a:r>
+            <a:endParaRPr lang="zh-CN" altLang="en-US" sz="1400" dirty="0">
+              <a:latin typeface="Times New Roman" panose="02020603050405020304" pitchFamily="18" charset="0"/>
+              <a:cs typeface="Times New Roman" panose="02020603050405020304" pitchFamily="18" charset="0"/>
+            </a:endParaRPr>
+          </a:p>
+        </p:txBody>
+      </p:sp>
+      <p:sp>
+        <p:nvSpPr>
+          <p:cNvPr id="107" name="文本框 106"/>
+          <p:cNvSpPr txBox="1"/>
+          <p:nvPr/>
+        </p:nvSpPr>
+        <p:spPr>
+          <a:xfrm>
+            <a:off x="6130988" y="3487640"/>
+            <a:ext cx="1524485" cy="307777"/>
+          </a:xfrm>
+          <a:prstGeom prst="rect">
+            <a:avLst/>
+          </a:prstGeom>
+          <a:noFill/>
+        </p:spPr>
+        <p:txBody>
+          <a:bodyPr wrap="square" rtlCol="0">
+            <a:spAutoFit/>
+          </a:bodyPr>
+          <a:lstStyle/>
+          <a:p>
+            <a:r>
+              <a:rPr lang="en-US" altLang="zh-CN" sz="1400" dirty="0" smtClean="0">
+                <a:latin typeface="Times New Roman" panose="02020603050405020304" pitchFamily="18" charset="0"/>
+                <a:cs typeface="Times New Roman" panose="02020603050405020304" pitchFamily="18" charset="0"/>
+              </a:rPr>
+              <a:t>Total latency: 3ms</a:t>
+            </a:r>
+            <a:endParaRPr lang="zh-CN" altLang="en-US" sz="1400" dirty="0">
+              <a:latin typeface="Times New Roman" panose="02020603050405020304" pitchFamily="18" charset="0"/>
+              <a:cs typeface="Times New Roman" panose="02020603050405020304" pitchFamily="18" charset="0"/>
+            </a:endParaRPr>
+          </a:p>
+        </p:txBody>
+      </p:sp>
+      <p:sp>
+        <p:nvSpPr>
+          <p:cNvPr id="108" name="文本框 107"/>
+          <p:cNvSpPr txBox="1"/>
+          <p:nvPr/>
+        </p:nvSpPr>
+        <p:spPr>
+          <a:xfrm>
+            <a:off x="6130987" y="6375104"/>
+            <a:ext cx="1524485" cy="307777"/>
+          </a:xfrm>
+          <a:prstGeom prst="rect">
+            <a:avLst/>
+          </a:prstGeom>
+          <a:noFill/>
+        </p:spPr>
+        <p:txBody>
+          <a:bodyPr wrap="square" rtlCol="0">
+            <a:spAutoFit/>
+          </a:bodyPr>
+          <a:lstStyle/>
+          <a:p>
+            <a:r>
+              <a:rPr lang="en-US" altLang="zh-CN" sz="1400" dirty="0" smtClean="0">
+                <a:latin typeface="Times New Roman" panose="02020603050405020304" pitchFamily="18" charset="0"/>
+                <a:cs typeface="Times New Roman" panose="02020603050405020304" pitchFamily="18" charset="0"/>
+              </a:rPr>
+              <a:t>Total latency: 4ms</a:t>
+            </a:r>
+            <a:endParaRPr lang="zh-CN" altLang="en-US" sz="1400" dirty="0">
+              <a:latin typeface="Times New Roman" panose="02020603050405020304" pitchFamily="18" charset="0"/>
+              <a:cs typeface="Times New Roman" panose="02020603050405020304" pitchFamily="18" charset="0"/>
+            </a:endParaRPr>
+          </a:p>
+        </p:txBody>
+      </p:sp>
+      <p:sp>
+        <p:nvSpPr>
+          <p:cNvPr id="109" name="文本框 108"/>
+          <p:cNvSpPr txBox="1"/>
+          <p:nvPr/>
+        </p:nvSpPr>
+        <p:spPr>
+          <a:xfrm>
+            <a:off x="10107028" y="5144001"/>
+            <a:ext cx="2016056" cy="523220"/>
+          </a:xfrm>
+          <a:prstGeom prst="rect">
+            <a:avLst/>
+          </a:prstGeom>
+          <a:noFill/>
+        </p:spPr>
+        <p:txBody>
+          <a:bodyPr wrap="square" rtlCol="0">
+            <a:spAutoFit/>
+          </a:bodyPr>
+          <a:lstStyle/>
+          <a:p>
+            <a:r>
+              <a:rPr lang="en-US" altLang="zh-CN" sz="1400" dirty="0" smtClean="0">
+                <a:latin typeface="Times New Roman" panose="02020603050405020304" pitchFamily="18" charset="0"/>
+                <a:cs typeface="Times New Roman" panose="02020603050405020304" pitchFamily="18" charset="0"/>
+              </a:rPr>
+              <a:t>Optimal parallel strategy</a:t>
+            </a:r>
+          </a:p>
+          <a:p>
+            <a:r>
+              <a:rPr lang="en-US" altLang="zh-CN" sz="1400" dirty="0">
+                <a:latin typeface="Times New Roman" panose="02020603050405020304" pitchFamily="18" charset="0"/>
+                <a:cs typeface="Times New Roman" panose="02020603050405020304" pitchFamily="18" charset="0"/>
+              </a:rPr>
+              <a:t>w</a:t>
+            </a:r>
+            <a:r>
+              <a:rPr lang="en-US" altLang="zh-CN" sz="1400" dirty="0" smtClean="0">
+                <a:latin typeface="Times New Roman" panose="02020603050405020304" pitchFamily="18" charset="0"/>
+                <a:cs typeface="Times New Roman" panose="02020603050405020304" pitchFamily="18" charset="0"/>
+              </a:rPr>
+              <a:t>ith 3ms latency</a:t>
+            </a:r>
+            <a:endParaRPr lang="zh-CN" altLang="en-US" sz="1400" dirty="0">
+              <a:latin typeface="Times New Roman" panose="02020603050405020304" pitchFamily="18" charset="0"/>
+              <a:cs typeface="Times New Roman" panose="02020603050405020304" pitchFamily="18" charset="0"/>
+            </a:endParaRPr>
+          </a:p>
+        </p:txBody>
+      </p:sp>
+      <p:sp>
+        <p:nvSpPr>
+          <p:cNvPr id="116" name="文本框 115"/>
+          <p:cNvSpPr txBox="1"/>
+          <p:nvPr/>
+        </p:nvSpPr>
+        <p:spPr>
+          <a:xfrm>
+            <a:off x="5885005" y="2236278"/>
+            <a:ext cx="929377" cy="523220"/>
+          </a:xfrm>
+          <a:prstGeom prst="rect">
+            <a:avLst/>
+          </a:prstGeom>
+          <a:noFill/>
+        </p:spPr>
+        <p:txBody>
+          <a:bodyPr wrap="square" rtlCol="0">
+            <a:spAutoFit/>
+          </a:bodyPr>
+          <a:lstStyle/>
+          <a:p>
+            <a:r>
+              <a:rPr lang="en-US" altLang="zh-CN" sz="1400" dirty="0" smtClean="0">
+                <a:latin typeface="Times New Roman" panose="02020603050405020304" pitchFamily="18" charset="0"/>
+                <a:cs typeface="Times New Roman" panose="02020603050405020304" pitchFamily="18" charset="0"/>
+              </a:rPr>
+              <a:t>Running in parallel</a:t>
+            </a:r>
+            <a:endParaRPr lang="zh-CN" altLang="en-US" sz="1400" dirty="0">
+              <a:latin typeface="Times New Roman" panose="02020603050405020304" pitchFamily="18" charset="0"/>
+              <a:cs typeface="Times New Roman" panose="02020603050405020304" pitchFamily="18" charset="0"/>
+            </a:endParaRPr>
+          </a:p>
+        </p:txBody>
+      </p:sp>
+      <p:sp>
+        <p:nvSpPr>
+          <p:cNvPr id="117" name="文本框 116"/>
+          <p:cNvSpPr txBox="1"/>
+          <p:nvPr/>
+        </p:nvSpPr>
+        <p:spPr>
+          <a:xfrm>
+            <a:off x="6847030" y="5133422"/>
+            <a:ext cx="929377" cy="523220"/>
+          </a:xfrm>
+          <a:prstGeom prst="rect">
+            <a:avLst/>
+          </a:prstGeom>
+          <a:noFill/>
+        </p:spPr>
+        <p:txBody>
+          <a:bodyPr wrap="square" rtlCol="0">
+            <a:spAutoFit/>
+          </a:bodyPr>
+          <a:lstStyle/>
+          <a:p>
+            <a:r>
+              <a:rPr lang="en-US" altLang="zh-CN" sz="1400" dirty="0" smtClean="0">
+                <a:latin typeface="Times New Roman" panose="02020603050405020304" pitchFamily="18" charset="0"/>
+                <a:cs typeface="Times New Roman" panose="02020603050405020304" pitchFamily="18" charset="0"/>
+              </a:rPr>
+              <a:t>Running in parallel</a:t>
+            </a:r>
+            <a:endParaRPr lang="zh-CN" altLang="en-US" sz="1400" dirty="0">
+              <a:latin typeface="Times New Roman" panose="02020603050405020304" pitchFamily="18" charset="0"/>
+              <a:cs typeface="Times New Roman" panose="02020603050405020304" pitchFamily="18" charset="0"/>
+            </a:endParaRPr>
+          </a:p>
+        </p:txBody>
+      </p:sp>
+      <p:sp>
+        <p:nvSpPr>
+          <p:cNvPr id="118" name="文本框 117"/>
+          <p:cNvSpPr txBox="1"/>
+          <p:nvPr/>
+        </p:nvSpPr>
+        <p:spPr>
+          <a:xfrm>
+            <a:off x="10111302" y="3881650"/>
+            <a:ext cx="929377" cy="523220"/>
+          </a:xfrm>
+          <a:prstGeom prst="rect">
+            <a:avLst/>
+          </a:prstGeom>
+          <a:noFill/>
+        </p:spPr>
+        <p:txBody>
+          <a:bodyPr wrap="square" rtlCol="0">
+            <a:spAutoFit/>
+          </a:bodyPr>
+          <a:lstStyle/>
+          <a:p>
+            <a:r>
+              <a:rPr lang="en-US" altLang="zh-CN" sz="1400" dirty="0" smtClean="0">
+                <a:latin typeface="Times New Roman" panose="02020603050405020304" pitchFamily="18" charset="0"/>
+                <a:cs typeface="Times New Roman" panose="02020603050405020304" pitchFamily="18" charset="0"/>
+              </a:rPr>
+              <a:t>Running in parallel</a:t>
+            </a:r>
+            <a:endParaRPr lang="zh-CN" altLang="en-US" sz="1400" dirty="0">
+              <a:latin typeface="Times New Roman" panose="02020603050405020304" pitchFamily="18" charset="0"/>
+              <a:cs typeface="Times New Roman" panose="02020603050405020304" pitchFamily="18" charset="0"/>
+            </a:endParaRPr>
+          </a:p>
+        </p:txBody>
+      </p:sp>
+    </p:spTree>
+    <p:extLst>
+      <p:ext uri="{BB962C8B-B14F-4D97-AF65-F5344CB8AC3E}">
+        <p14:creationId xmlns:p14="http://schemas.microsoft.com/office/powerpoint/2010/main" val="1163665411"/>
+      </p:ext>
+    </p:extLst>
+  </p:cSld>
+  <p:clrMapOvr>
+    <a:masterClrMapping/>
+  </p:clrMapOvr>
+</p:sld>
+</file>
+
+<file path=ppt/slides/slide12.xml><?xml version="1.0" encoding="utf-8"?>
+<p:sld xmlns:a="http://schemas.openxmlformats.org/drawingml/2006/main" xmlns:r="http://schemas.openxmlformats.org/officeDocument/2006/relationships" xmlns:p="http://schemas.openxmlformats.org/presentationml/2006/main">
+  <p:cSld>
+    <p:spTree>
+      <p:nvGrpSpPr>
+        <p:cNvPr id="1" name=""/>
+        <p:cNvGrpSpPr/>
+        <p:nvPr/>
+      </p:nvGrpSpPr>
+      <p:grpSpPr>
+        <a:xfrm>
+          <a:off x="0" y="0"/>
+          <a:ext cx="0" cy="0"/>
+          <a:chOff x="0" y="0"/>
+          <a:chExt cx="0" cy="0"/>
+        </a:xfrm>
+      </p:grpSpPr>
+    </p:spTree>
+    <p:extLst>
+      <p:ext uri="{BB962C8B-B14F-4D97-AF65-F5344CB8AC3E}">
+        <p14:creationId xmlns:p14="http://schemas.microsoft.com/office/powerpoint/2010/main" val="2241959206"/>
       </p:ext>
     </p:extLst>
   </p:cSld>
@@ -8273,13 +10809,13 @@
             <p:ph idx="1"/>
             <p:extLst>
               <p:ext uri="{D42A27DB-BD31-4B8C-83A1-F6EECF244321}">
-                <p14:modId xmlns:p14="http://schemas.microsoft.com/office/powerpoint/2010/main" val="913581374"/>
+                <p14:modId xmlns:p14="http://schemas.microsoft.com/office/powerpoint/2010/main" val="2362744032"/>
               </p:ext>
             </p:extLst>
           </p:nvPr>
         </p:nvGraphicFramePr>
         <p:xfrm>
-          <a:off x="2506107" y="3228922"/>
+          <a:off x="2292460" y="3228922"/>
           <a:ext cx="6222820" cy="2156442"/>
         </p:xfrm>
         <a:graphic>
@@ -8303,10 +10839,17 @@
                     </a:ext>
                   </a:extLst>
                 </a:gridCol>
-                <a:gridCol w="1244564">
+                <a:gridCol w="415101">
                   <a:extLst>
                     <a:ext uri="{9D8B030D-6E8A-4147-A177-3AD203B41FA5}">
                       <a16:colId xmlns:a16="http://schemas.microsoft.com/office/drawing/2014/main" val="20002"/>
+                    </a:ext>
+                  </a:extLst>
+                </a:gridCol>
+                <a:gridCol w="829463">
+                  <a:extLst>
+                    <a:ext uri="{9D8B030D-6E8A-4147-A177-3AD203B41FA5}">
+                      <a16:colId xmlns:a16="http://schemas.microsoft.com/office/drawing/2014/main" val="2445124390"/>
                     </a:ext>
                   </a:extLst>
                 </a:gridCol>
@@ -8353,10 +10896,68 @@
                     <a:p>
                       <a:pPr algn="ctr"/>
                       <a:r>
-                        <a:rPr lang="en-US" altLang="zh-CN" sz="2000" dirty="0" smtClean="0"/>
+                        <a:rPr lang="en-US" altLang="zh-CN" sz="2000" dirty="0" smtClean="0">
+                          <a:latin typeface="Times New Roman" panose="02020603050405020304" pitchFamily="18" charset="0"/>
+                          <a:cs typeface="Times New Roman" panose="02020603050405020304" pitchFamily="18" charset="0"/>
+                        </a:rPr>
                         <a:t>Read</a:t>
                       </a:r>
-                      <a:endParaRPr lang="zh-CN" altLang="en-US" sz="2000" dirty="0"/>
+                      <a:endParaRPr lang="zh-CN" altLang="en-US" sz="2000" dirty="0">
+                        <a:latin typeface="Times New Roman" panose="02020603050405020304" pitchFamily="18" charset="0"/>
+                        <a:cs typeface="Times New Roman" panose="02020603050405020304" pitchFamily="18" charset="0"/>
+                      </a:endParaRPr>
+                    </a:p>
+                  </a:txBody>
+                  <a:tcPr anchor="ctr"/>
+                </a:tc>
+                <a:tc gridSpan="2">
+                  <a:txBody>
+                    <a:bodyPr/>
+                    <a:lstStyle/>
+                    <a:p>
+                      <a:pPr algn="ctr"/>
+                      <a:r>
+                        <a:rPr lang="en-US" altLang="zh-CN" sz="2000" dirty="0" smtClean="0">
+                          <a:latin typeface="Times New Roman" panose="02020603050405020304" pitchFamily="18" charset="0"/>
+                          <a:cs typeface="Times New Roman" panose="02020603050405020304" pitchFamily="18" charset="0"/>
+                        </a:rPr>
+                        <a:t>Write</a:t>
+                      </a:r>
+                      <a:endParaRPr lang="zh-CN" altLang="en-US" sz="2000" dirty="0">
+                        <a:latin typeface="Times New Roman" panose="02020603050405020304" pitchFamily="18" charset="0"/>
+                        <a:cs typeface="Times New Roman" panose="02020603050405020304" pitchFamily="18" charset="0"/>
+                      </a:endParaRPr>
+                    </a:p>
+                  </a:txBody>
+                  <a:tcPr anchor="ctr"/>
+                </a:tc>
+                <a:tc hMerge="1">
+                  <a:txBody>
+                    <a:bodyPr/>
+                    <a:lstStyle/>
+                    <a:p>
+                      <a:endParaRPr lang="zh-CN" altLang="en-US"/>
+                    </a:p>
+                  </a:txBody>
+                  <a:tcPr/>
+                </a:tc>
+                <a:tc>
+                  <a:txBody>
+                    <a:bodyPr/>
+                    <a:lstStyle/>
+                    <a:p>
+                      <a:pPr algn="ctr"/>
+                      <a:r>
+                        <a:rPr lang="en-US" altLang="zh-CN" sz="2000" dirty="0" smtClean="0">
+                          <a:latin typeface="Times New Roman" panose="02020603050405020304" pitchFamily="18" charset="0"/>
+                          <a:cs typeface="Times New Roman" panose="02020603050405020304" pitchFamily="18" charset="0"/>
+                        </a:rPr>
+                        <a:t>Add/Rm</a:t>
+                      </a:r>
+                      <a:endParaRPr lang="zh-CN" altLang="en-US" sz="2000" dirty="0">
+                        <a:latin typeface="Times New Roman" panose="02020603050405020304" pitchFamily="18" charset="0"/>
+                        <a:cs typeface="Times New Roman" panose="02020603050405020304" pitchFamily="18" charset="0"/>
+                      </a:endParaRPr>
                     </a:p>
                   </a:txBody>
                   <a:tcPr anchor="ctr"/>
@@ -8368,40 +10969,16 @@
                     <a:p>
                       <a:pPr algn="ctr"/>
                       <a:r>
-                        <a:rPr lang="en-US" altLang="zh-CN" sz="2000" dirty="0" smtClean="0"/>
-                        <a:t>Write</a:t>
-                      </a:r>
-                      <a:endParaRPr lang="zh-CN" altLang="en-US" sz="2000" dirty="0"/>
-                    </a:p>
-                  </a:txBody>
-                  <a:tcPr anchor="ctr"/>
-                </a:tc>
-                <a:tc>
-                  <a:txBody>
-                    <a:bodyPr/>
-                    <a:lstStyle/>
-                    <a:p>
-                      <a:pPr algn="ctr"/>
-                      <a:r>
-                        <a:rPr lang="en-US" altLang="zh-CN" sz="2000" dirty="0" smtClean="0"/>
-                        <a:t>Add/Rm</a:t>
-                      </a:r>
-                      <a:endParaRPr lang="zh-CN" altLang="en-US" sz="2000" dirty="0"/>
-                    </a:p>
-                  </a:txBody>
-                  <a:tcPr anchor="ctr"/>
-                </a:tc>
-                <a:tc>
-                  <a:txBody>
-                    <a:bodyPr/>
-                    <a:lstStyle/>
-                    <a:p>
-                      <a:pPr algn="ctr"/>
-                      <a:r>
-                        <a:rPr lang="en-US" altLang="zh-CN" sz="2000" dirty="0" smtClean="0"/>
+                        <a:rPr lang="en-US" altLang="zh-CN" sz="2000" dirty="0" smtClean="0">
+                          <a:latin typeface="Times New Roman" panose="02020603050405020304" pitchFamily="18" charset="0"/>
+                          <a:cs typeface="Times New Roman" panose="02020603050405020304" pitchFamily="18" charset="0"/>
+                        </a:rPr>
                         <a:t>Drop</a:t>
                       </a:r>
-                      <a:endParaRPr lang="zh-CN" altLang="en-US" sz="2000" dirty="0"/>
+                      <a:endParaRPr lang="zh-CN" altLang="en-US" sz="2000" dirty="0">
+                        <a:latin typeface="Times New Roman" panose="02020603050405020304" pitchFamily="18" charset="0"/>
+                        <a:cs typeface="Times New Roman" panose="02020603050405020304" pitchFamily="18" charset="0"/>
+                      </a:endParaRPr>
                     </a:p>
                   </a:txBody>
                   <a:tcPr anchor="ctr"/>
@@ -8420,10 +10997,16 @@
                     <a:p>
                       <a:pPr algn="ctr"/>
                       <a:r>
-                        <a:rPr lang="en-US" altLang="zh-CN" sz="2000" dirty="0" smtClean="0"/>
+                        <a:rPr lang="en-US" altLang="zh-CN" sz="2000" dirty="0" smtClean="0">
+                          <a:latin typeface="Times New Roman" panose="02020603050405020304" pitchFamily="18" charset="0"/>
+                          <a:cs typeface="Times New Roman" panose="02020603050405020304" pitchFamily="18" charset="0"/>
+                        </a:rPr>
                         <a:t>Read</a:t>
                       </a:r>
-                      <a:endParaRPr lang="zh-CN" altLang="en-US" sz="2000" dirty="0"/>
+                      <a:endParaRPr lang="zh-CN" altLang="en-US" sz="2000" dirty="0">
+                        <a:latin typeface="Times New Roman" panose="02020603050405020304" pitchFamily="18" charset="0"/>
+                        <a:cs typeface="Times New Roman" panose="02020603050405020304" pitchFamily="18" charset="0"/>
+                      </a:endParaRPr>
                     </a:p>
                   </a:txBody>
                   <a:tcPr anchor="ctr"/>
@@ -8456,12 +11039,41 @@
                     <a:lstStyle/>
                     <a:p>
                       <a:pPr algn="ctr"/>
-                      <a:endParaRPr lang="zh-CN" altLang="en-US" sz="2000" dirty="0"/>
+                      <a:endParaRPr lang="zh-CN" altLang="en-US" sz="1800" kern="1200" dirty="0">
+                        <a:solidFill>
+                          <a:schemeClr val="tx1"/>
+                        </a:solidFill>
+                        <a:latin typeface="+mn-lt"/>
+                        <a:ea typeface="+mn-ea"/>
+                        <a:cs typeface="+mn-cs"/>
+                      </a:endParaRPr>
                     </a:p>
                   </a:txBody>
                   <a:tcPr anchor="ctr">
                     <a:solidFill>
                       <a:srgbClr val="C9FFC8"/>
+                    </a:solidFill>
+                  </a:tcPr>
+                </a:tc>
+                <a:tc>
+                  <a:txBody>
+                    <a:bodyPr/>
+                    <a:lstStyle/>
+                    <a:p>
+                      <a:pPr algn="ctr"/>
+                      <a:endParaRPr lang="zh-CN" altLang="en-US" sz="1800" kern="1200" dirty="0">
+                        <a:solidFill>
+                          <a:schemeClr val="tx1"/>
+                        </a:solidFill>
+                        <a:latin typeface="+mn-lt"/>
+                        <a:ea typeface="+mn-ea"/>
+                        <a:cs typeface="+mn-cs"/>
+                      </a:endParaRPr>
+                    </a:p>
+                  </a:txBody>
+                  <a:tcPr anchor="ctr">
+                    <a:solidFill>
+                      <a:srgbClr val="FFCC67"/>
                     </a:solidFill>
                   </a:tcPr>
                 </a:tc>
@@ -8509,10 +11121,16 @@
                     <a:p>
                       <a:pPr algn="ctr"/>
                       <a:r>
-                        <a:rPr lang="en-US" altLang="zh-CN" sz="2000" dirty="0" smtClean="0"/>
+                        <a:rPr lang="en-US" altLang="zh-CN" sz="2000" dirty="0" smtClean="0">
+                          <a:latin typeface="Times New Roman" panose="02020603050405020304" pitchFamily="18" charset="0"/>
+                          <a:cs typeface="Times New Roman" panose="02020603050405020304" pitchFamily="18" charset="0"/>
+                        </a:rPr>
                         <a:t>Write</a:t>
                       </a:r>
-                      <a:endParaRPr lang="zh-CN" altLang="en-US" sz="2000" dirty="0"/>
+                      <a:endParaRPr lang="zh-CN" altLang="en-US" sz="2000" dirty="0">
+                        <a:latin typeface="Times New Roman" panose="02020603050405020304" pitchFamily="18" charset="0"/>
+                        <a:cs typeface="Times New Roman" panose="02020603050405020304" pitchFamily="18" charset="0"/>
+                      </a:endParaRPr>
                     </a:p>
                   </a:txBody>
                   <a:tcPr anchor="ctr"/>
@@ -8538,7 +11156,14 @@
                     <a:lstStyle/>
                     <a:p>
                       <a:pPr algn="ctr"/>
-                      <a:endParaRPr lang="zh-CN" altLang="en-US" sz="2000" dirty="0"/>
+                      <a:endParaRPr lang="zh-CN" altLang="en-US" sz="1800" kern="1200" dirty="0">
+                        <a:solidFill>
+                          <a:schemeClr val="tx1"/>
+                        </a:solidFill>
+                        <a:latin typeface="+mn-lt"/>
+                        <a:ea typeface="+mn-ea"/>
+                        <a:cs typeface="+mn-cs"/>
+                      </a:endParaRPr>
                     </a:p>
                   </a:txBody>
                   <a:tcPr anchor="ctr">
@@ -8552,8 +11177,29 @@
                     <a:bodyPr/>
                     <a:lstStyle/>
                     <a:p>
+                      <a:endParaRPr lang="zh-CN" altLang="en-US" dirty="0"/>
+                    </a:p>
+                  </a:txBody>
+                  <a:tcPr anchor="ctr">
+                    <a:solidFill>
+                      <a:srgbClr val="FFCC67"/>
+                    </a:solidFill>
+                  </a:tcPr>
+                </a:tc>
+                <a:tc>
+                  <a:txBody>
+                    <a:bodyPr/>
+                    <a:lstStyle/>
+                    <a:p>
                       <a:pPr algn="ctr"/>
-                      <a:endParaRPr lang="zh-CN" altLang="en-US" sz="2000" dirty="0"/>
+                      <a:endParaRPr lang="zh-CN" altLang="en-US" sz="2000" kern="1200" dirty="0">
+                        <a:solidFill>
+                          <a:schemeClr val="tx1"/>
+                        </a:solidFill>
+                        <a:latin typeface="+mn-lt"/>
+                        <a:ea typeface="+mn-ea"/>
+                        <a:cs typeface="+mn-cs"/>
+                      </a:endParaRPr>
                     </a:p>
                   </a:txBody>
                   <a:tcPr anchor="ctr">
@@ -8591,10 +11237,16 @@
                     <a:p>
                       <a:pPr algn="ctr"/>
                       <a:r>
-                        <a:rPr lang="en-US" altLang="zh-CN" sz="2000" dirty="0" smtClean="0"/>
+                        <a:rPr lang="en-US" altLang="zh-CN" sz="2000" dirty="0" smtClean="0">
+                          <a:latin typeface="Times New Roman" panose="02020603050405020304" pitchFamily="18" charset="0"/>
+                          <a:cs typeface="Times New Roman" panose="02020603050405020304" pitchFamily="18" charset="0"/>
+                        </a:rPr>
                         <a:t>Add/Rm</a:t>
                       </a:r>
-                      <a:endParaRPr lang="zh-CN" altLang="en-US" sz="2000" dirty="0"/>
+                      <a:endParaRPr lang="zh-CN" altLang="en-US" sz="2000" dirty="0">
+                        <a:latin typeface="Times New Roman" panose="02020603050405020304" pitchFamily="18" charset="0"/>
+                        <a:cs typeface="Times New Roman" panose="02020603050405020304" pitchFamily="18" charset="0"/>
+                      </a:endParaRPr>
                     </a:p>
                   </a:txBody>
                   <a:tcPr anchor="ctr"/>
@@ -8614,7 +11266,7 @@
                     </a:solidFill>
                   </a:tcPr>
                 </a:tc>
-                <a:tc>
+                <a:tc gridSpan="2">
                   <a:txBody>
                     <a:bodyPr/>
                     <a:lstStyle/>
@@ -8628,6 +11280,16 @@
                       <a:srgbClr val="C0C0C0"/>
                     </a:solidFill>
                   </a:tcPr>
+                </a:tc>
+                <a:tc hMerge="1">
+                  <a:txBody>
+                    <a:bodyPr/>
+                    <a:lstStyle/>
+                    <a:p>
+                      <a:endParaRPr lang="zh-CN" altLang="en-US"/>
+                    </a:p>
+                  </a:txBody>
+                  <a:tcPr/>
                 </a:tc>
                 <a:tc>
                   <a:txBody>
@@ -8673,10 +11335,16 @@
                     <a:p>
                       <a:pPr algn="ctr"/>
                       <a:r>
-                        <a:rPr lang="en-US" altLang="zh-CN" sz="2000" dirty="0" smtClean="0"/>
+                        <a:rPr lang="en-US" altLang="zh-CN" sz="2000" dirty="0" smtClean="0">
+                          <a:latin typeface="Times New Roman" panose="02020603050405020304" pitchFamily="18" charset="0"/>
+                          <a:cs typeface="Times New Roman" panose="02020603050405020304" pitchFamily="18" charset="0"/>
+                        </a:rPr>
                         <a:t>Drop</a:t>
                       </a:r>
-                      <a:endParaRPr lang="zh-CN" altLang="en-US" sz="2000" dirty="0"/>
+                      <a:endParaRPr lang="zh-CN" altLang="en-US" sz="2000" dirty="0">
+                        <a:latin typeface="Times New Roman" panose="02020603050405020304" pitchFamily="18" charset="0"/>
+                        <a:cs typeface="Times New Roman" panose="02020603050405020304" pitchFamily="18" charset="0"/>
+                      </a:endParaRPr>
                     </a:p>
                   </a:txBody>
                   <a:tcPr anchor="ctr"/>
@@ -8696,7 +11364,7 @@
                     </a:solidFill>
                   </a:tcPr>
                 </a:tc>
-                <a:tc>
+                <a:tc gridSpan="2">
                   <a:txBody>
                     <a:bodyPr/>
                     <a:lstStyle/>
@@ -8710,6 +11378,16 @@
                       <a:srgbClr val="C0C0C0"/>
                     </a:solidFill>
                   </a:tcPr>
+                </a:tc>
+                <a:tc hMerge="1">
+                  <a:txBody>
+                    <a:bodyPr/>
+                    <a:lstStyle/>
+                    <a:p>
+                      <a:endParaRPr lang="zh-CN" altLang="en-US"/>
+                    </a:p>
+                  </a:txBody>
+                  <a:tcPr/>
                 </a:tc>
                 <a:tc>
                   <a:txBody>
@@ -8759,8 +11437,8 @@
         </p:nvSpPr>
         <p:spPr>
           <a:xfrm>
-            <a:off x="2506107" y="3456276"/>
-            <a:ext cx="556563" cy="369332"/>
+            <a:off x="2373267" y="3440747"/>
+            <a:ext cx="595035" cy="369332"/>
           </a:xfrm>
           <a:prstGeom prst="rect">
             <a:avLst/>
@@ -8774,14 +11452,14 @@
           <a:p>
             <a:r>
               <a:rPr kumimoji="1" lang="en-US" altLang="zh-CN" dirty="0" smtClean="0">
-                <a:latin typeface="Calibri" panose="020F0502020204030204" pitchFamily="34" charset="0"/>
-                <a:cs typeface="Calibri" panose="020F0502020204030204" pitchFamily="34" charset="0"/>
+                <a:latin typeface="Times New Roman" panose="02020603050405020304" pitchFamily="18" charset="0"/>
+                <a:cs typeface="Times New Roman" panose="02020603050405020304" pitchFamily="18" charset="0"/>
               </a:rPr>
               <a:t>NF1</a:t>
             </a:r>
             <a:endParaRPr lang="zh-CN" altLang="en-US" dirty="0">
-              <a:latin typeface="Calibri" panose="020F0502020204030204" pitchFamily="34" charset="0"/>
-              <a:cs typeface="Calibri" panose="020F0502020204030204" pitchFamily="34" charset="0"/>
+              <a:latin typeface="Times New Roman" panose="02020603050405020304" pitchFamily="18" charset="0"/>
+              <a:cs typeface="Times New Roman" panose="02020603050405020304" pitchFamily="18" charset="0"/>
             </a:endParaRPr>
           </a:p>
         </p:txBody>
@@ -8794,8 +11472,8 @@
         </p:nvSpPr>
         <p:spPr>
           <a:xfrm>
-            <a:off x="3193195" y="3210260"/>
-            <a:ext cx="556563" cy="369332"/>
+            <a:off x="2892202" y="3212966"/>
+            <a:ext cx="595035" cy="369332"/>
           </a:xfrm>
           <a:prstGeom prst="rect">
             <a:avLst/>
@@ -8809,116 +11487,14 @@
           <a:p>
             <a:r>
               <a:rPr kumimoji="1" lang="en-US" altLang="zh-CN" dirty="0" smtClean="0">
-                <a:latin typeface="Calibri" panose="020F0502020204030204" pitchFamily="34" charset="0"/>
-                <a:cs typeface="Calibri" panose="020F0502020204030204" pitchFamily="34" charset="0"/>
+                <a:latin typeface="Times New Roman" panose="02020603050405020304" pitchFamily="18" charset="0"/>
+                <a:cs typeface="Times New Roman" panose="02020603050405020304" pitchFamily="18" charset="0"/>
               </a:rPr>
               <a:t>NF2</a:t>
             </a:r>
             <a:endParaRPr lang="zh-CN" altLang="en-US" dirty="0">
-              <a:latin typeface="Calibri" panose="020F0502020204030204" pitchFamily="34" charset="0"/>
-              <a:cs typeface="Calibri" panose="020F0502020204030204" pitchFamily="34" charset="0"/>
-            </a:endParaRPr>
-          </a:p>
-        </p:txBody>
-      </p:sp>
-      <p:sp>
-        <p:nvSpPr>
-          <p:cNvPr id="12" name="矩形 11"/>
-          <p:cNvSpPr/>
-          <p:nvPr/>
-        </p:nvSpPr>
-        <p:spPr>
-          <a:xfrm>
-            <a:off x="5372132" y="3793806"/>
-            <a:ext cx="864000" cy="396000"/>
-          </a:xfrm>
-          <a:prstGeom prst="rect">
-            <a:avLst/>
-          </a:prstGeom>
-          <a:solidFill>
-            <a:srgbClr val="FFCC67"/>
-          </a:solidFill>
-          <a:ln>
-            <a:solidFill>
-              <a:schemeClr val="tx1"/>
-            </a:solidFill>
-          </a:ln>
-        </p:spPr>
-        <p:style>
-          <a:lnRef idx="2">
-            <a:schemeClr val="accent1">
-              <a:shade val="50000"/>
-            </a:schemeClr>
-          </a:lnRef>
-          <a:fillRef idx="1">
-            <a:schemeClr val="accent1"/>
-          </a:fillRef>
-          <a:effectRef idx="0">
-            <a:schemeClr val="accent1"/>
-          </a:effectRef>
-          <a:fontRef idx="minor">
-            <a:schemeClr val="lt1"/>
-          </a:fontRef>
-        </p:style>
-        <p:txBody>
-          <a:bodyPr rtlCol="0" anchor="ctr"/>
-          <a:lstStyle/>
-          <a:p>
-            <a:pPr algn="ctr"/>
-            <a:endParaRPr lang="zh-CN" altLang="en-US">
-              <a:latin typeface="Calibri" panose="020F0502020204030204" pitchFamily="34" charset="0"/>
-              <a:cs typeface="Calibri" panose="020F0502020204030204" pitchFamily="34" charset="0"/>
-            </a:endParaRPr>
-          </a:p>
-        </p:txBody>
-      </p:sp>
-      <p:sp>
-        <p:nvSpPr>
-          <p:cNvPr id="13" name="矩形 12"/>
-          <p:cNvSpPr/>
-          <p:nvPr/>
-        </p:nvSpPr>
-        <p:spPr>
-          <a:xfrm>
-            <a:off x="5372132" y="4189275"/>
-            <a:ext cx="864000" cy="396000"/>
-          </a:xfrm>
-          <a:prstGeom prst="rect">
-            <a:avLst/>
-          </a:prstGeom>
-          <a:solidFill>
-            <a:srgbClr val="FFCC67"/>
-          </a:solidFill>
-          <a:ln>
-            <a:solidFill>
-              <a:schemeClr val="tx1"/>
-            </a:solidFill>
-          </a:ln>
-        </p:spPr>
-        <p:style>
-          <a:lnRef idx="2">
-            <a:schemeClr val="accent1">
-              <a:shade val="50000"/>
-            </a:schemeClr>
-          </a:lnRef>
-          <a:fillRef idx="1">
-            <a:schemeClr val="accent1"/>
-          </a:fillRef>
-          <a:effectRef idx="0">
-            <a:schemeClr val="accent1"/>
-          </a:effectRef>
-          <a:fontRef idx="minor">
-            <a:schemeClr val="lt1"/>
-          </a:fontRef>
-        </p:style>
-        <p:txBody>
-          <a:bodyPr rtlCol="0" anchor="ctr"/>
-          <a:lstStyle/>
-          <a:p>
-            <a:pPr algn="ctr"/>
-            <a:endParaRPr lang="zh-CN" altLang="en-US">
-              <a:latin typeface="Calibri" panose="020F0502020204030204" pitchFamily="34" charset="0"/>
-              <a:cs typeface="Calibri" panose="020F0502020204030204" pitchFamily="34" charset="0"/>
+              <a:latin typeface="Times New Roman" panose="02020603050405020304" pitchFamily="18" charset="0"/>
+              <a:cs typeface="Times New Roman" panose="02020603050405020304" pitchFamily="18" charset="0"/>
             </a:endParaRPr>
           </a:p>
         </p:txBody>
@@ -8947,8 +11523,8 @@
           <a:p>
             <a:r>
               <a:rPr kumimoji="1" lang="en-US" altLang="zh-CN" sz="2400" dirty="0" smtClean="0">
-                <a:latin typeface="Calibri" panose="020F0502020204030204" pitchFamily="34" charset="0"/>
-                <a:cs typeface="Calibri" panose="020F0502020204030204" pitchFamily="34" charset="0"/>
+                <a:latin typeface="Times New Roman" panose="02020603050405020304" pitchFamily="18" charset="0"/>
+                <a:cs typeface="Times New Roman" panose="02020603050405020304" pitchFamily="18" charset="0"/>
               </a:rPr>
               <a:t>For read-write or write-write case, we need not copy </a:t>
             </a:r>
@@ -8963,8 +11539,8 @@
         </p:nvSpPr>
         <p:spPr>
           <a:xfrm>
-            <a:off x="2733524" y="2636167"/>
-            <a:ext cx="5340693" cy="461665"/>
+            <a:off x="2687806" y="2636167"/>
+            <a:ext cx="5432128" cy="461665"/>
           </a:xfrm>
           <a:prstGeom prst="rect">
             <a:avLst/>
@@ -8979,15 +11555,15 @@
           <a:p>
             <a:r>
               <a:rPr kumimoji="1" lang="en-US" altLang="zh-CN" sz="2400" dirty="0">
-                <a:latin typeface="Calibri" panose="020F0502020204030204" pitchFamily="34" charset="0"/>
-                <a:cs typeface="Calibri" panose="020F0502020204030204" pitchFamily="34" charset="0"/>
+                <a:latin typeface="Times New Roman" panose="02020603050405020304" pitchFamily="18" charset="0"/>
+                <a:cs typeface="Times New Roman" panose="02020603050405020304" pitchFamily="18" charset="0"/>
               </a:rPr>
               <a:t>p</a:t>
             </a:r>
             <a:r>
               <a:rPr kumimoji="1" lang="en-US" altLang="zh-CN" sz="2400" dirty="0" smtClean="0">
-                <a:latin typeface="Calibri" panose="020F0502020204030204" pitchFamily="34" charset="0"/>
-                <a:cs typeface="Calibri" panose="020F0502020204030204" pitchFamily="34" charset="0"/>
+                <a:latin typeface="Times New Roman" panose="02020603050405020304" pitchFamily="18" charset="0"/>
+                <a:cs typeface="Times New Roman" panose="02020603050405020304" pitchFamily="18" charset="0"/>
               </a:rPr>
               <a:t>ackets if two NFs modify different fields.</a:t>
             </a:r>
@@ -9032,42 +11608,42 @@
             <a:p>
               <a:r>
                 <a:rPr kumimoji="1" lang="en-US" altLang="zh-CN" sz="2400" dirty="0" smtClean="0">
-                  <a:latin typeface="Calibri" panose="020F0502020204030204" pitchFamily="34" charset="0"/>
-                  <a:cs typeface="Calibri" panose="020F0502020204030204" pitchFamily="34" charset="0"/>
+                  <a:latin typeface="Times New Roman" panose="02020603050405020304" pitchFamily="18" charset="0"/>
+                  <a:cs typeface="Times New Roman" panose="02020603050405020304" pitchFamily="18" charset="0"/>
                 </a:rPr>
                 <a:t> blocks denote </a:t>
               </a:r>
               <a:r>
                 <a:rPr kumimoji="1" lang="en-US" altLang="zh-CN" sz="2400" i="1" dirty="0" smtClean="0">
-                  <a:latin typeface="Calibri" panose="020F0502020204030204" pitchFamily="34" charset="0"/>
-                  <a:cs typeface="Calibri" panose="020F0502020204030204" pitchFamily="34" charset="0"/>
+                  <a:latin typeface="Times New Roman" panose="02020603050405020304" pitchFamily="18" charset="0"/>
+                  <a:cs typeface="Times New Roman" panose="02020603050405020304" pitchFamily="18" charset="0"/>
                 </a:rPr>
                 <a:t>parallelizable</a:t>
               </a:r>
               <a:r>
                 <a:rPr kumimoji="1" lang="en-US" altLang="zh-CN" sz="2400" dirty="0" smtClean="0">
-                  <a:latin typeface="Calibri" panose="020F0502020204030204" pitchFamily="34" charset="0"/>
-                  <a:cs typeface="Calibri" panose="020F0502020204030204" pitchFamily="34" charset="0"/>
+                  <a:latin typeface="Times New Roman" panose="02020603050405020304" pitchFamily="18" charset="0"/>
+                  <a:cs typeface="Times New Roman" panose="02020603050405020304" pitchFamily="18" charset="0"/>
                 </a:rPr>
                 <a:t>, need copy </a:t>
               </a:r>
               <a:r>
                 <a:rPr kumimoji="1" lang="en-US" altLang="zh-CN" sz="2400" dirty="0" err="1" smtClean="0">
-                  <a:latin typeface="Calibri" panose="020F0502020204030204" pitchFamily="34" charset="0"/>
-                  <a:cs typeface="Calibri" panose="020F0502020204030204" pitchFamily="34" charset="0"/>
+                  <a:latin typeface="Times New Roman" panose="02020603050405020304" pitchFamily="18" charset="0"/>
+                  <a:cs typeface="Times New Roman" panose="02020603050405020304" pitchFamily="18" charset="0"/>
                 </a:rPr>
                 <a:t>pkts</a:t>
               </a:r>
               <a:r>
                 <a:rPr kumimoji="1" lang="en-US" altLang="zh-CN" sz="2400" dirty="0" smtClean="0">
-                  <a:latin typeface="Calibri" panose="020F0502020204030204" pitchFamily="34" charset="0"/>
-                  <a:cs typeface="Calibri" panose="020F0502020204030204" pitchFamily="34" charset="0"/>
+                  <a:latin typeface="Times New Roman" panose="02020603050405020304" pitchFamily="18" charset="0"/>
+                  <a:cs typeface="Times New Roman" panose="02020603050405020304" pitchFamily="18" charset="0"/>
                 </a:rPr>
                 <a:t>.</a:t>
               </a:r>
               <a:endParaRPr kumimoji="1" lang="zh-CN" altLang="en-US" sz="2400" dirty="0">
-                <a:latin typeface="Calibri" panose="020F0502020204030204" pitchFamily="34" charset="0"/>
-                <a:cs typeface="Calibri" panose="020F0502020204030204" pitchFamily="34" charset="0"/>
+                <a:latin typeface="Times New Roman" panose="02020603050405020304" pitchFamily="18" charset="0"/>
+                <a:cs typeface="Times New Roman" panose="02020603050405020304" pitchFamily="18" charset="0"/>
               </a:endParaRPr>
             </a:p>
           </p:txBody>
@@ -9119,8 +11695,8 @@
                   <a:solidFill>
                     <a:schemeClr val="tx1"/>
                   </a:solidFill>
-                  <a:latin typeface="Calibri" panose="020F0502020204030204" pitchFamily="34" charset="0"/>
-                  <a:cs typeface="Calibri" panose="020F0502020204030204" pitchFamily="34" charset="0"/>
+                  <a:latin typeface="Times New Roman" panose="02020603050405020304" pitchFamily="18" charset="0"/>
+                  <a:cs typeface="Times New Roman" panose="02020603050405020304" pitchFamily="18" charset="0"/>
                 </a:rPr>
                 <a:t>Orange</a:t>
               </a:r>
@@ -9128,8 +11704,8 @@
                 <a:solidFill>
                   <a:schemeClr val="tx1"/>
                 </a:solidFill>
-                <a:latin typeface="Calibri" panose="020F0502020204030204" pitchFamily="34" charset="0"/>
-                <a:cs typeface="Calibri" panose="020F0502020204030204" pitchFamily="34" charset="0"/>
+                <a:latin typeface="Times New Roman" panose="02020603050405020304" pitchFamily="18" charset="0"/>
+                <a:cs typeface="Times New Roman" panose="02020603050405020304" pitchFamily="18" charset="0"/>
               </a:endParaRPr>
             </a:p>
           </p:txBody>
@@ -9173,28 +11749,28 @@
             <a:p>
               <a:r>
                 <a:rPr kumimoji="1" lang="en-US" altLang="zh-CN" sz="2400" dirty="0" smtClean="0">
-                  <a:latin typeface="Calibri" panose="020F0502020204030204" pitchFamily="34" charset="0"/>
-                  <a:cs typeface="Calibri" panose="020F0502020204030204" pitchFamily="34" charset="0"/>
+                  <a:latin typeface="Times New Roman" panose="02020603050405020304" pitchFamily="18" charset="0"/>
+                  <a:cs typeface="Times New Roman" panose="02020603050405020304" pitchFamily="18" charset="0"/>
                 </a:rPr>
                 <a:t>blocks denote </a:t>
               </a:r>
               <a:r>
                 <a:rPr kumimoji="1" lang="en-US" altLang="zh-CN" sz="2400" i="1" dirty="0" smtClean="0">
-                  <a:latin typeface="Calibri" panose="020F0502020204030204" pitchFamily="34" charset="0"/>
-                  <a:cs typeface="Calibri" panose="020F0502020204030204" pitchFamily="34" charset="0"/>
+                  <a:latin typeface="Times New Roman" panose="02020603050405020304" pitchFamily="18" charset="0"/>
+                  <a:cs typeface="Times New Roman" panose="02020603050405020304" pitchFamily="18" charset="0"/>
                 </a:rPr>
                 <a:t>parallelizable</a:t>
               </a:r>
               <a:r>
                 <a:rPr kumimoji="1" lang="en-US" altLang="zh-CN" sz="2400" dirty="0" smtClean="0">
-                  <a:latin typeface="Calibri" panose="020F0502020204030204" pitchFamily="34" charset="0"/>
-                  <a:cs typeface="Calibri" panose="020F0502020204030204" pitchFamily="34" charset="0"/>
+                  <a:latin typeface="Times New Roman" panose="02020603050405020304" pitchFamily="18" charset="0"/>
+                  <a:cs typeface="Times New Roman" panose="02020603050405020304" pitchFamily="18" charset="0"/>
                 </a:rPr>
                 <a:t>, no need to copy.</a:t>
               </a:r>
               <a:endParaRPr kumimoji="1" lang="zh-CN" altLang="en-US" sz="2400" dirty="0">
-                <a:latin typeface="Calibri" panose="020F0502020204030204" pitchFamily="34" charset="0"/>
-                <a:cs typeface="Calibri" panose="020F0502020204030204" pitchFamily="34" charset="0"/>
+                <a:latin typeface="Times New Roman" panose="02020603050405020304" pitchFamily="18" charset="0"/>
+                <a:cs typeface="Times New Roman" panose="02020603050405020304" pitchFamily="18" charset="0"/>
               </a:endParaRPr>
             </a:p>
           </p:txBody>
@@ -9246,8 +11822,8 @@
                   <a:solidFill>
                     <a:schemeClr val="tx1"/>
                   </a:solidFill>
-                  <a:latin typeface="Calibri" panose="020F0502020204030204" pitchFamily="34" charset="0"/>
-                  <a:cs typeface="Calibri" panose="020F0502020204030204" pitchFamily="34" charset="0"/>
+                  <a:latin typeface="Times New Roman" panose="02020603050405020304" pitchFamily="18" charset="0"/>
+                  <a:cs typeface="Times New Roman" panose="02020603050405020304" pitchFamily="18" charset="0"/>
                 </a:rPr>
                 <a:t>Green</a:t>
               </a:r>
@@ -9255,8 +11831,8 @@
                 <a:solidFill>
                   <a:schemeClr val="tx1"/>
                 </a:solidFill>
-                <a:latin typeface="Calibri" panose="020F0502020204030204" pitchFamily="34" charset="0"/>
-                <a:cs typeface="Calibri" panose="020F0502020204030204" pitchFamily="34" charset="0"/>
+                <a:latin typeface="Times New Roman" panose="02020603050405020304" pitchFamily="18" charset="0"/>
+                <a:cs typeface="Times New Roman" panose="02020603050405020304" pitchFamily="18" charset="0"/>
               </a:endParaRPr>
             </a:p>
           </p:txBody>
@@ -9300,42 +11876,42 @@
             <a:p>
               <a:r>
                 <a:rPr kumimoji="1" lang="en-US" altLang="zh-CN" sz="2400" dirty="0" smtClean="0">
-                  <a:latin typeface="Calibri" panose="020F0502020204030204" pitchFamily="34" charset="0"/>
-                  <a:cs typeface="Calibri" panose="020F0502020204030204" pitchFamily="34" charset="0"/>
+                  <a:latin typeface="Times New Roman" panose="02020603050405020304" pitchFamily="18" charset="0"/>
+                  <a:cs typeface="Times New Roman" panose="02020603050405020304" pitchFamily="18" charset="0"/>
                 </a:rPr>
                 <a:t> </a:t>
               </a:r>
               <a:r>
                 <a:rPr kumimoji="1" lang="en-US" altLang="zh-CN" sz="2400" dirty="0">
-                  <a:latin typeface="Calibri" panose="020F0502020204030204" pitchFamily="34" charset="0"/>
-                  <a:cs typeface="Calibri" panose="020F0502020204030204" pitchFamily="34" charset="0"/>
+                  <a:latin typeface="Times New Roman" panose="02020603050405020304" pitchFamily="18" charset="0"/>
+                  <a:cs typeface="Times New Roman" panose="02020603050405020304" pitchFamily="18" charset="0"/>
                 </a:rPr>
                 <a:t>b</a:t>
               </a:r>
               <a:r>
                 <a:rPr kumimoji="1" lang="en-US" altLang="zh-CN" sz="2400" dirty="0" smtClean="0">
-                  <a:latin typeface="Calibri" panose="020F0502020204030204" pitchFamily="34" charset="0"/>
-                  <a:cs typeface="Calibri" panose="020F0502020204030204" pitchFamily="34" charset="0"/>
+                  <a:latin typeface="Times New Roman" panose="02020603050405020304" pitchFamily="18" charset="0"/>
+                  <a:cs typeface="Times New Roman" panose="02020603050405020304" pitchFamily="18" charset="0"/>
                 </a:rPr>
                 <a:t>locks denote not</a:t>
               </a:r>
               <a:r>
                 <a:rPr kumimoji="1" lang="zh-CN" altLang="en-US" sz="2400" dirty="0" smtClean="0">
-                  <a:latin typeface="Calibri" panose="020F0502020204030204" pitchFamily="34" charset="0"/>
-                  <a:cs typeface="Calibri" panose="020F0502020204030204" pitchFamily="34" charset="0"/>
+                  <a:latin typeface="Times New Roman" panose="02020603050405020304" pitchFamily="18" charset="0"/>
+                  <a:cs typeface="Times New Roman" panose="02020603050405020304" pitchFamily="18" charset="0"/>
                 </a:rPr>
                 <a:t> </a:t>
               </a:r>
               <a:r>
                 <a:rPr kumimoji="1" lang="en-US" altLang="zh-CN" sz="2400" dirty="0" smtClean="0">
-                  <a:latin typeface="Calibri" panose="020F0502020204030204" pitchFamily="34" charset="0"/>
-                  <a:cs typeface="Calibri" panose="020F0502020204030204" pitchFamily="34" charset="0"/>
+                  <a:latin typeface="Times New Roman" panose="02020603050405020304" pitchFamily="18" charset="0"/>
+                  <a:cs typeface="Times New Roman" panose="02020603050405020304" pitchFamily="18" charset="0"/>
                 </a:rPr>
                 <a:t>parallelizable situations.</a:t>
               </a:r>
               <a:endParaRPr kumimoji="1" lang="zh-CN" altLang="en-US" sz="2400" dirty="0">
-                <a:latin typeface="Calibri" panose="020F0502020204030204" pitchFamily="34" charset="0"/>
-                <a:cs typeface="Calibri" panose="020F0502020204030204" pitchFamily="34" charset="0"/>
+                <a:latin typeface="Times New Roman" panose="02020603050405020304" pitchFamily="18" charset="0"/>
+                <a:cs typeface="Times New Roman" panose="02020603050405020304" pitchFamily="18" charset="0"/>
               </a:endParaRPr>
             </a:p>
           </p:txBody>
@@ -9387,8 +11963,8 @@
                   <a:solidFill>
                     <a:schemeClr val="tx1"/>
                   </a:solidFill>
-                  <a:latin typeface="Calibri" panose="020F0502020204030204" pitchFamily="34" charset="0"/>
-                  <a:cs typeface="Calibri" panose="020F0502020204030204" pitchFamily="34" charset="0"/>
+                  <a:latin typeface="Times New Roman" panose="02020603050405020304" pitchFamily="18" charset="0"/>
+                  <a:cs typeface="Times New Roman" panose="02020603050405020304" pitchFamily="18" charset="0"/>
                 </a:rPr>
                 <a:t>Gray</a:t>
               </a:r>
@@ -9396,8 +11972,8 @@
                 <a:solidFill>
                   <a:schemeClr val="tx1"/>
                 </a:solidFill>
-                <a:latin typeface="Calibri" panose="020F0502020204030204" pitchFamily="34" charset="0"/>
-                <a:cs typeface="Calibri" panose="020F0502020204030204" pitchFamily="34" charset="0"/>
+                <a:latin typeface="Times New Roman" panose="02020603050405020304" pitchFamily="18" charset="0"/>
+                <a:cs typeface="Times New Roman" panose="02020603050405020304" pitchFamily="18" charset="0"/>
               </a:endParaRPr>
             </a:p>
           </p:txBody>
@@ -9592,951 +12168,1844 @@
       </p:grpSpPr>
       <p:grpSp>
         <p:nvGrpSpPr>
-          <p:cNvPr id="3" name="组合 2"/>
+          <p:cNvPr id="7" name="组合 6"/>
           <p:cNvGrpSpPr/>
           <p:nvPr/>
         </p:nvGrpSpPr>
         <p:grpSpPr>
           <a:xfrm>
-            <a:off x="1222310" y="2090059"/>
-            <a:ext cx="1035698" cy="2472610"/>
-            <a:chOff x="1222310" y="1268964"/>
-            <a:chExt cx="1035698" cy="2472610"/>
-          </a:xfrm>
-        </p:grpSpPr>
-        <p:sp>
-          <p:nvSpPr>
-            <p:cNvPr id="2" name="矩形 1"/>
-            <p:cNvSpPr/>
-            <p:nvPr/>
-          </p:nvSpPr>
-          <p:spPr>
-            <a:xfrm>
-              <a:off x="1222310" y="1268964"/>
-              <a:ext cx="1035698" cy="494522"/>
-            </a:xfrm>
-            <a:prstGeom prst="rect">
-              <a:avLst/>
-            </a:prstGeom>
-            <a:solidFill>
-              <a:srgbClr val="9DC3E6"/>
-            </a:solidFill>
-          </p:spPr>
-          <p:style>
-            <a:lnRef idx="2">
-              <a:schemeClr val="accent1">
-                <a:shade val="50000"/>
-              </a:schemeClr>
-            </a:lnRef>
-            <a:fillRef idx="1">
-              <a:schemeClr val="accent1"/>
-            </a:fillRef>
-            <a:effectRef idx="0">
-              <a:schemeClr val="accent1"/>
-            </a:effectRef>
-            <a:fontRef idx="minor">
-              <a:schemeClr val="lt1"/>
-            </a:fontRef>
-          </p:style>
-          <p:txBody>
-            <a:bodyPr rtlCol="0" anchor="ctr"/>
-            <a:lstStyle/>
-            <a:p>
-              <a:pPr algn="ctr"/>
-              <a:r>
-                <a:rPr lang="en-US" altLang="zh-CN" dirty="0">
-                  <a:solidFill>
-                    <a:schemeClr val="tx1"/>
-                  </a:solidFill>
-                </a:rPr>
-                <a:t>Field A</a:t>
-              </a:r>
-              <a:endParaRPr lang="zh-CN" altLang="en-US" dirty="0">
-                <a:solidFill>
-                  <a:schemeClr val="tx1"/>
-                </a:solidFill>
-              </a:endParaRPr>
-            </a:p>
-          </p:txBody>
-        </p:sp>
-        <p:sp>
-          <p:nvSpPr>
-            <p:cNvPr id="19" name="矩形 18"/>
-            <p:cNvSpPr/>
-            <p:nvPr/>
-          </p:nvSpPr>
-          <p:spPr>
-            <a:xfrm>
-              <a:off x="1222310" y="1763486"/>
-              <a:ext cx="1035698" cy="494522"/>
-            </a:xfrm>
-            <a:prstGeom prst="rect">
-              <a:avLst/>
-            </a:prstGeom>
-            <a:solidFill>
-              <a:srgbClr val="9DC3E6"/>
-            </a:solidFill>
-          </p:spPr>
-          <p:style>
-            <a:lnRef idx="2">
-              <a:schemeClr val="accent1">
-                <a:shade val="50000"/>
-              </a:schemeClr>
-            </a:lnRef>
-            <a:fillRef idx="1">
-              <a:schemeClr val="accent1"/>
-            </a:fillRef>
-            <a:effectRef idx="0">
-              <a:schemeClr val="accent1"/>
-            </a:effectRef>
-            <a:fontRef idx="minor">
-              <a:schemeClr val="lt1"/>
-            </a:fontRef>
-          </p:style>
-          <p:txBody>
-            <a:bodyPr rtlCol="0" anchor="ctr"/>
-            <a:lstStyle/>
-            <a:p>
-              <a:pPr algn="ctr"/>
-              <a:r>
-                <a:rPr lang="en-US" altLang="zh-CN" dirty="0">
-                  <a:solidFill>
-                    <a:schemeClr val="tx1"/>
-                  </a:solidFill>
-                </a:rPr>
-                <a:t>Field B</a:t>
-              </a:r>
-              <a:endParaRPr lang="zh-CN" altLang="en-US" dirty="0">
-                <a:solidFill>
-                  <a:schemeClr val="tx1"/>
-                </a:solidFill>
-              </a:endParaRPr>
-            </a:p>
-          </p:txBody>
-        </p:sp>
-        <p:sp>
-          <p:nvSpPr>
-            <p:cNvPr id="20" name="矩形 19"/>
-            <p:cNvSpPr/>
-            <p:nvPr/>
-          </p:nvSpPr>
-          <p:spPr>
-            <a:xfrm>
-              <a:off x="1222310" y="2258008"/>
-              <a:ext cx="1035698" cy="494522"/>
-            </a:xfrm>
-            <a:prstGeom prst="rect">
-              <a:avLst/>
-            </a:prstGeom>
-            <a:solidFill>
-              <a:srgbClr val="9DC3E6"/>
-            </a:solidFill>
-          </p:spPr>
-          <p:style>
-            <a:lnRef idx="2">
-              <a:schemeClr val="accent1">
-                <a:shade val="50000"/>
-              </a:schemeClr>
-            </a:lnRef>
-            <a:fillRef idx="1">
-              <a:schemeClr val="accent1"/>
-            </a:fillRef>
-            <a:effectRef idx="0">
-              <a:schemeClr val="accent1"/>
-            </a:effectRef>
-            <a:fontRef idx="minor">
-              <a:schemeClr val="lt1"/>
-            </a:fontRef>
-          </p:style>
-          <p:txBody>
-            <a:bodyPr rtlCol="0" anchor="ctr"/>
-            <a:lstStyle/>
-            <a:p>
-              <a:pPr algn="ctr"/>
-              <a:r>
-                <a:rPr lang="en-US" altLang="zh-CN" dirty="0">
-                  <a:solidFill>
-                    <a:schemeClr val="tx1"/>
-                  </a:solidFill>
-                </a:rPr>
-                <a:t>Field C</a:t>
-              </a:r>
-              <a:endParaRPr lang="zh-CN" altLang="en-US" dirty="0">
-                <a:solidFill>
-                  <a:schemeClr val="tx1"/>
-                </a:solidFill>
-              </a:endParaRPr>
-            </a:p>
-          </p:txBody>
-        </p:sp>
-        <p:sp>
-          <p:nvSpPr>
-            <p:cNvPr id="21" name="矩形 20"/>
-            <p:cNvSpPr/>
-            <p:nvPr/>
-          </p:nvSpPr>
-          <p:spPr>
-            <a:xfrm>
-              <a:off x="1222310" y="2752531"/>
-              <a:ext cx="1035698" cy="494522"/>
-            </a:xfrm>
-            <a:prstGeom prst="rect">
-              <a:avLst/>
-            </a:prstGeom>
-            <a:solidFill>
-              <a:srgbClr val="9DC3E6"/>
-            </a:solidFill>
-          </p:spPr>
-          <p:style>
-            <a:lnRef idx="2">
-              <a:schemeClr val="accent1">
-                <a:shade val="50000"/>
-              </a:schemeClr>
-            </a:lnRef>
-            <a:fillRef idx="1">
-              <a:schemeClr val="accent1"/>
-            </a:fillRef>
-            <a:effectRef idx="0">
-              <a:schemeClr val="accent1"/>
-            </a:effectRef>
-            <a:fontRef idx="minor">
-              <a:schemeClr val="lt1"/>
-            </a:fontRef>
-          </p:style>
-          <p:txBody>
-            <a:bodyPr rot="0" spcFirstLastPara="0" vertOverflow="overflow" horzOverflow="overflow" vert="eaVert" wrap="square" lIns="91440" tIns="45720" rIns="91440" bIns="45720" numCol="1" spcCol="0" rtlCol="0" fromWordArt="0" anchor="ctr" anchorCtr="0" forceAA="0" compatLnSpc="1">
-              <a:prstTxWarp prst="textNoShape">
-                <a:avLst/>
-              </a:prstTxWarp>
-              <a:noAutofit/>
-            </a:bodyPr>
-            <a:lstStyle/>
-            <a:p>
-              <a:pPr algn="ctr"/>
-              <a:r>
-                <a:rPr lang="en-US" altLang="zh-CN" dirty="0">
-                  <a:solidFill>
-                    <a:schemeClr val="tx1"/>
-                  </a:solidFill>
-                </a:rPr>
-                <a:t>…</a:t>
-              </a:r>
-              <a:endParaRPr lang="zh-CN" altLang="en-US" dirty="0">
-                <a:solidFill>
-                  <a:schemeClr val="tx1"/>
-                </a:solidFill>
-              </a:endParaRPr>
-            </a:p>
-          </p:txBody>
-        </p:sp>
-        <p:sp>
-          <p:nvSpPr>
-            <p:cNvPr id="22" name="矩形 21"/>
-            <p:cNvSpPr/>
-            <p:nvPr/>
-          </p:nvSpPr>
-          <p:spPr>
-            <a:xfrm>
-              <a:off x="1222310" y="3247052"/>
-              <a:ext cx="1035698" cy="494522"/>
-            </a:xfrm>
-            <a:prstGeom prst="rect">
-              <a:avLst/>
-            </a:prstGeom>
-            <a:solidFill>
-              <a:srgbClr val="9DC3E6"/>
-            </a:solidFill>
-          </p:spPr>
-          <p:style>
-            <a:lnRef idx="2">
-              <a:schemeClr val="accent1">
-                <a:shade val="50000"/>
-              </a:schemeClr>
-            </a:lnRef>
-            <a:fillRef idx="1">
-              <a:schemeClr val="accent1"/>
-            </a:fillRef>
-            <a:effectRef idx="0">
-              <a:schemeClr val="accent1"/>
-            </a:effectRef>
-            <a:fontRef idx="minor">
-              <a:schemeClr val="lt1"/>
-            </a:fontRef>
-          </p:style>
-          <p:txBody>
-            <a:bodyPr rot="0" spcFirstLastPara="0" vertOverflow="overflow" horzOverflow="overflow" vert="eaVert" wrap="square" lIns="91440" tIns="45720" rIns="91440" bIns="45720" numCol="1" spcCol="0" rtlCol="0" fromWordArt="0" anchor="ctr" anchorCtr="0" forceAA="0" compatLnSpc="1">
-              <a:prstTxWarp prst="textNoShape">
-                <a:avLst/>
-              </a:prstTxWarp>
-              <a:noAutofit/>
-            </a:bodyPr>
-            <a:lstStyle/>
-            <a:p>
-              <a:pPr algn="ctr"/>
-              <a:r>
-                <a:rPr lang="en-US" altLang="zh-CN" dirty="0">
-                  <a:solidFill>
-                    <a:schemeClr val="tx1"/>
-                  </a:solidFill>
-                </a:rPr>
-                <a:t>…</a:t>
-              </a:r>
-              <a:endParaRPr lang="zh-CN" altLang="en-US" dirty="0">
-                <a:solidFill>
-                  <a:schemeClr val="tx1"/>
-                </a:solidFill>
-              </a:endParaRPr>
-            </a:p>
-          </p:txBody>
-        </p:sp>
-      </p:grpSp>
-      <p:grpSp>
-        <p:nvGrpSpPr>
-          <p:cNvPr id="23" name="组合 22"/>
-          <p:cNvGrpSpPr/>
-          <p:nvPr/>
-        </p:nvGrpSpPr>
-        <p:grpSpPr>
-          <a:xfrm>
-            <a:off x="4615542" y="359232"/>
-            <a:ext cx="1035698" cy="2472610"/>
-            <a:chOff x="1222310" y="1268964"/>
-            <a:chExt cx="1035698" cy="2472610"/>
-          </a:xfrm>
-        </p:grpSpPr>
-        <p:sp>
-          <p:nvSpPr>
-            <p:cNvPr id="24" name="矩形 23"/>
-            <p:cNvSpPr/>
-            <p:nvPr/>
-          </p:nvSpPr>
-          <p:spPr>
-            <a:xfrm>
-              <a:off x="1222310" y="1268964"/>
-              <a:ext cx="1035698" cy="494522"/>
-            </a:xfrm>
-            <a:prstGeom prst="rect">
-              <a:avLst/>
-            </a:prstGeom>
-            <a:solidFill>
-              <a:schemeClr val="accent2">
-                <a:lumMod val="60000"/>
-                <a:lumOff val="40000"/>
-              </a:schemeClr>
-            </a:solidFill>
-          </p:spPr>
-          <p:style>
-            <a:lnRef idx="2">
-              <a:schemeClr val="accent1">
-                <a:shade val="50000"/>
-              </a:schemeClr>
-            </a:lnRef>
-            <a:fillRef idx="1">
-              <a:schemeClr val="accent1"/>
-            </a:fillRef>
-            <a:effectRef idx="0">
-              <a:schemeClr val="accent1"/>
-            </a:effectRef>
-            <a:fontRef idx="minor">
-              <a:schemeClr val="lt1"/>
-            </a:fontRef>
-          </p:style>
-          <p:txBody>
-            <a:bodyPr rtlCol="0" anchor="ctr"/>
-            <a:lstStyle/>
-            <a:p>
-              <a:pPr algn="ctr"/>
-              <a:r>
-                <a:rPr lang="en-US" altLang="zh-CN" dirty="0">
-                  <a:solidFill>
-                    <a:schemeClr val="tx1"/>
-                  </a:solidFill>
-                </a:rPr>
-                <a:t>Field A</a:t>
-              </a:r>
-              <a:r>
-                <a:rPr lang="en-US" altLang="zh-CN" baseline="-25000" dirty="0">
-                  <a:solidFill>
-                    <a:schemeClr val="tx1"/>
-                  </a:solidFill>
-                </a:rPr>
-                <a:t>1</a:t>
-              </a:r>
-              <a:endParaRPr lang="zh-CN" altLang="en-US" baseline="-25000" dirty="0">
-                <a:solidFill>
-                  <a:schemeClr val="tx1"/>
-                </a:solidFill>
-              </a:endParaRPr>
-            </a:p>
-          </p:txBody>
-        </p:sp>
-        <p:sp>
-          <p:nvSpPr>
-            <p:cNvPr id="25" name="矩形 24"/>
-            <p:cNvSpPr/>
-            <p:nvPr/>
-          </p:nvSpPr>
-          <p:spPr>
-            <a:xfrm>
-              <a:off x="1222310" y="1763486"/>
-              <a:ext cx="1035698" cy="494522"/>
-            </a:xfrm>
-            <a:prstGeom prst="rect">
-              <a:avLst/>
-            </a:prstGeom>
-            <a:solidFill>
-              <a:srgbClr val="9DC3E6"/>
-            </a:solidFill>
-          </p:spPr>
-          <p:style>
-            <a:lnRef idx="2">
-              <a:schemeClr val="accent1">
-                <a:shade val="50000"/>
-              </a:schemeClr>
-            </a:lnRef>
-            <a:fillRef idx="1">
-              <a:schemeClr val="accent1"/>
-            </a:fillRef>
-            <a:effectRef idx="0">
-              <a:schemeClr val="accent1"/>
-            </a:effectRef>
-            <a:fontRef idx="minor">
-              <a:schemeClr val="lt1"/>
-            </a:fontRef>
-          </p:style>
-          <p:txBody>
-            <a:bodyPr rtlCol="0" anchor="ctr"/>
-            <a:lstStyle/>
-            <a:p>
-              <a:pPr algn="ctr"/>
-              <a:r>
-                <a:rPr lang="en-US" altLang="zh-CN" dirty="0">
-                  <a:solidFill>
-                    <a:schemeClr val="tx1"/>
-                  </a:solidFill>
-                </a:rPr>
-                <a:t>Field B</a:t>
-              </a:r>
-              <a:endParaRPr lang="zh-CN" altLang="en-US" dirty="0">
-                <a:solidFill>
-                  <a:schemeClr val="tx1"/>
-                </a:solidFill>
-              </a:endParaRPr>
-            </a:p>
-          </p:txBody>
-        </p:sp>
-        <p:sp>
-          <p:nvSpPr>
-            <p:cNvPr id="26" name="矩形 25"/>
-            <p:cNvSpPr/>
-            <p:nvPr/>
-          </p:nvSpPr>
-          <p:spPr>
-            <a:xfrm>
-              <a:off x="1222310" y="2258008"/>
-              <a:ext cx="1035698" cy="494522"/>
-            </a:xfrm>
-            <a:prstGeom prst="rect">
-              <a:avLst/>
-            </a:prstGeom>
-            <a:solidFill>
-              <a:schemeClr val="accent2">
-                <a:lumMod val="60000"/>
-                <a:lumOff val="40000"/>
-              </a:schemeClr>
-            </a:solidFill>
-          </p:spPr>
-          <p:style>
-            <a:lnRef idx="2">
-              <a:schemeClr val="accent1">
-                <a:shade val="50000"/>
-              </a:schemeClr>
-            </a:lnRef>
-            <a:fillRef idx="1">
-              <a:schemeClr val="accent1"/>
-            </a:fillRef>
-            <a:effectRef idx="0">
-              <a:schemeClr val="accent1"/>
-            </a:effectRef>
-            <a:fontRef idx="minor">
-              <a:schemeClr val="lt1"/>
-            </a:fontRef>
-          </p:style>
-          <p:txBody>
-            <a:bodyPr rtlCol="0" anchor="ctr"/>
-            <a:lstStyle/>
-            <a:p>
-              <a:pPr algn="ctr"/>
-              <a:r>
-                <a:rPr lang="en-US" altLang="zh-CN" dirty="0">
-                  <a:solidFill>
-                    <a:schemeClr val="tx1"/>
-                  </a:solidFill>
-                </a:rPr>
-                <a:t>Field C</a:t>
-              </a:r>
-              <a:r>
-                <a:rPr lang="en-US" altLang="zh-CN" baseline="-25000" dirty="0">
-                  <a:solidFill>
-                    <a:schemeClr val="tx1"/>
-                  </a:solidFill>
-                </a:rPr>
-                <a:t>1</a:t>
-              </a:r>
-              <a:endParaRPr lang="zh-CN" altLang="en-US" baseline="-25000" dirty="0">
-                <a:solidFill>
-                  <a:schemeClr val="tx1"/>
-                </a:solidFill>
-              </a:endParaRPr>
-            </a:p>
-          </p:txBody>
-        </p:sp>
-        <p:sp>
-          <p:nvSpPr>
-            <p:cNvPr id="27" name="矩形 26"/>
-            <p:cNvSpPr/>
-            <p:nvPr/>
-          </p:nvSpPr>
-          <p:spPr>
-            <a:xfrm>
-              <a:off x="1222310" y="2752531"/>
-              <a:ext cx="1035698" cy="494522"/>
-            </a:xfrm>
-            <a:prstGeom prst="rect">
-              <a:avLst/>
-            </a:prstGeom>
-            <a:solidFill>
-              <a:srgbClr val="9DC3E6"/>
-            </a:solidFill>
-          </p:spPr>
-          <p:style>
-            <a:lnRef idx="2">
-              <a:schemeClr val="accent1">
-                <a:shade val="50000"/>
-              </a:schemeClr>
-            </a:lnRef>
-            <a:fillRef idx="1">
-              <a:schemeClr val="accent1"/>
-            </a:fillRef>
-            <a:effectRef idx="0">
-              <a:schemeClr val="accent1"/>
-            </a:effectRef>
-            <a:fontRef idx="minor">
-              <a:schemeClr val="lt1"/>
-            </a:fontRef>
-          </p:style>
-          <p:txBody>
-            <a:bodyPr rot="0" spcFirstLastPara="0" vertOverflow="overflow" horzOverflow="overflow" vert="eaVert" wrap="square" lIns="91440" tIns="45720" rIns="91440" bIns="45720" numCol="1" spcCol="0" rtlCol="0" fromWordArt="0" anchor="ctr" anchorCtr="0" forceAA="0" compatLnSpc="1">
-              <a:prstTxWarp prst="textNoShape">
-                <a:avLst/>
-              </a:prstTxWarp>
-              <a:noAutofit/>
-            </a:bodyPr>
-            <a:lstStyle/>
-            <a:p>
-              <a:pPr algn="ctr"/>
-              <a:r>
-                <a:rPr lang="en-US" altLang="zh-CN" dirty="0">
-                  <a:solidFill>
-                    <a:schemeClr val="tx1"/>
-                  </a:solidFill>
-                </a:rPr>
-                <a:t>…</a:t>
-              </a:r>
-              <a:endParaRPr lang="zh-CN" altLang="en-US" dirty="0">
-                <a:solidFill>
-                  <a:schemeClr val="tx1"/>
-                </a:solidFill>
-              </a:endParaRPr>
-            </a:p>
-          </p:txBody>
-        </p:sp>
-        <p:sp>
-          <p:nvSpPr>
-            <p:cNvPr id="28" name="矩形 27"/>
-            <p:cNvSpPr/>
-            <p:nvPr/>
-          </p:nvSpPr>
-          <p:spPr>
-            <a:xfrm>
-              <a:off x="1222310" y="3247052"/>
-              <a:ext cx="1035698" cy="494522"/>
-            </a:xfrm>
-            <a:prstGeom prst="rect">
-              <a:avLst/>
-            </a:prstGeom>
-            <a:solidFill>
-              <a:srgbClr val="9DC3E6"/>
-            </a:solidFill>
-          </p:spPr>
-          <p:style>
-            <a:lnRef idx="2">
-              <a:schemeClr val="accent1">
-                <a:shade val="50000"/>
-              </a:schemeClr>
-            </a:lnRef>
-            <a:fillRef idx="1">
-              <a:schemeClr val="accent1"/>
-            </a:fillRef>
-            <a:effectRef idx="0">
-              <a:schemeClr val="accent1"/>
-            </a:effectRef>
-            <a:fontRef idx="minor">
-              <a:schemeClr val="lt1"/>
-            </a:fontRef>
-          </p:style>
-          <p:txBody>
-            <a:bodyPr rot="0" spcFirstLastPara="0" vertOverflow="overflow" horzOverflow="overflow" vert="eaVert" wrap="square" lIns="91440" tIns="45720" rIns="91440" bIns="45720" numCol="1" spcCol="0" rtlCol="0" fromWordArt="0" anchor="ctr" anchorCtr="0" forceAA="0" compatLnSpc="1">
-              <a:prstTxWarp prst="textNoShape">
-                <a:avLst/>
-              </a:prstTxWarp>
-              <a:noAutofit/>
-            </a:bodyPr>
-            <a:lstStyle/>
-            <a:p>
-              <a:pPr algn="ctr"/>
-              <a:r>
-                <a:rPr lang="en-US" altLang="zh-CN" dirty="0">
-                  <a:solidFill>
-                    <a:schemeClr val="tx1"/>
-                  </a:solidFill>
-                </a:rPr>
-                <a:t>…</a:t>
-              </a:r>
-              <a:endParaRPr lang="zh-CN" altLang="en-US" dirty="0">
-                <a:solidFill>
-                  <a:schemeClr val="tx1"/>
-                </a:solidFill>
-              </a:endParaRPr>
-            </a:p>
-          </p:txBody>
-        </p:sp>
-      </p:grpSp>
-      <p:grpSp>
-        <p:nvGrpSpPr>
-          <p:cNvPr id="4" name="组合 3"/>
-          <p:cNvGrpSpPr/>
-          <p:nvPr/>
-        </p:nvGrpSpPr>
-        <p:grpSpPr>
-          <a:xfrm>
-            <a:off x="4615542" y="3573625"/>
-            <a:ext cx="1035698" cy="2967132"/>
-            <a:chOff x="4204995" y="3900196"/>
-            <a:chExt cx="1035698" cy="2967132"/>
+            <a:off x="905069" y="359232"/>
+            <a:ext cx="8510535" cy="6181525"/>
+            <a:chOff x="905069" y="359232"/>
+            <a:chExt cx="8510535" cy="6181525"/>
           </a:xfrm>
         </p:grpSpPr>
         <p:grpSp>
           <p:nvGrpSpPr>
-            <p:cNvPr id="29" name="组合 28"/>
+            <p:cNvPr id="5" name="组合 4"/>
             <p:cNvGrpSpPr/>
             <p:nvPr/>
           </p:nvGrpSpPr>
           <p:grpSpPr>
             <a:xfrm>
-              <a:off x="4204995" y="3900196"/>
-              <a:ext cx="1035698" cy="2472610"/>
-              <a:chOff x="1222310" y="1268964"/>
-              <a:chExt cx="1035698" cy="2472610"/>
+              <a:off x="905069" y="359232"/>
+              <a:ext cx="8249817" cy="6181525"/>
+              <a:chOff x="905069" y="359232"/>
+              <a:chExt cx="8249817" cy="6181525"/>
             </a:xfrm>
           </p:grpSpPr>
-          <p:sp>
-            <p:nvSpPr>
-              <p:cNvPr id="30" name="矩形 29"/>
-              <p:cNvSpPr/>
+          <p:grpSp>
+            <p:nvGrpSpPr>
+              <p:cNvPr id="3" name="组合 2"/>
+              <p:cNvGrpSpPr/>
               <p:nvPr/>
-            </p:nvSpPr>
+            </p:nvGrpSpPr>
+            <p:grpSpPr>
+              <a:xfrm>
+                <a:off x="1222310" y="2090059"/>
+                <a:ext cx="1035698" cy="2472610"/>
+                <a:chOff x="1222310" y="1268964"/>
+                <a:chExt cx="1035698" cy="2472610"/>
+              </a:xfrm>
+            </p:grpSpPr>
+            <p:sp>
+              <p:nvSpPr>
+                <p:cNvPr id="2" name="矩形 1"/>
+                <p:cNvSpPr/>
+                <p:nvPr/>
+              </p:nvSpPr>
+              <p:spPr>
+                <a:xfrm>
+                  <a:off x="1222310" y="1268964"/>
+                  <a:ext cx="1035698" cy="494522"/>
+                </a:xfrm>
+                <a:prstGeom prst="rect">
+                  <a:avLst/>
+                </a:prstGeom>
+                <a:solidFill>
+                  <a:srgbClr val="9DC3E6"/>
+                </a:solidFill>
+              </p:spPr>
+              <p:style>
+                <a:lnRef idx="2">
+                  <a:schemeClr val="accent1">
+                    <a:shade val="50000"/>
+                  </a:schemeClr>
+                </a:lnRef>
+                <a:fillRef idx="1">
+                  <a:schemeClr val="accent1"/>
+                </a:fillRef>
+                <a:effectRef idx="0">
+                  <a:schemeClr val="accent1"/>
+                </a:effectRef>
+                <a:fontRef idx="minor">
+                  <a:schemeClr val="lt1"/>
+                </a:fontRef>
+              </p:style>
+              <p:txBody>
+                <a:bodyPr rtlCol="0" anchor="ctr"/>
+                <a:lstStyle/>
+                <a:p>
+                  <a:pPr algn="ctr"/>
+                  <a:r>
+                    <a:rPr lang="en-US" altLang="zh-CN" dirty="0">
+                      <a:solidFill>
+                        <a:schemeClr val="tx1"/>
+                      </a:solidFill>
+                      <a:latin typeface="Times New Roman" panose="02020603050405020304" pitchFamily="18" charset="0"/>
+                      <a:cs typeface="Times New Roman" panose="02020603050405020304" pitchFamily="18" charset="0"/>
+                    </a:rPr>
+                    <a:t>Field A</a:t>
+                  </a:r>
+                  <a:endParaRPr lang="zh-CN" altLang="en-US" dirty="0">
+                    <a:solidFill>
+                      <a:schemeClr val="tx1"/>
+                    </a:solidFill>
+                    <a:latin typeface="Times New Roman" panose="02020603050405020304" pitchFamily="18" charset="0"/>
+                    <a:cs typeface="Times New Roman" panose="02020603050405020304" pitchFamily="18" charset="0"/>
+                  </a:endParaRPr>
+                </a:p>
+              </p:txBody>
+            </p:sp>
+            <p:sp>
+              <p:nvSpPr>
+                <p:cNvPr id="19" name="矩形 18"/>
+                <p:cNvSpPr/>
+                <p:nvPr/>
+              </p:nvSpPr>
+              <p:spPr>
+                <a:xfrm>
+                  <a:off x="1222310" y="1763486"/>
+                  <a:ext cx="1035698" cy="494522"/>
+                </a:xfrm>
+                <a:prstGeom prst="rect">
+                  <a:avLst/>
+                </a:prstGeom>
+                <a:solidFill>
+                  <a:srgbClr val="9DC3E6"/>
+                </a:solidFill>
+              </p:spPr>
+              <p:style>
+                <a:lnRef idx="2">
+                  <a:schemeClr val="accent1">
+                    <a:shade val="50000"/>
+                  </a:schemeClr>
+                </a:lnRef>
+                <a:fillRef idx="1">
+                  <a:schemeClr val="accent1"/>
+                </a:fillRef>
+                <a:effectRef idx="0">
+                  <a:schemeClr val="accent1"/>
+                </a:effectRef>
+                <a:fontRef idx="minor">
+                  <a:schemeClr val="lt1"/>
+                </a:fontRef>
+              </p:style>
+              <p:txBody>
+                <a:bodyPr rtlCol="0" anchor="ctr"/>
+                <a:lstStyle/>
+                <a:p>
+                  <a:pPr algn="ctr"/>
+                  <a:r>
+                    <a:rPr lang="en-US" altLang="zh-CN" dirty="0">
+                      <a:solidFill>
+                        <a:schemeClr val="tx1"/>
+                      </a:solidFill>
+                      <a:latin typeface="Times New Roman" panose="02020603050405020304" pitchFamily="18" charset="0"/>
+                      <a:cs typeface="Times New Roman" panose="02020603050405020304" pitchFamily="18" charset="0"/>
+                    </a:rPr>
+                    <a:t>Field B</a:t>
+                  </a:r>
+                  <a:endParaRPr lang="zh-CN" altLang="en-US" dirty="0">
+                    <a:solidFill>
+                      <a:schemeClr val="tx1"/>
+                    </a:solidFill>
+                    <a:latin typeface="Times New Roman" panose="02020603050405020304" pitchFamily="18" charset="0"/>
+                    <a:cs typeface="Times New Roman" panose="02020603050405020304" pitchFamily="18" charset="0"/>
+                  </a:endParaRPr>
+                </a:p>
+              </p:txBody>
+            </p:sp>
+            <p:sp>
+              <p:nvSpPr>
+                <p:cNvPr id="20" name="矩形 19"/>
+                <p:cNvSpPr/>
+                <p:nvPr/>
+              </p:nvSpPr>
+              <p:spPr>
+                <a:xfrm>
+                  <a:off x="1222310" y="2258008"/>
+                  <a:ext cx="1035698" cy="494522"/>
+                </a:xfrm>
+                <a:prstGeom prst="rect">
+                  <a:avLst/>
+                </a:prstGeom>
+                <a:solidFill>
+                  <a:srgbClr val="9DC3E6"/>
+                </a:solidFill>
+              </p:spPr>
+              <p:style>
+                <a:lnRef idx="2">
+                  <a:schemeClr val="accent1">
+                    <a:shade val="50000"/>
+                  </a:schemeClr>
+                </a:lnRef>
+                <a:fillRef idx="1">
+                  <a:schemeClr val="accent1"/>
+                </a:fillRef>
+                <a:effectRef idx="0">
+                  <a:schemeClr val="accent1"/>
+                </a:effectRef>
+                <a:fontRef idx="minor">
+                  <a:schemeClr val="lt1"/>
+                </a:fontRef>
+              </p:style>
+              <p:txBody>
+                <a:bodyPr rtlCol="0" anchor="ctr"/>
+                <a:lstStyle/>
+                <a:p>
+                  <a:pPr algn="ctr"/>
+                  <a:r>
+                    <a:rPr lang="en-US" altLang="zh-CN" dirty="0">
+                      <a:solidFill>
+                        <a:schemeClr val="tx1"/>
+                      </a:solidFill>
+                      <a:latin typeface="Times New Roman" panose="02020603050405020304" pitchFamily="18" charset="0"/>
+                      <a:cs typeface="Times New Roman" panose="02020603050405020304" pitchFamily="18" charset="0"/>
+                    </a:rPr>
+                    <a:t>Field C</a:t>
+                  </a:r>
+                  <a:endParaRPr lang="zh-CN" altLang="en-US" dirty="0">
+                    <a:solidFill>
+                      <a:schemeClr val="tx1"/>
+                    </a:solidFill>
+                    <a:latin typeface="Times New Roman" panose="02020603050405020304" pitchFamily="18" charset="0"/>
+                    <a:cs typeface="Times New Roman" panose="02020603050405020304" pitchFamily="18" charset="0"/>
+                  </a:endParaRPr>
+                </a:p>
+              </p:txBody>
+            </p:sp>
+            <p:sp>
+              <p:nvSpPr>
+                <p:cNvPr id="21" name="矩形 20"/>
+                <p:cNvSpPr/>
+                <p:nvPr/>
+              </p:nvSpPr>
+              <p:spPr>
+                <a:xfrm>
+                  <a:off x="1222310" y="2752531"/>
+                  <a:ext cx="1035698" cy="494522"/>
+                </a:xfrm>
+                <a:prstGeom prst="rect">
+                  <a:avLst/>
+                </a:prstGeom>
+                <a:solidFill>
+                  <a:srgbClr val="9DC3E6"/>
+                </a:solidFill>
+              </p:spPr>
+              <p:style>
+                <a:lnRef idx="2">
+                  <a:schemeClr val="accent1">
+                    <a:shade val="50000"/>
+                  </a:schemeClr>
+                </a:lnRef>
+                <a:fillRef idx="1">
+                  <a:schemeClr val="accent1"/>
+                </a:fillRef>
+                <a:effectRef idx="0">
+                  <a:schemeClr val="accent1"/>
+                </a:effectRef>
+                <a:fontRef idx="minor">
+                  <a:schemeClr val="lt1"/>
+                </a:fontRef>
+              </p:style>
+              <p:txBody>
+                <a:bodyPr rot="0" spcFirstLastPara="0" vertOverflow="overflow" horzOverflow="overflow" vert="eaVert" wrap="square" lIns="91440" tIns="45720" rIns="91440" bIns="45720" numCol="1" spcCol="0" rtlCol="0" fromWordArt="0" anchor="ctr" anchorCtr="0" forceAA="0" compatLnSpc="1">
+                  <a:prstTxWarp prst="textNoShape">
+                    <a:avLst/>
+                  </a:prstTxWarp>
+                  <a:noAutofit/>
+                </a:bodyPr>
+                <a:lstStyle/>
+                <a:p>
+                  <a:pPr algn="ctr"/>
+                  <a:r>
+                    <a:rPr lang="en-US" altLang="zh-CN" dirty="0">
+                      <a:solidFill>
+                        <a:schemeClr val="tx1"/>
+                      </a:solidFill>
+                      <a:latin typeface="Times New Roman" panose="02020603050405020304" pitchFamily="18" charset="0"/>
+                      <a:cs typeface="Times New Roman" panose="02020603050405020304" pitchFamily="18" charset="0"/>
+                    </a:rPr>
+                    <a:t>…</a:t>
+                  </a:r>
+                  <a:endParaRPr lang="zh-CN" altLang="en-US" dirty="0">
+                    <a:solidFill>
+                      <a:schemeClr val="tx1"/>
+                    </a:solidFill>
+                    <a:latin typeface="Times New Roman" panose="02020603050405020304" pitchFamily="18" charset="0"/>
+                    <a:cs typeface="Times New Roman" panose="02020603050405020304" pitchFamily="18" charset="0"/>
+                  </a:endParaRPr>
+                </a:p>
+              </p:txBody>
+            </p:sp>
+            <p:sp>
+              <p:nvSpPr>
+                <p:cNvPr id="22" name="矩形 21"/>
+                <p:cNvSpPr/>
+                <p:nvPr/>
+              </p:nvSpPr>
+              <p:spPr>
+                <a:xfrm>
+                  <a:off x="1222310" y="3247052"/>
+                  <a:ext cx="1035698" cy="494522"/>
+                </a:xfrm>
+                <a:prstGeom prst="rect">
+                  <a:avLst/>
+                </a:prstGeom>
+                <a:solidFill>
+                  <a:srgbClr val="9DC3E6"/>
+                </a:solidFill>
+              </p:spPr>
+              <p:style>
+                <a:lnRef idx="2">
+                  <a:schemeClr val="accent1">
+                    <a:shade val="50000"/>
+                  </a:schemeClr>
+                </a:lnRef>
+                <a:fillRef idx="1">
+                  <a:schemeClr val="accent1"/>
+                </a:fillRef>
+                <a:effectRef idx="0">
+                  <a:schemeClr val="accent1"/>
+                </a:effectRef>
+                <a:fontRef idx="minor">
+                  <a:schemeClr val="lt1"/>
+                </a:fontRef>
+              </p:style>
+              <p:txBody>
+                <a:bodyPr rot="0" spcFirstLastPara="0" vertOverflow="overflow" horzOverflow="overflow" vert="eaVert" wrap="square" lIns="91440" tIns="45720" rIns="91440" bIns="45720" numCol="1" spcCol="0" rtlCol="0" fromWordArt="0" anchor="ctr" anchorCtr="0" forceAA="0" compatLnSpc="1">
+                  <a:prstTxWarp prst="textNoShape">
+                    <a:avLst/>
+                  </a:prstTxWarp>
+                  <a:noAutofit/>
+                </a:bodyPr>
+                <a:lstStyle/>
+                <a:p>
+                  <a:pPr algn="ctr"/>
+                  <a:r>
+                    <a:rPr lang="en-US" altLang="zh-CN" dirty="0">
+                      <a:solidFill>
+                        <a:schemeClr val="tx1"/>
+                      </a:solidFill>
+                      <a:latin typeface="Times New Roman" panose="02020603050405020304" pitchFamily="18" charset="0"/>
+                      <a:cs typeface="Times New Roman" panose="02020603050405020304" pitchFamily="18" charset="0"/>
+                    </a:rPr>
+                    <a:t>…</a:t>
+                  </a:r>
+                  <a:endParaRPr lang="zh-CN" altLang="en-US" dirty="0">
+                    <a:solidFill>
+                      <a:schemeClr val="tx1"/>
+                    </a:solidFill>
+                    <a:latin typeface="Times New Roman" panose="02020603050405020304" pitchFamily="18" charset="0"/>
+                    <a:cs typeface="Times New Roman" panose="02020603050405020304" pitchFamily="18" charset="0"/>
+                  </a:endParaRPr>
+                </a:p>
+              </p:txBody>
+            </p:sp>
+          </p:grpSp>
+          <p:grpSp>
+            <p:nvGrpSpPr>
+              <p:cNvPr id="23" name="组合 22"/>
+              <p:cNvGrpSpPr/>
+              <p:nvPr/>
+            </p:nvGrpSpPr>
+            <p:grpSpPr>
+              <a:xfrm>
+                <a:off x="4615542" y="359232"/>
+                <a:ext cx="1035698" cy="2472610"/>
+                <a:chOff x="1222310" y="1268964"/>
+                <a:chExt cx="1035698" cy="2472610"/>
+              </a:xfrm>
+            </p:grpSpPr>
+            <p:sp>
+              <p:nvSpPr>
+                <p:cNvPr id="24" name="矩形 23"/>
+                <p:cNvSpPr/>
+                <p:nvPr/>
+              </p:nvSpPr>
+              <p:spPr>
+                <a:xfrm>
+                  <a:off x="1222310" y="1268964"/>
+                  <a:ext cx="1035698" cy="494522"/>
+                </a:xfrm>
+                <a:prstGeom prst="rect">
+                  <a:avLst/>
+                </a:prstGeom>
+                <a:solidFill>
+                  <a:schemeClr val="accent2">
+                    <a:lumMod val="60000"/>
+                    <a:lumOff val="40000"/>
+                  </a:schemeClr>
+                </a:solidFill>
+              </p:spPr>
+              <p:style>
+                <a:lnRef idx="2">
+                  <a:schemeClr val="accent1">
+                    <a:shade val="50000"/>
+                  </a:schemeClr>
+                </a:lnRef>
+                <a:fillRef idx="1">
+                  <a:schemeClr val="accent1"/>
+                </a:fillRef>
+                <a:effectRef idx="0">
+                  <a:schemeClr val="accent1"/>
+                </a:effectRef>
+                <a:fontRef idx="minor">
+                  <a:schemeClr val="lt1"/>
+                </a:fontRef>
+              </p:style>
+              <p:txBody>
+                <a:bodyPr rtlCol="0" anchor="ctr"/>
+                <a:lstStyle/>
+                <a:p>
+                  <a:pPr algn="ctr"/>
+                  <a:r>
+                    <a:rPr lang="en-US" altLang="zh-CN" dirty="0">
+                      <a:solidFill>
+                        <a:schemeClr val="tx1"/>
+                      </a:solidFill>
+                      <a:latin typeface="Times New Roman" panose="02020603050405020304" pitchFamily="18" charset="0"/>
+                      <a:cs typeface="Times New Roman" panose="02020603050405020304" pitchFamily="18" charset="0"/>
+                    </a:rPr>
+                    <a:t>Field A</a:t>
+                  </a:r>
+                  <a:r>
+                    <a:rPr lang="en-US" altLang="zh-CN" baseline="-25000" dirty="0">
+                      <a:solidFill>
+                        <a:schemeClr val="tx1"/>
+                      </a:solidFill>
+                      <a:latin typeface="Times New Roman" panose="02020603050405020304" pitchFamily="18" charset="0"/>
+                      <a:cs typeface="Times New Roman" panose="02020603050405020304" pitchFamily="18" charset="0"/>
+                    </a:rPr>
+                    <a:t>1</a:t>
+                  </a:r>
+                  <a:endParaRPr lang="zh-CN" altLang="en-US" baseline="-25000" dirty="0">
+                    <a:solidFill>
+                      <a:schemeClr val="tx1"/>
+                    </a:solidFill>
+                    <a:latin typeface="Times New Roman" panose="02020603050405020304" pitchFamily="18" charset="0"/>
+                    <a:cs typeface="Times New Roman" panose="02020603050405020304" pitchFamily="18" charset="0"/>
+                  </a:endParaRPr>
+                </a:p>
+              </p:txBody>
+            </p:sp>
+            <p:sp>
+              <p:nvSpPr>
+                <p:cNvPr id="25" name="矩形 24"/>
+                <p:cNvSpPr/>
+                <p:nvPr/>
+              </p:nvSpPr>
+              <p:spPr>
+                <a:xfrm>
+                  <a:off x="1222310" y="1763486"/>
+                  <a:ext cx="1035698" cy="494522"/>
+                </a:xfrm>
+                <a:prstGeom prst="rect">
+                  <a:avLst/>
+                </a:prstGeom>
+                <a:solidFill>
+                  <a:srgbClr val="9DC3E6"/>
+                </a:solidFill>
+              </p:spPr>
+              <p:style>
+                <a:lnRef idx="2">
+                  <a:schemeClr val="accent1">
+                    <a:shade val="50000"/>
+                  </a:schemeClr>
+                </a:lnRef>
+                <a:fillRef idx="1">
+                  <a:schemeClr val="accent1"/>
+                </a:fillRef>
+                <a:effectRef idx="0">
+                  <a:schemeClr val="accent1"/>
+                </a:effectRef>
+                <a:fontRef idx="minor">
+                  <a:schemeClr val="lt1"/>
+                </a:fontRef>
+              </p:style>
+              <p:txBody>
+                <a:bodyPr rtlCol="0" anchor="ctr"/>
+                <a:lstStyle/>
+                <a:p>
+                  <a:pPr algn="ctr"/>
+                  <a:r>
+                    <a:rPr lang="en-US" altLang="zh-CN" dirty="0">
+                      <a:solidFill>
+                        <a:schemeClr val="tx1"/>
+                      </a:solidFill>
+                      <a:latin typeface="Times New Roman" panose="02020603050405020304" pitchFamily="18" charset="0"/>
+                      <a:cs typeface="Times New Roman" panose="02020603050405020304" pitchFamily="18" charset="0"/>
+                    </a:rPr>
+                    <a:t>Field B</a:t>
+                  </a:r>
+                  <a:endParaRPr lang="zh-CN" altLang="en-US" dirty="0">
+                    <a:solidFill>
+                      <a:schemeClr val="tx1"/>
+                    </a:solidFill>
+                    <a:latin typeface="Times New Roman" panose="02020603050405020304" pitchFamily="18" charset="0"/>
+                    <a:cs typeface="Times New Roman" panose="02020603050405020304" pitchFamily="18" charset="0"/>
+                  </a:endParaRPr>
+                </a:p>
+              </p:txBody>
+            </p:sp>
+            <p:sp>
+              <p:nvSpPr>
+                <p:cNvPr id="26" name="矩形 25"/>
+                <p:cNvSpPr/>
+                <p:nvPr/>
+              </p:nvSpPr>
+              <p:spPr>
+                <a:xfrm>
+                  <a:off x="1222310" y="2258008"/>
+                  <a:ext cx="1035698" cy="494522"/>
+                </a:xfrm>
+                <a:prstGeom prst="rect">
+                  <a:avLst/>
+                </a:prstGeom>
+                <a:solidFill>
+                  <a:schemeClr val="accent2">
+                    <a:lumMod val="60000"/>
+                    <a:lumOff val="40000"/>
+                  </a:schemeClr>
+                </a:solidFill>
+              </p:spPr>
+              <p:style>
+                <a:lnRef idx="2">
+                  <a:schemeClr val="accent1">
+                    <a:shade val="50000"/>
+                  </a:schemeClr>
+                </a:lnRef>
+                <a:fillRef idx="1">
+                  <a:schemeClr val="accent1"/>
+                </a:fillRef>
+                <a:effectRef idx="0">
+                  <a:schemeClr val="accent1"/>
+                </a:effectRef>
+                <a:fontRef idx="minor">
+                  <a:schemeClr val="lt1"/>
+                </a:fontRef>
+              </p:style>
+              <p:txBody>
+                <a:bodyPr rtlCol="0" anchor="ctr"/>
+                <a:lstStyle/>
+                <a:p>
+                  <a:pPr algn="ctr"/>
+                  <a:r>
+                    <a:rPr lang="en-US" altLang="zh-CN" dirty="0">
+                      <a:solidFill>
+                        <a:schemeClr val="tx1"/>
+                      </a:solidFill>
+                      <a:latin typeface="Times New Roman" panose="02020603050405020304" pitchFamily="18" charset="0"/>
+                      <a:cs typeface="Times New Roman" panose="02020603050405020304" pitchFamily="18" charset="0"/>
+                    </a:rPr>
+                    <a:t>Field C</a:t>
+                  </a:r>
+                  <a:r>
+                    <a:rPr lang="en-US" altLang="zh-CN" baseline="-25000" dirty="0">
+                      <a:solidFill>
+                        <a:schemeClr val="tx1"/>
+                      </a:solidFill>
+                      <a:latin typeface="Times New Roman" panose="02020603050405020304" pitchFamily="18" charset="0"/>
+                      <a:cs typeface="Times New Roman" panose="02020603050405020304" pitchFamily="18" charset="0"/>
+                    </a:rPr>
+                    <a:t>1</a:t>
+                  </a:r>
+                  <a:endParaRPr lang="zh-CN" altLang="en-US" baseline="-25000" dirty="0">
+                    <a:solidFill>
+                      <a:schemeClr val="tx1"/>
+                    </a:solidFill>
+                    <a:latin typeface="Times New Roman" panose="02020603050405020304" pitchFamily="18" charset="0"/>
+                    <a:cs typeface="Times New Roman" panose="02020603050405020304" pitchFamily="18" charset="0"/>
+                  </a:endParaRPr>
+                </a:p>
+              </p:txBody>
+            </p:sp>
+            <p:sp>
+              <p:nvSpPr>
+                <p:cNvPr id="27" name="矩形 26"/>
+                <p:cNvSpPr/>
+                <p:nvPr/>
+              </p:nvSpPr>
+              <p:spPr>
+                <a:xfrm>
+                  <a:off x="1222310" y="2752531"/>
+                  <a:ext cx="1035698" cy="494522"/>
+                </a:xfrm>
+                <a:prstGeom prst="rect">
+                  <a:avLst/>
+                </a:prstGeom>
+                <a:solidFill>
+                  <a:srgbClr val="9DC3E6"/>
+                </a:solidFill>
+              </p:spPr>
+              <p:style>
+                <a:lnRef idx="2">
+                  <a:schemeClr val="accent1">
+                    <a:shade val="50000"/>
+                  </a:schemeClr>
+                </a:lnRef>
+                <a:fillRef idx="1">
+                  <a:schemeClr val="accent1"/>
+                </a:fillRef>
+                <a:effectRef idx="0">
+                  <a:schemeClr val="accent1"/>
+                </a:effectRef>
+                <a:fontRef idx="minor">
+                  <a:schemeClr val="lt1"/>
+                </a:fontRef>
+              </p:style>
+              <p:txBody>
+                <a:bodyPr rot="0" spcFirstLastPara="0" vertOverflow="overflow" horzOverflow="overflow" vert="eaVert" wrap="square" lIns="91440" tIns="45720" rIns="91440" bIns="45720" numCol="1" spcCol="0" rtlCol="0" fromWordArt="0" anchor="ctr" anchorCtr="0" forceAA="0" compatLnSpc="1">
+                  <a:prstTxWarp prst="textNoShape">
+                    <a:avLst/>
+                  </a:prstTxWarp>
+                  <a:noAutofit/>
+                </a:bodyPr>
+                <a:lstStyle/>
+                <a:p>
+                  <a:pPr algn="ctr"/>
+                  <a:r>
+                    <a:rPr lang="en-US" altLang="zh-CN" dirty="0">
+                      <a:solidFill>
+                        <a:schemeClr val="tx1"/>
+                      </a:solidFill>
+                      <a:latin typeface="Times New Roman" panose="02020603050405020304" pitchFamily="18" charset="0"/>
+                      <a:cs typeface="Times New Roman" panose="02020603050405020304" pitchFamily="18" charset="0"/>
+                    </a:rPr>
+                    <a:t>…</a:t>
+                  </a:r>
+                  <a:endParaRPr lang="zh-CN" altLang="en-US" dirty="0">
+                    <a:solidFill>
+                      <a:schemeClr val="tx1"/>
+                    </a:solidFill>
+                    <a:latin typeface="Times New Roman" panose="02020603050405020304" pitchFamily="18" charset="0"/>
+                    <a:cs typeface="Times New Roman" panose="02020603050405020304" pitchFamily="18" charset="0"/>
+                  </a:endParaRPr>
+                </a:p>
+              </p:txBody>
+            </p:sp>
+            <p:sp>
+              <p:nvSpPr>
+                <p:cNvPr id="28" name="矩形 27"/>
+                <p:cNvSpPr/>
+                <p:nvPr/>
+              </p:nvSpPr>
+              <p:spPr>
+                <a:xfrm>
+                  <a:off x="1222310" y="3247052"/>
+                  <a:ext cx="1035698" cy="494522"/>
+                </a:xfrm>
+                <a:prstGeom prst="rect">
+                  <a:avLst/>
+                </a:prstGeom>
+                <a:solidFill>
+                  <a:srgbClr val="9DC3E6"/>
+                </a:solidFill>
+              </p:spPr>
+              <p:style>
+                <a:lnRef idx="2">
+                  <a:schemeClr val="accent1">
+                    <a:shade val="50000"/>
+                  </a:schemeClr>
+                </a:lnRef>
+                <a:fillRef idx="1">
+                  <a:schemeClr val="accent1"/>
+                </a:fillRef>
+                <a:effectRef idx="0">
+                  <a:schemeClr val="accent1"/>
+                </a:effectRef>
+                <a:fontRef idx="minor">
+                  <a:schemeClr val="lt1"/>
+                </a:fontRef>
+              </p:style>
+              <p:txBody>
+                <a:bodyPr rot="0" spcFirstLastPara="0" vertOverflow="overflow" horzOverflow="overflow" vert="eaVert" wrap="square" lIns="91440" tIns="45720" rIns="91440" bIns="45720" numCol="1" spcCol="0" rtlCol="0" fromWordArt="0" anchor="ctr" anchorCtr="0" forceAA="0" compatLnSpc="1">
+                  <a:prstTxWarp prst="textNoShape">
+                    <a:avLst/>
+                  </a:prstTxWarp>
+                  <a:noAutofit/>
+                </a:bodyPr>
+                <a:lstStyle/>
+                <a:p>
+                  <a:pPr algn="ctr"/>
+                  <a:r>
+                    <a:rPr lang="en-US" altLang="zh-CN" dirty="0">
+                      <a:solidFill>
+                        <a:schemeClr val="tx1"/>
+                      </a:solidFill>
+                      <a:latin typeface="Times New Roman" panose="02020603050405020304" pitchFamily="18" charset="0"/>
+                      <a:cs typeface="Times New Roman" panose="02020603050405020304" pitchFamily="18" charset="0"/>
+                    </a:rPr>
+                    <a:t>…</a:t>
+                  </a:r>
+                  <a:endParaRPr lang="zh-CN" altLang="en-US" dirty="0">
+                    <a:solidFill>
+                      <a:schemeClr val="tx1"/>
+                    </a:solidFill>
+                    <a:latin typeface="Times New Roman" panose="02020603050405020304" pitchFamily="18" charset="0"/>
+                    <a:cs typeface="Times New Roman" panose="02020603050405020304" pitchFamily="18" charset="0"/>
+                  </a:endParaRPr>
+                </a:p>
+              </p:txBody>
+            </p:sp>
+          </p:grpSp>
+          <p:grpSp>
+            <p:nvGrpSpPr>
+              <p:cNvPr id="4" name="组合 3"/>
+              <p:cNvGrpSpPr/>
+              <p:nvPr/>
+            </p:nvGrpSpPr>
+            <p:grpSpPr>
+              <a:xfrm>
+                <a:off x="4615542" y="3573625"/>
+                <a:ext cx="1035698" cy="2967132"/>
+                <a:chOff x="4204995" y="3900196"/>
+                <a:chExt cx="1035698" cy="2967132"/>
+              </a:xfrm>
+            </p:grpSpPr>
+            <p:grpSp>
+              <p:nvGrpSpPr>
+                <p:cNvPr id="29" name="组合 28"/>
+                <p:cNvGrpSpPr/>
+                <p:nvPr/>
+              </p:nvGrpSpPr>
+              <p:grpSpPr>
+                <a:xfrm>
+                  <a:off x="4204995" y="3900196"/>
+                  <a:ext cx="1035698" cy="2472610"/>
+                  <a:chOff x="1222310" y="1268964"/>
+                  <a:chExt cx="1035698" cy="2472610"/>
+                </a:xfrm>
+              </p:grpSpPr>
+              <p:sp>
+                <p:nvSpPr>
+                  <p:cNvPr id="30" name="矩形 29"/>
+                  <p:cNvSpPr/>
+                  <p:nvPr/>
+                </p:nvSpPr>
+                <p:spPr>
+                  <a:xfrm>
+                    <a:off x="1222310" y="1268964"/>
+                    <a:ext cx="1035698" cy="494522"/>
+                  </a:xfrm>
+                  <a:prstGeom prst="rect">
+                    <a:avLst/>
+                  </a:prstGeom>
+                  <a:solidFill>
+                    <a:schemeClr val="accent4">
+                      <a:lumMod val="60000"/>
+                      <a:lumOff val="40000"/>
+                    </a:schemeClr>
+                  </a:solidFill>
+                </p:spPr>
+                <p:style>
+                  <a:lnRef idx="2">
+                    <a:schemeClr val="accent1">
+                      <a:shade val="50000"/>
+                    </a:schemeClr>
+                  </a:lnRef>
+                  <a:fillRef idx="1">
+                    <a:schemeClr val="accent1"/>
+                  </a:fillRef>
+                  <a:effectRef idx="0">
+                    <a:schemeClr val="accent1"/>
+                  </a:effectRef>
+                  <a:fontRef idx="minor">
+                    <a:schemeClr val="lt1"/>
+                  </a:fontRef>
+                </p:style>
+                <p:txBody>
+                  <a:bodyPr rtlCol="0" anchor="ctr"/>
+                  <a:lstStyle/>
+                  <a:p>
+                    <a:pPr algn="ctr"/>
+                    <a:r>
+                      <a:rPr lang="en-US" altLang="zh-CN" dirty="0">
+                        <a:solidFill>
+                          <a:schemeClr val="tx1"/>
+                        </a:solidFill>
+                        <a:latin typeface="Times New Roman" panose="02020603050405020304" pitchFamily="18" charset="0"/>
+                        <a:cs typeface="Times New Roman" panose="02020603050405020304" pitchFamily="18" charset="0"/>
+                      </a:rPr>
+                      <a:t>Field A</a:t>
+                    </a:r>
+                    <a:r>
+                      <a:rPr lang="en-US" altLang="zh-CN" baseline="-25000" dirty="0">
+                        <a:solidFill>
+                          <a:schemeClr val="tx1"/>
+                        </a:solidFill>
+                        <a:latin typeface="Times New Roman" panose="02020603050405020304" pitchFamily="18" charset="0"/>
+                        <a:cs typeface="Times New Roman" panose="02020603050405020304" pitchFamily="18" charset="0"/>
+                      </a:rPr>
+                      <a:t>2</a:t>
+                    </a:r>
+                    <a:endParaRPr lang="zh-CN" altLang="en-US" baseline="-25000" dirty="0">
+                      <a:solidFill>
+                        <a:schemeClr val="tx1"/>
+                      </a:solidFill>
+                      <a:latin typeface="Times New Roman" panose="02020603050405020304" pitchFamily="18" charset="0"/>
+                      <a:cs typeface="Times New Roman" panose="02020603050405020304" pitchFamily="18" charset="0"/>
+                    </a:endParaRPr>
+                  </a:p>
+                </p:txBody>
+              </p:sp>
+              <p:sp>
+                <p:nvSpPr>
+                  <p:cNvPr id="31" name="矩形 30"/>
+                  <p:cNvSpPr/>
+                  <p:nvPr/>
+                </p:nvSpPr>
+                <p:spPr>
+                  <a:xfrm>
+                    <a:off x="1222310" y="1763486"/>
+                    <a:ext cx="1035698" cy="494522"/>
+                  </a:xfrm>
+                  <a:prstGeom prst="rect">
+                    <a:avLst/>
+                  </a:prstGeom>
+                  <a:solidFill>
+                    <a:schemeClr val="bg1">
+                      <a:lumMod val="75000"/>
+                    </a:schemeClr>
+                  </a:solidFill>
+                </p:spPr>
+                <p:style>
+                  <a:lnRef idx="2">
+                    <a:schemeClr val="accent3">
+                      <a:shade val="50000"/>
+                    </a:schemeClr>
+                  </a:lnRef>
+                  <a:fillRef idx="1">
+                    <a:schemeClr val="accent3"/>
+                  </a:fillRef>
+                  <a:effectRef idx="0">
+                    <a:schemeClr val="accent3"/>
+                  </a:effectRef>
+                  <a:fontRef idx="minor">
+                    <a:schemeClr val="lt1"/>
+                  </a:fontRef>
+                </p:style>
+                <p:txBody>
+                  <a:bodyPr rtlCol="0" anchor="ctr"/>
+                  <a:lstStyle/>
+                  <a:p>
+                    <a:pPr algn="ctr"/>
+                    <a:r>
+                      <a:rPr lang="en-US" altLang="zh-CN" dirty="0">
+                        <a:solidFill>
+                          <a:schemeClr val="tx1"/>
+                        </a:solidFill>
+                        <a:latin typeface="Times New Roman" panose="02020603050405020304" pitchFamily="18" charset="0"/>
+                        <a:cs typeface="Times New Roman" panose="02020603050405020304" pitchFamily="18" charset="0"/>
+                      </a:rPr>
+                      <a:t>Field B</a:t>
+                    </a:r>
+                    <a:endParaRPr lang="zh-CN" altLang="en-US" dirty="0">
+                      <a:solidFill>
+                        <a:schemeClr val="tx1"/>
+                      </a:solidFill>
+                      <a:latin typeface="Times New Roman" panose="02020603050405020304" pitchFamily="18" charset="0"/>
+                      <a:cs typeface="Times New Roman" panose="02020603050405020304" pitchFamily="18" charset="0"/>
+                    </a:endParaRPr>
+                  </a:p>
+                </p:txBody>
+              </p:sp>
+              <p:sp>
+                <p:nvSpPr>
+                  <p:cNvPr id="32" name="矩形 31"/>
+                  <p:cNvSpPr/>
+                  <p:nvPr/>
+                </p:nvSpPr>
+                <p:spPr>
+                  <a:xfrm>
+                    <a:off x="1222310" y="2258008"/>
+                    <a:ext cx="1035698" cy="494522"/>
+                  </a:xfrm>
+                  <a:prstGeom prst="rect">
+                    <a:avLst/>
+                  </a:prstGeom>
+                  <a:solidFill>
+                    <a:srgbClr val="9DC3E6"/>
+                  </a:solidFill>
+                </p:spPr>
+                <p:style>
+                  <a:lnRef idx="2">
+                    <a:schemeClr val="accent1">
+                      <a:shade val="50000"/>
+                    </a:schemeClr>
+                  </a:lnRef>
+                  <a:fillRef idx="1">
+                    <a:schemeClr val="accent1"/>
+                  </a:fillRef>
+                  <a:effectRef idx="0">
+                    <a:schemeClr val="accent1"/>
+                  </a:effectRef>
+                  <a:fontRef idx="minor">
+                    <a:schemeClr val="lt1"/>
+                  </a:fontRef>
+                </p:style>
+                <p:txBody>
+                  <a:bodyPr rtlCol="0" anchor="ctr"/>
+                  <a:lstStyle/>
+                  <a:p>
+                    <a:pPr algn="ctr"/>
+                    <a:r>
+                      <a:rPr lang="en-US" altLang="zh-CN" dirty="0">
+                        <a:solidFill>
+                          <a:schemeClr val="tx1"/>
+                        </a:solidFill>
+                        <a:latin typeface="Times New Roman" panose="02020603050405020304" pitchFamily="18" charset="0"/>
+                        <a:cs typeface="Times New Roman" panose="02020603050405020304" pitchFamily="18" charset="0"/>
+                      </a:rPr>
+                      <a:t>Field C</a:t>
+                    </a:r>
+                    <a:endParaRPr lang="zh-CN" altLang="en-US" dirty="0">
+                      <a:solidFill>
+                        <a:schemeClr val="tx1"/>
+                      </a:solidFill>
+                      <a:latin typeface="Times New Roman" panose="02020603050405020304" pitchFamily="18" charset="0"/>
+                      <a:cs typeface="Times New Roman" panose="02020603050405020304" pitchFamily="18" charset="0"/>
+                    </a:endParaRPr>
+                  </a:p>
+                </p:txBody>
+              </p:sp>
+              <p:sp>
+                <p:nvSpPr>
+                  <p:cNvPr id="33" name="矩形 32"/>
+                  <p:cNvSpPr/>
+                  <p:nvPr/>
+                </p:nvSpPr>
+                <p:spPr>
+                  <a:xfrm>
+                    <a:off x="1222310" y="2752531"/>
+                    <a:ext cx="1035698" cy="494522"/>
+                  </a:xfrm>
+                  <a:prstGeom prst="rect">
+                    <a:avLst/>
+                  </a:prstGeom>
+                  <a:solidFill>
+                    <a:schemeClr val="accent6">
+                      <a:lumMod val="60000"/>
+                      <a:lumOff val="40000"/>
+                    </a:schemeClr>
+                  </a:solidFill>
+                </p:spPr>
+                <p:style>
+                  <a:lnRef idx="2">
+                    <a:schemeClr val="accent1">
+                      <a:shade val="50000"/>
+                    </a:schemeClr>
+                  </a:lnRef>
+                  <a:fillRef idx="1">
+                    <a:schemeClr val="accent1"/>
+                  </a:fillRef>
+                  <a:effectRef idx="0">
+                    <a:schemeClr val="accent1"/>
+                  </a:effectRef>
+                  <a:fontRef idx="minor">
+                    <a:schemeClr val="lt1"/>
+                  </a:fontRef>
+                </p:style>
+                <p:txBody>
+                  <a:bodyPr rot="0" spcFirstLastPara="0" vertOverflow="overflow" horzOverflow="overflow" vert="horz" wrap="square" lIns="91440" tIns="45720" rIns="91440" bIns="45720" numCol="1" spcCol="0" rtlCol="0" fromWordArt="0" anchor="ctr" anchorCtr="0" forceAA="0" compatLnSpc="1">
+                    <a:prstTxWarp prst="textNoShape">
+                      <a:avLst/>
+                    </a:prstTxWarp>
+                    <a:noAutofit/>
+                  </a:bodyPr>
+                  <a:lstStyle/>
+                  <a:p>
+                    <a:pPr algn="ctr"/>
+                    <a:r>
+                      <a:rPr lang="en-US" altLang="zh-CN" dirty="0">
+                        <a:solidFill>
+                          <a:schemeClr val="tx1"/>
+                        </a:solidFill>
+                        <a:latin typeface="Times New Roman" panose="02020603050405020304" pitchFamily="18" charset="0"/>
+                        <a:cs typeface="Times New Roman" panose="02020603050405020304" pitchFamily="18" charset="0"/>
+                      </a:rPr>
+                      <a:t>Field D</a:t>
+                    </a:r>
+                    <a:endParaRPr lang="zh-CN" altLang="en-US" dirty="0">
+                      <a:solidFill>
+                        <a:schemeClr val="tx1"/>
+                      </a:solidFill>
+                      <a:latin typeface="Times New Roman" panose="02020603050405020304" pitchFamily="18" charset="0"/>
+                      <a:cs typeface="Times New Roman" panose="02020603050405020304" pitchFamily="18" charset="0"/>
+                    </a:endParaRPr>
+                  </a:p>
+                </p:txBody>
+              </p:sp>
+              <p:sp>
+                <p:nvSpPr>
+                  <p:cNvPr id="34" name="矩形 33"/>
+                  <p:cNvSpPr/>
+                  <p:nvPr/>
+                </p:nvSpPr>
+                <p:spPr>
+                  <a:xfrm>
+                    <a:off x="1222310" y="3247052"/>
+                    <a:ext cx="1035698" cy="494522"/>
+                  </a:xfrm>
+                  <a:prstGeom prst="rect">
+                    <a:avLst/>
+                  </a:prstGeom>
+                  <a:solidFill>
+                    <a:srgbClr val="9DC3E6"/>
+                  </a:solidFill>
+                </p:spPr>
+                <p:style>
+                  <a:lnRef idx="2">
+                    <a:schemeClr val="accent1">
+                      <a:shade val="50000"/>
+                    </a:schemeClr>
+                  </a:lnRef>
+                  <a:fillRef idx="1">
+                    <a:schemeClr val="accent1"/>
+                  </a:fillRef>
+                  <a:effectRef idx="0">
+                    <a:schemeClr val="accent1"/>
+                  </a:effectRef>
+                  <a:fontRef idx="minor">
+                    <a:schemeClr val="lt1"/>
+                  </a:fontRef>
+                </p:style>
+                <p:txBody>
+                  <a:bodyPr rot="0" spcFirstLastPara="0" vertOverflow="overflow" horzOverflow="overflow" vert="eaVert" wrap="square" lIns="91440" tIns="45720" rIns="91440" bIns="45720" numCol="1" spcCol="0" rtlCol="0" fromWordArt="0" anchor="ctr" anchorCtr="0" forceAA="0" compatLnSpc="1">
+                    <a:prstTxWarp prst="textNoShape">
+                      <a:avLst/>
+                    </a:prstTxWarp>
+                    <a:noAutofit/>
+                  </a:bodyPr>
+                  <a:lstStyle/>
+                  <a:p>
+                    <a:pPr algn="ctr"/>
+                    <a:r>
+                      <a:rPr lang="en-US" altLang="zh-CN" dirty="0">
+                        <a:solidFill>
+                          <a:schemeClr val="tx1"/>
+                        </a:solidFill>
+                        <a:latin typeface="Times New Roman" panose="02020603050405020304" pitchFamily="18" charset="0"/>
+                        <a:cs typeface="Times New Roman" panose="02020603050405020304" pitchFamily="18" charset="0"/>
+                      </a:rPr>
+                      <a:t>…</a:t>
+                    </a:r>
+                    <a:endParaRPr lang="zh-CN" altLang="en-US" dirty="0">
+                      <a:solidFill>
+                        <a:schemeClr val="tx1"/>
+                      </a:solidFill>
+                      <a:latin typeface="Times New Roman" panose="02020603050405020304" pitchFamily="18" charset="0"/>
+                      <a:cs typeface="Times New Roman" panose="02020603050405020304" pitchFamily="18" charset="0"/>
+                    </a:endParaRPr>
+                  </a:p>
+                </p:txBody>
+              </p:sp>
+            </p:grpSp>
+            <p:sp>
+              <p:nvSpPr>
+                <p:cNvPr id="41" name="矩形 40"/>
+                <p:cNvSpPr/>
+                <p:nvPr/>
+              </p:nvSpPr>
+              <p:spPr>
+                <a:xfrm>
+                  <a:off x="4204995" y="6372806"/>
+                  <a:ext cx="1035698" cy="494522"/>
+                </a:xfrm>
+                <a:prstGeom prst="rect">
+                  <a:avLst/>
+                </a:prstGeom>
+                <a:solidFill>
+                  <a:srgbClr val="9DC3E6"/>
+                </a:solidFill>
+              </p:spPr>
+              <p:style>
+                <a:lnRef idx="2">
+                  <a:schemeClr val="accent1">
+                    <a:shade val="50000"/>
+                  </a:schemeClr>
+                </a:lnRef>
+                <a:fillRef idx="1">
+                  <a:schemeClr val="accent1"/>
+                </a:fillRef>
+                <a:effectRef idx="0">
+                  <a:schemeClr val="accent1"/>
+                </a:effectRef>
+                <a:fontRef idx="minor">
+                  <a:schemeClr val="lt1"/>
+                </a:fontRef>
+              </p:style>
+              <p:txBody>
+                <a:bodyPr rot="0" spcFirstLastPara="0" vertOverflow="overflow" horzOverflow="overflow" vert="eaVert" wrap="square" lIns="91440" tIns="45720" rIns="91440" bIns="45720" numCol="1" spcCol="0" rtlCol="0" fromWordArt="0" anchor="ctr" anchorCtr="0" forceAA="0" compatLnSpc="1">
+                  <a:prstTxWarp prst="textNoShape">
+                    <a:avLst/>
+                  </a:prstTxWarp>
+                  <a:noAutofit/>
+                </a:bodyPr>
+                <a:lstStyle/>
+                <a:p>
+                  <a:pPr algn="ctr"/>
+                  <a:r>
+                    <a:rPr lang="en-US" altLang="zh-CN" dirty="0">
+                      <a:solidFill>
+                        <a:schemeClr val="tx1"/>
+                      </a:solidFill>
+                      <a:latin typeface="Times New Roman" panose="02020603050405020304" pitchFamily="18" charset="0"/>
+                      <a:cs typeface="Times New Roman" panose="02020603050405020304" pitchFamily="18" charset="0"/>
+                    </a:rPr>
+                    <a:t>…</a:t>
+                  </a:r>
+                  <a:endParaRPr lang="zh-CN" altLang="en-US" dirty="0">
+                    <a:solidFill>
+                      <a:schemeClr val="tx1"/>
+                    </a:solidFill>
+                    <a:latin typeface="Times New Roman" panose="02020603050405020304" pitchFamily="18" charset="0"/>
+                    <a:cs typeface="Times New Roman" panose="02020603050405020304" pitchFamily="18" charset="0"/>
+                  </a:endParaRPr>
+                </a:p>
+              </p:txBody>
+            </p:sp>
+          </p:grpSp>
+          <p:grpSp>
+            <p:nvGrpSpPr>
+              <p:cNvPr id="42" name="组合 41"/>
+              <p:cNvGrpSpPr/>
+              <p:nvPr/>
+            </p:nvGrpSpPr>
+            <p:grpSpPr>
+              <a:xfrm>
+                <a:off x="8008775" y="2090059"/>
+                <a:ext cx="1035698" cy="2472610"/>
+                <a:chOff x="1222310" y="1268964"/>
+                <a:chExt cx="1035698" cy="2472610"/>
+              </a:xfrm>
+            </p:grpSpPr>
+            <p:sp>
+              <p:nvSpPr>
+                <p:cNvPr id="43" name="矩形 42"/>
+                <p:cNvSpPr/>
+                <p:nvPr/>
+              </p:nvSpPr>
+              <p:spPr>
+                <a:xfrm>
+                  <a:off x="1222310" y="1268964"/>
+                  <a:ext cx="1035698" cy="494522"/>
+                </a:xfrm>
+                <a:prstGeom prst="rect">
+                  <a:avLst/>
+                </a:prstGeom>
+                <a:solidFill>
+                  <a:schemeClr val="accent4">
+                    <a:lumMod val="60000"/>
+                    <a:lumOff val="40000"/>
+                  </a:schemeClr>
+                </a:solidFill>
+              </p:spPr>
+              <p:style>
+                <a:lnRef idx="2">
+                  <a:schemeClr val="accent1">
+                    <a:shade val="50000"/>
+                  </a:schemeClr>
+                </a:lnRef>
+                <a:fillRef idx="1">
+                  <a:schemeClr val="accent1"/>
+                </a:fillRef>
+                <a:effectRef idx="0">
+                  <a:schemeClr val="accent1"/>
+                </a:effectRef>
+                <a:fontRef idx="minor">
+                  <a:schemeClr val="lt1"/>
+                </a:fontRef>
+              </p:style>
+              <p:txBody>
+                <a:bodyPr rtlCol="0" anchor="ctr"/>
+                <a:lstStyle/>
+                <a:p>
+                  <a:pPr algn="ctr"/>
+                  <a:r>
+                    <a:rPr lang="en-US" altLang="zh-CN" dirty="0">
+                      <a:solidFill>
+                        <a:schemeClr val="tx1"/>
+                      </a:solidFill>
+                      <a:latin typeface="Times New Roman" panose="02020603050405020304" pitchFamily="18" charset="0"/>
+                      <a:cs typeface="Times New Roman" panose="02020603050405020304" pitchFamily="18" charset="0"/>
+                    </a:rPr>
+                    <a:t>Field A</a:t>
+                  </a:r>
+                  <a:r>
+                    <a:rPr lang="en-US" altLang="zh-CN" baseline="-25000" dirty="0">
+                      <a:solidFill>
+                        <a:schemeClr val="tx1"/>
+                      </a:solidFill>
+                      <a:latin typeface="Times New Roman" panose="02020603050405020304" pitchFamily="18" charset="0"/>
+                      <a:cs typeface="Times New Roman" panose="02020603050405020304" pitchFamily="18" charset="0"/>
+                    </a:rPr>
+                    <a:t>2</a:t>
+                  </a:r>
+                  <a:endParaRPr lang="zh-CN" altLang="en-US" baseline="-25000" dirty="0">
+                    <a:solidFill>
+                      <a:schemeClr val="tx1"/>
+                    </a:solidFill>
+                    <a:latin typeface="Times New Roman" panose="02020603050405020304" pitchFamily="18" charset="0"/>
+                    <a:cs typeface="Times New Roman" panose="02020603050405020304" pitchFamily="18" charset="0"/>
+                  </a:endParaRPr>
+                </a:p>
+              </p:txBody>
+            </p:sp>
+            <p:sp>
+              <p:nvSpPr>
+                <p:cNvPr id="44" name="矩形 43"/>
+                <p:cNvSpPr/>
+                <p:nvPr/>
+              </p:nvSpPr>
+              <p:spPr>
+                <a:xfrm>
+                  <a:off x="1222310" y="1763486"/>
+                  <a:ext cx="1035698" cy="494522"/>
+                </a:xfrm>
+                <a:prstGeom prst="rect">
+                  <a:avLst/>
+                </a:prstGeom>
+                <a:solidFill>
+                  <a:schemeClr val="accent2">
+                    <a:lumMod val="60000"/>
+                    <a:lumOff val="40000"/>
+                  </a:schemeClr>
+                </a:solidFill>
+              </p:spPr>
+              <p:style>
+                <a:lnRef idx="2">
+                  <a:schemeClr val="accent1">
+                    <a:shade val="50000"/>
+                  </a:schemeClr>
+                </a:lnRef>
+                <a:fillRef idx="1">
+                  <a:schemeClr val="accent1"/>
+                </a:fillRef>
+                <a:effectRef idx="0">
+                  <a:schemeClr val="accent1"/>
+                </a:effectRef>
+                <a:fontRef idx="minor">
+                  <a:schemeClr val="lt1"/>
+                </a:fontRef>
+              </p:style>
+              <p:txBody>
+                <a:bodyPr rtlCol="0" anchor="ctr"/>
+                <a:lstStyle/>
+                <a:p>
+                  <a:pPr algn="ctr"/>
+                  <a:r>
+                    <a:rPr lang="en-US" altLang="zh-CN" dirty="0">
+                      <a:solidFill>
+                        <a:schemeClr val="tx1"/>
+                      </a:solidFill>
+                      <a:latin typeface="Times New Roman" panose="02020603050405020304" pitchFamily="18" charset="0"/>
+                      <a:cs typeface="Times New Roman" panose="02020603050405020304" pitchFamily="18" charset="0"/>
+                    </a:rPr>
+                    <a:t>Field C</a:t>
+                  </a:r>
+                  <a:r>
+                    <a:rPr lang="en-US" altLang="zh-CN" baseline="-25000" dirty="0">
+                      <a:solidFill>
+                        <a:schemeClr val="tx1"/>
+                      </a:solidFill>
+                      <a:latin typeface="Times New Roman" panose="02020603050405020304" pitchFamily="18" charset="0"/>
+                      <a:cs typeface="Times New Roman" panose="02020603050405020304" pitchFamily="18" charset="0"/>
+                    </a:rPr>
+                    <a:t>1</a:t>
+                  </a:r>
+                  <a:endParaRPr lang="zh-CN" altLang="en-US" baseline="-25000" dirty="0">
+                    <a:solidFill>
+                      <a:schemeClr val="tx1"/>
+                    </a:solidFill>
+                    <a:latin typeface="Times New Roman" panose="02020603050405020304" pitchFamily="18" charset="0"/>
+                    <a:cs typeface="Times New Roman" panose="02020603050405020304" pitchFamily="18" charset="0"/>
+                  </a:endParaRPr>
+                </a:p>
+              </p:txBody>
+            </p:sp>
+            <p:sp>
+              <p:nvSpPr>
+                <p:cNvPr id="45" name="矩形 44"/>
+                <p:cNvSpPr/>
+                <p:nvPr/>
+              </p:nvSpPr>
+              <p:spPr>
+                <a:xfrm>
+                  <a:off x="1222310" y="2258008"/>
+                  <a:ext cx="1035698" cy="494522"/>
+                </a:xfrm>
+                <a:prstGeom prst="rect">
+                  <a:avLst/>
+                </a:prstGeom>
+                <a:solidFill>
+                  <a:schemeClr val="accent6">
+                    <a:lumMod val="60000"/>
+                    <a:lumOff val="40000"/>
+                  </a:schemeClr>
+                </a:solidFill>
+              </p:spPr>
+              <p:style>
+                <a:lnRef idx="2">
+                  <a:schemeClr val="accent1">
+                    <a:shade val="50000"/>
+                  </a:schemeClr>
+                </a:lnRef>
+                <a:fillRef idx="1">
+                  <a:schemeClr val="accent1"/>
+                </a:fillRef>
+                <a:effectRef idx="0">
+                  <a:schemeClr val="accent1"/>
+                </a:effectRef>
+                <a:fontRef idx="minor">
+                  <a:schemeClr val="lt1"/>
+                </a:fontRef>
+              </p:style>
+              <p:txBody>
+                <a:bodyPr rtlCol="0" anchor="ctr"/>
+                <a:lstStyle/>
+                <a:p>
+                  <a:pPr algn="ctr"/>
+                  <a:r>
+                    <a:rPr lang="en-US" altLang="zh-CN" dirty="0">
+                      <a:solidFill>
+                        <a:schemeClr val="tx1"/>
+                      </a:solidFill>
+                      <a:latin typeface="Times New Roman" panose="02020603050405020304" pitchFamily="18" charset="0"/>
+                      <a:cs typeface="Times New Roman" panose="02020603050405020304" pitchFamily="18" charset="0"/>
+                    </a:rPr>
+                    <a:t>Field D</a:t>
+                  </a:r>
+                  <a:endParaRPr lang="zh-CN" altLang="en-US" dirty="0">
+                    <a:solidFill>
+                      <a:schemeClr val="tx1"/>
+                    </a:solidFill>
+                    <a:latin typeface="Times New Roman" panose="02020603050405020304" pitchFamily="18" charset="0"/>
+                    <a:cs typeface="Times New Roman" panose="02020603050405020304" pitchFamily="18" charset="0"/>
+                  </a:endParaRPr>
+                </a:p>
+              </p:txBody>
+            </p:sp>
+            <p:sp>
+              <p:nvSpPr>
+                <p:cNvPr id="46" name="矩形 45"/>
+                <p:cNvSpPr/>
+                <p:nvPr/>
+              </p:nvSpPr>
+              <p:spPr>
+                <a:xfrm>
+                  <a:off x="1222310" y="2752531"/>
+                  <a:ext cx="1035698" cy="494522"/>
+                </a:xfrm>
+                <a:prstGeom prst="rect">
+                  <a:avLst/>
+                </a:prstGeom>
+                <a:solidFill>
+                  <a:srgbClr val="9DC3E6"/>
+                </a:solidFill>
+              </p:spPr>
+              <p:style>
+                <a:lnRef idx="2">
+                  <a:schemeClr val="accent1">
+                    <a:shade val="50000"/>
+                  </a:schemeClr>
+                </a:lnRef>
+                <a:fillRef idx="1">
+                  <a:schemeClr val="accent1"/>
+                </a:fillRef>
+                <a:effectRef idx="0">
+                  <a:schemeClr val="accent1"/>
+                </a:effectRef>
+                <a:fontRef idx="minor">
+                  <a:schemeClr val="lt1"/>
+                </a:fontRef>
+              </p:style>
+              <p:txBody>
+                <a:bodyPr rot="0" spcFirstLastPara="0" vertOverflow="overflow" horzOverflow="overflow" vert="eaVert" wrap="square" lIns="91440" tIns="45720" rIns="91440" bIns="45720" numCol="1" spcCol="0" rtlCol="0" fromWordArt="0" anchor="ctr" anchorCtr="0" forceAA="0" compatLnSpc="1">
+                  <a:prstTxWarp prst="textNoShape">
+                    <a:avLst/>
+                  </a:prstTxWarp>
+                  <a:noAutofit/>
+                </a:bodyPr>
+                <a:lstStyle/>
+                <a:p>
+                  <a:pPr algn="ctr"/>
+                  <a:r>
+                    <a:rPr lang="en-US" altLang="zh-CN" dirty="0">
+                      <a:solidFill>
+                        <a:schemeClr val="tx1"/>
+                      </a:solidFill>
+                      <a:latin typeface="Times New Roman" panose="02020603050405020304" pitchFamily="18" charset="0"/>
+                      <a:cs typeface="Times New Roman" panose="02020603050405020304" pitchFamily="18" charset="0"/>
+                    </a:rPr>
+                    <a:t>…</a:t>
+                  </a:r>
+                  <a:endParaRPr lang="zh-CN" altLang="en-US" dirty="0">
+                    <a:solidFill>
+                      <a:schemeClr val="tx1"/>
+                    </a:solidFill>
+                    <a:latin typeface="Times New Roman" panose="02020603050405020304" pitchFamily="18" charset="0"/>
+                    <a:cs typeface="Times New Roman" panose="02020603050405020304" pitchFamily="18" charset="0"/>
+                  </a:endParaRPr>
+                </a:p>
+              </p:txBody>
+            </p:sp>
+            <p:sp>
+              <p:nvSpPr>
+                <p:cNvPr id="47" name="矩形 46"/>
+                <p:cNvSpPr/>
+                <p:nvPr/>
+              </p:nvSpPr>
+              <p:spPr>
+                <a:xfrm>
+                  <a:off x="1222310" y="3247052"/>
+                  <a:ext cx="1035698" cy="494522"/>
+                </a:xfrm>
+                <a:prstGeom prst="rect">
+                  <a:avLst/>
+                </a:prstGeom>
+                <a:solidFill>
+                  <a:srgbClr val="9DC3E6"/>
+                </a:solidFill>
+              </p:spPr>
+              <p:style>
+                <a:lnRef idx="2">
+                  <a:schemeClr val="accent1">
+                    <a:shade val="50000"/>
+                  </a:schemeClr>
+                </a:lnRef>
+                <a:fillRef idx="1">
+                  <a:schemeClr val="accent1"/>
+                </a:fillRef>
+                <a:effectRef idx="0">
+                  <a:schemeClr val="accent1"/>
+                </a:effectRef>
+                <a:fontRef idx="minor">
+                  <a:schemeClr val="lt1"/>
+                </a:fontRef>
+              </p:style>
+              <p:txBody>
+                <a:bodyPr rot="0" spcFirstLastPara="0" vertOverflow="overflow" horzOverflow="overflow" vert="eaVert" wrap="square" lIns="91440" tIns="45720" rIns="91440" bIns="45720" numCol="1" spcCol="0" rtlCol="0" fromWordArt="0" anchor="ctr" anchorCtr="0" forceAA="0" compatLnSpc="1">
+                  <a:prstTxWarp prst="textNoShape">
+                    <a:avLst/>
+                  </a:prstTxWarp>
+                  <a:noAutofit/>
+                </a:bodyPr>
+                <a:lstStyle/>
+                <a:p>
+                  <a:pPr algn="ctr"/>
+                  <a:r>
+                    <a:rPr lang="en-US" altLang="zh-CN" dirty="0">
+                      <a:solidFill>
+                        <a:schemeClr val="tx1"/>
+                      </a:solidFill>
+                      <a:latin typeface="Times New Roman" panose="02020603050405020304" pitchFamily="18" charset="0"/>
+                      <a:cs typeface="Times New Roman" panose="02020603050405020304" pitchFamily="18" charset="0"/>
+                    </a:rPr>
+                    <a:t>…</a:t>
+                  </a:r>
+                  <a:endParaRPr lang="zh-CN" altLang="en-US" dirty="0">
+                    <a:solidFill>
+                      <a:schemeClr val="tx1"/>
+                    </a:solidFill>
+                    <a:latin typeface="Times New Roman" panose="02020603050405020304" pitchFamily="18" charset="0"/>
+                    <a:cs typeface="Times New Roman" panose="02020603050405020304" pitchFamily="18" charset="0"/>
+                  </a:endParaRPr>
+                </a:p>
+              </p:txBody>
+            </p:sp>
+          </p:grpSp>
+          <p:cxnSp>
+            <p:nvCxnSpPr>
+              <p:cNvPr id="48" name="直接箭头连接符 47"/>
+              <p:cNvCxnSpPr>
+                <a:stCxn id="20" idx="3"/>
+                <a:endCxn id="26" idx="1"/>
+              </p:cNvCxnSpPr>
+              <p:nvPr/>
+            </p:nvCxnSpPr>
             <p:spPr>
-              <a:xfrm>
-                <a:off x="1222310" y="1268964"/>
-                <a:ext cx="1035698" cy="494522"/>
+              <a:xfrm flipV="1">
+                <a:off x="2258008" y="1595537"/>
+                <a:ext cx="2357534" cy="1730827"/>
               </a:xfrm>
-              <a:prstGeom prst="rect">
+              <a:prstGeom prst="straightConnector1">
                 <a:avLst/>
               </a:prstGeom>
-              <a:solidFill>
-                <a:schemeClr val="accent4">
-                  <a:lumMod val="60000"/>
-                  <a:lumOff val="40000"/>
-                </a:schemeClr>
-              </a:solidFill>
+              <a:ln w="12700">
+                <a:solidFill>
+                  <a:schemeClr val="tx1"/>
+                </a:solidFill>
+                <a:tailEnd type="triangle"/>
+              </a:ln>
             </p:spPr>
             <p:style>
-              <a:lnRef idx="2">
-                <a:schemeClr val="accent1">
-                  <a:shade val="50000"/>
-                </a:schemeClr>
+              <a:lnRef idx="1">
+                <a:schemeClr val="accent1"/>
               </a:lnRef>
-              <a:fillRef idx="1">
+              <a:fillRef idx="0">
                 <a:schemeClr val="accent1"/>
               </a:fillRef>
               <a:effectRef idx="0">
                 <a:schemeClr val="accent1"/>
               </a:effectRef>
               <a:fontRef idx="minor">
-                <a:schemeClr val="lt1"/>
+                <a:schemeClr val="tx1"/>
               </a:fontRef>
             </p:style>
+          </p:cxnSp>
+          <p:cxnSp>
+            <p:nvCxnSpPr>
+              <p:cNvPr id="49" name="直接箭头连接符 48"/>
+              <p:cNvCxnSpPr>
+                <a:stCxn id="20" idx="3"/>
+              </p:cNvCxnSpPr>
+              <p:nvPr/>
+            </p:nvCxnSpPr>
+            <p:spPr>
+              <a:xfrm>
+                <a:off x="2258008" y="3326364"/>
+                <a:ext cx="2357534" cy="1730826"/>
+              </a:xfrm>
+              <a:prstGeom prst="straightConnector1">
+                <a:avLst/>
+              </a:prstGeom>
+              <a:ln w="12700">
+                <a:solidFill>
+                  <a:schemeClr val="tx1"/>
+                </a:solidFill>
+                <a:tailEnd type="triangle"/>
+              </a:ln>
+            </p:spPr>
+            <p:style>
+              <a:lnRef idx="1">
+                <a:schemeClr val="accent1"/>
+              </a:lnRef>
+              <a:fillRef idx="0">
+                <a:schemeClr val="accent1"/>
+              </a:fillRef>
+              <a:effectRef idx="0">
+                <a:schemeClr val="accent1"/>
+              </a:effectRef>
+              <a:fontRef idx="minor">
+                <a:schemeClr val="tx1"/>
+              </a:fontRef>
+            </p:style>
+          </p:cxnSp>
+          <p:cxnSp>
+            <p:nvCxnSpPr>
+              <p:cNvPr id="52" name="直接箭头连接符 51"/>
+              <p:cNvCxnSpPr>
+                <a:stCxn id="26" idx="3"/>
+                <a:endCxn id="45" idx="1"/>
+              </p:cNvCxnSpPr>
+              <p:nvPr/>
+            </p:nvCxnSpPr>
+            <p:spPr>
+              <a:xfrm>
+                <a:off x="5651240" y="1595537"/>
+                <a:ext cx="2357535" cy="1730827"/>
+              </a:xfrm>
+              <a:prstGeom prst="straightConnector1">
+                <a:avLst/>
+              </a:prstGeom>
+              <a:ln w="12700">
+                <a:solidFill>
+                  <a:schemeClr val="tx1"/>
+                </a:solidFill>
+                <a:tailEnd type="triangle"/>
+              </a:ln>
+            </p:spPr>
+            <p:style>
+              <a:lnRef idx="1">
+                <a:schemeClr val="accent1"/>
+              </a:lnRef>
+              <a:fillRef idx="0">
+                <a:schemeClr val="accent1"/>
+              </a:fillRef>
+              <a:effectRef idx="0">
+                <a:schemeClr val="accent1"/>
+              </a:effectRef>
+              <a:fontRef idx="minor">
+                <a:schemeClr val="tx1"/>
+              </a:fontRef>
+            </p:style>
+          </p:cxnSp>
+          <p:cxnSp>
+            <p:nvCxnSpPr>
+              <p:cNvPr id="55" name="直接箭头连接符 54"/>
+              <p:cNvCxnSpPr>
+                <a:endCxn id="45" idx="1"/>
+              </p:cNvCxnSpPr>
+              <p:nvPr/>
+            </p:nvCxnSpPr>
+            <p:spPr>
+              <a:xfrm flipV="1">
+                <a:off x="5651240" y="3326364"/>
+                <a:ext cx="2357535" cy="1730826"/>
+              </a:xfrm>
+              <a:prstGeom prst="straightConnector1">
+                <a:avLst/>
+              </a:prstGeom>
+              <a:ln w="12700">
+                <a:solidFill>
+                  <a:schemeClr val="tx1"/>
+                </a:solidFill>
+                <a:tailEnd type="triangle"/>
+              </a:ln>
+            </p:spPr>
+            <p:style>
+              <a:lnRef idx="1">
+                <a:schemeClr val="accent1"/>
+              </a:lnRef>
+              <a:fillRef idx="0">
+                <a:schemeClr val="accent1"/>
+              </a:fillRef>
+              <a:effectRef idx="0">
+                <a:schemeClr val="accent1"/>
+              </a:effectRef>
+              <a:fontRef idx="minor">
+                <a:schemeClr val="tx1"/>
+              </a:fontRef>
+            </p:style>
+          </p:cxnSp>
+          <p:sp>
+            <p:nvSpPr>
+              <p:cNvPr id="58" name="文本框 57"/>
+              <p:cNvSpPr txBox="1"/>
+              <p:nvPr/>
+            </p:nvSpPr>
+            <p:spPr>
+              <a:xfrm rot="19415549">
+                <a:off x="2839615" y="2011965"/>
+                <a:ext cx="1194318" cy="369332"/>
+              </a:xfrm>
+              <a:prstGeom prst="rect">
+                <a:avLst/>
+              </a:prstGeom>
+              <a:noFill/>
+            </p:spPr>
             <p:txBody>
-              <a:bodyPr rtlCol="0" anchor="ctr"/>
+              <a:bodyPr wrap="square" rtlCol="0">
+                <a:spAutoFit/>
+              </a:bodyPr>
               <a:lstStyle/>
               <a:p>
-                <a:pPr algn="ctr"/>
                 <a:r>
                   <a:rPr lang="en-US" altLang="zh-CN" dirty="0">
-                    <a:solidFill>
-                      <a:schemeClr val="tx1"/>
-                    </a:solidFill>
+                    <a:latin typeface="Times New Roman" panose="02020603050405020304" pitchFamily="18" charset="0"/>
+                    <a:cs typeface="Times New Roman" panose="02020603050405020304" pitchFamily="18" charset="0"/>
                   </a:rPr>
-                  <a:t>Field A</a:t>
+                  <a:t>Packet ID</a:t>
                 </a:r>
                 <a:r>
                   <a:rPr lang="en-US" altLang="zh-CN" baseline="-25000" dirty="0">
-                    <a:solidFill>
-                      <a:schemeClr val="tx1"/>
-                    </a:solidFill>
+                    <a:latin typeface="Times New Roman" panose="02020603050405020304" pitchFamily="18" charset="0"/>
+                    <a:cs typeface="Times New Roman" panose="02020603050405020304" pitchFamily="18" charset="0"/>
                   </a:rPr>
-                  <a:t>2</a:t>
+                  <a:t>1</a:t>
                 </a:r>
                 <a:endParaRPr lang="zh-CN" altLang="en-US" baseline="-25000" dirty="0">
-                  <a:solidFill>
-                    <a:schemeClr val="tx1"/>
-                  </a:solidFill>
+                  <a:latin typeface="Times New Roman" panose="02020603050405020304" pitchFamily="18" charset="0"/>
+                  <a:cs typeface="Times New Roman" panose="02020603050405020304" pitchFamily="18" charset="0"/>
                 </a:endParaRPr>
               </a:p>
             </p:txBody>
           </p:sp>
           <p:sp>
             <p:nvSpPr>
-              <p:cNvPr id="31" name="矩形 30"/>
-              <p:cNvSpPr/>
+              <p:cNvPr id="59" name="文本框 58"/>
+              <p:cNvSpPr txBox="1"/>
               <p:nvPr/>
             </p:nvSpPr>
             <p:spPr>
-              <a:xfrm>
-                <a:off x="1222310" y="1763486"/>
-                <a:ext cx="1035698" cy="494522"/>
+              <a:xfrm rot="2170752">
+                <a:off x="2839616" y="3758367"/>
+                <a:ext cx="1194318" cy="369332"/>
               </a:xfrm>
               <a:prstGeom prst="rect">
                 <a:avLst/>
               </a:prstGeom>
-              <a:solidFill>
-                <a:schemeClr val="bg1">
-                  <a:lumMod val="75000"/>
-                </a:schemeClr>
-              </a:solidFill>
+              <a:noFill/>
             </p:spPr>
-            <p:style>
-              <a:lnRef idx="2">
-                <a:schemeClr val="accent3">
-                  <a:shade val="50000"/>
-                </a:schemeClr>
-              </a:lnRef>
-              <a:fillRef idx="1">
-                <a:schemeClr val="accent3"/>
-              </a:fillRef>
-              <a:effectRef idx="0">
-                <a:schemeClr val="accent3"/>
-              </a:effectRef>
-              <a:fontRef idx="minor">
-                <a:schemeClr val="lt1"/>
-              </a:fontRef>
-            </p:style>
             <p:txBody>
-              <a:bodyPr rtlCol="0" anchor="ctr"/>
+              <a:bodyPr wrap="square" rtlCol="0">
+                <a:spAutoFit/>
+              </a:bodyPr>
               <a:lstStyle/>
               <a:p>
-                <a:pPr algn="ctr"/>
                 <a:r>
                   <a:rPr lang="en-US" altLang="zh-CN" dirty="0">
-                    <a:solidFill>
-                      <a:schemeClr val="tx1"/>
-                    </a:solidFill>
+                    <a:latin typeface="Times New Roman" panose="02020603050405020304" pitchFamily="18" charset="0"/>
+                    <a:cs typeface="Times New Roman" panose="02020603050405020304" pitchFamily="18" charset="0"/>
                   </a:rPr>
-                  <a:t>Field B</a:t>
+                  <a:t>Packet ID</a:t>
                 </a:r>
-                <a:endParaRPr lang="zh-CN" altLang="en-US" dirty="0">
-                  <a:solidFill>
-                    <a:schemeClr val="tx1"/>
-                  </a:solidFill>
+                <a:r>
+                  <a:rPr lang="en-US" altLang="zh-CN" baseline="-25000" dirty="0">
+                    <a:latin typeface="Times New Roman" panose="02020603050405020304" pitchFamily="18" charset="0"/>
+                    <a:cs typeface="Times New Roman" panose="02020603050405020304" pitchFamily="18" charset="0"/>
+                  </a:rPr>
+                  <a:t>2</a:t>
+                </a:r>
+                <a:endParaRPr lang="zh-CN" altLang="en-US" baseline="-25000" dirty="0">
+                  <a:latin typeface="Times New Roman" panose="02020603050405020304" pitchFamily="18" charset="0"/>
+                  <a:cs typeface="Times New Roman" panose="02020603050405020304" pitchFamily="18" charset="0"/>
                 </a:endParaRPr>
               </a:p>
             </p:txBody>
           </p:sp>
           <p:sp>
             <p:nvSpPr>
-              <p:cNvPr id="32" name="矩形 31"/>
-              <p:cNvSpPr/>
+              <p:cNvPr id="60" name="文本框 59"/>
+              <p:cNvSpPr txBox="1"/>
               <p:nvPr/>
             </p:nvSpPr>
             <p:spPr>
               <a:xfrm>
-                <a:off x="1222310" y="2258008"/>
-                <a:ext cx="1035698" cy="494522"/>
+                <a:off x="905069" y="4625263"/>
+                <a:ext cx="1670180" cy="369332"/>
               </a:xfrm>
               <a:prstGeom prst="rect">
                 <a:avLst/>
               </a:prstGeom>
-              <a:solidFill>
-                <a:srgbClr val="9DC3E6"/>
-              </a:solidFill>
+              <a:noFill/>
             </p:spPr>
-            <p:style>
-              <a:lnRef idx="2">
-                <a:schemeClr val="accent1">
-                  <a:shade val="50000"/>
-                </a:schemeClr>
-              </a:lnRef>
-              <a:fillRef idx="1">
-                <a:schemeClr val="accent1"/>
-              </a:fillRef>
-              <a:effectRef idx="0">
-                <a:schemeClr val="accent1"/>
-              </a:effectRef>
-              <a:fontRef idx="minor">
-                <a:schemeClr val="lt1"/>
-              </a:fontRef>
-            </p:style>
             <p:txBody>
-              <a:bodyPr rtlCol="0" anchor="ctr"/>
+              <a:bodyPr wrap="square" rtlCol="0">
+                <a:spAutoFit/>
+              </a:bodyPr>
               <a:lstStyle/>
               <a:p>
-                <a:pPr algn="ctr"/>
                 <a:r>
                   <a:rPr lang="en-US" altLang="zh-CN" dirty="0">
-                    <a:solidFill>
-                      <a:schemeClr val="tx1"/>
-                    </a:solidFill>
+                    <a:latin typeface="Times New Roman" panose="02020603050405020304" pitchFamily="18" charset="0"/>
+                    <a:cs typeface="Times New Roman" panose="02020603050405020304" pitchFamily="18" charset="0"/>
                   </a:rPr>
-                  <a:t>Field C</a:t>
+                  <a:t>Original packet</a:t>
                 </a:r>
                 <a:endParaRPr lang="zh-CN" altLang="en-US" dirty="0">
-                  <a:solidFill>
-                    <a:schemeClr val="tx1"/>
-                  </a:solidFill>
+                  <a:latin typeface="Times New Roman" panose="02020603050405020304" pitchFamily="18" charset="0"/>
+                  <a:cs typeface="Times New Roman" panose="02020603050405020304" pitchFamily="18" charset="0"/>
                 </a:endParaRPr>
               </a:p>
             </p:txBody>
           </p:sp>
           <p:sp>
             <p:nvSpPr>
-              <p:cNvPr id="33" name="矩形 32"/>
-              <p:cNvSpPr/>
+              <p:cNvPr id="61" name="文本框 60"/>
+              <p:cNvSpPr txBox="1"/>
               <p:nvPr/>
             </p:nvSpPr>
             <p:spPr>
               <a:xfrm>
-                <a:off x="1222310" y="2752531"/>
-                <a:ext cx="1035698" cy="494522"/>
+                <a:off x="7898362" y="4612039"/>
+                <a:ext cx="1256524" cy="369332"/>
               </a:xfrm>
               <a:prstGeom prst="rect">
                 <a:avLst/>
               </a:prstGeom>
-              <a:solidFill>
-                <a:schemeClr val="accent6">
-                  <a:lumMod val="60000"/>
-                  <a:lumOff val="40000"/>
-                </a:schemeClr>
-              </a:solidFill>
+              <a:noFill/>
             </p:spPr>
-            <p:style>
-              <a:lnRef idx="2">
-                <a:schemeClr val="accent1">
-                  <a:shade val="50000"/>
-                </a:schemeClr>
-              </a:lnRef>
-              <a:fillRef idx="1">
-                <a:schemeClr val="accent1"/>
-              </a:fillRef>
-              <a:effectRef idx="0">
-                <a:schemeClr val="accent1"/>
-              </a:effectRef>
-              <a:fontRef idx="minor">
-                <a:schemeClr val="lt1"/>
-              </a:fontRef>
-            </p:style>
             <p:txBody>
-              <a:bodyPr rot="0" spcFirstLastPara="0" vertOverflow="overflow" horzOverflow="overflow" vert="horz" wrap="square" lIns="91440" tIns="45720" rIns="91440" bIns="45720" numCol="1" spcCol="0" rtlCol="0" fromWordArt="0" anchor="ctr" anchorCtr="0" forceAA="0" compatLnSpc="1">
-                <a:prstTxWarp prst="textNoShape">
-                  <a:avLst/>
-                </a:prstTxWarp>
-                <a:noAutofit/>
+              <a:bodyPr wrap="square" rtlCol="0">
+                <a:spAutoFit/>
               </a:bodyPr>
               <a:lstStyle/>
               <a:p>
-                <a:pPr algn="ctr"/>
                 <a:r>
                   <a:rPr lang="en-US" altLang="zh-CN" dirty="0">
-                    <a:solidFill>
-                      <a:schemeClr val="tx1"/>
-                    </a:solidFill>
+                    <a:latin typeface="Times New Roman" panose="02020603050405020304" pitchFamily="18" charset="0"/>
+                    <a:cs typeface="Times New Roman" panose="02020603050405020304" pitchFamily="18" charset="0"/>
                   </a:rPr>
-                  <a:t>Field D</a:t>
+                  <a:t>Final result</a:t>
                 </a:r>
                 <a:endParaRPr lang="zh-CN" altLang="en-US" dirty="0">
-                  <a:solidFill>
-                    <a:schemeClr val="tx1"/>
-                  </a:solidFill>
+                  <a:latin typeface="Times New Roman" panose="02020603050405020304" pitchFamily="18" charset="0"/>
+                  <a:cs typeface="Times New Roman" panose="02020603050405020304" pitchFamily="18" charset="0"/>
                 </a:endParaRPr>
               </a:p>
             </p:txBody>
           </p:sp>
           <p:sp>
             <p:nvSpPr>
-              <p:cNvPr id="34" name="矩形 33"/>
-              <p:cNvSpPr/>
+              <p:cNvPr id="62" name="文本框 61"/>
+              <p:cNvSpPr txBox="1"/>
               <p:nvPr/>
             </p:nvSpPr>
             <p:spPr>
-              <a:xfrm>
-                <a:off x="1222310" y="3247052"/>
-                <a:ext cx="1035698" cy="494522"/>
+              <a:xfrm rot="2269425">
+                <a:off x="6367317" y="2010142"/>
+                <a:ext cx="886408" cy="369332"/>
               </a:xfrm>
               <a:prstGeom prst="rect">
                 <a:avLst/>
               </a:prstGeom>
-              <a:solidFill>
-                <a:srgbClr val="9DC3E6"/>
-              </a:solidFill>
+              <a:noFill/>
             </p:spPr>
-            <p:style>
-              <a:lnRef idx="2">
-                <a:schemeClr val="accent1">
-                  <a:shade val="50000"/>
-                </a:schemeClr>
-              </a:lnRef>
-              <a:fillRef idx="1">
-                <a:schemeClr val="accent1"/>
-              </a:fillRef>
-              <a:effectRef idx="0">
-                <a:schemeClr val="accent1"/>
-              </a:effectRef>
-              <a:fontRef idx="minor">
-                <a:schemeClr val="lt1"/>
-              </a:fontRef>
-            </p:style>
             <p:txBody>
-              <a:bodyPr rot="0" spcFirstLastPara="0" vertOverflow="overflow" horzOverflow="overflow" vert="eaVert" wrap="square" lIns="91440" tIns="45720" rIns="91440" bIns="45720" numCol="1" spcCol="0" rtlCol="0" fromWordArt="0" anchor="ctr" anchorCtr="0" forceAA="0" compatLnSpc="1">
-                <a:prstTxWarp prst="textNoShape">
-                  <a:avLst/>
-                </a:prstTxWarp>
-                <a:noAutofit/>
+              <a:bodyPr wrap="square" rtlCol="0">
+                <a:spAutoFit/>
               </a:bodyPr>
               <a:lstStyle/>
               <a:p>
-                <a:pPr algn="ctr"/>
                 <a:r>
                   <a:rPr lang="en-US" altLang="zh-CN" dirty="0">
-                    <a:solidFill>
-                      <a:schemeClr val="tx1"/>
-                    </a:solidFill>
+                    <a:latin typeface="Times New Roman" panose="02020603050405020304" pitchFamily="18" charset="0"/>
+                    <a:cs typeface="Times New Roman" panose="02020603050405020304" pitchFamily="18" charset="0"/>
                   </a:rPr>
-                  <a:t>…</a:t>
+                  <a:t>Output</a:t>
                 </a:r>
                 <a:endParaRPr lang="zh-CN" altLang="en-US" dirty="0">
-                  <a:solidFill>
-                    <a:schemeClr val="tx1"/>
-                  </a:solidFill>
+                  <a:latin typeface="Times New Roman" panose="02020603050405020304" pitchFamily="18" charset="0"/>
+                  <a:cs typeface="Times New Roman" panose="02020603050405020304" pitchFamily="18" charset="0"/>
+                </a:endParaRPr>
+              </a:p>
+            </p:txBody>
+          </p:sp>
+          <p:sp>
+            <p:nvSpPr>
+              <p:cNvPr id="63" name="文本框 62"/>
+              <p:cNvSpPr txBox="1"/>
+              <p:nvPr/>
+            </p:nvSpPr>
+            <p:spPr>
+              <a:xfrm rot="19487007">
+                <a:off x="6362068" y="3795410"/>
+                <a:ext cx="886408" cy="369332"/>
+              </a:xfrm>
+              <a:prstGeom prst="rect">
+                <a:avLst/>
+              </a:prstGeom>
+              <a:noFill/>
+            </p:spPr>
+            <p:txBody>
+              <a:bodyPr wrap="square" rtlCol="0">
+                <a:spAutoFit/>
+              </a:bodyPr>
+              <a:lstStyle/>
+              <a:p>
+                <a:r>
+                  <a:rPr lang="en-US" altLang="zh-CN" dirty="0">
+                    <a:latin typeface="Times New Roman" panose="02020603050405020304" pitchFamily="18" charset="0"/>
+                    <a:cs typeface="Times New Roman" panose="02020603050405020304" pitchFamily="18" charset="0"/>
+                  </a:rPr>
+                  <a:t>Output</a:t>
+                </a:r>
+                <a:endParaRPr lang="zh-CN" altLang="en-US" dirty="0">
+                  <a:latin typeface="Times New Roman" panose="02020603050405020304" pitchFamily="18" charset="0"/>
+                  <a:cs typeface="Times New Roman" panose="02020603050405020304" pitchFamily="18" charset="0"/>
                 </a:endParaRPr>
               </a:p>
             </p:txBody>
@@ -10544,732 +14013,155 @@
         </p:grpSp>
         <p:sp>
           <p:nvSpPr>
-            <p:cNvPr id="41" name="矩形 40"/>
-            <p:cNvSpPr/>
+            <p:cNvPr id="6" name="文本框 5"/>
+            <p:cNvSpPr txBox="1"/>
             <p:nvPr/>
           </p:nvSpPr>
           <p:spPr>
             <a:xfrm>
-              <a:off x="4204995" y="6372806"/>
-              <a:ext cx="1035698" cy="494522"/>
+              <a:off x="7387688" y="5005663"/>
+              <a:ext cx="1267486" cy="369332"/>
             </a:xfrm>
             <a:prstGeom prst="rect">
               <a:avLst/>
             </a:prstGeom>
-            <a:solidFill>
-              <a:srgbClr val="9DC3E6"/>
-            </a:solidFill>
+            <a:noFill/>
           </p:spPr>
-          <p:style>
-            <a:lnRef idx="2">
-              <a:schemeClr val="accent1">
-                <a:shade val="50000"/>
-              </a:schemeClr>
-            </a:lnRef>
-            <a:fillRef idx="1">
-              <a:schemeClr val="accent1"/>
-            </a:fillRef>
-            <a:effectRef idx="0">
-              <a:schemeClr val="accent1"/>
-            </a:effectRef>
-            <a:fontRef idx="minor">
-              <a:schemeClr val="lt1"/>
-            </a:fontRef>
-          </p:style>
           <p:txBody>
-            <a:bodyPr rot="0" spcFirstLastPara="0" vertOverflow="overflow" horzOverflow="overflow" vert="eaVert" wrap="square" lIns="91440" tIns="45720" rIns="91440" bIns="45720" numCol="1" spcCol="0" rtlCol="0" fromWordArt="0" anchor="ctr" anchorCtr="0" forceAA="0" compatLnSpc="1">
-              <a:prstTxWarp prst="textNoShape">
-                <a:avLst/>
-              </a:prstTxWarp>
-              <a:noAutofit/>
+            <a:bodyPr wrap="square" rtlCol="0">
+              <a:spAutoFit/>
             </a:bodyPr>
             <a:lstStyle/>
             <a:p>
-              <a:pPr algn="ctr"/>
               <a:r>
-                <a:rPr lang="en-US" altLang="zh-CN" dirty="0">
-                  <a:solidFill>
-                    <a:schemeClr val="tx1"/>
-                  </a:solidFill>
+                <a:rPr lang="en-US" altLang="zh-CN" dirty="0" smtClean="0">
+                  <a:latin typeface="Times New Roman" panose="02020603050405020304" pitchFamily="18" charset="0"/>
+                  <a:cs typeface="Times New Roman" panose="02020603050405020304" pitchFamily="18" charset="0"/>
                 </a:rPr>
-                <a:t>…</a:t>
+                <a:t>ID</a:t>
+              </a:r>
+              <a:r>
+                <a:rPr lang="en-US" altLang="zh-CN" baseline="-25000" dirty="0" smtClean="0">
+                  <a:latin typeface="Times New Roman" panose="02020603050405020304" pitchFamily="18" charset="0"/>
+                  <a:cs typeface="Times New Roman" panose="02020603050405020304" pitchFamily="18" charset="0"/>
+                </a:rPr>
+                <a:t>1</a:t>
+              </a:r>
+              <a:r>
+                <a:rPr lang="en-US" altLang="zh-CN" dirty="0" smtClean="0">
+                  <a:latin typeface="Times New Roman" panose="02020603050405020304" pitchFamily="18" charset="0"/>
+                  <a:cs typeface="Times New Roman" panose="02020603050405020304" pitchFamily="18" charset="0"/>
+                </a:rPr>
+                <a:t>.Field A</a:t>
               </a:r>
               <a:endParaRPr lang="zh-CN" altLang="en-US" dirty="0">
-                <a:solidFill>
-                  <a:schemeClr val="tx1"/>
-                </a:solidFill>
-              </a:endParaRPr>
-            </a:p>
-          </p:txBody>
-        </p:sp>
-      </p:grpSp>
-      <p:grpSp>
-        <p:nvGrpSpPr>
-          <p:cNvPr id="42" name="组合 41"/>
-          <p:cNvGrpSpPr/>
-          <p:nvPr/>
-        </p:nvGrpSpPr>
-        <p:grpSpPr>
-          <a:xfrm>
-            <a:off x="8008775" y="2090059"/>
-            <a:ext cx="1035698" cy="2472610"/>
-            <a:chOff x="1222310" y="1268964"/>
-            <a:chExt cx="1035698" cy="2472610"/>
-          </a:xfrm>
-        </p:grpSpPr>
-        <p:sp>
-          <p:nvSpPr>
-            <p:cNvPr id="43" name="矩形 42"/>
-            <p:cNvSpPr/>
-            <p:nvPr/>
-          </p:nvSpPr>
-          <p:spPr>
-            <a:xfrm>
-              <a:off x="1222310" y="1268964"/>
-              <a:ext cx="1035698" cy="494522"/>
-            </a:xfrm>
-            <a:prstGeom prst="rect">
-              <a:avLst/>
-            </a:prstGeom>
-            <a:solidFill>
-              <a:schemeClr val="accent4">
-                <a:lumMod val="60000"/>
-                <a:lumOff val="40000"/>
-              </a:schemeClr>
-            </a:solidFill>
-          </p:spPr>
-          <p:style>
-            <a:lnRef idx="2">
-              <a:schemeClr val="accent1">
-                <a:shade val="50000"/>
-              </a:schemeClr>
-            </a:lnRef>
-            <a:fillRef idx="1">
-              <a:schemeClr val="accent1"/>
-            </a:fillRef>
-            <a:effectRef idx="0">
-              <a:schemeClr val="accent1"/>
-            </a:effectRef>
-            <a:fontRef idx="minor">
-              <a:schemeClr val="lt1"/>
-            </a:fontRef>
-          </p:style>
-          <p:txBody>
-            <a:bodyPr rtlCol="0" anchor="ctr"/>
-            <a:lstStyle/>
-            <a:p>
-              <a:pPr algn="ctr"/>
-              <a:r>
-                <a:rPr lang="en-US" altLang="zh-CN" dirty="0">
-                  <a:solidFill>
-                    <a:schemeClr val="tx1"/>
-                  </a:solidFill>
-                </a:rPr>
-                <a:t>Field A</a:t>
-              </a:r>
-              <a:r>
-                <a:rPr lang="en-US" altLang="zh-CN" baseline="-25000" dirty="0">
-                  <a:solidFill>
-                    <a:schemeClr val="tx1"/>
-                  </a:solidFill>
-                </a:rPr>
-                <a:t>2</a:t>
-              </a:r>
-              <a:endParaRPr lang="zh-CN" altLang="en-US" baseline="-25000" dirty="0">
-                <a:solidFill>
-                  <a:schemeClr val="tx1"/>
-                </a:solidFill>
+                <a:latin typeface="Times New Roman" panose="02020603050405020304" pitchFamily="18" charset="0"/>
+                <a:cs typeface="Times New Roman" panose="02020603050405020304" pitchFamily="18" charset="0"/>
               </a:endParaRPr>
             </a:p>
           </p:txBody>
         </p:sp>
         <p:sp>
           <p:nvSpPr>
-            <p:cNvPr id="44" name="矩形 43"/>
-            <p:cNvSpPr/>
+            <p:cNvPr id="40" name="文本框 39"/>
+            <p:cNvSpPr txBox="1"/>
             <p:nvPr/>
           </p:nvSpPr>
           <p:spPr>
             <a:xfrm>
-              <a:off x="1222310" y="1763486"/>
-              <a:ext cx="1035698" cy="494522"/>
+              <a:off x="7387688" y="5378115"/>
+              <a:ext cx="2027916" cy="369332"/>
             </a:xfrm>
             <a:prstGeom prst="rect">
               <a:avLst/>
             </a:prstGeom>
-            <a:solidFill>
-              <a:schemeClr val="accent2">
-                <a:lumMod val="60000"/>
-                <a:lumOff val="40000"/>
-              </a:schemeClr>
-            </a:solidFill>
+            <a:noFill/>
           </p:spPr>
-          <p:style>
-            <a:lnRef idx="2">
-              <a:schemeClr val="accent1">
-                <a:shade val="50000"/>
-              </a:schemeClr>
-            </a:lnRef>
-            <a:fillRef idx="1">
-              <a:schemeClr val="accent1"/>
-            </a:fillRef>
-            <a:effectRef idx="0">
-              <a:schemeClr val="accent1"/>
-            </a:effectRef>
-            <a:fontRef idx="minor">
-              <a:schemeClr val="lt1"/>
-            </a:fontRef>
-          </p:style>
           <p:txBody>
-            <a:bodyPr rtlCol="0" anchor="ctr"/>
+            <a:bodyPr wrap="square" rtlCol="0">
+              <a:spAutoFit/>
+            </a:bodyPr>
             <a:lstStyle/>
             <a:p>
-              <a:pPr algn="ctr"/>
               <a:r>
-                <a:rPr lang="en-US" altLang="zh-CN" dirty="0">
-                  <a:solidFill>
-                    <a:schemeClr val="tx1"/>
-                  </a:solidFill>
+                <a:rPr lang="en-US" altLang="zh-CN" dirty="0" smtClean="0">
+                  <a:latin typeface="Times New Roman" panose="02020603050405020304" pitchFamily="18" charset="0"/>
+                  <a:cs typeface="Times New Roman" panose="02020603050405020304" pitchFamily="18" charset="0"/>
                 </a:rPr>
-                <a:t>Field C</a:t>
+                <a:t>ID</a:t>
               </a:r>
               <a:r>
-                <a:rPr lang="en-US" altLang="zh-CN" baseline="-25000" dirty="0">
-                  <a:solidFill>
-                    <a:schemeClr val="tx1"/>
-                  </a:solidFill>
+                <a:rPr lang="en-US" altLang="zh-CN" baseline="-25000" dirty="0" smtClean="0">
+                  <a:latin typeface="Times New Roman" panose="02020603050405020304" pitchFamily="18" charset="0"/>
+                  <a:cs typeface="Times New Roman" panose="02020603050405020304" pitchFamily="18" charset="0"/>
                 </a:rPr>
-                <a:t>1</a:t>
+                <a:t>2</a:t>
               </a:r>
-              <a:endParaRPr lang="zh-CN" altLang="en-US" baseline="-25000" dirty="0">
-                <a:solidFill>
-                  <a:schemeClr val="tx1"/>
-                </a:solidFill>
+              <a:r>
+                <a:rPr lang="en-US" altLang="zh-CN" dirty="0" smtClean="0">
+                  <a:latin typeface="Times New Roman" panose="02020603050405020304" pitchFamily="18" charset="0"/>
+                  <a:cs typeface="Times New Roman" panose="02020603050405020304" pitchFamily="18" charset="0"/>
+                </a:rPr>
+                <a:t>.remove Field B</a:t>
+              </a:r>
+              <a:endParaRPr lang="zh-CN" altLang="en-US" dirty="0">
+                <a:latin typeface="Times New Roman" panose="02020603050405020304" pitchFamily="18" charset="0"/>
+                <a:cs typeface="Times New Roman" panose="02020603050405020304" pitchFamily="18" charset="0"/>
               </a:endParaRPr>
             </a:p>
           </p:txBody>
         </p:sp>
         <p:sp>
           <p:nvSpPr>
-            <p:cNvPr id="45" name="矩形 44"/>
-            <p:cNvSpPr/>
+            <p:cNvPr id="50" name="文本框 49"/>
+            <p:cNvSpPr txBox="1"/>
             <p:nvPr/>
           </p:nvSpPr>
           <p:spPr>
             <a:xfrm>
-              <a:off x="1222310" y="2258008"/>
-              <a:ext cx="1035698" cy="494522"/>
+              <a:off x="7387688" y="5747447"/>
+              <a:ext cx="2027916" cy="369332"/>
             </a:xfrm>
             <a:prstGeom prst="rect">
               <a:avLst/>
             </a:prstGeom>
-            <a:solidFill>
-              <a:schemeClr val="accent6">
-                <a:lumMod val="60000"/>
-                <a:lumOff val="40000"/>
-              </a:schemeClr>
-            </a:solidFill>
+            <a:noFill/>
           </p:spPr>
-          <p:style>
-            <a:lnRef idx="2">
-              <a:schemeClr val="accent1">
-                <a:shade val="50000"/>
-              </a:schemeClr>
-            </a:lnRef>
-            <a:fillRef idx="1">
-              <a:schemeClr val="accent1"/>
-            </a:fillRef>
-            <a:effectRef idx="0">
-              <a:schemeClr val="accent1"/>
-            </a:effectRef>
-            <a:fontRef idx="minor">
-              <a:schemeClr val="lt1"/>
-            </a:fontRef>
-          </p:style>
           <p:txBody>
-            <a:bodyPr rtlCol="0" anchor="ctr"/>
-            <a:lstStyle/>
-            <a:p>
-              <a:pPr algn="ctr"/>
-              <a:r>
-                <a:rPr lang="en-US" altLang="zh-CN" dirty="0">
-                  <a:solidFill>
-                    <a:schemeClr val="tx1"/>
-                  </a:solidFill>
-                </a:rPr>
-                <a:t>Field D</a:t>
-              </a:r>
-              <a:endParaRPr lang="zh-CN" altLang="en-US" dirty="0">
-                <a:solidFill>
-                  <a:schemeClr val="tx1"/>
-                </a:solidFill>
-              </a:endParaRPr>
-            </a:p>
-          </p:txBody>
-        </p:sp>
-        <p:sp>
-          <p:nvSpPr>
-            <p:cNvPr id="46" name="矩形 45"/>
-            <p:cNvSpPr/>
-            <p:nvPr/>
-          </p:nvSpPr>
-          <p:spPr>
-            <a:xfrm>
-              <a:off x="1222310" y="2752531"/>
-              <a:ext cx="1035698" cy="494522"/>
-            </a:xfrm>
-            <a:prstGeom prst="rect">
-              <a:avLst/>
-            </a:prstGeom>
-            <a:solidFill>
-              <a:srgbClr val="9DC3E6"/>
-            </a:solidFill>
-          </p:spPr>
-          <p:style>
-            <a:lnRef idx="2">
-              <a:schemeClr val="accent1">
-                <a:shade val="50000"/>
-              </a:schemeClr>
-            </a:lnRef>
-            <a:fillRef idx="1">
-              <a:schemeClr val="accent1"/>
-            </a:fillRef>
-            <a:effectRef idx="0">
-              <a:schemeClr val="accent1"/>
-            </a:effectRef>
-            <a:fontRef idx="minor">
-              <a:schemeClr val="lt1"/>
-            </a:fontRef>
-          </p:style>
-          <p:txBody>
-            <a:bodyPr rot="0" spcFirstLastPara="0" vertOverflow="overflow" horzOverflow="overflow" vert="eaVert" wrap="square" lIns="91440" tIns="45720" rIns="91440" bIns="45720" numCol="1" spcCol="0" rtlCol="0" fromWordArt="0" anchor="ctr" anchorCtr="0" forceAA="0" compatLnSpc="1">
-              <a:prstTxWarp prst="textNoShape">
-                <a:avLst/>
-              </a:prstTxWarp>
-              <a:noAutofit/>
+            <a:bodyPr wrap="square" rtlCol="0">
+              <a:spAutoFit/>
             </a:bodyPr>
             <a:lstStyle/>
             <a:p>
-              <a:pPr algn="ctr"/>
               <a:r>
-                <a:rPr lang="en-US" altLang="zh-CN" dirty="0">
-                  <a:solidFill>
-                    <a:schemeClr val="tx1"/>
-                  </a:solidFill>
+                <a:rPr lang="en-US" altLang="zh-CN" dirty="0" smtClean="0">
+                  <a:latin typeface="Times New Roman" panose="02020603050405020304" pitchFamily="18" charset="0"/>
+                  <a:cs typeface="Times New Roman" panose="02020603050405020304" pitchFamily="18" charset="0"/>
                 </a:rPr>
-                <a:t>…</a:t>
+                <a:t>ID</a:t>
+              </a:r>
+              <a:r>
+                <a:rPr lang="en-US" altLang="zh-CN" baseline="-25000" dirty="0" smtClean="0">
+                  <a:latin typeface="Times New Roman" panose="02020603050405020304" pitchFamily="18" charset="0"/>
+                  <a:cs typeface="Times New Roman" panose="02020603050405020304" pitchFamily="18" charset="0"/>
+                </a:rPr>
+                <a:t>2</a:t>
+              </a:r>
+              <a:r>
+                <a:rPr lang="en-US" altLang="zh-CN" dirty="0" smtClean="0">
+                  <a:latin typeface="Times New Roman" panose="02020603050405020304" pitchFamily="18" charset="0"/>
+                  <a:cs typeface="Times New Roman" panose="02020603050405020304" pitchFamily="18" charset="0"/>
+                </a:rPr>
+                <a:t>.add Field D</a:t>
               </a:r>
               <a:endParaRPr lang="zh-CN" altLang="en-US" dirty="0">
-                <a:solidFill>
-                  <a:schemeClr val="tx1"/>
-                </a:solidFill>
-              </a:endParaRPr>
-            </a:p>
-          </p:txBody>
-        </p:sp>
-        <p:sp>
-          <p:nvSpPr>
-            <p:cNvPr id="47" name="矩形 46"/>
-            <p:cNvSpPr/>
-            <p:nvPr/>
-          </p:nvSpPr>
-          <p:spPr>
-            <a:xfrm>
-              <a:off x="1222310" y="3247052"/>
-              <a:ext cx="1035698" cy="494522"/>
-            </a:xfrm>
-            <a:prstGeom prst="rect">
-              <a:avLst/>
-            </a:prstGeom>
-            <a:solidFill>
-              <a:srgbClr val="9DC3E6"/>
-            </a:solidFill>
-          </p:spPr>
-          <p:style>
-            <a:lnRef idx="2">
-              <a:schemeClr val="accent1">
-                <a:shade val="50000"/>
-              </a:schemeClr>
-            </a:lnRef>
-            <a:fillRef idx="1">
-              <a:schemeClr val="accent1"/>
-            </a:fillRef>
-            <a:effectRef idx="0">
-              <a:schemeClr val="accent1"/>
-            </a:effectRef>
-            <a:fontRef idx="minor">
-              <a:schemeClr val="lt1"/>
-            </a:fontRef>
-          </p:style>
-          <p:txBody>
-            <a:bodyPr rot="0" spcFirstLastPara="0" vertOverflow="overflow" horzOverflow="overflow" vert="eaVert" wrap="square" lIns="91440" tIns="45720" rIns="91440" bIns="45720" numCol="1" spcCol="0" rtlCol="0" fromWordArt="0" anchor="ctr" anchorCtr="0" forceAA="0" compatLnSpc="1">
-              <a:prstTxWarp prst="textNoShape">
-                <a:avLst/>
-              </a:prstTxWarp>
-              <a:noAutofit/>
-            </a:bodyPr>
-            <a:lstStyle/>
-            <a:p>
-              <a:pPr algn="ctr"/>
-              <a:r>
-                <a:rPr lang="en-US" altLang="zh-CN" dirty="0">
-                  <a:solidFill>
-                    <a:schemeClr val="tx1"/>
-                  </a:solidFill>
-                </a:rPr>
-                <a:t>…</a:t>
-              </a:r>
-              <a:endParaRPr lang="zh-CN" altLang="en-US" dirty="0">
-                <a:solidFill>
-                  <a:schemeClr val="tx1"/>
-                </a:solidFill>
+                <a:latin typeface="Times New Roman" panose="02020603050405020304" pitchFamily="18" charset="0"/>
+                <a:cs typeface="Times New Roman" panose="02020603050405020304" pitchFamily="18" charset="0"/>
               </a:endParaRPr>
             </a:p>
           </p:txBody>
         </p:sp>
       </p:grpSp>
-      <p:cxnSp>
-        <p:nvCxnSpPr>
-          <p:cNvPr id="48" name="直接箭头连接符 47"/>
-          <p:cNvCxnSpPr>
-            <a:stCxn id="20" idx="3"/>
-            <a:endCxn id="26" idx="1"/>
-          </p:cNvCxnSpPr>
-          <p:nvPr/>
-        </p:nvCxnSpPr>
-        <p:spPr>
-          <a:xfrm flipV="1">
-            <a:off x="2258008" y="1595537"/>
-            <a:ext cx="2357534" cy="1730827"/>
-          </a:xfrm>
-          <a:prstGeom prst="straightConnector1">
-            <a:avLst/>
-          </a:prstGeom>
-          <a:ln w="12700">
-            <a:solidFill>
-              <a:schemeClr val="tx1"/>
-            </a:solidFill>
-            <a:tailEnd type="triangle"/>
-          </a:ln>
-        </p:spPr>
-        <p:style>
-          <a:lnRef idx="1">
-            <a:schemeClr val="accent1"/>
-          </a:lnRef>
-          <a:fillRef idx="0">
-            <a:schemeClr val="accent1"/>
-          </a:fillRef>
-          <a:effectRef idx="0">
-            <a:schemeClr val="accent1"/>
-          </a:effectRef>
-          <a:fontRef idx="minor">
-            <a:schemeClr val="tx1"/>
-          </a:fontRef>
-        </p:style>
-      </p:cxnSp>
-      <p:cxnSp>
-        <p:nvCxnSpPr>
-          <p:cNvPr id="49" name="直接箭头连接符 48"/>
-          <p:cNvCxnSpPr>
-            <a:stCxn id="20" idx="3"/>
-          </p:cNvCxnSpPr>
-          <p:nvPr/>
-        </p:nvCxnSpPr>
-        <p:spPr>
-          <a:xfrm>
-            <a:off x="2258008" y="3326364"/>
-            <a:ext cx="2357534" cy="1730826"/>
-          </a:xfrm>
-          <a:prstGeom prst="straightConnector1">
-            <a:avLst/>
-          </a:prstGeom>
-          <a:ln w="12700">
-            <a:solidFill>
-              <a:schemeClr val="tx1"/>
-            </a:solidFill>
-            <a:tailEnd type="triangle"/>
-          </a:ln>
-        </p:spPr>
-        <p:style>
-          <a:lnRef idx="1">
-            <a:schemeClr val="accent1"/>
-          </a:lnRef>
-          <a:fillRef idx="0">
-            <a:schemeClr val="accent1"/>
-          </a:fillRef>
-          <a:effectRef idx="0">
-            <a:schemeClr val="accent1"/>
-          </a:effectRef>
-          <a:fontRef idx="minor">
-            <a:schemeClr val="tx1"/>
-          </a:fontRef>
-        </p:style>
-      </p:cxnSp>
-      <p:cxnSp>
-        <p:nvCxnSpPr>
-          <p:cNvPr id="52" name="直接箭头连接符 51"/>
-          <p:cNvCxnSpPr>
-            <a:stCxn id="26" idx="3"/>
-            <a:endCxn id="45" idx="1"/>
-          </p:cNvCxnSpPr>
-          <p:nvPr/>
-        </p:nvCxnSpPr>
-        <p:spPr>
-          <a:xfrm>
-            <a:off x="5651240" y="1595537"/>
-            <a:ext cx="2357535" cy="1730827"/>
-          </a:xfrm>
-          <a:prstGeom prst="straightConnector1">
-            <a:avLst/>
-          </a:prstGeom>
-          <a:ln w="12700">
-            <a:solidFill>
-              <a:schemeClr val="tx1"/>
-            </a:solidFill>
-            <a:tailEnd type="triangle"/>
-          </a:ln>
-        </p:spPr>
-        <p:style>
-          <a:lnRef idx="1">
-            <a:schemeClr val="accent1"/>
-          </a:lnRef>
-          <a:fillRef idx="0">
-            <a:schemeClr val="accent1"/>
-          </a:fillRef>
-          <a:effectRef idx="0">
-            <a:schemeClr val="accent1"/>
-          </a:effectRef>
-          <a:fontRef idx="minor">
-            <a:schemeClr val="tx1"/>
-          </a:fontRef>
-        </p:style>
-      </p:cxnSp>
-      <p:cxnSp>
-        <p:nvCxnSpPr>
-          <p:cNvPr id="55" name="直接箭头连接符 54"/>
-          <p:cNvCxnSpPr>
-            <a:endCxn id="45" idx="1"/>
-          </p:cNvCxnSpPr>
-          <p:nvPr/>
-        </p:nvCxnSpPr>
-        <p:spPr>
-          <a:xfrm flipV="1">
-            <a:off x="5651240" y="3326364"/>
-            <a:ext cx="2357535" cy="1730826"/>
-          </a:xfrm>
-          <a:prstGeom prst="straightConnector1">
-            <a:avLst/>
-          </a:prstGeom>
-          <a:ln w="12700">
-            <a:solidFill>
-              <a:schemeClr val="tx1"/>
-            </a:solidFill>
-            <a:tailEnd type="triangle"/>
-          </a:ln>
-        </p:spPr>
-        <p:style>
-          <a:lnRef idx="1">
-            <a:schemeClr val="accent1"/>
-          </a:lnRef>
-          <a:fillRef idx="0">
-            <a:schemeClr val="accent1"/>
-          </a:fillRef>
-          <a:effectRef idx="0">
-            <a:schemeClr val="accent1"/>
-          </a:effectRef>
-          <a:fontRef idx="minor">
-            <a:schemeClr val="tx1"/>
-          </a:fontRef>
-        </p:style>
-      </p:cxnSp>
-      <p:sp>
-        <p:nvSpPr>
-          <p:cNvPr id="58" name="文本框 57"/>
-          <p:cNvSpPr txBox="1"/>
-          <p:nvPr/>
-        </p:nvSpPr>
-        <p:spPr>
-          <a:xfrm rot="19415549">
-            <a:off x="2839615" y="2011965"/>
-            <a:ext cx="1194318" cy="369332"/>
-          </a:xfrm>
-          <a:prstGeom prst="rect">
-            <a:avLst/>
-          </a:prstGeom>
-          <a:noFill/>
-        </p:spPr>
-        <p:txBody>
-          <a:bodyPr wrap="square" rtlCol="0">
-            <a:spAutoFit/>
-          </a:bodyPr>
-          <a:lstStyle/>
-          <a:p>
-            <a:r>
-              <a:rPr lang="en-US" altLang="zh-CN" dirty="0"/>
-              <a:t>Packet ID</a:t>
-            </a:r>
-            <a:r>
-              <a:rPr lang="en-US" altLang="zh-CN" baseline="-25000" dirty="0"/>
-              <a:t>1</a:t>
-            </a:r>
-            <a:endParaRPr lang="zh-CN" altLang="en-US" baseline="-25000" dirty="0"/>
-          </a:p>
-        </p:txBody>
-      </p:sp>
-      <p:sp>
-        <p:nvSpPr>
-          <p:cNvPr id="59" name="文本框 58"/>
-          <p:cNvSpPr txBox="1"/>
-          <p:nvPr/>
-        </p:nvSpPr>
-        <p:spPr>
-          <a:xfrm rot="2170752">
-            <a:off x="2839616" y="3758367"/>
-            <a:ext cx="1194318" cy="369332"/>
-          </a:xfrm>
-          <a:prstGeom prst="rect">
-            <a:avLst/>
-          </a:prstGeom>
-          <a:noFill/>
-        </p:spPr>
-        <p:txBody>
-          <a:bodyPr wrap="square" rtlCol="0">
-            <a:spAutoFit/>
-          </a:bodyPr>
-          <a:lstStyle/>
-          <a:p>
-            <a:r>
-              <a:rPr lang="en-US" altLang="zh-CN" dirty="0"/>
-              <a:t>Packet ID</a:t>
-            </a:r>
-            <a:r>
-              <a:rPr lang="en-US" altLang="zh-CN" baseline="-25000" dirty="0"/>
-              <a:t>2</a:t>
-            </a:r>
-            <a:endParaRPr lang="zh-CN" altLang="en-US" baseline="-25000" dirty="0"/>
-          </a:p>
-        </p:txBody>
-      </p:sp>
-      <p:sp>
-        <p:nvSpPr>
-          <p:cNvPr id="60" name="文本框 59"/>
-          <p:cNvSpPr txBox="1"/>
-          <p:nvPr/>
-        </p:nvSpPr>
-        <p:spPr>
-          <a:xfrm>
-            <a:off x="905069" y="4625263"/>
-            <a:ext cx="1670180" cy="369332"/>
-          </a:xfrm>
-          <a:prstGeom prst="rect">
-            <a:avLst/>
-          </a:prstGeom>
-          <a:noFill/>
-        </p:spPr>
-        <p:txBody>
-          <a:bodyPr wrap="square" rtlCol="0">
-            <a:spAutoFit/>
-          </a:bodyPr>
-          <a:lstStyle/>
-          <a:p>
-            <a:r>
-              <a:rPr lang="en-US" altLang="zh-CN" dirty="0"/>
-              <a:t>Original packet</a:t>
-            </a:r>
-            <a:endParaRPr lang="zh-CN" altLang="en-US" dirty="0"/>
-          </a:p>
-        </p:txBody>
-      </p:sp>
-      <p:sp>
-        <p:nvSpPr>
-          <p:cNvPr id="61" name="文本框 60"/>
-          <p:cNvSpPr txBox="1"/>
-          <p:nvPr/>
-        </p:nvSpPr>
-        <p:spPr>
-          <a:xfrm>
-            <a:off x="7898362" y="4612039"/>
-            <a:ext cx="1256524" cy="369332"/>
-          </a:xfrm>
-          <a:prstGeom prst="rect">
-            <a:avLst/>
-          </a:prstGeom>
-          <a:noFill/>
-        </p:spPr>
-        <p:txBody>
-          <a:bodyPr wrap="square" rtlCol="0">
-            <a:spAutoFit/>
-          </a:bodyPr>
-          <a:lstStyle/>
-          <a:p>
-            <a:r>
-              <a:rPr lang="en-US" altLang="zh-CN" dirty="0"/>
-              <a:t>Final result</a:t>
-            </a:r>
-            <a:endParaRPr lang="zh-CN" altLang="en-US" dirty="0"/>
-          </a:p>
-        </p:txBody>
-      </p:sp>
-      <p:sp>
-        <p:nvSpPr>
-          <p:cNvPr id="62" name="文本框 61"/>
-          <p:cNvSpPr txBox="1"/>
-          <p:nvPr/>
-        </p:nvSpPr>
-        <p:spPr>
-          <a:xfrm rot="2269425">
-            <a:off x="6367317" y="2010142"/>
-            <a:ext cx="886408" cy="369332"/>
-          </a:xfrm>
-          <a:prstGeom prst="rect">
-            <a:avLst/>
-          </a:prstGeom>
-          <a:noFill/>
-        </p:spPr>
-        <p:txBody>
-          <a:bodyPr wrap="square" rtlCol="0">
-            <a:spAutoFit/>
-          </a:bodyPr>
-          <a:lstStyle/>
-          <a:p>
-            <a:r>
-              <a:rPr lang="en-US" altLang="zh-CN" dirty="0"/>
-              <a:t>Output</a:t>
-            </a:r>
-            <a:endParaRPr lang="zh-CN" altLang="en-US" dirty="0"/>
-          </a:p>
-        </p:txBody>
-      </p:sp>
-      <p:sp>
-        <p:nvSpPr>
-          <p:cNvPr id="63" name="文本框 62"/>
-          <p:cNvSpPr txBox="1"/>
-          <p:nvPr/>
-        </p:nvSpPr>
-        <p:spPr>
-          <a:xfrm rot="19487007">
-            <a:off x="6362068" y="3795410"/>
-            <a:ext cx="886408" cy="369332"/>
-          </a:xfrm>
-          <a:prstGeom prst="rect">
-            <a:avLst/>
-          </a:prstGeom>
-          <a:noFill/>
-        </p:spPr>
-        <p:txBody>
-          <a:bodyPr wrap="square" rtlCol="0">
-            <a:spAutoFit/>
-          </a:bodyPr>
-          <a:lstStyle/>
-          <a:p>
-            <a:r>
-              <a:rPr lang="en-US" altLang="zh-CN" dirty="0"/>
-              <a:t>Output</a:t>
-            </a:r>
-            <a:endParaRPr lang="zh-CN" altLang="en-US" dirty="0"/>
-          </a:p>
-        </p:txBody>
-      </p:sp>
     </p:spTree>
     <p:extLst>
       <p:ext uri="{BB962C8B-B14F-4D97-AF65-F5344CB8AC3E}">

--- a/docs/Figures.pptx
+++ b/docs/Figures.pptx
@@ -17,6 +17,7 @@
     <p:sldId id="260" r:id="rId11"/>
     <p:sldId id="267" r:id="rId12"/>
     <p:sldId id="268" r:id="rId13"/>
+    <p:sldId id="269" r:id="rId14"/>
   </p:sldIdLst>
   <p:sldSz cx="12192000" cy="6858000"/>
   <p:notesSz cx="6858000" cy="9144000"/>
@@ -252,7 +253,7 @@
           <a:p>
             <a:fld id="{DDA058EC-E564-4FAA-9823-230C53E76A76}" type="datetimeFigureOut">
               <a:rPr lang="zh-CN" altLang="en-US" smtClean="0"/>
-              <a:t>2019/7/30</a:t>
+              <a:t>2019/7/31</a:t>
             </a:fld>
             <a:endParaRPr lang="zh-CN" altLang="en-US"/>
           </a:p>
@@ -420,7 +421,7 @@
           <a:p>
             <a:fld id="{DDA058EC-E564-4FAA-9823-230C53E76A76}" type="datetimeFigureOut">
               <a:rPr lang="zh-CN" altLang="en-US" smtClean="0"/>
-              <a:t>2019/7/30</a:t>
+              <a:t>2019/7/31</a:t>
             </a:fld>
             <a:endParaRPr lang="zh-CN" altLang="en-US"/>
           </a:p>
@@ -598,7 +599,7 @@
           <a:p>
             <a:fld id="{DDA058EC-E564-4FAA-9823-230C53E76A76}" type="datetimeFigureOut">
               <a:rPr lang="zh-CN" altLang="en-US" smtClean="0"/>
-              <a:t>2019/7/30</a:t>
+              <a:t>2019/7/31</a:t>
             </a:fld>
             <a:endParaRPr lang="zh-CN" altLang="en-US"/>
           </a:p>
@@ -766,7 +767,7 @@
           <a:p>
             <a:fld id="{DDA058EC-E564-4FAA-9823-230C53E76A76}" type="datetimeFigureOut">
               <a:rPr lang="zh-CN" altLang="en-US" smtClean="0"/>
-              <a:t>2019/7/30</a:t>
+              <a:t>2019/7/31</a:t>
             </a:fld>
             <a:endParaRPr lang="zh-CN" altLang="en-US"/>
           </a:p>
@@ -1011,7 +1012,7 @@
           <a:p>
             <a:fld id="{DDA058EC-E564-4FAA-9823-230C53E76A76}" type="datetimeFigureOut">
               <a:rPr lang="zh-CN" altLang="en-US" smtClean="0"/>
-              <a:t>2019/7/30</a:t>
+              <a:t>2019/7/31</a:t>
             </a:fld>
             <a:endParaRPr lang="zh-CN" altLang="en-US"/>
           </a:p>
@@ -1240,7 +1241,7 @@
           <a:p>
             <a:fld id="{DDA058EC-E564-4FAA-9823-230C53E76A76}" type="datetimeFigureOut">
               <a:rPr lang="zh-CN" altLang="en-US" smtClean="0"/>
-              <a:t>2019/7/30</a:t>
+              <a:t>2019/7/31</a:t>
             </a:fld>
             <a:endParaRPr lang="zh-CN" altLang="en-US"/>
           </a:p>
@@ -1604,7 +1605,7 @@
           <a:p>
             <a:fld id="{DDA058EC-E564-4FAA-9823-230C53E76A76}" type="datetimeFigureOut">
               <a:rPr lang="zh-CN" altLang="en-US" smtClean="0"/>
-              <a:t>2019/7/30</a:t>
+              <a:t>2019/7/31</a:t>
             </a:fld>
             <a:endParaRPr lang="zh-CN" altLang="en-US"/>
           </a:p>
@@ -1721,7 +1722,7 @@
           <a:p>
             <a:fld id="{DDA058EC-E564-4FAA-9823-230C53E76A76}" type="datetimeFigureOut">
               <a:rPr lang="zh-CN" altLang="en-US" smtClean="0"/>
-              <a:t>2019/7/30</a:t>
+              <a:t>2019/7/31</a:t>
             </a:fld>
             <a:endParaRPr lang="zh-CN" altLang="en-US"/>
           </a:p>
@@ -1816,7 +1817,7 @@
           <a:p>
             <a:fld id="{DDA058EC-E564-4FAA-9823-230C53E76A76}" type="datetimeFigureOut">
               <a:rPr lang="zh-CN" altLang="en-US" smtClean="0"/>
-              <a:t>2019/7/30</a:t>
+              <a:t>2019/7/31</a:t>
             </a:fld>
             <a:endParaRPr lang="zh-CN" altLang="en-US"/>
           </a:p>
@@ -2091,7 +2092,7 @@
           <a:p>
             <a:fld id="{DDA058EC-E564-4FAA-9823-230C53E76A76}" type="datetimeFigureOut">
               <a:rPr lang="zh-CN" altLang="en-US" smtClean="0"/>
-              <a:t>2019/7/30</a:t>
+              <a:t>2019/7/31</a:t>
             </a:fld>
             <a:endParaRPr lang="zh-CN" altLang="en-US"/>
           </a:p>
@@ -2343,7 +2344,7 @@
           <a:p>
             <a:fld id="{DDA058EC-E564-4FAA-9823-230C53E76A76}" type="datetimeFigureOut">
               <a:rPr lang="zh-CN" altLang="en-US" smtClean="0"/>
-              <a:t>2019/7/30</a:t>
+              <a:t>2019/7/31</a:t>
             </a:fld>
             <a:endParaRPr lang="zh-CN" altLang="en-US"/>
           </a:p>
@@ -2554,7 +2555,7 @@
           <a:p>
             <a:fld id="{DDA058EC-E564-4FAA-9823-230C53E76A76}" type="datetimeFigureOut">
               <a:rPr lang="zh-CN" altLang="en-US" smtClean="0"/>
-              <a:t>2019/7/30</a:t>
+              <a:t>2019/7/31</a:t>
             </a:fld>
             <a:endParaRPr lang="zh-CN" altLang="en-US"/>
           </a:p>
@@ -3247,6 +3248,57 @@
           </a:fontRef>
         </p:style>
       </p:cxnSp>
+      <p:sp>
+        <p:nvSpPr>
+          <p:cNvPr id="8" name="矩形 7">
+            <a:extLst>
+              <a:ext uri="{FF2B5EF4-FFF2-40B4-BE49-F238E27FC236}">
+                <a16:creationId xmlns:a16="http://schemas.microsoft.com/office/drawing/2014/main" id="{FDBDF632-7CA2-4A5F-9CE9-8065FB675F8F}"/>
+              </a:ext>
+            </a:extLst>
+          </p:cNvPr>
+          <p:cNvSpPr/>
+          <p:nvPr/>
+        </p:nvSpPr>
+        <p:spPr>
+          <a:xfrm>
+            <a:off x="5747660" y="4123113"/>
+            <a:ext cx="3871138" cy="2282939"/>
+          </a:xfrm>
+          <a:prstGeom prst="rect">
+            <a:avLst/>
+          </a:prstGeom>
+          <a:noFill/>
+          <a:ln w="12700">
+            <a:prstDash val="solid"/>
+          </a:ln>
+        </p:spPr>
+        <p:style>
+          <a:lnRef idx="2">
+            <a:schemeClr val="dk1"/>
+          </a:lnRef>
+          <a:fillRef idx="1">
+            <a:schemeClr val="lt1"/>
+          </a:fillRef>
+          <a:effectRef idx="0">
+            <a:schemeClr val="dk1"/>
+          </a:effectRef>
+          <a:fontRef idx="minor">
+            <a:schemeClr val="dk1"/>
+          </a:fontRef>
+        </p:style>
+        <p:txBody>
+          <a:bodyPr rtlCol="0" anchor="ctr"/>
+          <a:lstStyle/>
+          <a:p>
+            <a:pPr algn="ctr"/>
+            <a:endParaRPr lang="zh-CN" altLang="en-US">
+              <a:latin typeface="Times New Roman" panose="02020603050405020304" pitchFamily="18" charset="0"/>
+              <a:cs typeface="Times New Roman" panose="02020603050405020304" pitchFamily="18" charset="0"/>
+            </a:endParaRPr>
+          </a:p>
+        </p:txBody>
+      </p:sp>
     </p:spTree>
     <p:extLst>
       <p:ext uri="{BB962C8B-B14F-4D97-AF65-F5344CB8AC3E}">
@@ -5781,10 +5833,8164 @@
           <a:chExt cx="0" cy="0"/>
         </a:xfrm>
       </p:grpSpPr>
+      <p:sp>
+        <p:nvSpPr>
+          <p:cNvPr id="85" name="矩形标注 84"/>
+          <p:cNvSpPr/>
+          <p:nvPr/>
+        </p:nvSpPr>
+        <p:spPr>
+          <a:xfrm>
+            <a:off x="6102344" y="216385"/>
+            <a:ext cx="5660166" cy="6451697"/>
+          </a:xfrm>
+          <a:prstGeom prst="wedgeRectCallout">
+            <a:avLst>
+              <a:gd name="adj1" fmla="val -80291"/>
+              <a:gd name="adj2" fmla="val 28709"/>
+            </a:avLst>
+          </a:prstGeom>
+          <a:noFill/>
+          <a:ln>
+            <a:solidFill>
+              <a:schemeClr val="tx1"/>
+            </a:solidFill>
+          </a:ln>
+        </p:spPr>
+        <p:style>
+          <a:lnRef idx="2">
+            <a:schemeClr val="accent1">
+              <a:shade val="50000"/>
+            </a:schemeClr>
+          </a:lnRef>
+          <a:fillRef idx="1">
+            <a:schemeClr val="accent1"/>
+          </a:fillRef>
+          <a:effectRef idx="0">
+            <a:schemeClr val="accent1"/>
+          </a:effectRef>
+          <a:fontRef idx="minor">
+            <a:schemeClr val="lt1"/>
+          </a:fontRef>
+        </p:style>
+        <p:txBody>
+          <a:bodyPr rtlCol="0" anchor="ctr"/>
+          <a:lstStyle/>
+          <a:p>
+            <a:pPr algn="ctr"/>
+            <a:endParaRPr lang="zh-CN" altLang="en-US"/>
+          </a:p>
+        </p:txBody>
+      </p:sp>
+      <p:sp>
+        <p:nvSpPr>
+          <p:cNvPr id="11" name="矩形 10"/>
+          <p:cNvSpPr/>
+          <p:nvPr/>
+        </p:nvSpPr>
+        <p:spPr>
+          <a:xfrm>
+            <a:off x="274953" y="219252"/>
+            <a:ext cx="576000" cy="576000"/>
+          </a:xfrm>
+          <a:prstGeom prst="rect">
+            <a:avLst/>
+          </a:prstGeom>
+        </p:spPr>
+        <p:style>
+          <a:lnRef idx="2">
+            <a:schemeClr val="accent6">
+              <a:shade val="50000"/>
+            </a:schemeClr>
+          </a:lnRef>
+          <a:fillRef idx="1">
+            <a:schemeClr val="accent6"/>
+          </a:fillRef>
+          <a:effectRef idx="0">
+            <a:schemeClr val="accent6"/>
+          </a:effectRef>
+          <a:fontRef idx="minor">
+            <a:schemeClr val="lt1"/>
+          </a:fontRef>
+        </p:style>
+        <p:txBody>
+          <a:bodyPr rtlCol="0" anchor="ctr"/>
+          <a:lstStyle/>
+          <a:p>
+            <a:pPr algn="ctr"/>
+            <a:r>
+              <a:rPr lang="en-US" altLang="zh-CN" sz="1100" dirty="0" smtClean="0">
+                <a:latin typeface="Times New Roman" panose="02020603050405020304" pitchFamily="18" charset="0"/>
+                <a:cs typeface="Times New Roman" panose="02020603050405020304" pitchFamily="18" charset="0"/>
+              </a:rPr>
+              <a:t>VNF 1</a:t>
+            </a:r>
+            <a:endParaRPr lang="zh-CN" altLang="en-US" sz="1100" dirty="0">
+              <a:latin typeface="Times New Roman" panose="02020603050405020304" pitchFamily="18" charset="0"/>
+              <a:cs typeface="Times New Roman" panose="02020603050405020304" pitchFamily="18" charset="0"/>
+            </a:endParaRPr>
+          </a:p>
+        </p:txBody>
+      </p:sp>
+      <p:sp>
+        <p:nvSpPr>
+          <p:cNvPr id="12" name="矩形 11"/>
+          <p:cNvSpPr/>
+          <p:nvPr/>
+        </p:nvSpPr>
+        <p:spPr>
+          <a:xfrm>
+            <a:off x="1442489" y="219252"/>
+            <a:ext cx="576000" cy="576000"/>
+          </a:xfrm>
+          <a:prstGeom prst="rect">
+            <a:avLst/>
+          </a:prstGeom>
+        </p:spPr>
+        <p:style>
+          <a:lnRef idx="2">
+            <a:schemeClr val="accent6">
+              <a:shade val="50000"/>
+            </a:schemeClr>
+          </a:lnRef>
+          <a:fillRef idx="1">
+            <a:schemeClr val="accent6"/>
+          </a:fillRef>
+          <a:effectRef idx="0">
+            <a:schemeClr val="accent6"/>
+          </a:effectRef>
+          <a:fontRef idx="minor">
+            <a:schemeClr val="lt1"/>
+          </a:fontRef>
+        </p:style>
+        <p:txBody>
+          <a:bodyPr rtlCol="0" anchor="ctr"/>
+          <a:lstStyle/>
+          <a:p>
+            <a:pPr algn="ctr"/>
+            <a:r>
+              <a:rPr lang="en-US" altLang="zh-CN" sz="1100" dirty="0" smtClean="0">
+                <a:latin typeface="Times New Roman" panose="02020603050405020304" pitchFamily="18" charset="0"/>
+                <a:cs typeface="Times New Roman" panose="02020603050405020304" pitchFamily="18" charset="0"/>
+              </a:rPr>
+              <a:t>VNF 2</a:t>
+            </a:r>
+            <a:endParaRPr lang="zh-CN" altLang="en-US" sz="1100" dirty="0">
+              <a:latin typeface="Times New Roman" panose="02020603050405020304" pitchFamily="18" charset="0"/>
+              <a:cs typeface="Times New Roman" panose="02020603050405020304" pitchFamily="18" charset="0"/>
+            </a:endParaRPr>
+          </a:p>
+        </p:txBody>
+      </p:sp>
+      <p:cxnSp>
+        <p:nvCxnSpPr>
+          <p:cNvPr id="13" name="直接箭头连接符 12"/>
+          <p:cNvCxnSpPr>
+            <a:stCxn id="11" idx="3"/>
+            <a:endCxn id="12" idx="1"/>
+          </p:cNvCxnSpPr>
+          <p:nvPr/>
+        </p:nvCxnSpPr>
+        <p:spPr>
+          <a:xfrm>
+            <a:off x="850953" y="507252"/>
+            <a:ext cx="591536" cy="0"/>
+          </a:xfrm>
+          <a:prstGeom prst="straightConnector1">
+            <a:avLst/>
+          </a:prstGeom>
+          <a:ln w="19050">
+            <a:tailEnd type="triangle"/>
+          </a:ln>
+        </p:spPr>
+        <p:style>
+          <a:lnRef idx="1">
+            <a:schemeClr val="accent6"/>
+          </a:lnRef>
+          <a:fillRef idx="0">
+            <a:schemeClr val="accent6"/>
+          </a:fillRef>
+          <a:effectRef idx="0">
+            <a:schemeClr val="accent6"/>
+          </a:effectRef>
+          <a:fontRef idx="minor">
+            <a:schemeClr val="tx1"/>
+          </a:fontRef>
+        </p:style>
+      </p:cxnSp>
+      <p:sp>
+        <p:nvSpPr>
+          <p:cNvPr id="16" name="矩形 15"/>
+          <p:cNvSpPr/>
+          <p:nvPr/>
+        </p:nvSpPr>
+        <p:spPr>
+          <a:xfrm>
+            <a:off x="2646031" y="216386"/>
+            <a:ext cx="576000" cy="576000"/>
+          </a:xfrm>
+          <a:prstGeom prst="rect">
+            <a:avLst/>
+          </a:prstGeom>
+        </p:spPr>
+        <p:style>
+          <a:lnRef idx="2">
+            <a:schemeClr val="accent6">
+              <a:shade val="50000"/>
+            </a:schemeClr>
+          </a:lnRef>
+          <a:fillRef idx="1">
+            <a:schemeClr val="accent6"/>
+          </a:fillRef>
+          <a:effectRef idx="0">
+            <a:schemeClr val="accent6"/>
+          </a:effectRef>
+          <a:fontRef idx="minor">
+            <a:schemeClr val="lt1"/>
+          </a:fontRef>
+        </p:style>
+        <p:txBody>
+          <a:bodyPr rtlCol="0" anchor="ctr"/>
+          <a:lstStyle/>
+          <a:p>
+            <a:pPr algn="ctr"/>
+            <a:r>
+              <a:rPr lang="en-US" altLang="zh-CN" sz="1100" dirty="0" smtClean="0">
+                <a:latin typeface="Times New Roman" panose="02020603050405020304" pitchFamily="18" charset="0"/>
+                <a:cs typeface="Times New Roman" panose="02020603050405020304" pitchFamily="18" charset="0"/>
+              </a:rPr>
+              <a:t>……</a:t>
+            </a:r>
+            <a:endParaRPr lang="zh-CN" altLang="en-US" sz="1100" dirty="0">
+              <a:latin typeface="Times New Roman" panose="02020603050405020304" pitchFamily="18" charset="0"/>
+              <a:cs typeface="Times New Roman" panose="02020603050405020304" pitchFamily="18" charset="0"/>
+            </a:endParaRPr>
+          </a:p>
+        </p:txBody>
+      </p:sp>
+      <p:cxnSp>
+        <p:nvCxnSpPr>
+          <p:cNvPr id="17" name="直接箭头连接符 16"/>
+          <p:cNvCxnSpPr>
+            <a:stCxn id="12" idx="3"/>
+            <a:endCxn id="16" idx="1"/>
+          </p:cNvCxnSpPr>
+          <p:nvPr/>
+        </p:nvCxnSpPr>
+        <p:spPr>
+          <a:xfrm flipV="1">
+            <a:off x="2018489" y="504386"/>
+            <a:ext cx="627542" cy="2866"/>
+          </a:xfrm>
+          <a:prstGeom prst="straightConnector1">
+            <a:avLst/>
+          </a:prstGeom>
+          <a:ln w="19050">
+            <a:tailEnd type="triangle"/>
+          </a:ln>
+        </p:spPr>
+        <p:style>
+          <a:lnRef idx="1">
+            <a:schemeClr val="accent6"/>
+          </a:lnRef>
+          <a:fillRef idx="0">
+            <a:schemeClr val="accent6"/>
+          </a:fillRef>
+          <a:effectRef idx="0">
+            <a:schemeClr val="accent6"/>
+          </a:effectRef>
+          <a:fontRef idx="minor">
+            <a:schemeClr val="tx1"/>
+          </a:fontRef>
+        </p:style>
+      </p:cxnSp>
+      <p:sp>
+        <p:nvSpPr>
+          <p:cNvPr id="20" name="矩形 19"/>
+          <p:cNvSpPr/>
+          <p:nvPr/>
+        </p:nvSpPr>
+        <p:spPr>
+          <a:xfrm>
+            <a:off x="3997267" y="216386"/>
+            <a:ext cx="576000" cy="576000"/>
+          </a:xfrm>
+          <a:prstGeom prst="rect">
+            <a:avLst/>
+          </a:prstGeom>
+        </p:spPr>
+        <p:style>
+          <a:lnRef idx="2">
+            <a:schemeClr val="accent6">
+              <a:shade val="50000"/>
+            </a:schemeClr>
+          </a:lnRef>
+          <a:fillRef idx="1">
+            <a:schemeClr val="accent6"/>
+          </a:fillRef>
+          <a:effectRef idx="0">
+            <a:schemeClr val="accent6"/>
+          </a:effectRef>
+          <a:fontRef idx="minor">
+            <a:schemeClr val="lt1"/>
+          </a:fontRef>
+        </p:style>
+        <p:txBody>
+          <a:bodyPr rtlCol="0" anchor="ctr"/>
+          <a:lstStyle/>
+          <a:p>
+            <a:pPr algn="ctr"/>
+            <a:r>
+              <a:rPr lang="en-US" altLang="zh-CN" sz="1100" dirty="0" smtClean="0">
+                <a:latin typeface="Times New Roman" panose="02020603050405020304" pitchFamily="18" charset="0"/>
+                <a:cs typeface="Times New Roman" panose="02020603050405020304" pitchFamily="18" charset="0"/>
+              </a:rPr>
+              <a:t>VNF 7</a:t>
+            </a:r>
+            <a:endParaRPr lang="zh-CN" altLang="en-US" sz="1100" dirty="0">
+              <a:latin typeface="Times New Roman" panose="02020603050405020304" pitchFamily="18" charset="0"/>
+              <a:cs typeface="Times New Roman" panose="02020603050405020304" pitchFamily="18" charset="0"/>
+            </a:endParaRPr>
+          </a:p>
+        </p:txBody>
+      </p:sp>
+      <p:cxnSp>
+        <p:nvCxnSpPr>
+          <p:cNvPr id="21" name="直接箭头连接符 20"/>
+          <p:cNvCxnSpPr>
+            <a:stCxn id="16" idx="3"/>
+            <a:endCxn id="20" idx="1"/>
+          </p:cNvCxnSpPr>
+          <p:nvPr/>
+        </p:nvCxnSpPr>
+        <p:spPr>
+          <a:xfrm>
+            <a:off x="3222031" y="504386"/>
+            <a:ext cx="775236" cy="0"/>
+          </a:xfrm>
+          <a:prstGeom prst="straightConnector1">
+            <a:avLst/>
+          </a:prstGeom>
+          <a:ln w="19050">
+            <a:tailEnd type="triangle"/>
+          </a:ln>
+        </p:spPr>
+        <p:style>
+          <a:lnRef idx="1">
+            <a:schemeClr val="accent6"/>
+          </a:lnRef>
+          <a:fillRef idx="0">
+            <a:schemeClr val="accent6"/>
+          </a:fillRef>
+          <a:effectRef idx="0">
+            <a:schemeClr val="accent6"/>
+          </a:effectRef>
+          <a:fontRef idx="minor">
+            <a:schemeClr val="tx1"/>
+          </a:fontRef>
+        </p:style>
+      </p:cxnSp>
+      <p:sp>
+        <p:nvSpPr>
+          <p:cNvPr id="24" name="流程图: 磁盘 23"/>
+          <p:cNvSpPr/>
+          <p:nvPr/>
+        </p:nvSpPr>
+        <p:spPr>
+          <a:xfrm>
+            <a:off x="638321" y="3713678"/>
+            <a:ext cx="1005840" cy="540327"/>
+          </a:xfrm>
+          <a:prstGeom prst="flowChartMagneticDisk">
+            <a:avLst/>
+          </a:prstGeom>
+        </p:spPr>
+        <p:style>
+          <a:lnRef idx="2">
+            <a:schemeClr val="accent1">
+              <a:shade val="50000"/>
+            </a:schemeClr>
+          </a:lnRef>
+          <a:fillRef idx="1">
+            <a:schemeClr val="accent1"/>
+          </a:fillRef>
+          <a:effectRef idx="0">
+            <a:schemeClr val="accent1"/>
+          </a:effectRef>
+          <a:fontRef idx="minor">
+            <a:schemeClr val="lt1"/>
+          </a:fontRef>
+        </p:style>
+        <p:txBody>
+          <a:bodyPr rtlCol="0" anchor="ctr"/>
+          <a:lstStyle/>
+          <a:p>
+            <a:pPr algn="ctr"/>
+            <a:r>
+              <a:rPr lang="en-US" altLang="zh-CN" sz="1600" dirty="0" smtClean="0">
+                <a:latin typeface="Times New Roman" panose="02020603050405020304" pitchFamily="18" charset="0"/>
+                <a:cs typeface="Times New Roman" panose="02020603050405020304" pitchFamily="18" charset="0"/>
+              </a:rPr>
+              <a:t>switch</a:t>
+            </a:r>
+            <a:endParaRPr lang="zh-CN" altLang="en-US" sz="1600" dirty="0">
+              <a:latin typeface="Times New Roman" panose="02020603050405020304" pitchFamily="18" charset="0"/>
+              <a:cs typeface="Times New Roman" panose="02020603050405020304" pitchFamily="18" charset="0"/>
+            </a:endParaRPr>
+          </a:p>
+        </p:txBody>
+      </p:sp>
+      <p:sp>
+        <p:nvSpPr>
+          <p:cNvPr id="25" name="流程图: 磁盘 24"/>
+          <p:cNvSpPr/>
+          <p:nvPr/>
+        </p:nvSpPr>
+        <p:spPr>
+          <a:xfrm>
+            <a:off x="2985947" y="3773979"/>
+            <a:ext cx="1005840" cy="540327"/>
+          </a:xfrm>
+          <a:prstGeom prst="flowChartMagneticDisk">
+            <a:avLst/>
+          </a:prstGeom>
+        </p:spPr>
+        <p:style>
+          <a:lnRef idx="2">
+            <a:schemeClr val="accent1">
+              <a:shade val="50000"/>
+            </a:schemeClr>
+          </a:lnRef>
+          <a:fillRef idx="1">
+            <a:schemeClr val="accent1"/>
+          </a:fillRef>
+          <a:effectRef idx="0">
+            <a:schemeClr val="accent1"/>
+          </a:effectRef>
+          <a:fontRef idx="minor">
+            <a:schemeClr val="lt1"/>
+          </a:fontRef>
+        </p:style>
+        <p:txBody>
+          <a:bodyPr rtlCol="0" anchor="ctr"/>
+          <a:lstStyle/>
+          <a:p>
+            <a:pPr algn="ctr"/>
+            <a:r>
+              <a:rPr lang="en-US" altLang="zh-CN" sz="1600" dirty="0">
+                <a:latin typeface="Times New Roman" panose="02020603050405020304" pitchFamily="18" charset="0"/>
+                <a:cs typeface="Times New Roman" panose="02020603050405020304" pitchFamily="18" charset="0"/>
+              </a:rPr>
+              <a:t>switch</a:t>
+            </a:r>
+            <a:endParaRPr lang="zh-CN" altLang="en-US" sz="1600" dirty="0"/>
+          </a:p>
+        </p:txBody>
+      </p:sp>
+      <p:sp>
+        <p:nvSpPr>
+          <p:cNvPr id="26" name="矩形: 圆角 2">
+            <a:extLst>
+              <a:ext uri="{FF2B5EF4-FFF2-40B4-BE49-F238E27FC236}">
+                <a16:creationId xmlns:a16="http://schemas.microsoft.com/office/drawing/2014/main" id="{754A9402-C3A1-45BC-BD52-D02E72FAB8D6}"/>
+              </a:ext>
+            </a:extLst>
+          </p:cNvPr>
+          <p:cNvSpPr/>
+          <p:nvPr/>
+        </p:nvSpPr>
+        <p:spPr>
+          <a:xfrm>
+            <a:off x="274953" y="4927995"/>
+            <a:ext cx="816809" cy="817200"/>
+          </a:xfrm>
+          <a:prstGeom prst="roundRect">
+            <a:avLst>
+              <a:gd name="adj" fmla="val 27062"/>
+            </a:avLst>
+          </a:prstGeom>
+          <a:ln>
+            <a:noFill/>
+          </a:ln>
+        </p:spPr>
+        <p:style>
+          <a:lnRef idx="3">
+            <a:schemeClr val="lt1"/>
+          </a:lnRef>
+          <a:fillRef idx="1">
+            <a:schemeClr val="accent1"/>
+          </a:fillRef>
+          <a:effectRef idx="1">
+            <a:schemeClr val="accent1"/>
+          </a:effectRef>
+          <a:fontRef idx="minor">
+            <a:schemeClr val="lt1"/>
+          </a:fontRef>
+        </p:style>
+        <p:txBody>
+          <a:bodyPr rtlCol="0" anchor="ctr"/>
+          <a:lstStyle/>
+          <a:p>
+            <a:pPr algn="ctr"/>
+            <a:r>
+              <a:rPr lang="en-US" altLang="zh-CN" sz="1400" dirty="0" smtClean="0">
+                <a:latin typeface="Times New Roman" panose="02020603050405020304" pitchFamily="18" charset="0"/>
+                <a:cs typeface="Times New Roman" panose="02020603050405020304" pitchFamily="18" charset="0"/>
+              </a:rPr>
+              <a:t>Server A</a:t>
+            </a:r>
+            <a:endParaRPr lang="zh-CN" altLang="en-US" sz="1000" dirty="0">
+              <a:latin typeface="Times New Roman" panose="02020603050405020304" pitchFamily="18" charset="0"/>
+              <a:cs typeface="Times New Roman" panose="02020603050405020304" pitchFamily="18" charset="0"/>
+            </a:endParaRPr>
+          </a:p>
+        </p:txBody>
+      </p:sp>
+      <p:sp>
+        <p:nvSpPr>
+          <p:cNvPr id="27" name="矩形: 圆角 2">
+            <a:extLst>
+              <a:ext uri="{FF2B5EF4-FFF2-40B4-BE49-F238E27FC236}">
+                <a16:creationId xmlns:a16="http://schemas.microsoft.com/office/drawing/2014/main" id="{754A9402-C3A1-45BC-BD52-D02E72FAB8D6}"/>
+              </a:ext>
+            </a:extLst>
+          </p:cNvPr>
+          <p:cNvSpPr/>
+          <p:nvPr/>
+        </p:nvSpPr>
+        <p:spPr>
+          <a:xfrm>
+            <a:off x="1197305" y="4927995"/>
+            <a:ext cx="816809" cy="817200"/>
+          </a:xfrm>
+          <a:prstGeom prst="roundRect">
+            <a:avLst>
+              <a:gd name="adj" fmla="val 27062"/>
+            </a:avLst>
+          </a:prstGeom>
+          <a:ln>
+            <a:noFill/>
+          </a:ln>
+        </p:spPr>
+        <p:style>
+          <a:lnRef idx="3">
+            <a:schemeClr val="lt1"/>
+          </a:lnRef>
+          <a:fillRef idx="1">
+            <a:schemeClr val="accent1"/>
+          </a:fillRef>
+          <a:effectRef idx="1">
+            <a:schemeClr val="accent1"/>
+          </a:effectRef>
+          <a:fontRef idx="minor">
+            <a:schemeClr val="lt1"/>
+          </a:fontRef>
+        </p:style>
+        <p:txBody>
+          <a:bodyPr rtlCol="0" anchor="ctr"/>
+          <a:lstStyle/>
+          <a:p>
+            <a:pPr lvl="0" algn="ctr"/>
+            <a:r>
+              <a:rPr lang="en-US" altLang="zh-CN" sz="1400" dirty="0">
+                <a:solidFill>
+                  <a:prstClr val="white"/>
+                </a:solidFill>
+                <a:latin typeface="Times New Roman" panose="02020603050405020304" pitchFamily="18" charset="0"/>
+                <a:cs typeface="Times New Roman" panose="02020603050405020304" pitchFamily="18" charset="0"/>
+              </a:rPr>
+              <a:t>Server B</a:t>
+            </a:r>
+            <a:endParaRPr lang="zh-CN" altLang="en-US" sz="1000" dirty="0">
+              <a:solidFill>
+                <a:prstClr val="white"/>
+              </a:solidFill>
+              <a:latin typeface="Times New Roman" panose="02020603050405020304" pitchFamily="18" charset="0"/>
+              <a:cs typeface="Times New Roman" panose="02020603050405020304" pitchFamily="18" charset="0"/>
+            </a:endParaRPr>
+          </a:p>
+        </p:txBody>
+      </p:sp>
+      <p:sp>
+        <p:nvSpPr>
+          <p:cNvPr id="28" name="矩形: 圆角 2">
+            <a:extLst>
+              <a:ext uri="{FF2B5EF4-FFF2-40B4-BE49-F238E27FC236}">
+                <a16:creationId xmlns:a16="http://schemas.microsoft.com/office/drawing/2014/main" id="{754A9402-C3A1-45BC-BD52-D02E72FAB8D6}"/>
+              </a:ext>
+            </a:extLst>
+          </p:cNvPr>
+          <p:cNvSpPr/>
+          <p:nvPr/>
+        </p:nvSpPr>
+        <p:spPr>
+          <a:xfrm>
+            <a:off x="2612124" y="4927995"/>
+            <a:ext cx="816809" cy="817200"/>
+          </a:xfrm>
+          <a:prstGeom prst="roundRect">
+            <a:avLst>
+              <a:gd name="adj" fmla="val 27062"/>
+            </a:avLst>
+          </a:prstGeom>
+          <a:ln>
+            <a:noFill/>
+          </a:ln>
+        </p:spPr>
+        <p:style>
+          <a:lnRef idx="3">
+            <a:schemeClr val="lt1"/>
+          </a:lnRef>
+          <a:fillRef idx="1">
+            <a:schemeClr val="accent1"/>
+          </a:fillRef>
+          <a:effectRef idx="1">
+            <a:schemeClr val="accent1"/>
+          </a:effectRef>
+          <a:fontRef idx="minor">
+            <a:schemeClr val="lt1"/>
+          </a:fontRef>
+        </p:style>
+        <p:txBody>
+          <a:bodyPr rtlCol="0" anchor="ctr"/>
+          <a:lstStyle/>
+          <a:p>
+            <a:pPr lvl="0" algn="ctr"/>
+            <a:r>
+              <a:rPr lang="en-US" altLang="zh-CN" sz="1400" dirty="0">
+                <a:solidFill>
+                  <a:prstClr val="white"/>
+                </a:solidFill>
+                <a:latin typeface="Times New Roman" panose="02020603050405020304" pitchFamily="18" charset="0"/>
+                <a:cs typeface="Times New Roman" panose="02020603050405020304" pitchFamily="18" charset="0"/>
+              </a:rPr>
+              <a:t>Server </a:t>
+            </a:r>
+            <a:r>
+              <a:rPr lang="en-US" altLang="zh-CN" sz="1400" dirty="0" smtClean="0">
+                <a:solidFill>
+                  <a:prstClr val="white"/>
+                </a:solidFill>
+                <a:latin typeface="Times New Roman" panose="02020603050405020304" pitchFamily="18" charset="0"/>
+                <a:cs typeface="Times New Roman" panose="02020603050405020304" pitchFamily="18" charset="0"/>
+              </a:rPr>
+              <a:t>C</a:t>
+            </a:r>
+            <a:endParaRPr lang="zh-CN" altLang="en-US" sz="1000" dirty="0">
+              <a:solidFill>
+                <a:prstClr val="white"/>
+              </a:solidFill>
+              <a:latin typeface="Times New Roman" panose="02020603050405020304" pitchFamily="18" charset="0"/>
+              <a:cs typeface="Times New Roman" panose="02020603050405020304" pitchFamily="18" charset="0"/>
+            </a:endParaRPr>
+          </a:p>
+        </p:txBody>
+      </p:sp>
+      <p:sp>
+        <p:nvSpPr>
+          <p:cNvPr id="29" name="矩形: 圆角 2">
+            <a:extLst>
+              <a:ext uri="{FF2B5EF4-FFF2-40B4-BE49-F238E27FC236}">
+                <a16:creationId xmlns:a16="http://schemas.microsoft.com/office/drawing/2014/main" id="{754A9402-C3A1-45BC-BD52-D02E72FAB8D6}"/>
+              </a:ext>
+            </a:extLst>
+          </p:cNvPr>
+          <p:cNvSpPr/>
+          <p:nvPr/>
+        </p:nvSpPr>
+        <p:spPr>
+          <a:xfrm>
+            <a:off x="3544676" y="4927995"/>
+            <a:ext cx="816809" cy="817200"/>
+          </a:xfrm>
+          <a:prstGeom prst="roundRect">
+            <a:avLst>
+              <a:gd name="adj" fmla="val 27062"/>
+            </a:avLst>
+          </a:prstGeom>
+          <a:ln>
+            <a:noFill/>
+          </a:ln>
+        </p:spPr>
+        <p:style>
+          <a:lnRef idx="3">
+            <a:schemeClr val="lt1"/>
+          </a:lnRef>
+          <a:fillRef idx="1">
+            <a:schemeClr val="accent1"/>
+          </a:fillRef>
+          <a:effectRef idx="1">
+            <a:schemeClr val="accent1"/>
+          </a:effectRef>
+          <a:fontRef idx="minor">
+            <a:schemeClr val="lt1"/>
+          </a:fontRef>
+        </p:style>
+        <p:txBody>
+          <a:bodyPr rtlCol="0" anchor="ctr"/>
+          <a:lstStyle/>
+          <a:p>
+            <a:pPr lvl="0" algn="ctr"/>
+            <a:r>
+              <a:rPr lang="en-US" altLang="zh-CN" sz="1400" dirty="0">
+                <a:solidFill>
+                  <a:prstClr val="white"/>
+                </a:solidFill>
+                <a:latin typeface="Times New Roman" panose="02020603050405020304" pitchFamily="18" charset="0"/>
+                <a:cs typeface="Times New Roman" panose="02020603050405020304" pitchFamily="18" charset="0"/>
+              </a:rPr>
+              <a:t>Server </a:t>
+            </a:r>
+            <a:r>
+              <a:rPr lang="en-US" altLang="zh-CN" sz="1400" dirty="0" smtClean="0">
+                <a:solidFill>
+                  <a:prstClr val="white"/>
+                </a:solidFill>
+                <a:latin typeface="Times New Roman" panose="02020603050405020304" pitchFamily="18" charset="0"/>
+                <a:cs typeface="Times New Roman" panose="02020603050405020304" pitchFamily="18" charset="0"/>
+              </a:rPr>
+              <a:t>D</a:t>
+            </a:r>
+            <a:endParaRPr lang="zh-CN" altLang="en-US" sz="1000" dirty="0">
+              <a:solidFill>
+                <a:prstClr val="white"/>
+              </a:solidFill>
+              <a:latin typeface="Times New Roman" panose="02020603050405020304" pitchFamily="18" charset="0"/>
+              <a:cs typeface="Times New Roman" panose="02020603050405020304" pitchFamily="18" charset="0"/>
+            </a:endParaRPr>
+          </a:p>
+        </p:txBody>
+      </p:sp>
+      <p:cxnSp>
+        <p:nvCxnSpPr>
+          <p:cNvPr id="31" name="直接连接符 30"/>
+          <p:cNvCxnSpPr>
+            <a:stCxn id="26" idx="0"/>
+            <a:endCxn id="24" idx="3"/>
+          </p:cNvCxnSpPr>
+          <p:nvPr/>
+        </p:nvCxnSpPr>
+        <p:spPr>
+          <a:xfrm flipV="1">
+            <a:off x="683358" y="4254005"/>
+            <a:ext cx="457883" cy="673990"/>
+          </a:xfrm>
+          <a:prstGeom prst="line">
+            <a:avLst/>
+          </a:prstGeom>
+        </p:spPr>
+        <p:style>
+          <a:lnRef idx="1">
+            <a:schemeClr val="accent1"/>
+          </a:lnRef>
+          <a:fillRef idx="0">
+            <a:schemeClr val="accent1"/>
+          </a:fillRef>
+          <a:effectRef idx="0">
+            <a:schemeClr val="accent1"/>
+          </a:effectRef>
+          <a:fontRef idx="minor">
+            <a:schemeClr val="tx1"/>
+          </a:fontRef>
+        </p:style>
+      </p:cxnSp>
+      <p:cxnSp>
+        <p:nvCxnSpPr>
+          <p:cNvPr id="32" name="直接连接符 31"/>
+          <p:cNvCxnSpPr>
+            <a:stCxn id="27" idx="0"/>
+            <a:endCxn id="24" idx="3"/>
+          </p:cNvCxnSpPr>
+          <p:nvPr/>
+        </p:nvCxnSpPr>
+        <p:spPr>
+          <a:xfrm flipH="1" flipV="1">
+            <a:off x="1141241" y="4254005"/>
+            <a:ext cx="464469" cy="673990"/>
+          </a:xfrm>
+          <a:prstGeom prst="line">
+            <a:avLst/>
+          </a:prstGeom>
+        </p:spPr>
+        <p:style>
+          <a:lnRef idx="1">
+            <a:schemeClr val="accent1"/>
+          </a:lnRef>
+          <a:fillRef idx="0">
+            <a:schemeClr val="accent1"/>
+          </a:fillRef>
+          <a:effectRef idx="0">
+            <a:schemeClr val="accent1"/>
+          </a:effectRef>
+          <a:fontRef idx="minor">
+            <a:schemeClr val="tx1"/>
+          </a:fontRef>
+        </p:style>
+      </p:cxnSp>
+      <p:cxnSp>
+        <p:nvCxnSpPr>
+          <p:cNvPr id="35" name="直接连接符 34"/>
+          <p:cNvCxnSpPr>
+            <a:stCxn id="28" idx="0"/>
+            <a:endCxn id="25" idx="3"/>
+          </p:cNvCxnSpPr>
+          <p:nvPr/>
+        </p:nvCxnSpPr>
+        <p:spPr>
+          <a:xfrm flipV="1">
+            <a:off x="3020529" y="4314306"/>
+            <a:ext cx="468338" cy="613689"/>
+          </a:xfrm>
+          <a:prstGeom prst="line">
+            <a:avLst/>
+          </a:prstGeom>
+        </p:spPr>
+        <p:style>
+          <a:lnRef idx="1">
+            <a:schemeClr val="accent1"/>
+          </a:lnRef>
+          <a:fillRef idx="0">
+            <a:schemeClr val="accent1"/>
+          </a:fillRef>
+          <a:effectRef idx="0">
+            <a:schemeClr val="accent1"/>
+          </a:effectRef>
+          <a:fontRef idx="minor">
+            <a:schemeClr val="tx1"/>
+          </a:fontRef>
+        </p:style>
+      </p:cxnSp>
+      <p:cxnSp>
+        <p:nvCxnSpPr>
+          <p:cNvPr id="38" name="直接连接符 37"/>
+          <p:cNvCxnSpPr>
+            <a:stCxn id="29" idx="0"/>
+            <a:endCxn id="25" idx="3"/>
+          </p:cNvCxnSpPr>
+          <p:nvPr/>
+        </p:nvCxnSpPr>
+        <p:spPr>
+          <a:xfrm flipH="1" flipV="1">
+            <a:off x="3488867" y="4314306"/>
+            <a:ext cx="464214" cy="613689"/>
+          </a:xfrm>
+          <a:prstGeom prst="line">
+            <a:avLst/>
+          </a:prstGeom>
+        </p:spPr>
+        <p:style>
+          <a:lnRef idx="1">
+            <a:schemeClr val="accent1"/>
+          </a:lnRef>
+          <a:fillRef idx="0">
+            <a:schemeClr val="accent1"/>
+          </a:fillRef>
+          <a:effectRef idx="0">
+            <a:schemeClr val="accent1"/>
+          </a:effectRef>
+          <a:fontRef idx="minor">
+            <a:schemeClr val="tx1"/>
+          </a:fontRef>
+        </p:style>
+      </p:cxnSp>
+      <p:sp>
+        <p:nvSpPr>
+          <p:cNvPr id="50" name="流程图: 磁盘 49"/>
+          <p:cNvSpPr/>
+          <p:nvPr/>
+        </p:nvSpPr>
+        <p:spPr>
+          <a:xfrm>
+            <a:off x="638321" y="2626314"/>
+            <a:ext cx="1005840" cy="540327"/>
+          </a:xfrm>
+          <a:prstGeom prst="flowChartMagneticDisk">
+            <a:avLst/>
+          </a:prstGeom>
+        </p:spPr>
+        <p:style>
+          <a:lnRef idx="2">
+            <a:schemeClr val="accent1">
+              <a:shade val="50000"/>
+            </a:schemeClr>
+          </a:lnRef>
+          <a:fillRef idx="1">
+            <a:schemeClr val="accent1"/>
+          </a:fillRef>
+          <a:effectRef idx="0">
+            <a:schemeClr val="accent1"/>
+          </a:effectRef>
+          <a:fontRef idx="minor">
+            <a:schemeClr val="lt1"/>
+          </a:fontRef>
+        </p:style>
+        <p:txBody>
+          <a:bodyPr rtlCol="0" anchor="ctr"/>
+          <a:lstStyle/>
+          <a:p>
+            <a:pPr algn="ctr"/>
+            <a:r>
+              <a:rPr lang="en-US" altLang="zh-CN" sz="1600" dirty="0" smtClean="0">
+                <a:latin typeface="Times New Roman" panose="02020603050405020304" pitchFamily="18" charset="0"/>
+                <a:cs typeface="Times New Roman" panose="02020603050405020304" pitchFamily="18" charset="0"/>
+              </a:rPr>
+              <a:t>switch</a:t>
+            </a:r>
+            <a:endParaRPr lang="zh-CN" altLang="en-US" sz="1600" dirty="0">
+              <a:latin typeface="Times New Roman" panose="02020603050405020304" pitchFamily="18" charset="0"/>
+              <a:cs typeface="Times New Roman" panose="02020603050405020304" pitchFamily="18" charset="0"/>
+            </a:endParaRPr>
+          </a:p>
+        </p:txBody>
+      </p:sp>
+      <p:sp>
+        <p:nvSpPr>
+          <p:cNvPr id="51" name="流程图: 磁盘 50"/>
+          <p:cNvSpPr/>
+          <p:nvPr/>
+        </p:nvSpPr>
+        <p:spPr>
+          <a:xfrm>
+            <a:off x="2962959" y="2626314"/>
+            <a:ext cx="1005840" cy="540327"/>
+          </a:xfrm>
+          <a:prstGeom prst="flowChartMagneticDisk">
+            <a:avLst/>
+          </a:prstGeom>
+        </p:spPr>
+        <p:style>
+          <a:lnRef idx="2">
+            <a:schemeClr val="accent1">
+              <a:shade val="50000"/>
+            </a:schemeClr>
+          </a:lnRef>
+          <a:fillRef idx="1">
+            <a:schemeClr val="accent1"/>
+          </a:fillRef>
+          <a:effectRef idx="0">
+            <a:schemeClr val="accent1"/>
+          </a:effectRef>
+          <a:fontRef idx="minor">
+            <a:schemeClr val="lt1"/>
+          </a:fontRef>
+        </p:style>
+        <p:txBody>
+          <a:bodyPr rtlCol="0" anchor="ctr"/>
+          <a:lstStyle/>
+          <a:p>
+            <a:pPr algn="ctr"/>
+            <a:r>
+              <a:rPr lang="en-US" altLang="zh-CN" sz="1600" dirty="0" smtClean="0">
+                <a:latin typeface="Times New Roman" panose="02020603050405020304" pitchFamily="18" charset="0"/>
+                <a:cs typeface="Times New Roman" panose="02020603050405020304" pitchFamily="18" charset="0"/>
+              </a:rPr>
+              <a:t>switch</a:t>
+            </a:r>
+            <a:endParaRPr lang="zh-CN" altLang="en-US" sz="1600" dirty="0">
+              <a:latin typeface="Times New Roman" panose="02020603050405020304" pitchFamily="18" charset="0"/>
+              <a:cs typeface="Times New Roman" panose="02020603050405020304" pitchFamily="18" charset="0"/>
+            </a:endParaRPr>
+          </a:p>
+        </p:txBody>
+      </p:sp>
+      <p:cxnSp>
+        <p:nvCxnSpPr>
+          <p:cNvPr id="52" name="直接连接符 51"/>
+          <p:cNvCxnSpPr>
+            <a:stCxn id="50" idx="3"/>
+            <a:endCxn id="24" idx="1"/>
+          </p:cNvCxnSpPr>
+          <p:nvPr/>
+        </p:nvCxnSpPr>
+        <p:spPr>
+          <a:xfrm>
+            <a:off x="1141241" y="3166641"/>
+            <a:ext cx="0" cy="547037"/>
+          </a:xfrm>
+          <a:prstGeom prst="line">
+            <a:avLst/>
+          </a:prstGeom>
+        </p:spPr>
+        <p:style>
+          <a:lnRef idx="1">
+            <a:schemeClr val="accent1"/>
+          </a:lnRef>
+          <a:fillRef idx="0">
+            <a:schemeClr val="accent1"/>
+          </a:fillRef>
+          <a:effectRef idx="0">
+            <a:schemeClr val="accent1"/>
+          </a:effectRef>
+          <a:fontRef idx="minor">
+            <a:schemeClr val="tx1"/>
+          </a:fontRef>
+        </p:style>
+      </p:cxnSp>
+      <p:cxnSp>
+        <p:nvCxnSpPr>
+          <p:cNvPr id="55" name="直接连接符 54"/>
+          <p:cNvCxnSpPr>
+            <a:stCxn id="51" idx="3"/>
+            <a:endCxn id="24" idx="1"/>
+          </p:cNvCxnSpPr>
+          <p:nvPr/>
+        </p:nvCxnSpPr>
+        <p:spPr>
+          <a:xfrm flipH="1">
+            <a:off x="1141241" y="3166641"/>
+            <a:ext cx="2324638" cy="547037"/>
+          </a:xfrm>
+          <a:prstGeom prst="line">
+            <a:avLst/>
+          </a:prstGeom>
+        </p:spPr>
+        <p:style>
+          <a:lnRef idx="1">
+            <a:schemeClr val="accent1"/>
+          </a:lnRef>
+          <a:fillRef idx="0">
+            <a:schemeClr val="accent1"/>
+          </a:fillRef>
+          <a:effectRef idx="0">
+            <a:schemeClr val="accent1"/>
+          </a:effectRef>
+          <a:fontRef idx="minor">
+            <a:schemeClr val="tx1"/>
+          </a:fontRef>
+        </p:style>
+      </p:cxnSp>
+      <p:cxnSp>
+        <p:nvCxnSpPr>
+          <p:cNvPr id="58" name="直接连接符 57"/>
+          <p:cNvCxnSpPr>
+            <a:stCxn id="51" idx="3"/>
+            <a:endCxn id="25" idx="1"/>
+          </p:cNvCxnSpPr>
+          <p:nvPr/>
+        </p:nvCxnSpPr>
+        <p:spPr>
+          <a:xfrm>
+            <a:off x="3465879" y="3166641"/>
+            <a:ext cx="22988" cy="607338"/>
+          </a:xfrm>
+          <a:prstGeom prst="line">
+            <a:avLst/>
+          </a:prstGeom>
+        </p:spPr>
+        <p:style>
+          <a:lnRef idx="1">
+            <a:schemeClr val="accent1"/>
+          </a:lnRef>
+          <a:fillRef idx="0">
+            <a:schemeClr val="accent1"/>
+          </a:fillRef>
+          <a:effectRef idx="0">
+            <a:schemeClr val="accent1"/>
+          </a:effectRef>
+          <a:fontRef idx="minor">
+            <a:schemeClr val="tx1"/>
+          </a:fontRef>
+        </p:style>
+      </p:cxnSp>
+      <p:cxnSp>
+        <p:nvCxnSpPr>
+          <p:cNvPr id="61" name="直接连接符 60"/>
+          <p:cNvCxnSpPr>
+            <a:endCxn id="25" idx="1"/>
+          </p:cNvCxnSpPr>
+          <p:nvPr/>
+        </p:nvCxnSpPr>
+        <p:spPr>
+          <a:xfrm>
+            <a:off x="1256984" y="3163775"/>
+            <a:ext cx="2231883" cy="610204"/>
+          </a:xfrm>
+          <a:prstGeom prst="line">
+            <a:avLst/>
+          </a:prstGeom>
+        </p:spPr>
+        <p:style>
+          <a:lnRef idx="1">
+            <a:schemeClr val="accent1"/>
+          </a:lnRef>
+          <a:fillRef idx="0">
+            <a:schemeClr val="accent1"/>
+          </a:fillRef>
+          <a:effectRef idx="0">
+            <a:schemeClr val="accent1"/>
+          </a:effectRef>
+          <a:fontRef idx="minor">
+            <a:schemeClr val="tx1"/>
+          </a:fontRef>
+        </p:style>
+      </p:cxnSp>
+      <p:sp>
+        <p:nvSpPr>
+          <p:cNvPr id="64" name="文本框 63"/>
+          <p:cNvSpPr txBox="1"/>
+          <p:nvPr/>
+        </p:nvSpPr>
+        <p:spPr>
+          <a:xfrm>
+            <a:off x="4867960" y="3128903"/>
+            <a:ext cx="885249" cy="584775"/>
+          </a:xfrm>
+          <a:prstGeom prst="rect">
+            <a:avLst/>
+          </a:prstGeom>
+          <a:noFill/>
+        </p:spPr>
+        <p:txBody>
+          <a:bodyPr wrap="square" rtlCol="0">
+            <a:spAutoFit/>
+          </a:bodyPr>
+          <a:lstStyle/>
+          <a:p>
+            <a:r>
+              <a:rPr lang="en-US" altLang="zh-CN" sz="3200" b="1" dirty="0" smtClean="0"/>
+              <a:t>……</a:t>
+            </a:r>
+            <a:endParaRPr lang="zh-CN" altLang="en-US" sz="3200" b="1" dirty="0"/>
+          </a:p>
+        </p:txBody>
+      </p:sp>
+      <p:sp>
+        <p:nvSpPr>
+          <p:cNvPr id="66" name="文本框 65"/>
+          <p:cNvSpPr txBox="1"/>
+          <p:nvPr/>
+        </p:nvSpPr>
+        <p:spPr>
+          <a:xfrm>
+            <a:off x="2034371" y="1631530"/>
+            <a:ext cx="677108" cy="756458"/>
+          </a:xfrm>
+          <a:prstGeom prst="rect">
+            <a:avLst/>
+          </a:prstGeom>
+          <a:noFill/>
+        </p:spPr>
+        <p:txBody>
+          <a:bodyPr vert="eaVert" wrap="square" rtlCol="0">
+            <a:spAutoFit/>
+          </a:bodyPr>
+          <a:lstStyle/>
+          <a:p>
+            <a:r>
+              <a:rPr lang="en-US" altLang="zh-CN" sz="3200" b="1" dirty="0"/>
+              <a:t>……</a:t>
+            </a:r>
+            <a:endParaRPr lang="zh-CN" altLang="en-US" sz="3200" b="1" dirty="0"/>
+          </a:p>
+        </p:txBody>
+      </p:sp>
+      <p:sp>
+        <p:nvSpPr>
+          <p:cNvPr id="68" name="矩形 67"/>
+          <p:cNvSpPr/>
+          <p:nvPr/>
+        </p:nvSpPr>
+        <p:spPr>
+          <a:xfrm>
+            <a:off x="395357" y="6131185"/>
+            <a:ext cx="576000" cy="576000"/>
+          </a:xfrm>
+          <a:prstGeom prst="rect">
+            <a:avLst/>
+          </a:prstGeom>
+        </p:spPr>
+        <p:style>
+          <a:lnRef idx="2">
+            <a:schemeClr val="accent6">
+              <a:shade val="50000"/>
+            </a:schemeClr>
+          </a:lnRef>
+          <a:fillRef idx="1">
+            <a:schemeClr val="accent6"/>
+          </a:fillRef>
+          <a:effectRef idx="0">
+            <a:schemeClr val="accent6"/>
+          </a:effectRef>
+          <a:fontRef idx="minor">
+            <a:schemeClr val="lt1"/>
+          </a:fontRef>
+        </p:style>
+        <p:txBody>
+          <a:bodyPr rtlCol="0" anchor="ctr"/>
+          <a:lstStyle/>
+          <a:p>
+            <a:pPr algn="ctr"/>
+            <a:r>
+              <a:rPr lang="en-US" altLang="zh-CN" sz="1100" dirty="0" smtClean="0">
+                <a:latin typeface="Times New Roman" panose="02020603050405020304" pitchFamily="18" charset="0"/>
+                <a:cs typeface="Times New Roman" panose="02020603050405020304" pitchFamily="18" charset="0"/>
+              </a:rPr>
+              <a:t>VNF 1</a:t>
+            </a:r>
+            <a:endParaRPr lang="zh-CN" altLang="en-US" sz="1100" dirty="0">
+              <a:latin typeface="Times New Roman" panose="02020603050405020304" pitchFamily="18" charset="0"/>
+              <a:cs typeface="Times New Roman" panose="02020603050405020304" pitchFamily="18" charset="0"/>
+            </a:endParaRPr>
+          </a:p>
+        </p:txBody>
+      </p:sp>
+      <p:cxnSp>
+        <p:nvCxnSpPr>
+          <p:cNvPr id="70" name="直接箭头连接符 69"/>
+          <p:cNvCxnSpPr>
+            <a:stCxn id="68" idx="0"/>
+          </p:cNvCxnSpPr>
+          <p:nvPr/>
+        </p:nvCxnSpPr>
+        <p:spPr>
+          <a:xfrm flipV="1">
+            <a:off x="683357" y="5745195"/>
+            <a:ext cx="0" cy="385990"/>
+          </a:xfrm>
+          <a:prstGeom prst="straightConnector1">
+            <a:avLst/>
+          </a:prstGeom>
+          <a:ln>
+            <a:tailEnd type="triangle"/>
+          </a:ln>
+        </p:spPr>
+        <p:style>
+          <a:lnRef idx="1">
+            <a:schemeClr val="dk1"/>
+          </a:lnRef>
+          <a:fillRef idx="0">
+            <a:schemeClr val="dk1"/>
+          </a:fillRef>
+          <a:effectRef idx="0">
+            <a:schemeClr val="dk1"/>
+          </a:effectRef>
+          <a:fontRef idx="minor">
+            <a:schemeClr val="tx1"/>
+          </a:fontRef>
+        </p:style>
+      </p:cxnSp>
+      <p:sp>
+        <p:nvSpPr>
+          <p:cNvPr id="71" name="矩形 70"/>
+          <p:cNvSpPr/>
+          <p:nvPr/>
+        </p:nvSpPr>
+        <p:spPr>
+          <a:xfrm>
+            <a:off x="1317709" y="6142502"/>
+            <a:ext cx="576000" cy="576000"/>
+          </a:xfrm>
+          <a:prstGeom prst="rect">
+            <a:avLst/>
+          </a:prstGeom>
+        </p:spPr>
+        <p:style>
+          <a:lnRef idx="2">
+            <a:schemeClr val="accent6">
+              <a:shade val="50000"/>
+            </a:schemeClr>
+          </a:lnRef>
+          <a:fillRef idx="1">
+            <a:schemeClr val="accent6"/>
+          </a:fillRef>
+          <a:effectRef idx="0">
+            <a:schemeClr val="accent6"/>
+          </a:effectRef>
+          <a:fontRef idx="minor">
+            <a:schemeClr val="lt1"/>
+          </a:fontRef>
+        </p:style>
+        <p:txBody>
+          <a:bodyPr rtlCol="0" anchor="ctr"/>
+          <a:lstStyle/>
+          <a:p>
+            <a:pPr algn="ctr"/>
+            <a:r>
+              <a:rPr lang="en-US" altLang="zh-CN" sz="1100" dirty="0" smtClean="0">
+                <a:latin typeface="Times New Roman" panose="02020603050405020304" pitchFamily="18" charset="0"/>
+                <a:cs typeface="Times New Roman" panose="02020603050405020304" pitchFamily="18" charset="0"/>
+              </a:rPr>
+              <a:t>VNF 2</a:t>
+            </a:r>
+            <a:endParaRPr lang="zh-CN" altLang="en-US" sz="1100" dirty="0">
+              <a:latin typeface="Times New Roman" panose="02020603050405020304" pitchFamily="18" charset="0"/>
+              <a:cs typeface="Times New Roman" panose="02020603050405020304" pitchFamily="18" charset="0"/>
+            </a:endParaRPr>
+          </a:p>
+        </p:txBody>
+      </p:sp>
+      <p:cxnSp>
+        <p:nvCxnSpPr>
+          <p:cNvPr id="72" name="直接箭头连接符 71"/>
+          <p:cNvCxnSpPr>
+            <a:stCxn id="71" idx="0"/>
+            <a:endCxn id="27" idx="2"/>
+          </p:cNvCxnSpPr>
+          <p:nvPr/>
+        </p:nvCxnSpPr>
+        <p:spPr>
+          <a:xfrm flipV="1">
+            <a:off x="1605709" y="5745195"/>
+            <a:ext cx="1" cy="397307"/>
+          </a:xfrm>
+          <a:prstGeom prst="straightConnector1">
+            <a:avLst/>
+          </a:prstGeom>
+          <a:ln>
+            <a:tailEnd type="triangle"/>
+          </a:ln>
+        </p:spPr>
+        <p:style>
+          <a:lnRef idx="1">
+            <a:schemeClr val="dk1"/>
+          </a:lnRef>
+          <a:fillRef idx="0">
+            <a:schemeClr val="dk1"/>
+          </a:fillRef>
+          <a:effectRef idx="0">
+            <a:schemeClr val="dk1"/>
+          </a:effectRef>
+          <a:fontRef idx="minor">
+            <a:schemeClr val="tx1"/>
+          </a:fontRef>
+        </p:style>
+      </p:cxnSp>
+      <p:sp>
+        <p:nvSpPr>
+          <p:cNvPr id="75" name="矩形 74"/>
+          <p:cNvSpPr/>
+          <p:nvPr/>
+        </p:nvSpPr>
+        <p:spPr>
+          <a:xfrm>
+            <a:off x="2735770" y="6140236"/>
+            <a:ext cx="576000" cy="576000"/>
+          </a:xfrm>
+          <a:prstGeom prst="rect">
+            <a:avLst/>
+          </a:prstGeom>
+        </p:spPr>
+        <p:style>
+          <a:lnRef idx="2">
+            <a:schemeClr val="accent6">
+              <a:shade val="50000"/>
+            </a:schemeClr>
+          </a:lnRef>
+          <a:fillRef idx="1">
+            <a:schemeClr val="accent6"/>
+          </a:fillRef>
+          <a:effectRef idx="0">
+            <a:schemeClr val="accent6"/>
+          </a:effectRef>
+          <a:fontRef idx="minor">
+            <a:schemeClr val="lt1"/>
+          </a:fontRef>
+        </p:style>
+        <p:txBody>
+          <a:bodyPr rtlCol="0" anchor="ctr"/>
+          <a:lstStyle/>
+          <a:p>
+            <a:pPr algn="ctr"/>
+            <a:r>
+              <a:rPr lang="en-US" altLang="zh-CN" sz="1100" dirty="0" smtClean="0">
+                <a:latin typeface="Times New Roman" panose="02020603050405020304" pitchFamily="18" charset="0"/>
+                <a:cs typeface="Times New Roman" panose="02020603050405020304" pitchFamily="18" charset="0"/>
+              </a:rPr>
+              <a:t>VNF 3</a:t>
+            </a:r>
+            <a:endParaRPr lang="zh-CN" altLang="en-US" sz="1100" dirty="0">
+              <a:latin typeface="Times New Roman" panose="02020603050405020304" pitchFamily="18" charset="0"/>
+              <a:cs typeface="Times New Roman" panose="02020603050405020304" pitchFamily="18" charset="0"/>
+            </a:endParaRPr>
+          </a:p>
+        </p:txBody>
+      </p:sp>
+      <p:sp>
+        <p:nvSpPr>
+          <p:cNvPr id="76" name="矩形 75"/>
+          <p:cNvSpPr/>
+          <p:nvPr/>
+        </p:nvSpPr>
+        <p:spPr>
+          <a:xfrm>
+            <a:off x="3683773" y="6131185"/>
+            <a:ext cx="576000" cy="576000"/>
+          </a:xfrm>
+          <a:prstGeom prst="rect">
+            <a:avLst/>
+          </a:prstGeom>
+        </p:spPr>
+        <p:style>
+          <a:lnRef idx="2">
+            <a:schemeClr val="accent6">
+              <a:shade val="50000"/>
+            </a:schemeClr>
+          </a:lnRef>
+          <a:fillRef idx="1">
+            <a:schemeClr val="accent6"/>
+          </a:fillRef>
+          <a:effectRef idx="0">
+            <a:schemeClr val="accent6"/>
+          </a:effectRef>
+          <a:fontRef idx="minor">
+            <a:schemeClr val="lt1"/>
+          </a:fontRef>
+        </p:style>
+        <p:txBody>
+          <a:bodyPr rtlCol="0" anchor="ctr"/>
+          <a:lstStyle/>
+          <a:p>
+            <a:pPr algn="ctr"/>
+            <a:r>
+              <a:rPr lang="en-US" altLang="zh-CN" sz="1100" dirty="0" smtClean="0">
+                <a:latin typeface="Times New Roman" panose="02020603050405020304" pitchFamily="18" charset="0"/>
+                <a:cs typeface="Times New Roman" panose="02020603050405020304" pitchFamily="18" charset="0"/>
+              </a:rPr>
+              <a:t>VNF 4~7</a:t>
+            </a:r>
+            <a:endParaRPr lang="zh-CN" altLang="en-US" sz="1100" dirty="0">
+              <a:latin typeface="Times New Roman" panose="02020603050405020304" pitchFamily="18" charset="0"/>
+              <a:cs typeface="Times New Roman" panose="02020603050405020304" pitchFamily="18" charset="0"/>
+            </a:endParaRPr>
+          </a:p>
+        </p:txBody>
+      </p:sp>
+      <p:cxnSp>
+        <p:nvCxnSpPr>
+          <p:cNvPr id="77" name="直接箭头连接符 76"/>
+          <p:cNvCxnSpPr>
+            <a:stCxn id="75" idx="0"/>
+            <a:endCxn id="28" idx="2"/>
+          </p:cNvCxnSpPr>
+          <p:nvPr/>
+        </p:nvCxnSpPr>
+        <p:spPr>
+          <a:xfrm flipH="1" flipV="1">
+            <a:off x="3020529" y="5745195"/>
+            <a:ext cx="3241" cy="395041"/>
+          </a:xfrm>
+          <a:prstGeom prst="straightConnector1">
+            <a:avLst/>
+          </a:prstGeom>
+          <a:ln>
+            <a:tailEnd type="triangle"/>
+          </a:ln>
+        </p:spPr>
+        <p:style>
+          <a:lnRef idx="1">
+            <a:schemeClr val="dk1"/>
+          </a:lnRef>
+          <a:fillRef idx="0">
+            <a:schemeClr val="dk1"/>
+          </a:fillRef>
+          <a:effectRef idx="0">
+            <a:schemeClr val="dk1"/>
+          </a:effectRef>
+          <a:fontRef idx="minor">
+            <a:schemeClr val="tx1"/>
+          </a:fontRef>
+        </p:style>
+      </p:cxnSp>
+      <p:cxnSp>
+        <p:nvCxnSpPr>
+          <p:cNvPr id="81" name="直接箭头连接符 80"/>
+          <p:cNvCxnSpPr>
+            <a:stCxn id="76" idx="0"/>
+            <a:endCxn id="29" idx="2"/>
+          </p:cNvCxnSpPr>
+          <p:nvPr/>
+        </p:nvCxnSpPr>
+        <p:spPr>
+          <a:xfrm flipH="1" flipV="1">
+            <a:off x="3953081" y="5745195"/>
+            <a:ext cx="18692" cy="385990"/>
+          </a:xfrm>
+          <a:prstGeom prst="straightConnector1">
+            <a:avLst/>
+          </a:prstGeom>
+          <a:ln>
+            <a:tailEnd type="triangle"/>
+          </a:ln>
+        </p:spPr>
+        <p:style>
+          <a:lnRef idx="1">
+            <a:schemeClr val="dk1"/>
+          </a:lnRef>
+          <a:fillRef idx="0">
+            <a:schemeClr val="dk1"/>
+          </a:fillRef>
+          <a:effectRef idx="0">
+            <a:schemeClr val="dk1"/>
+          </a:effectRef>
+          <a:fontRef idx="minor">
+            <a:schemeClr val="tx1"/>
+          </a:fontRef>
+        </p:style>
+      </p:cxnSp>
+      <p:sp>
+        <p:nvSpPr>
+          <p:cNvPr id="86" name="矩形 85"/>
+          <p:cNvSpPr/>
+          <p:nvPr/>
+        </p:nvSpPr>
+        <p:spPr>
+          <a:xfrm>
+            <a:off x="6610744" y="504386"/>
+            <a:ext cx="576000" cy="576000"/>
+          </a:xfrm>
+          <a:prstGeom prst="rect">
+            <a:avLst/>
+          </a:prstGeom>
+        </p:spPr>
+        <p:style>
+          <a:lnRef idx="2">
+            <a:schemeClr val="accent6">
+              <a:shade val="50000"/>
+            </a:schemeClr>
+          </a:lnRef>
+          <a:fillRef idx="1">
+            <a:schemeClr val="accent6"/>
+          </a:fillRef>
+          <a:effectRef idx="0">
+            <a:schemeClr val="accent6"/>
+          </a:effectRef>
+          <a:fontRef idx="minor">
+            <a:schemeClr val="lt1"/>
+          </a:fontRef>
+        </p:style>
+        <p:txBody>
+          <a:bodyPr rtlCol="0" anchor="ctr"/>
+          <a:lstStyle/>
+          <a:p>
+            <a:pPr algn="ctr"/>
+            <a:r>
+              <a:rPr lang="en-US" altLang="zh-CN" sz="1100" dirty="0" smtClean="0">
+                <a:latin typeface="Times New Roman" panose="02020603050405020304" pitchFamily="18" charset="0"/>
+                <a:cs typeface="Times New Roman" panose="02020603050405020304" pitchFamily="18" charset="0"/>
+              </a:rPr>
+              <a:t>VNF 4~7</a:t>
+            </a:r>
+            <a:endParaRPr lang="zh-CN" altLang="en-US" sz="1100" dirty="0">
+              <a:latin typeface="Times New Roman" panose="02020603050405020304" pitchFamily="18" charset="0"/>
+              <a:cs typeface="Times New Roman" panose="02020603050405020304" pitchFamily="18" charset="0"/>
+            </a:endParaRPr>
+          </a:p>
+        </p:txBody>
+      </p:sp>
+      <p:sp>
+        <p:nvSpPr>
+          <p:cNvPr id="87" name="椭圆 86"/>
+          <p:cNvSpPr/>
+          <p:nvPr/>
+        </p:nvSpPr>
+        <p:spPr>
+          <a:xfrm>
+            <a:off x="8927603" y="298610"/>
+            <a:ext cx="2474713" cy="987552"/>
+          </a:xfrm>
+          <a:prstGeom prst="ellipse">
+            <a:avLst/>
+          </a:prstGeom>
+          <a:solidFill>
+            <a:srgbClr val="F8CAAD"/>
+          </a:solidFill>
+          <a:ln>
+            <a:noFill/>
+          </a:ln>
+        </p:spPr>
+        <p:style>
+          <a:lnRef idx="2">
+            <a:schemeClr val="accent1">
+              <a:shade val="50000"/>
+            </a:schemeClr>
+          </a:lnRef>
+          <a:fillRef idx="1">
+            <a:schemeClr val="accent1"/>
+          </a:fillRef>
+          <a:effectRef idx="0">
+            <a:schemeClr val="accent1"/>
+          </a:effectRef>
+          <a:fontRef idx="minor">
+            <a:schemeClr val="lt1"/>
+          </a:fontRef>
+        </p:style>
+        <p:txBody>
+          <a:bodyPr rtlCol="0" anchor="ctr"/>
+          <a:lstStyle/>
+          <a:p>
+            <a:pPr algn="ctr"/>
+            <a:r>
+              <a:rPr lang="en-US" altLang="zh-CN" dirty="0" smtClean="0">
+                <a:latin typeface="Times New Roman" panose="02020603050405020304" pitchFamily="18" charset="0"/>
+                <a:cs typeface="Times New Roman" panose="02020603050405020304" pitchFamily="18" charset="0"/>
+              </a:rPr>
+              <a:t>Strategy generator</a:t>
+            </a:r>
+            <a:endParaRPr lang="zh-CN" altLang="en-US" dirty="0">
+              <a:latin typeface="Times New Roman" panose="02020603050405020304" pitchFamily="18" charset="0"/>
+              <a:cs typeface="Times New Roman" panose="02020603050405020304" pitchFamily="18" charset="0"/>
+            </a:endParaRPr>
+          </a:p>
+        </p:txBody>
+      </p:sp>
+      <p:cxnSp>
+        <p:nvCxnSpPr>
+          <p:cNvPr id="89" name="直接箭头连接符 88">
+            <a:extLst>
+              <a:ext uri="{FF2B5EF4-FFF2-40B4-BE49-F238E27FC236}">
+                <a16:creationId xmlns:a16="http://schemas.microsoft.com/office/drawing/2014/main" id="{7BE7DFEA-379D-4B16-8233-F34FD9A1C0AC}"/>
+              </a:ext>
+            </a:extLst>
+          </p:cNvPr>
+          <p:cNvCxnSpPr>
+            <a:cxnSpLocks/>
+            <a:endCxn id="50" idx="1"/>
+          </p:cNvCxnSpPr>
+          <p:nvPr/>
+        </p:nvCxnSpPr>
+        <p:spPr>
+          <a:xfrm flipH="1">
+            <a:off x="1141241" y="2068471"/>
+            <a:ext cx="5480" cy="557843"/>
+          </a:xfrm>
+          <a:prstGeom prst="straightConnector1">
+            <a:avLst/>
+          </a:prstGeom>
+          <a:ln w="12700" cap="flat" cmpd="sng" algn="ctr">
+            <a:solidFill>
+              <a:schemeClr val="accent6"/>
+            </a:solidFill>
+            <a:prstDash val="dash"/>
+            <a:round/>
+            <a:headEnd type="none" w="med" len="med"/>
+            <a:tailEnd type="arrow" w="med" len="med"/>
+          </a:ln>
+        </p:spPr>
+        <p:style>
+          <a:lnRef idx="0">
+            <a:scrgbClr r="0" g="0" b="0"/>
+          </a:lnRef>
+          <a:fillRef idx="0">
+            <a:scrgbClr r="0" g="0" b="0"/>
+          </a:fillRef>
+          <a:effectRef idx="0">
+            <a:scrgbClr r="0" g="0" b="0"/>
+          </a:effectRef>
+          <a:fontRef idx="minor">
+            <a:schemeClr val="tx1"/>
+          </a:fontRef>
+        </p:style>
+      </p:cxnSp>
+      <p:cxnSp>
+        <p:nvCxnSpPr>
+          <p:cNvPr id="93" name="直接箭头连接符 92">
+            <a:extLst>
+              <a:ext uri="{FF2B5EF4-FFF2-40B4-BE49-F238E27FC236}">
+                <a16:creationId xmlns:a16="http://schemas.microsoft.com/office/drawing/2014/main" id="{7BE7DFEA-379D-4B16-8233-F34FD9A1C0AC}"/>
+              </a:ext>
+            </a:extLst>
+          </p:cNvPr>
+          <p:cNvCxnSpPr>
+            <a:cxnSpLocks/>
+          </p:cNvCxnSpPr>
+          <p:nvPr/>
+        </p:nvCxnSpPr>
+        <p:spPr>
+          <a:xfrm>
+            <a:off x="1026969" y="3237236"/>
+            <a:ext cx="14716" cy="390427"/>
+          </a:xfrm>
+          <a:prstGeom prst="straightConnector1">
+            <a:avLst/>
+          </a:prstGeom>
+          <a:ln w="12700" cap="flat" cmpd="sng" algn="ctr">
+            <a:solidFill>
+              <a:schemeClr val="accent6"/>
+            </a:solidFill>
+            <a:prstDash val="dash"/>
+            <a:round/>
+            <a:headEnd type="none" w="med" len="med"/>
+            <a:tailEnd type="arrow" w="med" len="med"/>
+          </a:ln>
+        </p:spPr>
+        <p:style>
+          <a:lnRef idx="0">
+            <a:scrgbClr r="0" g="0" b="0"/>
+          </a:lnRef>
+          <a:fillRef idx="0">
+            <a:scrgbClr r="0" g="0" b="0"/>
+          </a:fillRef>
+          <a:effectRef idx="0">
+            <a:scrgbClr r="0" g="0" b="0"/>
+          </a:effectRef>
+          <a:fontRef idx="minor">
+            <a:schemeClr val="tx1"/>
+          </a:fontRef>
+        </p:style>
+      </p:cxnSp>
+      <p:cxnSp>
+        <p:nvCxnSpPr>
+          <p:cNvPr id="95" name="直接箭头连接符 94">
+            <a:extLst>
+              <a:ext uri="{FF2B5EF4-FFF2-40B4-BE49-F238E27FC236}">
+                <a16:creationId xmlns:a16="http://schemas.microsoft.com/office/drawing/2014/main" id="{7BE7DFEA-379D-4B16-8233-F34FD9A1C0AC}"/>
+              </a:ext>
+            </a:extLst>
+          </p:cNvPr>
+          <p:cNvCxnSpPr>
+            <a:cxnSpLocks/>
+          </p:cNvCxnSpPr>
+          <p:nvPr/>
+        </p:nvCxnSpPr>
+        <p:spPr>
+          <a:xfrm flipH="1">
+            <a:off x="679804" y="4314306"/>
+            <a:ext cx="342297" cy="475008"/>
+          </a:xfrm>
+          <a:prstGeom prst="straightConnector1">
+            <a:avLst/>
+          </a:prstGeom>
+          <a:ln w="12700" cap="flat" cmpd="sng" algn="ctr">
+            <a:solidFill>
+              <a:schemeClr val="accent6"/>
+            </a:solidFill>
+            <a:prstDash val="dash"/>
+            <a:round/>
+            <a:headEnd type="none" w="med" len="med"/>
+            <a:tailEnd type="arrow" w="med" len="med"/>
+          </a:ln>
+        </p:spPr>
+        <p:style>
+          <a:lnRef idx="0">
+            <a:scrgbClr r="0" g="0" b="0"/>
+          </a:lnRef>
+          <a:fillRef idx="0">
+            <a:scrgbClr r="0" g="0" b="0"/>
+          </a:fillRef>
+          <a:effectRef idx="0">
+            <a:scrgbClr r="0" g="0" b="0"/>
+          </a:effectRef>
+          <a:fontRef idx="minor">
+            <a:schemeClr val="tx1"/>
+          </a:fontRef>
+        </p:style>
+      </p:cxnSp>
+      <p:cxnSp>
+        <p:nvCxnSpPr>
+          <p:cNvPr id="101" name="直接箭头连接符 100">
+            <a:extLst>
+              <a:ext uri="{FF2B5EF4-FFF2-40B4-BE49-F238E27FC236}">
+                <a16:creationId xmlns:a16="http://schemas.microsoft.com/office/drawing/2014/main" id="{7BE7DFEA-379D-4B16-8233-F34FD9A1C0AC}"/>
+              </a:ext>
+            </a:extLst>
+          </p:cNvPr>
+          <p:cNvCxnSpPr>
+            <a:cxnSpLocks/>
+          </p:cNvCxnSpPr>
+          <p:nvPr/>
+        </p:nvCxnSpPr>
+        <p:spPr>
+          <a:xfrm rot="10800000" flipH="1">
+            <a:off x="818169" y="4375319"/>
+            <a:ext cx="342297" cy="475008"/>
+          </a:xfrm>
+          <a:prstGeom prst="straightConnector1">
+            <a:avLst/>
+          </a:prstGeom>
+          <a:ln w="12700" cap="flat" cmpd="sng" algn="ctr">
+            <a:solidFill>
+              <a:schemeClr val="accent6"/>
+            </a:solidFill>
+            <a:prstDash val="dash"/>
+            <a:round/>
+            <a:headEnd type="none" w="med" len="med"/>
+            <a:tailEnd type="arrow" w="med" len="med"/>
+          </a:ln>
+        </p:spPr>
+        <p:style>
+          <a:lnRef idx="0">
+            <a:scrgbClr r="0" g="0" b="0"/>
+          </a:lnRef>
+          <a:fillRef idx="0">
+            <a:scrgbClr r="0" g="0" b="0"/>
+          </a:fillRef>
+          <a:effectRef idx="0">
+            <a:scrgbClr r="0" g="0" b="0"/>
+          </a:effectRef>
+          <a:fontRef idx="minor">
+            <a:schemeClr val="tx1"/>
+          </a:fontRef>
+        </p:style>
+      </p:cxnSp>
+      <p:cxnSp>
+        <p:nvCxnSpPr>
+          <p:cNvPr id="102" name="直接箭头连接符 101">
+            <a:extLst>
+              <a:ext uri="{FF2B5EF4-FFF2-40B4-BE49-F238E27FC236}">
+                <a16:creationId xmlns:a16="http://schemas.microsoft.com/office/drawing/2014/main" id="{7BE7DFEA-379D-4B16-8233-F34FD9A1C0AC}"/>
+              </a:ext>
+            </a:extLst>
+          </p:cNvPr>
+          <p:cNvCxnSpPr>
+            <a:cxnSpLocks/>
+          </p:cNvCxnSpPr>
+          <p:nvPr/>
+        </p:nvCxnSpPr>
+        <p:spPr>
+          <a:xfrm>
+            <a:off x="1209945" y="4457376"/>
+            <a:ext cx="232544" cy="410318"/>
+          </a:xfrm>
+          <a:prstGeom prst="straightConnector1">
+            <a:avLst/>
+          </a:prstGeom>
+          <a:ln w="12700" cap="flat" cmpd="sng" algn="ctr">
+            <a:solidFill>
+              <a:schemeClr val="accent6"/>
+            </a:solidFill>
+            <a:prstDash val="dash"/>
+            <a:round/>
+            <a:headEnd type="none" w="med" len="med"/>
+            <a:tailEnd type="arrow" w="med" len="med"/>
+          </a:ln>
+        </p:spPr>
+        <p:style>
+          <a:lnRef idx="0">
+            <a:scrgbClr r="0" g="0" b="0"/>
+          </a:lnRef>
+          <a:fillRef idx="0">
+            <a:scrgbClr r="0" g="0" b="0"/>
+          </a:fillRef>
+          <a:effectRef idx="0">
+            <a:scrgbClr r="0" g="0" b="0"/>
+          </a:effectRef>
+          <a:fontRef idx="minor">
+            <a:schemeClr val="tx1"/>
+          </a:fontRef>
+        </p:style>
+      </p:cxnSp>
+      <p:cxnSp>
+        <p:nvCxnSpPr>
+          <p:cNvPr id="105" name="直接箭头连接符 104">
+            <a:extLst>
+              <a:ext uri="{FF2B5EF4-FFF2-40B4-BE49-F238E27FC236}">
+                <a16:creationId xmlns:a16="http://schemas.microsoft.com/office/drawing/2014/main" id="{7BE7DFEA-379D-4B16-8233-F34FD9A1C0AC}"/>
+              </a:ext>
+            </a:extLst>
+          </p:cNvPr>
+          <p:cNvCxnSpPr>
+            <a:cxnSpLocks/>
+          </p:cNvCxnSpPr>
+          <p:nvPr/>
+        </p:nvCxnSpPr>
+        <p:spPr>
+          <a:xfrm flipH="1" flipV="1">
+            <a:off x="1339604" y="4387668"/>
+            <a:ext cx="299159" cy="413374"/>
+          </a:xfrm>
+          <a:prstGeom prst="straightConnector1">
+            <a:avLst/>
+          </a:prstGeom>
+          <a:ln w="12700" cap="flat" cmpd="sng" algn="ctr">
+            <a:solidFill>
+              <a:schemeClr val="accent6"/>
+            </a:solidFill>
+            <a:prstDash val="dash"/>
+            <a:round/>
+            <a:headEnd type="none" w="med" len="med"/>
+            <a:tailEnd type="arrow" w="med" len="med"/>
+          </a:ln>
+        </p:spPr>
+        <p:style>
+          <a:lnRef idx="0">
+            <a:scrgbClr r="0" g="0" b="0"/>
+          </a:lnRef>
+          <a:fillRef idx="0">
+            <a:scrgbClr r="0" g="0" b="0"/>
+          </a:fillRef>
+          <a:effectRef idx="0">
+            <a:scrgbClr r="0" g="0" b="0"/>
+          </a:effectRef>
+          <a:fontRef idx="minor">
+            <a:schemeClr val="tx1"/>
+          </a:fontRef>
+        </p:style>
+      </p:cxnSp>
+      <p:cxnSp>
+        <p:nvCxnSpPr>
+          <p:cNvPr id="108" name="直接箭头连接符 107">
+            <a:extLst>
+              <a:ext uri="{FF2B5EF4-FFF2-40B4-BE49-F238E27FC236}">
+                <a16:creationId xmlns:a16="http://schemas.microsoft.com/office/drawing/2014/main" id="{7BE7DFEA-379D-4B16-8233-F34FD9A1C0AC}"/>
+              </a:ext>
+            </a:extLst>
+          </p:cNvPr>
+          <p:cNvCxnSpPr>
+            <a:cxnSpLocks/>
+          </p:cNvCxnSpPr>
+          <p:nvPr/>
+        </p:nvCxnSpPr>
+        <p:spPr>
+          <a:xfrm flipV="1">
+            <a:off x="1520541" y="3281806"/>
+            <a:ext cx="1839336" cy="431872"/>
+          </a:xfrm>
+          <a:prstGeom prst="straightConnector1">
+            <a:avLst/>
+          </a:prstGeom>
+          <a:ln w="12700" cap="flat" cmpd="sng" algn="ctr">
+            <a:solidFill>
+              <a:schemeClr val="accent6"/>
+            </a:solidFill>
+            <a:prstDash val="dash"/>
+            <a:round/>
+            <a:headEnd type="none" w="med" len="med"/>
+            <a:tailEnd type="arrow" w="med" len="med"/>
+          </a:ln>
+        </p:spPr>
+        <p:style>
+          <a:lnRef idx="0">
+            <a:scrgbClr r="0" g="0" b="0"/>
+          </a:lnRef>
+          <a:fillRef idx="0">
+            <a:scrgbClr r="0" g="0" b="0"/>
+          </a:fillRef>
+          <a:effectRef idx="0">
+            <a:scrgbClr r="0" g="0" b="0"/>
+          </a:effectRef>
+          <a:fontRef idx="minor">
+            <a:schemeClr val="tx1"/>
+          </a:fontRef>
+        </p:style>
+      </p:cxnSp>
+      <p:cxnSp>
+        <p:nvCxnSpPr>
+          <p:cNvPr id="112" name="直接箭头连接符 111">
+            <a:extLst>
+              <a:ext uri="{FF2B5EF4-FFF2-40B4-BE49-F238E27FC236}">
+                <a16:creationId xmlns:a16="http://schemas.microsoft.com/office/drawing/2014/main" id="{7BE7DFEA-379D-4B16-8233-F34FD9A1C0AC}"/>
+              </a:ext>
+            </a:extLst>
+          </p:cNvPr>
+          <p:cNvCxnSpPr>
+            <a:cxnSpLocks/>
+          </p:cNvCxnSpPr>
+          <p:nvPr/>
+        </p:nvCxnSpPr>
+        <p:spPr>
+          <a:xfrm>
+            <a:off x="3393292" y="3301482"/>
+            <a:ext cx="14716" cy="390427"/>
+          </a:xfrm>
+          <a:prstGeom prst="straightConnector1">
+            <a:avLst/>
+          </a:prstGeom>
+          <a:ln w="12700" cap="flat" cmpd="sng" algn="ctr">
+            <a:solidFill>
+              <a:schemeClr val="accent6"/>
+            </a:solidFill>
+            <a:prstDash val="dash"/>
+            <a:round/>
+            <a:headEnd type="none" w="med" len="med"/>
+            <a:tailEnd type="arrow" w="med" len="med"/>
+          </a:ln>
+        </p:spPr>
+        <p:style>
+          <a:lnRef idx="0">
+            <a:scrgbClr r="0" g="0" b="0"/>
+          </a:lnRef>
+          <a:fillRef idx="0">
+            <a:scrgbClr r="0" g="0" b="0"/>
+          </a:fillRef>
+          <a:effectRef idx="0">
+            <a:scrgbClr r="0" g="0" b="0"/>
+          </a:effectRef>
+          <a:fontRef idx="minor">
+            <a:schemeClr val="tx1"/>
+          </a:fontRef>
+        </p:style>
+      </p:cxnSp>
+      <p:cxnSp>
+        <p:nvCxnSpPr>
+          <p:cNvPr id="113" name="直接箭头连接符 112">
+            <a:extLst>
+              <a:ext uri="{FF2B5EF4-FFF2-40B4-BE49-F238E27FC236}">
+                <a16:creationId xmlns:a16="http://schemas.microsoft.com/office/drawing/2014/main" id="{7BE7DFEA-379D-4B16-8233-F34FD9A1C0AC}"/>
+              </a:ext>
+            </a:extLst>
+          </p:cNvPr>
+          <p:cNvCxnSpPr>
+            <a:cxnSpLocks/>
+          </p:cNvCxnSpPr>
+          <p:nvPr/>
+        </p:nvCxnSpPr>
+        <p:spPr>
+          <a:xfrm flipH="1">
+            <a:off x="2962959" y="4388927"/>
+            <a:ext cx="342297" cy="475008"/>
+          </a:xfrm>
+          <a:prstGeom prst="straightConnector1">
+            <a:avLst/>
+          </a:prstGeom>
+          <a:ln w="12700" cap="flat" cmpd="sng" algn="ctr">
+            <a:solidFill>
+              <a:schemeClr val="accent6"/>
+            </a:solidFill>
+            <a:prstDash val="dash"/>
+            <a:round/>
+            <a:headEnd type="none" w="med" len="med"/>
+            <a:tailEnd type="arrow" w="med" len="med"/>
+          </a:ln>
+        </p:spPr>
+        <p:style>
+          <a:lnRef idx="0">
+            <a:scrgbClr r="0" g="0" b="0"/>
+          </a:lnRef>
+          <a:fillRef idx="0">
+            <a:scrgbClr r="0" g="0" b="0"/>
+          </a:fillRef>
+          <a:effectRef idx="0">
+            <a:scrgbClr r="0" g="0" b="0"/>
+          </a:effectRef>
+          <a:fontRef idx="minor">
+            <a:schemeClr val="tx1"/>
+          </a:fontRef>
+        </p:style>
+      </p:cxnSp>
+      <p:cxnSp>
+        <p:nvCxnSpPr>
+          <p:cNvPr id="114" name="直接箭头连接符 113">
+            <a:extLst>
+              <a:ext uri="{FF2B5EF4-FFF2-40B4-BE49-F238E27FC236}">
+                <a16:creationId xmlns:a16="http://schemas.microsoft.com/office/drawing/2014/main" id="{7BE7DFEA-379D-4B16-8233-F34FD9A1C0AC}"/>
+              </a:ext>
+            </a:extLst>
+          </p:cNvPr>
+          <p:cNvCxnSpPr>
+            <a:cxnSpLocks/>
+          </p:cNvCxnSpPr>
+          <p:nvPr/>
+        </p:nvCxnSpPr>
+        <p:spPr>
+          <a:xfrm rot="10800000" flipH="1">
+            <a:off x="3165923" y="4420328"/>
+            <a:ext cx="342297" cy="475008"/>
+          </a:xfrm>
+          <a:prstGeom prst="straightConnector1">
+            <a:avLst/>
+          </a:prstGeom>
+          <a:ln w="12700" cap="flat" cmpd="sng" algn="ctr">
+            <a:solidFill>
+              <a:schemeClr val="accent6"/>
+            </a:solidFill>
+            <a:prstDash val="dash"/>
+            <a:round/>
+            <a:headEnd type="none" w="med" len="med"/>
+            <a:tailEnd type="arrow" w="med" len="med"/>
+          </a:ln>
+        </p:spPr>
+        <p:style>
+          <a:lnRef idx="0">
+            <a:scrgbClr r="0" g="0" b="0"/>
+          </a:lnRef>
+          <a:fillRef idx="0">
+            <a:scrgbClr r="0" g="0" b="0"/>
+          </a:fillRef>
+          <a:effectRef idx="0">
+            <a:scrgbClr r="0" g="0" b="0"/>
+          </a:effectRef>
+          <a:fontRef idx="minor">
+            <a:schemeClr val="tx1"/>
+          </a:fontRef>
+        </p:style>
+      </p:cxnSp>
+      <p:cxnSp>
+        <p:nvCxnSpPr>
+          <p:cNvPr id="115" name="直接箭头连接符 114">
+            <a:extLst>
+              <a:ext uri="{FF2B5EF4-FFF2-40B4-BE49-F238E27FC236}">
+                <a16:creationId xmlns:a16="http://schemas.microsoft.com/office/drawing/2014/main" id="{7BE7DFEA-379D-4B16-8233-F34FD9A1C0AC}"/>
+              </a:ext>
+            </a:extLst>
+          </p:cNvPr>
+          <p:cNvCxnSpPr>
+            <a:cxnSpLocks/>
+          </p:cNvCxnSpPr>
+          <p:nvPr/>
+        </p:nvCxnSpPr>
+        <p:spPr>
+          <a:xfrm>
+            <a:off x="3556206" y="4485018"/>
+            <a:ext cx="232544" cy="410318"/>
+          </a:xfrm>
+          <a:prstGeom prst="straightConnector1">
+            <a:avLst/>
+          </a:prstGeom>
+          <a:ln w="12700" cap="flat" cmpd="sng" algn="ctr">
+            <a:solidFill>
+              <a:schemeClr val="accent6"/>
+            </a:solidFill>
+            <a:prstDash val="dash"/>
+            <a:round/>
+            <a:headEnd type="none" w="med" len="med"/>
+            <a:tailEnd type="arrow" w="med" len="med"/>
+          </a:ln>
+        </p:spPr>
+        <p:style>
+          <a:lnRef idx="0">
+            <a:scrgbClr r="0" g="0" b="0"/>
+          </a:lnRef>
+          <a:fillRef idx="0">
+            <a:scrgbClr r="0" g="0" b="0"/>
+          </a:fillRef>
+          <a:effectRef idx="0">
+            <a:scrgbClr r="0" g="0" b="0"/>
+          </a:effectRef>
+          <a:fontRef idx="minor">
+            <a:schemeClr val="tx1"/>
+          </a:fontRef>
+        </p:style>
+      </p:cxnSp>
+      <p:cxnSp>
+        <p:nvCxnSpPr>
+          <p:cNvPr id="116" name="直接箭头连接符 115">
+            <a:extLst>
+              <a:ext uri="{FF2B5EF4-FFF2-40B4-BE49-F238E27FC236}">
+                <a16:creationId xmlns:a16="http://schemas.microsoft.com/office/drawing/2014/main" id="{7BE7DFEA-379D-4B16-8233-F34FD9A1C0AC}"/>
+              </a:ext>
+            </a:extLst>
+          </p:cNvPr>
+          <p:cNvCxnSpPr>
+            <a:cxnSpLocks/>
+          </p:cNvCxnSpPr>
+          <p:nvPr/>
+        </p:nvCxnSpPr>
+        <p:spPr>
+          <a:xfrm flipH="1" flipV="1">
+            <a:off x="3698032" y="4406136"/>
+            <a:ext cx="299159" cy="413374"/>
+          </a:xfrm>
+          <a:prstGeom prst="straightConnector1">
+            <a:avLst/>
+          </a:prstGeom>
+          <a:ln w="12700" cap="flat" cmpd="sng" algn="ctr">
+            <a:solidFill>
+              <a:schemeClr val="accent6"/>
+            </a:solidFill>
+            <a:prstDash val="dash"/>
+            <a:round/>
+            <a:headEnd type="none" w="med" len="med"/>
+            <a:tailEnd type="arrow" w="med" len="med"/>
+          </a:ln>
+        </p:spPr>
+        <p:style>
+          <a:lnRef idx="0">
+            <a:scrgbClr r="0" g="0" b="0"/>
+          </a:lnRef>
+          <a:fillRef idx="0">
+            <a:scrgbClr r="0" g="0" b="0"/>
+          </a:fillRef>
+          <a:effectRef idx="0">
+            <a:scrgbClr r="0" g="0" b="0"/>
+          </a:effectRef>
+          <a:fontRef idx="minor">
+            <a:schemeClr val="tx1"/>
+          </a:fontRef>
+        </p:style>
+      </p:cxnSp>
+      <p:cxnSp>
+        <p:nvCxnSpPr>
+          <p:cNvPr id="117" name="直接箭头连接符 116">
+            <a:extLst>
+              <a:ext uri="{FF2B5EF4-FFF2-40B4-BE49-F238E27FC236}">
+                <a16:creationId xmlns:a16="http://schemas.microsoft.com/office/drawing/2014/main" id="{7BE7DFEA-379D-4B16-8233-F34FD9A1C0AC}"/>
+              </a:ext>
+            </a:extLst>
+          </p:cNvPr>
+          <p:cNvCxnSpPr>
+            <a:cxnSpLocks/>
+          </p:cNvCxnSpPr>
+          <p:nvPr/>
+        </p:nvCxnSpPr>
+        <p:spPr>
+          <a:xfrm flipH="1" flipV="1">
+            <a:off x="3565757" y="3233287"/>
+            <a:ext cx="22724" cy="455336"/>
+          </a:xfrm>
+          <a:prstGeom prst="straightConnector1">
+            <a:avLst/>
+          </a:prstGeom>
+          <a:ln w="12700" cap="flat" cmpd="sng" algn="ctr">
+            <a:solidFill>
+              <a:schemeClr val="accent6"/>
+            </a:solidFill>
+            <a:prstDash val="dash"/>
+            <a:round/>
+            <a:headEnd type="none" w="med" len="med"/>
+            <a:tailEnd type="arrow" w="med" len="med"/>
+          </a:ln>
+        </p:spPr>
+        <p:style>
+          <a:lnRef idx="0">
+            <a:scrgbClr r="0" g="0" b="0"/>
+          </a:lnRef>
+          <a:fillRef idx="0">
+            <a:scrgbClr r="0" g="0" b="0"/>
+          </a:fillRef>
+          <a:effectRef idx="0">
+            <a:scrgbClr r="0" g="0" b="0"/>
+          </a:effectRef>
+          <a:fontRef idx="minor">
+            <a:schemeClr val="tx1"/>
+          </a:fontRef>
+        </p:style>
+      </p:cxnSp>
+      <p:cxnSp>
+        <p:nvCxnSpPr>
+          <p:cNvPr id="119" name="直接箭头连接符 118">
+            <a:extLst>
+              <a:ext uri="{FF2B5EF4-FFF2-40B4-BE49-F238E27FC236}">
+                <a16:creationId xmlns:a16="http://schemas.microsoft.com/office/drawing/2014/main" id="{7BE7DFEA-379D-4B16-8233-F34FD9A1C0AC}"/>
+              </a:ext>
+            </a:extLst>
+          </p:cNvPr>
+          <p:cNvCxnSpPr>
+            <a:cxnSpLocks/>
+            <a:stCxn id="51" idx="1"/>
+          </p:cNvCxnSpPr>
+          <p:nvPr/>
+        </p:nvCxnSpPr>
+        <p:spPr>
+          <a:xfrm flipH="1" flipV="1">
+            <a:off x="3462006" y="2068471"/>
+            <a:ext cx="3873" cy="557843"/>
+          </a:xfrm>
+          <a:prstGeom prst="straightConnector1">
+            <a:avLst/>
+          </a:prstGeom>
+          <a:ln w="12700" cap="flat" cmpd="sng" algn="ctr">
+            <a:solidFill>
+              <a:schemeClr val="accent6"/>
+            </a:solidFill>
+            <a:prstDash val="dash"/>
+            <a:round/>
+            <a:headEnd type="none" w="med" len="med"/>
+            <a:tailEnd type="arrow" w="med" len="med"/>
+          </a:ln>
+        </p:spPr>
+        <p:style>
+          <a:lnRef idx="0">
+            <a:scrgbClr r="0" g="0" b="0"/>
+          </a:lnRef>
+          <a:fillRef idx="0">
+            <a:scrgbClr r="0" g="0" b="0"/>
+          </a:fillRef>
+          <a:effectRef idx="0">
+            <a:scrgbClr r="0" g="0" b="0"/>
+          </a:effectRef>
+          <a:fontRef idx="minor">
+            <a:schemeClr val="tx1"/>
+          </a:fontRef>
+        </p:style>
+      </p:cxnSp>
+      <p:sp>
+        <p:nvSpPr>
+          <p:cNvPr id="123" name="文本框 122"/>
+          <p:cNvSpPr txBox="1"/>
+          <p:nvPr/>
+        </p:nvSpPr>
+        <p:spPr>
+          <a:xfrm>
+            <a:off x="861069" y="1663842"/>
+            <a:ext cx="702373" cy="369332"/>
+          </a:xfrm>
+          <a:prstGeom prst="rect">
+            <a:avLst/>
+          </a:prstGeom>
+          <a:noFill/>
+        </p:spPr>
+        <p:txBody>
+          <a:bodyPr wrap="square" rtlCol="0">
+            <a:spAutoFit/>
+          </a:bodyPr>
+          <a:lstStyle/>
+          <a:p>
+            <a:r>
+              <a:rPr lang="en-US" altLang="zh-CN" dirty="0" smtClean="0">
+                <a:latin typeface="Times New Roman" panose="02020603050405020304" pitchFamily="18" charset="0"/>
+                <a:cs typeface="Times New Roman" panose="02020603050405020304" pitchFamily="18" charset="0"/>
+              </a:rPr>
+              <a:t>Flow</a:t>
+            </a:r>
+            <a:endParaRPr lang="zh-CN" altLang="en-US" dirty="0">
+              <a:latin typeface="Times New Roman" panose="02020603050405020304" pitchFamily="18" charset="0"/>
+              <a:cs typeface="Times New Roman" panose="02020603050405020304" pitchFamily="18" charset="0"/>
+            </a:endParaRPr>
+          </a:p>
+        </p:txBody>
+      </p:sp>
+      <p:sp>
+        <p:nvSpPr>
+          <p:cNvPr id="124" name="矩形 123"/>
+          <p:cNvSpPr/>
+          <p:nvPr/>
+        </p:nvSpPr>
+        <p:spPr>
+          <a:xfrm>
+            <a:off x="7294322" y="2143682"/>
+            <a:ext cx="576000" cy="576000"/>
+          </a:xfrm>
+          <a:prstGeom prst="rect">
+            <a:avLst/>
+          </a:prstGeom>
+        </p:spPr>
+        <p:style>
+          <a:lnRef idx="2">
+            <a:schemeClr val="accent6">
+              <a:shade val="50000"/>
+            </a:schemeClr>
+          </a:lnRef>
+          <a:fillRef idx="1">
+            <a:schemeClr val="accent6"/>
+          </a:fillRef>
+          <a:effectRef idx="0">
+            <a:schemeClr val="accent6"/>
+          </a:effectRef>
+          <a:fontRef idx="minor">
+            <a:schemeClr val="lt1"/>
+          </a:fontRef>
+        </p:style>
+        <p:txBody>
+          <a:bodyPr rtlCol="0" anchor="ctr"/>
+          <a:lstStyle/>
+          <a:p>
+            <a:pPr algn="ctr"/>
+            <a:r>
+              <a:rPr lang="en-US" altLang="zh-CN" sz="1100" dirty="0" smtClean="0">
+                <a:latin typeface="Times New Roman" panose="02020603050405020304" pitchFamily="18" charset="0"/>
+                <a:cs typeface="Times New Roman" panose="02020603050405020304" pitchFamily="18" charset="0"/>
+              </a:rPr>
+              <a:t>VNF 4</a:t>
+            </a:r>
+            <a:endParaRPr lang="zh-CN" altLang="en-US" sz="1100" dirty="0">
+              <a:latin typeface="Times New Roman" panose="02020603050405020304" pitchFamily="18" charset="0"/>
+              <a:cs typeface="Times New Roman" panose="02020603050405020304" pitchFamily="18" charset="0"/>
+            </a:endParaRPr>
+          </a:p>
+        </p:txBody>
+      </p:sp>
+      <p:sp>
+        <p:nvSpPr>
+          <p:cNvPr id="125" name="矩形 124"/>
+          <p:cNvSpPr/>
+          <p:nvPr/>
+        </p:nvSpPr>
+        <p:spPr>
+          <a:xfrm>
+            <a:off x="6369187" y="3009307"/>
+            <a:ext cx="576000" cy="576000"/>
+          </a:xfrm>
+          <a:prstGeom prst="rect">
+            <a:avLst/>
+          </a:prstGeom>
+        </p:spPr>
+        <p:style>
+          <a:lnRef idx="2">
+            <a:schemeClr val="accent6">
+              <a:shade val="50000"/>
+            </a:schemeClr>
+          </a:lnRef>
+          <a:fillRef idx="1">
+            <a:schemeClr val="accent6"/>
+          </a:fillRef>
+          <a:effectRef idx="0">
+            <a:schemeClr val="accent6"/>
+          </a:effectRef>
+          <a:fontRef idx="minor">
+            <a:schemeClr val="lt1"/>
+          </a:fontRef>
+        </p:style>
+        <p:txBody>
+          <a:bodyPr rtlCol="0" anchor="ctr"/>
+          <a:lstStyle/>
+          <a:p>
+            <a:pPr algn="ctr"/>
+            <a:r>
+              <a:rPr lang="en-US" altLang="zh-CN" sz="1100" dirty="0" smtClean="0">
+                <a:latin typeface="Times New Roman" panose="02020603050405020304" pitchFamily="18" charset="0"/>
+                <a:cs typeface="Times New Roman" panose="02020603050405020304" pitchFamily="18" charset="0"/>
+              </a:rPr>
+              <a:t>VNF 5</a:t>
+            </a:r>
+            <a:endParaRPr lang="zh-CN" altLang="en-US" sz="1100" dirty="0">
+              <a:latin typeface="Times New Roman" panose="02020603050405020304" pitchFamily="18" charset="0"/>
+              <a:cs typeface="Times New Roman" panose="02020603050405020304" pitchFamily="18" charset="0"/>
+            </a:endParaRPr>
+          </a:p>
+        </p:txBody>
+      </p:sp>
+      <p:sp>
+        <p:nvSpPr>
+          <p:cNvPr id="126" name="矩形 125"/>
+          <p:cNvSpPr/>
+          <p:nvPr/>
+        </p:nvSpPr>
+        <p:spPr>
+          <a:xfrm>
+            <a:off x="7294322" y="3006523"/>
+            <a:ext cx="576000" cy="576000"/>
+          </a:xfrm>
+          <a:prstGeom prst="rect">
+            <a:avLst/>
+          </a:prstGeom>
+        </p:spPr>
+        <p:style>
+          <a:lnRef idx="2">
+            <a:schemeClr val="accent6">
+              <a:shade val="50000"/>
+            </a:schemeClr>
+          </a:lnRef>
+          <a:fillRef idx="1">
+            <a:schemeClr val="accent6"/>
+          </a:fillRef>
+          <a:effectRef idx="0">
+            <a:schemeClr val="accent6"/>
+          </a:effectRef>
+          <a:fontRef idx="minor">
+            <a:schemeClr val="lt1"/>
+          </a:fontRef>
+        </p:style>
+        <p:txBody>
+          <a:bodyPr rtlCol="0" anchor="ctr"/>
+          <a:lstStyle/>
+          <a:p>
+            <a:pPr algn="ctr"/>
+            <a:r>
+              <a:rPr lang="en-US" altLang="zh-CN" sz="1100" dirty="0" smtClean="0">
+                <a:latin typeface="Times New Roman" panose="02020603050405020304" pitchFamily="18" charset="0"/>
+                <a:cs typeface="Times New Roman" panose="02020603050405020304" pitchFamily="18" charset="0"/>
+              </a:rPr>
+              <a:t>VNF 6</a:t>
+            </a:r>
+            <a:endParaRPr lang="zh-CN" altLang="en-US" sz="1100" dirty="0">
+              <a:latin typeface="Times New Roman" panose="02020603050405020304" pitchFamily="18" charset="0"/>
+              <a:cs typeface="Times New Roman" panose="02020603050405020304" pitchFamily="18" charset="0"/>
+            </a:endParaRPr>
+          </a:p>
+        </p:txBody>
+      </p:sp>
+      <p:sp>
+        <p:nvSpPr>
+          <p:cNvPr id="127" name="矩形 126"/>
+          <p:cNvSpPr/>
+          <p:nvPr/>
+        </p:nvSpPr>
+        <p:spPr>
+          <a:xfrm>
+            <a:off x="8186264" y="3008610"/>
+            <a:ext cx="576000" cy="576000"/>
+          </a:xfrm>
+          <a:prstGeom prst="rect">
+            <a:avLst/>
+          </a:prstGeom>
+        </p:spPr>
+        <p:style>
+          <a:lnRef idx="2">
+            <a:schemeClr val="accent6">
+              <a:shade val="50000"/>
+            </a:schemeClr>
+          </a:lnRef>
+          <a:fillRef idx="1">
+            <a:schemeClr val="accent6"/>
+          </a:fillRef>
+          <a:effectRef idx="0">
+            <a:schemeClr val="accent6"/>
+          </a:effectRef>
+          <a:fontRef idx="minor">
+            <a:schemeClr val="lt1"/>
+          </a:fontRef>
+        </p:style>
+        <p:txBody>
+          <a:bodyPr rtlCol="0" anchor="ctr"/>
+          <a:lstStyle/>
+          <a:p>
+            <a:pPr algn="ctr"/>
+            <a:r>
+              <a:rPr lang="en-US" altLang="zh-CN" sz="1100" dirty="0" smtClean="0">
+                <a:latin typeface="Times New Roman" panose="02020603050405020304" pitchFamily="18" charset="0"/>
+                <a:cs typeface="Times New Roman" panose="02020603050405020304" pitchFamily="18" charset="0"/>
+              </a:rPr>
+              <a:t>VNF 7</a:t>
+            </a:r>
+            <a:endParaRPr lang="zh-CN" altLang="en-US" sz="1100" dirty="0">
+              <a:latin typeface="Times New Roman" panose="02020603050405020304" pitchFamily="18" charset="0"/>
+              <a:cs typeface="Times New Roman" panose="02020603050405020304" pitchFamily="18" charset="0"/>
+            </a:endParaRPr>
+          </a:p>
+        </p:txBody>
+      </p:sp>
+      <p:cxnSp>
+        <p:nvCxnSpPr>
+          <p:cNvPr id="128" name="直接箭头连接符 127"/>
+          <p:cNvCxnSpPr>
+            <a:stCxn id="124" idx="2"/>
+            <a:endCxn id="125" idx="0"/>
+          </p:cNvCxnSpPr>
+          <p:nvPr/>
+        </p:nvCxnSpPr>
+        <p:spPr>
+          <a:xfrm flipH="1">
+            <a:off x="6657187" y="2719682"/>
+            <a:ext cx="925135" cy="289625"/>
+          </a:xfrm>
+          <a:prstGeom prst="straightConnector1">
+            <a:avLst/>
+          </a:prstGeom>
+          <a:ln w="19050">
+            <a:tailEnd type="triangle"/>
+          </a:ln>
+        </p:spPr>
+        <p:style>
+          <a:lnRef idx="1">
+            <a:schemeClr val="accent6"/>
+          </a:lnRef>
+          <a:fillRef idx="0">
+            <a:schemeClr val="accent6"/>
+          </a:fillRef>
+          <a:effectRef idx="0">
+            <a:schemeClr val="accent6"/>
+          </a:effectRef>
+          <a:fontRef idx="minor">
+            <a:schemeClr val="tx1"/>
+          </a:fontRef>
+        </p:style>
+      </p:cxnSp>
+      <p:cxnSp>
+        <p:nvCxnSpPr>
+          <p:cNvPr id="132" name="直接箭头连接符 131"/>
+          <p:cNvCxnSpPr>
+            <a:stCxn id="124" idx="2"/>
+            <a:endCxn id="126" idx="0"/>
+          </p:cNvCxnSpPr>
+          <p:nvPr/>
+        </p:nvCxnSpPr>
+        <p:spPr>
+          <a:xfrm>
+            <a:off x="7582322" y="2719682"/>
+            <a:ext cx="0" cy="286841"/>
+          </a:xfrm>
+          <a:prstGeom prst="straightConnector1">
+            <a:avLst/>
+          </a:prstGeom>
+          <a:ln w="19050">
+            <a:tailEnd type="triangle"/>
+          </a:ln>
+        </p:spPr>
+        <p:style>
+          <a:lnRef idx="1">
+            <a:schemeClr val="accent6"/>
+          </a:lnRef>
+          <a:fillRef idx="0">
+            <a:schemeClr val="accent6"/>
+          </a:fillRef>
+          <a:effectRef idx="0">
+            <a:schemeClr val="accent6"/>
+          </a:effectRef>
+          <a:fontRef idx="minor">
+            <a:schemeClr val="tx1"/>
+          </a:fontRef>
+        </p:style>
+      </p:cxnSp>
+      <p:cxnSp>
+        <p:nvCxnSpPr>
+          <p:cNvPr id="135" name="直接箭头连接符 134"/>
+          <p:cNvCxnSpPr>
+            <a:stCxn id="124" idx="2"/>
+            <a:endCxn id="127" idx="0"/>
+          </p:cNvCxnSpPr>
+          <p:nvPr/>
+        </p:nvCxnSpPr>
+        <p:spPr>
+          <a:xfrm>
+            <a:off x="7582322" y="2719682"/>
+            <a:ext cx="891942" cy="288928"/>
+          </a:xfrm>
+          <a:prstGeom prst="straightConnector1">
+            <a:avLst/>
+          </a:prstGeom>
+          <a:ln w="19050">
+            <a:tailEnd type="triangle"/>
+          </a:ln>
+        </p:spPr>
+        <p:style>
+          <a:lnRef idx="1">
+            <a:schemeClr val="accent6"/>
+          </a:lnRef>
+          <a:fillRef idx="0">
+            <a:schemeClr val="accent6"/>
+          </a:fillRef>
+          <a:effectRef idx="0">
+            <a:schemeClr val="accent6"/>
+          </a:effectRef>
+          <a:fontRef idx="minor">
+            <a:schemeClr val="tx1"/>
+          </a:fontRef>
+        </p:style>
+      </p:cxnSp>
+      <p:sp>
+        <p:nvSpPr>
+          <p:cNvPr id="166" name="左大括号 165"/>
+          <p:cNvSpPr/>
+          <p:nvPr/>
+        </p:nvSpPr>
+        <p:spPr>
+          <a:xfrm rot="16200000">
+            <a:off x="6858363" y="3260100"/>
+            <a:ext cx="212807" cy="1005720"/>
+          </a:xfrm>
+          <a:prstGeom prst="leftBrace">
+            <a:avLst>
+              <a:gd name="adj1" fmla="val 8333"/>
+              <a:gd name="adj2" fmla="val 49952"/>
+            </a:avLst>
+          </a:prstGeom>
+        </p:spPr>
+        <p:style>
+          <a:lnRef idx="1">
+            <a:schemeClr val="dk1"/>
+          </a:lnRef>
+          <a:fillRef idx="0">
+            <a:schemeClr val="dk1"/>
+          </a:fillRef>
+          <a:effectRef idx="0">
+            <a:schemeClr val="dk1"/>
+          </a:effectRef>
+          <a:fontRef idx="minor">
+            <a:schemeClr val="tx1"/>
+          </a:fontRef>
+        </p:style>
+        <p:txBody>
+          <a:bodyPr rtlCol="0" anchor="ctr"/>
+          <a:lstStyle/>
+          <a:p>
+            <a:pPr algn="ctr"/>
+            <a:endParaRPr lang="zh-CN" altLang="en-US"/>
+          </a:p>
+        </p:txBody>
+      </p:sp>
+      <p:sp>
+        <p:nvSpPr>
+          <p:cNvPr id="169" name="文本框 168"/>
+          <p:cNvSpPr txBox="1"/>
+          <p:nvPr/>
+        </p:nvSpPr>
+        <p:spPr>
+          <a:xfrm>
+            <a:off x="6491913" y="3856050"/>
+            <a:ext cx="1010285" cy="307777"/>
+          </a:xfrm>
+          <a:prstGeom prst="rect">
+            <a:avLst/>
+          </a:prstGeom>
+          <a:noFill/>
+        </p:spPr>
+        <p:txBody>
+          <a:bodyPr wrap="square" rtlCol="0">
+            <a:spAutoFit/>
+          </a:bodyPr>
+          <a:lstStyle/>
+          <a:p>
+            <a:r>
+              <a:rPr lang="en-US" altLang="zh-CN" sz="1400" dirty="0" smtClean="0">
+                <a:latin typeface="Times New Roman" panose="02020603050405020304" pitchFamily="18" charset="0"/>
+                <a:cs typeface="Times New Roman" panose="02020603050405020304" pitchFamily="18" charset="0"/>
+              </a:rPr>
+              <a:t>No conflict</a:t>
+            </a:r>
+            <a:endParaRPr lang="zh-CN" altLang="en-US" sz="1400" dirty="0">
+              <a:latin typeface="Times New Roman" panose="02020603050405020304" pitchFamily="18" charset="0"/>
+              <a:cs typeface="Times New Roman" panose="02020603050405020304" pitchFamily="18" charset="0"/>
+            </a:endParaRPr>
+          </a:p>
+        </p:txBody>
+      </p:sp>
+      <p:sp>
+        <p:nvSpPr>
+          <p:cNvPr id="170" name="左大括号 169"/>
+          <p:cNvSpPr/>
+          <p:nvPr/>
+        </p:nvSpPr>
+        <p:spPr>
+          <a:xfrm rot="16200000">
+            <a:off x="8109299" y="3260099"/>
+            <a:ext cx="212807" cy="1005720"/>
+          </a:xfrm>
+          <a:prstGeom prst="leftBrace">
+            <a:avLst>
+              <a:gd name="adj1" fmla="val 8333"/>
+              <a:gd name="adj2" fmla="val 49952"/>
+            </a:avLst>
+          </a:prstGeom>
+        </p:spPr>
+        <p:style>
+          <a:lnRef idx="1">
+            <a:schemeClr val="dk1"/>
+          </a:lnRef>
+          <a:fillRef idx="0">
+            <a:schemeClr val="dk1"/>
+          </a:fillRef>
+          <a:effectRef idx="0">
+            <a:schemeClr val="dk1"/>
+          </a:effectRef>
+          <a:fontRef idx="minor">
+            <a:schemeClr val="tx1"/>
+          </a:fontRef>
+        </p:style>
+        <p:txBody>
+          <a:bodyPr rtlCol="0" anchor="ctr"/>
+          <a:lstStyle/>
+          <a:p>
+            <a:pPr algn="ctr"/>
+            <a:endParaRPr lang="zh-CN" altLang="en-US"/>
+          </a:p>
+        </p:txBody>
+      </p:sp>
+      <p:sp>
+        <p:nvSpPr>
+          <p:cNvPr id="171" name="文本框 170"/>
+          <p:cNvSpPr txBox="1"/>
+          <p:nvPr/>
+        </p:nvSpPr>
+        <p:spPr>
+          <a:xfrm>
+            <a:off x="7548944" y="3893400"/>
+            <a:ext cx="1591084" cy="523220"/>
+          </a:xfrm>
+          <a:prstGeom prst="rect">
+            <a:avLst/>
+          </a:prstGeom>
+          <a:noFill/>
+        </p:spPr>
+        <p:txBody>
+          <a:bodyPr wrap="square" rtlCol="0">
+            <a:spAutoFit/>
+          </a:bodyPr>
+          <a:lstStyle/>
+          <a:p>
+            <a:r>
+              <a:rPr lang="en-US" altLang="zh-CN" sz="1400" dirty="0" smtClean="0">
+                <a:latin typeface="Times New Roman" panose="02020603050405020304" pitchFamily="18" charset="0"/>
+                <a:cs typeface="Times New Roman" panose="02020603050405020304" pitchFamily="18" charset="0"/>
+              </a:rPr>
+              <a:t>Conflict in field A! Need packet copy</a:t>
+            </a:r>
+            <a:endParaRPr lang="zh-CN" altLang="en-US" sz="1400" dirty="0">
+              <a:latin typeface="Times New Roman" panose="02020603050405020304" pitchFamily="18" charset="0"/>
+              <a:cs typeface="Times New Roman" panose="02020603050405020304" pitchFamily="18" charset="0"/>
+            </a:endParaRPr>
+          </a:p>
+        </p:txBody>
+      </p:sp>
+      <p:sp>
+        <p:nvSpPr>
+          <p:cNvPr id="172" name="矩形 171">
+            <a:extLst>
+              <a:ext uri="{FF2B5EF4-FFF2-40B4-BE49-F238E27FC236}">
+                <a16:creationId xmlns:a16="http://schemas.microsoft.com/office/drawing/2014/main" id="{FDBDF632-7CA2-4A5F-9CE9-8065FB675F8F}"/>
+              </a:ext>
+            </a:extLst>
+          </p:cNvPr>
+          <p:cNvSpPr/>
+          <p:nvPr/>
+        </p:nvSpPr>
+        <p:spPr>
+          <a:xfrm>
+            <a:off x="9111399" y="2143681"/>
+            <a:ext cx="2476467" cy="2538958"/>
+          </a:xfrm>
+          <a:prstGeom prst="rect">
+            <a:avLst/>
+          </a:prstGeom>
+          <a:noFill/>
+          <a:ln w="12700">
+            <a:prstDash val="solid"/>
+          </a:ln>
+        </p:spPr>
+        <p:style>
+          <a:lnRef idx="2">
+            <a:schemeClr val="dk1"/>
+          </a:lnRef>
+          <a:fillRef idx="1">
+            <a:schemeClr val="lt1"/>
+          </a:fillRef>
+          <a:effectRef idx="0">
+            <a:schemeClr val="dk1"/>
+          </a:effectRef>
+          <a:fontRef idx="minor">
+            <a:schemeClr val="dk1"/>
+          </a:fontRef>
+        </p:style>
+        <p:txBody>
+          <a:bodyPr rtlCol="0" anchor="ctr"/>
+          <a:lstStyle/>
+          <a:p>
+            <a:pPr algn="ctr"/>
+            <a:endParaRPr lang="zh-CN" altLang="en-US">
+              <a:latin typeface="Times New Roman" panose="02020603050405020304" pitchFamily="18" charset="0"/>
+              <a:cs typeface="Times New Roman" panose="02020603050405020304" pitchFamily="18" charset="0"/>
+            </a:endParaRPr>
+          </a:p>
+        </p:txBody>
+      </p:sp>
+      <p:sp>
+        <p:nvSpPr>
+          <p:cNvPr id="173" name="文本框 172"/>
+          <p:cNvSpPr txBox="1"/>
+          <p:nvPr/>
+        </p:nvSpPr>
+        <p:spPr>
+          <a:xfrm>
+            <a:off x="9111399" y="2155234"/>
+            <a:ext cx="1145808" cy="276999"/>
+          </a:xfrm>
+          <a:prstGeom prst="rect">
+            <a:avLst/>
+          </a:prstGeom>
+          <a:noFill/>
+        </p:spPr>
+        <p:txBody>
+          <a:bodyPr wrap="square" rtlCol="0">
+            <a:spAutoFit/>
+          </a:bodyPr>
+          <a:lstStyle/>
+          <a:p>
+            <a:r>
+              <a:rPr lang="en-US" altLang="zh-CN" sz="1200" dirty="0" smtClean="0">
+                <a:latin typeface="Times New Roman" panose="02020603050405020304" pitchFamily="18" charset="0"/>
+                <a:cs typeface="Times New Roman" panose="02020603050405020304" pitchFamily="18" charset="0"/>
+              </a:rPr>
+              <a:t>Running </a:t>
+            </a:r>
+            <a:r>
+              <a:rPr lang="en-US" altLang="zh-CN" sz="1200" dirty="0" err="1" smtClean="0">
+                <a:latin typeface="Times New Roman" panose="02020603050405020304" pitchFamily="18" charset="0"/>
+                <a:cs typeface="Times New Roman" panose="02020603050405020304" pitchFamily="18" charset="0"/>
+              </a:rPr>
+              <a:t>config</a:t>
+            </a:r>
+            <a:endParaRPr lang="zh-CN" altLang="en-US" sz="1200" dirty="0">
+              <a:latin typeface="Times New Roman" panose="02020603050405020304" pitchFamily="18" charset="0"/>
+              <a:cs typeface="Times New Roman" panose="02020603050405020304" pitchFamily="18" charset="0"/>
+            </a:endParaRPr>
+          </a:p>
+        </p:txBody>
+      </p:sp>
+      <p:sp>
+        <p:nvSpPr>
+          <p:cNvPr id="174" name="文本框 173"/>
+          <p:cNvSpPr txBox="1"/>
+          <p:nvPr/>
+        </p:nvSpPr>
+        <p:spPr>
+          <a:xfrm>
+            <a:off x="9230865" y="2445489"/>
+            <a:ext cx="2030321" cy="461665"/>
+          </a:xfrm>
+          <a:prstGeom prst="rect">
+            <a:avLst/>
+          </a:prstGeom>
+          <a:noFill/>
+        </p:spPr>
+        <p:txBody>
+          <a:bodyPr wrap="square" rtlCol="0">
+            <a:spAutoFit/>
+          </a:bodyPr>
+          <a:lstStyle/>
+          <a:p>
+            <a:r>
+              <a:rPr lang="en-US" altLang="zh-CN" sz="1200" dirty="0" smtClean="0">
+                <a:latin typeface="Times New Roman" panose="02020603050405020304" pitchFamily="18" charset="0"/>
+                <a:cs typeface="Times New Roman" panose="02020603050405020304" pitchFamily="18" charset="0"/>
+              </a:rPr>
+              <a:t>Scatter 1:</a:t>
+            </a:r>
+          </a:p>
+          <a:p>
+            <a:r>
+              <a:rPr lang="en-US" altLang="zh-CN" sz="1200" dirty="0" smtClean="0">
+                <a:latin typeface="Times New Roman" panose="02020603050405020304" pitchFamily="18" charset="0"/>
+                <a:cs typeface="Times New Roman" panose="02020603050405020304" pitchFamily="18" charset="0"/>
+              </a:rPr>
+              <a:t>  distribute </a:t>
+            </a:r>
+            <a:r>
+              <a:rPr lang="en-US" altLang="zh-CN" sz="1200" dirty="0" err="1" smtClean="0">
+                <a:latin typeface="Times New Roman" panose="02020603050405020304" pitchFamily="18" charset="0"/>
+                <a:cs typeface="Times New Roman" panose="02020603050405020304" pitchFamily="18" charset="0"/>
+              </a:rPr>
+              <a:t>pkt</a:t>
+            </a:r>
+            <a:r>
+              <a:rPr lang="en-US" altLang="zh-CN" sz="1200" dirty="0" smtClean="0">
+                <a:latin typeface="Times New Roman" panose="02020603050405020304" pitchFamily="18" charset="0"/>
+                <a:cs typeface="Times New Roman" panose="02020603050405020304" pitchFamily="18" charset="0"/>
+              </a:rPr>
+              <a:t> to VNF 4</a:t>
+            </a:r>
+            <a:endParaRPr lang="zh-CN" altLang="en-US" sz="1200" dirty="0">
+              <a:latin typeface="Times New Roman" panose="02020603050405020304" pitchFamily="18" charset="0"/>
+              <a:cs typeface="Times New Roman" panose="02020603050405020304" pitchFamily="18" charset="0"/>
+            </a:endParaRPr>
+          </a:p>
+        </p:txBody>
+      </p:sp>
+      <p:sp>
+        <p:nvSpPr>
+          <p:cNvPr id="175" name="文本框 174"/>
+          <p:cNvSpPr txBox="1"/>
+          <p:nvPr/>
+        </p:nvSpPr>
+        <p:spPr>
+          <a:xfrm>
+            <a:off x="9250531" y="2832858"/>
+            <a:ext cx="2030321" cy="461665"/>
+          </a:xfrm>
+          <a:prstGeom prst="rect">
+            <a:avLst/>
+          </a:prstGeom>
+          <a:noFill/>
+        </p:spPr>
+        <p:txBody>
+          <a:bodyPr wrap="square" rtlCol="0">
+            <a:spAutoFit/>
+          </a:bodyPr>
+          <a:lstStyle/>
+          <a:p>
+            <a:r>
+              <a:rPr lang="en-US" altLang="zh-CN" sz="1200" dirty="0" smtClean="0">
+                <a:latin typeface="Times New Roman" panose="02020603050405020304" pitchFamily="18" charset="0"/>
+                <a:cs typeface="Times New Roman" panose="02020603050405020304" pitchFamily="18" charset="0"/>
+              </a:rPr>
+              <a:t>Gather 1:</a:t>
+            </a:r>
+          </a:p>
+          <a:p>
+            <a:r>
+              <a:rPr lang="en-US" altLang="zh-CN" sz="1200" dirty="0" smtClean="0">
+                <a:latin typeface="Times New Roman" panose="02020603050405020304" pitchFamily="18" charset="0"/>
+                <a:cs typeface="Times New Roman" panose="02020603050405020304" pitchFamily="18" charset="0"/>
+              </a:rPr>
+              <a:t>  NULL</a:t>
+            </a:r>
+            <a:endParaRPr lang="zh-CN" altLang="en-US" sz="1200" dirty="0">
+              <a:latin typeface="Times New Roman" panose="02020603050405020304" pitchFamily="18" charset="0"/>
+              <a:cs typeface="Times New Roman" panose="02020603050405020304" pitchFamily="18" charset="0"/>
+            </a:endParaRPr>
+          </a:p>
+        </p:txBody>
+      </p:sp>
+      <p:sp>
+        <p:nvSpPr>
+          <p:cNvPr id="176" name="文本框 175"/>
+          <p:cNvSpPr txBox="1"/>
+          <p:nvPr/>
+        </p:nvSpPr>
+        <p:spPr>
+          <a:xfrm>
+            <a:off x="9285618" y="3212011"/>
+            <a:ext cx="2199246" cy="830997"/>
+          </a:xfrm>
+          <a:prstGeom prst="rect">
+            <a:avLst/>
+          </a:prstGeom>
+          <a:noFill/>
+        </p:spPr>
+        <p:txBody>
+          <a:bodyPr wrap="square" rtlCol="0">
+            <a:spAutoFit/>
+          </a:bodyPr>
+          <a:lstStyle/>
+          <a:p>
+            <a:r>
+              <a:rPr lang="en-US" altLang="zh-CN" sz="1200" dirty="0" smtClean="0">
+                <a:latin typeface="Times New Roman" panose="02020603050405020304" pitchFamily="18" charset="0"/>
+                <a:cs typeface="Times New Roman" panose="02020603050405020304" pitchFamily="18" charset="0"/>
+              </a:rPr>
+              <a:t>Scatter </a:t>
+            </a:r>
+            <a:r>
+              <a:rPr lang="en-US" altLang="zh-CN" sz="1200" dirty="0">
+                <a:latin typeface="Times New Roman" panose="02020603050405020304" pitchFamily="18" charset="0"/>
+                <a:cs typeface="Times New Roman" panose="02020603050405020304" pitchFamily="18" charset="0"/>
+              </a:rPr>
+              <a:t>2</a:t>
+            </a:r>
+            <a:r>
+              <a:rPr lang="en-US" altLang="zh-CN" sz="1200" dirty="0" smtClean="0">
+                <a:latin typeface="Times New Roman" panose="02020603050405020304" pitchFamily="18" charset="0"/>
+                <a:cs typeface="Times New Roman" panose="02020603050405020304" pitchFamily="18" charset="0"/>
+              </a:rPr>
+              <a:t>:</a:t>
+            </a:r>
+          </a:p>
+          <a:p>
+            <a:r>
+              <a:rPr lang="en-US" altLang="zh-CN" sz="1200" dirty="0" smtClean="0">
+                <a:latin typeface="Times New Roman" panose="02020603050405020304" pitchFamily="18" charset="0"/>
+                <a:cs typeface="Times New Roman" panose="02020603050405020304" pitchFamily="18" charset="0"/>
+              </a:rPr>
+              <a:t>  distribute packet ID</a:t>
+            </a:r>
+            <a:r>
+              <a:rPr lang="en-US" altLang="zh-CN" sz="1200" baseline="-25000" dirty="0" smtClean="0">
+                <a:latin typeface="Times New Roman" panose="02020603050405020304" pitchFamily="18" charset="0"/>
+                <a:cs typeface="Times New Roman" panose="02020603050405020304" pitchFamily="18" charset="0"/>
+              </a:rPr>
+              <a:t>1</a:t>
+            </a:r>
+            <a:r>
+              <a:rPr lang="en-US" altLang="zh-CN" sz="1200" dirty="0" smtClean="0">
+                <a:latin typeface="Times New Roman" panose="02020603050405020304" pitchFamily="18" charset="0"/>
+                <a:cs typeface="Times New Roman" panose="02020603050405020304" pitchFamily="18" charset="0"/>
+              </a:rPr>
+              <a:t> to VNF 5</a:t>
+            </a:r>
+          </a:p>
+          <a:p>
+            <a:r>
+              <a:rPr lang="en-US" altLang="zh-CN" sz="1200" dirty="0" smtClean="0">
+                <a:latin typeface="Times New Roman" panose="02020603050405020304" pitchFamily="18" charset="0"/>
+                <a:cs typeface="Times New Roman" panose="02020603050405020304" pitchFamily="18" charset="0"/>
+              </a:rPr>
+              <a:t>  distribute </a:t>
+            </a:r>
+            <a:r>
+              <a:rPr lang="en-US" altLang="zh-CN" sz="1200" dirty="0">
+                <a:latin typeface="Times New Roman" panose="02020603050405020304" pitchFamily="18" charset="0"/>
+                <a:cs typeface="Times New Roman" panose="02020603050405020304" pitchFamily="18" charset="0"/>
+              </a:rPr>
+              <a:t>packet ID</a:t>
+            </a:r>
+            <a:r>
+              <a:rPr lang="en-US" altLang="zh-CN" sz="1200" baseline="-25000" dirty="0">
+                <a:latin typeface="Times New Roman" panose="02020603050405020304" pitchFamily="18" charset="0"/>
+                <a:cs typeface="Times New Roman" panose="02020603050405020304" pitchFamily="18" charset="0"/>
+              </a:rPr>
+              <a:t>1</a:t>
+            </a:r>
+            <a:r>
+              <a:rPr lang="en-US" altLang="zh-CN" sz="1200" dirty="0">
+                <a:latin typeface="Times New Roman" panose="02020603050405020304" pitchFamily="18" charset="0"/>
+                <a:cs typeface="Times New Roman" panose="02020603050405020304" pitchFamily="18" charset="0"/>
+              </a:rPr>
+              <a:t> to </a:t>
+            </a:r>
+            <a:r>
+              <a:rPr lang="en-US" altLang="zh-CN" sz="1200" dirty="0" smtClean="0">
+                <a:latin typeface="Times New Roman" panose="02020603050405020304" pitchFamily="18" charset="0"/>
+                <a:cs typeface="Times New Roman" panose="02020603050405020304" pitchFamily="18" charset="0"/>
+              </a:rPr>
+              <a:t>VNF 6</a:t>
+            </a:r>
+          </a:p>
+          <a:p>
+            <a:r>
+              <a:rPr lang="en-US" altLang="zh-CN" sz="1200" dirty="0" smtClean="0">
+                <a:latin typeface="Times New Roman" panose="02020603050405020304" pitchFamily="18" charset="0"/>
+                <a:cs typeface="Times New Roman" panose="02020603050405020304" pitchFamily="18" charset="0"/>
+              </a:rPr>
+              <a:t>  distribute </a:t>
+            </a:r>
+            <a:r>
+              <a:rPr lang="en-US" altLang="zh-CN" sz="1200" dirty="0">
+                <a:latin typeface="Times New Roman" panose="02020603050405020304" pitchFamily="18" charset="0"/>
+                <a:cs typeface="Times New Roman" panose="02020603050405020304" pitchFamily="18" charset="0"/>
+              </a:rPr>
+              <a:t>packet </a:t>
+            </a:r>
+            <a:r>
+              <a:rPr lang="en-US" altLang="zh-CN" sz="1200" dirty="0" smtClean="0">
+                <a:latin typeface="Times New Roman" panose="02020603050405020304" pitchFamily="18" charset="0"/>
+                <a:cs typeface="Times New Roman" panose="02020603050405020304" pitchFamily="18" charset="0"/>
+              </a:rPr>
+              <a:t>ID</a:t>
+            </a:r>
+            <a:r>
+              <a:rPr lang="en-US" altLang="zh-CN" sz="1200" baseline="-25000" dirty="0" smtClean="0">
+                <a:latin typeface="Times New Roman" panose="02020603050405020304" pitchFamily="18" charset="0"/>
+                <a:cs typeface="Times New Roman" panose="02020603050405020304" pitchFamily="18" charset="0"/>
+              </a:rPr>
+              <a:t>2</a:t>
+            </a:r>
+            <a:r>
+              <a:rPr lang="en-US" altLang="zh-CN" sz="1200" dirty="0" smtClean="0">
+                <a:latin typeface="Times New Roman" panose="02020603050405020304" pitchFamily="18" charset="0"/>
+                <a:cs typeface="Times New Roman" panose="02020603050405020304" pitchFamily="18" charset="0"/>
+              </a:rPr>
+              <a:t> </a:t>
+            </a:r>
+            <a:r>
+              <a:rPr lang="en-US" altLang="zh-CN" sz="1200" dirty="0">
+                <a:latin typeface="Times New Roman" panose="02020603050405020304" pitchFamily="18" charset="0"/>
+                <a:cs typeface="Times New Roman" panose="02020603050405020304" pitchFamily="18" charset="0"/>
+              </a:rPr>
+              <a:t>to </a:t>
+            </a:r>
+            <a:r>
+              <a:rPr lang="en-US" altLang="zh-CN" sz="1200" dirty="0" smtClean="0">
+                <a:latin typeface="Times New Roman" panose="02020603050405020304" pitchFamily="18" charset="0"/>
+                <a:cs typeface="Times New Roman" panose="02020603050405020304" pitchFamily="18" charset="0"/>
+              </a:rPr>
+              <a:t>VNF 7</a:t>
+            </a:r>
+            <a:endParaRPr lang="zh-CN" altLang="en-US" sz="1200" dirty="0">
+              <a:latin typeface="Times New Roman" panose="02020603050405020304" pitchFamily="18" charset="0"/>
+              <a:cs typeface="Times New Roman" panose="02020603050405020304" pitchFamily="18" charset="0"/>
+            </a:endParaRPr>
+          </a:p>
+        </p:txBody>
+      </p:sp>
+      <p:sp>
+        <p:nvSpPr>
+          <p:cNvPr id="178" name="文本框 177"/>
+          <p:cNvSpPr txBox="1"/>
+          <p:nvPr/>
+        </p:nvSpPr>
+        <p:spPr>
+          <a:xfrm>
+            <a:off x="9285618" y="3938941"/>
+            <a:ext cx="2030321" cy="646331"/>
+          </a:xfrm>
+          <a:prstGeom prst="rect">
+            <a:avLst/>
+          </a:prstGeom>
+          <a:noFill/>
+        </p:spPr>
+        <p:txBody>
+          <a:bodyPr wrap="square" rtlCol="0">
+            <a:spAutoFit/>
+          </a:bodyPr>
+          <a:lstStyle/>
+          <a:p>
+            <a:r>
+              <a:rPr lang="en-US" altLang="zh-CN" sz="1200" dirty="0" smtClean="0">
+                <a:latin typeface="Times New Roman" panose="02020603050405020304" pitchFamily="18" charset="0"/>
+                <a:cs typeface="Times New Roman" panose="02020603050405020304" pitchFamily="18" charset="0"/>
+              </a:rPr>
+              <a:t>Gather 2:</a:t>
+            </a:r>
+          </a:p>
+          <a:p>
+            <a:r>
+              <a:rPr lang="en-US" altLang="zh-CN" sz="1200" dirty="0" smtClean="0">
+                <a:latin typeface="Times New Roman" panose="02020603050405020304" pitchFamily="18" charset="0"/>
+                <a:cs typeface="Times New Roman" panose="02020603050405020304" pitchFamily="18" charset="0"/>
+              </a:rPr>
+              <a:t>  ID</a:t>
+            </a:r>
+            <a:r>
+              <a:rPr lang="en-US" altLang="zh-CN" sz="1200" baseline="-25000" dirty="0" smtClean="0">
+                <a:latin typeface="Times New Roman" panose="02020603050405020304" pitchFamily="18" charset="0"/>
+                <a:cs typeface="Times New Roman" panose="02020603050405020304" pitchFamily="18" charset="0"/>
+              </a:rPr>
+              <a:t>1</a:t>
+            </a:r>
+            <a:r>
+              <a:rPr lang="en-US" altLang="zh-CN" sz="1200" dirty="0" smtClean="0">
+                <a:latin typeface="Times New Roman" panose="02020603050405020304" pitchFamily="18" charset="0"/>
+                <a:cs typeface="Times New Roman" panose="02020603050405020304" pitchFamily="18" charset="0"/>
+              </a:rPr>
+              <a:t>.add field X</a:t>
+            </a:r>
+          </a:p>
+          <a:p>
+            <a:r>
+              <a:rPr lang="en-US" altLang="zh-CN" sz="1200" dirty="0">
+                <a:latin typeface="Times New Roman" panose="02020603050405020304" pitchFamily="18" charset="0"/>
+                <a:cs typeface="Times New Roman" panose="02020603050405020304" pitchFamily="18" charset="0"/>
+              </a:rPr>
+              <a:t> </a:t>
+            </a:r>
+            <a:r>
+              <a:rPr lang="en-US" altLang="zh-CN" sz="1200" dirty="0" smtClean="0">
+                <a:latin typeface="Times New Roman" panose="02020603050405020304" pitchFamily="18" charset="0"/>
+                <a:cs typeface="Times New Roman" panose="02020603050405020304" pitchFamily="18" charset="0"/>
+              </a:rPr>
+              <a:t> adopt ID</a:t>
+            </a:r>
+            <a:r>
+              <a:rPr lang="en-US" altLang="zh-CN" sz="1200" baseline="-25000" dirty="0" smtClean="0">
+                <a:latin typeface="Times New Roman" panose="02020603050405020304" pitchFamily="18" charset="0"/>
+                <a:cs typeface="Times New Roman" panose="02020603050405020304" pitchFamily="18" charset="0"/>
+              </a:rPr>
+              <a:t>2</a:t>
+            </a:r>
+            <a:r>
+              <a:rPr lang="en-US" altLang="zh-CN" sz="1200" dirty="0" smtClean="0">
+                <a:latin typeface="Times New Roman" panose="02020603050405020304" pitchFamily="18" charset="0"/>
+                <a:cs typeface="Times New Roman" panose="02020603050405020304" pitchFamily="18" charset="0"/>
+              </a:rPr>
+              <a:t>.field A</a:t>
+            </a:r>
+            <a:endParaRPr lang="zh-CN" altLang="en-US" sz="1200" dirty="0">
+              <a:latin typeface="Times New Roman" panose="02020603050405020304" pitchFamily="18" charset="0"/>
+              <a:cs typeface="Times New Roman" panose="02020603050405020304" pitchFamily="18" charset="0"/>
+            </a:endParaRPr>
+          </a:p>
+        </p:txBody>
+      </p:sp>
+      <p:sp>
+        <p:nvSpPr>
+          <p:cNvPr id="181" name="矩形 180">
+            <a:extLst>
+              <a:ext uri="{FF2B5EF4-FFF2-40B4-BE49-F238E27FC236}">
+                <a16:creationId xmlns:a16="http://schemas.microsoft.com/office/drawing/2014/main" id="{FDBDF632-7CA2-4A5F-9CE9-8065FB675F8F}"/>
+              </a:ext>
+            </a:extLst>
+          </p:cNvPr>
+          <p:cNvSpPr/>
+          <p:nvPr/>
+        </p:nvSpPr>
+        <p:spPr>
+          <a:xfrm>
+            <a:off x="6309246" y="5325932"/>
+            <a:ext cx="5278620" cy="1221746"/>
+          </a:xfrm>
+          <a:prstGeom prst="rect">
+            <a:avLst/>
+          </a:prstGeom>
+          <a:noFill/>
+          <a:ln w="12700">
+            <a:prstDash val="solid"/>
+          </a:ln>
+        </p:spPr>
+        <p:style>
+          <a:lnRef idx="2">
+            <a:schemeClr val="dk1"/>
+          </a:lnRef>
+          <a:fillRef idx="1">
+            <a:schemeClr val="lt1"/>
+          </a:fillRef>
+          <a:effectRef idx="0">
+            <a:schemeClr val="dk1"/>
+          </a:effectRef>
+          <a:fontRef idx="minor">
+            <a:schemeClr val="dk1"/>
+          </a:fontRef>
+        </p:style>
+        <p:txBody>
+          <a:bodyPr rtlCol="0" anchor="ctr"/>
+          <a:lstStyle/>
+          <a:p>
+            <a:pPr algn="ctr"/>
+            <a:endParaRPr lang="zh-CN" altLang="en-US">
+              <a:latin typeface="Times New Roman" panose="02020603050405020304" pitchFamily="18" charset="0"/>
+              <a:cs typeface="Times New Roman" panose="02020603050405020304" pitchFamily="18" charset="0"/>
+            </a:endParaRPr>
+          </a:p>
+        </p:txBody>
+      </p:sp>
+      <p:sp>
+        <p:nvSpPr>
+          <p:cNvPr id="182" name="椭圆 181"/>
+          <p:cNvSpPr/>
+          <p:nvPr/>
+        </p:nvSpPr>
+        <p:spPr>
+          <a:xfrm>
+            <a:off x="7743970" y="5684527"/>
+            <a:ext cx="1023028" cy="655936"/>
+          </a:xfrm>
+          <a:prstGeom prst="ellipse">
+            <a:avLst/>
+          </a:prstGeom>
+          <a:solidFill>
+            <a:schemeClr val="accent2">
+              <a:lumMod val="40000"/>
+              <a:lumOff val="60000"/>
+            </a:schemeClr>
+          </a:solidFill>
+          <a:ln>
+            <a:noFill/>
+          </a:ln>
+        </p:spPr>
+        <p:style>
+          <a:lnRef idx="2">
+            <a:schemeClr val="accent1">
+              <a:shade val="50000"/>
+            </a:schemeClr>
+          </a:lnRef>
+          <a:fillRef idx="1">
+            <a:schemeClr val="accent1"/>
+          </a:fillRef>
+          <a:effectRef idx="0">
+            <a:schemeClr val="accent1"/>
+          </a:effectRef>
+          <a:fontRef idx="minor">
+            <a:schemeClr val="lt1"/>
+          </a:fontRef>
+        </p:style>
+        <p:txBody>
+          <a:bodyPr rtlCol="0" anchor="ctr"/>
+          <a:lstStyle/>
+          <a:p>
+            <a:pPr algn="ctr"/>
+            <a:r>
+              <a:rPr lang="en-US" altLang="zh-CN" sz="1100" b="1" dirty="0" smtClean="0">
+                <a:latin typeface="Times New Roman" panose="02020603050405020304" pitchFamily="18" charset="0"/>
+                <a:cs typeface="Times New Roman" panose="02020603050405020304" pitchFamily="18" charset="0"/>
+              </a:rPr>
+              <a:t>Packet gather 1</a:t>
+            </a:r>
+            <a:endParaRPr lang="zh-CN" altLang="en-US" sz="1100" b="1" dirty="0">
+              <a:latin typeface="Times New Roman" panose="02020603050405020304" pitchFamily="18" charset="0"/>
+              <a:cs typeface="Times New Roman" panose="02020603050405020304" pitchFamily="18" charset="0"/>
+            </a:endParaRPr>
+          </a:p>
+        </p:txBody>
+      </p:sp>
+      <p:sp>
+        <p:nvSpPr>
+          <p:cNvPr id="183" name="椭圆 182"/>
+          <p:cNvSpPr/>
+          <p:nvPr/>
+        </p:nvSpPr>
+        <p:spPr>
+          <a:xfrm>
+            <a:off x="9154957" y="5696722"/>
+            <a:ext cx="1023028" cy="655936"/>
+          </a:xfrm>
+          <a:prstGeom prst="ellipse">
+            <a:avLst/>
+          </a:prstGeom>
+          <a:solidFill>
+            <a:srgbClr val="F1CCB1"/>
+          </a:solidFill>
+          <a:ln>
+            <a:noFill/>
+          </a:ln>
+        </p:spPr>
+        <p:style>
+          <a:lnRef idx="2">
+            <a:schemeClr val="accent1">
+              <a:shade val="50000"/>
+            </a:schemeClr>
+          </a:lnRef>
+          <a:fillRef idx="1">
+            <a:schemeClr val="accent1"/>
+          </a:fillRef>
+          <a:effectRef idx="0">
+            <a:schemeClr val="accent1"/>
+          </a:effectRef>
+          <a:fontRef idx="minor">
+            <a:schemeClr val="lt1"/>
+          </a:fontRef>
+        </p:style>
+        <p:txBody>
+          <a:bodyPr rtlCol="0" anchor="ctr"/>
+          <a:lstStyle/>
+          <a:p>
+            <a:pPr algn="ctr"/>
+            <a:r>
+              <a:rPr lang="en-US" altLang="zh-CN" sz="1100" b="1" dirty="0" smtClean="0">
+                <a:latin typeface="Times New Roman" panose="02020603050405020304" pitchFamily="18" charset="0"/>
+                <a:cs typeface="Times New Roman" panose="02020603050405020304" pitchFamily="18" charset="0"/>
+              </a:rPr>
+              <a:t>Packet scatter 2</a:t>
+            </a:r>
+            <a:endParaRPr lang="zh-CN" altLang="en-US" sz="1100" b="1" dirty="0">
+              <a:latin typeface="Times New Roman" panose="02020603050405020304" pitchFamily="18" charset="0"/>
+              <a:cs typeface="Times New Roman" panose="02020603050405020304" pitchFamily="18" charset="0"/>
+            </a:endParaRPr>
+          </a:p>
+        </p:txBody>
+      </p:sp>
+      <p:sp>
+        <p:nvSpPr>
+          <p:cNvPr id="184" name="椭圆 183"/>
+          <p:cNvSpPr/>
+          <p:nvPr/>
+        </p:nvSpPr>
+        <p:spPr>
+          <a:xfrm>
+            <a:off x="10504707" y="5708917"/>
+            <a:ext cx="1023028" cy="655936"/>
+          </a:xfrm>
+          <a:prstGeom prst="ellipse">
+            <a:avLst/>
+          </a:prstGeom>
+          <a:solidFill>
+            <a:srgbClr val="F1CCB1"/>
+          </a:solidFill>
+          <a:ln>
+            <a:noFill/>
+          </a:ln>
+        </p:spPr>
+        <p:style>
+          <a:lnRef idx="2">
+            <a:schemeClr val="accent1">
+              <a:shade val="50000"/>
+            </a:schemeClr>
+          </a:lnRef>
+          <a:fillRef idx="1">
+            <a:schemeClr val="accent1"/>
+          </a:fillRef>
+          <a:effectRef idx="0">
+            <a:schemeClr val="accent1"/>
+          </a:effectRef>
+          <a:fontRef idx="minor">
+            <a:schemeClr val="lt1"/>
+          </a:fontRef>
+        </p:style>
+        <p:txBody>
+          <a:bodyPr rtlCol="0" anchor="ctr"/>
+          <a:lstStyle/>
+          <a:p>
+            <a:pPr algn="ctr"/>
+            <a:r>
+              <a:rPr lang="en-US" altLang="zh-CN" sz="1100" b="1" dirty="0" smtClean="0">
+                <a:latin typeface="Times New Roman" panose="02020603050405020304" pitchFamily="18" charset="0"/>
+                <a:cs typeface="Times New Roman" panose="02020603050405020304" pitchFamily="18" charset="0"/>
+              </a:rPr>
+              <a:t>Packet gather 1</a:t>
+            </a:r>
+            <a:endParaRPr lang="zh-CN" altLang="en-US" sz="1100" b="1" dirty="0">
+              <a:latin typeface="Times New Roman" panose="02020603050405020304" pitchFamily="18" charset="0"/>
+              <a:cs typeface="Times New Roman" panose="02020603050405020304" pitchFamily="18" charset="0"/>
+            </a:endParaRPr>
+          </a:p>
+        </p:txBody>
+      </p:sp>
+      <p:sp>
+        <p:nvSpPr>
+          <p:cNvPr id="185" name="椭圆 184"/>
+          <p:cNvSpPr/>
+          <p:nvPr/>
+        </p:nvSpPr>
+        <p:spPr>
+          <a:xfrm>
+            <a:off x="6433673" y="5708917"/>
+            <a:ext cx="1023028" cy="655936"/>
+          </a:xfrm>
+          <a:prstGeom prst="ellipse">
+            <a:avLst/>
+          </a:prstGeom>
+          <a:solidFill>
+            <a:srgbClr val="F8CAAD"/>
+          </a:solidFill>
+          <a:ln>
+            <a:noFill/>
+          </a:ln>
+        </p:spPr>
+        <p:style>
+          <a:lnRef idx="2">
+            <a:schemeClr val="accent1">
+              <a:shade val="50000"/>
+            </a:schemeClr>
+          </a:lnRef>
+          <a:fillRef idx="1">
+            <a:schemeClr val="accent1"/>
+          </a:fillRef>
+          <a:effectRef idx="0">
+            <a:schemeClr val="accent1"/>
+          </a:effectRef>
+          <a:fontRef idx="minor">
+            <a:schemeClr val="lt1"/>
+          </a:fontRef>
+        </p:style>
+        <p:txBody>
+          <a:bodyPr rtlCol="0" anchor="ctr"/>
+          <a:lstStyle/>
+          <a:p>
+            <a:pPr algn="ctr"/>
+            <a:r>
+              <a:rPr lang="en-US" altLang="zh-CN" sz="1100" b="1" dirty="0" smtClean="0">
+                <a:latin typeface="Times New Roman" panose="02020603050405020304" pitchFamily="18" charset="0"/>
+                <a:cs typeface="Times New Roman" panose="02020603050405020304" pitchFamily="18" charset="0"/>
+              </a:rPr>
+              <a:t>Packet scatter 1</a:t>
+            </a:r>
+            <a:endParaRPr lang="zh-CN" altLang="en-US" sz="1100" b="1" dirty="0">
+              <a:latin typeface="Times New Roman" panose="02020603050405020304" pitchFamily="18" charset="0"/>
+              <a:cs typeface="Times New Roman" panose="02020603050405020304" pitchFamily="18" charset="0"/>
+            </a:endParaRPr>
+          </a:p>
+        </p:txBody>
+      </p:sp>
+      <p:cxnSp>
+        <p:nvCxnSpPr>
+          <p:cNvPr id="186" name="直接箭头连接符 185">
+            <a:extLst>
+              <a:ext uri="{FF2B5EF4-FFF2-40B4-BE49-F238E27FC236}">
+                <a16:creationId xmlns:a16="http://schemas.microsoft.com/office/drawing/2014/main" id="{7BE7DFEA-379D-4B16-8233-F34FD9A1C0AC}"/>
+              </a:ext>
+            </a:extLst>
+          </p:cNvPr>
+          <p:cNvCxnSpPr>
+            <a:cxnSpLocks/>
+            <a:endCxn id="185" idx="2"/>
+          </p:cNvCxnSpPr>
+          <p:nvPr/>
+        </p:nvCxnSpPr>
+        <p:spPr>
+          <a:xfrm>
+            <a:off x="5814345" y="6036885"/>
+            <a:ext cx="619328" cy="0"/>
+          </a:xfrm>
+          <a:prstGeom prst="straightConnector1">
+            <a:avLst/>
+          </a:prstGeom>
+          <a:ln w="19050" cap="flat" cmpd="sng" algn="ctr">
+            <a:solidFill>
+              <a:schemeClr val="accent6"/>
+            </a:solidFill>
+            <a:prstDash val="dash"/>
+            <a:round/>
+            <a:headEnd type="none" w="med" len="med"/>
+            <a:tailEnd type="arrow" w="med" len="med"/>
+          </a:ln>
+        </p:spPr>
+        <p:style>
+          <a:lnRef idx="0">
+            <a:scrgbClr r="0" g="0" b="0"/>
+          </a:lnRef>
+          <a:fillRef idx="0">
+            <a:scrgbClr r="0" g="0" b="0"/>
+          </a:fillRef>
+          <a:effectRef idx="0">
+            <a:scrgbClr r="0" g="0" b="0"/>
+          </a:effectRef>
+          <a:fontRef idx="minor">
+            <a:schemeClr val="tx1"/>
+          </a:fontRef>
+        </p:style>
+      </p:cxnSp>
+      <p:cxnSp>
+        <p:nvCxnSpPr>
+          <p:cNvPr id="190" name="直接箭头连接符 189">
+            <a:extLst>
+              <a:ext uri="{FF2B5EF4-FFF2-40B4-BE49-F238E27FC236}">
+                <a16:creationId xmlns:a16="http://schemas.microsoft.com/office/drawing/2014/main" id="{7BE7DFEA-379D-4B16-8233-F34FD9A1C0AC}"/>
+              </a:ext>
+            </a:extLst>
+          </p:cNvPr>
+          <p:cNvCxnSpPr>
+            <a:cxnSpLocks/>
+            <a:stCxn id="185" idx="6"/>
+            <a:endCxn id="182" idx="2"/>
+          </p:cNvCxnSpPr>
+          <p:nvPr/>
+        </p:nvCxnSpPr>
+        <p:spPr>
+          <a:xfrm flipV="1">
+            <a:off x="7456701" y="6012495"/>
+            <a:ext cx="287269" cy="24390"/>
+          </a:xfrm>
+          <a:prstGeom prst="straightConnector1">
+            <a:avLst/>
+          </a:prstGeom>
+          <a:ln w="19050" cap="flat" cmpd="sng" algn="ctr">
+            <a:solidFill>
+              <a:schemeClr val="accent6"/>
+            </a:solidFill>
+            <a:prstDash val="dash"/>
+            <a:round/>
+            <a:headEnd type="none" w="med" len="med"/>
+            <a:tailEnd type="arrow" w="med" len="med"/>
+          </a:ln>
+        </p:spPr>
+        <p:style>
+          <a:lnRef idx="0">
+            <a:scrgbClr r="0" g="0" b="0"/>
+          </a:lnRef>
+          <a:fillRef idx="0">
+            <a:scrgbClr r="0" g="0" b="0"/>
+          </a:fillRef>
+          <a:effectRef idx="0">
+            <a:scrgbClr r="0" g="0" b="0"/>
+          </a:effectRef>
+          <a:fontRef idx="minor">
+            <a:schemeClr val="tx1"/>
+          </a:fontRef>
+        </p:style>
+      </p:cxnSp>
+      <p:cxnSp>
+        <p:nvCxnSpPr>
+          <p:cNvPr id="195" name="直接箭头连接符 194">
+            <a:extLst>
+              <a:ext uri="{FF2B5EF4-FFF2-40B4-BE49-F238E27FC236}">
+                <a16:creationId xmlns:a16="http://schemas.microsoft.com/office/drawing/2014/main" id="{7BE7DFEA-379D-4B16-8233-F34FD9A1C0AC}"/>
+              </a:ext>
+            </a:extLst>
+          </p:cNvPr>
+          <p:cNvCxnSpPr>
+            <a:cxnSpLocks/>
+            <a:stCxn id="182" idx="6"/>
+            <a:endCxn id="183" idx="2"/>
+          </p:cNvCxnSpPr>
+          <p:nvPr/>
+        </p:nvCxnSpPr>
+        <p:spPr>
+          <a:xfrm>
+            <a:off x="8766998" y="6012495"/>
+            <a:ext cx="387959" cy="12195"/>
+          </a:xfrm>
+          <a:prstGeom prst="straightConnector1">
+            <a:avLst/>
+          </a:prstGeom>
+          <a:ln w="19050" cap="flat" cmpd="sng" algn="ctr">
+            <a:solidFill>
+              <a:schemeClr val="accent6"/>
+            </a:solidFill>
+            <a:prstDash val="dash"/>
+            <a:round/>
+            <a:headEnd type="none" w="med" len="med"/>
+            <a:tailEnd type="arrow" w="med" len="med"/>
+          </a:ln>
+        </p:spPr>
+        <p:style>
+          <a:lnRef idx="0">
+            <a:scrgbClr r="0" g="0" b="0"/>
+          </a:lnRef>
+          <a:fillRef idx="0">
+            <a:scrgbClr r="0" g="0" b="0"/>
+          </a:fillRef>
+          <a:effectRef idx="0">
+            <a:scrgbClr r="0" g="0" b="0"/>
+          </a:effectRef>
+          <a:fontRef idx="minor">
+            <a:schemeClr val="tx1"/>
+          </a:fontRef>
+        </p:style>
+      </p:cxnSp>
+      <p:cxnSp>
+        <p:nvCxnSpPr>
+          <p:cNvPr id="199" name="直接箭头连接符 198">
+            <a:extLst>
+              <a:ext uri="{FF2B5EF4-FFF2-40B4-BE49-F238E27FC236}">
+                <a16:creationId xmlns:a16="http://schemas.microsoft.com/office/drawing/2014/main" id="{7BE7DFEA-379D-4B16-8233-F34FD9A1C0AC}"/>
+              </a:ext>
+            </a:extLst>
+          </p:cNvPr>
+          <p:cNvCxnSpPr>
+            <a:cxnSpLocks/>
+            <a:stCxn id="183" idx="6"/>
+            <a:endCxn id="184" idx="2"/>
+          </p:cNvCxnSpPr>
+          <p:nvPr/>
+        </p:nvCxnSpPr>
+        <p:spPr>
+          <a:xfrm>
+            <a:off x="10177985" y="6024690"/>
+            <a:ext cx="326722" cy="12195"/>
+          </a:xfrm>
+          <a:prstGeom prst="straightConnector1">
+            <a:avLst/>
+          </a:prstGeom>
+          <a:ln w="19050" cap="flat" cmpd="sng" algn="ctr">
+            <a:solidFill>
+              <a:schemeClr val="accent6"/>
+            </a:solidFill>
+            <a:prstDash val="dash"/>
+            <a:round/>
+            <a:headEnd type="none" w="med" len="med"/>
+            <a:tailEnd type="arrow" w="med" len="med"/>
+          </a:ln>
+        </p:spPr>
+        <p:style>
+          <a:lnRef idx="0">
+            <a:scrgbClr r="0" g="0" b="0"/>
+          </a:lnRef>
+          <a:fillRef idx="0">
+            <a:scrgbClr r="0" g="0" b="0"/>
+          </a:fillRef>
+          <a:effectRef idx="0">
+            <a:scrgbClr r="0" g="0" b="0"/>
+          </a:effectRef>
+          <a:fontRef idx="minor">
+            <a:schemeClr val="tx1"/>
+          </a:fontRef>
+        </p:style>
+      </p:cxnSp>
+      <p:cxnSp>
+        <p:nvCxnSpPr>
+          <p:cNvPr id="203" name="直接箭头连接符 202">
+            <a:extLst>
+              <a:ext uri="{FF2B5EF4-FFF2-40B4-BE49-F238E27FC236}">
+                <a16:creationId xmlns:a16="http://schemas.microsoft.com/office/drawing/2014/main" id="{7BE7DFEA-379D-4B16-8233-F34FD9A1C0AC}"/>
+              </a:ext>
+            </a:extLst>
+          </p:cNvPr>
+          <p:cNvCxnSpPr>
+            <a:cxnSpLocks/>
+            <a:stCxn id="184" idx="6"/>
+          </p:cNvCxnSpPr>
+          <p:nvPr/>
+        </p:nvCxnSpPr>
+        <p:spPr>
+          <a:xfrm flipV="1">
+            <a:off x="11527735" y="6032631"/>
+            <a:ext cx="619328" cy="4254"/>
+          </a:xfrm>
+          <a:prstGeom prst="straightConnector1">
+            <a:avLst/>
+          </a:prstGeom>
+          <a:ln w="19050" cap="flat" cmpd="sng" algn="ctr">
+            <a:solidFill>
+              <a:schemeClr val="accent6"/>
+            </a:solidFill>
+            <a:prstDash val="dash"/>
+            <a:round/>
+            <a:headEnd type="none" w="med" len="med"/>
+            <a:tailEnd type="arrow" w="med" len="med"/>
+          </a:ln>
+        </p:spPr>
+        <p:style>
+          <a:lnRef idx="0">
+            <a:scrgbClr r="0" g="0" b="0"/>
+          </a:lnRef>
+          <a:fillRef idx="0">
+            <a:scrgbClr r="0" g="0" b="0"/>
+          </a:fillRef>
+          <a:effectRef idx="0">
+            <a:scrgbClr r="0" g="0" b="0"/>
+          </a:effectRef>
+          <a:fontRef idx="minor">
+            <a:schemeClr val="tx1"/>
+          </a:fontRef>
+        </p:style>
+      </p:cxnSp>
+      <p:sp>
+        <p:nvSpPr>
+          <p:cNvPr id="208" name="文本框 207"/>
+          <p:cNvSpPr txBox="1"/>
+          <p:nvPr/>
+        </p:nvSpPr>
+        <p:spPr>
+          <a:xfrm>
+            <a:off x="6369187" y="5358168"/>
+            <a:ext cx="896318" cy="338554"/>
+          </a:xfrm>
+          <a:prstGeom prst="rect">
+            <a:avLst/>
+          </a:prstGeom>
+          <a:noFill/>
+        </p:spPr>
+        <p:txBody>
+          <a:bodyPr wrap="square" rtlCol="0">
+            <a:spAutoFit/>
+          </a:bodyPr>
+          <a:lstStyle/>
+          <a:p>
+            <a:r>
+              <a:rPr lang="en-US" altLang="zh-CN" sz="1600" dirty="0" smtClean="0">
+                <a:latin typeface="Times New Roman" panose="02020603050405020304" pitchFamily="18" charset="0"/>
+                <a:cs typeface="Times New Roman" panose="02020603050405020304" pitchFamily="18" charset="0"/>
+              </a:rPr>
+              <a:t>Runtime</a:t>
+            </a:r>
+            <a:endParaRPr lang="zh-CN" altLang="en-US" sz="1600" dirty="0">
+              <a:latin typeface="Times New Roman" panose="02020603050405020304" pitchFamily="18" charset="0"/>
+              <a:cs typeface="Times New Roman" panose="02020603050405020304" pitchFamily="18" charset="0"/>
+            </a:endParaRPr>
+          </a:p>
+        </p:txBody>
+      </p:sp>
+      <p:sp>
+        <p:nvSpPr>
+          <p:cNvPr id="209" name="文本框 208"/>
+          <p:cNvSpPr txBox="1"/>
+          <p:nvPr/>
+        </p:nvSpPr>
+        <p:spPr>
+          <a:xfrm>
+            <a:off x="5185691" y="5847965"/>
+            <a:ext cx="702373" cy="369332"/>
+          </a:xfrm>
+          <a:prstGeom prst="rect">
+            <a:avLst/>
+          </a:prstGeom>
+          <a:noFill/>
+        </p:spPr>
+        <p:txBody>
+          <a:bodyPr wrap="square" rtlCol="0">
+            <a:spAutoFit/>
+          </a:bodyPr>
+          <a:lstStyle/>
+          <a:p>
+            <a:r>
+              <a:rPr lang="en-US" altLang="zh-CN" dirty="0" smtClean="0">
+                <a:latin typeface="Times New Roman" panose="02020603050405020304" pitchFamily="18" charset="0"/>
+                <a:cs typeface="Times New Roman" panose="02020603050405020304" pitchFamily="18" charset="0"/>
+              </a:rPr>
+              <a:t>Flow</a:t>
+            </a:r>
+            <a:endParaRPr lang="zh-CN" altLang="en-US" dirty="0">
+              <a:latin typeface="Times New Roman" panose="02020603050405020304" pitchFamily="18" charset="0"/>
+              <a:cs typeface="Times New Roman" panose="02020603050405020304" pitchFamily="18" charset="0"/>
+            </a:endParaRPr>
+          </a:p>
+        </p:txBody>
+      </p:sp>
+      <p:sp>
+        <p:nvSpPr>
+          <p:cNvPr id="210" name="右箭头 209"/>
+          <p:cNvSpPr/>
+          <p:nvPr/>
+        </p:nvSpPr>
+        <p:spPr>
+          <a:xfrm rot="5400000">
+            <a:off x="2071908" y="1088979"/>
+            <a:ext cx="602033" cy="309316"/>
+          </a:xfrm>
+          <a:prstGeom prst="rightArrow">
+            <a:avLst/>
+          </a:prstGeom>
+        </p:spPr>
+        <p:style>
+          <a:lnRef idx="2">
+            <a:schemeClr val="accent4">
+              <a:shade val="50000"/>
+            </a:schemeClr>
+          </a:lnRef>
+          <a:fillRef idx="1">
+            <a:schemeClr val="accent4"/>
+          </a:fillRef>
+          <a:effectRef idx="0">
+            <a:schemeClr val="accent4"/>
+          </a:effectRef>
+          <a:fontRef idx="minor">
+            <a:schemeClr val="lt1"/>
+          </a:fontRef>
+        </p:style>
+        <p:txBody>
+          <a:bodyPr rtlCol="0" anchor="ctr"/>
+          <a:lstStyle/>
+          <a:p>
+            <a:pPr algn="ctr"/>
+            <a:endParaRPr lang="zh-CN" altLang="en-US"/>
+          </a:p>
+        </p:txBody>
+      </p:sp>
+      <p:sp>
+        <p:nvSpPr>
+          <p:cNvPr id="211" name="文本框 210"/>
+          <p:cNvSpPr txBox="1"/>
+          <p:nvPr/>
+        </p:nvSpPr>
+        <p:spPr>
+          <a:xfrm>
+            <a:off x="2527583" y="966838"/>
+            <a:ext cx="702373" cy="369332"/>
+          </a:xfrm>
+          <a:prstGeom prst="rect">
+            <a:avLst/>
+          </a:prstGeom>
+          <a:noFill/>
+        </p:spPr>
+        <p:txBody>
+          <a:bodyPr wrap="square" rtlCol="0">
+            <a:spAutoFit/>
+          </a:bodyPr>
+          <a:lstStyle/>
+          <a:p>
+            <a:r>
+              <a:rPr lang="en-US" altLang="zh-CN" dirty="0" smtClean="0">
+                <a:latin typeface="Times New Roman" panose="02020603050405020304" pitchFamily="18" charset="0"/>
+                <a:cs typeface="Times New Roman" panose="02020603050405020304" pitchFamily="18" charset="0"/>
+              </a:rPr>
+              <a:t>Place</a:t>
+            </a:r>
+            <a:endParaRPr lang="zh-CN" altLang="en-US" dirty="0">
+              <a:latin typeface="Times New Roman" panose="02020603050405020304" pitchFamily="18" charset="0"/>
+              <a:cs typeface="Times New Roman" panose="02020603050405020304" pitchFamily="18" charset="0"/>
+            </a:endParaRPr>
+          </a:p>
+        </p:txBody>
+      </p:sp>
+      <p:sp>
+        <p:nvSpPr>
+          <p:cNvPr id="212" name="右箭头 211"/>
+          <p:cNvSpPr/>
+          <p:nvPr/>
+        </p:nvSpPr>
+        <p:spPr>
+          <a:xfrm>
+            <a:off x="7651024" y="657930"/>
+            <a:ext cx="994007" cy="309316"/>
+          </a:xfrm>
+          <a:prstGeom prst="rightArrow">
+            <a:avLst/>
+          </a:prstGeom>
+        </p:spPr>
+        <p:style>
+          <a:lnRef idx="2">
+            <a:schemeClr val="accent4">
+              <a:shade val="50000"/>
+            </a:schemeClr>
+          </a:lnRef>
+          <a:fillRef idx="1">
+            <a:schemeClr val="accent4"/>
+          </a:fillRef>
+          <a:effectRef idx="0">
+            <a:schemeClr val="accent4"/>
+          </a:effectRef>
+          <a:fontRef idx="minor">
+            <a:schemeClr val="lt1"/>
+          </a:fontRef>
+        </p:style>
+        <p:txBody>
+          <a:bodyPr rtlCol="0" anchor="ctr"/>
+          <a:lstStyle/>
+          <a:p>
+            <a:pPr algn="ctr"/>
+            <a:endParaRPr lang="zh-CN" altLang="en-US"/>
+          </a:p>
+        </p:txBody>
+      </p:sp>
+      <p:sp>
+        <p:nvSpPr>
+          <p:cNvPr id="213" name="文本框 212"/>
+          <p:cNvSpPr txBox="1"/>
+          <p:nvPr/>
+        </p:nvSpPr>
+        <p:spPr>
+          <a:xfrm>
+            <a:off x="7783748" y="345344"/>
+            <a:ext cx="702373" cy="369332"/>
+          </a:xfrm>
+          <a:prstGeom prst="rect">
+            <a:avLst/>
+          </a:prstGeom>
+          <a:noFill/>
+        </p:spPr>
+        <p:txBody>
+          <a:bodyPr wrap="square" rtlCol="0">
+            <a:spAutoFit/>
+          </a:bodyPr>
+          <a:lstStyle/>
+          <a:p>
+            <a:r>
+              <a:rPr lang="en-US" altLang="zh-CN" dirty="0" smtClean="0">
+                <a:latin typeface="Times New Roman" panose="02020603050405020304" pitchFamily="18" charset="0"/>
+                <a:cs typeface="Times New Roman" panose="02020603050405020304" pitchFamily="18" charset="0"/>
+              </a:rPr>
+              <a:t>Input</a:t>
+            </a:r>
+            <a:endParaRPr lang="zh-CN" altLang="en-US" dirty="0">
+              <a:latin typeface="Times New Roman" panose="02020603050405020304" pitchFamily="18" charset="0"/>
+              <a:cs typeface="Times New Roman" panose="02020603050405020304" pitchFamily="18" charset="0"/>
+            </a:endParaRPr>
+          </a:p>
+        </p:txBody>
+      </p:sp>
+      <p:sp>
+        <p:nvSpPr>
+          <p:cNvPr id="214" name="右箭头 213"/>
+          <p:cNvSpPr/>
+          <p:nvPr/>
+        </p:nvSpPr>
+        <p:spPr>
+          <a:xfrm rot="5400000">
+            <a:off x="8384198" y="1554085"/>
+            <a:ext cx="602033" cy="309316"/>
+          </a:xfrm>
+          <a:prstGeom prst="rightArrow">
+            <a:avLst/>
+          </a:prstGeom>
+        </p:spPr>
+        <p:style>
+          <a:lnRef idx="2">
+            <a:schemeClr val="accent4">
+              <a:shade val="50000"/>
+            </a:schemeClr>
+          </a:lnRef>
+          <a:fillRef idx="1">
+            <a:schemeClr val="accent4"/>
+          </a:fillRef>
+          <a:effectRef idx="0">
+            <a:schemeClr val="accent4"/>
+          </a:effectRef>
+          <a:fontRef idx="minor">
+            <a:schemeClr val="lt1"/>
+          </a:fontRef>
+        </p:style>
+        <p:txBody>
+          <a:bodyPr rtlCol="0" anchor="ctr"/>
+          <a:lstStyle/>
+          <a:p>
+            <a:pPr algn="ctr"/>
+            <a:endParaRPr lang="zh-CN" altLang="en-US"/>
+          </a:p>
+        </p:txBody>
+      </p:sp>
+      <p:sp>
+        <p:nvSpPr>
+          <p:cNvPr id="215" name="文本框 214"/>
+          <p:cNvSpPr txBox="1"/>
+          <p:nvPr/>
+        </p:nvSpPr>
+        <p:spPr>
+          <a:xfrm>
+            <a:off x="7561730" y="1435468"/>
+            <a:ext cx="2731746" cy="369332"/>
+          </a:xfrm>
+          <a:prstGeom prst="rect">
+            <a:avLst/>
+          </a:prstGeom>
+          <a:noFill/>
+        </p:spPr>
+        <p:txBody>
+          <a:bodyPr wrap="square" rtlCol="0">
+            <a:spAutoFit/>
+          </a:bodyPr>
+          <a:lstStyle/>
+          <a:p>
+            <a:r>
+              <a:rPr lang="en-US" altLang="zh-CN" dirty="0" smtClean="0">
+                <a:latin typeface="Times New Roman" panose="02020603050405020304" pitchFamily="18" charset="0"/>
+                <a:cs typeface="Times New Roman" panose="02020603050405020304" pitchFamily="18" charset="0"/>
+              </a:rPr>
+              <a:t>Optimal parallel strategy</a:t>
+            </a:r>
+            <a:endParaRPr lang="zh-CN" altLang="en-US" dirty="0">
+              <a:latin typeface="Times New Roman" panose="02020603050405020304" pitchFamily="18" charset="0"/>
+              <a:cs typeface="Times New Roman" panose="02020603050405020304" pitchFamily="18" charset="0"/>
+            </a:endParaRPr>
+          </a:p>
+        </p:txBody>
+      </p:sp>
+      <p:sp>
+        <p:nvSpPr>
+          <p:cNvPr id="216" name="右箭头 215"/>
+          <p:cNvSpPr/>
+          <p:nvPr/>
+        </p:nvSpPr>
+        <p:spPr>
+          <a:xfrm rot="5400000">
+            <a:off x="8525323" y="4827853"/>
+            <a:ext cx="602033" cy="309316"/>
+          </a:xfrm>
+          <a:prstGeom prst="rightArrow">
+            <a:avLst/>
+          </a:prstGeom>
+        </p:spPr>
+        <p:style>
+          <a:lnRef idx="2">
+            <a:schemeClr val="accent4">
+              <a:shade val="50000"/>
+            </a:schemeClr>
+          </a:lnRef>
+          <a:fillRef idx="1">
+            <a:schemeClr val="accent4"/>
+          </a:fillRef>
+          <a:effectRef idx="0">
+            <a:schemeClr val="accent4"/>
+          </a:effectRef>
+          <a:fontRef idx="minor">
+            <a:schemeClr val="lt1"/>
+          </a:fontRef>
+        </p:style>
+        <p:txBody>
+          <a:bodyPr rtlCol="0" anchor="ctr"/>
+          <a:lstStyle/>
+          <a:p>
+            <a:pPr algn="ctr"/>
+            <a:endParaRPr lang="zh-CN" altLang="en-US"/>
+          </a:p>
+        </p:txBody>
+      </p:sp>
+      <p:sp>
+        <p:nvSpPr>
+          <p:cNvPr id="217" name="文本框 216"/>
+          <p:cNvSpPr txBox="1"/>
+          <p:nvPr/>
+        </p:nvSpPr>
+        <p:spPr>
+          <a:xfrm>
+            <a:off x="8081046" y="4725043"/>
+            <a:ext cx="1556737" cy="369332"/>
+          </a:xfrm>
+          <a:prstGeom prst="rect">
+            <a:avLst/>
+          </a:prstGeom>
+          <a:noFill/>
+        </p:spPr>
+        <p:txBody>
+          <a:bodyPr wrap="square" rtlCol="0">
+            <a:spAutoFit/>
+          </a:bodyPr>
+          <a:lstStyle/>
+          <a:p>
+            <a:r>
+              <a:rPr lang="en-US" altLang="zh-CN" dirty="0" smtClean="0">
+                <a:latin typeface="Times New Roman" panose="02020603050405020304" pitchFamily="18" charset="0"/>
+                <a:cs typeface="Times New Roman" panose="02020603050405020304" pitchFamily="18" charset="0"/>
+              </a:rPr>
+              <a:t>Configuration</a:t>
+            </a:r>
+            <a:endParaRPr lang="zh-CN" altLang="en-US" dirty="0">
+              <a:latin typeface="Times New Roman" panose="02020603050405020304" pitchFamily="18" charset="0"/>
+              <a:cs typeface="Times New Roman" panose="02020603050405020304" pitchFamily="18" charset="0"/>
+            </a:endParaRPr>
+          </a:p>
+        </p:txBody>
+      </p:sp>
     </p:spTree>
     <p:extLst>
       <p:ext uri="{BB962C8B-B14F-4D97-AF65-F5344CB8AC3E}">
         <p14:creationId xmlns:p14="http://schemas.microsoft.com/office/powerpoint/2010/main" val="2241959206"/>
+      </p:ext>
+    </p:extLst>
+  </p:cSld>
+  <p:clrMapOvr>
+    <a:masterClrMapping/>
+  </p:clrMapOvr>
+</p:sld>
+</file>
+
+<file path=ppt/slides/slide13.xml><?xml version="1.0" encoding="utf-8"?>
+<p:sld xmlns:a="http://schemas.openxmlformats.org/drawingml/2006/main" xmlns:r="http://schemas.openxmlformats.org/officeDocument/2006/relationships" xmlns:p="http://schemas.openxmlformats.org/presentationml/2006/main">
+  <p:cSld>
+    <p:spTree>
+      <p:nvGrpSpPr>
+        <p:cNvPr id="1" name=""/>
+        <p:cNvGrpSpPr/>
+        <p:nvPr/>
+      </p:nvGrpSpPr>
+      <p:grpSpPr>
+        <a:xfrm>
+          <a:off x="0" y="0"/>
+          <a:ext cx="0" cy="0"/>
+          <a:chOff x="0" y="0"/>
+          <a:chExt cx="0" cy="0"/>
+        </a:xfrm>
+      </p:grpSpPr>
+      <p:sp>
+        <p:nvSpPr>
+          <p:cNvPr id="85" name="矩形标注 84"/>
+          <p:cNvSpPr/>
+          <p:nvPr/>
+        </p:nvSpPr>
+        <p:spPr>
+          <a:xfrm>
+            <a:off x="6102344" y="216385"/>
+            <a:ext cx="5660166" cy="6451697"/>
+          </a:xfrm>
+          <a:prstGeom prst="wedgeRectCallout">
+            <a:avLst>
+              <a:gd name="adj1" fmla="val -80291"/>
+              <a:gd name="adj2" fmla="val 28709"/>
+            </a:avLst>
+          </a:prstGeom>
+          <a:noFill/>
+          <a:ln>
+            <a:solidFill>
+              <a:schemeClr val="tx1"/>
+            </a:solidFill>
+          </a:ln>
+        </p:spPr>
+        <p:style>
+          <a:lnRef idx="2">
+            <a:schemeClr val="accent1">
+              <a:shade val="50000"/>
+            </a:schemeClr>
+          </a:lnRef>
+          <a:fillRef idx="1">
+            <a:schemeClr val="accent1"/>
+          </a:fillRef>
+          <a:effectRef idx="0">
+            <a:schemeClr val="accent1"/>
+          </a:effectRef>
+          <a:fontRef idx="minor">
+            <a:schemeClr val="lt1"/>
+          </a:fontRef>
+        </p:style>
+        <p:txBody>
+          <a:bodyPr rtlCol="0" anchor="ctr"/>
+          <a:lstStyle/>
+          <a:p>
+            <a:pPr algn="ctr"/>
+            <a:endParaRPr lang="zh-CN" altLang="en-US"/>
+          </a:p>
+        </p:txBody>
+      </p:sp>
+      <p:sp>
+        <p:nvSpPr>
+          <p:cNvPr id="11" name="矩形 10"/>
+          <p:cNvSpPr/>
+          <p:nvPr/>
+        </p:nvSpPr>
+        <p:spPr>
+          <a:xfrm>
+            <a:off x="274953" y="219252"/>
+            <a:ext cx="576000" cy="576000"/>
+          </a:xfrm>
+          <a:prstGeom prst="rect">
+            <a:avLst/>
+          </a:prstGeom>
+        </p:spPr>
+        <p:style>
+          <a:lnRef idx="2">
+            <a:schemeClr val="accent6">
+              <a:shade val="50000"/>
+            </a:schemeClr>
+          </a:lnRef>
+          <a:fillRef idx="1">
+            <a:schemeClr val="accent6"/>
+          </a:fillRef>
+          <a:effectRef idx="0">
+            <a:schemeClr val="accent6"/>
+          </a:effectRef>
+          <a:fontRef idx="minor">
+            <a:schemeClr val="lt1"/>
+          </a:fontRef>
+        </p:style>
+        <p:txBody>
+          <a:bodyPr rtlCol="0" anchor="ctr"/>
+          <a:lstStyle/>
+          <a:p>
+            <a:pPr algn="ctr"/>
+            <a:r>
+              <a:rPr lang="en-US" altLang="zh-CN" sz="1100" dirty="0" smtClean="0">
+                <a:latin typeface="Times New Roman" panose="02020603050405020304" pitchFamily="18" charset="0"/>
+                <a:cs typeface="Times New Roman" panose="02020603050405020304" pitchFamily="18" charset="0"/>
+              </a:rPr>
+              <a:t>VNF 1</a:t>
+            </a:r>
+            <a:endParaRPr lang="zh-CN" altLang="en-US" sz="1100" dirty="0">
+              <a:latin typeface="Times New Roman" panose="02020603050405020304" pitchFamily="18" charset="0"/>
+              <a:cs typeface="Times New Roman" panose="02020603050405020304" pitchFamily="18" charset="0"/>
+            </a:endParaRPr>
+          </a:p>
+        </p:txBody>
+      </p:sp>
+      <p:sp>
+        <p:nvSpPr>
+          <p:cNvPr id="12" name="矩形 11"/>
+          <p:cNvSpPr/>
+          <p:nvPr/>
+        </p:nvSpPr>
+        <p:spPr>
+          <a:xfrm>
+            <a:off x="1442489" y="219252"/>
+            <a:ext cx="576000" cy="576000"/>
+          </a:xfrm>
+          <a:prstGeom prst="rect">
+            <a:avLst/>
+          </a:prstGeom>
+        </p:spPr>
+        <p:style>
+          <a:lnRef idx="2">
+            <a:schemeClr val="accent6">
+              <a:shade val="50000"/>
+            </a:schemeClr>
+          </a:lnRef>
+          <a:fillRef idx="1">
+            <a:schemeClr val="accent6"/>
+          </a:fillRef>
+          <a:effectRef idx="0">
+            <a:schemeClr val="accent6"/>
+          </a:effectRef>
+          <a:fontRef idx="minor">
+            <a:schemeClr val="lt1"/>
+          </a:fontRef>
+        </p:style>
+        <p:txBody>
+          <a:bodyPr rtlCol="0" anchor="ctr"/>
+          <a:lstStyle/>
+          <a:p>
+            <a:pPr algn="ctr"/>
+            <a:r>
+              <a:rPr lang="en-US" altLang="zh-CN" sz="1100" dirty="0" smtClean="0">
+                <a:latin typeface="Times New Roman" panose="02020603050405020304" pitchFamily="18" charset="0"/>
+                <a:cs typeface="Times New Roman" panose="02020603050405020304" pitchFamily="18" charset="0"/>
+              </a:rPr>
+              <a:t>VNF 2</a:t>
+            </a:r>
+            <a:endParaRPr lang="zh-CN" altLang="en-US" sz="1100" dirty="0">
+              <a:latin typeface="Times New Roman" panose="02020603050405020304" pitchFamily="18" charset="0"/>
+              <a:cs typeface="Times New Roman" panose="02020603050405020304" pitchFamily="18" charset="0"/>
+            </a:endParaRPr>
+          </a:p>
+        </p:txBody>
+      </p:sp>
+      <p:cxnSp>
+        <p:nvCxnSpPr>
+          <p:cNvPr id="13" name="直接箭头连接符 12"/>
+          <p:cNvCxnSpPr>
+            <a:stCxn id="11" idx="3"/>
+            <a:endCxn id="12" idx="1"/>
+          </p:cNvCxnSpPr>
+          <p:nvPr/>
+        </p:nvCxnSpPr>
+        <p:spPr>
+          <a:xfrm>
+            <a:off x="850953" y="507252"/>
+            <a:ext cx="591536" cy="0"/>
+          </a:xfrm>
+          <a:prstGeom prst="straightConnector1">
+            <a:avLst/>
+          </a:prstGeom>
+          <a:ln w="19050">
+            <a:tailEnd type="triangle"/>
+          </a:ln>
+        </p:spPr>
+        <p:style>
+          <a:lnRef idx="1">
+            <a:schemeClr val="accent6"/>
+          </a:lnRef>
+          <a:fillRef idx="0">
+            <a:schemeClr val="accent6"/>
+          </a:fillRef>
+          <a:effectRef idx="0">
+            <a:schemeClr val="accent6"/>
+          </a:effectRef>
+          <a:fontRef idx="minor">
+            <a:schemeClr val="tx1"/>
+          </a:fontRef>
+        </p:style>
+      </p:cxnSp>
+      <p:sp>
+        <p:nvSpPr>
+          <p:cNvPr id="16" name="矩形 15"/>
+          <p:cNvSpPr/>
+          <p:nvPr/>
+        </p:nvSpPr>
+        <p:spPr>
+          <a:xfrm>
+            <a:off x="2646031" y="216386"/>
+            <a:ext cx="576000" cy="576000"/>
+          </a:xfrm>
+          <a:prstGeom prst="rect">
+            <a:avLst/>
+          </a:prstGeom>
+        </p:spPr>
+        <p:style>
+          <a:lnRef idx="2">
+            <a:schemeClr val="accent6">
+              <a:shade val="50000"/>
+            </a:schemeClr>
+          </a:lnRef>
+          <a:fillRef idx="1">
+            <a:schemeClr val="accent6"/>
+          </a:fillRef>
+          <a:effectRef idx="0">
+            <a:schemeClr val="accent6"/>
+          </a:effectRef>
+          <a:fontRef idx="minor">
+            <a:schemeClr val="lt1"/>
+          </a:fontRef>
+        </p:style>
+        <p:txBody>
+          <a:bodyPr rtlCol="0" anchor="ctr"/>
+          <a:lstStyle/>
+          <a:p>
+            <a:pPr algn="ctr"/>
+            <a:r>
+              <a:rPr lang="en-US" altLang="zh-CN" sz="1100" dirty="0" smtClean="0">
+                <a:latin typeface="Times New Roman" panose="02020603050405020304" pitchFamily="18" charset="0"/>
+                <a:cs typeface="Times New Roman" panose="02020603050405020304" pitchFamily="18" charset="0"/>
+              </a:rPr>
+              <a:t>……</a:t>
+            </a:r>
+            <a:endParaRPr lang="zh-CN" altLang="en-US" sz="1100" dirty="0">
+              <a:latin typeface="Times New Roman" panose="02020603050405020304" pitchFamily="18" charset="0"/>
+              <a:cs typeface="Times New Roman" panose="02020603050405020304" pitchFamily="18" charset="0"/>
+            </a:endParaRPr>
+          </a:p>
+        </p:txBody>
+      </p:sp>
+      <p:cxnSp>
+        <p:nvCxnSpPr>
+          <p:cNvPr id="17" name="直接箭头连接符 16"/>
+          <p:cNvCxnSpPr>
+            <a:stCxn id="12" idx="3"/>
+            <a:endCxn id="16" idx="1"/>
+          </p:cNvCxnSpPr>
+          <p:nvPr/>
+        </p:nvCxnSpPr>
+        <p:spPr>
+          <a:xfrm flipV="1">
+            <a:off x="2018489" y="504386"/>
+            <a:ext cx="627542" cy="2866"/>
+          </a:xfrm>
+          <a:prstGeom prst="straightConnector1">
+            <a:avLst/>
+          </a:prstGeom>
+          <a:ln w="19050">
+            <a:tailEnd type="triangle"/>
+          </a:ln>
+        </p:spPr>
+        <p:style>
+          <a:lnRef idx="1">
+            <a:schemeClr val="accent6"/>
+          </a:lnRef>
+          <a:fillRef idx="0">
+            <a:schemeClr val="accent6"/>
+          </a:fillRef>
+          <a:effectRef idx="0">
+            <a:schemeClr val="accent6"/>
+          </a:effectRef>
+          <a:fontRef idx="minor">
+            <a:schemeClr val="tx1"/>
+          </a:fontRef>
+        </p:style>
+      </p:cxnSp>
+      <p:sp>
+        <p:nvSpPr>
+          <p:cNvPr id="20" name="矩形 19"/>
+          <p:cNvSpPr/>
+          <p:nvPr/>
+        </p:nvSpPr>
+        <p:spPr>
+          <a:xfrm>
+            <a:off x="3997267" y="216386"/>
+            <a:ext cx="576000" cy="576000"/>
+          </a:xfrm>
+          <a:prstGeom prst="rect">
+            <a:avLst/>
+          </a:prstGeom>
+        </p:spPr>
+        <p:style>
+          <a:lnRef idx="2">
+            <a:schemeClr val="accent6">
+              <a:shade val="50000"/>
+            </a:schemeClr>
+          </a:lnRef>
+          <a:fillRef idx="1">
+            <a:schemeClr val="accent6"/>
+          </a:fillRef>
+          <a:effectRef idx="0">
+            <a:schemeClr val="accent6"/>
+          </a:effectRef>
+          <a:fontRef idx="minor">
+            <a:schemeClr val="lt1"/>
+          </a:fontRef>
+        </p:style>
+        <p:txBody>
+          <a:bodyPr rtlCol="0" anchor="ctr"/>
+          <a:lstStyle/>
+          <a:p>
+            <a:pPr algn="ctr"/>
+            <a:r>
+              <a:rPr lang="en-US" altLang="zh-CN" sz="1100" dirty="0" smtClean="0">
+                <a:latin typeface="Times New Roman" panose="02020603050405020304" pitchFamily="18" charset="0"/>
+                <a:cs typeface="Times New Roman" panose="02020603050405020304" pitchFamily="18" charset="0"/>
+              </a:rPr>
+              <a:t>VNF 7</a:t>
+            </a:r>
+            <a:endParaRPr lang="zh-CN" altLang="en-US" sz="1100" dirty="0">
+              <a:latin typeface="Times New Roman" panose="02020603050405020304" pitchFamily="18" charset="0"/>
+              <a:cs typeface="Times New Roman" panose="02020603050405020304" pitchFamily="18" charset="0"/>
+            </a:endParaRPr>
+          </a:p>
+        </p:txBody>
+      </p:sp>
+      <p:cxnSp>
+        <p:nvCxnSpPr>
+          <p:cNvPr id="21" name="直接箭头连接符 20"/>
+          <p:cNvCxnSpPr>
+            <a:stCxn id="16" idx="3"/>
+            <a:endCxn id="20" idx="1"/>
+          </p:cNvCxnSpPr>
+          <p:nvPr/>
+        </p:nvCxnSpPr>
+        <p:spPr>
+          <a:xfrm>
+            <a:off x="3222031" y="504386"/>
+            <a:ext cx="775236" cy="0"/>
+          </a:xfrm>
+          <a:prstGeom prst="straightConnector1">
+            <a:avLst/>
+          </a:prstGeom>
+          <a:ln w="19050">
+            <a:tailEnd type="triangle"/>
+          </a:ln>
+        </p:spPr>
+        <p:style>
+          <a:lnRef idx="1">
+            <a:schemeClr val="accent6"/>
+          </a:lnRef>
+          <a:fillRef idx="0">
+            <a:schemeClr val="accent6"/>
+          </a:fillRef>
+          <a:effectRef idx="0">
+            <a:schemeClr val="accent6"/>
+          </a:effectRef>
+          <a:fontRef idx="minor">
+            <a:schemeClr val="tx1"/>
+          </a:fontRef>
+        </p:style>
+      </p:cxnSp>
+      <p:sp>
+        <p:nvSpPr>
+          <p:cNvPr id="24" name="流程图: 磁盘 23"/>
+          <p:cNvSpPr/>
+          <p:nvPr/>
+        </p:nvSpPr>
+        <p:spPr>
+          <a:xfrm>
+            <a:off x="638321" y="3713678"/>
+            <a:ext cx="1005840" cy="540327"/>
+          </a:xfrm>
+          <a:prstGeom prst="flowChartMagneticDisk">
+            <a:avLst/>
+          </a:prstGeom>
+        </p:spPr>
+        <p:style>
+          <a:lnRef idx="2">
+            <a:schemeClr val="accent1">
+              <a:shade val="50000"/>
+            </a:schemeClr>
+          </a:lnRef>
+          <a:fillRef idx="1">
+            <a:schemeClr val="accent1"/>
+          </a:fillRef>
+          <a:effectRef idx="0">
+            <a:schemeClr val="accent1"/>
+          </a:effectRef>
+          <a:fontRef idx="minor">
+            <a:schemeClr val="lt1"/>
+          </a:fontRef>
+        </p:style>
+        <p:txBody>
+          <a:bodyPr rtlCol="0" anchor="ctr"/>
+          <a:lstStyle/>
+          <a:p>
+            <a:pPr algn="ctr"/>
+            <a:r>
+              <a:rPr lang="en-US" altLang="zh-CN" sz="1600" dirty="0" smtClean="0">
+                <a:latin typeface="Times New Roman" panose="02020603050405020304" pitchFamily="18" charset="0"/>
+                <a:cs typeface="Times New Roman" panose="02020603050405020304" pitchFamily="18" charset="0"/>
+              </a:rPr>
+              <a:t>switch</a:t>
+            </a:r>
+            <a:endParaRPr lang="zh-CN" altLang="en-US" sz="1600" dirty="0">
+              <a:latin typeface="Times New Roman" panose="02020603050405020304" pitchFamily="18" charset="0"/>
+              <a:cs typeface="Times New Roman" panose="02020603050405020304" pitchFamily="18" charset="0"/>
+            </a:endParaRPr>
+          </a:p>
+        </p:txBody>
+      </p:sp>
+      <p:sp>
+        <p:nvSpPr>
+          <p:cNvPr id="25" name="流程图: 磁盘 24"/>
+          <p:cNvSpPr/>
+          <p:nvPr/>
+        </p:nvSpPr>
+        <p:spPr>
+          <a:xfrm>
+            <a:off x="2985947" y="3773979"/>
+            <a:ext cx="1005840" cy="540327"/>
+          </a:xfrm>
+          <a:prstGeom prst="flowChartMagneticDisk">
+            <a:avLst/>
+          </a:prstGeom>
+        </p:spPr>
+        <p:style>
+          <a:lnRef idx="2">
+            <a:schemeClr val="accent1">
+              <a:shade val="50000"/>
+            </a:schemeClr>
+          </a:lnRef>
+          <a:fillRef idx="1">
+            <a:schemeClr val="accent1"/>
+          </a:fillRef>
+          <a:effectRef idx="0">
+            <a:schemeClr val="accent1"/>
+          </a:effectRef>
+          <a:fontRef idx="minor">
+            <a:schemeClr val="lt1"/>
+          </a:fontRef>
+        </p:style>
+        <p:txBody>
+          <a:bodyPr rtlCol="0" anchor="ctr"/>
+          <a:lstStyle/>
+          <a:p>
+            <a:pPr algn="ctr"/>
+            <a:r>
+              <a:rPr lang="en-US" altLang="zh-CN" sz="1600" dirty="0">
+                <a:latin typeface="Times New Roman" panose="02020603050405020304" pitchFamily="18" charset="0"/>
+                <a:cs typeface="Times New Roman" panose="02020603050405020304" pitchFamily="18" charset="0"/>
+              </a:rPr>
+              <a:t>switch</a:t>
+            </a:r>
+            <a:endParaRPr lang="zh-CN" altLang="en-US" sz="1600" dirty="0"/>
+          </a:p>
+        </p:txBody>
+      </p:sp>
+      <p:sp>
+        <p:nvSpPr>
+          <p:cNvPr id="26" name="矩形: 圆角 2">
+            <a:extLst>
+              <a:ext uri="{FF2B5EF4-FFF2-40B4-BE49-F238E27FC236}">
+                <a16:creationId xmlns:a16="http://schemas.microsoft.com/office/drawing/2014/main" id="{754A9402-C3A1-45BC-BD52-D02E72FAB8D6}"/>
+              </a:ext>
+            </a:extLst>
+          </p:cNvPr>
+          <p:cNvSpPr/>
+          <p:nvPr/>
+        </p:nvSpPr>
+        <p:spPr>
+          <a:xfrm>
+            <a:off x="274953" y="4927995"/>
+            <a:ext cx="816809" cy="817200"/>
+          </a:xfrm>
+          <a:prstGeom prst="roundRect">
+            <a:avLst>
+              <a:gd name="adj" fmla="val 27062"/>
+            </a:avLst>
+          </a:prstGeom>
+          <a:ln>
+            <a:noFill/>
+          </a:ln>
+        </p:spPr>
+        <p:style>
+          <a:lnRef idx="3">
+            <a:schemeClr val="lt1"/>
+          </a:lnRef>
+          <a:fillRef idx="1">
+            <a:schemeClr val="accent1"/>
+          </a:fillRef>
+          <a:effectRef idx="1">
+            <a:schemeClr val="accent1"/>
+          </a:effectRef>
+          <a:fontRef idx="minor">
+            <a:schemeClr val="lt1"/>
+          </a:fontRef>
+        </p:style>
+        <p:txBody>
+          <a:bodyPr rtlCol="0" anchor="ctr"/>
+          <a:lstStyle/>
+          <a:p>
+            <a:pPr algn="ctr"/>
+            <a:r>
+              <a:rPr lang="en-US" altLang="zh-CN" sz="1400" dirty="0" smtClean="0">
+                <a:latin typeface="Times New Roman" panose="02020603050405020304" pitchFamily="18" charset="0"/>
+                <a:cs typeface="Times New Roman" panose="02020603050405020304" pitchFamily="18" charset="0"/>
+              </a:rPr>
+              <a:t>Server A</a:t>
+            </a:r>
+            <a:endParaRPr lang="zh-CN" altLang="en-US" sz="1000" dirty="0">
+              <a:latin typeface="Times New Roman" panose="02020603050405020304" pitchFamily="18" charset="0"/>
+              <a:cs typeface="Times New Roman" panose="02020603050405020304" pitchFamily="18" charset="0"/>
+            </a:endParaRPr>
+          </a:p>
+        </p:txBody>
+      </p:sp>
+      <p:sp>
+        <p:nvSpPr>
+          <p:cNvPr id="27" name="矩形: 圆角 2">
+            <a:extLst>
+              <a:ext uri="{FF2B5EF4-FFF2-40B4-BE49-F238E27FC236}">
+                <a16:creationId xmlns:a16="http://schemas.microsoft.com/office/drawing/2014/main" id="{754A9402-C3A1-45BC-BD52-D02E72FAB8D6}"/>
+              </a:ext>
+            </a:extLst>
+          </p:cNvPr>
+          <p:cNvSpPr/>
+          <p:nvPr/>
+        </p:nvSpPr>
+        <p:spPr>
+          <a:xfrm>
+            <a:off x="1197305" y="4927995"/>
+            <a:ext cx="816809" cy="817200"/>
+          </a:xfrm>
+          <a:prstGeom prst="roundRect">
+            <a:avLst>
+              <a:gd name="adj" fmla="val 27062"/>
+            </a:avLst>
+          </a:prstGeom>
+          <a:ln>
+            <a:noFill/>
+          </a:ln>
+        </p:spPr>
+        <p:style>
+          <a:lnRef idx="3">
+            <a:schemeClr val="lt1"/>
+          </a:lnRef>
+          <a:fillRef idx="1">
+            <a:schemeClr val="accent1"/>
+          </a:fillRef>
+          <a:effectRef idx="1">
+            <a:schemeClr val="accent1"/>
+          </a:effectRef>
+          <a:fontRef idx="minor">
+            <a:schemeClr val="lt1"/>
+          </a:fontRef>
+        </p:style>
+        <p:txBody>
+          <a:bodyPr rtlCol="0" anchor="ctr"/>
+          <a:lstStyle/>
+          <a:p>
+            <a:pPr lvl="0" algn="ctr"/>
+            <a:r>
+              <a:rPr lang="en-US" altLang="zh-CN" sz="1400" dirty="0">
+                <a:solidFill>
+                  <a:prstClr val="white"/>
+                </a:solidFill>
+                <a:latin typeface="Times New Roman" panose="02020603050405020304" pitchFamily="18" charset="0"/>
+                <a:cs typeface="Times New Roman" panose="02020603050405020304" pitchFamily="18" charset="0"/>
+              </a:rPr>
+              <a:t>Server B</a:t>
+            </a:r>
+            <a:endParaRPr lang="zh-CN" altLang="en-US" sz="1000" dirty="0">
+              <a:solidFill>
+                <a:prstClr val="white"/>
+              </a:solidFill>
+              <a:latin typeface="Times New Roman" panose="02020603050405020304" pitchFamily="18" charset="0"/>
+              <a:cs typeface="Times New Roman" panose="02020603050405020304" pitchFamily="18" charset="0"/>
+            </a:endParaRPr>
+          </a:p>
+        </p:txBody>
+      </p:sp>
+      <p:sp>
+        <p:nvSpPr>
+          <p:cNvPr id="28" name="矩形: 圆角 2">
+            <a:extLst>
+              <a:ext uri="{FF2B5EF4-FFF2-40B4-BE49-F238E27FC236}">
+                <a16:creationId xmlns:a16="http://schemas.microsoft.com/office/drawing/2014/main" id="{754A9402-C3A1-45BC-BD52-D02E72FAB8D6}"/>
+              </a:ext>
+            </a:extLst>
+          </p:cNvPr>
+          <p:cNvSpPr/>
+          <p:nvPr/>
+        </p:nvSpPr>
+        <p:spPr>
+          <a:xfrm>
+            <a:off x="2612124" y="4927995"/>
+            <a:ext cx="816809" cy="817200"/>
+          </a:xfrm>
+          <a:prstGeom prst="roundRect">
+            <a:avLst>
+              <a:gd name="adj" fmla="val 27062"/>
+            </a:avLst>
+          </a:prstGeom>
+          <a:ln>
+            <a:noFill/>
+          </a:ln>
+        </p:spPr>
+        <p:style>
+          <a:lnRef idx="3">
+            <a:schemeClr val="lt1"/>
+          </a:lnRef>
+          <a:fillRef idx="1">
+            <a:schemeClr val="accent1"/>
+          </a:fillRef>
+          <a:effectRef idx="1">
+            <a:schemeClr val="accent1"/>
+          </a:effectRef>
+          <a:fontRef idx="minor">
+            <a:schemeClr val="lt1"/>
+          </a:fontRef>
+        </p:style>
+        <p:txBody>
+          <a:bodyPr rtlCol="0" anchor="ctr"/>
+          <a:lstStyle/>
+          <a:p>
+            <a:pPr lvl="0" algn="ctr"/>
+            <a:r>
+              <a:rPr lang="en-US" altLang="zh-CN" sz="1400" dirty="0">
+                <a:solidFill>
+                  <a:prstClr val="white"/>
+                </a:solidFill>
+                <a:latin typeface="Times New Roman" panose="02020603050405020304" pitchFamily="18" charset="0"/>
+                <a:cs typeface="Times New Roman" panose="02020603050405020304" pitchFamily="18" charset="0"/>
+              </a:rPr>
+              <a:t>Server </a:t>
+            </a:r>
+            <a:r>
+              <a:rPr lang="en-US" altLang="zh-CN" sz="1400" dirty="0" smtClean="0">
+                <a:solidFill>
+                  <a:prstClr val="white"/>
+                </a:solidFill>
+                <a:latin typeface="Times New Roman" panose="02020603050405020304" pitchFamily="18" charset="0"/>
+                <a:cs typeface="Times New Roman" panose="02020603050405020304" pitchFamily="18" charset="0"/>
+              </a:rPr>
+              <a:t>C</a:t>
+            </a:r>
+            <a:endParaRPr lang="zh-CN" altLang="en-US" sz="1000" dirty="0">
+              <a:solidFill>
+                <a:prstClr val="white"/>
+              </a:solidFill>
+              <a:latin typeface="Times New Roman" panose="02020603050405020304" pitchFamily="18" charset="0"/>
+              <a:cs typeface="Times New Roman" panose="02020603050405020304" pitchFamily="18" charset="0"/>
+            </a:endParaRPr>
+          </a:p>
+        </p:txBody>
+      </p:sp>
+      <p:sp>
+        <p:nvSpPr>
+          <p:cNvPr id="29" name="矩形: 圆角 2">
+            <a:extLst>
+              <a:ext uri="{FF2B5EF4-FFF2-40B4-BE49-F238E27FC236}">
+                <a16:creationId xmlns:a16="http://schemas.microsoft.com/office/drawing/2014/main" id="{754A9402-C3A1-45BC-BD52-D02E72FAB8D6}"/>
+              </a:ext>
+            </a:extLst>
+          </p:cNvPr>
+          <p:cNvSpPr/>
+          <p:nvPr/>
+        </p:nvSpPr>
+        <p:spPr>
+          <a:xfrm>
+            <a:off x="3544676" y="4927995"/>
+            <a:ext cx="816809" cy="817200"/>
+          </a:xfrm>
+          <a:prstGeom prst="roundRect">
+            <a:avLst>
+              <a:gd name="adj" fmla="val 27062"/>
+            </a:avLst>
+          </a:prstGeom>
+          <a:ln>
+            <a:noFill/>
+          </a:ln>
+        </p:spPr>
+        <p:style>
+          <a:lnRef idx="3">
+            <a:schemeClr val="lt1"/>
+          </a:lnRef>
+          <a:fillRef idx="1">
+            <a:schemeClr val="accent1"/>
+          </a:fillRef>
+          <a:effectRef idx="1">
+            <a:schemeClr val="accent1"/>
+          </a:effectRef>
+          <a:fontRef idx="minor">
+            <a:schemeClr val="lt1"/>
+          </a:fontRef>
+        </p:style>
+        <p:txBody>
+          <a:bodyPr rtlCol="0" anchor="ctr"/>
+          <a:lstStyle/>
+          <a:p>
+            <a:pPr lvl="0" algn="ctr"/>
+            <a:r>
+              <a:rPr lang="en-US" altLang="zh-CN" sz="1400" dirty="0">
+                <a:solidFill>
+                  <a:prstClr val="white"/>
+                </a:solidFill>
+                <a:latin typeface="Times New Roman" panose="02020603050405020304" pitchFamily="18" charset="0"/>
+                <a:cs typeface="Times New Roman" panose="02020603050405020304" pitchFamily="18" charset="0"/>
+              </a:rPr>
+              <a:t>Server </a:t>
+            </a:r>
+            <a:r>
+              <a:rPr lang="en-US" altLang="zh-CN" sz="1400" dirty="0" smtClean="0">
+                <a:solidFill>
+                  <a:prstClr val="white"/>
+                </a:solidFill>
+                <a:latin typeface="Times New Roman" panose="02020603050405020304" pitchFamily="18" charset="0"/>
+                <a:cs typeface="Times New Roman" panose="02020603050405020304" pitchFamily="18" charset="0"/>
+              </a:rPr>
+              <a:t>D</a:t>
+            </a:r>
+            <a:endParaRPr lang="zh-CN" altLang="en-US" sz="1000" dirty="0">
+              <a:solidFill>
+                <a:prstClr val="white"/>
+              </a:solidFill>
+              <a:latin typeface="Times New Roman" panose="02020603050405020304" pitchFamily="18" charset="0"/>
+              <a:cs typeface="Times New Roman" panose="02020603050405020304" pitchFamily="18" charset="0"/>
+            </a:endParaRPr>
+          </a:p>
+        </p:txBody>
+      </p:sp>
+      <p:cxnSp>
+        <p:nvCxnSpPr>
+          <p:cNvPr id="31" name="直接连接符 30"/>
+          <p:cNvCxnSpPr>
+            <a:stCxn id="26" idx="0"/>
+            <a:endCxn id="24" idx="3"/>
+          </p:cNvCxnSpPr>
+          <p:nvPr/>
+        </p:nvCxnSpPr>
+        <p:spPr>
+          <a:xfrm flipV="1">
+            <a:off x="683358" y="4254005"/>
+            <a:ext cx="457883" cy="673990"/>
+          </a:xfrm>
+          <a:prstGeom prst="line">
+            <a:avLst/>
+          </a:prstGeom>
+        </p:spPr>
+        <p:style>
+          <a:lnRef idx="1">
+            <a:schemeClr val="accent1"/>
+          </a:lnRef>
+          <a:fillRef idx="0">
+            <a:schemeClr val="accent1"/>
+          </a:fillRef>
+          <a:effectRef idx="0">
+            <a:schemeClr val="accent1"/>
+          </a:effectRef>
+          <a:fontRef idx="minor">
+            <a:schemeClr val="tx1"/>
+          </a:fontRef>
+        </p:style>
+      </p:cxnSp>
+      <p:cxnSp>
+        <p:nvCxnSpPr>
+          <p:cNvPr id="32" name="直接连接符 31"/>
+          <p:cNvCxnSpPr>
+            <a:stCxn id="27" idx="0"/>
+            <a:endCxn id="24" idx="3"/>
+          </p:cNvCxnSpPr>
+          <p:nvPr/>
+        </p:nvCxnSpPr>
+        <p:spPr>
+          <a:xfrm flipH="1" flipV="1">
+            <a:off x="1141241" y="4254005"/>
+            <a:ext cx="464469" cy="673990"/>
+          </a:xfrm>
+          <a:prstGeom prst="line">
+            <a:avLst/>
+          </a:prstGeom>
+        </p:spPr>
+        <p:style>
+          <a:lnRef idx="1">
+            <a:schemeClr val="accent1"/>
+          </a:lnRef>
+          <a:fillRef idx="0">
+            <a:schemeClr val="accent1"/>
+          </a:fillRef>
+          <a:effectRef idx="0">
+            <a:schemeClr val="accent1"/>
+          </a:effectRef>
+          <a:fontRef idx="minor">
+            <a:schemeClr val="tx1"/>
+          </a:fontRef>
+        </p:style>
+      </p:cxnSp>
+      <p:cxnSp>
+        <p:nvCxnSpPr>
+          <p:cNvPr id="35" name="直接连接符 34"/>
+          <p:cNvCxnSpPr>
+            <a:stCxn id="28" idx="0"/>
+            <a:endCxn id="25" idx="3"/>
+          </p:cNvCxnSpPr>
+          <p:nvPr/>
+        </p:nvCxnSpPr>
+        <p:spPr>
+          <a:xfrm flipV="1">
+            <a:off x="3020529" y="4314306"/>
+            <a:ext cx="468338" cy="613689"/>
+          </a:xfrm>
+          <a:prstGeom prst="line">
+            <a:avLst/>
+          </a:prstGeom>
+        </p:spPr>
+        <p:style>
+          <a:lnRef idx="1">
+            <a:schemeClr val="accent1"/>
+          </a:lnRef>
+          <a:fillRef idx="0">
+            <a:schemeClr val="accent1"/>
+          </a:fillRef>
+          <a:effectRef idx="0">
+            <a:schemeClr val="accent1"/>
+          </a:effectRef>
+          <a:fontRef idx="minor">
+            <a:schemeClr val="tx1"/>
+          </a:fontRef>
+        </p:style>
+      </p:cxnSp>
+      <p:cxnSp>
+        <p:nvCxnSpPr>
+          <p:cNvPr id="38" name="直接连接符 37"/>
+          <p:cNvCxnSpPr>
+            <a:stCxn id="29" idx="0"/>
+            <a:endCxn id="25" idx="3"/>
+          </p:cNvCxnSpPr>
+          <p:nvPr/>
+        </p:nvCxnSpPr>
+        <p:spPr>
+          <a:xfrm flipH="1" flipV="1">
+            <a:off x="3488867" y="4314306"/>
+            <a:ext cx="464214" cy="613689"/>
+          </a:xfrm>
+          <a:prstGeom prst="line">
+            <a:avLst/>
+          </a:prstGeom>
+        </p:spPr>
+        <p:style>
+          <a:lnRef idx="1">
+            <a:schemeClr val="accent1"/>
+          </a:lnRef>
+          <a:fillRef idx="0">
+            <a:schemeClr val="accent1"/>
+          </a:fillRef>
+          <a:effectRef idx="0">
+            <a:schemeClr val="accent1"/>
+          </a:effectRef>
+          <a:fontRef idx="minor">
+            <a:schemeClr val="tx1"/>
+          </a:fontRef>
+        </p:style>
+      </p:cxnSp>
+      <p:sp>
+        <p:nvSpPr>
+          <p:cNvPr id="50" name="流程图: 磁盘 49"/>
+          <p:cNvSpPr/>
+          <p:nvPr/>
+        </p:nvSpPr>
+        <p:spPr>
+          <a:xfrm>
+            <a:off x="638321" y="2626314"/>
+            <a:ext cx="1005840" cy="540327"/>
+          </a:xfrm>
+          <a:prstGeom prst="flowChartMagneticDisk">
+            <a:avLst/>
+          </a:prstGeom>
+        </p:spPr>
+        <p:style>
+          <a:lnRef idx="2">
+            <a:schemeClr val="accent1">
+              <a:shade val="50000"/>
+            </a:schemeClr>
+          </a:lnRef>
+          <a:fillRef idx="1">
+            <a:schemeClr val="accent1"/>
+          </a:fillRef>
+          <a:effectRef idx="0">
+            <a:schemeClr val="accent1"/>
+          </a:effectRef>
+          <a:fontRef idx="minor">
+            <a:schemeClr val="lt1"/>
+          </a:fontRef>
+        </p:style>
+        <p:txBody>
+          <a:bodyPr rtlCol="0" anchor="ctr"/>
+          <a:lstStyle/>
+          <a:p>
+            <a:pPr algn="ctr"/>
+            <a:r>
+              <a:rPr lang="en-US" altLang="zh-CN" sz="1600" dirty="0" smtClean="0">
+                <a:latin typeface="Times New Roman" panose="02020603050405020304" pitchFamily="18" charset="0"/>
+                <a:cs typeface="Times New Roman" panose="02020603050405020304" pitchFamily="18" charset="0"/>
+              </a:rPr>
+              <a:t>switch</a:t>
+            </a:r>
+            <a:endParaRPr lang="zh-CN" altLang="en-US" sz="1600" dirty="0">
+              <a:latin typeface="Times New Roman" panose="02020603050405020304" pitchFamily="18" charset="0"/>
+              <a:cs typeface="Times New Roman" panose="02020603050405020304" pitchFamily="18" charset="0"/>
+            </a:endParaRPr>
+          </a:p>
+        </p:txBody>
+      </p:sp>
+      <p:sp>
+        <p:nvSpPr>
+          <p:cNvPr id="51" name="流程图: 磁盘 50"/>
+          <p:cNvSpPr/>
+          <p:nvPr/>
+        </p:nvSpPr>
+        <p:spPr>
+          <a:xfrm>
+            <a:off x="2962959" y="2626314"/>
+            <a:ext cx="1005840" cy="540327"/>
+          </a:xfrm>
+          <a:prstGeom prst="flowChartMagneticDisk">
+            <a:avLst/>
+          </a:prstGeom>
+        </p:spPr>
+        <p:style>
+          <a:lnRef idx="2">
+            <a:schemeClr val="accent1">
+              <a:shade val="50000"/>
+            </a:schemeClr>
+          </a:lnRef>
+          <a:fillRef idx="1">
+            <a:schemeClr val="accent1"/>
+          </a:fillRef>
+          <a:effectRef idx="0">
+            <a:schemeClr val="accent1"/>
+          </a:effectRef>
+          <a:fontRef idx="minor">
+            <a:schemeClr val="lt1"/>
+          </a:fontRef>
+        </p:style>
+        <p:txBody>
+          <a:bodyPr rtlCol="0" anchor="ctr"/>
+          <a:lstStyle/>
+          <a:p>
+            <a:pPr algn="ctr"/>
+            <a:r>
+              <a:rPr lang="en-US" altLang="zh-CN" sz="1600" dirty="0" smtClean="0">
+                <a:latin typeface="Times New Roman" panose="02020603050405020304" pitchFamily="18" charset="0"/>
+                <a:cs typeface="Times New Roman" panose="02020603050405020304" pitchFamily="18" charset="0"/>
+              </a:rPr>
+              <a:t>switch</a:t>
+            </a:r>
+            <a:endParaRPr lang="zh-CN" altLang="en-US" sz="1600" dirty="0">
+              <a:latin typeface="Times New Roman" panose="02020603050405020304" pitchFamily="18" charset="0"/>
+              <a:cs typeface="Times New Roman" panose="02020603050405020304" pitchFamily="18" charset="0"/>
+            </a:endParaRPr>
+          </a:p>
+        </p:txBody>
+      </p:sp>
+      <p:cxnSp>
+        <p:nvCxnSpPr>
+          <p:cNvPr id="52" name="直接连接符 51"/>
+          <p:cNvCxnSpPr>
+            <a:stCxn id="50" idx="3"/>
+            <a:endCxn id="24" idx="1"/>
+          </p:cNvCxnSpPr>
+          <p:nvPr/>
+        </p:nvCxnSpPr>
+        <p:spPr>
+          <a:xfrm>
+            <a:off x="1141241" y="3166641"/>
+            <a:ext cx="0" cy="547037"/>
+          </a:xfrm>
+          <a:prstGeom prst="line">
+            <a:avLst/>
+          </a:prstGeom>
+        </p:spPr>
+        <p:style>
+          <a:lnRef idx="1">
+            <a:schemeClr val="accent1"/>
+          </a:lnRef>
+          <a:fillRef idx="0">
+            <a:schemeClr val="accent1"/>
+          </a:fillRef>
+          <a:effectRef idx="0">
+            <a:schemeClr val="accent1"/>
+          </a:effectRef>
+          <a:fontRef idx="minor">
+            <a:schemeClr val="tx1"/>
+          </a:fontRef>
+        </p:style>
+      </p:cxnSp>
+      <p:cxnSp>
+        <p:nvCxnSpPr>
+          <p:cNvPr id="55" name="直接连接符 54"/>
+          <p:cNvCxnSpPr>
+            <a:stCxn id="51" idx="3"/>
+            <a:endCxn id="24" idx="1"/>
+          </p:cNvCxnSpPr>
+          <p:nvPr/>
+        </p:nvCxnSpPr>
+        <p:spPr>
+          <a:xfrm flipH="1">
+            <a:off x="1141241" y="3166641"/>
+            <a:ext cx="2324638" cy="547037"/>
+          </a:xfrm>
+          <a:prstGeom prst="line">
+            <a:avLst/>
+          </a:prstGeom>
+        </p:spPr>
+        <p:style>
+          <a:lnRef idx="1">
+            <a:schemeClr val="accent1"/>
+          </a:lnRef>
+          <a:fillRef idx="0">
+            <a:schemeClr val="accent1"/>
+          </a:fillRef>
+          <a:effectRef idx="0">
+            <a:schemeClr val="accent1"/>
+          </a:effectRef>
+          <a:fontRef idx="minor">
+            <a:schemeClr val="tx1"/>
+          </a:fontRef>
+        </p:style>
+      </p:cxnSp>
+      <p:cxnSp>
+        <p:nvCxnSpPr>
+          <p:cNvPr id="58" name="直接连接符 57"/>
+          <p:cNvCxnSpPr>
+            <a:stCxn id="51" idx="3"/>
+            <a:endCxn id="25" idx="1"/>
+          </p:cNvCxnSpPr>
+          <p:nvPr/>
+        </p:nvCxnSpPr>
+        <p:spPr>
+          <a:xfrm>
+            <a:off x="3465879" y="3166641"/>
+            <a:ext cx="22988" cy="607338"/>
+          </a:xfrm>
+          <a:prstGeom prst="line">
+            <a:avLst/>
+          </a:prstGeom>
+        </p:spPr>
+        <p:style>
+          <a:lnRef idx="1">
+            <a:schemeClr val="accent1"/>
+          </a:lnRef>
+          <a:fillRef idx="0">
+            <a:schemeClr val="accent1"/>
+          </a:fillRef>
+          <a:effectRef idx="0">
+            <a:schemeClr val="accent1"/>
+          </a:effectRef>
+          <a:fontRef idx="minor">
+            <a:schemeClr val="tx1"/>
+          </a:fontRef>
+        </p:style>
+      </p:cxnSp>
+      <p:cxnSp>
+        <p:nvCxnSpPr>
+          <p:cNvPr id="61" name="直接连接符 60"/>
+          <p:cNvCxnSpPr>
+            <a:endCxn id="25" idx="1"/>
+          </p:cNvCxnSpPr>
+          <p:nvPr/>
+        </p:nvCxnSpPr>
+        <p:spPr>
+          <a:xfrm>
+            <a:off x="1256984" y="3163775"/>
+            <a:ext cx="2231883" cy="610204"/>
+          </a:xfrm>
+          <a:prstGeom prst="line">
+            <a:avLst/>
+          </a:prstGeom>
+        </p:spPr>
+        <p:style>
+          <a:lnRef idx="1">
+            <a:schemeClr val="accent1"/>
+          </a:lnRef>
+          <a:fillRef idx="0">
+            <a:schemeClr val="accent1"/>
+          </a:fillRef>
+          <a:effectRef idx="0">
+            <a:schemeClr val="accent1"/>
+          </a:effectRef>
+          <a:fontRef idx="minor">
+            <a:schemeClr val="tx1"/>
+          </a:fontRef>
+        </p:style>
+      </p:cxnSp>
+      <p:sp>
+        <p:nvSpPr>
+          <p:cNvPr id="64" name="文本框 63"/>
+          <p:cNvSpPr txBox="1"/>
+          <p:nvPr/>
+        </p:nvSpPr>
+        <p:spPr>
+          <a:xfrm>
+            <a:off x="4391710" y="3128903"/>
+            <a:ext cx="885249" cy="584775"/>
+          </a:xfrm>
+          <a:prstGeom prst="rect">
+            <a:avLst/>
+          </a:prstGeom>
+          <a:noFill/>
+        </p:spPr>
+        <p:txBody>
+          <a:bodyPr wrap="square" rtlCol="0">
+            <a:spAutoFit/>
+          </a:bodyPr>
+          <a:lstStyle/>
+          <a:p>
+            <a:r>
+              <a:rPr lang="en-US" altLang="zh-CN" sz="3200" b="1" dirty="0" smtClean="0"/>
+              <a:t>……</a:t>
+            </a:r>
+            <a:endParaRPr lang="zh-CN" altLang="en-US" sz="3200" b="1" dirty="0"/>
+          </a:p>
+        </p:txBody>
+      </p:sp>
+      <p:sp>
+        <p:nvSpPr>
+          <p:cNvPr id="66" name="文本框 65"/>
+          <p:cNvSpPr txBox="1"/>
+          <p:nvPr/>
+        </p:nvSpPr>
+        <p:spPr>
+          <a:xfrm>
+            <a:off x="2034371" y="1688680"/>
+            <a:ext cx="677108" cy="756458"/>
+          </a:xfrm>
+          <a:prstGeom prst="rect">
+            <a:avLst/>
+          </a:prstGeom>
+          <a:noFill/>
+        </p:spPr>
+        <p:txBody>
+          <a:bodyPr vert="eaVert" wrap="square" rtlCol="0">
+            <a:spAutoFit/>
+          </a:bodyPr>
+          <a:lstStyle/>
+          <a:p>
+            <a:r>
+              <a:rPr lang="en-US" altLang="zh-CN" sz="3200" b="1" dirty="0"/>
+              <a:t>……</a:t>
+            </a:r>
+            <a:endParaRPr lang="zh-CN" altLang="en-US" sz="3200" b="1" dirty="0"/>
+          </a:p>
+        </p:txBody>
+      </p:sp>
+      <p:sp>
+        <p:nvSpPr>
+          <p:cNvPr id="68" name="矩形 67"/>
+          <p:cNvSpPr/>
+          <p:nvPr/>
+        </p:nvSpPr>
+        <p:spPr>
+          <a:xfrm>
+            <a:off x="395357" y="6131185"/>
+            <a:ext cx="576000" cy="576000"/>
+          </a:xfrm>
+          <a:prstGeom prst="rect">
+            <a:avLst/>
+          </a:prstGeom>
+        </p:spPr>
+        <p:style>
+          <a:lnRef idx="2">
+            <a:schemeClr val="accent6">
+              <a:shade val="50000"/>
+            </a:schemeClr>
+          </a:lnRef>
+          <a:fillRef idx="1">
+            <a:schemeClr val="accent6"/>
+          </a:fillRef>
+          <a:effectRef idx="0">
+            <a:schemeClr val="accent6"/>
+          </a:effectRef>
+          <a:fontRef idx="minor">
+            <a:schemeClr val="lt1"/>
+          </a:fontRef>
+        </p:style>
+        <p:txBody>
+          <a:bodyPr rtlCol="0" anchor="ctr"/>
+          <a:lstStyle/>
+          <a:p>
+            <a:pPr algn="ctr"/>
+            <a:r>
+              <a:rPr lang="en-US" altLang="zh-CN" sz="1100" dirty="0" smtClean="0">
+                <a:latin typeface="Times New Roman" panose="02020603050405020304" pitchFamily="18" charset="0"/>
+                <a:cs typeface="Times New Roman" panose="02020603050405020304" pitchFamily="18" charset="0"/>
+              </a:rPr>
+              <a:t>VNF 1</a:t>
+            </a:r>
+            <a:endParaRPr lang="zh-CN" altLang="en-US" sz="1100" dirty="0">
+              <a:latin typeface="Times New Roman" panose="02020603050405020304" pitchFamily="18" charset="0"/>
+              <a:cs typeface="Times New Roman" panose="02020603050405020304" pitchFamily="18" charset="0"/>
+            </a:endParaRPr>
+          </a:p>
+        </p:txBody>
+      </p:sp>
+      <p:cxnSp>
+        <p:nvCxnSpPr>
+          <p:cNvPr id="70" name="直接箭头连接符 69"/>
+          <p:cNvCxnSpPr>
+            <a:stCxn id="68" idx="0"/>
+          </p:cNvCxnSpPr>
+          <p:nvPr/>
+        </p:nvCxnSpPr>
+        <p:spPr>
+          <a:xfrm flipV="1">
+            <a:off x="683357" y="5745195"/>
+            <a:ext cx="0" cy="385990"/>
+          </a:xfrm>
+          <a:prstGeom prst="straightConnector1">
+            <a:avLst/>
+          </a:prstGeom>
+          <a:ln>
+            <a:tailEnd type="triangle"/>
+          </a:ln>
+        </p:spPr>
+        <p:style>
+          <a:lnRef idx="1">
+            <a:schemeClr val="dk1"/>
+          </a:lnRef>
+          <a:fillRef idx="0">
+            <a:schemeClr val="dk1"/>
+          </a:fillRef>
+          <a:effectRef idx="0">
+            <a:schemeClr val="dk1"/>
+          </a:effectRef>
+          <a:fontRef idx="minor">
+            <a:schemeClr val="tx1"/>
+          </a:fontRef>
+        </p:style>
+      </p:cxnSp>
+      <p:sp>
+        <p:nvSpPr>
+          <p:cNvPr id="71" name="矩形 70"/>
+          <p:cNvSpPr/>
+          <p:nvPr/>
+        </p:nvSpPr>
+        <p:spPr>
+          <a:xfrm>
+            <a:off x="1317709" y="6142502"/>
+            <a:ext cx="576000" cy="576000"/>
+          </a:xfrm>
+          <a:prstGeom prst="rect">
+            <a:avLst/>
+          </a:prstGeom>
+        </p:spPr>
+        <p:style>
+          <a:lnRef idx="2">
+            <a:schemeClr val="accent6">
+              <a:shade val="50000"/>
+            </a:schemeClr>
+          </a:lnRef>
+          <a:fillRef idx="1">
+            <a:schemeClr val="accent6"/>
+          </a:fillRef>
+          <a:effectRef idx="0">
+            <a:schemeClr val="accent6"/>
+          </a:effectRef>
+          <a:fontRef idx="minor">
+            <a:schemeClr val="lt1"/>
+          </a:fontRef>
+        </p:style>
+        <p:txBody>
+          <a:bodyPr rtlCol="0" anchor="ctr"/>
+          <a:lstStyle/>
+          <a:p>
+            <a:pPr algn="ctr"/>
+            <a:r>
+              <a:rPr lang="en-US" altLang="zh-CN" sz="1100" dirty="0" smtClean="0">
+                <a:latin typeface="Times New Roman" panose="02020603050405020304" pitchFamily="18" charset="0"/>
+                <a:cs typeface="Times New Roman" panose="02020603050405020304" pitchFamily="18" charset="0"/>
+              </a:rPr>
+              <a:t>VNF 2</a:t>
+            </a:r>
+            <a:endParaRPr lang="zh-CN" altLang="en-US" sz="1100" dirty="0">
+              <a:latin typeface="Times New Roman" panose="02020603050405020304" pitchFamily="18" charset="0"/>
+              <a:cs typeface="Times New Roman" panose="02020603050405020304" pitchFamily="18" charset="0"/>
+            </a:endParaRPr>
+          </a:p>
+        </p:txBody>
+      </p:sp>
+      <p:cxnSp>
+        <p:nvCxnSpPr>
+          <p:cNvPr id="72" name="直接箭头连接符 71"/>
+          <p:cNvCxnSpPr>
+            <a:stCxn id="71" idx="0"/>
+            <a:endCxn id="27" idx="2"/>
+          </p:cNvCxnSpPr>
+          <p:nvPr/>
+        </p:nvCxnSpPr>
+        <p:spPr>
+          <a:xfrm flipV="1">
+            <a:off x="1605709" y="5745195"/>
+            <a:ext cx="1" cy="397307"/>
+          </a:xfrm>
+          <a:prstGeom prst="straightConnector1">
+            <a:avLst/>
+          </a:prstGeom>
+          <a:ln>
+            <a:tailEnd type="triangle"/>
+          </a:ln>
+        </p:spPr>
+        <p:style>
+          <a:lnRef idx="1">
+            <a:schemeClr val="dk1"/>
+          </a:lnRef>
+          <a:fillRef idx="0">
+            <a:schemeClr val="dk1"/>
+          </a:fillRef>
+          <a:effectRef idx="0">
+            <a:schemeClr val="dk1"/>
+          </a:effectRef>
+          <a:fontRef idx="minor">
+            <a:schemeClr val="tx1"/>
+          </a:fontRef>
+        </p:style>
+      </p:cxnSp>
+      <p:sp>
+        <p:nvSpPr>
+          <p:cNvPr id="75" name="矩形 74"/>
+          <p:cNvSpPr/>
+          <p:nvPr/>
+        </p:nvSpPr>
+        <p:spPr>
+          <a:xfrm>
+            <a:off x="2735770" y="6140236"/>
+            <a:ext cx="576000" cy="576000"/>
+          </a:xfrm>
+          <a:prstGeom prst="rect">
+            <a:avLst/>
+          </a:prstGeom>
+        </p:spPr>
+        <p:style>
+          <a:lnRef idx="2">
+            <a:schemeClr val="accent6">
+              <a:shade val="50000"/>
+            </a:schemeClr>
+          </a:lnRef>
+          <a:fillRef idx="1">
+            <a:schemeClr val="accent6"/>
+          </a:fillRef>
+          <a:effectRef idx="0">
+            <a:schemeClr val="accent6"/>
+          </a:effectRef>
+          <a:fontRef idx="minor">
+            <a:schemeClr val="lt1"/>
+          </a:fontRef>
+        </p:style>
+        <p:txBody>
+          <a:bodyPr rtlCol="0" anchor="ctr"/>
+          <a:lstStyle/>
+          <a:p>
+            <a:pPr algn="ctr"/>
+            <a:r>
+              <a:rPr lang="en-US" altLang="zh-CN" sz="1100" dirty="0" smtClean="0">
+                <a:latin typeface="Times New Roman" panose="02020603050405020304" pitchFamily="18" charset="0"/>
+                <a:cs typeface="Times New Roman" panose="02020603050405020304" pitchFamily="18" charset="0"/>
+              </a:rPr>
+              <a:t>VNF 3</a:t>
+            </a:r>
+            <a:endParaRPr lang="zh-CN" altLang="en-US" sz="1100" dirty="0">
+              <a:latin typeface="Times New Roman" panose="02020603050405020304" pitchFamily="18" charset="0"/>
+              <a:cs typeface="Times New Roman" panose="02020603050405020304" pitchFamily="18" charset="0"/>
+            </a:endParaRPr>
+          </a:p>
+        </p:txBody>
+      </p:sp>
+      <p:sp>
+        <p:nvSpPr>
+          <p:cNvPr id="76" name="矩形 75"/>
+          <p:cNvSpPr/>
+          <p:nvPr/>
+        </p:nvSpPr>
+        <p:spPr>
+          <a:xfrm>
+            <a:off x="3683773" y="6131185"/>
+            <a:ext cx="576000" cy="576000"/>
+          </a:xfrm>
+          <a:prstGeom prst="rect">
+            <a:avLst/>
+          </a:prstGeom>
+        </p:spPr>
+        <p:style>
+          <a:lnRef idx="2">
+            <a:schemeClr val="accent6">
+              <a:shade val="50000"/>
+            </a:schemeClr>
+          </a:lnRef>
+          <a:fillRef idx="1">
+            <a:schemeClr val="accent6"/>
+          </a:fillRef>
+          <a:effectRef idx="0">
+            <a:schemeClr val="accent6"/>
+          </a:effectRef>
+          <a:fontRef idx="minor">
+            <a:schemeClr val="lt1"/>
+          </a:fontRef>
+        </p:style>
+        <p:txBody>
+          <a:bodyPr rtlCol="0" anchor="ctr"/>
+          <a:lstStyle/>
+          <a:p>
+            <a:pPr algn="ctr"/>
+            <a:r>
+              <a:rPr lang="en-US" altLang="zh-CN" sz="1100" dirty="0" smtClean="0">
+                <a:latin typeface="Times New Roman" panose="02020603050405020304" pitchFamily="18" charset="0"/>
+                <a:cs typeface="Times New Roman" panose="02020603050405020304" pitchFamily="18" charset="0"/>
+              </a:rPr>
+              <a:t>VNF 4~7</a:t>
+            </a:r>
+            <a:endParaRPr lang="zh-CN" altLang="en-US" sz="1100" dirty="0">
+              <a:latin typeface="Times New Roman" panose="02020603050405020304" pitchFamily="18" charset="0"/>
+              <a:cs typeface="Times New Roman" panose="02020603050405020304" pitchFamily="18" charset="0"/>
+            </a:endParaRPr>
+          </a:p>
+        </p:txBody>
+      </p:sp>
+      <p:cxnSp>
+        <p:nvCxnSpPr>
+          <p:cNvPr id="77" name="直接箭头连接符 76"/>
+          <p:cNvCxnSpPr>
+            <a:stCxn id="75" idx="0"/>
+            <a:endCxn id="28" idx="2"/>
+          </p:cNvCxnSpPr>
+          <p:nvPr/>
+        </p:nvCxnSpPr>
+        <p:spPr>
+          <a:xfrm flipH="1" flipV="1">
+            <a:off x="3020529" y="5745195"/>
+            <a:ext cx="3241" cy="395041"/>
+          </a:xfrm>
+          <a:prstGeom prst="straightConnector1">
+            <a:avLst/>
+          </a:prstGeom>
+          <a:ln>
+            <a:tailEnd type="triangle"/>
+          </a:ln>
+        </p:spPr>
+        <p:style>
+          <a:lnRef idx="1">
+            <a:schemeClr val="dk1"/>
+          </a:lnRef>
+          <a:fillRef idx="0">
+            <a:schemeClr val="dk1"/>
+          </a:fillRef>
+          <a:effectRef idx="0">
+            <a:schemeClr val="dk1"/>
+          </a:effectRef>
+          <a:fontRef idx="minor">
+            <a:schemeClr val="tx1"/>
+          </a:fontRef>
+        </p:style>
+      </p:cxnSp>
+      <p:cxnSp>
+        <p:nvCxnSpPr>
+          <p:cNvPr id="81" name="直接箭头连接符 80"/>
+          <p:cNvCxnSpPr>
+            <a:stCxn id="76" idx="0"/>
+            <a:endCxn id="29" idx="2"/>
+          </p:cNvCxnSpPr>
+          <p:nvPr/>
+        </p:nvCxnSpPr>
+        <p:spPr>
+          <a:xfrm flipH="1" flipV="1">
+            <a:off x="3953081" y="5745195"/>
+            <a:ext cx="18692" cy="385990"/>
+          </a:xfrm>
+          <a:prstGeom prst="straightConnector1">
+            <a:avLst/>
+          </a:prstGeom>
+          <a:ln>
+            <a:tailEnd type="triangle"/>
+          </a:ln>
+        </p:spPr>
+        <p:style>
+          <a:lnRef idx="1">
+            <a:schemeClr val="dk1"/>
+          </a:lnRef>
+          <a:fillRef idx="0">
+            <a:schemeClr val="dk1"/>
+          </a:fillRef>
+          <a:effectRef idx="0">
+            <a:schemeClr val="dk1"/>
+          </a:effectRef>
+          <a:fontRef idx="minor">
+            <a:schemeClr val="tx1"/>
+          </a:fontRef>
+        </p:style>
+      </p:cxnSp>
+      <p:sp>
+        <p:nvSpPr>
+          <p:cNvPr id="86" name="矩形 85"/>
+          <p:cNvSpPr/>
+          <p:nvPr/>
+        </p:nvSpPr>
+        <p:spPr>
+          <a:xfrm>
+            <a:off x="6610744" y="504386"/>
+            <a:ext cx="576000" cy="576000"/>
+          </a:xfrm>
+          <a:prstGeom prst="rect">
+            <a:avLst/>
+          </a:prstGeom>
+        </p:spPr>
+        <p:style>
+          <a:lnRef idx="2">
+            <a:schemeClr val="accent6">
+              <a:shade val="50000"/>
+            </a:schemeClr>
+          </a:lnRef>
+          <a:fillRef idx="1">
+            <a:schemeClr val="accent6"/>
+          </a:fillRef>
+          <a:effectRef idx="0">
+            <a:schemeClr val="accent6"/>
+          </a:effectRef>
+          <a:fontRef idx="minor">
+            <a:schemeClr val="lt1"/>
+          </a:fontRef>
+        </p:style>
+        <p:txBody>
+          <a:bodyPr rtlCol="0" anchor="ctr"/>
+          <a:lstStyle/>
+          <a:p>
+            <a:pPr algn="ctr"/>
+            <a:r>
+              <a:rPr lang="en-US" altLang="zh-CN" sz="1100" dirty="0" smtClean="0">
+                <a:latin typeface="Times New Roman" panose="02020603050405020304" pitchFamily="18" charset="0"/>
+                <a:cs typeface="Times New Roman" panose="02020603050405020304" pitchFamily="18" charset="0"/>
+              </a:rPr>
+              <a:t>VNF 4~7</a:t>
+            </a:r>
+            <a:endParaRPr lang="zh-CN" altLang="en-US" sz="1100" dirty="0">
+              <a:latin typeface="Times New Roman" panose="02020603050405020304" pitchFamily="18" charset="0"/>
+              <a:cs typeface="Times New Roman" panose="02020603050405020304" pitchFamily="18" charset="0"/>
+            </a:endParaRPr>
+          </a:p>
+        </p:txBody>
+      </p:sp>
+      <p:sp>
+        <p:nvSpPr>
+          <p:cNvPr id="87" name="椭圆 86"/>
+          <p:cNvSpPr/>
+          <p:nvPr/>
+        </p:nvSpPr>
+        <p:spPr>
+          <a:xfrm>
+            <a:off x="8927603" y="298610"/>
+            <a:ext cx="2474713" cy="987552"/>
+          </a:xfrm>
+          <a:prstGeom prst="ellipse">
+            <a:avLst/>
+          </a:prstGeom>
+          <a:solidFill>
+            <a:srgbClr val="F8CAAD"/>
+          </a:solidFill>
+          <a:ln>
+            <a:noFill/>
+          </a:ln>
+        </p:spPr>
+        <p:style>
+          <a:lnRef idx="2">
+            <a:schemeClr val="accent1">
+              <a:shade val="50000"/>
+            </a:schemeClr>
+          </a:lnRef>
+          <a:fillRef idx="1">
+            <a:schemeClr val="accent1"/>
+          </a:fillRef>
+          <a:effectRef idx="0">
+            <a:schemeClr val="accent1"/>
+          </a:effectRef>
+          <a:fontRef idx="minor">
+            <a:schemeClr val="lt1"/>
+          </a:fontRef>
+        </p:style>
+        <p:txBody>
+          <a:bodyPr rtlCol="0" anchor="ctr"/>
+          <a:lstStyle/>
+          <a:p>
+            <a:pPr algn="ctr"/>
+            <a:r>
+              <a:rPr lang="en-US" altLang="zh-CN" dirty="0" smtClean="0">
+                <a:latin typeface="Times New Roman" panose="02020603050405020304" pitchFamily="18" charset="0"/>
+                <a:cs typeface="Times New Roman" panose="02020603050405020304" pitchFamily="18" charset="0"/>
+              </a:rPr>
+              <a:t>Strategy generator</a:t>
+            </a:r>
+            <a:endParaRPr lang="zh-CN" altLang="en-US" dirty="0">
+              <a:latin typeface="Times New Roman" panose="02020603050405020304" pitchFamily="18" charset="0"/>
+              <a:cs typeface="Times New Roman" panose="02020603050405020304" pitchFamily="18" charset="0"/>
+            </a:endParaRPr>
+          </a:p>
+        </p:txBody>
+      </p:sp>
+      <p:sp>
+        <p:nvSpPr>
+          <p:cNvPr id="123" name="文本框 122"/>
+          <p:cNvSpPr txBox="1"/>
+          <p:nvPr/>
+        </p:nvSpPr>
+        <p:spPr>
+          <a:xfrm>
+            <a:off x="861069" y="1663842"/>
+            <a:ext cx="702373" cy="369332"/>
+          </a:xfrm>
+          <a:prstGeom prst="rect">
+            <a:avLst/>
+          </a:prstGeom>
+          <a:noFill/>
+        </p:spPr>
+        <p:txBody>
+          <a:bodyPr wrap="square" rtlCol="0">
+            <a:spAutoFit/>
+          </a:bodyPr>
+          <a:lstStyle/>
+          <a:p>
+            <a:r>
+              <a:rPr lang="en-US" altLang="zh-CN" dirty="0" smtClean="0">
+                <a:latin typeface="Times New Roman" panose="02020603050405020304" pitchFamily="18" charset="0"/>
+                <a:cs typeface="Times New Roman" panose="02020603050405020304" pitchFamily="18" charset="0"/>
+              </a:rPr>
+              <a:t>Flow</a:t>
+            </a:r>
+            <a:endParaRPr lang="zh-CN" altLang="en-US" dirty="0">
+              <a:latin typeface="Times New Roman" panose="02020603050405020304" pitchFamily="18" charset="0"/>
+              <a:cs typeface="Times New Roman" panose="02020603050405020304" pitchFamily="18" charset="0"/>
+            </a:endParaRPr>
+          </a:p>
+        </p:txBody>
+      </p:sp>
+      <p:sp>
+        <p:nvSpPr>
+          <p:cNvPr id="124" name="矩形 123"/>
+          <p:cNvSpPr/>
+          <p:nvPr/>
+        </p:nvSpPr>
+        <p:spPr>
+          <a:xfrm>
+            <a:off x="7294322" y="2143682"/>
+            <a:ext cx="576000" cy="576000"/>
+          </a:xfrm>
+          <a:prstGeom prst="rect">
+            <a:avLst/>
+          </a:prstGeom>
+        </p:spPr>
+        <p:style>
+          <a:lnRef idx="2">
+            <a:schemeClr val="accent6">
+              <a:shade val="50000"/>
+            </a:schemeClr>
+          </a:lnRef>
+          <a:fillRef idx="1">
+            <a:schemeClr val="accent6"/>
+          </a:fillRef>
+          <a:effectRef idx="0">
+            <a:schemeClr val="accent6"/>
+          </a:effectRef>
+          <a:fontRef idx="minor">
+            <a:schemeClr val="lt1"/>
+          </a:fontRef>
+        </p:style>
+        <p:txBody>
+          <a:bodyPr rtlCol="0" anchor="ctr"/>
+          <a:lstStyle/>
+          <a:p>
+            <a:pPr algn="ctr"/>
+            <a:r>
+              <a:rPr lang="en-US" altLang="zh-CN" sz="1100" dirty="0" smtClean="0">
+                <a:latin typeface="Times New Roman" panose="02020603050405020304" pitchFamily="18" charset="0"/>
+                <a:cs typeface="Times New Roman" panose="02020603050405020304" pitchFamily="18" charset="0"/>
+              </a:rPr>
+              <a:t>VNF 4</a:t>
+            </a:r>
+            <a:endParaRPr lang="zh-CN" altLang="en-US" sz="1100" dirty="0">
+              <a:latin typeface="Times New Roman" panose="02020603050405020304" pitchFamily="18" charset="0"/>
+              <a:cs typeface="Times New Roman" panose="02020603050405020304" pitchFamily="18" charset="0"/>
+            </a:endParaRPr>
+          </a:p>
+        </p:txBody>
+      </p:sp>
+      <p:sp>
+        <p:nvSpPr>
+          <p:cNvPr id="125" name="矩形 124"/>
+          <p:cNvSpPr/>
+          <p:nvPr/>
+        </p:nvSpPr>
+        <p:spPr>
+          <a:xfrm>
+            <a:off x="6369187" y="3009307"/>
+            <a:ext cx="576000" cy="576000"/>
+          </a:xfrm>
+          <a:prstGeom prst="rect">
+            <a:avLst/>
+          </a:prstGeom>
+        </p:spPr>
+        <p:style>
+          <a:lnRef idx="2">
+            <a:schemeClr val="accent6">
+              <a:shade val="50000"/>
+            </a:schemeClr>
+          </a:lnRef>
+          <a:fillRef idx="1">
+            <a:schemeClr val="accent6"/>
+          </a:fillRef>
+          <a:effectRef idx="0">
+            <a:schemeClr val="accent6"/>
+          </a:effectRef>
+          <a:fontRef idx="minor">
+            <a:schemeClr val="lt1"/>
+          </a:fontRef>
+        </p:style>
+        <p:txBody>
+          <a:bodyPr rtlCol="0" anchor="ctr"/>
+          <a:lstStyle/>
+          <a:p>
+            <a:pPr algn="ctr"/>
+            <a:r>
+              <a:rPr lang="en-US" altLang="zh-CN" sz="1100" dirty="0" smtClean="0">
+                <a:latin typeface="Times New Roman" panose="02020603050405020304" pitchFamily="18" charset="0"/>
+                <a:cs typeface="Times New Roman" panose="02020603050405020304" pitchFamily="18" charset="0"/>
+              </a:rPr>
+              <a:t>VNF 5</a:t>
+            </a:r>
+            <a:endParaRPr lang="zh-CN" altLang="en-US" sz="1100" dirty="0">
+              <a:latin typeface="Times New Roman" panose="02020603050405020304" pitchFamily="18" charset="0"/>
+              <a:cs typeface="Times New Roman" panose="02020603050405020304" pitchFamily="18" charset="0"/>
+            </a:endParaRPr>
+          </a:p>
+        </p:txBody>
+      </p:sp>
+      <p:sp>
+        <p:nvSpPr>
+          <p:cNvPr id="126" name="矩形 125"/>
+          <p:cNvSpPr/>
+          <p:nvPr/>
+        </p:nvSpPr>
+        <p:spPr>
+          <a:xfrm>
+            <a:off x="7294322" y="3006523"/>
+            <a:ext cx="576000" cy="576000"/>
+          </a:xfrm>
+          <a:prstGeom prst="rect">
+            <a:avLst/>
+          </a:prstGeom>
+        </p:spPr>
+        <p:style>
+          <a:lnRef idx="2">
+            <a:schemeClr val="accent6">
+              <a:shade val="50000"/>
+            </a:schemeClr>
+          </a:lnRef>
+          <a:fillRef idx="1">
+            <a:schemeClr val="accent6"/>
+          </a:fillRef>
+          <a:effectRef idx="0">
+            <a:schemeClr val="accent6"/>
+          </a:effectRef>
+          <a:fontRef idx="minor">
+            <a:schemeClr val="lt1"/>
+          </a:fontRef>
+        </p:style>
+        <p:txBody>
+          <a:bodyPr rtlCol="0" anchor="ctr"/>
+          <a:lstStyle/>
+          <a:p>
+            <a:pPr algn="ctr"/>
+            <a:r>
+              <a:rPr lang="en-US" altLang="zh-CN" sz="1100" dirty="0" smtClean="0">
+                <a:latin typeface="Times New Roman" panose="02020603050405020304" pitchFamily="18" charset="0"/>
+                <a:cs typeface="Times New Roman" panose="02020603050405020304" pitchFamily="18" charset="0"/>
+              </a:rPr>
+              <a:t>VNF 6</a:t>
+            </a:r>
+            <a:endParaRPr lang="zh-CN" altLang="en-US" sz="1100" dirty="0">
+              <a:latin typeface="Times New Roman" panose="02020603050405020304" pitchFamily="18" charset="0"/>
+              <a:cs typeface="Times New Roman" panose="02020603050405020304" pitchFamily="18" charset="0"/>
+            </a:endParaRPr>
+          </a:p>
+        </p:txBody>
+      </p:sp>
+      <p:sp>
+        <p:nvSpPr>
+          <p:cNvPr id="127" name="矩形 126"/>
+          <p:cNvSpPr/>
+          <p:nvPr/>
+        </p:nvSpPr>
+        <p:spPr>
+          <a:xfrm>
+            <a:off x="8186264" y="3008610"/>
+            <a:ext cx="576000" cy="576000"/>
+          </a:xfrm>
+          <a:prstGeom prst="rect">
+            <a:avLst/>
+          </a:prstGeom>
+        </p:spPr>
+        <p:style>
+          <a:lnRef idx="2">
+            <a:schemeClr val="accent6">
+              <a:shade val="50000"/>
+            </a:schemeClr>
+          </a:lnRef>
+          <a:fillRef idx="1">
+            <a:schemeClr val="accent6"/>
+          </a:fillRef>
+          <a:effectRef idx="0">
+            <a:schemeClr val="accent6"/>
+          </a:effectRef>
+          <a:fontRef idx="minor">
+            <a:schemeClr val="lt1"/>
+          </a:fontRef>
+        </p:style>
+        <p:txBody>
+          <a:bodyPr rtlCol="0" anchor="ctr"/>
+          <a:lstStyle/>
+          <a:p>
+            <a:pPr algn="ctr"/>
+            <a:r>
+              <a:rPr lang="en-US" altLang="zh-CN" sz="1100" dirty="0" smtClean="0">
+                <a:latin typeface="Times New Roman" panose="02020603050405020304" pitchFamily="18" charset="0"/>
+                <a:cs typeface="Times New Roman" panose="02020603050405020304" pitchFamily="18" charset="0"/>
+              </a:rPr>
+              <a:t>VNF 7</a:t>
+            </a:r>
+            <a:endParaRPr lang="zh-CN" altLang="en-US" sz="1100" dirty="0">
+              <a:latin typeface="Times New Roman" panose="02020603050405020304" pitchFamily="18" charset="0"/>
+              <a:cs typeface="Times New Roman" panose="02020603050405020304" pitchFamily="18" charset="0"/>
+            </a:endParaRPr>
+          </a:p>
+        </p:txBody>
+      </p:sp>
+      <p:cxnSp>
+        <p:nvCxnSpPr>
+          <p:cNvPr id="128" name="直接箭头连接符 127"/>
+          <p:cNvCxnSpPr>
+            <a:stCxn id="124" idx="2"/>
+            <a:endCxn id="125" idx="0"/>
+          </p:cNvCxnSpPr>
+          <p:nvPr/>
+        </p:nvCxnSpPr>
+        <p:spPr>
+          <a:xfrm flipH="1">
+            <a:off x="6657187" y="2719682"/>
+            <a:ext cx="925135" cy="289625"/>
+          </a:xfrm>
+          <a:prstGeom prst="straightConnector1">
+            <a:avLst/>
+          </a:prstGeom>
+          <a:ln w="19050">
+            <a:tailEnd type="triangle"/>
+          </a:ln>
+        </p:spPr>
+        <p:style>
+          <a:lnRef idx="1">
+            <a:schemeClr val="accent6"/>
+          </a:lnRef>
+          <a:fillRef idx="0">
+            <a:schemeClr val="accent6"/>
+          </a:fillRef>
+          <a:effectRef idx="0">
+            <a:schemeClr val="accent6"/>
+          </a:effectRef>
+          <a:fontRef idx="minor">
+            <a:schemeClr val="tx1"/>
+          </a:fontRef>
+        </p:style>
+      </p:cxnSp>
+      <p:cxnSp>
+        <p:nvCxnSpPr>
+          <p:cNvPr id="132" name="直接箭头连接符 131"/>
+          <p:cNvCxnSpPr>
+            <a:stCxn id="124" idx="2"/>
+            <a:endCxn id="126" idx="0"/>
+          </p:cNvCxnSpPr>
+          <p:nvPr/>
+        </p:nvCxnSpPr>
+        <p:spPr>
+          <a:xfrm>
+            <a:off x="7582322" y="2719682"/>
+            <a:ext cx="0" cy="286841"/>
+          </a:xfrm>
+          <a:prstGeom prst="straightConnector1">
+            <a:avLst/>
+          </a:prstGeom>
+          <a:ln w="19050">
+            <a:tailEnd type="triangle"/>
+          </a:ln>
+        </p:spPr>
+        <p:style>
+          <a:lnRef idx="1">
+            <a:schemeClr val="accent6"/>
+          </a:lnRef>
+          <a:fillRef idx="0">
+            <a:schemeClr val="accent6"/>
+          </a:fillRef>
+          <a:effectRef idx="0">
+            <a:schemeClr val="accent6"/>
+          </a:effectRef>
+          <a:fontRef idx="minor">
+            <a:schemeClr val="tx1"/>
+          </a:fontRef>
+        </p:style>
+      </p:cxnSp>
+      <p:cxnSp>
+        <p:nvCxnSpPr>
+          <p:cNvPr id="135" name="直接箭头连接符 134"/>
+          <p:cNvCxnSpPr>
+            <a:stCxn id="124" idx="2"/>
+            <a:endCxn id="127" idx="0"/>
+          </p:cNvCxnSpPr>
+          <p:nvPr/>
+        </p:nvCxnSpPr>
+        <p:spPr>
+          <a:xfrm>
+            <a:off x="7582322" y="2719682"/>
+            <a:ext cx="891942" cy="288928"/>
+          </a:xfrm>
+          <a:prstGeom prst="straightConnector1">
+            <a:avLst/>
+          </a:prstGeom>
+          <a:ln w="19050">
+            <a:tailEnd type="triangle"/>
+          </a:ln>
+        </p:spPr>
+        <p:style>
+          <a:lnRef idx="1">
+            <a:schemeClr val="accent6"/>
+          </a:lnRef>
+          <a:fillRef idx="0">
+            <a:schemeClr val="accent6"/>
+          </a:fillRef>
+          <a:effectRef idx="0">
+            <a:schemeClr val="accent6"/>
+          </a:effectRef>
+          <a:fontRef idx="minor">
+            <a:schemeClr val="tx1"/>
+          </a:fontRef>
+        </p:style>
+      </p:cxnSp>
+      <p:sp>
+        <p:nvSpPr>
+          <p:cNvPr id="166" name="左大括号 165"/>
+          <p:cNvSpPr/>
+          <p:nvPr/>
+        </p:nvSpPr>
+        <p:spPr>
+          <a:xfrm rot="16200000">
+            <a:off x="6858363" y="3260100"/>
+            <a:ext cx="212807" cy="1005720"/>
+          </a:xfrm>
+          <a:prstGeom prst="leftBrace">
+            <a:avLst>
+              <a:gd name="adj1" fmla="val 8333"/>
+              <a:gd name="adj2" fmla="val 49952"/>
+            </a:avLst>
+          </a:prstGeom>
+        </p:spPr>
+        <p:style>
+          <a:lnRef idx="1">
+            <a:schemeClr val="dk1"/>
+          </a:lnRef>
+          <a:fillRef idx="0">
+            <a:schemeClr val="dk1"/>
+          </a:fillRef>
+          <a:effectRef idx="0">
+            <a:schemeClr val="dk1"/>
+          </a:effectRef>
+          <a:fontRef idx="minor">
+            <a:schemeClr val="tx1"/>
+          </a:fontRef>
+        </p:style>
+        <p:txBody>
+          <a:bodyPr rtlCol="0" anchor="ctr"/>
+          <a:lstStyle/>
+          <a:p>
+            <a:pPr algn="ctr"/>
+            <a:endParaRPr lang="zh-CN" altLang="en-US"/>
+          </a:p>
+        </p:txBody>
+      </p:sp>
+      <p:sp>
+        <p:nvSpPr>
+          <p:cNvPr id="169" name="文本框 168"/>
+          <p:cNvSpPr txBox="1"/>
+          <p:nvPr/>
+        </p:nvSpPr>
+        <p:spPr>
+          <a:xfrm>
+            <a:off x="6491913" y="3856050"/>
+            <a:ext cx="1010285" cy="307777"/>
+          </a:xfrm>
+          <a:prstGeom prst="rect">
+            <a:avLst/>
+          </a:prstGeom>
+          <a:noFill/>
+        </p:spPr>
+        <p:txBody>
+          <a:bodyPr wrap="square" rtlCol="0">
+            <a:spAutoFit/>
+          </a:bodyPr>
+          <a:lstStyle/>
+          <a:p>
+            <a:r>
+              <a:rPr lang="en-US" altLang="zh-CN" sz="1400" dirty="0" smtClean="0">
+                <a:latin typeface="Times New Roman" panose="02020603050405020304" pitchFamily="18" charset="0"/>
+                <a:cs typeface="Times New Roman" panose="02020603050405020304" pitchFamily="18" charset="0"/>
+              </a:rPr>
+              <a:t>No conflict</a:t>
+            </a:r>
+            <a:endParaRPr lang="zh-CN" altLang="en-US" sz="1400" dirty="0">
+              <a:latin typeface="Times New Roman" panose="02020603050405020304" pitchFamily="18" charset="0"/>
+              <a:cs typeface="Times New Roman" panose="02020603050405020304" pitchFamily="18" charset="0"/>
+            </a:endParaRPr>
+          </a:p>
+        </p:txBody>
+      </p:sp>
+      <p:sp>
+        <p:nvSpPr>
+          <p:cNvPr id="170" name="左大括号 169"/>
+          <p:cNvSpPr/>
+          <p:nvPr/>
+        </p:nvSpPr>
+        <p:spPr>
+          <a:xfrm rot="16200000">
+            <a:off x="8109299" y="3260099"/>
+            <a:ext cx="212807" cy="1005720"/>
+          </a:xfrm>
+          <a:prstGeom prst="leftBrace">
+            <a:avLst>
+              <a:gd name="adj1" fmla="val 8333"/>
+              <a:gd name="adj2" fmla="val 49952"/>
+            </a:avLst>
+          </a:prstGeom>
+        </p:spPr>
+        <p:style>
+          <a:lnRef idx="1">
+            <a:schemeClr val="dk1"/>
+          </a:lnRef>
+          <a:fillRef idx="0">
+            <a:schemeClr val="dk1"/>
+          </a:fillRef>
+          <a:effectRef idx="0">
+            <a:schemeClr val="dk1"/>
+          </a:effectRef>
+          <a:fontRef idx="minor">
+            <a:schemeClr val="tx1"/>
+          </a:fontRef>
+        </p:style>
+        <p:txBody>
+          <a:bodyPr rtlCol="0" anchor="ctr"/>
+          <a:lstStyle/>
+          <a:p>
+            <a:pPr algn="ctr"/>
+            <a:endParaRPr lang="zh-CN" altLang="en-US"/>
+          </a:p>
+        </p:txBody>
+      </p:sp>
+      <p:sp>
+        <p:nvSpPr>
+          <p:cNvPr id="171" name="文本框 170"/>
+          <p:cNvSpPr txBox="1"/>
+          <p:nvPr/>
+        </p:nvSpPr>
+        <p:spPr>
+          <a:xfrm>
+            <a:off x="7551319" y="3863150"/>
+            <a:ext cx="1591084" cy="523220"/>
+          </a:xfrm>
+          <a:prstGeom prst="rect">
+            <a:avLst/>
+          </a:prstGeom>
+          <a:noFill/>
+        </p:spPr>
+        <p:txBody>
+          <a:bodyPr wrap="square" rtlCol="0">
+            <a:spAutoFit/>
+          </a:bodyPr>
+          <a:lstStyle/>
+          <a:p>
+            <a:r>
+              <a:rPr lang="en-US" altLang="zh-CN" sz="1400" dirty="0" smtClean="0">
+                <a:latin typeface="Times New Roman" panose="02020603050405020304" pitchFamily="18" charset="0"/>
+                <a:cs typeface="Times New Roman" panose="02020603050405020304" pitchFamily="18" charset="0"/>
+              </a:rPr>
+              <a:t>Conflict in field A! Need packet copy</a:t>
+            </a:r>
+            <a:endParaRPr lang="zh-CN" altLang="en-US" sz="1400" dirty="0">
+              <a:latin typeface="Times New Roman" panose="02020603050405020304" pitchFamily="18" charset="0"/>
+              <a:cs typeface="Times New Roman" panose="02020603050405020304" pitchFamily="18" charset="0"/>
+            </a:endParaRPr>
+          </a:p>
+        </p:txBody>
+      </p:sp>
+      <p:sp>
+        <p:nvSpPr>
+          <p:cNvPr id="172" name="矩形 171">
+            <a:extLst>
+              <a:ext uri="{FF2B5EF4-FFF2-40B4-BE49-F238E27FC236}">
+                <a16:creationId xmlns:a16="http://schemas.microsoft.com/office/drawing/2014/main" id="{FDBDF632-7CA2-4A5F-9CE9-8065FB675F8F}"/>
+              </a:ext>
+            </a:extLst>
+          </p:cNvPr>
+          <p:cNvSpPr/>
+          <p:nvPr/>
+        </p:nvSpPr>
+        <p:spPr>
+          <a:xfrm>
+            <a:off x="9111399" y="2143681"/>
+            <a:ext cx="2476467" cy="2538958"/>
+          </a:xfrm>
+          <a:prstGeom prst="rect">
+            <a:avLst/>
+          </a:prstGeom>
+          <a:noFill/>
+          <a:ln w="12700">
+            <a:prstDash val="solid"/>
+          </a:ln>
+        </p:spPr>
+        <p:style>
+          <a:lnRef idx="2">
+            <a:schemeClr val="dk1"/>
+          </a:lnRef>
+          <a:fillRef idx="1">
+            <a:schemeClr val="lt1"/>
+          </a:fillRef>
+          <a:effectRef idx="0">
+            <a:schemeClr val="dk1"/>
+          </a:effectRef>
+          <a:fontRef idx="minor">
+            <a:schemeClr val="dk1"/>
+          </a:fontRef>
+        </p:style>
+        <p:txBody>
+          <a:bodyPr rtlCol="0" anchor="ctr"/>
+          <a:lstStyle/>
+          <a:p>
+            <a:pPr algn="ctr"/>
+            <a:endParaRPr lang="zh-CN" altLang="en-US">
+              <a:latin typeface="Times New Roman" panose="02020603050405020304" pitchFamily="18" charset="0"/>
+              <a:cs typeface="Times New Roman" panose="02020603050405020304" pitchFamily="18" charset="0"/>
+            </a:endParaRPr>
+          </a:p>
+        </p:txBody>
+      </p:sp>
+      <p:sp>
+        <p:nvSpPr>
+          <p:cNvPr id="173" name="文本框 172"/>
+          <p:cNvSpPr txBox="1"/>
+          <p:nvPr/>
+        </p:nvSpPr>
+        <p:spPr>
+          <a:xfrm>
+            <a:off x="9111399" y="2155234"/>
+            <a:ext cx="1145808" cy="276999"/>
+          </a:xfrm>
+          <a:prstGeom prst="rect">
+            <a:avLst/>
+          </a:prstGeom>
+          <a:noFill/>
+        </p:spPr>
+        <p:txBody>
+          <a:bodyPr wrap="square" rtlCol="0">
+            <a:spAutoFit/>
+          </a:bodyPr>
+          <a:lstStyle/>
+          <a:p>
+            <a:r>
+              <a:rPr lang="en-US" altLang="zh-CN" sz="1200" dirty="0" smtClean="0">
+                <a:latin typeface="Times New Roman" panose="02020603050405020304" pitchFamily="18" charset="0"/>
+                <a:cs typeface="Times New Roman" panose="02020603050405020304" pitchFamily="18" charset="0"/>
+              </a:rPr>
+              <a:t>Running </a:t>
+            </a:r>
+            <a:r>
+              <a:rPr lang="en-US" altLang="zh-CN" sz="1200" dirty="0" err="1" smtClean="0">
+                <a:latin typeface="Times New Roman" panose="02020603050405020304" pitchFamily="18" charset="0"/>
+                <a:cs typeface="Times New Roman" panose="02020603050405020304" pitchFamily="18" charset="0"/>
+              </a:rPr>
+              <a:t>config</a:t>
+            </a:r>
+            <a:endParaRPr lang="zh-CN" altLang="en-US" sz="1200" dirty="0">
+              <a:latin typeface="Times New Roman" panose="02020603050405020304" pitchFamily="18" charset="0"/>
+              <a:cs typeface="Times New Roman" panose="02020603050405020304" pitchFamily="18" charset="0"/>
+            </a:endParaRPr>
+          </a:p>
+        </p:txBody>
+      </p:sp>
+      <p:sp>
+        <p:nvSpPr>
+          <p:cNvPr id="174" name="文本框 173"/>
+          <p:cNvSpPr txBox="1"/>
+          <p:nvPr/>
+        </p:nvSpPr>
+        <p:spPr>
+          <a:xfrm>
+            <a:off x="9230865" y="2445489"/>
+            <a:ext cx="2030321" cy="461665"/>
+          </a:xfrm>
+          <a:prstGeom prst="rect">
+            <a:avLst/>
+          </a:prstGeom>
+          <a:noFill/>
+        </p:spPr>
+        <p:txBody>
+          <a:bodyPr wrap="square" rtlCol="0">
+            <a:spAutoFit/>
+          </a:bodyPr>
+          <a:lstStyle/>
+          <a:p>
+            <a:r>
+              <a:rPr lang="en-US" altLang="zh-CN" sz="1200" dirty="0" smtClean="0">
+                <a:latin typeface="Times New Roman" panose="02020603050405020304" pitchFamily="18" charset="0"/>
+                <a:cs typeface="Times New Roman" panose="02020603050405020304" pitchFamily="18" charset="0"/>
+              </a:rPr>
+              <a:t>Scatter 1:</a:t>
+            </a:r>
+          </a:p>
+          <a:p>
+            <a:r>
+              <a:rPr lang="en-US" altLang="zh-CN" sz="1200" dirty="0" smtClean="0">
+                <a:latin typeface="Times New Roman" panose="02020603050405020304" pitchFamily="18" charset="0"/>
+                <a:cs typeface="Times New Roman" panose="02020603050405020304" pitchFamily="18" charset="0"/>
+              </a:rPr>
+              <a:t>  distribute packet to VNF 4</a:t>
+            </a:r>
+            <a:endParaRPr lang="zh-CN" altLang="en-US" sz="1200" dirty="0">
+              <a:latin typeface="Times New Roman" panose="02020603050405020304" pitchFamily="18" charset="0"/>
+              <a:cs typeface="Times New Roman" panose="02020603050405020304" pitchFamily="18" charset="0"/>
+            </a:endParaRPr>
+          </a:p>
+        </p:txBody>
+      </p:sp>
+      <p:sp>
+        <p:nvSpPr>
+          <p:cNvPr id="175" name="文本框 174"/>
+          <p:cNvSpPr txBox="1"/>
+          <p:nvPr/>
+        </p:nvSpPr>
+        <p:spPr>
+          <a:xfrm>
+            <a:off x="9250531" y="2832858"/>
+            <a:ext cx="2030321" cy="461665"/>
+          </a:xfrm>
+          <a:prstGeom prst="rect">
+            <a:avLst/>
+          </a:prstGeom>
+          <a:noFill/>
+        </p:spPr>
+        <p:txBody>
+          <a:bodyPr wrap="square" rtlCol="0">
+            <a:spAutoFit/>
+          </a:bodyPr>
+          <a:lstStyle/>
+          <a:p>
+            <a:r>
+              <a:rPr lang="en-US" altLang="zh-CN" sz="1200" dirty="0" smtClean="0">
+                <a:latin typeface="Times New Roman" panose="02020603050405020304" pitchFamily="18" charset="0"/>
+                <a:cs typeface="Times New Roman" panose="02020603050405020304" pitchFamily="18" charset="0"/>
+              </a:rPr>
+              <a:t>Gather 1:</a:t>
+            </a:r>
+          </a:p>
+          <a:p>
+            <a:r>
+              <a:rPr lang="en-US" altLang="zh-CN" sz="1200" dirty="0" smtClean="0">
+                <a:latin typeface="Times New Roman" panose="02020603050405020304" pitchFamily="18" charset="0"/>
+                <a:cs typeface="Times New Roman" panose="02020603050405020304" pitchFamily="18" charset="0"/>
+              </a:rPr>
+              <a:t>  NULL</a:t>
+            </a:r>
+            <a:endParaRPr lang="zh-CN" altLang="en-US" sz="1200" dirty="0">
+              <a:latin typeface="Times New Roman" panose="02020603050405020304" pitchFamily="18" charset="0"/>
+              <a:cs typeface="Times New Roman" panose="02020603050405020304" pitchFamily="18" charset="0"/>
+            </a:endParaRPr>
+          </a:p>
+        </p:txBody>
+      </p:sp>
+      <p:sp>
+        <p:nvSpPr>
+          <p:cNvPr id="176" name="文本框 175"/>
+          <p:cNvSpPr txBox="1"/>
+          <p:nvPr/>
+        </p:nvSpPr>
+        <p:spPr>
+          <a:xfrm>
+            <a:off x="9285618" y="3212011"/>
+            <a:ext cx="2199246" cy="830997"/>
+          </a:xfrm>
+          <a:prstGeom prst="rect">
+            <a:avLst/>
+          </a:prstGeom>
+          <a:noFill/>
+        </p:spPr>
+        <p:txBody>
+          <a:bodyPr wrap="square" rtlCol="0">
+            <a:spAutoFit/>
+          </a:bodyPr>
+          <a:lstStyle/>
+          <a:p>
+            <a:r>
+              <a:rPr lang="en-US" altLang="zh-CN" sz="1200" dirty="0" smtClean="0">
+                <a:latin typeface="Times New Roman" panose="02020603050405020304" pitchFamily="18" charset="0"/>
+                <a:cs typeface="Times New Roman" panose="02020603050405020304" pitchFamily="18" charset="0"/>
+              </a:rPr>
+              <a:t>Scatter </a:t>
+            </a:r>
+            <a:r>
+              <a:rPr lang="en-US" altLang="zh-CN" sz="1200" dirty="0">
+                <a:latin typeface="Times New Roman" panose="02020603050405020304" pitchFamily="18" charset="0"/>
+                <a:cs typeface="Times New Roman" panose="02020603050405020304" pitchFamily="18" charset="0"/>
+              </a:rPr>
+              <a:t>2</a:t>
+            </a:r>
+            <a:r>
+              <a:rPr lang="en-US" altLang="zh-CN" sz="1200" dirty="0" smtClean="0">
+                <a:latin typeface="Times New Roman" panose="02020603050405020304" pitchFamily="18" charset="0"/>
+                <a:cs typeface="Times New Roman" panose="02020603050405020304" pitchFamily="18" charset="0"/>
+              </a:rPr>
+              <a:t>:</a:t>
+            </a:r>
+          </a:p>
+          <a:p>
+            <a:r>
+              <a:rPr lang="en-US" altLang="zh-CN" sz="1200" dirty="0" smtClean="0">
+                <a:latin typeface="Times New Roman" panose="02020603050405020304" pitchFamily="18" charset="0"/>
+                <a:cs typeface="Times New Roman" panose="02020603050405020304" pitchFamily="18" charset="0"/>
+              </a:rPr>
+              <a:t>  distribute packet ID</a:t>
+            </a:r>
+            <a:r>
+              <a:rPr lang="en-US" altLang="zh-CN" sz="1200" baseline="-25000" dirty="0" smtClean="0">
+                <a:latin typeface="Times New Roman" panose="02020603050405020304" pitchFamily="18" charset="0"/>
+                <a:cs typeface="Times New Roman" panose="02020603050405020304" pitchFamily="18" charset="0"/>
+              </a:rPr>
+              <a:t>1</a:t>
+            </a:r>
+            <a:r>
+              <a:rPr lang="en-US" altLang="zh-CN" sz="1200" dirty="0" smtClean="0">
+                <a:latin typeface="Times New Roman" panose="02020603050405020304" pitchFamily="18" charset="0"/>
+                <a:cs typeface="Times New Roman" panose="02020603050405020304" pitchFamily="18" charset="0"/>
+              </a:rPr>
+              <a:t> to VNF 5</a:t>
+            </a:r>
+          </a:p>
+          <a:p>
+            <a:r>
+              <a:rPr lang="en-US" altLang="zh-CN" sz="1200" dirty="0" smtClean="0">
+                <a:latin typeface="Times New Roman" panose="02020603050405020304" pitchFamily="18" charset="0"/>
+                <a:cs typeface="Times New Roman" panose="02020603050405020304" pitchFamily="18" charset="0"/>
+              </a:rPr>
+              <a:t>  distribute </a:t>
+            </a:r>
+            <a:r>
+              <a:rPr lang="en-US" altLang="zh-CN" sz="1200" dirty="0">
+                <a:latin typeface="Times New Roman" panose="02020603050405020304" pitchFamily="18" charset="0"/>
+                <a:cs typeface="Times New Roman" panose="02020603050405020304" pitchFamily="18" charset="0"/>
+              </a:rPr>
+              <a:t>packet ID</a:t>
+            </a:r>
+            <a:r>
+              <a:rPr lang="en-US" altLang="zh-CN" sz="1200" baseline="-25000" dirty="0">
+                <a:latin typeface="Times New Roman" panose="02020603050405020304" pitchFamily="18" charset="0"/>
+                <a:cs typeface="Times New Roman" panose="02020603050405020304" pitchFamily="18" charset="0"/>
+              </a:rPr>
+              <a:t>1</a:t>
+            </a:r>
+            <a:r>
+              <a:rPr lang="en-US" altLang="zh-CN" sz="1200" dirty="0">
+                <a:latin typeface="Times New Roman" panose="02020603050405020304" pitchFamily="18" charset="0"/>
+                <a:cs typeface="Times New Roman" panose="02020603050405020304" pitchFamily="18" charset="0"/>
+              </a:rPr>
+              <a:t> to </a:t>
+            </a:r>
+            <a:r>
+              <a:rPr lang="en-US" altLang="zh-CN" sz="1200" dirty="0" smtClean="0">
+                <a:latin typeface="Times New Roman" panose="02020603050405020304" pitchFamily="18" charset="0"/>
+                <a:cs typeface="Times New Roman" panose="02020603050405020304" pitchFamily="18" charset="0"/>
+              </a:rPr>
+              <a:t>VNF 6</a:t>
+            </a:r>
+          </a:p>
+          <a:p>
+            <a:r>
+              <a:rPr lang="en-US" altLang="zh-CN" sz="1200" dirty="0" smtClean="0">
+                <a:latin typeface="Times New Roman" panose="02020603050405020304" pitchFamily="18" charset="0"/>
+                <a:cs typeface="Times New Roman" panose="02020603050405020304" pitchFamily="18" charset="0"/>
+              </a:rPr>
+              <a:t>  distribute </a:t>
+            </a:r>
+            <a:r>
+              <a:rPr lang="en-US" altLang="zh-CN" sz="1200" dirty="0">
+                <a:latin typeface="Times New Roman" panose="02020603050405020304" pitchFamily="18" charset="0"/>
+                <a:cs typeface="Times New Roman" panose="02020603050405020304" pitchFamily="18" charset="0"/>
+              </a:rPr>
+              <a:t>packet </a:t>
+            </a:r>
+            <a:r>
+              <a:rPr lang="en-US" altLang="zh-CN" sz="1200" dirty="0" smtClean="0">
+                <a:latin typeface="Times New Roman" panose="02020603050405020304" pitchFamily="18" charset="0"/>
+                <a:cs typeface="Times New Roman" panose="02020603050405020304" pitchFamily="18" charset="0"/>
+              </a:rPr>
+              <a:t>ID</a:t>
+            </a:r>
+            <a:r>
+              <a:rPr lang="en-US" altLang="zh-CN" sz="1200" baseline="-25000" dirty="0" smtClean="0">
+                <a:latin typeface="Times New Roman" panose="02020603050405020304" pitchFamily="18" charset="0"/>
+                <a:cs typeface="Times New Roman" panose="02020603050405020304" pitchFamily="18" charset="0"/>
+              </a:rPr>
+              <a:t>2</a:t>
+            </a:r>
+            <a:r>
+              <a:rPr lang="en-US" altLang="zh-CN" sz="1200" dirty="0" smtClean="0">
+                <a:latin typeface="Times New Roman" panose="02020603050405020304" pitchFamily="18" charset="0"/>
+                <a:cs typeface="Times New Roman" panose="02020603050405020304" pitchFamily="18" charset="0"/>
+              </a:rPr>
+              <a:t> </a:t>
+            </a:r>
+            <a:r>
+              <a:rPr lang="en-US" altLang="zh-CN" sz="1200" dirty="0">
+                <a:latin typeface="Times New Roman" panose="02020603050405020304" pitchFamily="18" charset="0"/>
+                <a:cs typeface="Times New Roman" panose="02020603050405020304" pitchFamily="18" charset="0"/>
+              </a:rPr>
+              <a:t>to </a:t>
+            </a:r>
+            <a:r>
+              <a:rPr lang="en-US" altLang="zh-CN" sz="1200" dirty="0" smtClean="0">
+                <a:latin typeface="Times New Roman" panose="02020603050405020304" pitchFamily="18" charset="0"/>
+                <a:cs typeface="Times New Roman" panose="02020603050405020304" pitchFamily="18" charset="0"/>
+              </a:rPr>
+              <a:t>VNF 7</a:t>
+            </a:r>
+            <a:endParaRPr lang="zh-CN" altLang="en-US" sz="1200" dirty="0">
+              <a:latin typeface="Times New Roman" panose="02020603050405020304" pitchFamily="18" charset="0"/>
+              <a:cs typeface="Times New Roman" panose="02020603050405020304" pitchFamily="18" charset="0"/>
+            </a:endParaRPr>
+          </a:p>
+        </p:txBody>
+      </p:sp>
+      <p:sp>
+        <p:nvSpPr>
+          <p:cNvPr id="178" name="文本框 177"/>
+          <p:cNvSpPr txBox="1"/>
+          <p:nvPr/>
+        </p:nvSpPr>
+        <p:spPr>
+          <a:xfrm>
+            <a:off x="9285618" y="3938941"/>
+            <a:ext cx="2030321" cy="646331"/>
+          </a:xfrm>
+          <a:prstGeom prst="rect">
+            <a:avLst/>
+          </a:prstGeom>
+          <a:noFill/>
+        </p:spPr>
+        <p:txBody>
+          <a:bodyPr wrap="square" rtlCol="0">
+            <a:spAutoFit/>
+          </a:bodyPr>
+          <a:lstStyle/>
+          <a:p>
+            <a:r>
+              <a:rPr lang="en-US" altLang="zh-CN" sz="1200" dirty="0" smtClean="0">
+                <a:latin typeface="Times New Roman" panose="02020603050405020304" pitchFamily="18" charset="0"/>
+                <a:cs typeface="Times New Roman" panose="02020603050405020304" pitchFamily="18" charset="0"/>
+              </a:rPr>
+              <a:t>Gather 2:</a:t>
+            </a:r>
+          </a:p>
+          <a:p>
+            <a:r>
+              <a:rPr lang="en-US" altLang="zh-CN" sz="1200" dirty="0" smtClean="0">
+                <a:latin typeface="Times New Roman" panose="02020603050405020304" pitchFamily="18" charset="0"/>
+                <a:cs typeface="Times New Roman" panose="02020603050405020304" pitchFamily="18" charset="0"/>
+              </a:rPr>
+              <a:t>  ID</a:t>
+            </a:r>
+            <a:r>
+              <a:rPr lang="en-US" altLang="zh-CN" sz="1200" baseline="-25000" dirty="0" smtClean="0">
+                <a:latin typeface="Times New Roman" panose="02020603050405020304" pitchFamily="18" charset="0"/>
+                <a:cs typeface="Times New Roman" panose="02020603050405020304" pitchFamily="18" charset="0"/>
+              </a:rPr>
+              <a:t>1</a:t>
+            </a:r>
+            <a:r>
+              <a:rPr lang="en-US" altLang="zh-CN" sz="1200" dirty="0" smtClean="0">
+                <a:latin typeface="Times New Roman" panose="02020603050405020304" pitchFamily="18" charset="0"/>
+                <a:cs typeface="Times New Roman" panose="02020603050405020304" pitchFamily="18" charset="0"/>
+              </a:rPr>
+              <a:t>.add field X</a:t>
+            </a:r>
+          </a:p>
+          <a:p>
+            <a:r>
+              <a:rPr lang="en-US" altLang="zh-CN" sz="1200" dirty="0">
+                <a:latin typeface="Times New Roman" panose="02020603050405020304" pitchFamily="18" charset="0"/>
+                <a:cs typeface="Times New Roman" panose="02020603050405020304" pitchFamily="18" charset="0"/>
+              </a:rPr>
+              <a:t> </a:t>
+            </a:r>
+            <a:r>
+              <a:rPr lang="en-US" altLang="zh-CN" sz="1200" dirty="0" smtClean="0">
+                <a:latin typeface="Times New Roman" panose="02020603050405020304" pitchFamily="18" charset="0"/>
+                <a:cs typeface="Times New Roman" panose="02020603050405020304" pitchFamily="18" charset="0"/>
+              </a:rPr>
+              <a:t> adopt ID</a:t>
+            </a:r>
+            <a:r>
+              <a:rPr lang="en-US" altLang="zh-CN" sz="1200" baseline="-25000" dirty="0" smtClean="0">
+                <a:latin typeface="Times New Roman" panose="02020603050405020304" pitchFamily="18" charset="0"/>
+                <a:cs typeface="Times New Roman" panose="02020603050405020304" pitchFamily="18" charset="0"/>
+              </a:rPr>
+              <a:t>2</a:t>
+            </a:r>
+            <a:r>
+              <a:rPr lang="en-US" altLang="zh-CN" sz="1200" dirty="0" smtClean="0">
+                <a:latin typeface="Times New Roman" panose="02020603050405020304" pitchFamily="18" charset="0"/>
+                <a:cs typeface="Times New Roman" panose="02020603050405020304" pitchFamily="18" charset="0"/>
+              </a:rPr>
+              <a:t>.field A</a:t>
+            </a:r>
+            <a:endParaRPr lang="zh-CN" altLang="en-US" sz="1200" dirty="0">
+              <a:latin typeface="Times New Roman" panose="02020603050405020304" pitchFamily="18" charset="0"/>
+              <a:cs typeface="Times New Roman" panose="02020603050405020304" pitchFamily="18" charset="0"/>
+            </a:endParaRPr>
+          </a:p>
+        </p:txBody>
+      </p:sp>
+      <p:sp>
+        <p:nvSpPr>
+          <p:cNvPr id="181" name="矩形 180">
+            <a:extLst>
+              <a:ext uri="{FF2B5EF4-FFF2-40B4-BE49-F238E27FC236}">
+                <a16:creationId xmlns:a16="http://schemas.microsoft.com/office/drawing/2014/main" id="{FDBDF632-7CA2-4A5F-9CE9-8065FB675F8F}"/>
+              </a:ext>
+            </a:extLst>
+          </p:cNvPr>
+          <p:cNvSpPr/>
+          <p:nvPr/>
+        </p:nvSpPr>
+        <p:spPr>
+          <a:xfrm>
+            <a:off x="6309246" y="5325932"/>
+            <a:ext cx="5278620" cy="1221746"/>
+          </a:xfrm>
+          <a:prstGeom prst="rect">
+            <a:avLst/>
+          </a:prstGeom>
+          <a:noFill/>
+          <a:ln w="12700">
+            <a:prstDash val="solid"/>
+          </a:ln>
+        </p:spPr>
+        <p:style>
+          <a:lnRef idx="2">
+            <a:schemeClr val="dk1"/>
+          </a:lnRef>
+          <a:fillRef idx="1">
+            <a:schemeClr val="lt1"/>
+          </a:fillRef>
+          <a:effectRef idx="0">
+            <a:schemeClr val="dk1"/>
+          </a:effectRef>
+          <a:fontRef idx="minor">
+            <a:schemeClr val="dk1"/>
+          </a:fontRef>
+        </p:style>
+        <p:txBody>
+          <a:bodyPr rtlCol="0" anchor="ctr"/>
+          <a:lstStyle/>
+          <a:p>
+            <a:pPr algn="ctr"/>
+            <a:endParaRPr lang="zh-CN" altLang="en-US">
+              <a:latin typeface="Times New Roman" panose="02020603050405020304" pitchFamily="18" charset="0"/>
+              <a:cs typeface="Times New Roman" panose="02020603050405020304" pitchFamily="18" charset="0"/>
+            </a:endParaRPr>
+          </a:p>
+        </p:txBody>
+      </p:sp>
+      <p:sp>
+        <p:nvSpPr>
+          <p:cNvPr id="182" name="椭圆 181"/>
+          <p:cNvSpPr/>
+          <p:nvPr/>
+        </p:nvSpPr>
+        <p:spPr>
+          <a:xfrm>
+            <a:off x="7743970" y="5684527"/>
+            <a:ext cx="1023028" cy="655936"/>
+          </a:xfrm>
+          <a:prstGeom prst="ellipse">
+            <a:avLst/>
+          </a:prstGeom>
+          <a:solidFill>
+            <a:schemeClr val="accent2">
+              <a:lumMod val="40000"/>
+              <a:lumOff val="60000"/>
+            </a:schemeClr>
+          </a:solidFill>
+          <a:ln>
+            <a:noFill/>
+          </a:ln>
+        </p:spPr>
+        <p:style>
+          <a:lnRef idx="2">
+            <a:schemeClr val="accent1">
+              <a:shade val="50000"/>
+            </a:schemeClr>
+          </a:lnRef>
+          <a:fillRef idx="1">
+            <a:schemeClr val="accent1"/>
+          </a:fillRef>
+          <a:effectRef idx="0">
+            <a:schemeClr val="accent1"/>
+          </a:effectRef>
+          <a:fontRef idx="minor">
+            <a:schemeClr val="lt1"/>
+          </a:fontRef>
+        </p:style>
+        <p:txBody>
+          <a:bodyPr rtlCol="0" anchor="ctr"/>
+          <a:lstStyle/>
+          <a:p>
+            <a:pPr algn="ctr"/>
+            <a:r>
+              <a:rPr lang="en-US" altLang="zh-CN" sz="1100" b="1" dirty="0" smtClean="0">
+                <a:latin typeface="Times New Roman" panose="02020603050405020304" pitchFamily="18" charset="0"/>
+                <a:cs typeface="Times New Roman" panose="02020603050405020304" pitchFamily="18" charset="0"/>
+              </a:rPr>
+              <a:t>Packet gather 1</a:t>
+            </a:r>
+            <a:endParaRPr lang="zh-CN" altLang="en-US" sz="1100" b="1" dirty="0">
+              <a:latin typeface="Times New Roman" panose="02020603050405020304" pitchFamily="18" charset="0"/>
+              <a:cs typeface="Times New Roman" panose="02020603050405020304" pitchFamily="18" charset="0"/>
+            </a:endParaRPr>
+          </a:p>
+        </p:txBody>
+      </p:sp>
+      <p:sp>
+        <p:nvSpPr>
+          <p:cNvPr id="183" name="椭圆 182"/>
+          <p:cNvSpPr/>
+          <p:nvPr/>
+        </p:nvSpPr>
+        <p:spPr>
+          <a:xfrm>
+            <a:off x="9154957" y="5696722"/>
+            <a:ext cx="1023028" cy="655936"/>
+          </a:xfrm>
+          <a:prstGeom prst="ellipse">
+            <a:avLst/>
+          </a:prstGeom>
+          <a:solidFill>
+            <a:srgbClr val="F1CCB1"/>
+          </a:solidFill>
+          <a:ln>
+            <a:noFill/>
+          </a:ln>
+        </p:spPr>
+        <p:style>
+          <a:lnRef idx="2">
+            <a:schemeClr val="accent1">
+              <a:shade val="50000"/>
+            </a:schemeClr>
+          </a:lnRef>
+          <a:fillRef idx="1">
+            <a:schemeClr val="accent1"/>
+          </a:fillRef>
+          <a:effectRef idx="0">
+            <a:schemeClr val="accent1"/>
+          </a:effectRef>
+          <a:fontRef idx="minor">
+            <a:schemeClr val="lt1"/>
+          </a:fontRef>
+        </p:style>
+        <p:txBody>
+          <a:bodyPr rtlCol="0" anchor="ctr"/>
+          <a:lstStyle/>
+          <a:p>
+            <a:pPr algn="ctr"/>
+            <a:r>
+              <a:rPr lang="en-US" altLang="zh-CN" sz="1100" b="1" dirty="0" smtClean="0">
+                <a:latin typeface="Times New Roman" panose="02020603050405020304" pitchFamily="18" charset="0"/>
+                <a:cs typeface="Times New Roman" panose="02020603050405020304" pitchFamily="18" charset="0"/>
+              </a:rPr>
+              <a:t>Packet scatter 2</a:t>
+            </a:r>
+            <a:endParaRPr lang="zh-CN" altLang="en-US" sz="1100" b="1" dirty="0">
+              <a:latin typeface="Times New Roman" panose="02020603050405020304" pitchFamily="18" charset="0"/>
+              <a:cs typeface="Times New Roman" panose="02020603050405020304" pitchFamily="18" charset="0"/>
+            </a:endParaRPr>
+          </a:p>
+        </p:txBody>
+      </p:sp>
+      <p:sp>
+        <p:nvSpPr>
+          <p:cNvPr id="184" name="椭圆 183"/>
+          <p:cNvSpPr/>
+          <p:nvPr/>
+        </p:nvSpPr>
+        <p:spPr>
+          <a:xfrm>
+            <a:off x="10504707" y="5708917"/>
+            <a:ext cx="1023028" cy="655936"/>
+          </a:xfrm>
+          <a:prstGeom prst="ellipse">
+            <a:avLst/>
+          </a:prstGeom>
+          <a:solidFill>
+            <a:srgbClr val="F1CCB1"/>
+          </a:solidFill>
+          <a:ln>
+            <a:noFill/>
+          </a:ln>
+        </p:spPr>
+        <p:style>
+          <a:lnRef idx="2">
+            <a:schemeClr val="accent1">
+              <a:shade val="50000"/>
+            </a:schemeClr>
+          </a:lnRef>
+          <a:fillRef idx="1">
+            <a:schemeClr val="accent1"/>
+          </a:fillRef>
+          <a:effectRef idx="0">
+            <a:schemeClr val="accent1"/>
+          </a:effectRef>
+          <a:fontRef idx="minor">
+            <a:schemeClr val="lt1"/>
+          </a:fontRef>
+        </p:style>
+        <p:txBody>
+          <a:bodyPr rtlCol="0" anchor="ctr"/>
+          <a:lstStyle/>
+          <a:p>
+            <a:pPr algn="ctr"/>
+            <a:r>
+              <a:rPr lang="en-US" altLang="zh-CN" sz="1100" b="1" dirty="0" smtClean="0">
+                <a:latin typeface="Times New Roman" panose="02020603050405020304" pitchFamily="18" charset="0"/>
+                <a:cs typeface="Times New Roman" panose="02020603050405020304" pitchFamily="18" charset="0"/>
+              </a:rPr>
+              <a:t>Packet gather 1</a:t>
+            </a:r>
+            <a:endParaRPr lang="zh-CN" altLang="en-US" sz="1100" b="1" dirty="0">
+              <a:latin typeface="Times New Roman" panose="02020603050405020304" pitchFamily="18" charset="0"/>
+              <a:cs typeface="Times New Roman" panose="02020603050405020304" pitchFamily="18" charset="0"/>
+            </a:endParaRPr>
+          </a:p>
+        </p:txBody>
+      </p:sp>
+      <p:sp>
+        <p:nvSpPr>
+          <p:cNvPr id="185" name="椭圆 184"/>
+          <p:cNvSpPr/>
+          <p:nvPr/>
+        </p:nvSpPr>
+        <p:spPr>
+          <a:xfrm>
+            <a:off x="6433673" y="5708917"/>
+            <a:ext cx="1023028" cy="655936"/>
+          </a:xfrm>
+          <a:prstGeom prst="ellipse">
+            <a:avLst/>
+          </a:prstGeom>
+          <a:solidFill>
+            <a:srgbClr val="F8CAAD"/>
+          </a:solidFill>
+          <a:ln>
+            <a:noFill/>
+          </a:ln>
+        </p:spPr>
+        <p:style>
+          <a:lnRef idx="2">
+            <a:schemeClr val="accent1">
+              <a:shade val="50000"/>
+            </a:schemeClr>
+          </a:lnRef>
+          <a:fillRef idx="1">
+            <a:schemeClr val="accent1"/>
+          </a:fillRef>
+          <a:effectRef idx="0">
+            <a:schemeClr val="accent1"/>
+          </a:effectRef>
+          <a:fontRef idx="minor">
+            <a:schemeClr val="lt1"/>
+          </a:fontRef>
+        </p:style>
+        <p:txBody>
+          <a:bodyPr rtlCol="0" anchor="ctr"/>
+          <a:lstStyle/>
+          <a:p>
+            <a:pPr algn="ctr"/>
+            <a:r>
+              <a:rPr lang="en-US" altLang="zh-CN" sz="1100" b="1" dirty="0" smtClean="0">
+                <a:latin typeface="Times New Roman" panose="02020603050405020304" pitchFamily="18" charset="0"/>
+                <a:cs typeface="Times New Roman" panose="02020603050405020304" pitchFamily="18" charset="0"/>
+              </a:rPr>
+              <a:t>Packet scatter 1</a:t>
+            </a:r>
+            <a:endParaRPr lang="zh-CN" altLang="en-US" sz="1100" b="1" dirty="0">
+              <a:latin typeface="Times New Roman" panose="02020603050405020304" pitchFamily="18" charset="0"/>
+              <a:cs typeface="Times New Roman" panose="02020603050405020304" pitchFamily="18" charset="0"/>
+            </a:endParaRPr>
+          </a:p>
+        </p:txBody>
+      </p:sp>
+      <p:cxnSp>
+        <p:nvCxnSpPr>
+          <p:cNvPr id="186" name="直接箭头连接符 185">
+            <a:extLst>
+              <a:ext uri="{FF2B5EF4-FFF2-40B4-BE49-F238E27FC236}">
+                <a16:creationId xmlns:a16="http://schemas.microsoft.com/office/drawing/2014/main" id="{7BE7DFEA-379D-4B16-8233-F34FD9A1C0AC}"/>
+              </a:ext>
+            </a:extLst>
+          </p:cNvPr>
+          <p:cNvCxnSpPr>
+            <a:cxnSpLocks/>
+            <a:endCxn id="185" idx="2"/>
+          </p:cNvCxnSpPr>
+          <p:nvPr/>
+        </p:nvCxnSpPr>
+        <p:spPr>
+          <a:xfrm>
+            <a:off x="5814345" y="6036885"/>
+            <a:ext cx="619328" cy="0"/>
+          </a:xfrm>
+          <a:prstGeom prst="straightConnector1">
+            <a:avLst/>
+          </a:prstGeom>
+          <a:ln w="19050" cap="flat" cmpd="sng" algn="ctr">
+            <a:solidFill>
+              <a:schemeClr val="accent6"/>
+            </a:solidFill>
+            <a:prstDash val="dash"/>
+            <a:round/>
+            <a:headEnd type="none" w="med" len="med"/>
+            <a:tailEnd type="arrow" w="med" len="med"/>
+          </a:ln>
+        </p:spPr>
+        <p:style>
+          <a:lnRef idx="0">
+            <a:scrgbClr r="0" g="0" b="0"/>
+          </a:lnRef>
+          <a:fillRef idx="0">
+            <a:scrgbClr r="0" g="0" b="0"/>
+          </a:fillRef>
+          <a:effectRef idx="0">
+            <a:scrgbClr r="0" g="0" b="0"/>
+          </a:effectRef>
+          <a:fontRef idx="minor">
+            <a:schemeClr val="tx1"/>
+          </a:fontRef>
+        </p:style>
+      </p:cxnSp>
+      <p:cxnSp>
+        <p:nvCxnSpPr>
+          <p:cNvPr id="190" name="直接箭头连接符 189">
+            <a:extLst>
+              <a:ext uri="{FF2B5EF4-FFF2-40B4-BE49-F238E27FC236}">
+                <a16:creationId xmlns:a16="http://schemas.microsoft.com/office/drawing/2014/main" id="{7BE7DFEA-379D-4B16-8233-F34FD9A1C0AC}"/>
+              </a:ext>
+            </a:extLst>
+          </p:cNvPr>
+          <p:cNvCxnSpPr>
+            <a:cxnSpLocks/>
+            <a:stCxn id="185" idx="6"/>
+            <a:endCxn id="182" idx="2"/>
+          </p:cNvCxnSpPr>
+          <p:nvPr/>
+        </p:nvCxnSpPr>
+        <p:spPr>
+          <a:xfrm flipV="1">
+            <a:off x="7456701" y="6012495"/>
+            <a:ext cx="287269" cy="24390"/>
+          </a:xfrm>
+          <a:prstGeom prst="straightConnector1">
+            <a:avLst/>
+          </a:prstGeom>
+          <a:ln w="19050" cap="flat" cmpd="sng" algn="ctr">
+            <a:solidFill>
+              <a:schemeClr val="accent6"/>
+            </a:solidFill>
+            <a:prstDash val="dash"/>
+            <a:round/>
+            <a:headEnd type="none" w="med" len="med"/>
+            <a:tailEnd type="arrow" w="med" len="med"/>
+          </a:ln>
+        </p:spPr>
+        <p:style>
+          <a:lnRef idx="0">
+            <a:scrgbClr r="0" g="0" b="0"/>
+          </a:lnRef>
+          <a:fillRef idx="0">
+            <a:scrgbClr r="0" g="0" b="0"/>
+          </a:fillRef>
+          <a:effectRef idx="0">
+            <a:scrgbClr r="0" g="0" b="0"/>
+          </a:effectRef>
+          <a:fontRef idx="minor">
+            <a:schemeClr val="tx1"/>
+          </a:fontRef>
+        </p:style>
+      </p:cxnSp>
+      <p:cxnSp>
+        <p:nvCxnSpPr>
+          <p:cNvPr id="195" name="直接箭头连接符 194">
+            <a:extLst>
+              <a:ext uri="{FF2B5EF4-FFF2-40B4-BE49-F238E27FC236}">
+                <a16:creationId xmlns:a16="http://schemas.microsoft.com/office/drawing/2014/main" id="{7BE7DFEA-379D-4B16-8233-F34FD9A1C0AC}"/>
+              </a:ext>
+            </a:extLst>
+          </p:cNvPr>
+          <p:cNvCxnSpPr>
+            <a:cxnSpLocks/>
+            <a:stCxn id="182" idx="6"/>
+            <a:endCxn id="183" idx="2"/>
+          </p:cNvCxnSpPr>
+          <p:nvPr/>
+        </p:nvCxnSpPr>
+        <p:spPr>
+          <a:xfrm>
+            <a:off x="8766998" y="6012495"/>
+            <a:ext cx="387959" cy="12195"/>
+          </a:xfrm>
+          <a:prstGeom prst="straightConnector1">
+            <a:avLst/>
+          </a:prstGeom>
+          <a:ln w="19050" cap="flat" cmpd="sng" algn="ctr">
+            <a:solidFill>
+              <a:schemeClr val="accent6"/>
+            </a:solidFill>
+            <a:prstDash val="dash"/>
+            <a:round/>
+            <a:headEnd type="none" w="med" len="med"/>
+            <a:tailEnd type="arrow" w="med" len="med"/>
+          </a:ln>
+        </p:spPr>
+        <p:style>
+          <a:lnRef idx="0">
+            <a:scrgbClr r="0" g="0" b="0"/>
+          </a:lnRef>
+          <a:fillRef idx="0">
+            <a:scrgbClr r="0" g="0" b="0"/>
+          </a:fillRef>
+          <a:effectRef idx="0">
+            <a:scrgbClr r="0" g="0" b="0"/>
+          </a:effectRef>
+          <a:fontRef idx="minor">
+            <a:schemeClr val="tx1"/>
+          </a:fontRef>
+        </p:style>
+      </p:cxnSp>
+      <p:cxnSp>
+        <p:nvCxnSpPr>
+          <p:cNvPr id="199" name="直接箭头连接符 198">
+            <a:extLst>
+              <a:ext uri="{FF2B5EF4-FFF2-40B4-BE49-F238E27FC236}">
+                <a16:creationId xmlns:a16="http://schemas.microsoft.com/office/drawing/2014/main" id="{7BE7DFEA-379D-4B16-8233-F34FD9A1C0AC}"/>
+              </a:ext>
+            </a:extLst>
+          </p:cNvPr>
+          <p:cNvCxnSpPr>
+            <a:cxnSpLocks/>
+            <a:stCxn id="183" idx="6"/>
+            <a:endCxn id="184" idx="2"/>
+          </p:cNvCxnSpPr>
+          <p:nvPr/>
+        </p:nvCxnSpPr>
+        <p:spPr>
+          <a:xfrm>
+            <a:off x="10177985" y="6024690"/>
+            <a:ext cx="326722" cy="12195"/>
+          </a:xfrm>
+          <a:prstGeom prst="straightConnector1">
+            <a:avLst/>
+          </a:prstGeom>
+          <a:ln w="19050" cap="flat" cmpd="sng" algn="ctr">
+            <a:solidFill>
+              <a:schemeClr val="accent6"/>
+            </a:solidFill>
+            <a:prstDash val="dash"/>
+            <a:round/>
+            <a:headEnd type="none" w="med" len="med"/>
+            <a:tailEnd type="arrow" w="med" len="med"/>
+          </a:ln>
+        </p:spPr>
+        <p:style>
+          <a:lnRef idx="0">
+            <a:scrgbClr r="0" g="0" b="0"/>
+          </a:lnRef>
+          <a:fillRef idx="0">
+            <a:scrgbClr r="0" g="0" b="0"/>
+          </a:fillRef>
+          <a:effectRef idx="0">
+            <a:scrgbClr r="0" g="0" b="0"/>
+          </a:effectRef>
+          <a:fontRef idx="minor">
+            <a:schemeClr val="tx1"/>
+          </a:fontRef>
+        </p:style>
+      </p:cxnSp>
+      <p:cxnSp>
+        <p:nvCxnSpPr>
+          <p:cNvPr id="203" name="直接箭头连接符 202">
+            <a:extLst>
+              <a:ext uri="{FF2B5EF4-FFF2-40B4-BE49-F238E27FC236}">
+                <a16:creationId xmlns:a16="http://schemas.microsoft.com/office/drawing/2014/main" id="{7BE7DFEA-379D-4B16-8233-F34FD9A1C0AC}"/>
+              </a:ext>
+            </a:extLst>
+          </p:cNvPr>
+          <p:cNvCxnSpPr>
+            <a:cxnSpLocks/>
+            <a:stCxn id="184" idx="6"/>
+          </p:cNvCxnSpPr>
+          <p:nvPr/>
+        </p:nvCxnSpPr>
+        <p:spPr>
+          <a:xfrm flipV="1">
+            <a:off x="11527735" y="6032631"/>
+            <a:ext cx="619328" cy="4254"/>
+          </a:xfrm>
+          <a:prstGeom prst="straightConnector1">
+            <a:avLst/>
+          </a:prstGeom>
+          <a:ln w="19050" cap="flat" cmpd="sng" algn="ctr">
+            <a:solidFill>
+              <a:schemeClr val="accent6"/>
+            </a:solidFill>
+            <a:prstDash val="dash"/>
+            <a:round/>
+            <a:headEnd type="none" w="med" len="med"/>
+            <a:tailEnd type="arrow" w="med" len="med"/>
+          </a:ln>
+        </p:spPr>
+        <p:style>
+          <a:lnRef idx="0">
+            <a:scrgbClr r="0" g="0" b="0"/>
+          </a:lnRef>
+          <a:fillRef idx="0">
+            <a:scrgbClr r="0" g="0" b="0"/>
+          </a:fillRef>
+          <a:effectRef idx="0">
+            <a:scrgbClr r="0" g="0" b="0"/>
+          </a:effectRef>
+          <a:fontRef idx="minor">
+            <a:schemeClr val="tx1"/>
+          </a:fontRef>
+        </p:style>
+      </p:cxnSp>
+      <p:sp>
+        <p:nvSpPr>
+          <p:cNvPr id="208" name="文本框 207"/>
+          <p:cNvSpPr txBox="1"/>
+          <p:nvPr/>
+        </p:nvSpPr>
+        <p:spPr>
+          <a:xfrm>
+            <a:off x="6369187" y="5358168"/>
+            <a:ext cx="896318" cy="338554"/>
+          </a:xfrm>
+          <a:prstGeom prst="rect">
+            <a:avLst/>
+          </a:prstGeom>
+          <a:noFill/>
+        </p:spPr>
+        <p:txBody>
+          <a:bodyPr wrap="square" rtlCol="0">
+            <a:spAutoFit/>
+          </a:bodyPr>
+          <a:lstStyle/>
+          <a:p>
+            <a:r>
+              <a:rPr lang="en-US" altLang="zh-CN" sz="1600" dirty="0" smtClean="0">
+                <a:latin typeface="Times New Roman" panose="02020603050405020304" pitchFamily="18" charset="0"/>
+                <a:cs typeface="Times New Roman" panose="02020603050405020304" pitchFamily="18" charset="0"/>
+              </a:rPr>
+              <a:t>Runtime</a:t>
+            </a:r>
+            <a:endParaRPr lang="zh-CN" altLang="en-US" sz="1600" dirty="0">
+              <a:latin typeface="Times New Roman" panose="02020603050405020304" pitchFamily="18" charset="0"/>
+              <a:cs typeface="Times New Roman" panose="02020603050405020304" pitchFamily="18" charset="0"/>
+            </a:endParaRPr>
+          </a:p>
+        </p:txBody>
+      </p:sp>
+      <p:sp>
+        <p:nvSpPr>
+          <p:cNvPr id="209" name="文本框 208"/>
+          <p:cNvSpPr txBox="1"/>
+          <p:nvPr/>
+        </p:nvSpPr>
+        <p:spPr>
+          <a:xfrm>
+            <a:off x="5185691" y="5847965"/>
+            <a:ext cx="702373" cy="369332"/>
+          </a:xfrm>
+          <a:prstGeom prst="rect">
+            <a:avLst/>
+          </a:prstGeom>
+          <a:noFill/>
+        </p:spPr>
+        <p:txBody>
+          <a:bodyPr wrap="square" rtlCol="0">
+            <a:spAutoFit/>
+          </a:bodyPr>
+          <a:lstStyle/>
+          <a:p>
+            <a:r>
+              <a:rPr lang="en-US" altLang="zh-CN" dirty="0" smtClean="0">
+                <a:latin typeface="Times New Roman" panose="02020603050405020304" pitchFamily="18" charset="0"/>
+                <a:cs typeface="Times New Roman" panose="02020603050405020304" pitchFamily="18" charset="0"/>
+              </a:rPr>
+              <a:t>Flow</a:t>
+            </a:r>
+            <a:endParaRPr lang="zh-CN" altLang="en-US" dirty="0">
+              <a:latin typeface="Times New Roman" panose="02020603050405020304" pitchFamily="18" charset="0"/>
+              <a:cs typeface="Times New Roman" panose="02020603050405020304" pitchFamily="18" charset="0"/>
+            </a:endParaRPr>
+          </a:p>
+        </p:txBody>
+      </p:sp>
+      <p:sp>
+        <p:nvSpPr>
+          <p:cNvPr id="210" name="右箭头 209"/>
+          <p:cNvSpPr/>
+          <p:nvPr/>
+        </p:nvSpPr>
+        <p:spPr>
+          <a:xfrm rot="5400000">
+            <a:off x="2071908" y="1088979"/>
+            <a:ext cx="602033" cy="309316"/>
+          </a:xfrm>
+          <a:prstGeom prst="rightArrow">
+            <a:avLst/>
+          </a:prstGeom>
+        </p:spPr>
+        <p:style>
+          <a:lnRef idx="2">
+            <a:schemeClr val="accent4">
+              <a:shade val="50000"/>
+            </a:schemeClr>
+          </a:lnRef>
+          <a:fillRef idx="1">
+            <a:schemeClr val="accent4"/>
+          </a:fillRef>
+          <a:effectRef idx="0">
+            <a:schemeClr val="accent4"/>
+          </a:effectRef>
+          <a:fontRef idx="minor">
+            <a:schemeClr val="lt1"/>
+          </a:fontRef>
+        </p:style>
+        <p:txBody>
+          <a:bodyPr rtlCol="0" anchor="ctr"/>
+          <a:lstStyle/>
+          <a:p>
+            <a:pPr algn="ctr"/>
+            <a:endParaRPr lang="zh-CN" altLang="en-US"/>
+          </a:p>
+        </p:txBody>
+      </p:sp>
+      <p:sp>
+        <p:nvSpPr>
+          <p:cNvPr id="211" name="文本框 210"/>
+          <p:cNvSpPr txBox="1"/>
+          <p:nvPr/>
+        </p:nvSpPr>
+        <p:spPr>
+          <a:xfrm>
+            <a:off x="2527583" y="966838"/>
+            <a:ext cx="702373" cy="369332"/>
+          </a:xfrm>
+          <a:prstGeom prst="rect">
+            <a:avLst/>
+          </a:prstGeom>
+          <a:noFill/>
+        </p:spPr>
+        <p:txBody>
+          <a:bodyPr wrap="square" rtlCol="0">
+            <a:spAutoFit/>
+          </a:bodyPr>
+          <a:lstStyle/>
+          <a:p>
+            <a:r>
+              <a:rPr lang="en-US" altLang="zh-CN" dirty="0" smtClean="0">
+                <a:latin typeface="Times New Roman" panose="02020603050405020304" pitchFamily="18" charset="0"/>
+                <a:cs typeface="Times New Roman" panose="02020603050405020304" pitchFamily="18" charset="0"/>
+              </a:rPr>
+              <a:t>Place</a:t>
+            </a:r>
+            <a:endParaRPr lang="zh-CN" altLang="en-US" dirty="0">
+              <a:latin typeface="Times New Roman" panose="02020603050405020304" pitchFamily="18" charset="0"/>
+              <a:cs typeface="Times New Roman" panose="02020603050405020304" pitchFamily="18" charset="0"/>
+            </a:endParaRPr>
+          </a:p>
+        </p:txBody>
+      </p:sp>
+      <p:sp>
+        <p:nvSpPr>
+          <p:cNvPr id="212" name="右箭头 211"/>
+          <p:cNvSpPr/>
+          <p:nvPr/>
+        </p:nvSpPr>
+        <p:spPr>
+          <a:xfrm>
+            <a:off x="7651024" y="657930"/>
+            <a:ext cx="994007" cy="309316"/>
+          </a:xfrm>
+          <a:prstGeom prst="rightArrow">
+            <a:avLst/>
+          </a:prstGeom>
+        </p:spPr>
+        <p:style>
+          <a:lnRef idx="2">
+            <a:schemeClr val="accent4">
+              <a:shade val="50000"/>
+            </a:schemeClr>
+          </a:lnRef>
+          <a:fillRef idx="1">
+            <a:schemeClr val="accent4"/>
+          </a:fillRef>
+          <a:effectRef idx="0">
+            <a:schemeClr val="accent4"/>
+          </a:effectRef>
+          <a:fontRef idx="minor">
+            <a:schemeClr val="lt1"/>
+          </a:fontRef>
+        </p:style>
+        <p:txBody>
+          <a:bodyPr rtlCol="0" anchor="ctr"/>
+          <a:lstStyle/>
+          <a:p>
+            <a:pPr algn="ctr"/>
+            <a:endParaRPr lang="zh-CN" altLang="en-US"/>
+          </a:p>
+        </p:txBody>
+      </p:sp>
+      <p:sp>
+        <p:nvSpPr>
+          <p:cNvPr id="213" name="文本框 212"/>
+          <p:cNvSpPr txBox="1"/>
+          <p:nvPr/>
+        </p:nvSpPr>
+        <p:spPr>
+          <a:xfrm>
+            <a:off x="7783748" y="345344"/>
+            <a:ext cx="702373" cy="369332"/>
+          </a:xfrm>
+          <a:prstGeom prst="rect">
+            <a:avLst/>
+          </a:prstGeom>
+          <a:noFill/>
+        </p:spPr>
+        <p:txBody>
+          <a:bodyPr wrap="square" rtlCol="0">
+            <a:spAutoFit/>
+          </a:bodyPr>
+          <a:lstStyle/>
+          <a:p>
+            <a:r>
+              <a:rPr lang="en-US" altLang="zh-CN" dirty="0" smtClean="0">
+                <a:latin typeface="Times New Roman" panose="02020603050405020304" pitchFamily="18" charset="0"/>
+                <a:cs typeface="Times New Roman" panose="02020603050405020304" pitchFamily="18" charset="0"/>
+              </a:rPr>
+              <a:t>Input</a:t>
+            </a:r>
+            <a:endParaRPr lang="zh-CN" altLang="en-US" dirty="0">
+              <a:latin typeface="Times New Roman" panose="02020603050405020304" pitchFamily="18" charset="0"/>
+              <a:cs typeface="Times New Roman" panose="02020603050405020304" pitchFamily="18" charset="0"/>
+            </a:endParaRPr>
+          </a:p>
+        </p:txBody>
+      </p:sp>
+      <p:sp>
+        <p:nvSpPr>
+          <p:cNvPr id="214" name="右箭头 213"/>
+          <p:cNvSpPr/>
+          <p:nvPr/>
+        </p:nvSpPr>
+        <p:spPr>
+          <a:xfrm rot="5400000">
+            <a:off x="8384198" y="1554085"/>
+            <a:ext cx="602033" cy="309316"/>
+          </a:xfrm>
+          <a:prstGeom prst="rightArrow">
+            <a:avLst/>
+          </a:prstGeom>
+        </p:spPr>
+        <p:style>
+          <a:lnRef idx="2">
+            <a:schemeClr val="accent4">
+              <a:shade val="50000"/>
+            </a:schemeClr>
+          </a:lnRef>
+          <a:fillRef idx="1">
+            <a:schemeClr val="accent4"/>
+          </a:fillRef>
+          <a:effectRef idx="0">
+            <a:schemeClr val="accent4"/>
+          </a:effectRef>
+          <a:fontRef idx="minor">
+            <a:schemeClr val="lt1"/>
+          </a:fontRef>
+        </p:style>
+        <p:txBody>
+          <a:bodyPr rtlCol="0" anchor="ctr"/>
+          <a:lstStyle/>
+          <a:p>
+            <a:pPr algn="ctr"/>
+            <a:endParaRPr lang="zh-CN" altLang="en-US"/>
+          </a:p>
+        </p:txBody>
+      </p:sp>
+      <p:sp>
+        <p:nvSpPr>
+          <p:cNvPr id="215" name="文本框 214"/>
+          <p:cNvSpPr txBox="1"/>
+          <p:nvPr/>
+        </p:nvSpPr>
+        <p:spPr>
+          <a:xfrm>
+            <a:off x="7561730" y="1435468"/>
+            <a:ext cx="2731746" cy="369332"/>
+          </a:xfrm>
+          <a:prstGeom prst="rect">
+            <a:avLst/>
+          </a:prstGeom>
+          <a:noFill/>
+        </p:spPr>
+        <p:txBody>
+          <a:bodyPr wrap="square" rtlCol="0">
+            <a:spAutoFit/>
+          </a:bodyPr>
+          <a:lstStyle/>
+          <a:p>
+            <a:r>
+              <a:rPr lang="en-US" altLang="zh-CN" dirty="0" smtClean="0">
+                <a:latin typeface="Times New Roman" panose="02020603050405020304" pitchFamily="18" charset="0"/>
+                <a:cs typeface="Times New Roman" panose="02020603050405020304" pitchFamily="18" charset="0"/>
+              </a:rPr>
+              <a:t>Optimal parallel strategy</a:t>
+            </a:r>
+            <a:endParaRPr lang="zh-CN" altLang="en-US" dirty="0">
+              <a:latin typeface="Times New Roman" panose="02020603050405020304" pitchFamily="18" charset="0"/>
+              <a:cs typeface="Times New Roman" panose="02020603050405020304" pitchFamily="18" charset="0"/>
+            </a:endParaRPr>
+          </a:p>
+        </p:txBody>
+      </p:sp>
+      <p:sp>
+        <p:nvSpPr>
+          <p:cNvPr id="216" name="右箭头 215"/>
+          <p:cNvSpPr/>
+          <p:nvPr/>
+        </p:nvSpPr>
+        <p:spPr>
+          <a:xfrm rot="5400000">
+            <a:off x="8525323" y="4827853"/>
+            <a:ext cx="602033" cy="309316"/>
+          </a:xfrm>
+          <a:prstGeom prst="rightArrow">
+            <a:avLst/>
+          </a:prstGeom>
+        </p:spPr>
+        <p:style>
+          <a:lnRef idx="2">
+            <a:schemeClr val="accent4">
+              <a:shade val="50000"/>
+            </a:schemeClr>
+          </a:lnRef>
+          <a:fillRef idx="1">
+            <a:schemeClr val="accent4"/>
+          </a:fillRef>
+          <a:effectRef idx="0">
+            <a:schemeClr val="accent4"/>
+          </a:effectRef>
+          <a:fontRef idx="minor">
+            <a:schemeClr val="lt1"/>
+          </a:fontRef>
+        </p:style>
+        <p:txBody>
+          <a:bodyPr rtlCol="0" anchor="ctr"/>
+          <a:lstStyle/>
+          <a:p>
+            <a:pPr algn="ctr"/>
+            <a:endParaRPr lang="zh-CN" altLang="en-US"/>
+          </a:p>
+        </p:txBody>
+      </p:sp>
+      <p:sp>
+        <p:nvSpPr>
+          <p:cNvPr id="217" name="文本框 216"/>
+          <p:cNvSpPr txBox="1"/>
+          <p:nvPr/>
+        </p:nvSpPr>
+        <p:spPr>
+          <a:xfrm>
+            <a:off x="8081046" y="4725043"/>
+            <a:ext cx="1556737" cy="369332"/>
+          </a:xfrm>
+          <a:prstGeom prst="rect">
+            <a:avLst/>
+          </a:prstGeom>
+          <a:noFill/>
+        </p:spPr>
+        <p:txBody>
+          <a:bodyPr wrap="square" rtlCol="0">
+            <a:spAutoFit/>
+          </a:bodyPr>
+          <a:lstStyle/>
+          <a:p>
+            <a:r>
+              <a:rPr lang="en-US" altLang="zh-CN" dirty="0" smtClean="0">
+                <a:latin typeface="Times New Roman" panose="02020603050405020304" pitchFamily="18" charset="0"/>
+                <a:cs typeface="Times New Roman" panose="02020603050405020304" pitchFamily="18" charset="0"/>
+              </a:rPr>
+              <a:t>Configuration</a:t>
+            </a:r>
+            <a:endParaRPr lang="zh-CN" altLang="en-US" dirty="0">
+              <a:latin typeface="Times New Roman" panose="02020603050405020304" pitchFamily="18" charset="0"/>
+              <a:cs typeface="Times New Roman" panose="02020603050405020304" pitchFamily="18" charset="0"/>
+            </a:endParaRPr>
+          </a:p>
+        </p:txBody>
+      </p:sp>
+      <p:cxnSp>
+        <p:nvCxnSpPr>
+          <p:cNvPr id="3" name="直接连接符 2"/>
+          <p:cNvCxnSpPr/>
+          <p:nvPr/>
+        </p:nvCxnSpPr>
+        <p:spPr>
+          <a:xfrm flipH="1">
+            <a:off x="1074228" y="2143681"/>
+            <a:ext cx="22505" cy="2081176"/>
+          </a:xfrm>
+          <a:prstGeom prst="line">
+            <a:avLst/>
+          </a:prstGeom>
+          <a:ln w="19050"/>
+        </p:spPr>
+        <p:style>
+          <a:lnRef idx="1">
+            <a:schemeClr val="accent6"/>
+          </a:lnRef>
+          <a:fillRef idx="0">
+            <a:schemeClr val="accent6"/>
+          </a:fillRef>
+          <a:effectRef idx="0">
+            <a:schemeClr val="accent6"/>
+          </a:effectRef>
+          <a:fontRef idx="minor">
+            <a:schemeClr val="tx1"/>
+          </a:fontRef>
+        </p:style>
+      </p:cxnSp>
+      <p:cxnSp>
+        <p:nvCxnSpPr>
+          <p:cNvPr id="109" name="直接连接符 108"/>
+          <p:cNvCxnSpPr/>
+          <p:nvPr/>
+        </p:nvCxnSpPr>
+        <p:spPr>
+          <a:xfrm flipH="1">
+            <a:off x="1296908" y="3243183"/>
+            <a:ext cx="2117333" cy="529301"/>
+          </a:xfrm>
+          <a:prstGeom prst="line">
+            <a:avLst/>
+          </a:prstGeom>
+          <a:ln w="19050"/>
+        </p:spPr>
+        <p:style>
+          <a:lnRef idx="1">
+            <a:schemeClr val="accent6"/>
+          </a:lnRef>
+          <a:fillRef idx="0">
+            <a:schemeClr val="accent6"/>
+          </a:fillRef>
+          <a:effectRef idx="0">
+            <a:schemeClr val="accent6"/>
+          </a:effectRef>
+          <a:fontRef idx="minor">
+            <a:schemeClr val="tx1"/>
+          </a:fontRef>
+        </p:style>
+      </p:cxnSp>
+      <p:cxnSp>
+        <p:nvCxnSpPr>
+          <p:cNvPr id="118" name="直接连接符 117"/>
+          <p:cNvCxnSpPr/>
+          <p:nvPr/>
+        </p:nvCxnSpPr>
+        <p:spPr>
+          <a:xfrm>
+            <a:off x="3413907" y="3234666"/>
+            <a:ext cx="18332" cy="1029552"/>
+          </a:xfrm>
+          <a:prstGeom prst="line">
+            <a:avLst/>
+          </a:prstGeom>
+          <a:ln w="19050"/>
+        </p:spPr>
+        <p:style>
+          <a:lnRef idx="1">
+            <a:schemeClr val="accent6"/>
+          </a:lnRef>
+          <a:fillRef idx="0">
+            <a:schemeClr val="accent6"/>
+          </a:fillRef>
+          <a:effectRef idx="0">
+            <a:schemeClr val="accent6"/>
+          </a:effectRef>
+          <a:fontRef idx="minor">
+            <a:schemeClr val="tx1"/>
+          </a:fontRef>
+        </p:style>
+      </p:cxnSp>
+      <p:grpSp>
+        <p:nvGrpSpPr>
+          <p:cNvPr id="53" name="组合 52"/>
+          <p:cNvGrpSpPr/>
+          <p:nvPr/>
+        </p:nvGrpSpPr>
+        <p:grpSpPr>
+          <a:xfrm>
+            <a:off x="508765" y="4101286"/>
+            <a:ext cx="1278076" cy="1082917"/>
+            <a:chOff x="508765" y="4101286"/>
+            <a:chExt cx="1278076" cy="1082917"/>
+          </a:xfrm>
+        </p:grpSpPr>
+        <p:cxnSp>
+          <p:nvCxnSpPr>
+            <p:cNvPr id="92" name="直接连接符 91"/>
+            <p:cNvCxnSpPr/>
+            <p:nvPr/>
+          </p:nvCxnSpPr>
+          <p:spPr>
+            <a:xfrm flipH="1">
+              <a:off x="523306" y="4224857"/>
+              <a:ext cx="554435" cy="830276"/>
+            </a:xfrm>
+            <a:prstGeom prst="line">
+              <a:avLst/>
+            </a:prstGeom>
+            <a:ln w="19050"/>
+          </p:spPr>
+          <p:style>
+            <a:lnRef idx="1">
+              <a:schemeClr val="accent6"/>
+            </a:lnRef>
+            <a:fillRef idx="0">
+              <a:schemeClr val="accent6"/>
+            </a:fillRef>
+            <a:effectRef idx="0">
+              <a:schemeClr val="accent6"/>
+            </a:effectRef>
+            <a:fontRef idx="minor">
+              <a:schemeClr val="tx1"/>
+            </a:fontRef>
+          </p:style>
+        </p:cxnSp>
+        <p:cxnSp>
+          <p:nvCxnSpPr>
+            <p:cNvPr id="99" name="直接连接符 98"/>
+            <p:cNvCxnSpPr/>
+            <p:nvPr/>
+          </p:nvCxnSpPr>
+          <p:spPr>
+            <a:xfrm flipH="1">
+              <a:off x="584266" y="4331537"/>
+              <a:ext cx="554435" cy="830276"/>
+            </a:xfrm>
+            <a:prstGeom prst="line">
+              <a:avLst/>
+            </a:prstGeom>
+            <a:ln w="19050"/>
+          </p:spPr>
+          <p:style>
+            <a:lnRef idx="1">
+              <a:schemeClr val="accent6"/>
+            </a:lnRef>
+            <a:fillRef idx="0">
+              <a:schemeClr val="accent6"/>
+            </a:fillRef>
+            <a:effectRef idx="0">
+              <a:schemeClr val="accent6"/>
+            </a:effectRef>
+            <a:fontRef idx="minor">
+              <a:schemeClr val="tx1"/>
+            </a:fontRef>
+          </p:style>
+        </p:cxnSp>
+        <p:cxnSp>
+          <p:nvCxnSpPr>
+            <p:cNvPr id="100" name="直接连接符 99"/>
+            <p:cNvCxnSpPr/>
+            <p:nvPr/>
+          </p:nvCxnSpPr>
+          <p:spPr>
+            <a:xfrm>
+              <a:off x="1135134" y="4331537"/>
+              <a:ext cx="505158" cy="762838"/>
+            </a:xfrm>
+            <a:prstGeom prst="line">
+              <a:avLst/>
+            </a:prstGeom>
+            <a:ln w="19050"/>
+          </p:spPr>
+          <p:style>
+            <a:lnRef idx="1">
+              <a:schemeClr val="accent6"/>
+            </a:lnRef>
+            <a:fillRef idx="0">
+              <a:schemeClr val="accent6"/>
+            </a:fillRef>
+            <a:effectRef idx="0">
+              <a:schemeClr val="accent6"/>
+            </a:effectRef>
+            <a:fontRef idx="minor">
+              <a:schemeClr val="tx1"/>
+            </a:fontRef>
+          </p:style>
+        </p:cxnSp>
+        <p:cxnSp>
+          <p:nvCxnSpPr>
+            <p:cNvPr id="106" name="直接连接符 105"/>
+            <p:cNvCxnSpPr/>
+            <p:nvPr/>
+          </p:nvCxnSpPr>
+          <p:spPr>
+            <a:xfrm>
+              <a:off x="1160371" y="4101286"/>
+              <a:ext cx="614033" cy="944321"/>
+            </a:xfrm>
+            <a:prstGeom prst="line">
+              <a:avLst/>
+            </a:prstGeom>
+            <a:ln w="19050"/>
+          </p:spPr>
+          <p:style>
+            <a:lnRef idx="1">
+              <a:schemeClr val="accent6"/>
+            </a:lnRef>
+            <a:fillRef idx="0">
+              <a:schemeClr val="accent6"/>
+            </a:fillRef>
+            <a:effectRef idx="0">
+              <a:schemeClr val="accent6"/>
+            </a:effectRef>
+            <a:fontRef idx="minor">
+              <a:schemeClr val="tx1"/>
+            </a:fontRef>
+          </p:style>
+        </p:cxnSp>
+        <p:cxnSp>
+          <p:nvCxnSpPr>
+            <p:cNvPr id="120" name="直接连接符 119"/>
+            <p:cNvCxnSpPr/>
+            <p:nvPr/>
+          </p:nvCxnSpPr>
+          <p:spPr>
+            <a:xfrm>
+              <a:off x="508765" y="5055133"/>
+              <a:ext cx="72095" cy="129070"/>
+            </a:xfrm>
+            <a:prstGeom prst="line">
+              <a:avLst/>
+            </a:prstGeom>
+            <a:ln w="19050"/>
+          </p:spPr>
+          <p:style>
+            <a:lnRef idx="1">
+              <a:schemeClr val="accent6"/>
+            </a:lnRef>
+            <a:fillRef idx="0">
+              <a:schemeClr val="accent6"/>
+            </a:fillRef>
+            <a:effectRef idx="0">
+              <a:schemeClr val="accent6"/>
+            </a:effectRef>
+            <a:fontRef idx="minor">
+              <a:schemeClr val="tx1"/>
+            </a:fontRef>
+          </p:style>
+        </p:cxnSp>
+        <p:cxnSp>
+          <p:nvCxnSpPr>
+            <p:cNvPr id="129" name="直接连接符 128"/>
+            <p:cNvCxnSpPr/>
+            <p:nvPr/>
+          </p:nvCxnSpPr>
+          <p:spPr>
+            <a:xfrm flipH="1">
+              <a:off x="1643698" y="5045607"/>
+              <a:ext cx="143143" cy="48768"/>
+            </a:xfrm>
+            <a:prstGeom prst="line">
+              <a:avLst/>
+            </a:prstGeom>
+            <a:ln w="19050"/>
+          </p:spPr>
+          <p:style>
+            <a:lnRef idx="1">
+              <a:schemeClr val="accent6"/>
+            </a:lnRef>
+            <a:fillRef idx="0">
+              <a:schemeClr val="accent6"/>
+            </a:fillRef>
+            <a:effectRef idx="0">
+              <a:schemeClr val="accent6"/>
+            </a:effectRef>
+            <a:fontRef idx="minor">
+              <a:schemeClr val="tx1"/>
+            </a:fontRef>
+          </p:style>
+        </p:cxnSp>
+      </p:grpSp>
+      <p:grpSp>
+        <p:nvGrpSpPr>
+          <p:cNvPr id="130" name="组合 129"/>
+          <p:cNvGrpSpPr/>
+          <p:nvPr/>
+        </p:nvGrpSpPr>
+        <p:grpSpPr>
+          <a:xfrm>
+            <a:off x="2872724" y="4254005"/>
+            <a:ext cx="1273314" cy="946557"/>
+            <a:chOff x="513527" y="4215256"/>
+            <a:chExt cx="1273314" cy="946557"/>
+          </a:xfrm>
+        </p:grpSpPr>
+        <p:cxnSp>
+          <p:nvCxnSpPr>
+            <p:cNvPr id="131" name="直接连接符 130"/>
+            <p:cNvCxnSpPr/>
+            <p:nvPr/>
+          </p:nvCxnSpPr>
+          <p:spPr>
+            <a:xfrm flipH="1">
+              <a:off x="523306" y="4224857"/>
+              <a:ext cx="554435" cy="830276"/>
+            </a:xfrm>
+            <a:prstGeom prst="line">
+              <a:avLst/>
+            </a:prstGeom>
+            <a:ln w="19050"/>
+          </p:spPr>
+          <p:style>
+            <a:lnRef idx="1">
+              <a:schemeClr val="accent6"/>
+            </a:lnRef>
+            <a:fillRef idx="0">
+              <a:schemeClr val="accent6"/>
+            </a:fillRef>
+            <a:effectRef idx="0">
+              <a:schemeClr val="accent6"/>
+            </a:effectRef>
+            <a:fontRef idx="minor">
+              <a:schemeClr val="tx1"/>
+            </a:fontRef>
+          </p:style>
+        </p:cxnSp>
+        <p:cxnSp>
+          <p:nvCxnSpPr>
+            <p:cNvPr id="133" name="直接连接符 132"/>
+            <p:cNvCxnSpPr/>
+            <p:nvPr/>
+          </p:nvCxnSpPr>
+          <p:spPr>
+            <a:xfrm flipH="1">
+              <a:off x="584266" y="4331537"/>
+              <a:ext cx="554435" cy="830276"/>
+            </a:xfrm>
+            <a:prstGeom prst="line">
+              <a:avLst/>
+            </a:prstGeom>
+            <a:ln w="19050"/>
+          </p:spPr>
+          <p:style>
+            <a:lnRef idx="1">
+              <a:schemeClr val="accent6"/>
+            </a:lnRef>
+            <a:fillRef idx="0">
+              <a:schemeClr val="accent6"/>
+            </a:fillRef>
+            <a:effectRef idx="0">
+              <a:schemeClr val="accent6"/>
+            </a:effectRef>
+            <a:fontRef idx="minor">
+              <a:schemeClr val="tx1"/>
+            </a:fontRef>
+          </p:style>
+        </p:cxnSp>
+        <p:cxnSp>
+          <p:nvCxnSpPr>
+            <p:cNvPr id="134" name="直接连接符 133"/>
+            <p:cNvCxnSpPr/>
+            <p:nvPr/>
+          </p:nvCxnSpPr>
+          <p:spPr>
+            <a:xfrm>
+              <a:off x="1129670" y="4331537"/>
+              <a:ext cx="510622" cy="762838"/>
+            </a:xfrm>
+            <a:prstGeom prst="line">
+              <a:avLst/>
+            </a:prstGeom>
+            <a:ln w="19050"/>
+          </p:spPr>
+          <p:style>
+            <a:lnRef idx="1">
+              <a:schemeClr val="accent6"/>
+            </a:lnRef>
+            <a:fillRef idx="0">
+              <a:schemeClr val="accent6"/>
+            </a:fillRef>
+            <a:effectRef idx="0">
+              <a:schemeClr val="accent6"/>
+            </a:effectRef>
+            <a:fontRef idx="minor">
+              <a:schemeClr val="tx1"/>
+            </a:fontRef>
+          </p:style>
+        </p:cxnSp>
+        <p:cxnSp>
+          <p:nvCxnSpPr>
+            <p:cNvPr id="136" name="直接连接符 135"/>
+            <p:cNvCxnSpPr/>
+            <p:nvPr/>
+          </p:nvCxnSpPr>
+          <p:spPr>
+            <a:xfrm>
+              <a:off x="1230718" y="4215256"/>
+              <a:ext cx="543686" cy="830351"/>
+            </a:xfrm>
+            <a:prstGeom prst="line">
+              <a:avLst/>
+            </a:prstGeom>
+            <a:ln w="19050"/>
+          </p:spPr>
+          <p:style>
+            <a:lnRef idx="1">
+              <a:schemeClr val="accent6"/>
+            </a:lnRef>
+            <a:fillRef idx="0">
+              <a:schemeClr val="accent6"/>
+            </a:fillRef>
+            <a:effectRef idx="0">
+              <a:schemeClr val="accent6"/>
+            </a:effectRef>
+            <a:fontRef idx="minor">
+              <a:schemeClr val="tx1"/>
+            </a:fontRef>
+          </p:style>
+        </p:cxnSp>
+        <p:cxnSp>
+          <p:nvCxnSpPr>
+            <p:cNvPr id="137" name="直接连接符 136"/>
+            <p:cNvCxnSpPr/>
+            <p:nvPr/>
+          </p:nvCxnSpPr>
+          <p:spPr>
+            <a:xfrm>
+              <a:off x="513527" y="5055133"/>
+              <a:ext cx="70739" cy="106680"/>
+            </a:xfrm>
+            <a:prstGeom prst="line">
+              <a:avLst/>
+            </a:prstGeom>
+            <a:ln w="19050"/>
+          </p:spPr>
+          <p:style>
+            <a:lnRef idx="1">
+              <a:schemeClr val="accent6"/>
+            </a:lnRef>
+            <a:fillRef idx="0">
+              <a:schemeClr val="accent6"/>
+            </a:fillRef>
+            <a:effectRef idx="0">
+              <a:schemeClr val="accent6"/>
+            </a:effectRef>
+            <a:fontRef idx="minor">
+              <a:schemeClr val="tx1"/>
+            </a:fontRef>
+          </p:style>
+        </p:cxnSp>
+        <p:cxnSp>
+          <p:nvCxnSpPr>
+            <p:cNvPr id="138" name="直接连接符 137"/>
+            <p:cNvCxnSpPr/>
+            <p:nvPr/>
+          </p:nvCxnSpPr>
+          <p:spPr>
+            <a:xfrm flipH="1">
+              <a:off x="1643698" y="5045607"/>
+              <a:ext cx="143143" cy="48768"/>
+            </a:xfrm>
+            <a:prstGeom prst="line">
+              <a:avLst/>
+            </a:prstGeom>
+            <a:ln w="19050"/>
+          </p:spPr>
+          <p:style>
+            <a:lnRef idx="1">
+              <a:schemeClr val="accent6"/>
+            </a:lnRef>
+            <a:fillRef idx="0">
+              <a:schemeClr val="accent6"/>
+            </a:fillRef>
+            <a:effectRef idx="0">
+              <a:schemeClr val="accent6"/>
+            </a:effectRef>
+            <a:fontRef idx="minor">
+              <a:schemeClr val="tx1"/>
+            </a:fontRef>
+          </p:style>
+        </p:cxnSp>
+      </p:grpSp>
+      <p:cxnSp>
+        <p:nvCxnSpPr>
+          <p:cNvPr id="140" name="直接连接符 139"/>
+          <p:cNvCxnSpPr/>
+          <p:nvPr/>
+        </p:nvCxnSpPr>
+        <p:spPr>
+          <a:xfrm flipH="1">
+            <a:off x="1158631" y="3772484"/>
+            <a:ext cx="138275" cy="328802"/>
+          </a:xfrm>
+          <a:prstGeom prst="line">
+            <a:avLst/>
+          </a:prstGeom>
+          <a:ln w="19050"/>
+        </p:spPr>
+        <p:style>
+          <a:lnRef idx="1">
+            <a:schemeClr val="accent6"/>
+          </a:lnRef>
+          <a:fillRef idx="0">
+            <a:schemeClr val="accent6"/>
+          </a:fillRef>
+          <a:effectRef idx="0">
+            <a:schemeClr val="accent6"/>
+          </a:effectRef>
+          <a:fontRef idx="minor">
+            <a:schemeClr val="tx1"/>
+          </a:fontRef>
+        </p:style>
+      </p:cxnSp>
+      <p:cxnSp>
+        <p:nvCxnSpPr>
+          <p:cNvPr id="69" name="直接箭头连接符 68"/>
+          <p:cNvCxnSpPr/>
+          <p:nvPr/>
+        </p:nvCxnSpPr>
+        <p:spPr>
+          <a:xfrm flipH="1" flipV="1">
+            <a:off x="3580884" y="2155234"/>
+            <a:ext cx="9033" cy="2098772"/>
+          </a:xfrm>
+          <a:prstGeom prst="straightConnector1">
+            <a:avLst/>
+          </a:prstGeom>
+          <a:ln w="19050">
+            <a:tailEnd type="triangle"/>
+          </a:ln>
+        </p:spPr>
+        <p:style>
+          <a:lnRef idx="1">
+            <a:schemeClr val="accent6"/>
+          </a:lnRef>
+          <a:fillRef idx="0">
+            <a:schemeClr val="accent6"/>
+          </a:fillRef>
+          <a:effectRef idx="0">
+            <a:schemeClr val="accent6"/>
+          </a:effectRef>
+          <a:fontRef idx="minor">
+            <a:schemeClr val="tx1"/>
+          </a:fontRef>
+        </p:style>
+      </p:cxnSp>
+      <p:cxnSp>
+        <p:nvCxnSpPr>
+          <p:cNvPr id="79" name="直接箭头连接符 78"/>
+          <p:cNvCxnSpPr/>
+          <p:nvPr/>
+        </p:nvCxnSpPr>
+        <p:spPr>
+          <a:xfrm>
+            <a:off x="1092208" y="2155234"/>
+            <a:ext cx="0" cy="471080"/>
+          </a:xfrm>
+          <a:prstGeom prst="straightConnector1">
+            <a:avLst/>
+          </a:prstGeom>
+          <a:ln w="19050">
+            <a:tailEnd type="triangle"/>
+          </a:ln>
+        </p:spPr>
+        <p:style>
+          <a:lnRef idx="1">
+            <a:schemeClr val="accent6"/>
+          </a:lnRef>
+          <a:fillRef idx="0">
+            <a:schemeClr val="accent6"/>
+          </a:fillRef>
+          <a:effectRef idx="0">
+            <a:schemeClr val="accent6"/>
+          </a:effectRef>
+          <a:fontRef idx="minor">
+            <a:schemeClr val="tx1"/>
+          </a:fontRef>
+        </p:style>
+      </p:cxnSp>
+    </p:spTree>
+    <p:extLst>
+      <p:ext uri="{BB962C8B-B14F-4D97-AF65-F5344CB8AC3E}">
+        <p14:creationId xmlns:p14="http://schemas.microsoft.com/office/powerpoint/2010/main" val="2188608103"/>
       </p:ext>
     </p:extLst>
   </p:cSld>

--- a/docs/Figures.pptx
+++ b/docs/Figures.pptx
@@ -12,12 +12,13 @@
     <p:sldId id="265" r:id="rId6"/>
     <p:sldId id="263" r:id="rId7"/>
     <p:sldId id="266" r:id="rId8"/>
-    <p:sldId id="258" r:id="rId9"/>
-    <p:sldId id="259" r:id="rId10"/>
-    <p:sldId id="260" r:id="rId11"/>
-    <p:sldId id="267" r:id="rId12"/>
-    <p:sldId id="268" r:id="rId13"/>
-    <p:sldId id="269" r:id="rId14"/>
+    <p:sldId id="270" r:id="rId9"/>
+    <p:sldId id="258" r:id="rId10"/>
+    <p:sldId id="259" r:id="rId11"/>
+    <p:sldId id="260" r:id="rId12"/>
+    <p:sldId id="267" r:id="rId13"/>
+    <p:sldId id="268" r:id="rId14"/>
+    <p:sldId id="269" r:id="rId15"/>
   </p:sldIdLst>
   <p:sldSz cx="12192000" cy="6858000"/>
   <p:notesSz cx="6858000" cy="9144000"/>
@@ -3034,26 +3035,18 @@
       </p:grpSpPr>
       <p:sp>
         <p:nvSpPr>
-          <p:cNvPr id="4" name="矩形 3"/>
+          <p:cNvPr id="2" name="矩形 1"/>
           <p:cNvSpPr/>
           <p:nvPr/>
         </p:nvSpPr>
         <p:spPr>
           <a:xfrm>
-            <a:off x="1005838" y="814648"/>
-            <a:ext cx="2934393" cy="3308465"/>
+            <a:off x="1604356" y="2335876"/>
+            <a:ext cx="1354975" cy="789709"/>
           </a:xfrm>
           <a:prstGeom prst="rect">
             <a:avLst/>
           </a:prstGeom>
-          <a:solidFill>
-            <a:schemeClr val="bg1"/>
-          </a:solidFill>
-          <a:ln>
-            <a:solidFill>
-              <a:schemeClr val="tx1"/>
-            </a:solidFill>
-          </a:ln>
         </p:spPr>
         <p:style>
           <a:lnRef idx="2">
@@ -3076,19 +3069,23 @@
           <a:lstStyle/>
           <a:p>
             <a:pPr algn="ctr"/>
-            <a:endParaRPr lang="zh-CN" altLang="en-US"/>
+            <a:r>
+              <a:rPr lang="en-US" altLang="zh-CN" dirty="0"/>
+              <a:t>NF A (2ms)</a:t>
+            </a:r>
+            <a:endParaRPr lang="zh-CN" altLang="en-US" dirty="0"/>
           </a:p>
         </p:txBody>
       </p:sp>
       <p:sp>
         <p:nvSpPr>
-          <p:cNvPr id="2" name="矩形 1"/>
+          <p:cNvPr id="3" name="矩形 2"/>
           <p:cNvSpPr/>
           <p:nvPr/>
         </p:nvSpPr>
         <p:spPr>
           <a:xfrm>
-            <a:off x="1795549" y="1351400"/>
+            <a:off x="4308764" y="2335876"/>
             <a:ext cx="1354975" cy="789709"/>
           </a:xfrm>
           <a:prstGeom prst="rect">
@@ -3118,7 +3115,7 @@
             <a:pPr algn="ctr"/>
             <a:r>
               <a:rPr lang="en-US" altLang="zh-CN" dirty="0"/>
-              <a:t>NF A (2ms)</a:t>
+              <a:t>NF B (2ms)</a:t>
             </a:r>
             <a:endParaRPr lang="zh-CN" altLang="en-US" dirty="0"/>
           </a:p>
@@ -3126,13 +3123,13 @@
       </p:sp>
       <p:sp>
         <p:nvSpPr>
-          <p:cNvPr id="3" name="矩形 2"/>
+          <p:cNvPr id="4" name="矩形 3"/>
           <p:cNvSpPr/>
           <p:nvPr/>
         </p:nvSpPr>
         <p:spPr>
           <a:xfrm>
-            <a:off x="1795548" y="2709949"/>
+            <a:off x="7013172" y="2335875"/>
             <a:ext cx="1354975" cy="789709"/>
           </a:xfrm>
           <a:prstGeom prst="rect">
@@ -3162,69 +3159,61 @@
             <a:pPr algn="ctr"/>
             <a:r>
               <a:rPr lang="en-US" altLang="zh-CN" dirty="0"/>
-              <a:t>NF B (2ms)</a:t>
+              <a:t>NF C (1ms)</a:t>
             </a:r>
             <a:endParaRPr lang="zh-CN" altLang="en-US" dirty="0"/>
           </a:p>
         </p:txBody>
       </p:sp>
-      <p:sp>
-        <p:nvSpPr>
-          <p:cNvPr id="5" name="矩形 4"/>
-          <p:cNvSpPr/>
-          <p:nvPr/>
-        </p:nvSpPr>
+      <p:cxnSp>
+        <p:nvCxnSpPr>
+          <p:cNvPr id="6" name="直接箭头连接符 5"/>
+          <p:cNvCxnSpPr>
+            <a:stCxn id="2" idx="3"/>
+            <a:endCxn id="3" idx="1"/>
+          </p:cNvCxnSpPr>
+          <p:nvPr/>
+        </p:nvCxnSpPr>
         <p:spPr>
           <a:xfrm>
-            <a:off x="6200952" y="2074025"/>
-            <a:ext cx="1354975" cy="789709"/>
-          </a:xfrm>
-          <a:prstGeom prst="rect">
-            <a:avLst/>
-          </a:prstGeom>
+            <a:off x="2959331" y="2730731"/>
+            <a:ext cx="1349433" cy="0"/>
+          </a:xfrm>
+          <a:prstGeom prst="straightConnector1">
+            <a:avLst/>
+          </a:prstGeom>
+          <a:ln>
+            <a:tailEnd type="triangle"/>
+          </a:ln>
         </p:spPr>
         <p:style>
-          <a:lnRef idx="2">
-            <a:schemeClr val="accent1">
-              <a:shade val="50000"/>
-            </a:schemeClr>
+          <a:lnRef idx="1">
+            <a:schemeClr val="accent1"/>
           </a:lnRef>
-          <a:fillRef idx="1">
+          <a:fillRef idx="0">
             <a:schemeClr val="accent1"/>
           </a:fillRef>
           <a:effectRef idx="0">
             <a:schemeClr val="accent1"/>
           </a:effectRef>
           <a:fontRef idx="minor">
-            <a:schemeClr val="lt1"/>
+            <a:schemeClr val="tx1"/>
           </a:fontRef>
         </p:style>
-        <p:txBody>
-          <a:bodyPr rtlCol="0" anchor="ctr"/>
-          <a:lstStyle/>
-          <a:p>
-            <a:pPr algn="ctr"/>
-            <a:r>
-              <a:rPr lang="en-US" altLang="zh-CN" dirty="0"/>
-              <a:t>NF C (1ms)</a:t>
-            </a:r>
-            <a:endParaRPr lang="zh-CN" altLang="en-US" dirty="0"/>
-          </a:p>
-        </p:txBody>
-      </p:sp>
+      </p:cxnSp>
       <p:cxnSp>
         <p:nvCxnSpPr>
           <p:cNvPr id="7" name="直接箭头连接符 6"/>
           <p:cNvCxnSpPr>
-            <a:stCxn id="4" idx="3"/>
-            <a:endCxn id="5" idx="1"/>
+            <a:stCxn id="3" idx="3"/>
+            <a:endCxn id="4" idx="1"/>
           </p:cNvCxnSpPr>
           <p:nvPr/>
         </p:nvCxnSpPr>
         <p:spPr>
           <a:xfrm flipV="1">
-            <a:off x="3940231" y="2468880"/>
-            <a:ext cx="2260721" cy="1"/>
+            <a:off x="5663739" y="2730730"/>
+            <a:ext cx="1349433" cy="1"/>
           </a:xfrm>
           <a:prstGeom prst="straightConnector1">
             <a:avLst/>
@@ -3235,13 +3224,75 @@
         </p:spPr>
         <p:style>
           <a:lnRef idx="1">
-            <a:schemeClr val="dk1"/>
+            <a:schemeClr val="accent1"/>
           </a:lnRef>
           <a:fillRef idx="0">
-            <a:schemeClr val="dk1"/>
+            <a:schemeClr val="accent1"/>
           </a:fillRef>
           <a:effectRef idx="0">
-            <a:schemeClr val="dk1"/>
+            <a:schemeClr val="accent1"/>
+          </a:effectRef>
+          <a:fontRef idx="minor">
+            <a:schemeClr val="tx1"/>
+          </a:fontRef>
+        </p:style>
+      </p:cxnSp>
+      <p:cxnSp>
+        <p:nvCxnSpPr>
+          <p:cNvPr id="11" name="直接连接符 10"/>
+          <p:cNvCxnSpPr>
+            <a:stCxn id="2" idx="2"/>
+          </p:cNvCxnSpPr>
+          <p:nvPr/>
+        </p:nvCxnSpPr>
+        <p:spPr>
+          <a:xfrm>
+            <a:off x="2281844" y="3125585"/>
+            <a:ext cx="1167938" cy="482139"/>
+          </a:xfrm>
+          <a:prstGeom prst="line">
+            <a:avLst/>
+          </a:prstGeom>
+        </p:spPr>
+        <p:style>
+          <a:lnRef idx="1">
+            <a:schemeClr val="accent1"/>
+          </a:lnRef>
+          <a:fillRef idx="0">
+            <a:schemeClr val="accent1"/>
+          </a:fillRef>
+          <a:effectRef idx="0">
+            <a:schemeClr val="accent1"/>
+          </a:effectRef>
+          <a:fontRef idx="minor">
+            <a:schemeClr val="tx1"/>
+          </a:fontRef>
+        </p:style>
+      </p:cxnSp>
+      <p:cxnSp>
+        <p:nvCxnSpPr>
+          <p:cNvPr id="12" name="直接连接符 11"/>
+          <p:cNvCxnSpPr/>
+          <p:nvPr/>
+        </p:nvCxnSpPr>
+        <p:spPr>
+          <a:xfrm>
+            <a:off x="4986251" y="3125585"/>
+            <a:ext cx="1167938" cy="482139"/>
+          </a:xfrm>
+          <a:prstGeom prst="line">
+            <a:avLst/>
+          </a:prstGeom>
+        </p:spPr>
+        <p:style>
+          <a:lnRef idx="1">
+            <a:schemeClr val="accent1"/>
+          </a:lnRef>
+          <a:fillRef idx="0">
+            <a:schemeClr val="accent1"/>
+          </a:fillRef>
+          <a:effectRef idx="0">
+            <a:schemeClr val="accent1"/>
           </a:effectRef>
           <a:fontRef idx="minor">
             <a:schemeClr val="tx1"/>
@@ -3250,59 +3301,216 @@
       </p:cxnSp>
       <p:sp>
         <p:nvSpPr>
-          <p:cNvPr id="8" name="矩形 7">
-            <a:extLst>
-              <a:ext uri="{FF2B5EF4-FFF2-40B4-BE49-F238E27FC236}">
-                <a16:creationId xmlns:a16="http://schemas.microsoft.com/office/drawing/2014/main" id="{FDBDF632-7CA2-4A5F-9CE9-8065FB675F8F}"/>
-              </a:ext>
-            </a:extLst>
-          </p:cNvPr>
-          <p:cNvSpPr/>
+          <p:cNvPr id="16" name="文本框 15"/>
+          <p:cNvSpPr txBox="1"/>
           <p:nvPr/>
         </p:nvSpPr>
         <p:spPr>
           <a:xfrm>
-            <a:off x="5747660" y="4123113"/>
-            <a:ext cx="3871138" cy="2282939"/>
+            <a:off x="2902528" y="3545962"/>
+            <a:ext cx="1463040" cy="369332"/>
           </a:xfrm>
           <a:prstGeom prst="rect">
             <a:avLst/>
           </a:prstGeom>
           <a:noFill/>
-          <a:ln w="12700">
-            <a:prstDash val="solid"/>
-          </a:ln>
+        </p:spPr>
+        <p:txBody>
+          <a:bodyPr wrap="square" rtlCol="0">
+            <a:spAutoFit/>
+          </a:bodyPr>
+          <a:lstStyle/>
+          <a:p>
+            <a:r>
+              <a:rPr lang="en-US" altLang="zh-CN" dirty="0"/>
+              <a:t>Parallelizable</a:t>
+            </a:r>
+          </a:p>
+        </p:txBody>
+      </p:sp>
+      <p:cxnSp>
+        <p:nvCxnSpPr>
+          <p:cNvPr id="20" name="直接连接符 19"/>
+          <p:cNvCxnSpPr/>
+          <p:nvPr/>
+        </p:nvCxnSpPr>
+        <p:spPr>
+          <a:xfrm flipH="1">
+            <a:off x="3818314" y="3125585"/>
+            <a:ext cx="1167938" cy="482139"/>
+          </a:xfrm>
+          <a:prstGeom prst="line">
+            <a:avLst/>
+          </a:prstGeom>
         </p:spPr>
         <p:style>
-          <a:lnRef idx="2">
-            <a:schemeClr val="dk1"/>
+          <a:lnRef idx="1">
+            <a:schemeClr val="accent1"/>
           </a:lnRef>
-          <a:fillRef idx="1">
-            <a:schemeClr val="lt1"/>
+          <a:fillRef idx="0">
+            <a:schemeClr val="accent1"/>
           </a:fillRef>
           <a:effectRef idx="0">
-            <a:schemeClr val="dk1"/>
+            <a:schemeClr val="accent1"/>
           </a:effectRef>
           <a:fontRef idx="minor">
-            <a:schemeClr val="dk1"/>
+            <a:schemeClr val="tx1"/>
           </a:fontRef>
         </p:style>
+      </p:cxnSp>
+      <p:cxnSp>
+        <p:nvCxnSpPr>
+          <p:cNvPr id="21" name="直接连接符 20"/>
+          <p:cNvCxnSpPr/>
+          <p:nvPr/>
+        </p:nvCxnSpPr>
+        <p:spPr>
+          <a:xfrm flipH="1">
+            <a:off x="6522721" y="3123505"/>
+            <a:ext cx="1167938" cy="482139"/>
+          </a:xfrm>
+          <a:prstGeom prst="line">
+            <a:avLst/>
+          </a:prstGeom>
+        </p:spPr>
+        <p:style>
+          <a:lnRef idx="1">
+            <a:schemeClr val="accent1"/>
+          </a:lnRef>
+          <a:fillRef idx="0">
+            <a:schemeClr val="accent1"/>
+          </a:fillRef>
+          <a:effectRef idx="0">
+            <a:schemeClr val="accent1"/>
+          </a:effectRef>
+          <a:fontRef idx="minor">
+            <a:schemeClr val="tx1"/>
+          </a:fontRef>
+        </p:style>
+      </p:cxnSp>
+      <p:sp>
+        <p:nvSpPr>
+          <p:cNvPr id="22" name="文本框 21"/>
+          <p:cNvSpPr txBox="1"/>
+          <p:nvPr/>
+        </p:nvSpPr>
+        <p:spPr>
+          <a:xfrm>
+            <a:off x="5606935" y="3545962"/>
+            <a:ext cx="1463040" cy="369332"/>
+          </a:xfrm>
+          <a:prstGeom prst="rect">
+            <a:avLst/>
+          </a:prstGeom>
+          <a:noFill/>
+        </p:spPr>
         <p:txBody>
-          <a:bodyPr rtlCol="0" anchor="ctr"/>
+          <a:bodyPr wrap="square" rtlCol="0">
+            <a:spAutoFit/>
+          </a:bodyPr>
           <a:lstStyle/>
           <a:p>
-            <a:pPr algn="ctr"/>
-            <a:endParaRPr lang="zh-CN" altLang="en-US">
-              <a:latin typeface="Times New Roman" panose="02020603050405020304" pitchFamily="18" charset="0"/>
-              <a:cs typeface="Times New Roman" panose="02020603050405020304" pitchFamily="18" charset="0"/>
-            </a:endParaRPr>
+            <a:r>
+              <a:rPr lang="en-US" altLang="zh-CN" dirty="0"/>
+              <a:t>Parallelizable</a:t>
+            </a:r>
+          </a:p>
+        </p:txBody>
+      </p:sp>
+      <p:cxnSp>
+        <p:nvCxnSpPr>
+          <p:cNvPr id="23" name="直接连接符 22"/>
+          <p:cNvCxnSpPr/>
+          <p:nvPr/>
+        </p:nvCxnSpPr>
+        <p:spPr>
+          <a:xfrm flipH="1">
+            <a:off x="2281844" y="1506389"/>
+            <a:ext cx="2120439" cy="806334"/>
+          </a:xfrm>
+          <a:prstGeom prst="line">
+            <a:avLst/>
+          </a:prstGeom>
+        </p:spPr>
+        <p:style>
+          <a:lnRef idx="1">
+            <a:schemeClr val="accent1"/>
+          </a:lnRef>
+          <a:fillRef idx="0">
+            <a:schemeClr val="accent1"/>
+          </a:fillRef>
+          <a:effectRef idx="0">
+            <a:schemeClr val="accent1"/>
+          </a:effectRef>
+          <a:fontRef idx="minor">
+            <a:schemeClr val="tx1"/>
+          </a:fontRef>
+        </p:style>
+      </p:cxnSp>
+      <p:cxnSp>
+        <p:nvCxnSpPr>
+          <p:cNvPr id="28" name="直接连接符 27"/>
+          <p:cNvCxnSpPr/>
+          <p:nvPr/>
+        </p:nvCxnSpPr>
+        <p:spPr>
+          <a:xfrm flipH="1" flipV="1">
+            <a:off x="5570220" y="1506389"/>
+            <a:ext cx="2120439" cy="806334"/>
+          </a:xfrm>
+          <a:prstGeom prst="line">
+            <a:avLst/>
+          </a:prstGeom>
+        </p:spPr>
+        <p:style>
+          <a:lnRef idx="1">
+            <a:schemeClr val="accent1"/>
+          </a:lnRef>
+          <a:fillRef idx="0">
+            <a:schemeClr val="accent1"/>
+          </a:fillRef>
+          <a:effectRef idx="0">
+            <a:schemeClr val="accent1"/>
+          </a:effectRef>
+          <a:fontRef idx="minor">
+            <a:schemeClr val="tx1"/>
+          </a:fontRef>
+        </p:style>
+      </p:cxnSp>
+      <p:sp>
+        <p:nvSpPr>
+          <p:cNvPr id="30" name="文本框 29"/>
+          <p:cNvSpPr txBox="1"/>
+          <p:nvPr/>
+        </p:nvSpPr>
+        <p:spPr>
+          <a:xfrm>
+            <a:off x="4108565" y="1198819"/>
+            <a:ext cx="1755371" cy="369332"/>
+          </a:xfrm>
+          <a:prstGeom prst="rect">
+            <a:avLst/>
+          </a:prstGeom>
+          <a:noFill/>
+        </p:spPr>
+        <p:txBody>
+          <a:bodyPr wrap="square" rtlCol="0">
+            <a:spAutoFit/>
+          </a:bodyPr>
+          <a:lstStyle/>
+          <a:p>
+            <a:r>
+              <a:rPr lang="en-US" altLang="zh-CN" dirty="0" err="1"/>
+              <a:t>Unparallelizable</a:t>
+            </a:r>
+            <a:endParaRPr lang="en-US" altLang="zh-CN" dirty="0"/>
           </a:p>
         </p:txBody>
       </p:sp>
     </p:spTree>
     <p:extLst>
       <p:ext uri="{BB962C8B-B14F-4D97-AF65-F5344CB8AC3E}">
-        <p14:creationId xmlns:p14="http://schemas.microsoft.com/office/powerpoint/2010/main" val="1535183959"/>
+        <p14:creationId xmlns:p14="http://schemas.microsoft.com/office/powerpoint/2010/main" val="1609978852"/>
       </p:ext>
     </p:extLst>
   </p:cSld>
@@ -3331,85 +3539,38 @@
       </p:grpSpPr>
       <p:sp>
         <p:nvSpPr>
-          <p:cNvPr id="110" name="文本框 109"/>
-          <p:cNvSpPr txBox="1"/>
+          <p:cNvPr id="4" name="矩形 3"/>
+          <p:cNvSpPr/>
           <p:nvPr/>
         </p:nvSpPr>
         <p:spPr>
           <a:xfrm>
-            <a:off x="7936249" y="3765428"/>
-            <a:ext cx="1876993" cy="523220"/>
+            <a:off x="1005838" y="814648"/>
+            <a:ext cx="2934393" cy="3308465"/>
           </a:xfrm>
           <a:prstGeom prst="rect">
             <a:avLst/>
           </a:prstGeom>
-          <a:noFill/>
-        </p:spPr>
-        <p:txBody>
-          <a:bodyPr wrap="square" rtlCol="0">
-            <a:spAutoFit/>
-          </a:bodyPr>
-          <a:lstStyle/>
-          <a:p>
-            <a:r>
-              <a:rPr lang="en-US" altLang="zh-CN" sz="1400" dirty="0" smtClean="0">
-                <a:latin typeface="Times New Roman" panose="02020603050405020304" pitchFamily="18" charset="0"/>
-                <a:cs typeface="Times New Roman" panose="02020603050405020304" pitchFamily="18" charset="0"/>
-              </a:rPr>
-              <a:t>Obtain optimal solution </a:t>
-            </a:r>
-          </a:p>
-          <a:p>
-            <a:r>
-              <a:rPr lang="en-US" altLang="zh-CN" sz="1400" dirty="0" smtClean="0">
-                <a:latin typeface="Times New Roman" panose="02020603050405020304" pitchFamily="18" charset="0"/>
-                <a:cs typeface="Times New Roman" panose="02020603050405020304" pitchFamily="18" charset="0"/>
-              </a:rPr>
-              <a:t>by traversing</a:t>
-            </a:r>
-            <a:endParaRPr lang="zh-CN" altLang="en-US" sz="1400" dirty="0">
-              <a:latin typeface="Times New Roman" panose="02020603050405020304" pitchFamily="18" charset="0"/>
-              <a:cs typeface="Times New Roman" panose="02020603050405020304" pitchFamily="18" charset="0"/>
-            </a:endParaRPr>
-          </a:p>
-        </p:txBody>
-      </p:sp>
-      <p:sp>
-        <p:nvSpPr>
-          <p:cNvPr id="88" name="矩形 87"/>
-          <p:cNvSpPr/>
-          <p:nvPr/>
-        </p:nvSpPr>
-        <p:spPr>
-          <a:xfrm>
-            <a:off x="6742317" y="4457154"/>
-            <a:ext cx="1002735" cy="1917950"/>
-          </a:xfrm>
-          <a:prstGeom prst="rect">
-            <a:avLst/>
-          </a:prstGeom>
           <a:solidFill>
-            <a:schemeClr val="bg1">
-              <a:lumMod val="85000"/>
-            </a:schemeClr>
+            <a:schemeClr val="bg1"/>
           </a:solidFill>
           <a:ln>
             <a:solidFill>
-              <a:schemeClr val="bg2"/>
+              <a:schemeClr val="tx1"/>
             </a:solidFill>
           </a:ln>
         </p:spPr>
         <p:style>
           <a:lnRef idx="2">
-            <a:schemeClr val="accent3">
+            <a:schemeClr val="accent1">
               <a:shade val="50000"/>
             </a:schemeClr>
           </a:lnRef>
           <a:fillRef idx="1">
-            <a:schemeClr val="accent3"/>
+            <a:schemeClr val="accent1"/>
           </a:fillRef>
           <a:effectRef idx="0">
-            <a:schemeClr val="accent3"/>
+            <a:schemeClr val="accent1"/>
           </a:effectRef>
           <a:fontRef idx="minor">
             <a:schemeClr val="lt1"/>
@@ -3426,40 +3587,30 @@
       </p:sp>
       <p:sp>
         <p:nvSpPr>
-          <p:cNvPr id="87" name="矩形 86"/>
+          <p:cNvPr id="2" name="矩形 1"/>
           <p:cNvSpPr/>
           <p:nvPr/>
         </p:nvSpPr>
         <p:spPr>
           <a:xfrm>
-            <a:off x="5784008" y="1538913"/>
-            <a:ext cx="1002735" cy="1917950"/>
+            <a:off x="1795549" y="1351400"/>
+            <a:ext cx="1354975" cy="789709"/>
           </a:xfrm>
           <a:prstGeom prst="rect">
             <a:avLst/>
           </a:prstGeom>
-          <a:solidFill>
-            <a:schemeClr val="bg1">
-              <a:lumMod val="85000"/>
-            </a:schemeClr>
-          </a:solidFill>
-          <a:ln>
-            <a:solidFill>
-              <a:schemeClr val="bg2"/>
-            </a:solidFill>
-          </a:ln>
         </p:spPr>
         <p:style>
           <a:lnRef idx="2">
-            <a:schemeClr val="accent3">
+            <a:schemeClr val="accent1">
               <a:shade val="50000"/>
             </a:schemeClr>
           </a:lnRef>
           <a:fillRef idx="1">
-            <a:schemeClr val="accent3"/>
+            <a:schemeClr val="accent1"/>
           </a:fillRef>
           <a:effectRef idx="0">
-            <a:schemeClr val="accent3"/>
+            <a:schemeClr val="accent1"/>
           </a:effectRef>
           <a:fontRef idx="minor">
             <a:schemeClr val="lt1"/>
@@ -3470,1405 +3621,40 @@
           <a:lstStyle/>
           <a:p>
             <a:pPr algn="ctr"/>
-            <a:endParaRPr lang="zh-CN" altLang="en-US"/>
+            <a:r>
+              <a:rPr lang="en-US" altLang="zh-CN" dirty="0"/>
+              <a:t>NF A (2ms)</a:t>
+            </a:r>
+            <a:endParaRPr lang="zh-CN" altLang="en-US" dirty="0"/>
           </a:p>
         </p:txBody>
       </p:sp>
-      <p:cxnSp>
-        <p:nvCxnSpPr>
-          <p:cNvPr id="20" name="直接箭头连接符 19"/>
-          <p:cNvCxnSpPr>
-            <a:stCxn id="41" idx="3"/>
-            <a:endCxn id="42" idx="1"/>
-          </p:cNvCxnSpPr>
-          <p:nvPr/>
-        </p:nvCxnSpPr>
-        <p:spPr>
-          <a:xfrm>
-            <a:off x="1298982" y="4044375"/>
-            <a:ext cx="564898" cy="0"/>
-          </a:xfrm>
-          <a:prstGeom prst="straightConnector1">
-            <a:avLst/>
-          </a:prstGeom>
-          <a:ln>
-            <a:tailEnd type="triangle"/>
-          </a:ln>
-        </p:spPr>
-        <p:style>
-          <a:lnRef idx="1">
-            <a:schemeClr val="accent2"/>
-          </a:lnRef>
-          <a:fillRef idx="0">
-            <a:schemeClr val="accent2"/>
-          </a:fillRef>
-          <a:effectRef idx="0">
-            <a:schemeClr val="accent2"/>
-          </a:effectRef>
-          <a:fontRef idx="minor">
-            <a:schemeClr val="tx1"/>
-          </a:fontRef>
-        </p:style>
-      </p:cxnSp>
       <p:sp>
         <p:nvSpPr>
-          <p:cNvPr id="37" name="左中括号 36"/>
+          <p:cNvPr id="3" name="矩形 2"/>
           <p:cNvSpPr/>
           <p:nvPr/>
         </p:nvSpPr>
         <p:spPr>
           <a:xfrm>
-            <a:off x="5361052" y="2544023"/>
-            <a:ext cx="298764" cy="2987644"/>
-          </a:xfrm>
-          <a:prstGeom prst="leftBracket">
-            <a:avLst/>
-          </a:prstGeom>
-          <a:ln w="38100"/>
-        </p:spPr>
-        <p:style>
-          <a:lnRef idx="1">
-            <a:schemeClr val="dk1"/>
-          </a:lnRef>
-          <a:fillRef idx="0">
-            <a:schemeClr val="dk1"/>
-          </a:fillRef>
-          <a:effectRef idx="0">
-            <a:schemeClr val="dk1"/>
-          </a:effectRef>
-          <a:fontRef idx="minor">
-            <a:schemeClr val="tx1"/>
-          </a:fontRef>
-        </p:style>
-        <p:txBody>
-          <a:bodyPr rtlCol="0" anchor="ctr"/>
-          <a:lstStyle/>
-          <a:p>
-            <a:pPr algn="ctr"/>
-            <a:endParaRPr lang="zh-CN" altLang="en-US"/>
-          </a:p>
-        </p:txBody>
-      </p:sp>
-      <p:cxnSp>
-        <p:nvCxnSpPr>
-          <p:cNvPr id="39" name="直接箭头连接符 38"/>
-          <p:cNvCxnSpPr/>
-          <p:nvPr/>
-        </p:nvCxnSpPr>
-        <p:spPr>
-          <a:xfrm>
-            <a:off x="3739081" y="4044375"/>
-            <a:ext cx="1621971" cy="6529"/>
-          </a:xfrm>
-          <a:prstGeom prst="straightConnector1">
-            <a:avLst/>
-          </a:prstGeom>
-          <a:ln w="38100">
-            <a:tailEnd type="arrow"/>
-          </a:ln>
-        </p:spPr>
-        <p:style>
-          <a:lnRef idx="1">
-            <a:schemeClr val="dk1"/>
-          </a:lnRef>
-          <a:fillRef idx="0">
-            <a:schemeClr val="dk1"/>
-          </a:fillRef>
-          <a:effectRef idx="0">
-            <a:schemeClr val="dk1"/>
-          </a:effectRef>
-          <a:fontRef idx="minor">
-            <a:schemeClr val="tx1"/>
-          </a:fontRef>
-        </p:style>
-      </p:cxnSp>
-      <p:grpSp>
-        <p:nvGrpSpPr>
-          <p:cNvPr id="46" name="组合 45"/>
-          <p:cNvGrpSpPr/>
-          <p:nvPr/>
-        </p:nvGrpSpPr>
-        <p:grpSpPr>
-          <a:xfrm>
-            <a:off x="722982" y="3756375"/>
-            <a:ext cx="576000" cy="576000"/>
-            <a:chOff x="722982" y="3756375"/>
-            <a:chExt cx="576000" cy="576000"/>
-          </a:xfrm>
-        </p:grpSpPr>
-        <p:sp>
-          <p:nvSpPr>
-            <p:cNvPr id="13" name="矩形 12"/>
-            <p:cNvSpPr/>
-            <p:nvPr/>
-          </p:nvSpPr>
-          <p:spPr>
-            <a:xfrm>
-              <a:off x="722982" y="3756375"/>
-              <a:ext cx="288000" cy="576000"/>
-            </a:xfrm>
-            <a:prstGeom prst="rect">
-              <a:avLst/>
-            </a:prstGeom>
-            <a:solidFill>
-              <a:schemeClr val="accent4">
-                <a:lumMod val="60000"/>
-                <a:lumOff val="40000"/>
-              </a:schemeClr>
-            </a:solidFill>
-            <a:ln>
-              <a:noFill/>
-            </a:ln>
-          </p:spPr>
-          <p:style>
-            <a:lnRef idx="2">
-              <a:schemeClr val="accent6">
-                <a:shade val="50000"/>
-              </a:schemeClr>
-            </a:lnRef>
-            <a:fillRef idx="1">
-              <a:schemeClr val="accent6"/>
-            </a:fillRef>
-            <a:effectRef idx="0">
-              <a:schemeClr val="accent6"/>
-            </a:effectRef>
-            <a:fontRef idx="minor">
-              <a:schemeClr val="lt1"/>
-            </a:fontRef>
-          </p:style>
-          <p:txBody>
-            <a:bodyPr rtlCol="0" anchor="ctr"/>
-            <a:lstStyle/>
-            <a:p>
-              <a:pPr algn="ctr"/>
-              <a:endParaRPr lang="zh-CN" altLang="en-US" sz="1600" dirty="0">
-                <a:latin typeface="Times New Roman" panose="02020603050405020304" pitchFamily="18" charset="0"/>
-                <a:cs typeface="Times New Roman" panose="02020603050405020304" pitchFamily="18" charset="0"/>
-              </a:endParaRPr>
-            </a:p>
-          </p:txBody>
-        </p:sp>
-        <p:sp>
-          <p:nvSpPr>
-            <p:cNvPr id="41" name="矩形 40"/>
-            <p:cNvSpPr/>
-            <p:nvPr/>
-          </p:nvSpPr>
-          <p:spPr>
-            <a:xfrm>
-              <a:off x="1010982" y="3756375"/>
-              <a:ext cx="288000" cy="576000"/>
-            </a:xfrm>
-            <a:prstGeom prst="rect">
-              <a:avLst/>
-            </a:prstGeom>
-            <a:solidFill>
-              <a:schemeClr val="accent4">
-                <a:lumMod val="60000"/>
-                <a:lumOff val="40000"/>
-              </a:schemeClr>
-            </a:solidFill>
-            <a:ln>
-              <a:noFill/>
-            </a:ln>
-          </p:spPr>
-          <p:style>
-            <a:lnRef idx="2">
-              <a:schemeClr val="accent6">
-                <a:shade val="50000"/>
-              </a:schemeClr>
-            </a:lnRef>
-            <a:fillRef idx="1">
-              <a:schemeClr val="accent6"/>
-            </a:fillRef>
-            <a:effectRef idx="0">
-              <a:schemeClr val="accent6"/>
-            </a:effectRef>
-            <a:fontRef idx="minor">
-              <a:schemeClr val="lt1"/>
-            </a:fontRef>
-          </p:style>
-          <p:txBody>
-            <a:bodyPr rtlCol="0" anchor="ctr"/>
-            <a:lstStyle/>
-            <a:p>
-              <a:pPr algn="ctr"/>
-              <a:endParaRPr lang="zh-CN" altLang="en-US" sz="1200" dirty="0">
-                <a:latin typeface="Times New Roman" panose="02020603050405020304" pitchFamily="18" charset="0"/>
-                <a:cs typeface="Times New Roman" panose="02020603050405020304" pitchFamily="18" charset="0"/>
-              </a:endParaRPr>
-            </a:p>
-          </p:txBody>
-        </p:sp>
-      </p:grpSp>
-      <p:grpSp>
-        <p:nvGrpSpPr>
-          <p:cNvPr id="47" name="组合 46"/>
-          <p:cNvGrpSpPr/>
-          <p:nvPr/>
-        </p:nvGrpSpPr>
-        <p:grpSpPr>
-          <a:xfrm>
-            <a:off x="1863880" y="3756375"/>
-            <a:ext cx="576000" cy="576000"/>
-            <a:chOff x="1899933" y="3756375"/>
-            <a:chExt cx="576000" cy="576000"/>
-          </a:xfrm>
-        </p:grpSpPr>
-        <p:sp>
-          <p:nvSpPr>
-            <p:cNvPr id="42" name="矩形 41"/>
-            <p:cNvSpPr/>
-            <p:nvPr/>
-          </p:nvSpPr>
-          <p:spPr>
-            <a:xfrm>
-              <a:off x="1899933" y="3756375"/>
-              <a:ext cx="288000" cy="576000"/>
-            </a:xfrm>
-            <a:prstGeom prst="rect">
-              <a:avLst/>
-            </a:prstGeom>
-            <a:solidFill>
-              <a:schemeClr val="accent4">
-                <a:lumMod val="60000"/>
-                <a:lumOff val="40000"/>
-              </a:schemeClr>
-            </a:solidFill>
-            <a:ln>
-              <a:noFill/>
-            </a:ln>
-          </p:spPr>
-          <p:style>
-            <a:lnRef idx="2">
-              <a:schemeClr val="accent6">
-                <a:shade val="50000"/>
-              </a:schemeClr>
-            </a:lnRef>
-            <a:fillRef idx="1">
-              <a:schemeClr val="accent6"/>
-            </a:fillRef>
-            <a:effectRef idx="0">
-              <a:schemeClr val="accent6"/>
-            </a:effectRef>
-            <a:fontRef idx="minor">
-              <a:schemeClr val="lt1"/>
-            </a:fontRef>
-          </p:style>
-          <p:txBody>
-            <a:bodyPr rtlCol="0" anchor="ctr"/>
-            <a:lstStyle/>
-            <a:p>
-              <a:pPr algn="ctr"/>
-              <a:endParaRPr lang="zh-CN" altLang="en-US" sz="1600" dirty="0">
-                <a:latin typeface="Times New Roman" panose="02020603050405020304" pitchFamily="18" charset="0"/>
-                <a:cs typeface="Times New Roman" panose="02020603050405020304" pitchFamily="18" charset="0"/>
-              </a:endParaRPr>
-            </a:p>
-          </p:txBody>
-        </p:sp>
-        <p:sp>
-          <p:nvSpPr>
-            <p:cNvPr id="43" name="矩形 42"/>
-            <p:cNvSpPr/>
-            <p:nvPr/>
-          </p:nvSpPr>
-          <p:spPr>
-            <a:xfrm>
-              <a:off x="2187933" y="3756375"/>
-              <a:ext cx="288000" cy="576000"/>
-            </a:xfrm>
-            <a:prstGeom prst="rect">
-              <a:avLst/>
-            </a:prstGeom>
-            <a:solidFill>
-              <a:schemeClr val="accent5">
-                <a:lumMod val="60000"/>
-                <a:lumOff val="40000"/>
-              </a:schemeClr>
-            </a:solidFill>
-            <a:ln>
-              <a:noFill/>
-            </a:ln>
-          </p:spPr>
-          <p:style>
-            <a:lnRef idx="2">
-              <a:schemeClr val="accent6">
-                <a:shade val="50000"/>
-              </a:schemeClr>
-            </a:lnRef>
-            <a:fillRef idx="1">
-              <a:schemeClr val="accent6"/>
-            </a:fillRef>
-            <a:effectRef idx="0">
-              <a:schemeClr val="accent6"/>
-            </a:effectRef>
-            <a:fontRef idx="minor">
-              <a:schemeClr val="lt1"/>
-            </a:fontRef>
-          </p:style>
-          <p:txBody>
-            <a:bodyPr rtlCol="0" anchor="ctr"/>
-            <a:lstStyle/>
-            <a:p>
-              <a:pPr algn="ctr"/>
-              <a:endParaRPr lang="zh-CN" altLang="en-US" sz="1600" dirty="0">
-                <a:latin typeface="Times New Roman" panose="02020603050405020304" pitchFamily="18" charset="0"/>
-                <a:cs typeface="Times New Roman" panose="02020603050405020304" pitchFamily="18" charset="0"/>
-              </a:endParaRPr>
-            </a:p>
-          </p:txBody>
-        </p:sp>
-      </p:grpSp>
-      <p:grpSp>
-        <p:nvGrpSpPr>
-          <p:cNvPr id="48" name="组合 47"/>
-          <p:cNvGrpSpPr/>
-          <p:nvPr/>
-        </p:nvGrpSpPr>
-        <p:grpSpPr>
-          <a:xfrm>
-            <a:off x="3004779" y="3756375"/>
-            <a:ext cx="576000" cy="576000"/>
-            <a:chOff x="3004779" y="3756375"/>
-            <a:chExt cx="576000" cy="576000"/>
-          </a:xfrm>
-        </p:grpSpPr>
-        <p:sp>
-          <p:nvSpPr>
-            <p:cNvPr id="44" name="矩形 43"/>
-            <p:cNvSpPr/>
-            <p:nvPr/>
-          </p:nvSpPr>
-          <p:spPr>
-            <a:xfrm>
-              <a:off x="3004779" y="3756375"/>
-              <a:ext cx="288000" cy="576000"/>
-            </a:xfrm>
-            <a:prstGeom prst="rect">
-              <a:avLst/>
-            </a:prstGeom>
-            <a:solidFill>
-              <a:schemeClr val="accent5">
-                <a:lumMod val="60000"/>
-                <a:lumOff val="40000"/>
-              </a:schemeClr>
-            </a:solidFill>
-            <a:ln>
-              <a:noFill/>
-            </a:ln>
-          </p:spPr>
-          <p:style>
-            <a:lnRef idx="2">
-              <a:schemeClr val="accent6">
-                <a:shade val="50000"/>
-              </a:schemeClr>
-            </a:lnRef>
-            <a:fillRef idx="1">
-              <a:schemeClr val="accent6"/>
-            </a:fillRef>
-            <a:effectRef idx="0">
-              <a:schemeClr val="accent6"/>
-            </a:effectRef>
-            <a:fontRef idx="minor">
-              <a:schemeClr val="lt1"/>
-            </a:fontRef>
-          </p:style>
-          <p:txBody>
-            <a:bodyPr rtlCol="0" anchor="ctr"/>
-            <a:lstStyle/>
-            <a:p>
-              <a:pPr algn="ctr"/>
-              <a:endParaRPr lang="zh-CN" altLang="en-US" sz="1600" dirty="0">
-                <a:latin typeface="Times New Roman" panose="02020603050405020304" pitchFamily="18" charset="0"/>
-                <a:cs typeface="Times New Roman" panose="02020603050405020304" pitchFamily="18" charset="0"/>
-              </a:endParaRPr>
-            </a:p>
-          </p:txBody>
-        </p:sp>
-        <p:sp>
-          <p:nvSpPr>
-            <p:cNvPr id="45" name="矩形 44"/>
-            <p:cNvSpPr/>
-            <p:nvPr/>
-          </p:nvSpPr>
-          <p:spPr>
-            <a:xfrm>
-              <a:off x="3292779" y="3756375"/>
-              <a:ext cx="288000" cy="576000"/>
-            </a:xfrm>
-            <a:prstGeom prst="rect">
-              <a:avLst/>
-            </a:prstGeom>
-            <a:solidFill>
-              <a:schemeClr val="accent5">
-                <a:lumMod val="60000"/>
-                <a:lumOff val="40000"/>
-              </a:schemeClr>
-            </a:solidFill>
-            <a:ln>
-              <a:noFill/>
-            </a:ln>
-          </p:spPr>
-          <p:style>
-            <a:lnRef idx="2">
-              <a:schemeClr val="accent6">
-                <a:shade val="50000"/>
-              </a:schemeClr>
-            </a:lnRef>
-            <a:fillRef idx="1">
-              <a:schemeClr val="accent6"/>
-            </a:fillRef>
-            <a:effectRef idx="0">
-              <a:schemeClr val="accent6"/>
-            </a:effectRef>
-            <a:fontRef idx="minor">
-              <a:schemeClr val="lt1"/>
-            </a:fontRef>
-          </p:style>
-          <p:txBody>
-            <a:bodyPr rtlCol="0" anchor="ctr"/>
-            <a:lstStyle/>
-            <a:p>
-              <a:pPr algn="ctr"/>
-              <a:endParaRPr lang="zh-CN" altLang="en-US" sz="1600" dirty="0">
-                <a:latin typeface="Times New Roman" panose="02020603050405020304" pitchFamily="18" charset="0"/>
-                <a:cs typeface="Times New Roman" panose="02020603050405020304" pitchFamily="18" charset="0"/>
-              </a:endParaRPr>
-            </a:p>
-          </p:txBody>
-        </p:sp>
-      </p:grpSp>
-      <p:cxnSp>
-        <p:nvCxnSpPr>
-          <p:cNvPr id="53" name="直接箭头连接符 52"/>
-          <p:cNvCxnSpPr>
-            <a:stCxn id="43" idx="3"/>
-            <a:endCxn id="44" idx="1"/>
-          </p:cNvCxnSpPr>
-          <p:nvPr/>
-        </p:nvCxnSpPr>
-        <p:spPr>
-          <a:xfrm>
-            <a:off x="2439880" y="4044375"/>
-            <a:ext cx="564899" cy="0"/>
-          </a:xfrm>
-          <a:prstGeom prst="straightConnector1">
-            <a:avLst/>
-          </a:prstGeom>
-          <a:ln>
-            <a:tailEnd type="triangle"/>
-          </a:ln>
-        </p:spPr>
-        <p:style>
-          <a:lnRef idx="1">
-            <a:schemeClr val="accent2"/>
-          </a:lnRef>
-          <a:fillRef idx="0">
-            <a:schemeClr val="accent2"/>
-          </a:fillRef>
-          <a:effectRef idx="0">
-            <a:schemeClr val="accent2"/>
-          </a:effectRef>
-          <a:fontRef idx="minor">
-            <a:schemeClr val="tx1"/>
-          </a:fontRef>
-        </p:style>
-      </p:cxnSp>
-      <p:grpSp>
-        <p:nvGrpSpPr>
-          <p:cNvPr id="56" name="组合 55"/>
-          <p:cNvGrpSpPr/>
-          <p:nvPr/>
-        </p:nvGrpSpPr>
-        <p:grpSpPr>
-          <a:xfrm>
-            <a:off x="6016594" y="1633888"/>
-            <a:ext cx="576000" cy="576000"/>
-            <a:chOff x="722982" y="3756375"/>
-            <a:chExt cx="576000" cy="576000"/>
-          </a:xfrm>
-        </p:grpSpPr>
-        <p:sp>
-          <p:nvSpPr>
-            <p:cNvPr id="57" name="矩形 56"/>
-            <p:cNvSpPr/>
-            <p:nvPr/>
-          </p:nvSpPr>
-          <p:spPr>
-            <a:xfrm>
-              <a:off x="722982" y="3756375"/>
-              <a:ext cx="288000" cy="576000"/>
-            </a:xfrm>
-            <a:prstGeom prst="rect">
-              <a:avLst/>
-            </a:prstGeom>
-            <a:solidFill>
-              <a:schemeClr val="accent4">
-                <a:lumMod val="60000"/>
-                <a:lumOff val="40000"/>
-              </a:schemeClr>
-            </a:solidFill>
-            <a:ln>
-              <a:noFill/>
-            </a:ln>
-          </p:spPr>
-          <p:style>
-            <a:lnRef idx="2">
-              <a:schemeClr val="accent6">
-                <a:shade val="50000"/>
-              </a:schemeClr>
-            </a:lnRef>
-            <a:fillRef idx="1">
-              <a:schemeClr val="accent6"/>
-            </a:fillRef>
-            <a:effectRef idx="0">
-              <a:schemeClr val="accent6"/>
-            </a:effectRef>
-            <a:fontRef idx="minor">
-              <a:schemeClr val="lt1"/>
-            </a:fontRef>
-          </p:style>
-          <p:txBody>
-            <a:bodyPr rtlCol="0" anchor="ctr"/>
-            <a:lstStyle/>
-            <a:p>
-              <a:pPr algn="ctr"/>
-              <a:endParaRPr lang="zh-CN" altLang="en-US" sz="1600" dirty="0">
-                <a:latin typeface="Times New Roman" panose="02020603050405020304" pitchFamily="18" charset="0"/>
-                <a:cs typeface="Times New Roman" panose="02020603050405020304" pitchFamily="18" charset="0"/>
-              </a:endParaRPr>
-            </a:p>
-          </p:txBody>
-        </p:sp>
-        <p:sp>
-          <p:nvSpPr>
-            <p:cNvPr id="58" name="矩形 57"/>
-            <p:cNvSpPr/>
-            <p:nvPr/>
-          </p:nvSpPr>
-          <p:spPr>
-            <a:xfrm>
-              <a:off x="1010982" y="3756375"/>
-              <a:ext cx="288000" cy="576000"/>
-            </a:xfrm>
-            <a:prstGeom prst="rect">
-              <a:avLst/>
-            </a:prstGeom>
-            <a:solidFill>
-              <a:schemeClr val="accent4">
-                <a:lumMod val="60000"/>
-                <a:lumOff val="40000"/>
-              </a:schemeClr>
-            </a:solidFill>
-            <a:ln>
-              <a:noFill/>
-            </a:ln>
-          </p:spPr>
-          <p:style>
-            <a:lnRef idx="2">
-              <a:schemeClr val="accent6">
-                <a:shade val="50000"/>
-              </a:schemeClr>
-            </a:lnRef>
-            <a:fillRef idx="1">
-              <a:schemeClr val="accent6"/>
-            </a:fillRef>
-            <a:effectRef idx="0">
-              <a:schemeClr val="accent6"/>
-            </a:effectRef>
-            <a:fontRef idx="minor">
-              <a:schemeClr val="lt1"/>
-            </a:fontRef>
-          </p:style>
-          <p:txBody>
-            <a:bodyPr rtlCol="0" anchor="ctr"/>
-            <a:lstStyle/>
-            <a:p>
-              <a:pPr algn="ctr"/>
-              <a:endParaRPr lang="zh-CN" altLang="en-US" sz="1600" dirty="0">
-                <a:latin typeface="Times New Roman" panose="02020603050405020304" pitchFamily="18" charset="0"/>
-                <a:cs typeface="Times New Roman" panose="02020603050405020304" pitchFamily="18" charset="0"/>
-              </a:endParaRPr>
-            </a:p>
-          </p:txBody>
-        </p:sp>
-      </p:grpSp>
-      <p:grpSp>
-        <p:nvGrpSpPr>
-          <p:cNvPr id="59" name="组合 58"/>
-          <p:cNvGrpSpPr/>
-          <p:nvPr/>
-        </p:nvGrpSpPr>
-        <p:grpSpPr>
-          <a:xfrm>
-            <a:off x="6016594" y="2785888"/>
-            <a:ext cx="576000" cy="576000"/>
-            <a:chOff x="1899933" y="3756375"/>
-            <a:chExt cx="576000" cy="576000"/>
-          </a:xfrm>
-        </p:grpSpPr>
-        <p:sp>
-          <p:nvSpPr>
-            <p:cNvPr id="60" name="矩形 59"/>
-            <p:cNvSpPr/>
-            <p:nvPr/>
-          </p:nvSpPr>
-          <p:spPr>
-            <a:xfrm>
-              <a:off x="1899933" y="3756375"/>
-              <a:ext cx="288000" cy="576000"/>
-            </a:xfrm>
-            <a:prstGeom prst="rect">
-              <a:avLst/>
-            </a:prstGeom>
-            <a:solidFill>
-              <a:schemeClr val="accent4">
-                <a:lumMod val="60000"/>
-                <a:lumOff val="40000"/>
-              </a:schemeClr>
-            </a:solidFill>
-            <a:ln>
-              <a:noFill/>
-            </a:ln>
-          </p:spPr>
-          <p:style>
-            <a:lnRef idx="2">
-              <a:schemeClr val="accent6">
-                <a:shade val="50000"/>
-              </a:schemeClr>
-            </a:lnRef>
-            <a:fillRef idx="1">
-              <a:schemeClr val="accent6"/>
-            </a:fillRef>
-            <a:effectRef idx="0">
-              <a:schemeClr val="accent6"/>
-            </a:effectRef>
-            <a:fontRef idx="minor">
-              <a:schemeClr val="lt1"/>
-            </a:fontRef>
-          </p:style>
-          <p:txBody>
-            <a:bodyPr rtlCol="0" anchor="ctr"/>
-            <a:lstStyle/>
-            <a:p>
-              <a:pPr algn="ctr"/>
-              <a:endParaRPr lang="zh-CN" altLang="en-US" sz="1600" dirty="0">
-                <a:latin typeface="Times New Roman" panose="02020603050405020304" pitchFamily="18" charset="0"/>
-                <a:cs typeface="Times New Roman" panose="02020603050405020304" pitchFamily="18" charset="0"/>
-              </a:endParaRPr>
-            </a:p>
-          </p:txBody>
-        </p:sp>
-        <p:sp>
-          <p:nvSpPr>
-            <p:cNvPr id="61" name="矩形 60"/>
-            <p:cNvSpPr/>
-            <p:nvPr/>
-          </p:nvSpPr>
-          <p:spPr>
-            <a:xfrm>
-              <a:off x="2187933" y="3756375"/>
-              <a:ext cx="288000" cy="576000"/>
-            </a:xfrm>
-            <a:prstGeom prst="rect">
-              <a:avLst/>
-            </a:prstGeom>
-            <a:solidFill>
-              <a:schemeClr val="accent5">
-                <a:lumMod val="60000"/>
-                <a:lumOff val="40000"/>
-              </a:schemeClr>
-            </a:solidFill>
-            <a:ln>
-              <a:noFill/>
-            </a:ln>
-          </p:spPr>
-          <p:style>
-            <a:lnRef idx="2">
-              <a:schemeClr val="accent6">
-                <a:shade val="50000"/>
-              </a:schemeClr>
-            </a:lnRef>
-            <a:fillRef idx="1">
-              <a:schemeClr val="accent6"/>
-            </a:fillRef>
-            <a:effectRef idx="0">
-              <a:schemeClr val="accent6"/>
-            </a:effectRef>
-            <a:fontRef idx="minor">
-              <a:schemeClr val="lt1"/>
-            </a:fontRef>
-          </p:style>
-          <p:txBody>
-            <a:bodyPr rtlCol="0" anchor="ctr"/>
-            <a:lstStyle/>
-            <a:p>
-              <a:pPr algn="ctr"/>
-              <a:endParaRPr lang="zh-CN" altLang="en-US" sz="1600" dirty="0">
-                <a:latin typeface="Times New Roman" panose="02020603050405020304" pitchFamily="18" charset="0"/>
-                <a:cs typeface="Times New Roman" panose="02020603050405020304" pitchFamily="18" charset="0"/>
-              </a:endParaRPr>
-            </a:p>
-          </p:txBody>
-        </p:sp>
-      </p:grpSp>
-      <p:grpSp>
-        <p:nvGrpSpPr>
-          <p:cNvPr id="62" name="组合 61"/>
-          <p:cNvGrpSpPr/>
-          <p:nvPr/>
-        </p:nvGrpSpPr>
-        <p:grpSpPr>
-          <a:xfrm>
-            <a:off x="7193868" y="2209888"/>
-            <a:ext cx="576000" cy="576000"/>
-            <a:chOff x="3004779" y="3756375"/>
-            <a:chExt cx="576000" cy="576000"/>
-          </a:xfrm>
-        </p:grpSpPr>
-        <p:sp>
-          <p:nvSpPr>
-            <p:cNvPr id="63" name="矩形 62"/>
-            <p:cNvSpPr/>
-            <p:nvPr/>
-          </p:nvSpPr>
-          <p:spPr>
-            <a:xfrm>
-              <a:off x="3004779" y="3756375"/>
-              <a:ext cx="288000" cy="576000"/>
-            </a:xfrm>
-            <a:prstGeom prst="rect">
-              <a:avLst/>
-            </a:prstGeom>
-            <a:solidFill>
-              <a:schemeClr val="accent5">
-                <a:lumMod val="60000"/>
-                <a:lumOff val="40000"/>
-              </a:schemeClr>
-            </a:solidFill>
-            <a:ln>
-              <a:noFill/>
-            </a:ln>
-          </p:spPr>
-          <p:style>
-            <a:lnRef idx="2">
-              <a:schemeClr val="accent6">
-                <a:shade val="50000"/>
-              </a:schemeClr>
-            </a:lnRef>
-            <a:fillRef idx="1">
-              <a:schemeClr val="accent6"/>
-            </a:fillRef>
-            <a:effectRef idx="0">
-              <a:schemeClr val="accent6"/>
-            </a:effectRef>
-            <a:fontRef idx="minor">
-              <a:schemeClr val="lt1"/>
-            </a:fontRef>
-          </p:style>
-          <p:txBody>
-            <a:bodyPr rtlCol="0" anchor="ctr"/>
-            <a:lstStyle/>
-            <a:p>
-              <a:pPr algn="ctr"/>
-              <a:endParaRPr lang="zh-CN" altLang="en-US" sz="1600" dirty="0">
-                <a:latin typeface="Times New Roman" panose="02020603050405020304" pitchFamily="18" charset="0"/>
-                <a:cs typeface="Times New Roman" panose="02020603050405020304" pitchFamily="18" charset="0"/>
-              </a:endParaRPr>
-            </a:p>
-          </p:txBody>
-        </p:sp>
-        <p:sp>
-          <p:nvSpPr>
-            <p:cNvPr id="64" name="矩形 63"/>
-            <p:cNvSpPr/>
-            <p:nvPr/>
-          </p:nvSpPr>
-          <p:spPr>
-            <a:xfrm>
-              <a:off x="3292779" y="3756375"/>
-              <a:ext cx="288000" cy="576000"/>
-            </a:xfrm>
-            <a:prstGeom prst="rect">
-              <a:avLst/>
-            </a:prstGeom>
-            <a:solidFill>
-              <a:schemeClr val="accent5">
-                <a:lumMod val="60000"/>
-                <a:lumOff val="40000"/>
-              </a:schemeClr>
-            </a:solidFill>
-            <a:ln>
-              <a:noFill/>
-            </a:ln>
-          </p:spPr>
-          <p:style>
-            <a:lnRef idx="2">
-              <a:schemeClr val="accent6">
-                <a:shade val="50000"/>
-              </a:schemeClr>
-            </a:lnRef>
-            <a:fillRef idx="1">
-              <a:schemeClr val="accent6"/>
-            </a:fillRef>
-            <a:effectRef idx="0">
-              <a:schemeClr val="accent6"/>
-            </a:effectRef>
-            <a:fontRef idx="minor">
-              <a:schemeClr val="lt1"/>
-            </a:fontRef>
-          </p:style>
-          <p:txBody>
-            <a:bodyPr rtlCol="0" anchor="ctr"/>
-            <a:lstStyle/>
-            <a:p>
-              <a:pPr algn="ctr"/>
-              <a:endParaRPr lang="zh-CN" altLang="en-US" sz="1600" dirty="0">
-                <a:latin typeface="Times New Roman" panose="02020603050405020304" pitchFamily="18" charset="0"/>
-                <a:cs typeface="Times New Roman" panose="02020603050405020304" pitchFamily="18" charset="0"/>
-              </a:endParaRPr>
-            </a:p>
-          </p:txBody>
-        </p:sp>
-      </p:grpSp>
-      <p:grpSp>
-        <p:nvGrpSpPr>
-          <p:cNvPr id="65" name="组合 64"/>
-          <p:cNvGrpSpPr/>
-          <p:nvPr/>
-        </p:nvGrpSpPr>
-        <p:grpSpPr>
-          <a:xfrm>
-            <a:off x="5773694" y="5128129"/>
-            <a:ext cx="576000" cy="576000"/>
-            <a:chOff x="722982" y="3756375"/>
-            <a:chExt cx="576000" cy="576000"/>
-          </a:xfrm>
-        </p:grpSpPr>
-        <p:sp>
-          <p:nvSpPr>
-            <p:cNvPr id="66" name="矩形 65"/>
-            <p:cNvSpPr/>
-            <p:nvPr/>
-          </p:nvSpPr>
-          <p:spPr>
-            <a:xfrm>
-              <a:off x="722982" y="3756375"/>
-              <a:ext cx="288000" cy="576000"/>
-            </a:xfrm>
-            <a:prstGeom prst="rect">
-              <a:avLst/>
-            </a:prstGeom>
-            <a:solidFill>
-              <a:schemeClr val="accent4">
-                <a:lumMod val="60000"/>
-                <a:lumOff val="40000"/>
-              </a:schemeClr>
-            </a:solidFill>
-            <a:ln>
-              <a:noFill/>
-            </a:ln>
-          </p:spPr>
-          <p:style>
-            <a:lnRef idx="2">
-              <a:schemeClr val="accent6">
-                <a:shade val="50000"/>
-              </a:schemeClr>
-            </a:lnRef>
-            <a:fillRef idx="1">
-              <a:schemeClr val="accent6"/>
-            </a:fillRef>
-            <a:effectRef idx="0">
-              <a:schemeClr val="accent6"/>
-            </a:effectRef>
-            <a:fontRef idx="minor">
-              <a:schemeClr val="lt1"/>
-            </a:fontRef>
-          </p:style>
-          <p:txBody>
-            <a:bodyPr rtlCol="0" anchor="ctr"/>
-            <a:lstStyle/>
-            <a:p>
-              <a:pPr algn="ctr"/>
-              <a:endParaRPr lang="zh-CN" altLang="en-US" sz="1600" dirty="0">
-                <a:latin typeface="Times New Roman" panose="02020603050405020304" pitchFamily="18" charset="0"/>
-                <a:cs typeface="Times New Roman" panose="02020603050405020304" pitchFamily="18" charset="0"/>
-              </a:endParaRPr>
-            </a:p>
-          </p:txBody>
-        </p:sp>
-        <p:sp>
-          <p:nvSpPr>
-            <p:cNvPr id="67" name="矩形 66"/>
-            <p:cNvSpPr/>
-            <p:nvPr/>
-          </p:nvSpPr>
-          <p:spPr>
-            <a:xfrm>
-              <a:off x="1010982" y="3756375"/>
-              <a:ext cx="288000" cy="576000"/>
-            </a:xfrm>
-            <a:prstGeom prst="rect">
-              <a:avLst/>
-            </a:prstGeom>
-            <a:solidFill>
-              <a:schemeClr val="accent4">
-                <a:lumMod val="60000"/>
-                <a:lumOff val="40000"/>
-              </a:schemeClr>
-            </a:solidFill>
-            <a:ln>
-              <a:noFill/>
-            </a:ln>
-          </p:spPr>
-          <p:style>
-            <a:lnRef idx="2">
-              <a:schemeClr val="accent6">
-                <a:shade val="50000"/>
-              </a:schemeClr>
-            </a:lnRef>
-            <a:fillRef idx="1">
-              <a:schemeClr val="accent6"/>
-            </a:fillRef>
-            <a:effectRef idx="0">
-              <a:schemeClr val="accent6"/>
-            </a:effectRef>
-            <a:fontRef idx="minor">
-              <a:schemeClr val="lt1"/>
-            </a:fontRef>
-          </p:style>
-          <p:txBody>
-            <a:bodyPr rtlCol="0" anchor="ctr"/>
-            <a:lstStyle/>
-            <a:p>
-              <a:pPr algn="ctr"/>
-              <a:endParaRPr lang="zh-CN" altLang="en-US" sz="1600" dirty="0">
-                <a:latin typeface="Times New Roman" panose="02020603050405020304" pitchFamily="18" charset="0"/>
-                <a:cs typeface="Times New Roman" panose="02020603050405020304" pitchFamily="18" charset="0"/>
-              </a:endParaRPr>
-            </a:p>
-          </p:txBody>
-        </p:sp>
-      </p:grpSp>
-      <p:grpSp>
-        <p:nvGrpSpPr>
-          <p:cNvPr id="68" name="组合 67"/>
-          <p:cNvGrpSpPr/>
-          <p:nvPr/>
-        </p:nvGrpSpPr>
-        <p:grpSpPr>
-          <a:xfrm>
-            <a:off x="6955685" y="4552129"/>
-            <a:ext cx="576000" cy="576000"/>
-            <a:chOff x="1899933" y="3756375"/>
-            <a:chExt cx="576000" cy="576000"/>
-          </a:xfrm>
-        </p:grpSpPr>
-        <p:sp>
-          <p:nvSpPr>
-            <p:cNvPr id="69" name="矩形 68"/>
-            <p:cNvSpPr/>
-            <p:nvPr/>
-          </p:nvSpPr>
-          <p:spPr>
-            <a:xfrm>
-              <a:off x="1899933" y="3756375"/>
-              <a:ext cx="288000" cy="576000"/>
-            </a:xfrm>
-            <a:prstGeom prst="rect">
-              <a:avLst/>
-            </a:prstGeom>
-            <a:solidFill>
-              <a:schemeClr val="accent4">
-                <a:lumMod val="60000"/>
-                <a:lumOff val="40000"/>
-              </a:schemeClr>
-            </a:solidFill>
-            <a:ln>
-              <a:noFill/>
-            </a:ln>
-          </p:spPr>
-          <p:style>
-            <a:lnRef idx="2">
-              <a:schemeClr val="accent6">
-                <a:shade val="50000"/>
-              </a:schemeClr>
-            </a:lnRef>
-            <a:fillRef idx="1">
-              <a:schemeClr val="accent6"/>
-            </a:fillRef>
-            <a:effectRef idx="0">
-              <a:schemeClr val="accent6"/>
-            </a:effectRef>
-            <a:fontRef idx="minor">
-              <a:schemeClr val="lt1"/>
-            </a:fontRef>
-          </p:style>
-          <p:txBody>
-            <a:bodyPr rtlCol="0" anchor="ctr"/>
-            <a:lstStyle/>
-            <a:p>
-              <a:pPr algn="ctr"/>
-              <a:endParaRPr lang="zh-CN" altLang="en-US" sz="1600" dirty="0">
-                <a:latin typeface="Times New Roman" panose="02020603050405020304" pitchFamily="18" charset="0"/>
-                <a:cs typeface="Times New Roman" panose="02020603050405020304" pitchFamily="18" charset="0"/>
-              </a:endParaRPr>
-            </a:p>
-          </p:txBody>
-        </p:sp>
-        <p:sp>
-          <p:nvSpPr>
-            <p:cNvPr id="70" name="矩形 69"/>
-            <p:cNvSpPr/>
-            <p:nvPr/>
-          </p:nvSpPr>
-          <p:spPr>
-            <a:xfrm>
-              <a:off x="2187933" y="3756375"/>
-              <a:ext cx="288000" cy="576000"/>
-            </a:xfrm>
-            <a:prstGeom prst="rect">
-              <a:avLst/>
-            </a:prstGeom>
-            <a:solidFill>
-              <a:schemeClr val="accent5">
-                <a:lumMod val="60000"/>
-                <a:lumOff val="40000"/>
-              </a:schemeClr>
-            </a:solidFill>
-            <a:ln>
-              <a:noFill/>
-            </a:ln>
-          </p:spPr>
-          <p:style>
-            <a:lnRef idx="2">
-              <a:schemeClr val="accent6">
-                <a:shade val="50000"/>
-              </a:schemeClr>
-            </a:lnRef>
-            <a:fillRef idx="1">
-              <a:schemeClr val="accent6"/>
-            </a:fillRef>
-            <a:effectRef idx="0">
-              <a:schemeClr val="accent6"/>
-            </a:effectRef>
-            <a:fontRef idx="minor">
-              <a:schemeClr val="lt1"/>
-            </a:fontRef>
-          </p:style>
-          <p:txBody>
-            <a:bodyPr rtlCol="0" anchor="ctr"/>
-            <a:lstStyle/>
-            <a:p>
-              <a:pPr algn="ctr"/>
-              <a:endParaRPr lang="zh-CN" altLang="en-US" sz="1600" dirty="0">
-                <a:latin typeface="Times New Roman" panose="02020603050405020304" pitchFamily="18" charset="0"/>
-                <a:cs typeface="Times New Roman" panose="02020603050405020304" pitchFamily="18" charset="0"/>
-              </a:endParaRPr>
-            </a:p>
-          </p:txBody>
-        </p:sp>
-      </p:grpSp>
-      <p:grpSp>
-        <p:nvGrpSpPr>
-          <p:cNvPr id="71" name="组合 70"/>
-          <p:cNvGrpSpPr/>
-          <p:nvPr/>
-        </p:nvGrpSpPr>
-        <p:grpSpPr>
-          <a:xfrm>
-            <a:off x="6960546" y="5704129"/>
-            <a:ext cx="576000" cy="576000"/>
-            <a:chOff x="3004779" y="3756375"/>
-            <a:chExt cx="576000" cy="576000"/>
-          </a:xfrm>
-        </p:grpSpPr>
-        <p:sp>
-          <p:nvSpPr>
-            <p:cNvPr id="72" name="矩形 71"/>
-            <p:cNvSpPr/>
-            <p:nvPr/>
-          </p:nvSpPr>
-          <p:spPr>
-            <a:xfrm>
-              <a:off x="3004779" y="3756375"/>
-              <a:ext cx="288000" cy="576000"/>
-            </a:xfrm>
-            <a:prstGeom prst="rect">
-              <a:avLst/>
-            </a:prstGeom>
-            <a:solidFill>
-              <a:schemeClr val="accent5">
-                <a:lumMod val="60000"/>
-                <a:lumOff val="40000"/>
-              </a:schemeClr>
-            </a:solidFill>
-            <a:ln>
-              <a:noFill/>
-            </a:ln>
-          </p:spPr>
-          <p:style>
-            <a:lnRef idx="2">
-              <a:schemeClr val="accent6">
-                <a:shade val="50000"/>
-              </a:schemeClr>
-            </a:lnRef>
-            <a:fillRef idx="1">
-              <a:schemeClr val="accent6"/>
-            </a:fillRef>
-            <a:effectRef idx="0">
-              <a:schemeClr val="accent6"/>
-            </a:effectRef>
-            <a:fontRef idx="minor">
-              <a:schemeClr val="lt1"/>
-            </a:fontRef>
-          </p:style>
-          <p:txBody>
-            <a:bodyPr rtlCol="0" anchor="ctr"/>
-            <a:lstStyle/>
-            <a:p>
-              <a:pPr algn="ctr"/>
-              <a:endParaRPr lang="zh-CN" altLang="en-US" sz="1600" dirty="0">
-                <a:latin typeface="Times New Roman" panose="02020603050405020304" pitchFamily="18" charset="0"/>
-                <a:cs typeface="Times New Roman" panose="02020603050405020304" pitchFamily="18" charset="0"/>
-              </a:endParaRPr>
-            </a:p>
-          </p:txBody>
-        </p:sp>
-        <p:sp>
-          <p:nvSpPr>
-            <p:cNvPr id="73" name="矩形 72"/>
-            <p:cNvSpPr/>
-            <p:nvPr/>
-          </p:nvSpPr>
-          <p:spPr>
-            <a:xfrm>
-              <a:off x="3292779" y="3756375"/>
-              <a:ext cx="288000" cy="576000"/>
-            </a:xfrm>
-            <a:prstGeom prst="rect">
-              <a:avLst/>
-            </a:prstGeom>
-            <a:solidFill>
-              <a:schemeClr val="accent5">
-                <a:lumMod val="60000"/>
-                <a:lumOff val="40000"/>
-              </a:schemeClr>
-            </a:solidFill>
-            <a:ln>
-              <a:noFill/>
-            </a:ln>
-          </p:spPr>
-          <p:style>
-            <a:lnRef idx="2">
-              <a:schemeClr val="accent6">
-                <a:shade val="50000"/>
-              </a:schemeClr>
-            </a:lnRef>
-            <a:fillRef idx="1">
-              <a:schemeClr val="accent6"/>
-            </a:fillRef>
-            <a:effectRef idx="0">
-              <a:schemeClr val="accent6"/>
-            </a:effectRef>
-            <a:fontRef idx="minor">
-              <a:schemeClr val="lt1"/>
-            </a:fontRef>
-          </p:style>
-          <p:txBody>
-            <a:bodyPr rtlCol="0" anchor="ctr"/>
-            <a:lstStyle/>
-            <a:p>
-              <a:pPr algn="ctr"/>
-              <a:endParaRPr lang="zh-CN" altLang="en-US" sz="1600" dirty="0">
-                <a:latin typeface="Times New Roman" panose="02020603050405020304" pitchFamily="18" charset="0"/>
-                <a:cs typeface="Times New Roman" panose="02020603050405020304" pitchFamily="18" charset="0"/>
-              </a:endParaRPr>
-            </a:p>
-          </p:txBody>
-        </p:sp>
-      </p:grpSp>
-      <p:cxnSp>
-        <p:nvCxnSpPr>
-          <p:cNvPr id="74" name="直接箭头连接符 73"/>
-          <p:cNvCxnSpPr>
-            <a:stCxn id="58" idx="3"/>
-            <a:endCxn id="63" idx="1"/>
-          </p:cNvCxnSpPr>
-          <p:nvPr/>
-        </p:nvCxnSpPr>
-        <p:spPr>
-          <a:xfrm>
-            <a:off x="6592594" y="1921888"/>
-            <a:ext cx="601274" cy="576000"/>
-          </a:xfrm>
-          <a:prstGeom prst="straightConnector1">
-            <a:avLst/>
-          </a:prstGeom>
-          <a:ln>
-            <a:tailEnd type="triangle"/>
-          </a:ln>
-        </p:spPr>
-        <p:style>
-          <a:lnRef idx="1">
-            <a:schemeClr val="accent2"/>
-          </a:lnRef>
-          <a:fillRef idx="0">
-            <a:schemeClr val="accent2"/>
-          </a:fillRef>
-          <a:effectRef idx="0">
-            <a:schemeClr val="accent2"/>
-          </a:effectRef>
-          <a:fontRef idx="minor">
-            <a:schemeClr val="tx1"/>
-          </a:fontRef>
-        </p:style>
-      </p:cxnSp>
-      <p:cxnSp>
-        <p:nvCxnSpPr>
-          <p:cNvPr id="77" name="直接箭头连接符 76"/>
-          <p:cNvCxnSpPr>
-            <a:stCxn id="61" idx="3"/>
-            <a:endCxn id="63" idx="1"/>
-          </p:cNvCxnSpPr>
-          <p:nvPr/>
-        </p:nvCxnSpPr>
-        <p:spPr>
-          <a:xfrm flipV="1">
-            <a:off x="6592594" y="2497888"/>
-            <a:ext cx="601274" cy="576000"/>
-          </a:xfrm>
-          <a:prstGeom prst="straightConnector1">
-            <a:avLst/>
-          </a:prstGeom>
-          <a:ln>
-            <a:tailEnd type="triangle"/>
-          </a:ln>
-        </p:spPr>
-        <p:style>
-          <a:lnRef idx="1">
-            <a:schemeClr val="accent2"/>
-          </a:lnRef>
-          <a:fillRef idx="0">
-            <a:schemeClr val="accent2"/>
-          </a:fillRef>
-          <a:effectRef idx="0">
-            <a:schemeClr val="accent2"/>
-          </a:effectRef>
-          <a:fontRef idx="minor">
-            <a:schemeClr val="tx1"/>
-          </a:fontRef>
-        </p:style>
-      </p:cxnSp>
-      <p:cxnSp>
-        <p:nvCxnSpPr>
-          <p:cNvPr id="80" name="直接箭头连接符 79"/>
-          <p:cNvCxnSpPr>
-            <a:stCxn id="67" idx="3"/>
-            <a:endCxn id="69" idx="1"/>
-          </p:cNvCxnSpPr>
-          <p:nvPr/>
-        </p:nvCxnSpPr>
-        <p:spPr>
-          <a:xfrm flipV="1">
-            <a:off x="6349694" y="4840129"/>
-            <a:ext cx="605991" cy="576000"/>
-          </a:xfrm>
-          <a:prstGeom prst="straightConnector1">
-            <a:avLst/>
-          </a:prstGeom>
-          <a:ln>
-            <a:tailEnd type="triangle"/>
-          </a:ln>
-        </p:spPr>
-        <p:style>
-          <a:lnRef idx="1">
-            <a:schemeClr val="accent2"/>
-          </a:lnRef>
-          <a:fillRef idx="0">
-            <a:schemeClr val="accent2"/>
-          </a:fillRef>
-          <a:effectRef idx="0">
-            <a:schemeClr val="accent2"/>
-          </a:effectRef>
-          <a:fontRef idx="minor">
-            <a:schemeClr val="tx1"/>
-          </a:fontRef>
-        </p:style>
-      </p:cxnSp>
-      <p:cxnSp>
-        <p:nvCxnSpPr>
-          <p:cNvPr id="83" name="直接箭头连接符 82"/>
-          <p:cNvCxnSpPr>
-            <a:stCxn id="67" idx="3"/>
-            <a:endCxn id="72" idx="1"/>
-          </p:cNvCxnSpPr>
-          <p:nvPr/>
-        </p:nvCxnSpPr>
-        <p:spPr>
-          <a:xfrm>
-            <a:off x="6349694" y="5416129"/>
-            <a:ext cx="610852" cy="576000"/>
-          </a:xfrm>
-          <a:prstGeom prst="straightConnector1">
-            <a:avLst/>
-          </a:prstGeom>
-          <a:ln>
-            <a:tailEnd type="triangle"/>
-          </a:ln>
-        </p:spPr>
-        <p:style>
-          <a:lnRef idx="1">
-            <a:schemeClr val="accent2"/>
-          </a:lnRef>
-          <a:fillRef idx="0">
-            <a:schemeClr val="accent2"/>
-          </a:fillRef>
-          <a:effectRef idx="0">
-            <a:schemeClr val="accent2"/>
-          </a:effectRef>
-          <a:fontRef idx="minor">
-            <a:schemeClr val="tx1"/>
-          </a:fontRef>
-        </p:style>
-      </p:cxnSp>
-      <p:sp>
-        <p:nvSpPr>
-          <p:cNvPr id="89" name="矩形 88"/>
-          <p:cNvSpPr/>
-          <p:nvPr/>
-        </p:nvSpPr>
-        <p:spPr>
-          <a:xfrm>
-            <a:off x="10005833" y="3188452"/>
-            <a:ext cx="1002735" cy="1917950"/>
+            <a:off x="1795548" y="2709949"/>
+            <a:ext cx="1354975" cy="789709"/>
           </a:xfrm>
           <a:prstGeom prst="rect">
             <a:avLst/>
           </a:prstGeom>
-          <a:solidFill>
-            <a:schemeClr val="bg1">
-              <a:lumMod val="85000"/>
-            </a:schemeClr>
-          </a:solidFill>
-          <a:ln>
-            <a:solidFill>
-              <a:schemeClr val="bg2"/>
-            </a:solidFill>
-          </a:ln>
         </p:spPr>
         <p:style>
           <a:lnRef idx="2">
-            <a:schemeClr val="accent3">
+            <a:schemeClr val="accent1">
               <a:shade val="50000"/>
             </a:schemeClr>
           </a:lnRef>
           <a:fillRef idx="1">
-            <a:schemeClr val="accent3"/>
+            <a:schemeClr val="accent1"/>
           </a:fillRef>
           <a:effectRef idx="0">
-            <a:schemeClr val="accent3"/>
+            <a:schemeClr val="accent1"/>
           </a:effectRef>
           <a:fontRef idx="minor">
             <a:schemeClr val="lt1"/>
@@ -4879,455 +3665,77 @@
           <a:lstStyle/>
           <a:p>
             <a:pPr algn="ctr"/>
-            <a:endParaRPr lang="zh-CN" altLang="en-US"/>
+            <a:r>
+              <a:rPr lang="en-US" altLang="zh-CN" dirty="0"/>
+              <a:t>NF B (2ms)</a:t>
+            </a:r>
+            <a:endParaRPr lang="zh-CN" altLang="en-US" dirty="0"/>
           </a:p>
         </p:txBody>
       </p:sp>
-      <p:grpSp>
-        <p:nvGrpSpPr>
-          <p:cNvPr id="90" name="组合 89"/>
-          <p:cNvGrpSpPr/>
-          <p:nvPr/>
-        </p:nvGrpSpPr>
-        <p:grpSpPr>
+      <p:sp>
+        <p:nvSpPr>
+          <p:cNvPr id="5" name="矩形 4"/>
+          <p:cNvSpPr/>
+          <p:nvPr/>
+        </p:nvSpPr>
+        <p:spPr>
           <a:xfrm>
-            <a:off x="10238419" y="3283427"/>
-            <a:ext cx="576000" cy="576000"/>
-            <a:chOff x="722982" y="3756375"/>
-            <a:chExt cx="576000" cy="576000"/>
-          </a:xfrm>
-        </p:grpSpPr>
-        <p:sp>
-          <p:nvSpPr>
-            <p:cNvPr id="91" name="矩形 90"/>
-            <p:cNvSpPr/>
-            <p:nvPr/>
-          </p:nvSpPr>
-          <p:spPr>
-            <a:xfrm>
-              <a:off x="722982" y="3756375"/>
-              <a:ext cx="288000" cy="576000"/>
-            </a:xfrm>
-            <a:prstGeom prst="rect">
-              <a:avLst/>
-            </a:prstGeom>
-            <a:solidFill>
-              <a:schemeClr val="accent4">
-                <a:lumMod val="60000"/>
-                <a:lumOff val="40000"/>
-              </a:schemeClr>
-            </a:solidFill>
-            <a:ln>
-              <a:noFill/>
-            </a:ln>
-          </p:spPr>
-          <p:style>
-            <a:lnRef idx="2">
-              <a:schemeClr val="accent6">
-                <a:shade val="50000"/>
-              </a:schemeClr>
-            </a:lnRef>
-            <a:fillRef idx="1">
-              <a:schemeClr val="accent6"/>
-            </a:fillRef>
-            <a:effectRef idx="0">
-              <a:schemeClr val="accent6"/>
-            </a:effectRef>
-            <a:fontRef idx="minor">
-              <a:schemeClr val="lt1"/>
-            </a:fontRef>
-          </p:style>
-          <p:txBody>
-            <a:bodyPr rtlCol="0" anchor="ctr"/>
-            <a:lstStyle/>
-            <a:p>
-              <a:pPr algn="ctr"/>
-              <a:endParaRPr lang="zh-CN" altLang="en-US" sz="1600" dirty="0">
-                <a:latin typeface="Times New Roman" panose="02020603050405020304" pitchFamily="18" charset="0"/>
-                <a:cs typeface="Times New Roman" panose="02020603050405020304" pitchFamily="18" charset="0"/>
-              </a:endParaRPr>
-            </a:p>
-          </p:txBody>
-        </p:sp>
-        <p:sp>
-          <p:nvSpPr>
-            <p:cNvPr id="92" name="矩形 91"/>
-            <p:cNvSpPr/>
-            <p:nvPr/>
-          </p:nvSpPr>
-          <p:spPr>
-            <a:xfrm>
-              <a:off x="1010982" y="3756375"/>
-              <a:ext cx="288000" cy="576000"/>
-            </a:xfrm>
-            <a:prstGeom prst="rect">
-              <a:avLst/>
-            </a:prstGeom>
-            <a:solidFill>
-              <a:schemeClr val="accent4">
-                <a:lumMod val="60000"/>
-                <a:lumOff val="40000"/>
-              </a:schemeClr>
-            </a:solidFill>
-            <a:ln>
-              <a:noFill/>
-            </a:ln>
-          </p:spPr>
-          <p:style>
-            <a:lnRef idx="2">
-              <a:schemeClr val="accent6">
-                <a:shade val="50000"/>
-              </a:schemeClr>
-            </a:lnRef>
-            <a:fillRef idx="1">
-              <a:schemeClr val="accent6"/>
-            </a:fillRef>
-            <a:effectRef idx="0">
-              <a:schemeClr val="accent6"/>
-            </a:effectRef>
-            <a:fontRef idx="minor">
-              <a:schemeClr val="lt1"/>
-            </a:fontRef>
-          </p:style>
-          <p:txBody>
-            <a:bodyPr rtlCol="0" anchor="ctr"/>
-            <a:lstStyle/>
-            <a:p>
-              <a:pPr algn="ctr"/>
-              <a:endParaRPr lang="zh-CN" altLang="en-US" sz="1600" dirty="0">
-                <a:latin typeface="Times New Roman" panose="02020603050405020304" pitchFamily="18" charset="0"/>
-                <a:cs typeface="Times New Roman" panose="02020603050405020304" pitchFamily="18" charset="0"/>
-              </a:endParaRPr>
-            </a:p>
-          </p:txBody>
-        </p:sp>
-      </p:grpSp>
-      <p:grpSp>
-        <p:nvGrpSpPr>
-          <p:cNvPr id="93" name="组合 92"/>
-          <p:cNvGrpSpPr/>
-          <p:nvPr/>
-        </p:nvGrpSpPr>
-        <p:grpSpPr>
-          <a:xfrm>
-            <a:off x="10238419" y="4435427"/>
-            <a:ext cx="576000" cy="576000"/>
-            <a:chOff x="1899933" y="3756375"/>
-            <a:chExt cx="576000" cy="576000"/>
-          </a:xfrm>
-        </p:grpSpPr>
-        <p:sp>
-          <p:nvSpPr>
-            <p:cNvPr id="94" name="矩形 93"/>
-            <p:cNvSpPr/>
-            <p:nvPr/>
-          </p:nvSpPr>
-          <p:spPr>
-            <a:xfrm>
-              <a:off x="1899933" y="3756375"/>
-              <a:ext cx="288000" cy="576000"/>
-            </a:xfrm>
-            <a:prstGeom prst="rect">
-              <a:avLst/>
-            </a:prstGeom>
-            <a:solidFill>
-              <a:schemeClr val="accent4">
-                <a:lumMod val="60000"/>
-                <a:lumOff val="40000"/>
-              </a:schemeClr>
-            </a:solidFill>
-            <a:ln>
-              <a:noFill/>
-            </a:ln>
-          </p:spPr>
-          <p:style>
-            <a:lnRef idx="2">
-              <a:schemeClr val="accent6">
-                <a:shade val="50000"/>
-              </a:schemeClr>
-            </a:lnRef>
-            <a:fillRef idx="1">
-              <a:schemeClr val="accent6"/>
-            </a:fillRef>
-            <a:effectRef idx="0">
-              <a:schemeClr val="accent6"/>
-            </a:effectRef>
-            <a:fontRef idx="minor">
-              <a:schemeClr val="lt1"/>
-            </a:fontRef>
-          </p:style>
-          <p:txBody>
-            <a:bodyPr rtlCol="0" anchor="ctr"/>
-            <a:lstStyle/>
-            <a:p>
-              <a:pPr algn="ctr"/>
-              <a:endParaRPr lang="zh-CN" altLang="en-US" sz="1600" dirty="0">
-                <a:latin typeface="Times New Roman" panose="02020603050405020304" pitchFamily="18" charset="0"/>
-                <a:cs typeface="Times New Roman" panose="02020603050405020304" pitchFamily="18" charset="0"/>
-              </a:endParaRPr>
-            </a:p>
-          </p:txBody>
-        </p:sp>
-        <p:sp>
-          <p:nvSpPr>
-            <p:cNvPr id="95" name="矩形 94"/>
-            <p:cNvSpPr/>
-            <p:nvPr/>
-          </p:nvSpPr>
-          <p:spPr>
-            <a:xfrm>
-              <a:off x="2187933" y="3756375"/>
-              <a:ext cx="288000" cy="576000"/>
-            </a:xfrm>
-            <a:prstGeom prst="rect">
-              <a:avLst/>
-            </a:prstGeom>
-            <a:solidFill>
-              <a:schemeClr val="accent5">
-                <a:lumMod val="60000"/>
-                <a:lumOff val="40000"/>
-              </a:schemeClr>
-            </a:solidFill>
-            <a:ln>
-              <a:noFill/>
-            </a:ln>
-          </p:spPr>
-          <p:style>
-            <a:lnRef idx="2">
-              <a:schemeClr val="accent6">
-                <a:shade val="50000"/>
-              </a:schemeClr>
-            </a:lnRef>
-            <a:fillRef idx="1">
-              <a:schemeClr val="accent6"/>
-            </a:fillRef>
-            <a:effectRef idx="0">
-              <a:schemeClr val="accent6"/>
-            </a:effectRef>
-            <a:fontRef idx="minor">
-              <a:schemeClr val="lt1"/>
-            </a:fontRef>
-          </p:style>
-          <p:txBody>
-            <a:bodyPr rtlCol="0" anchor="ctr"/>
-            <a:lstStyle/>
-            <a:p>
-              <a:pPr algn="ctr"/>
-              <a:endParaRPr lang="zh-CN" altLang="en-US" sz="1600" dirty="0">
-                <a:latin typeface="Times New Roman" panose="02020603050405020304" pitchFamily="18" charset="0"/>
-                <a:cs typeface="Times New Roman" panose="02020603050405020304" pitchFamily="18" charset="0"/>
-              </a:endParaRPr>
-            </a:p>
-          </p:txBody>
-        </p:sp>
-      </p:grpSp>
-      <p:grpSp>
-        <p:nvGrpSpPr>
-          <p:cNvPr id="96" name="组合 95"/>
-          <p:cNvGrpSpPr/>
-          <p:nvPr/>
-        </p:nvGrpSpPr>
-        <p:grpSpPr>
-          <a:xfrm>
-            <a:off x="11415693" y="3859427"/>
-            <a:ext cx="576000" cy="576000"/>
-            <a:chOff x="3004779" y="3756375"/>
-            <a:chExt cx="576000" cy="576000"/>
-          </a:xfrm>
-        </p:grpSpPr>
-        <p:sp>
-          <p:nvSpPr>
-            <p:cNvPr id="97" name="矩形 96"/>
-            <p:cNvSpPr/>
-            <p:nvPr/>
-          </p:nvSpPr>
-          <p:spPr>
-            <a:xfrm>
-              <a:off x="3004779" y="3756375"/>
-              <a:ext cx="288000" cy="576000"/>
-            </a:xfrm>
-            <a:prstGeom prst="rect">
-              <a:avLst/>
-            </a:prstGeom>
-            <a:solidFill>
-              <a:schemeClr val="accent5">
-                <a:lumMod val="60000"/>
-                <a:lumOff val="40000"/>
-              </a:schemeClr>
-            </a:solidFill>
-            <a:ln>
-              <a:noFill/>
-            </a:ln>
-          </p:spPr>
-          <p:style>
-            <a:lnRef idx="2">
-              <a:schemeClr val="accent6">
-                <a:shade val="50000"/>
-              </a:schemeClr>
-            </a:lnRef>
-            <a:fillRef idx="1">
-              <a:schemeClr val="accent6"/>
-            </a:fillRef>
-            <a:effectRef idx="0">
-              <a:schemeClr val="accent6"/>
-            </a:effectRef>
-            <a:fontRef idx="minor">
-              <a:schemeClr val="lt1"/>
-            </a:fontRef>
-          </p:style>
-          <p:txBody>
-            <a:bodyPr rtlCol="0" anchor="ctr"/>
-            <a:lstStyle/>
-            <a:p>
-              <a:pPr algn="ctr"/>
-              <a:endParaRPr lang="zh-CN" altLang="en-US" sz="1600" dirty="0">
-                <a:latin typeface="Times New Roman" panose="02020603050405020304" pitchFamily="18" charset="0"/>
-                <a:cs typeface="Times New Roman" panose="02020603050405020304" pitchFamily="18" charset="0"/>
-              </a:endParaRPr>
-            </a:p>
-          </p:txBody>
-        </p:sp>
-        <p:sp>
-          <p:nvSpPr>
-            <p:cNvPr id="98" name="矩形 97"/>
-            <p:cNvSpPr/>
-            <p:nvPr/>
-          </p:nvSpPr>
-          <p:spPr>
-            <a:xfrm>
-              <a:off x="3292779" y="3756375"/>
-              <a:ext cx="288000" cy="576000"/>
-            </a:xfrm>
-            <a:prstGeom prst="rect">
-              <a:avLst/>
-            </a:prstGeom>
-            <a:solidFill>
-              <a:schemeClr val="accent5">
-                <a:lumMod val="60000"/>
-                <a:lumOff val="40000"/>
-              </a:schemeClr>
-            </a:solidFill>
-            <a:ln>
-              <a:noFill/>
-            </a:ln>
-          </p:spPr>
-          <p:style>
-            <a:lnRef idx="2">
-              <a:schemeClr val="accent6">
-                <a:shade val="50000"/>
-              </a:schemeClr>
-            </a:lnRef>
-            <a:fillRef idx="1">
-              <a:schemeClr val="accent6"/>
-            </a:fillRef>
-            <a:effectRef idx="0">
-              <a:schemeClr val="accent6"/>
-            </a:effectRef>
-            <a:fontRef idx="minor">
-              <a:schemeClr val="lt1"/>
-            </a:fontRef>
-          </p:style>
-          <p:txBody>
-            <a:bodyPr rtlCol="0" anchor="ctr"/>
-            <a:lstStyle/>
-            <a:p>
-              <a:pPr algn="ctr"/>
-              <a:endParaRPr lang="zh-CN" altLang="en-US" sz="1600" dirty="0">
-                <a:latin typeface="Times New Roman" panose="02020603050405020304" pitchFamily="18" charset="0"/>
-                <a:cs typeface="Times New Roman" panose="02020603050405020304" pitchFamily="18" charset="0"/>
-              </a:endParaRPr>
-            </a:p>
-          </p:txBody>
-        </p:sp>
-      </p:grpSp>
+            <a:off x="6200952" y="2074025"/>
+            <a:ext cx="1354975" cy="789709"/>
+          </a:xfrm>
+          <a:prstGeom prst="rect">
+            <a:avLst/>
+          </a:prstGeom>
+        </p:spPr>
+        <p:style>
+          <a:lnRef idx="2">
+            <a:schemeClr val="accent1">
+              <a:shade val="50000"/>
+            </a:schemeClr>
+          </a:lnRef>
+          <a:fillRef idx="1">
+            <a:schemeClr val="accent1"/>
+          </a:fillRef>
+          <a:effectRef idx="0">
+            <a:schemeClr val="accent1"/>
+          </a:effectRef>
+          <a:fontRef idx="minor">
+            <a:schemeClr val="lt1"/>
+          </a:fontRef>
+        </p:style>
+        <p:txBody>
+          <a:bodyPr rtlCol="0" anchor="ctr"/>
+          <a:lstStyle/>
+          <a:p>
+            <a:pPr algn="ctr"/>
+            <a:r>
+              <a:rPr lang="en-US" altLang="zh-CN" dirty="0"/>
+              <a:t>NF C (1ms)</a:t>
+            </a:r>
+            <a:endParaRPr lang="zh-CN" altLang="en-US" dirty="0"/>
+          </a:p>
+        </p:txBody>
+      </p:sp>
       <p:cxnSp>
         <p:nvCxnSpPr>
-          <p:cNvPr id="99" name="直接箭头连接符 98"/>
+          <p:cNvPr id="7" name="直接箭头连接符 6"/>
           <p:cNvCxnSpPr>
-            <a:stCxn id="92" idx="3"/>
-            <a:endCxn id="97" idx="1"/>
+            <a:stCxn id="4" idx="3"/>
+            <a:endCxn id="5" idx="1"/>
           </p:cNvCxnSpPr>
           <p:nvPr/>
         </p:nvCxnSpPr>
         <p:spPr>
-          <a:xfrm>
-            <a:off x="10814419" y="3571427"/>
-            <a:ext cx="601274" cy="576000"/>
+          <a:xfrm flipV="1">
+            <a:off x="3940231" y="2468880"/>
+            <a:ext cx="2260721" cy="1"/>
           </a:xfrm>
           <a:prstGeom prst="straightConnector1">
             <a:avLst/>
           </a:prstGeom>
           <a:ln>
             <a:tailEnd type="triangle"/>
-          </a:ln>
-        </p:spPr>
-        <p:style>
-          <a:lnRef idx="1">
-            <a:schemeClr val="accent2"/>
-          </a:lnRef>
-          <a:fillRef idx="0">
-            <a:schemeClr val="accent2"/>
-          </a:fillRef>
-          <a:effectRef idx="0">
-            <a:schemeClr val="accent2"/>
-          </a:effectRef>
-          <a:fontRef idx="minor">
-            <a:schemeClr val="tx1"/>
-          </a:fontRef>
-        </p:style>
-      </p:cxnSp>
-      <p:cxnSp>
-        <p:nvCxnSpPr>
-          <p:cNvPr id="100" name="直接箭头连接符 99"/>
-          <p:cNvCxnSpPr>
-            <a:stCxn id="95" idx="3"/>
-            <a:endCxn id="97" idx="1"/>
-          </p:cNvCxnSpPr>
-          <p:nvPr/>
-        </p:nvCxnSpPr>
-        <p:spPr>
-          <a:xfrm flipV="1">
-            <a:off x="10814419" y="4147427"/>
-            <a:ext cx="601274" cy="576000"/>
-          </a:xfrm>
-          <a:prstGeom prst="straightConnector1">
-            <a:avLst/>
-          </a:prstGeom>
-          <a:ln>
-            <a:tailEnd type="triangle"/>
-          </a:ln>
-        </p:spPr>
-        <p:style>
-          <a:lnRef idx="1">
-            <a:schemeClr val="accent2"/>
-          </a:lnRef>
-          <a:fillRef idx="0">
-            <a:schemeClr val="accent2"/>
-          </a:fillRef>
-          <a:effectRef idx="0">
-            <a:schemeClr val="accent2"/>
-          </a:effectRef>
-          <a:fontRef idx="minor">
-            <a:schemeClr val="tx1"/>
-          </a:fontRef>
-        </p:style>
-      </p:cxnSp>
-      <p:cxnSp>
-        <p:nvCxnSpPr>
-          <p:cNvPr id="101" name="直接箭头连接符 100"/>
-          <p:cNvCxnSpPr/>
-          <p:nvPr/>
-        </p:nvCxnSpPr>
-        <p:spPr>
-          <a:xfrm flipV="1">
-            <a:off x="8010176" y="4044375"/>
-            <a:ext cx="1908535" cy="6531"/>
-          </a:xfrm>
-          <a:prstGeom prst="straightConnector1">
-            <a:avLst/>
-          </a:prstGeom>
-          <a:ln w="38100">
-            <a:tailEnd type="arrow"/>
           </a:ln>
         </p:spPr>
         <p:style>
@@ -5347,14 +3755,95 @@
       </p:cxnSp>
       <p:sp>
         <p:nvSpPr>
-          <p:cNvPr id="102" name="文本框 101"/>
+          <p:cNvPr id="8" name="矩形 7">
+            <a:extLst>
+              <a:ext uri="{FF2B5EF4-FFF2-40B4-BE49-F238E27FC236}">
+                <a16:creationId xmlns:a16="http://schemas.microsoft.com/office/drawing/2014/main" id="{FDBDF632-7CA2-4A5F-9CE9-8065FB675F8F}"/>
+              </a:ext>
+            </a:extLst>
+          </p:cNvPr>
+          <p:cNvSpPr/>
+          <p:nvPr/>
+        </p:nvSpPr>
+        <p:spPr>
+          <a:xfrm>
+            <a:off x="5747660" y="4123113"/>
+            <a:ext cx="3871138" cy="2282939"/>
+          </a:xfrm>
+          <a:prstGeom prst="rect">
+            <a:avLst/>
+          </a:prstGeom>
+          <a:noFill/>
+          <a:ln w="12700">
+            <a:prstDash val="solid"/>
+          </a:ln>
+        </p:spPr>
+        <p:style>
+          <a:lnRef idx="2">
+            <a:schemeClr val="dk1"/>
+          </a:lnRef>
+          <a:fillRef idx="1">
+            <a:schemeClr val="lt1"/>
+          </a:fillRef>
+          <a:effectRef idx="0">
+            <a:schemeClr val="dk1"/>
+          </a:effectRef>
+          <a:fontRef idx="minor">
+            <a:schemeClr val="dk1"/>
+          </a:fontRef>
+        </p:style>
+        <p:txBody>
+          <a:bodyPr rtlCol="0" anchor="ctr"/>
+          <a:lstStyle/>
+          <a:p>
+            <a:pPr algn="ctr"/>
+            <a:endParaRPr lang="zh-CN" altLang="en-US">
+              <a:latin typeface="Times New Roman" panose="02020603050405020304" pitchFamily="18" charset="0"/>
+              <a:cs typeface="Times New Roman" panose="02020603050405020304" pitchFamily="18" charset="0"/>
+            </a:endParaRPr>
+          </a:p>
+        </p:txBody>
+      </p:sp>
+    </p:spTree>
+    <p:extLst>
+      <p:ext uri="{BB962C8B-B14F-4D97-AF65-F5344CB8AC3E}">
+        <p14:creationId xmlns:p14="http://schemas.microsoft.com/office/powerpoint/2010/main" val="1535183959"/>
+      </p:ext>
+    </p:extLst>
+  </p:cSld>
+  <p:clrMapOvr>
+    <a:masterClrMapping/>
+  </p:clrMapOvr>
+</p:sld>
+</file>
+
+<file path=ppt/slides/slide12.xml><?xml version="1.0" encoding="utf-8"?>
+<p:sld xmlns:a="http://schemas.openxmlformats.org/drawingml/2006/main" xmlns:r="http://schemas.openxmlformats.org/officeDocument/2006/relationships" xmlns:p="http://schemas.openxmlformats.org/presentationml/2006/main">
+  <p:cSld>
+    <p:spTree>
+      <p:nvGrpSpPr>
+        <p:cNvPr id="1" name=""/>
+        <p:cNvGrpSpPr/>
+        <p:nvPr/>
+      </p:nvGrpSpPr>
+      <p:grpSpPr>
+        <a:xfrm>
+          <a:off x="0" y="0"/>
+          <a:ext cx="0" cy="0"/>
+          <a:chOff x="0" y="0"/>
+          <a:chExt cx="0" cy="0"/>
+        </a:xfrm>
+      </p:grpSpPr>
+      <p:sp>
+        <p:nvSpPr>
+          <p:cNvPr id="110" name="文本框 109"/>
           <p:cNvSpPr txBox="1"/>
           <p:nvPr/>
         </p:nvSpPr>
         <p:spPr>
           <a:xfrm>
-            <a:off x="468059" y="4324888"/>
-            <a:ext cx="1042444" cy="307777"/>
+            <a:off x="8733324" y="6216091"/>
+            <a:ext cx="1876993" cy="523220"/>
           </a:xfrm>
           <a:prstGeom prst="rect">
             <a:avLst/>
@@ -5372,135 +3861,16 @@
                 <a:latin typeface="Times New Roman" panose="02020603050405020304" pitchFamily="18" charset="0"/>
                 <a:cs typeface="Times New Roman" panose="02020603050405020304" pitchFamily="18" charset="0"/>
               </a:rPr>
-              <a:t>NF A (2 </a:t>
-            </a:r>
-            <a:r>
-              <a:rPr lang="en-US" altLang="zh-CN" sz="1400" dirty="0" err="1" smtClean="0">
-                <a:latin typeface="Times New Roman" panose="02020603050405020304" pitchFamily="18" charset="0"/>
-                <a:cs typeface="Times New Roman" panose="02020603050405020304" pitchFamily="18" charset="0"/>
-              </a:rPr>
-              <a:t>ms</a:t>
-            </a:r>
+              <a:t>Obtain optimal solution </a:t>
+            </a:r>
+          </a:p>
+          <a:p>
             <a:r>
               <a:rPr lang="en-US" altLang="zh-CN" sz="1400" dirty="0" smtClean="0">
                 <a:latin typeface="Times New Roman" panose="02020603050405020304" pitchFamily="18" charset="0"/>
                 <a:cs typeface="Times New Roman" panose="02020603050405020304" pitchFamily="18" charset="0"/>
               </a:rPr>
-              <a:t>)</a:t>
-            </a:r>
-            <a:endParaRPr lang="zh-CN" altLang="en-US" sz="1400" dirty="0">
-              <a:latin typeface="Times New Roman" panose="02020603050405020304" pitchFamily="18" charset="0"/>
-              <a:cs typeface="Times New Roman" panose="02020603050405020304" pitchFamily="18" charset="0"/>
-            </a:endParaRPr>
-          </a:p>
-        </p:txBody>
-      </p:sp>
-      <p:sp>
-        <p:nvSpPr>
-          <p:cNvPr id="103" name="文本框 102"/>
-          <p:cNvSpPr txBox="1"/>
-          <p:nvPr/>
-        </p:nvSpPr>
-        <p:spPr>
-          <a:xfrm>
-            <a:off x="1630658" y="4345434"/>
-            <a:ext cx="1042444" cy="307777"/>
-          </a:xfrm>
-          <a:prstGeom prst="rect">
-            <a:avLst/>
-          </a:prstGeom>
-          <a:noFill/>
-        </p:spPr>
-        <p:txBody>
-          <a:bodyPr wrap="square" rtlCol="0">
-            <a:spAutoFit/>
-          </a:bodyPr>
-          <a:lstStyle/>
-          <a:p>
-            <a:r>
-              <a:rPr lang="en-US" altLang="zh-CN" sz="1400" dirty="0" smtClean="0">
-                <a:latin typeface="Times New Roman" panose="02020603050405020304" pitchFamily="18" charset="0"/>
-                <a:cs typeface="Times New Roman" panose="02020603050405020304" pitchFamily="18" charset="0"/>
-              </a:rPr>
-              <a:t>NF B (2 </a:t>
-            </a:r>
-            <a:r>
-              <a:rPr lang="en-US" altLang="zh-CN" sz="1400" dirty="0" err="1" smtClean="0">
-                <a:latin typeface="Times New Roman" panose="02020603050405020304" pitchFamily="18" charset="0"/>
-                <a:cs typeface="Times New Roman" panose="02020603050405020304" pitchFamily="18" charset="0"/>
-              </a:rPr>
-              <a:t>ms</a:t>
-            </a:r>
-            <a:r>
-              <a:rPr lang="en-US" altLang="zh-CN" sz="1400" dirty="0" smtClean="0">
-                <a:latin typeface="Times New Roman" panose="02020603050405020304" pitchFamily="18" charset="0"/>
-                <a:cs typeface="Times New Roman" panose="02020603050405020304" pitchFamily="18" charset="0"/>
-              </a:rPr>
-              <a:t>)</a:t>
-            </a:r>
-            <a:endParaRPr lang="zh-CN" altLang="en-US" sz="1400" dirty="0">
-              <a:latin typeface="Times New Roman" panose="02020603050405020304" pitchFamily="18" charset="0"/>
-              <a:cs typeface="Times New Roman" panose="02020603050405020304" pitchFamily="18" charset="0"/>
-            </a:endParaRPr>
-          </a:p>
-        </p:txBody>
-      </p:sp>
-      <p:sp>
-        <p:nvSpPr>
-          <p:cNvPr id="104" name="文本框 103"/>
-          <p:cNvSpPr txBox="1"/>
-          <p:nvPr/>
-        </p:nvSpPr>
-        <p:spPr>
-          <a:xfrm>
-            <a:off x="2793257" y="4345434"/>
-            <a:ext cx="1042444" cy="307777"/>
-          </a:xfrm>
-          <a:prstGeom prst="rect">
-            <a:avLst/>
-          </a:prstGeom>
-          <a:noFill/>
-        </p:spPr>
-        <p:txBody>
-          <a:bodyPr wrap="square" rtlCol="0">
-            <a:spAutoFit/>
-          </a:bodyPr>
-          <a:lstStyle/>
-          <a:p>
-            <a:r>
-              <a:rPr lang="en-US" altLang="zh-CN" sz="1400" dirty="0" smtClean="0">
-                <a:latin typeface="Times New Roman" panose="02020603050405020304" pitchFamily="18" charset="0"/>
-                <a:cs typeface="Times New Roman" panose="02020603050405020304" pitchFamily="18" charset="0"/>
-              </a:rPr>
-              <a:t>NF </a:t>
-            </a:r>
-            <a:r>
-              <a:rPr lang="en-US" altLang="zh-CN" sz="1400" dirty="0">
-                <a:latin typeface="Times New Roman" panose="02020603050405020304" pitchFamily="18" charset="0"/>
-                <a:cs typeface="Times New Roman" panose="02020603050405020304" pitchFamily="18" charset="0"/>
-              </a:rPr>
-              <a:t>C</a:t>
-            </a:r>
-            <a:r>
-              <a:rPr lang="en-US" altLang="zh-CN" sz="1400" dirty="0" smtClean="0">
-                <a:latin typeface="Times New Roman" panose="02020603050405020304" pitchFamily="18" charset="0"/>
-                <a:cs typeface="Times New Roman" panose="02020603050405020304" pitchFamily="18" charset="0"/>
-              </a:rPr>
-              <a:t> (1 </a:t>
-            </a:r>
-            <a:r>
-              <a:rPr lang="en-US" altLang="zh-CN" sz="1400" dirty="0" err="1" smtClean="0">
-                <a:latin typeface="Times New Roman" panose="02020603050405020304" pitchFamily="18" charset="0"/>
-                <a:cs typeface="Times New Roman" panose="02020603050405020304" pitchFamily="18" charset="0"/>
-              </a:rPr>
-              <a:t>ms</a:t>
-            </a:r>
-            <a:r>
-              <a:rPr lang="en-US" altLang="zh-CN" sz="1400" dirty="0" smtClean="0">
-                <a:latin typeface="Times New Roman" panose="02020603050405020304" pitchFamily="18" charset="0"/>
-                <a:cs typeface="Times New Roman" panose="02020603050405020304" pitchFamily="18" charset="0"/>
-              </a:rPr>
-              <a:t>)</a:t>
+              <a:t>by traversing</a:t>
             </a:r>
             <a:endParaRPr lang="zh-CN" altLang="en-US" sz="1400" dirty="0">
               <a:latin typeface="Times New Roman" panose="02020603050405020304" pitchFamily="18" charset="0"/>
@@ -5517,7 +3887,7 @@
         </p:nvSpPr>
         <p:spPr>
           <a:xfrm>
-            <a:off x="3821142" y="3776235"/>
+            <a:off x="9052283" y="5168587"/>
             <a:ext cx="1444418" cy="523220"/>
           </a:xfrm>
           <a:prstGeom prst="rect">
@@ -5563,78 +3933,6 @@
                 <a:cs typeface="Times New Roman" panose="02020603050405020304" pitchFamily="18" charset="0"/>
               </a:rPr>
               <a:t>trategies in total. </a:t>
-            </a:r>
-            <a:endParaRPr lang="zh-CN" altLang="en-US" sz="1400" dirty="0">
-              <a:latin typeface="Times New Roman" panose="02020603050405020304" pitchFamily="18" charset="0"/>
-              <a:cs typeface="Times New Roman" panose="02020603050405020304" pitchFamily="18" charset="0"/>
-            </a:endParaRPr>
-          </a:p>
-        </p:txBody>
-      </p:sp>
-      <p:sp>
-        <p:nvSpPr>
-          <p:cNvPr id="107" name="文本框 106"/>
-          <p:cNvSpPr txBox="1"/>
-          <p:nvPr/>
-        </p:nvSpPr>
-        <p:spPr>
-          <a:xfrm>
-            <a:off x="6130988" y="3487640"/>
-            <a:ext cx="1524485" cy="307777"/>
-          </a:xfrm>
-          <a:prstGeom prst="rect">
-            <a:avLst/>
-          </a:prstGeom>
-          <a:noFill/>
-        </p:spPr>
-        <p:txBody>
-          <a:bodyPr wrap="square" rtlCol="0">
-            <a:spAutoFit/>
-          </a:bodyPr>
-          <a:lstStyle/>
-          <a:p>
-            <a:r>
-              <a:rPr lang="en-US" altLang="zh-CN" sz="1400" dirty="0" smtClean="0">
-                <a:latin typeface="Times New Roman" panose="02020603050405020304" pitchFamily="18" charset="0"/>
-                <a:cs typeface="Times New Roman" panose="02020603050405020304" pitchFamily="18" charset="0"/>
-              </a:rPr>
-              <a:t>Total latency: 3ms</a:t>
-            </a:r>
-            <a:endParaRPr lang="zh-CN" altLang="en-US" sz="1400" dirty="0">
-              <a:latin typeface="Times New Roman" panose="02020603050405020304" pitchFamily="18" charset="0"/>
-              <a:cs typeface="Times New Roman" panose="02020603050405020304" pitchFamily="18" charset="0"/>
-            </a:endParaRPr>
-          </a:p>
-        </p:txBody>
-      </p:sp>
-      <p:sp>
-        <p:nvSpPr>
-          <p:cNvPr id="108" name="文本框 107"/>
-          <p:cNvSpPr txBox="1"/>
-          <p:nvPr/>
-        </p:nvSpPr>
-        <p:spPr>
-          <a:xfrm>
-            <a:off x="6130987" y="6375104"/>
-            <a:ext cx="1524485" cy="307777"/>
-          </a:xfrm>
-          <a:prstGeom prst="rect">
-            <a:avLst/>
-          </a:prstGeom>
-          <a:noFill/>
-        </p:spPr>
-        <p:txBody>
-          <a:bodyPr wrap="square" rtlCol="0">
-            <a:spAutoFit/>
-          </a:bodyPr>
-          <a:lstStyle/>
-          <a:p>
-            <a:r>
-              <a:rPr lang="en-US" altLang="zh-CN" sz="1400" dirty="0" smtClean="0">
-                <a:latin typeface="Times New Roman" panose="02020603050405020304" pitchFamily="18" charset="0"/>
-                <a:cs typeface="Times New Roman" panose="02020603050405020304" pitchFamily="18" charset="0"/>
-              </a:rPr>
-              <a:t>Total latency: 4ms</a:t>
             </a:r>
             <a:endParaRPr lang="zh-CN" altLang="en-US" sz="1400" dirty="0">
               <a:latin typeface="Times New Roman" panose="02020603050405020304" pitchFamily="18" charset="0"/>
@@ -5651,7 +3949,7 @@
         </p:nvSpPr>
         <p:spPr>
           <a:xfrm>
-            <a:off x="10107028" y="5144001"/>
+            <a:off x="5313795" y="6065377"/>
             <a:ext cx="2016056" cy="523220"/>
           </a:xfrm>
           <a:prstGeom prst="rect">
@@ -5695,114 +3993,2359 @@
           </a:p>
         </p:txBody>
       </p:sp>
-      <p:sp>
-        <p:nvSpPr>
-          <p:cNvPr id="116" name="文本框 115"/>
-          <p:cNvSpPr txBox="1"/>
-          <p:nvPr/>
-        </p:nvSpPr>
-        <p:spPr>
+      <p:grpSp>
+        <p:nvGrpSpPr>
+          <p:cNvPr id="16" name="组合 15"/>
+          <p:cNvGrpSpPr/>
+          <p:nvPr/>
+        </p:nvGrpSpPr>
+        <p:grpSpPr>
           <a:xfrm>
-            <a:off x="5885005" y="2236278"/>
-            <a:ext cx="929377" cy="523220"/>
-          </a:xfrm>
-          <a:prstGeom prst="rect">
-            <a:avLst/>
-          </a:prstGeom>
-          <a:noFill/>
-        </p:spPr>
-        <p:txBody>
-          <a:bodyPr wrap="square" rtlCol="0">
-            <a:spAutoFit/>
-          </a:bodyPr>
-          <a:lstStyle/>
-          <a:p>
-            <a:r>
-              <a:rPr lang="en-US" altLang="zh-CN" sz="1400" dirty="0" smtClean="0">
+            <a:off x="4303386" y="2123548"/>
+            <a:ext cx="2002713" cy="2225727"/>
+            <a:chOff x="4386189" y="2005675"/>
+            <a:chExt cx="2002713" cy="2225727"/>
+          </a:xfrm>
+        </p:grpSpPr>
+        <p:sp>
+          <p:nvSpPr>
+            <p:cNvPr id="88" name="矩形 87"/>
+            <p:cNvSpPr/>
+            <p:nvPr/>
+          </p:nvSpPr>
+          <p:spPr>
+            <a:xfrm>
+              <a:off x="5354812" y="2005675"/>
+              <a:ext cx="1002735" cy="1917950"/>
+            </a:xfrm>
+            <a:prstGeom prst="rect">
+              <a:avLst/>
+            </a:prstGeom>
+            <a:solidFill>
+              <a:schemeClr val="bg1">
+                <a:lumMod val="85000"/>
+              </a:schemeClr>
+            </a:solidFill>
+            <a:ln>
+              <a:solidFill>
+                <a:schemeClr val="bg2"/>
+              </a:solidFill>
+            </a:ln>
+          </p:spPr>
+          <p:style>
+            <a:lnRef idx="2">
+              <a:schemeClr val="accent3">
+                <a:shade val="50000"/>
+              </a:schemeClr>
+            </a:lnRef>
+            <a:fillRef idx="1">
+              <a:schemeClr val="accent3"/>
+            </a:fillRef>
+            <a:effectRef idx="0">
+              <a:schemeClr val="accent3"/>
+            </a:effectRef>
+            <a:fontRef idx="minor">
+              <a:schemeClr val="lt1"/>
+            </a:fontRef>
+          </p:style>
+          <p:txBody>
+            <a:bodyPr rtlCol="0" anchor="ctr"/>
+            <a:lstStyle/>
+            <a:p>
+              <a:pPr algn="ctr"/>
+              <a:endParaRPr lang="zh-CN" altLang="en-US"/>
+            </a:p>
+          </p:txBody>
+        </p:sp>
+        <p:grpSp>
+          <p:nvGrpSpPr>
+            <p:cNvPr id="65" name="组合 64"/>
+            <p:cNvGrpSpPr/>
+            <p:nvPr/>
+          </p:nvGrpSpPr>
+          <p:grpSpPr>
+            <a:xfrm>
+              <a:off x="4386189" y="2676650"/>
+              <a:ext cx="576000" cy="576000"/>
+              <a:chOff x="722982" y="3756375"/>
+              <a:chExt cx="576000" cy="576000"/>
+            </a:xfrm>
+          </p:grpSpPr>
+          <p:sp>
+            <p:nvSpPr>
+              <p:cNvPr id="66" name="矩形 65"/>
+              <p:cNvSpPr/>
+              <p:nvPr/>
+            </p:nvSpPr>
+            <p:spPr>
+              <a:xfrm>
+                <a:off x="722982" y="3756375"/>
+                <a:ext cx="288000" cy="576000"/>
+              </a:xfrm>
+              <a:prstGeom prst="rect">
+                <a:avLst/>
+              </a:prstGeom>
+              <a:ln>
+                <a:noFill/>
+              </a:ln>
+            </p:spPr>
+            <p:style>
+              <a:lnRef idx="2">
+                <a:schemeClr val="accent6">
+                  <a:shade val="50000"/>
+                </a:schemeClr>
+              </a:lnRef>
+              <a:fillRef idx="1">
+                <a:schemeClr val="accent6"/>
+              </a:fillRef>
+              <a:effectRef idx="0">
+                <a:schemeClr val="accent6"/>
+              </a:effectRef>
+              <a:fontRef idx="minor">
+                <a:schemeClr val="lt1"/>
+              </a:fontRef>
+            </p:style>
+            <p:txBody>
+              <a:bodyPr rtlCol="0" anchor="ctr"/>
+              <a:lstStyle/>
+              <a:p>
+                <a:pPr algn="ctr"/>
+                <a:endParaRPr lang="zh-CN" altLang="en-US" sz="1100" dirty="0">
+                  <a:latin typeface="Times New Roman" panose="02020603050405020304" pitchFamily="18" charset="0"/>
+                  <a:cs typeface="Times New Roman" panose="02020603050405020304" pitchFamily="18" charset="0"/>
+                </a:endParaRPr>
+              </a:p>
+            </p:txBody>
+          </p:sp>
+          <p:sp>
+            <p:nvSpPr>
+              <p:cNvPr id="67" name="矩形 66"/>
+              <p:cNvSpPr/>
+              <p:nvPr/>
+            </p:nvSpPr>
+            <p:spPr>
+              <a:xfrm>
+                <a:off x="1010982" y="3756375"/>
+                <a:ext cx="288000" cy="576000"/>
+              </a:xfrm>
+              <a:prstGeom prst="rect">
+                <a:avLst/>
+              </a:prstGeom>
+              <a:ln>
+                <a:noFill/>
+              </a:ln>
+            </p:spPr>
+            <p:style>
+              <a:lnRef idx="2">
+                <a:schemeClr val="accent6">
+                  <a:shade val="50000"/>
+                </a:schemeClr>
+              </a:lnRef>
+              <a:fillRef idx="1">
+                <a:schemeClr val="accent6"/>
+              </a:fillRef>
+              <a:effectRef idx="0">
+                <a:schemeClr val="accent6"/>
+              </a:effectRef>
+              <a:fontRef idx="minor">
+                <a:schemeClr val="lt1"/>
+              </a:fontRef>
+            </p:style>
+            <p:txBody>
+              <a:bodyPr rtlCol="0" anchor="ctr"/>
+              <a:lstStyle/>
+              <a:p>
+                <a:pPr algn="ctr"/>
+                <a:endParaRPr lang="zh-CN" altLang="en-US" sz="1100" dirty="0">
+                  <a:latin typeface="Times New Roman" panose="02020603050405020304" pitchFamily="18" charset="0"/>
+                  <a:cs typeface="Times New Roman" panose="02020603050405020304" pitchFamily="18" charset="0"/>
+                </a:endParaRPr>
+              </a:p>
+            </p:txBody>
+          </p:sp>
+        </p:grpSp>
+        <p:grpSp>
+          <p:nvGrpSpPr>
+            <p:cNvPr id="68" name="组合 67"/>
+            <p:cNvGrpSpPr/>
+            <p:nvPr/>
+          </p:nvGrpSpPr>
+          <p:grpSpPr>
+            <a:xfrm>
+              <a:off x="5568180" y="2100650"/>
+              <a:ext cx="576000" cy="576000"/>
+              <a:chOff x="1899933" y="3756375"/>
+              <a:chExt cx="576000" cy="576000"/>
+            </a:xfrm>
+          </p:grpSpPr>
+          <p:sp>
+            <p:nvSpPr>
+              <p:cNvPr id="69" name="矩形 68"/>
+              <p:cNvSpPr/>
+              <p:nvPr/>
+            </p:nvSpPr>
+            <p:spPr>
+              <a:xfrm>
+                <a:off x="1899933" y="3756375"/>
+                <a:ext cx="288000" cy="576000"/>
+              </a:xfrm>
+              <a:prstGeom prst="rect">
+                <a:avLst/>
+              </a:prstGeom>
+              <a:ln>
+                <a:noFill/>
+              </a:ln>
+            </p:spPr>
+            <p:style>
+              <a:lnRef idx="2">
+                <a:schemeClr val="accent6">
+                  <a:shade val="50000"/>
+                </a:schemeClr>
+              </a:lnRef>
+              <a:fillRef idx="1">
+                <a:schemeClr val="accent6"/>
+              </a:fillRef>
+              <a:effectRef idx="0">
+                <a:schemeClr val="accent6"/>
+              </a:effectRef>
+              <a:fontRef idx="minor">
+                <a:schemeClr val="lt1"/>
+              </a:fontRef>
+            </p:style>
+            <p:txBody>
+              <a:bodyPr rtlCol="0" anchor="ctr"/>
+              <a:lstStyle/>
+              <a:p>
+                <a:pPr algn="ctr"/>
+                <a:endParaRPr lang="zh-CN" altLang="en-US" sz="1100" dirty="0">
+                  <a:latin typeface="Times New Roman" panose="02020603050405020304" pitchFamily="18" charset="0"/>
+                  <a:cs typeface="Times New Roman" panose="02020603050405020304" pitchFamily="18" charset="0"/>
+                </a:endParaRPr>
+              </a:p>
+            </p:txBody>
+          </p:sp>
+          <p:sp>
+            <p:nvSpPr>
+              <p:cNvPr id="70" name="矩形 69"/>
+              <p:cNvSpPr/>
+              <p:nvPr/>
+            </p:nvSpPr>
+            <p:spPr>
+              <a:xfrm>
+                <a:off x="2187933" y="3756375"/>
+                <a:ext cx="288000" cy="576000"/>
+              </a:xfrm>
+              <a:prstGeom prst="rect">
+                <a:avLst/>
+              </a:prstGeom>
+              <a:solidFill>
+                <a:schemeClr val="accent4">
+                  <a:lumMod val="60000"/>
+                  <a:lumOff val="40000"/>
+                </a:schemeClr>
+              </a:solidFill>
+              <a:ln>
+                <a:noFill/>
+              </a:ln>
+            </p:spPr>
+            <p:style>
+              <a:lnRef idx="2">
+                <a:schemeClr val="accent1">
+                  <a:shade val="50000"/>
+                </a:schemeClr>
+              </a:lnRef>
+              <a:fillRef idx="1">
+                <a:schemeClr val="accent1"/>
+              </a:fillRef>
+              <a:effectRef idx="0">
+                <a:schemeClr val="accent1"/>
+              </a:effectRef>
+              <a:fontRef idx="minor">
+                <a:schemeClr val="lt1"/>
+              </a:fontRef>
+            </p:style>
+            <p:txBody>
+              <a:bodyPr rtlCol="0" anchor="ctr"/>
+              <a:lstStyle/>
+              <a:p>
+                <a:pPr algn="ctr"/>
+                <a:endParaRPr lang="zh-CN" altLang="en-US" dirty="0">
+                  <a:solidFill>
+                    <a:schemeClr val="tx1"/>
+                  </a:solidFill>
+                  <a:latin typeface="Times New Roman" panose="02020603050405020304" pitchFamily="18" charset="0"/>
+                  <a:cs typeface="Times New Roman" panose="02020603050405020304" pitchFamily="18" charset="0"/>
+                </a:endParaRPr>
+              </a:p>
+            </p:txBody>
+          </p:sp>
+        </p:grpSp>
+        <p:grpSp>
+          <p:nvGrpSpPr>
+            <p:cNvPr id="71" name="组合 70"/>
+            <p:cNvGrpSpPr/>
+            <p:nvPr/>
+          </p:nvGrpSpPr>
+          <p:grpSpPr>
+            <a:xfrm>
+              <a:off x="5573041" y="3252650"/>
+              <a:ext cx="576000" cy="576000"/>
+              <a:chOff x="3004779" y="3756375"/>
+              <a:chExt cx="576000" cy="576000"/>
+            </a:xfrm>
+          </p:grpSpPr>
+          <p:sp>
+            <p:nvSpPr>
+              <p:cNvPr id="72" name="矩形 71"/>
+              <p:cNvSpPr/>
+              <p:nvPr/>
+            </p:nvSpPr>
+            <p:spPr>
+              <a:xfrm>
+                <a:off x="3004779" y="3756375"/>
+                <a:ext cx="288000" cy="576000"/>
+              </a:xfrm>
+              <a:prstGeom prst="rect">
+                <a:avLst/>
+              </a:prstGeom>
+              <a:solidFill>
+                <a:schemeClr val="accent4">
+                  <a:lumMod val="60000"/>
+                  <a:lumOff val="40000"/>
+                </a:schemeClr>
+              </a:solidFill>
+              <a:ln>
+                <a:noFill/>
+              </a:ln>
+            </p:spPr>
+            <p:style>
+              <a:lnRef idx="2">
+                <a:schemeClr val="accent1">
+                  <a:shade val="50000"/>
+                </a:schemeClr>
+              </a:lnRef>
+              <a:fillRef idx="1">
+                <a:schemeClr val="accent1"/>
+              </a:fillRef>
+              <a:effectRef idx="0">
+                <a:schemeClr val="accent1"/>
+              </a:effectRef>
+              <a:fontRef idx="minor">
+                <a:schemeClr val="lt1"/>
+              </a:fontRef>
+            </p:style>
+            <p:txBody>
+              <a:bodyPr rtlCol="0" anchor="ctr"/>
+              <a:lstStyle/>
+              <a:p>
+                <a:pPr algn="ctr"/>
+                <a:endParaRPr lang="zh-CN" altLang="en-US" dirty="0">
+                  <a:solidFill>
+                    <a:schemeClr val="tx1"/>
+                  </a:solidFill>
+                  <a:latin typeface="Times New Roman" panose="02020603050405020304" pitchFamily="18" charset="0"/>
+                  <a:cs typeface="Times New Roman" panose="02020603050405020304" pitchFamily="18" charset="0"/>
+                </a:endParaRPr>
+              </a:p>
+            </p:txBody>
+          </p:sp>
+          <p:sp>
+            <p:nvSpPr>
+              <p:cNvPr id="73" name="矩形 72"/>
+              <p:cNvSpPr/>
+              <p:nvPr/>
+            </p:nvSpPr>
+            <p:spPr>
+              <a:xfrm>
+                <a:off x="3292779" y="3756375"/>
+                <a:ext cx="288000" cy="576000"/>
+              </a:xfrm>
+              <a:prstGeom prst="rect">
+                <a:avLst/>
+              </a:prstGeom>
+              <a:solidFill>
+                <a:schemeClr val="accent4">
+                  <a:lumMod val="60000"/>
+                  <a:lumOff val="40000"/>
+                </a:schemeClr>
+              </a:solidFill>
+              <a:ln>
+                <a:noFill/>
+              </a:ln>
+            </p:spPr>
+            <p:style>
+              <a:lnRef idx="2">
+                <a:schemeClr val="accent1">
+                  <a:shade val="50000"/>
+                </a:schemeClr>
+              </a:lnRef>
+              <a:fillRef idx="1">
+                <a:schemeClr val="accent1"/>
+              </a:fillRef>
+              <a:effectRef idx="0">
+                <a:schemeClr val="accent1"/>
+              </a:effectRef>
+              <a:fontRef idx="minor">
+                <a:schemeClr val="lt1"/>
+              </a:fontRef>
+            </p:style>
+            <p:txBody>
+              <a:bodyPr rtlCol="0" anchor="ctr"/>
+              <a:lstStyle/>
+              <a:p>
+                <a:pPr algn="ctr"/>
+                <a:endParaRPr lang="zh-CN" altLang="en-US" dirty="0">
+                  <a:solidFill>
+                    <a:schemeClr val="tx1"/>
+                  </a:solidFill>
+                  <a:latin typeface="Times New Roman" panose="02020603050405020304" pitchFamily="18" charset="0"/>
+                  <a:cs typeface="Times New Roman" panose="02020603050405020304" pitchFamily="18" charset="0"/>
+                </a:endParaRPr>
+              </a:p>
+            </p:txBody>
+          </p:sp>
+        </p:grpSp>
+        <p:cxnSp>
+          <p:nvCxnSpPr>
+            <p:cNvPr id="80" name="直接箭头连接符 79"/>
+            <p:cNvCxnSpPr>
+              <a:stCxn id="67" idx="3"/>
+              <a:endCxn id="69" idx="1"/>
+            </p:cNvCxnSpPr>
+            <p:nvPr/>
+          </p:nvCxnSpPr>
+          <p:spPr>
+            <a:xfrm flipV="1">
+              <a:off x="4962189" y="2388650"/>
+              <a:ext cx="605991" cy="576000"/>
+            </a:xfrm>
+            <a:prstGeom prst="straightConnector1">
+              <a:avLst/>
+            </a:prstGeom>
+            <a:ln w="19050">
+              <a:tailEnd type="triangle"/>
+            </a:ln>
+          </p:spPr>
+          <p:style>
+            <a:lnRef idx="1">
+              <a:schemeClr val="accent6"/>
+            </a:lnRef>
+            <a:fillRef idx="0">
+              <a:schemeClr val="accent6"/>
+            </a:fillRef>
+            <a:effectRef idx="0">
+              <a:schemeClr val="accent6"/>
+            </a:effectRef>
+            <a:fontRef idx="minor">
+              <a:schemeClr val="tx1"/>
+            </a:fontRef>
+          </p:style>
+        </p:cxnSp>
+        <p:cxnSp>
+          <p:nvCxnSpPr>
+            <p:cNvPr id="83" name="直接箭头连接符 82"/>
+            <p:cNvCxnSpPr>
+              <a:stCxn id="67" idx="3"/>
+              <a:endCxn id="72" idx="1"/>
+            </p:cNvCxnSpPr>
+            <p:nvPr/>
+          </p:nvCxnSpPr>
+          <p:spPr>
+            <a:xfrm>
+              <a:off x="4962189" y="2964650"/>
+              <a:ext cx="610852" cy="576000"/>
+            </a:xfrm>
+            <a:prstGeom prst="straightConnector1">
+              <a:avLst/>
+            </a:prstGeom>
+            <a:ln w="19050">
+              <a:tailEnd type="triangle"/>
+            </a:ln>
+          </p:spPr>
+          <p:style>
+            <a:lnRef idx="1">
+              <a:schemeClr val="accent6"/>
+            </a:lnRef>
+            <a:fillRef idx="0">
+              <a:schemeClr val="accent6"/>
+            </a:fillRef>
+            <a:effectRef idx="0">
+              <a:schemeClr val="accent6"/>
+            </a:effectRef>
+            <a:fontRef idx="minor">
+              <a:schemeClr val="tx1"/>
+            </a:fontRef>
+          </p:style>
+        </p:cxnSp>
+        <p:sp>
+          <p:nvSpPr>
+            <p:cNvPr id="108" name="文本框 107"/>
+            <p:cNvSpPr txBox="1"/>
+            <p:nvPr/>
+          </p:nvSpPr>
+          <p:spPr>
+            <a:xfrm>
+              <a:off x="4743482" y="3923625"/>
+              <a:ext cx="1524485" cy="307777"/>
+            </a:xfrm>
+            <a:prstGeom prst="rect">
+              <a:avLst/>
+            </a:prstGeom>
+            <a:noFill/>
+          </p:spPr>
+          <p:txBody>
+            <a:bodyPr wrap="square" rtlCol="0">
+              <a:spAutoFit/>
+            </a:bodyPr>
+            <a:lstStyle/>
+            <a:p>
+              <a:r>
+                <a:rPr lang="en-US" altLang="zh-CN" sz="1400" dirty="0" smtClean="0">
+                  <a:latin typeface="Times New Roman" panose="02020603050405020304" pitchFamily="18" charset="0"/>
+                  <a:cs typeface="Times New Roman" panose="02020603050405020304" pitchFamily="18" charset="0"/>
+                </a:rPr>
+                <a:t>Total latency: 4ms</a:t>
+              </a:r>
+              <a:endParaRPr lang="zh-CN" altLang="en-US" sz="1400" dirty="0">
                 <a:latin typeface="Times New Roman" panose="02020603050405020304" pitchFamily="18" charset="0"/>
                 <a:cs typeface="Times New Roman" panose="02020603050405020304" pitchFamily="18" charset="0"/>
-              </a:rPr>
-              <a:t>Running in parallel</a:t>
-            </a:r>
-            <a:endParaRPr lang="zh-CN" altLang="en-US" sz="1400" dirty="0">
-              <a:latin typeface="Times New Roman" panose="02020603050405020304" pitchFamily="18" charset="0"/>
-              <a:cs typeface="Times New Roman" panose="02020603050405020304" pitchFamily="18" charset="0"/>
-            </a:endParaRPr>
-          </a:p>
-        </p:txBody>
-      </p:sp>
-      <p:sp>
-        <p:nvSpPr>
-          <p:cNvPr id="117" name="文本框 116"/>
-          <p:cNvSpPr txBox="1"/>
-          <p:nvPr/>
-        </p:nvSpPr>
-        <p:spPr>
-          <a:xfrm>
-            <a:off x="6847030" y="5133422"/>
-            <a:ext cx="929377" cy="523220"/>
-          </a:xfrm>
-          <a:prstGeom prst="rect">
-            <a:avLst/>
-          </a:prstGeom>
-          <a:noFill/>
-        </p:spPr>
-        <p:txBody>
-          <a:bodyPr wrap="square" rtlCol="0">
-            <a:spAutoFit/>
-          </a:bodyPr>
-          <a:lstStyle/>
-          <a:p>
-            <a:r>
-              <a:rPr lang="en-US" altLang="zh-CN" sz="1400" dirty="0" smtClean="0">
+              </a:endParaRPr>
+            </a:p>
+          </p:txBody>
+        </p:sp>
+        <p:sp>
+          <p:nvSpPr>
+            <p:cNvPr id="117" name="文本框 116"/>
+            <p:cNvSpPr txBox="1"/>
+            <p:nvPr/>
+          </p:nvSpPr>
+          <p:spPr>
+            <a:xfrm>
+              <a:off x="5459525" y="2681943"/>
+              <a:ext cx="929377" cy="523220"/>
+            </a:xfrm>
+            <a:prstGeom prst="rect">
+              <a:avLst/>
+            </a:prstGeom>
+            <a:noFill/>
+          </p:spPr>
+          <p:txBody>
+            <a:bodyPr wrap="square" rtlCol="0">
+              <a:spAutoFit/>
+            </a:bodyPr>
+            <a:lstStyle/>
+            <a:p>
+              <a:r>
+                <a:rPr lang="en-US" altLang="zh-CN" sz="1400" dirty="0" smtClean="0">
+                  <a:latin typeface="Times New Roman" panose="02020603050405020304" pitchFamily="18" charset="0"/>
+                  <a:cs typeface="Times New Roman" panose="02020603050405020304" pitchFamily="18" charset="0"/>
+                </a:rPr>
+                <a:t>Running in parallel</a:t>
+              </a:r>
+              <a:endParaRPr lang="zh-CN" altLang="en-US" sz="1400" dirty="0">
                 <a:latin typeface="Times New Roman" panose="02020603050405020304" pitchFamily="18" charset="0"/>
                 <a:cs typeface="Times New Roman" panose="02020603050405020304" pitchFamily="18" charset="0"/>
-              </a:rPr>
-              <a:t>Running in parallel</a:t>
-            </a:r>
-            <a:endParaRPr lang="zh-CN" altLang="en-US" sz="1400" dirty="0">
-              <a:latin typeface="Times New Roman" panose="02020603050405020304" pitchFamily="18" charset="0"/>
-              <a:cs typeface="Times New Roman" panose="02020603050405020304" pitchFamily="18" charset="0"/>
-            </a:endParaRPr>
-          </a:p>
-        </p:txBody>
-      </p:sp>
-      <p:sp>
-        <p:nvSpPr>
-          <p:cNvPr id="118" name="文本框 117"/>
-          <p:cNvSpPr txBox="1"/>
-          <p:nvPr/>
-        </p:nvSpPr>
-        <p:spPr>
+              </a:endParaRPr>
+            </a:p>
+          </p:txBody>
+        </p:sp>
+      </p:grpSp>
+      <p:grpSp>
+        <p:nvGrpSpPr>
+          <p:cNvPr id="15" name="组合 14"/>
+          <p:cNvGrpSpPr/>
+          <p:nvPr/>
+        </p:nvGrpSpPr>
+        <p:grpSpPr>
           <a:xfrm>
-            <a:off x="10111302" y="3881650"/>
-            <a:ext cx="929377" cy="523220"/>
-          </a:xfrm>
-          <a:prstGeom prst="rect">
-            <a:avLst/>
-          </a:prstGeom>
-          <a:noFill/>
-        </p:spPr>
-        <p:txBody>
-          <a:bodyPr wrap="square" rtlCol="0">
-            <a:spAutoFit/>
-          </a:bodyPr>
-          <a:lstStyle/>
-          <a:p>
-            <a:r>
-              <a:rPr lang="en-US" altLang="zh-CN" sz="1400" dirty="0" smtClean="0">
+            <a:off x="4120402" y="217364"/>
+            <a:ext cx="3367642" cy="896836"/>
+            <a:chOff x="4120402" y="217364"/>
+            <a:chExt cx="3367642" cy="896836"/>
+          </a:xfrm>
+        </p:grpSpPr>
+        <p:grpSp>
+          <p:nvGrpSpPr>
+            <p:cNvPr id="46" name="组合 45"/>
+            <p:cNvGrpSpPr/>
+            <p:nvPr/>
+          </p:nvGrpSpPr>
+          <p:grpSpPr>
+            <a:xfrm>
+              <a:off x="4375325" y="217364"/>
+              <a:ext cx="576000" cy="576000"/>
+              <a:chOff x="722982" y="3756375"/>
+              <a:chExt cx="576000" cy="576000"/>
+            </a:xfrm>
+          </p:grpSpPr>
+          <p:sp>
+            <p:nvSpPr>
+              <p:cNvPr id="13" name="矩形 12"/>
+              <p:cNvSpPr/>
+              <p:nvPr/>
+            </p:nvSpPr>
+            <p:spPr>
+              <a:xfrm>
+                <a:off x="722982" y="3756375"/>
+                <a:ext cx="288000" cy="576000"/>
+              </a:xfrm>
+              <a:prstGeom prst="rect">
+                <a:avLst/>
+              </a:prstGeom>
+              <a:ln>
+                <a:noFill/>
+              </a:ln>
+            </p:spPr>
+            <p:style>
+              <a:lnRef idx="2">
+                <a:schemeClr val="accent6">
+                  <a:shade val="50000"/>
+                </a:schemeClr>
+              </a:lnRef>
+              <a:fillRef idx="1">
+                <a:schemeClr val="accent6"/>
+              </a:fillRef>
+              <a:effectRef idx="0">
+                <a:schemeClr val="accent6"/>
+              </a:effectRef>
+              <a:fontRef idx="minor">
+                <a:schemeClr val="lt1"/>
+              </a:fontRef>
+            </p:style>
+            <p:txBody>
+              <a:bodyPr rtlCol="0" anchor="ctr"/>
+              <a:lstStyle/>
+              <a:p>
+                <a:pPr algn="ctr"/>
+                <a:endParaRPr lang="zh-CN" altLang="en-US" sz="1100" dirty="0">
+                  <a:latin typeface="Times New Roman" panose="02020603050405020304" pitchFamily="18" charset="0"/>
+                  <a:cs typeface="Times New Roman" panose="02020603050405020304" pitchFamily="18" charset="0"/>
+                </a:endParaRPr>
+              </a:p>
+            </p:txBody>
+          </p:sp>
+          <p:sp>
+            <p:nvSpPr>
+              <p:cNvPr id="41" name="矩形 40"/>
+              <p:cNvSpPr/>
+              <p:nvPr/>
+            </p:nvSpPr>
+            <p:spPr>
+              <a:xfrm>
+                <a:off x="1010982" y="3756375"/>
+                <a:ext cx="288000" cy="576000"/>
+              </a:xfrm>
+              <a:prstGeom prst="rect">
+                <a:avLst/>
+              </a:prstGeom>
+              <a:ln>
+                <a:noFill/>
+              </a:ln>
+            </p:spPr>
+            <p:style>
+              <a:lnRef idx="2">
+                <a:schemeClr val="accent6">
+                  <a:shade val="50000"/>
+                </a:schemeClr>
+              </a:lnRef>
+              <a:fillRef idx="1">
+                <a:schemeClr val="accent6"/>
+              </a:fillRef>
+              <a:effectRef idx="0">
+                <a:schemeClr val="accent6"/>
+              </a:effectRef>
+              <a:fontRef idx="minor">
+                <a:schemeClr val="lt1"/>
+              </a:fontRef>
+            </p:style>
+            <p:txBody>
+              <a:bodyPr rtlCol="0" anchor="ctr"/>
+              <a:lstStyle/>
+              <a:p>
+                <a:pPr algn="ctr"/>
+                <a:endParaRPr lang="zh-CN" altLang="en-US" sz="1100" dirty="0">
+                  <a:latin typeface="Times New Roman" panose="02020603050405020304" pitchFamily="18" charset="0"/>
+                  <a:cs typeface="Times New Roman" panose="02020603050405020304" pitchFamily="18" charset="0"/>
+                </a:endParaRPr>
+              </a:p>
+            </p:txBody>
+          </p:sp>
+        </p:grpSp>
+        <p:grpSp>
+          <p:nvGrpSpPr>
+            <p:cNvPr id="47" name="组合 46"/>
+            <p:cNvGrpSpPr/>
+            <p:nvPr/>
+          </p:nvGrpSpPr>
+          <p:grpSpPr>
+            <a:xfrm>
+              <a:off x="5516223" y="217364"/>
+              <a:ext cx="576000" cy="576000"/>
+              <a:chOff x="1899933" y="3756375"/>
+              <a:chExt cx="576000" cy="576000"/>
+            </a:xfrm>
+          </p:grpSpPr>
+          <p:sp>
+            <p:nvSpPr>
+              <p:cNvPr id="42" name="矩形 41"/>
+              <p:cNvSpPr/>
+              <p:nvPr/>
+            </p:nvSpPr>
+            <p:spPr>
+              <a:xfrm>
+                <a:off x="1899933" y="3756375"/>
+                <a:ext cx="288000" cy="576000"/>
+              </a:xfrm>
+              <a:prstGeom prst="rect">
+                <a:avLst/>
+              </a:prstGeom>
+              <a:ln>
+                <a:noFill/>
+              </a:ln>
+            </p:spPr>
+            <p:style>
+              <a:lnRef idx="2">
+                <a:schemeClr val="accent6">
+                  <a:shade val="50000"/>
+                </a:schemeClr>
+              </a:lnRef>
+              <a:fillRef idx="1">
+                <a:schemeClr val="accent6"/>
+              </a:fillRef>
+              <a:effectRef idx="0">
+                <a:schemeClr val="accent6"/>
+              </a:effectRef>
+              <a:fontRef idx="minor">
+                <a:schemeClr val="lt1"/>
+              </a:fontRef>
+            </p:style>
+            <p:txBody>
+              <a:bodyPr rtlCol="0" anchor="ctr"/>
+              <a:lstStyle/>
+              <a:p>
+                <a:pPr algn="ctr"/>
+                <a:endParaRPr lang="zh-CN" altLang="en-US" sz="1100" dirty="0">
+                  <a:latin typeface="Times New Roman" panose="02020603050405020304" pitchFamily="18" charset="0"/>
+                  <a:cs typeface="Times New Roman" panose="02020603050405020304" pitchFamily="18" charset="0"/>
+                </a:endParaRPr>
+              </a:p>
+            </p:txBody>
+          </p:sp>
+          <p:sp>
+            <p:nvSpPr>
+              <p:cNvPr id="43" name="矩形 42"/>
+              <p:cNvSpPr/>
+              <p:nvPr/>
+            </p:nvSpPr>
+            <p:spPr>
+              <a:xfrm>
+                <a:off x="2187933" y="3756375"/>
+                <a:ext cx="288000" cy="576000"/>
+              </a:xfrm>
+              <a:prstGeom prst="rect">
+                <a:avLst/>
+              </a:prstGeom>
+              <a:solidFill>
+                <a:schemeClr val="accent4">
+                  <a:lumMod val="60000"/>
+                  <a:lumOff val="40000"/>
+                </a:schemeClr>
+              </a:solidFill>
+              <a:ln>
+                <a:noFill/>
+              </a:ln>
+            </p:spPr>
+            <p:style>
+              <a:lnRef idx="2">
+                <a:schemeClr val="accent1">
+                  <a:shade val="50000"/>
+                </a:schemeClr>
+              </a:lnRef>
+              <a:fillRef idx="1">
+                <a:schemeClr val="accent1"/>
+              </a:fillRef>
+              <a:effectRef idx="0">
+                <a:schemeClr val="accent1"/>
+              </a:effectRef>
+              <a:fontRef idx="minor">
+                <a:schemeClr val="lt1"/>
+              </a:fontRef>
+            </p:style>
+            <p:txBody>
+              <a:bodyPr rtlCol="0" anchor="ctr"/>
+              <a:lstStyle/>
+              <a:p>
+                <a:pPr algn="ctr"/>
+                <a:endParaRPr lang="zh-CN" altLang="en-US" dirty="0">
+                  <a:solidFill>
+                    <a:schemeClr val="tx1"/>
+                  </a:solidFill>
+                  <a:latin typeface="Times New Roman" panose="02020603050405020304" pitchFamily="18" charset="0"/>
+                  <a:cs typeface="Times New Roman" panose="02020603050405020304" pitchFamily="18" charset="0"/>
+                </a:endParaRPr>
+              </a:p>
+            </p:txBody>
+          </p:sp>
+        </p:grpSp>
+        <p:grpSp>
+          <p:nvGrpSpPr>
+            <p:cNvPr id="48" name="组合 47"/>
+            <p:cNvGrpSpPr/>
+            <p:nvPr/>
+          </p:nvGrpSpPr>
+          <p:grpSpPr>
+            <a:xfrm>
+              <a:off x="6657122" y="217364"/>
+              <a:ext cx="576000" cy="576000"/>
+              <a:chOff x="3004779" y="3756375"/>
+              <a:chExt cx="576000" cy="576000"/>
+            </a:xfrm>
+          </p:grpSpPr>
+          <p:sp>
+            <p:nvSpPr>
+              <p:cNvPr id="44" name="矩形 43"/>
+              <p:cNvSpPr/>
+              <p:nvPr/>
+            </p:nvSpPr>
+            <p:spPr>
+              <a:xfrm>
+                <a:off x="3004779" y="3756375"/>
+                <a:ext cx="288000" cy="576000"/>
+              </a:xfrm>
+              <a:prstGeom prst="rect">
+                <a:avLst/>
+              </a:prstGeom>
+              <a:solidFill>
+                <a:schemeClr val="accent4">
+                  <a:lumMod val="60000"/>
+                  <a:lumOff val="40000"/>
+                </a:schemeClr>
+              </a:solidFill>
+              <a:ln>
+                <a:noFill/>
+              </a:ln>
+            </p:spPr>
+            <p:style>
+              <a:lnRef idx="2">
+                <a:schemeClr val="accent1">
+                  <a:shade val="50000"/>
+                </a:schemeClr>
+              </a:lnRef>
+              <a:fillRef idx="1">
+                <a:schemeClr val="accent1"/>
+              </a:fillRef>
+              <a:effectRef idx="0">
+                <a:schemeClr val="accent1"/>
+              </a:effectRef>
+              <a:fontRef idx="minor">
+                <a:schemeClr val="lt1"/>
+              </a:fontRef>
+            </p:style>
+            <p:txBody>
+              <a:bodyPr rtlCol="0" anchor="ctr"/>
+              <a:lstStyle/>
+              <a:p>
+                <a:pPr algn="ctr"/>
+                <a:endParaRPr lang="zh-CN" altLang="en-US" dirty="0">
+                  <a:solidFill>
+                    <a:schemeClr val="tx1"/>
+                  </a:solidFill>
+                  <a:latin typeface="Times New Roman" panose="02020603050405020304" pitchFamily="18" charset="0"/>
+                  <a:cs typeface="Times New Roman" panose="02020603050405020304" pitchFamily="18" charset="0"/>
+                </a:endParaRPr>
+              </a:p>
+            </p:txBody>
+          </p:sp>
+          <p:sp>
+            <p:nvSpPr>
+              <p:cNvPr id="45" name="矩形 44"/>
+              <p:cNvSpPr/>
+              <p:nvPr/>
+            </p:nvSpPr>
+            <p:spPr>
+              <a:xfrm>
+                <a:off x="3292779" y="3756375"/>
+                <a:ext cx="288000" cy="576000"/>
+              </a:xfrm>
+              <a:prstGeom prst="rect">
+                <a:avLst/>
+              </a:prstGeom>
+              <a:solidFill>
+                <a:schemeClr val="accent4">
+                  <a:lumMod val="60000"/>
+                  <a:lumOff val="40000"/>
+                </a:schemeClr>
+              </a:solidFill>
+              <a:ln>
+                <a:noFill/>
+              </a:ln>
+            </p:spPr>
+            <p:style>
+              <a:lnRef idx="2">
+                <a:schemeClr val="accent1">
+                  <a:shade val="50000"/>
+                </a:schemeClr>
+              </a:lnRef>
+              <a:fillRef idx="1">
+                <a:schemeClr val="accent1"/>
+              </a:fillRef>
+              <a:effectRef idx="0">
+                <a:schemeClr val="accent1"/>
+              </a:effectRef>
+              <a:fontRef idx="minor">
+                <a:schemeClr val="lt1"/>
+              </a:fontRef>
+            </p:style>
+            <p:txBody>
+              <a:bodyPr rtlCol="0" anchor="ctr"/>
+              <a:lstStyle/>
+              <a:p>
+                <a:pPr algn="ctr"/>
+                <a:endParaRPr lang="zh-CN" altLang="en-US" dirty="0">
+                  <a:solidFill>
+                    <a:schemeClr val="tx1"/>
+                  </a:solidFill>
+                  <a:latin typeface="Times New Roman" panose="02020603050405020304" pitchFamily="18" charset="0"/>
+                  <a:cs typeface="Times New Roman" panose="02020603050405020304" pitchFamily="18" charset="0"/>
+                </a:endParaRPr>
+              </a:p>
+            </p:txBody>
+          </p:sp>
+        </p:grpSp>
+        <p:cxnSp>
+          <p:nvCxnSpPr>
+            <p:cNvPr id="53" name="直接箭头连接符 52"/>
+            <p:cNvCxnSpPr>
+              <a:stCxn id="43" idx="3"/>
+              <a:endCxn id="44" idx="1"/>
+            </p:cNvCxnSpPr>
+            <p:nvPr/>
+          </p:nvCxnSpPr>
+          <p:spPr>
+            <a:xfrm>
+              <a:off x="6092223" y="505364"/>
+              <a:ext cx="564899" cy="0"/>
+            </a:xfrm>
+            <a:prstGeom prst="straightConnector1">
+              <a:avLst/>
+            </a:prstGeom>
+            <a:ln w="19050">
+              <a:tailEnd type="triangle"/>
+            </a:ln>
+          </p:spPr>
+          <p:style>
+            <a:lnRef idx="1">
+              <a:schemeClr val="accent6"/>
+            </a:lnRef>
+            <a:fillRef idx="0">
+              <a:schemeClr val="accent6"/>
+            </a:fillRef>
+            <a:effectRef idx="0">
+              <a:schemeClr val="accent6"/>
+            </a:effectRef>
+            <a:fontRef idx="minor">
+              <a:schemeClr val="tx1"/>
+            </a:fontRef>
+          </p:style>
+        </p:cxnSp>
+        <p:sp>
+          <p:nvSpPr>
+            <p:cNvPr id="102" name="文本框 101"/>
+            <p:cNvSpPr txBox="1"/>
+            <p:nvPr/>
+          </p:nvSpPr>
+          <p:spPr>
+            <a:xfrm>
+              <a:off x="4120402" y="785877"/>
+              <a:ext cx="1042444" cy="307777"/>
+            </a:xfrm>
+            <a:prstGeom prst="rect">
+              <a:avLst/>
+            </a:prstGeom>
+            <a:noFill/>
+          </p:spPr>
+          <p:txBody>
+            <a:bodyPr wrap="square" rtlCol="0">
+              <a:spAutoFit/>
+            </a:bodyPr>
+            <a:lstStyle/>
+            <a:p>
+              <a:r>
+                <a:rPr lang="en-US" altLang="zh-CN" sz="1400" dirty="0" smtClean="0">
+                  <a:latin typeface="Times New Roman" panose="02020603050405020304" pitchFamily="18" charset="0"/>
+                  <a:cs typeface="Times New Roman" panose="02020603050405020304" pitchFamily="18" charset="0"/>
+                </a:rPr>
+                <a:t>NF A (</a:t>
+              </a:r>
+              <a:r>
+                <a:rPr lang="en-US" altLang="zh-CN" sz="1400" dirty="0" smtClean="0">
+                  <a:latin typeface="Times New Roman" panose="02020603050405020304" pitchFamily="18" charset="0"/>
+                  <a:cs typeface="Times New Roman" panose="02020603050405020304" pitchFamily="18" charset="0"/>
+                </a:rPr>
+                <a:t>2ms</a:t>
+              </a:r>
+              <a:r>
+                <a:rPr lang="en-US" altLang="zh-CN" sz="1400" dirty="0" smtClean="0">
+                  <a:latin typeface="Times New Roman" panose="02020603050405020304" pitchFamily="18" charset="0"/>
+                  <a:cs typeface="Times New Roman" panose="02020603050405020304" pitchFamily="18" charset="0"/>
+                </a:rPr>
+                <a:t>)</a:t>
+              </a:r>
+              <a:endParaRPr lang="zh-CN" altLang="en-US" sz="1400" dirty="0">
                 <a:latin typeface="Times New Roman" panose="02020603050405020304" pitchFamily="18" charset="0"/>
                 <a:cs typeface="Times New Roman" panose="02020603050405020304" pitchFamily="18" charset="0"/>
-              </a:rPr>
-              <a:t>Running in parallel</a:t>
-            </a:r>
-            <a:endParaRPr lang="zh-CN" altLang="en-US" sz="1400" dirty="0">
-              <a:latin typeface="Times New Roman" panose="02020603050405020304" pitchFamily="18" charset="0"/>
-              <a:cs typeface="Times New Roman" panose="02020603050405020304" pitchFamily="18" charset="0"/>
-            </a:endParaRPr>
-          </a:p>
-        </p:txBody>
-      </p:sp>
+              </a:endParaRPr>
+            </a:p>
+          </p:txBody>
+        </p:sp>
+        <p:sp>
+          <p:nvSpPr>
+            <p:cNvPr id="103" name="文本框 102"/>
+            <p:cNvSpPr txBox="1"/>
+            <p:nvPr/>
+          </p:nvSpPr>
+          <p:spPr>
+            <a:xfrm>
+              <a:off x="5283001" y="806423"/>
+              <a:ext cx="1042444" cy="307777"/>
+            </a:xfrm>
+            <a:prstGeom prst="rect">
+              <a:avLst/>
+            </a:prstGeom>
+            <a:noFill/>
+          </p:spPr>
+          <p:txBody>
+            <a:bodyPr wrap="square" rtlCol="0">
+              <a:spAutoFit/>
+            </a:bodyPr>
+            <a:lstStyle/>
+            <a:p>
+              <a:r>
+                <a:rPr lang="en-US" altLang="zh-CN" sz="1400" dirty="0" smtClean="0">
+                  <a:latin typeface="Times New Roman" panose="02020603050405020304" pitchFamily="18" charset="0"/>
+                  <a:cs typeface="Times New Roman" panose="02020603050405020304" pitchFamily="18" charset="0"/>
+                </a:rPr>
+                <a:t>NF B (</a:t>
+              </a:r>
+              <a:r>
+                <a:rPr lang="en-US" altLang="zh-CN" sz="1400" dirty="0" smtClean="0">
+                  <a:latin typeface="Times New Roman" panose="02020603050405020304" pitchFamily="18" charset="0"/>
+                  <a:cs typeface="Times New Roman" panose="02020603050405020304" pitchFamily="18" charset="0"/>
+                </a:rPr>
+                <a:t>2ms</a:t>
+              </a:r>
+              <a:r>
+                <a:rPr lang="en-US" altLang="zh-CN" sz="1400" dirty="0" smtClean="0">
+                  <a:latin typeface="Times New Roman" panose="02020603050405020304" pitchFamily="18" charset="0"/>
+                  <a:cs typeface="Times New Roman" panose="02020603050405020304" pitchFamily="18" charset="0"/>
+                </a:rPr>
+                <a:t>)</a:t>
+              </a:r>
+              <a:endParaRPr lang="zh-CN" altLang="en-US" sz="1400" dirty="0">
+                <a:latin typeface="Times New Roman" panose="02020603050405020304" pitchFamily="18" charset="0"/>
+                <a:cs typeface="Times New Roman" panose="02020603050405020304" pitchFamily="18" charset="0"/>
+              </a:endParaRPr>
+            </a:p>
+          </p:txBody>
+        </p:sp>
+        <p:sp>
+          <p:nvSpPr>
+            <p:cNvPr id="104" name="文本框 103"/>
+            <p:cNvSpPr txBox="1"/>
+            <p:nvPr/>
+          </p:nvSpPr>
+          <p:spPr>
+            <a:xfrm>
+              <a:off x="6445600" y="806423"/>
+              <a:ext cx="1042444" cy="307777"/>
+            </a:xfrm>
+            <a:prstGeom prst="rect">
+              <a:avLst/>
+            </a:prstGeom>
+            <a:noFill/>
+          </p:spPr>
+          <p:txBody>
+            <a:bodyPr wrap="square" rtlCol="0">
+              <a:spAutoFit/>
+            </a:bodyPr>
+            <a:lstStyle/>
+            <a:p>
+              <a:r>
+                <a:rPr lang="en-US" altLang="zh-CN" sz="1400" dirty="0" smtClean="0">
+                  <a:latin typeface="Times New Roman" panose="02020603050405020304" pitchFamily="18" charset="0"/>
+                  <a:cs typeface="Times New Roman" panose="02020603050405020304" pitchFamily="18" charset="0"/>
+                </a:rPr>
+                <a:t>NF </a:t>
+              </a:r>
+              <a:r>
+                <a:rPr lang="en-US" altLang="zh-CN" sz="1400" dirty="0">
+                  <a:latin typeface="Times New Roman" panose="02020603050405020304" pitchFamily="18" charset="0"/>
+                  <a:cs typeface="Times New Roman" panose="02020603050405020304" pitchFamily="18" charset="0"/>
+                </a:rPr>
+                <a:t>C</a:t>
+              </a:r>
+              <a:r>
+                <a:rPr lang="en-US" altLang="zh-CN" sz="1400" dirty="0" smtClean="0">
+                  <a:latin typeface="Times New Roman" panose="02020603050405020304" pitchFamily="18" charset="0"/>
+                  <a:cs typeface="Times New Roman" panose="02020603050405020304" pitchFamily="18" charset="0"/>
+                </a:rPr>
+                <a:t> (</a:t>
+              </a:r>
+              <a:r>
+                <a:rPr lang="en-US" altLang="zh-CN" sz="1400" dirty="0" smtClean="0">
+                  <a:latin typeface="Times New Roman" panose="02020603050405020304" pitchFamily="18" charset="0"/>
+                  <a:cs typeface="Times New Roman" panose="02020603050405020304" pitchFamily="18" charset="0"/>
+                </a:rPr>
+                <a:t>1ms</a:t>
+              </a:r>
+              <a:r>
+                <a:rPr lang="en-US" altLang="zh-CN" sz="1400" dirty="0" smtClean="0">
+                  <a:latin typeface="Times New Roman" panose="02020603050405020304" pitchFamily="18" charset="0"/>
+                  <a:cs typeface="Times New Roman" panose="02020603050405020304" pitchFamily="18" charset="0"/>
+                </a:rPr>
+                <a:t>)</a:t>
+              </a:r>
+              <a:endParaRPr lang="zh-CN" altLang="en-US" sz="1400" dirty="0">
+                <a:latin typeface="Times New Roman" panose="02020603050405020304" pitchFamily="18" charset="0"/>
+                <a:cs typeface="Times New Roman" panose="02020603050405020304" pitchFamily="18" charset="0"/>
+              </a:endParaRPr>
+            </a:p>
+          </p:txBody>
+        </p:sp>
+        <p:cxnSp>
+          <p:nvCxnSpPr>
+            <p:cNvPr id="119" name="直接箭头连接符 118"/>
+            <p:cNvCxnSpPr>
+              <a:endCxn id="42" idx="1"/>
+            </p:cNvCxnSpPr>
+            <p:nvPr/>
+          </p:nvCxnSpPr>
+          <p:spPr>
+            <a:xfrm>
+              <a:off x="4951325" y="505364"/>
+              <a:ext cx="564898" cy="0"/>
+            </a:xfrm>
+            <a:prstGeom prst="straightConnector1">
+              <a:avLst/>
+            </a:prstGeom>
+            <a:ln w="19050">
+              <a:tailEnd type="triangle"/>
+            </a:ln>
+          </p:spPr>
+          <p:style>
+            <a:lnRef idx="1">
+              <a:schemeClr val="accent6"/>
+            </a:lnRef>
+            <a:fillRef idx="0">
+              <a:schemeClr val="accent6"/>
+            </a:fillRef>
+            <a:effectRef idx="0">
+              <a:schemeClr val="accent6"/>
+            </a:effectRef>
+            <a:fontRef idx="minor">
+              <a:schemeClr val="tx1"/>
+            </a:fontRef>
+          </p:style>
+        </p:cxnSp>
+      </p:grpSp>
+      <p:grpSp>
+        <p:nvGrpSpPr>
+          <p:cNvPr id="14" name="组合 13"/>
+          <p:cNvGrpSpPr/>
+          <p:nvPr/>
+        </p:nvGrpSpPr>
+        <p:grpSpPr>
+          <a:xfrm>
+            <a:off x="1476674" y="2100650"/>
+            <a:ext cx="1985860" cy="2256504"/>
+            <a:chOff x="663246" y="867080"/>
+            <a:chExt cx="1985860" cy="2256504"/>
+          </a:xfrm>
+        </p:grpSpPr>
+        <p:sp>
+          <p:nvSpPr>
+            <p:cNvPr id="87" name="矩形 86"/>
+            <p:cNvSpPr/>
+            <p:nvPr/>
+          </p:nvSpPr>
+          <p:spPr>
+            <a:xfrm>
+              <a:off x="663246" y="867080"/>
+              <a:ext cx="1002735" cy="1917950"/>
+            </a:xfrm>
+            <a:prstGeom prst="rect">
+              <a:avLst/>
+            </a:prstGeom>
+            <a:solidFill>
+              <a:schemeClr val="bg1">
+                <a:lumMod val="85000"/>
+              </a:schemeClr>
+            </a:solidFill>
+            <a:ln>
+              <a:solidFill>
+                <a:schemeClr val="bg2"/>
+              </a:solidFill>
+            </a:ln>
+          </p:spPr>
+          <p:style>
+            <a:lnRef idx="2">
+              <a:schemeClr val="accent3">
+                <a:shade val="50000"/>
+              </a:schemeClr>
+            </a:lnRef>
+            <a:fillRef idx="1">
+              <a:schemeClr val="accent3"/>
+            </a:fillRef>
+            <a:effectRef idx="0">
+              <a:schemeClr val="accent3"/>
+            </a:effectRef>
+            <a:fontRef idx="minor">
+              <a:schemeClr val="lt1"/>
+            </a:fontRef>
+          </p:style>
+          <p:txBody>
+            <a:bodyPr rtlCol="0" anchor="ctr"/>
+            <a:lstStyle/>
+            <a:p>
+              <a:pPr algn="ctr"/>
+              <a:endParaRPr lang="zh-CN" altLang="en-US"/>
+            </a:p>
+          </p:txBody>
+        </p:sp>
+        <p:grpSp>
+          <p:nvGrpSpPr>
+            <p:cNvPr id="56" name="组合 55"/>
+            <p:cNvGrpSpPr/>
+            <p:nvPr/>
+          </p:nvGrpSpPr>
+          <p:grpSpPr>
+            <a:xfrm>
+              <a:off x="895832" y="962055"/>
+              <a:ext cx="576000" cy="576000"/>
+              <a:chOff x="722982" y="3756375"/>
+              <a:chExt cx="576000" cy="576000"/>
+            </a:xfrm>
+          </p:grpSpPr>
+          <p:sp>
+            <p:nvSpPr>
+              <p:cNvPr id="57" name="矩形 56"/>
+              <p:cNvSpPr/>
+              <p:nvPr/>
+            </p:nvSpPr>
+            <p:spPr>
+              <a:xfrm>
+                <a:off x="722982" y="3756375"/>
+                <a:ext cx="288000" cy="576000"/>
+              </a:xfrm>
+              <a:prstGeom prst="rect">
+                <a:avLst/>
+              </a:prstGeom>
+              <a:ln>
+                <a:noFill/>
+              </a:ln>
+            </p:spPr>
+            <p:style>
+              <a:lnRef idx="2">
+                <a:schemeClr val="accent6">
+                  <a:shade val="50000"/>
+                </a:schemeClr>
+              </a:lnRef>
+              <a:fillRef idx="1">
+                <a:schemeClr val="accent6"/>
+              </a:fillRef>
+              <a:effectRef idx="0">
+                <a:schemeClr val="accent6"/>
+              </a:effectRef>
+              <a:fontRef idx="minor">
+                <a:schemeClr val="lt1"/>
+              </a:fontRef>
+            </p:style>
+            <p:txBody>
+              <a:bodyPr rtlCol="0" anchor="ctr"/>
+              <a:lstStyle/>
+              <a:p>
+                <a:pPr algn="ctr"/>
+                <a:endParaRPr lang="zh-CN" altLang="en-US" sz="1100" dirty="0">
+                  <a:latin typeface="Times New Roman" panose="02020603050405020304" pitchFamily="18" charset="0"/>
+                  <a:cs typeface="Times New Roman" panose="02020603050405020304" pitchFamily="18" charset="0"/>
+                </a:endParaRPr>
+              </a:p>
+            </p:txBody>
+          </p:sp>
+          <p:sp>
+            <p:nvSpPr>
+              <p:cNvPr id="58" name="矩形 57"/>
+              <p:cNvSpPr/>
+              <p:nvPr/>
+            </p:nvSpPr>
+            <p:spPr>
+              <a:xfrm>
+                <a:off x="1010982" y="3756375"/>
+                <a:ext cx="288000" cy="576000"/>
+              </a:xfrm>
+              <a:prstGeom prst="rect">
+                <a:avLst/>
+              </a:prstGeom>
+              <a:ln>
+                <a:noFill/>
+              </a:ln>
+            </p:spPr>
+            <p:style>
+              <a:lnRef idx="2">
+                <a:schemeClr val="accent6">
+                  <a:shade val="50000"/>
+                </a:schemeClr>
+              </a:lnRef>
+              <a:fillRef idx="1">
+                <a:schemeClr val="accent6"/>
+              </a:fillRef>
+              <a:effectRef idx="0">
+                <a:schemeClr val="accent6"/>
+              </a:effectRef>
+              <a:fontRef idx="minor">
+                <a:schemeClr val="lt1"/>
+              </a:fontRef>
+            </p:style>
+            <p:txBody>
+              <a:bodyPr rtlCol="0" anchor="ctr"/>
+              <a:lstStyle/>
+              <a:p>
+                <a:pPr algn="ctr"/>
+                <a:endParaRPr lang="zh-CN" altLang="en-US" sz="1100" dirty="0">
+                  <a:latin typeface="Times New Roman" panose="02020603050405020304" pitchFamily="18" charset="0"/>
+                  <a:cs typeface="Times New Roman" panose="02020603050405020304" pitchFamily="18" charset="0"/>
+                </a:endParaRPr>
+              </a:p>
+            </p:txBody>
+          </p:sp>
+        </p:grpSp>
+        <p:grpSp>
+          <p:nvGrpSpPr>
+            <p:cNvPr id="59" name="组合 58"/>
+            <p:cNvGrpSpPr/>
+            <p:nvPr/>
+          </p:nvGrpSpPr>
+          <p:grpSpPr>
+            <a:xfrm>
+              <a:off x="895832" y="2114055"/>
+              <a:ext cx="576000" cy="576000"/>
+              <a:chOff x="1899933" y="3756375"/>
+              <a:chExt cx="576000" cy="576000"/>
+            </a:xfrm>
+          </p:grpSpPr>
+          <p:sp>
+            <p:nvSpPr>
+              <p:cNvPr id="60" name="矩形 59"/>
+              <p:cNvSpPr/>
+              <p:nvPr/>
+            </p:nvSpPr>
+            <p:spPr>
+              <a:xfrm>
+                <a:off x="1899933" y="3756375"/>
+                <a:ext cx="288000" cy="576000"/>
+              </a:xfrm>
+              <a:prstGeom prst="rect">
+                <a:avLst/>
+              </a:prstGeom>
+              <a:ln>
+                <a:noFill/>
+              </a:ln>
+            </p:spPr>
+            <p:style>
+              <a:lnRef idx="2">
+                <a:schemeClr val="accent6">
+                  <a:shade val="50000"/>
+                </a:schemeClr>
+              </a:lnRef>
+              <a:fillRef idx="1">
+                <a:schemeClr val="accent6"/>
+              </a:fillRef>
+              <a:effectRef idx="0">
+                <a:schemeClr val="accent6"/>
+              </a:effectRef>
+              <a:fontRef idx="minor">
+                <a:schemeClr val="lt1"/>
+              </a:fontRef>
+            </p:style>
+            <p:txBody>
+              <a:bodyPr rtlCol="0" anchor="ctr"/>
+              <a:lstStyle/>
+              <a:p>
+                <a:pPr algn="ctr"/>
+                <a:endParaRPr lang="zh-CN" altLang="en-US" sz="1100" dirty="0">
+                  <a:latin typeface="Times New Roman" panose="02020603050405020304" pitchFamily="18" charset="0"/>
+                  <a:cs typeface="Times New Roman" panose="02020603050405020304" pitchFamily="18" charset="0"/>
+                </a:endParaRPr>
+              </a:p>
+            </p:txBody>
+          </p:sp>
+          <p:sp>
+            <p:nvSpPr>
+              <p:cNvPr id="61" name="矩形 60"/>
+              <p:cNvSpPr/>
+              <p:nvPr/>
+            </p:nvSpPr>
+            <p:spPr>
+              <a:xfrm>
+                <a:off x="2187933" y="3756375"/>
+                <a:ext cx="288000" cy="576000"/>
+              </a:xfrm>
+              <a:prstGeom prst="rect">
+                <a:avLst/>
+              </a:prstGeom>
+              <a:solidFill>
+                <a:schemeClr val="accent4">
+                  <a:lumMod val="60000"/>
+                  <a:lumOff val="40000"/>
+                </a:schemeClr>
+              </a:solidFill>
+              <a:ln>
+                <a:noFill/>
+              </a:ln>
+            </p:spPr>
+            <p:style>
+              <a:lnRef idx="2">
+                <a:schemeClr val="accent1">
+                  <a:shade val="50000"/>
+                </a:schemeClr>
+              </a:lnRef>
+              <a:fillRef idx="1">
+                <a:schemeClr val="accent1"/>
+              </a:fillRef>
+              <a:effectRef idx="0">
+                <a:schemeClr val="accent1"/>
+              </a:effectRef>
+              <a:fontRef idx="minor">
+                <a:schemeClr val="lt1"/>
+              </a:fontRef>
+            </p:style>
+            <p:txBody>
+              <a:bodyPr rtlCol="0" anchor="ctr"/>
+              <a:lstStyle/>
+              <a:p>
+                <a:pPr algn="ctr"/>
+                <a:endParaRPr lang="zh-CN" altLang="en-US" dirty="0">
+                  <a:solidFill>
+                    <a:schemeClr val="tx1"/>
+                  </a:solidFill>
+                  <a:latin typeface="Times New Roman" panose="02020603050405020304" pitchFamily="18" charset="0"/>
+                  <a:cs typeface="Times New Roman" panose="02020603050405020304" pitchFamily="18" charset="0"/>
+                </a:endParaRPr>
+              </a:p>
+            </p:txBody>
+          </p:sp>
+        </p:grpSp>
+        <p:grpSp>
+          <p:nvGrpSpPr>
+            <p:cNvPr id="62" name="组合 61"/>
+            <p:cNvGrpSpPr/>
+            <p:nvPr/>
+          </p:nvGrpSpPr>
+          <p:grpSpPr>
+            <a:xfrm>
+              <a:off x="2073106" y="1538055"/>
+              <a:ext cx="576000" cy="576000"/>
+              <a:chOff x="3004779" y="3756375"/>
+              <a:chExt cx="576000" cy="576000"/>
+            </a:xfrm>
+          </p:grpSpPr>
+          <p:sp>
+            <p:nvSpPr>
+              <p:cNvPr id="63" name="矩形 62"/>
+              <p:cNvSpPr/>
+              <p:nvPr/>
+            </p:nvSpPr>
+            <p:spPr>
+              <a:xfrm>
+                <a:off x="3004779" y="3756375"/>
+                <a:ext cx="288000" cy="576000"/>
+              </a:xfrm>
+              <a:prstGeom prst="rect">
+                <a:avLst/>
+              </a:prstGeom>
+              <a:solidFill>
+                <a:schemeClr val="accent4">
+                  <a:lumMod val="60000"/>
+                  <a:lumOff val="40000"/>
+                </a:schemeClr>
+              </a:solidFill>
+              <a:ln>
+                <a:noFill/>
+              </a:ln>
+            </p:spPr>
+            <p:style>
+              <a:lnRef idx="2">
+                <a:schemeClr val="accent1">
+                  <a:shade val="50000"/>
+                </a:schemeClr>
+              </a:lnRef>
+              <a:fillRef idx="1">
+                <a:schemeClr val="accent1"/>
+              </a:fillRef>
+              <a:effectRef idx="0">
+                <a:schemeClr val="accent1"/>
+              </a:effectRef>
+              <a:fontRef idx="minor">
+                <a:schemeClr val="lt1"/>
+              </a:fontRef>
+            </p:style>
+            <p:txBody>
+              <a:bodyPr rtlCol="0" anchor="ctr"/>
+              <a:lstStyle/>
+              <a:p>
+                <a:pPr algn="ctr"/>
+                <a:endParaRPr lang="zh-CN" altLang="en-US" dirty="0">
+                  <a:solidFill>
+                    <a:schemeClr val="tx1"/>
+                  </a:solidFill>
+                  <a:latin typeface="Times New Roman" panose="02020603050405020304" pitchFamily="18" charset="0"/>
+                  <a:cs typeface="Times New Roman" panose="02020603050405020304" pitchFamily="18" charset="0"/>
+                </a:endParaRPr>
+              </a:p>
+            </p:txBody>
+          </p:sp>
+          <p:sp>
+            <p:nvSpPr>
+              <p:cNvPr id="64" name="矩形 63"/>
+              <p:cNvSpPr/>
+              <p:nvPr/>
+            </p:nvSpPr>
+            <p:spPr>
+              <a:xfrm>
+                <a:off x="3292779" y="3756375"/>
+                <a:ext cx="288000" cy="576000"/>
+              </a:xfrm>
+              <a:prstGeom prst="rect">
+                <a:avLst/>
+              </a:prstGeom>
+              <a:solidFill>
+                <a:schemeClr val="accent4">
+                  <a:lumMod val="60000"/>
+                  <a:lumOff val="40000"/>
+                </a:schemeClr>
+              </a:solidFill>
+              <a:ln>
+                <a:noFill/>
+              </a:ln>
+            </p:spPr>
+            <p:style>
+              <a:lnRef idx="2">
+                <a:schemeClr val="accent1">
+                  <a:shade val="50000"/>
+                </a:schemeClr>
+              </a:lnRef>
+              <a:fillRef idx="1">
+                <a:schemeClr val="accent1"/>
+              </a:fillRef>
+              <a:effectRef idx="0">
+                <a:schemeClr val="accent1"/>
+              </a:effectRef>
+              <a:fontRef idx="minor">
+                <a:schemeClr val="lt1"/>
+              </a:fontRef>
+            </p:style>
+            <p:txBody>
+              <a:bodyPr rtlCol="0" anchor="ctr"/>
+              <a:lstStyle/>
+              <a:p>
+                <a:pPr algn="ctr"/>
+                <a:endParaRPr lang="zh-CN" altLang="en-US" dirty="0">
+                  <a:solidFill>
+                    <a:schemeClr val="tx1"/>
+                  </a:solidFill>
+                  <a:latin typeface="Times New Roman" panose="02020603050405020304" pitchFamily="18" charset="0"/>
+                  <a:cs typeface="Times New Roman" panose="02020603050405020304" pitchFamily="18" charset="0"/>
+                </a:endParaRPr>
+              </a:p>
+            </p:txBody>
+          </p:sp>
+        </p:grpSp>
+        <p:sp>
+          <p:nvSpPr>
+            <p:cNvPr id="107" name="文本框 106"/>
+            <p:cNvSpPr txBox="1"/>
+            <p:nvPr/>
+          </p:nvSpPr>
+          <p:spPr>
+            <a:xfrm>
+              <a:off x="1010226" y="2815807"/>
+              <a:ext cx="1524485" cy="307777"/>
+            </a:xfrm>
+            <a:prstGeom prst="rect">
+              <a:avLst/>
+            </a:prstGeom>
+            <a:noFill/>
+          </p:spPr>
+          <p:txBody>
+            <a:bodyPr wrap="square" rtlCol="0">
+              <a:spAutoFit/>
+            </a:bodyPr>
+            <a:lstStyle/>
+            <a:p>
+              <a:r>
+                <a:rPr lang="en-US" altLang="zh-CN" sz="1400" dirty="0" smtClean="0">
+                  <a:latin typeface="Times New Roman" panose="02020603050405020304" pitchFamily="18" charset="0"/>
+                  <a:cs typeface="Times New Roman" panose="02020603050405020304" pitchFamily="18" charset="0"/>
+                </a:rPr>
+                <a:t>Total latency: 3ms</a:t>
+              </a:r>
+              <a:endParaRPr lang="zh-CN" altLang="en-US" sz="1400" dirty="0">
+                <a:latin typeface="Times New Roman" panose="02020603050405020304" pitchFamily="18" charset="0"/>
+                <a:cs typeface="Times New Roman" panose="02020603050405020304" pitchFamily="18" charset="0"/>
+              </a:endParaRPr>
+            </a:p>
+          </p:txBody>
+        </p:sp>
+        <p:sp>
+          <p:nvSpPr>
+            <p:cNvPr id="116" name="文本框 115"/>
+            <p:cNvSpPr txBox="1"/>
+            <p:nvPr/>
+          </p:nvSpPr>
+          <p:spPr>
+            <a:xfrm>
+              <a:off x="764243" y="1564445"/>
+              <a:ext cx="929377" cy="523220"/>
+            </a:xfrm>
+            <a:prstGeom prst="rect">
+              <a:avLst/>
+            </a:prstGeom>
+            <a:noFill/>
+          </p:spPr>
+          <p:txBody>
+            <a:bodyPr wrap="square" rtlCol="0">
+              <a:spAutoFit/>
+            </a:bodyPr>
+            <a:lstStyle/>
+            <a:p>
+              <a:r>
+                <a:rPr lang="en-US" altLang="zh-CN" sz="1400" dirty="0" smtClean="0">
+                  <a:latin typeface="Times New Roman" panose="02020603050405020304" pitchFamily="18" charset="0"/>
+                  <a:cs typeface="Times New Roman" panose="02020603050405020304" pitchFamily="18" charset="0"/>
+                </a:rPr>
+                <a:t>Running in parallel</a:t>
+              </a:r>
+              <a:endParaRPr lang="zh-CN" altLang="en-US" sz="1400" dirty="0">
+                <a:latin typeface="Times New Roman" panose="02020603050405020304" pitchFamily="18" charset="0"/>
+                <a:cs typeface="Times New Roman" panose="02020603050405020304" pitchFamily="18" charset="0"/>
+              </a:endParaRPr>
+            </a:p>
+          </p:txBody>
+        </p:sp>
+        <p:cxnSp>
+          <p:nvCxnSpPr>
+            <p:cNvPr id="120" name="直接箭头连接符 119"/>
+            <p:cNvCxnSpPr>
+              <a:stCxn id="58" idx="3"/>
+              <a:endCxn id="63" idx="1"/>
+            </p:cNvCxnSpPr>
+            <p:nvPr/>
+          </p:nvCxnSpPr>
+          <p:spPr>
+            <a:xfrm>
+              <a:off x="1471832" y="1250055"/>
+              <a:ext cx="601274" cy="576000"/>
+            </a:xfrm>
+            <a:prstGeom prst="straightConnector1">
+              <a:avLst/>
+            </a:prstGeom>
+            <a:ln w="19050">
+              <a:tailEnd type="triangle"/>
+            </a:ln>
+          </p:spPr>
+          <p:style>
+            <a:lnRef idx="1">
+              <a:schemeClr val="accent6"/>
+            </a:lnRef>
+            <a:fillRef idx="0">
+              <a:schemeClr val="accent6"/>
+            </a:fillRef>
+            <a:effectRef idx="0">
+              <a:schemeClr val="accent6"/>
+            </a:effectRef>
+            <a:fontRef idx="minor">
+              <a:schemeClr val="tx1"/>
+            </a:fontRef>
+          </p:style>
+        </p:cxnSp>
+        <p:cxnSp>
+          <p:nvCxnSpPr>
+            <p:cNvPr id="121" name="直接箭头连接符 120"/>
+            <p:cNvCxnSpPr>
+              <a:stCxn id="61" idx="3"/>
+              <a:endCxn id="63" idx="1"/>
+            </p:cNvCxnSpPr>
+            <p:nvPr/>
+          </p:nvCxnSpPr>
+          <p:spPr>
+            <a:xfrm flipV="1">
+              <a:off x="1471832" y="1826055"/>
+              <a:ext cx="601274" cy="576000"/>
+            </a:xfrm>
+            <a:prstGeom prst="straightConnector1">
+              <a:avLst/>
+            </a:prstGeom>
+            <a:ln w="19050">
+              <a:tailEnd type="triangle"/>
+            </a:ln>
+          </p:spPr>
+          <p:style>
+            <a:lnRef idx="1">
+              <a:schemeClr val="accent6"/>
+            </a:lnRef>
+            <a:fillRef idx="0">
+              <a:schemeClr val="accent6"/>
+            </a:fillRef>
+            <a:effectRef idx="0">
+              <a:schemeClr val="accent6"/>
+            </a:effectRef>
+            <a:fontRef idx="minor">
+              <a:schemeClr val="tx1"/>
+            </a:fontRef>
+          </p:style>
+        </p:cxnSp>
+      </p:grpSp>
+      <p:grpSp>
+        <p:nvGrpSpPr>
+          <p:cNvPr id="17" name="组合 16"/>
+          <p:cNvGrpSpPr/>
+          <p:nvPr/>
+        </p:nvGrpSpPr>
+        <p:grpSpPr>
+          <a:xfrm>
+            <a:off x="7229120" y="2677682"/>
+            <a:ext cx="3367642" cy="1182540"/>
+            <a:chOff x="8058492" y="1940232"/>
+            <a:chExt cx="3367642" cy="1182540"/>
+          </a:xfrm>
+        </p:grpSpPr>
+        <p:grpSp>
+          <p:nvGrpSpPr>
+            <p:cNvPr id="123" name="组合 122"/>
+            <p:cNvGrpSpPr/>
+            <p:nvPr/>
+          </p:nvGrpSpPr>
+          <p:grpSpPr>
+            <a:xfrm>
+              <a:off x="8313415" y="1940232"/>
+              <a:ext cx="576000" cy="576000"/>
+              <a:chOff x="722982" y="3756375"/>
+              <a:chExt cx="576000" cy="576000"/>
+            </a:xfrm>
+          </p:grpSpPr>
+          <p:sp>
+            <p:nvSpPr>
+              <p:cNvPr id="135" name="矩形 134"/>
+              <p:cNvSpPr/>
+              <p:nvPr/>
+            </p:nvSpPr>
+            <p:spPr>
+              <a:xfrm>
+                <a:off x="722982" y="3756375"/>
+                <a:ext cx="288000" cy="576000"/>
+              </a:xfrm>
+              <a:prstGeom prst="rect">
+                <a:avLst/>
+              </a:prstGeom>
+              <a:ln>
+                <a:noFill/>
+              </a:ln>
+            </p:spPr>
+            <p:style>
+              <a:lnRef idx="2">
+                <a:schemeClr val="accent6">
+                  <a:shade val="50000"/>
+                </a:schemeClr>
+              </a:lnRef>
+              <a:fillRef idx="1">
+                <a:schemeClr val="accent6"/>
+              </a:fillRef>
+              <a:effectRef idx="0">
+                <a:schemeClr val="accent6"/>
+              </a:effectRef>
+              <a:fontRef idx="minor">
+                <a:schemeClr val="lt1"/>
+              </a:fontRef>
+            </p:style>
+            <p:txBody>
+              <a:bodyPr rtlCol="0" anchor="ctr"/>
+              <a:lstStyle/>
+              <a:p>
+                <a:pPr algn="ctr"/>
+                <a:endParaRPr lang="zh-CN" altLang="en-US" sz="1100" dirty="0">
+                  <a:latin typeface="Times New Roman" panose="02020603050405020304" pitchFamily="18" charset="0"/>
+                  <a:cs typeface="Times New Roman" panose="02020603050405020304" pitchFamily="18" charset="0"/>
+                </a:endParaRPr>
+              </a:p>
+            </p:txBody>
+          </p:sp>
+          <p:sp>
+            <p:nvSpPr>
+              <p:cNvPr id="136" name="矩形 135"/>
+              <p:cNvSpPr/>
+              <p:nvPr/>
+            </p:nvSpPr>
+            <p:spPr>
+              <a:xfrm>
+                <a:off x="1010982" y="3756375"/>
+                <a:ext cx="288000" cy="576000"/>
+              </a:xfrm>
+              <a:prstGeom prst="rect">
+                <a:avLst/>
+              </a:prstGeom>
+              <a:ln>
+                <a:noFill/>
+              </a:ln>
+            </p:spPr>
+            <p:style>
+              <a:lnRef idx="2">
+                <a:schemeClr val="accent6">
+                  <a:shade val="50000"/>
+                </a:schemeClr>
+              </a:lnRef>
+              <a:fillRef idx="1">
+                <a:schemeClr val="accent6"/>
+              </a:fillRef>
+              <a:effectRef idx="0">
+                <a:schemeClr val="accent6"/>
+              </a:effectRef>
+              <a:fontRef idx="minor">
+                <a:schemeClr val="lt1"/>
+              </a:fontRef>
+            </p:style>
+            <p:txBody>
+              <a:bodyPr rtlCol="0" anchor="ctr"/>
+              <a:lstStyle/>
+              <a:p>
+                <a:pPr algn="ctr"/>
+                <a:endParaRPr lang="zh-CN" altLang="en-US" sz="1100" dirty="0">
+                  <a:latin typeface="Times New Roman" panose="02020603050405020304" pitchFamily="18" charset="0"/>
+                  <a:cs typeface="Times New Roman" panose="02020603050405020304" pitchFamily="18" charset="0"/>
+                </a:endParaRPr>
+              </a:p>
+            </p:txBody>
+          </p:sp>
+        </p:grpSp>
+        <p:grpSp>
+          <p:nvGrpSpPr>
+            <p:cNvPr id="124" name="组合 123"/>
+            <p:cNvGrpSpPr/>
+            <p:nvPr/>
+          </p:nvGrpSpPr>
+          <p:grpSpPr>
+            <a:xfrm>
+              <a:off x="9454313" y="1940232"/>
+              <a:ext cx="576000" cy="576000"/>
+              <a:chOff x="1899933" y="3756375"/>
+              <a:chExt cx="576000" cy="576000"/>
+            </a:xfrm>
+          </p:grpSpPr>
+          <p:sp>
+            <p:nvSpPr>
+              <p:cNvPr id="133" name="矩形 132"/>
+              <p:cNvSpPr/>
+              <p:nvPr/>
+            </p:nvSpPr>
+            <p:spPr>
+              <a:xfrm>
+                <a:off x="1899933" y="3756375"/>
+                <a:ext cx="288000" cy="576000"/>
+              </a:xfrm>
+              <a:prstGeom prst="rect">
+                <a:avLst/>
+              </a:prstGeom>
+              <a:ln>
+                <a:noFill/>
+              </a:ln>
+            </p:spPr>
+            <p:style>
+              <a:lnRef idx="2">
+                <a:schemeClr val="accent6">
+                  <a:shade val="50000"/>
+                </a:schemeClr>
+              </a:lnRef>
+              <a:fillRef idx="1">
+                <a:schemeClr val="accent6"/>
+              </a:fillRef>
+              <a:effectRef idx="0">
+                <a:schemeClr val="accent6"/>
+              </a:effectRef>
+              <a:fontRef idx="minor">
+                <a:schemeClr val="lt1"/>
+              </a:fontRef>
+            </p:style>
+            <p:txBody>
+              <a:bodyPr rtlCol="0" anchor="ctr"/>
+              <a:lstStyle/>
+              <a:p>
+                <a:pPr algn="ctr"/>
+                <a:endParaRPr lang="zh-CN" altLang="en-US" sz="1100" dirty="0">
+                  <a:latin typeface="Times New Roman" panose="02020603050405020304" pitchFamily="18" charset="0"/>
+                  <a:cs typeface="Times New Roman" panose="02020603050405020304" pitchFamily="18" charset="0"/>
+                </a:endParaRPr>
+              </a:p>
+            </p:txBody>
+          </p:sp>
+          <p:sp>
+            <p:nvSpPr>
+              <p:cNvPr id="134" name="矩形 133"/>
+              <p:cNvSpPr/>
+              <p:nvPr/>
+            </p:nvSpPr>
+            <p:spPr>
+              <a:xfrm>
+                <a:off x="2187933" y="3756375"/>
+                <a:ext cx="288000" cy="576000"/>
+              </a:xfrm>
+              <a:prstGeom prst="rect">
+                <a:avLst/>
+              </a:prstGeom>
+              <a:solidFill>
+                <a:schemeClr val="accent4">
+                  <a:lumMod val="60000"/>
+                  <a:lumOff val="40000"/>
+                </a:schemeClr>
+              </a:solidFill>
+              <a:ln>
+                <a:noFill/>
+              </a:ln>
+            </p:spPr>
+            <p:style>
+              <a:lnRef idx="2">
+                <a:schemeClr val="accent1">
+                  <a:shade val="50000"/>
+                </a:schemeClr>
+              </a:lnRef>
+              <a:fillRef idx="1">
+                <a:schemeClr val="accent1"/>
+              </a:fillRef>
+              <a:effectRef idx="0">
+                <a:schemeClr val="accent1"/>
+              </a:effectRef>
+              <a:fontRef idx="minor">
+                <a:schemeClr val="lt1"/>
+              </a:fontRef>
+            </p:style>
+            <p:txBody>
+              <a:bodyPr rtlCol="0" anchor="ctr"/>
+              <a:lstStyle/>
+              <a:p>
+                <a:pPr algn="ctr"/>
+                <a:endParaRPr lang="zh-CN" altLang="en-US" dirty="0">
+                  <a:solidFill>
+                    <a:schemeClr val="tx1"/>
+                  </a:solidFill>
+                  <a:latin typeface="Times New Roman" panose="02020603050405020304" pitchFamily="18" charset="0"/>
+                  <a:cs typeface="Times New Roman" panose="02020603050405020304" pitchFamily="18" charset="0"/>
+                </a:endParaRPr>
+              </a:p>
+            </p:txBody>
+          </p:sp>
+        </p:grpSp>
+        <p:grpSp>
+          <p:nvGrpSpPr>
+            <p:cNvPr id="125" name="组合 124"/>
+            <p:cNvGrpSpPr/>
+            <p:nvPr/>
+          </p:nvGrpSpPr>
+          <p:grpSpPr>
+            <a:xfrm>
+              <a:off x="10595212" y="1940232"/>
+              <a:ext cx="576000" cy="576000"/>
+              <a:chOff x="3004779" y="3756375"/>
+              <a:chExt cx="576000" cy="576000"/>
+            </a:xfrm>
+          </p:grpSpPr>
+          <p:sp>
+            <p:nvSpPr>
+              <p:cNvPr id="131" name="矩形 130"/>
+              <p:cNvSpPr/>
+              <p:nvPr/>
+            </p:nvSpPr>
+            <p:spPr>
+              <a:xfrm>
+                <a:off x="3004779" y="3756375"/>
+                <a:ext cx="288000" cy="576000"/>
+              </a:xfrm>
+              <a:prstGeom prst="rect">
+                <a:avLst/>
+              </a:prstGeom>
+              <a:solidFill>
+                <a:schemeClr val="accent4">
+                  <a:lumMod val="60000"/>
+                  <a:lumOff val="40000"/>
+                </a:schemeClr>
+              </a:solidFill>
+              <a:ln>
+                <a:noFill/>
+              </a:ln>
+            </p:spPr>
+            <p:style>
+              <a:lnRef idx="2">
+                <a:schemeClr val="accent1">
+                  <a:shade val="50000"/>
+                </a:schemeClr>
+              </a:lnRef>
+              <a:fillRef idx="1">
+                <a:schemeClr val="accent1"/>
+              </a:fillRef>
+              <a:effectRef idx="0">
+                <a:schemeClr val="accent1"/>
+              </a:effectRef>
+              <a:fontRef idx="minor">
+                <a:schemeClr val="lt1"/>
+              </a:fontRef>
+            </p:style>
+            <p:txBody>
+              <a:bodyPr rtlCol="0" anchor="ctr"/>
+              <a:lstStyle/>
+              <a:p>
+                <a:pPr algn="ctr"/>
+                <a:endParaRPr lang="zh-CN" altLang="en-US" dirty="0">
+                  <a:solidFill>
+                    <a:schemeClr val="tx1"/>
+                  </a:solidFill>
+                  <a:latin typeface="Times New Roman" panose="02020603050405020304" pitchFamily="18" charset="0"/>
+                  <a:cs typeface="Times New Roman" panose="02020603050405020304" pitchFamily="18" charset="0"/>
+                </a:endParaRPr>
+              </a:p>
+            </p:txBody>
+          </p:sp>
+          <p:sp>
+            <p:nvSpPr>
+              <p:cNvPr id="132" name="矩形 131"/>
+              <p:cNvSpPr/>
+              <p:nvPr/>
+            </p:nvSpPr>
+            <p:spPr>
+              <a:xfrm>
+                <a:off x="3292779" y="3756375"/>
+                <a:ext cx="288000" cy="576000"/>
+              </a:xfrm>
+              <a:prstGeom prst="rect">
+                <a:avLst/>
+              </a:prstGeom>
+              <a:solidFill>
+                <a:schemeClr val="accent4">
+                  <a:lumMod val="60000"/>
+                  <a:lumOff val="40000"/>
+                </a:schemeClr>
+              </a:solidFill>
+              <a:ln>
+                <a:noFill/>
+              </a:ln>
+            </p:spPr>
+            <p:style>
+              <a:lnRef idx="2">
+                <a:schemeClr val="accent1">
+                  <a:shade val="50000"/>
+                </a:schemeClr>
+              </a:lnRef>
+              <a:fillRef idx="1">
+                <a:schemeClr val="accent1"/>
+              </a:fillRef>
+              <a:effectRef idx="0">
+                <a:schemeClr val="accent1"/>
+              </a:effectRef>
+              <a:fontRef idx="minor">
+                <a:schemeClr val="lt1"/>
+              </a:fontRef>
+            </p:style>
+            <p:txBody>
+              <a:bodyPr rtlCol="0" anchor="ctr"/>
+              <a:lstStyle/>
+              <a:p>
+                <a:pPr algn="ctr"/>
+                <a:endParaRPr lang="zh-CN" altLang="en-US" dirty="0">
+                  <a:solidFill>
+                    <a:schemeClr val="tx1"/>
+                  </a:solidFill>
+                  <a:latin typeface="Times New Roman" panose="02020603050405020304" pitchFamily="18" charset="0"/>
+                  <a:cs typeface="Times New Roman" panose="02020603050405020304" pitchFamily="18" charset="0"/>
+                </a:endParaRPr>
+              </a:p>
+            </p:txBody>
+          </p:sp>
+        </p:grpSp>
+        <p:cxnSp>
+          <p:nvCxnSpPr>
+            <p:cNvPr id="126" name="直接箭头连接符 125"/>
+            <p:cNvCxnSpPr>
+              <a:stCxn id="134" idx="3"/>
+              <a:endCxn id="131" idx="1"/>
+            </p:cNvCxnSpPr>
+            <p:nvPr/>
+          </p:nvCxnSpPr>
+          <p:spPr>
+            <a:xfrm>
+              <a:off x="10030313" y="2228232"/>
+              <a:ext cx="564899" cy="0"/>
+            </a:xfrm>
+            <a:prstGeom prst="straightConnector1">
+              <a:avLst/>
+            </a:prstGeom>
+            <a:ln w="19050">
+              <a:tailEnd type="triangle"/>
+            </a:ln>
+          </p:spPr>
+          <p:style>
+            <a:lnRef idx="1">
+              <a:schemeClr val="accent6"/>
+            </a:lnRef>
+            <a:fillRef idx="0">
+              <a:schemeClr val="accent6"/>
+            </a:fillRef>
+            <a:effectRef idx="0">
+              <a:schemeClr val="accent6"/>
+            </a:effectRef>
+            <a:fontRef idx="minor">
+              <a:schemeClr val="tx1"/>
+            </a:fontRef>
+          </p:style>
+        </p:cxnSp>
+        <p:sp>
+          <p:nvSpPr>
+            <p:cNvPr id="127" name="文本框 126"/>
+            <p:cNvSpPr txBox="1"/>
+            <p:nvPr/>
+          </p:nvSpPr>
+          <p:spPr>
+            <a:xfrm>
+              <a:off x="8058492" y="2508745"/>
+              <a:ext cx="1042444" cy="307777"/>
+            </a:xfrm>
+            <a:prstGeom prst="rect">
+              <a:avLst/>
+            </a:prstGeom>
+            <a:noFill/>
+          </p:spPr>
+          <p:txBody>
+            <a:bodyPr wrap="square" rtlCol="0">
+              <a:spAutoFit/>
+            </a:bodyPr>
+            <a:lstStyle/>
+            <a:p>
+              <a:r>
+                <a:rPr lang="en-US" altLang="zh-CN" sz="1400" dirty="0" smtClean="0">
+                  <a:latin typeface="Times New Roman" panose="02020603050405020304" pitchFamily="18" charset="0"/>
+                  <a:cs typeface="Times New Roman" panose="02020603050405020304" pitchFamily="18" charset="0"/>
+                </a:rPr>
+                <a:t>NF A (</a:t>
+              </a:r>
+              <a:r>
+                <a:rPr lang="en-US" altLang="zh-CN" sz="1400" dirty="0" smtClean="0">
+                  <a:latin typeface="Times New Roman" panose="02020603050405020304" pitchFamily="18" charset="0"/>
+                  <a:cs typeface="Times New Roman" panose="02020603050405020304" pitchFamily="18" charset="0"/>
+                </a:rPr>
+                <a:t>2ms</a:t>
+              </a:r>
+              <a:r>
+                <a:rPr lang="en-US" altLang="zh-CN" sz="1400" dirty="0" smtClean="0">
+                  <a:latin typeface="Times New Roman" panose="02020603050405020304" pitchFamily="18" charset="0"/>
+                  <a:cs typeface="Times New Roman" panose="02020603050405020304" pitchFamily="18" charset="0"/>
+                </a:rPr>
+                <a:t>)</a:t>
+              </a:r>
+              <a:endParaRPr lang="zh-CN" altLang="en-US" sz="1400" dirty="0">
+                <a:latin typeface="Times New Roman" panose="02020603050405020304" pitchFamily="18" charset="0"/>
+                <a:cs typeface="Times New Roman" panose="02020603050405020304" pitchFamily="18" charset="0"/>
+              </a:endParaRPr>
+            </a:p>
+          </p:txBody>
+        </p:sp>
+        <p:sp>
+          <p:nvSpPr>
+            <p:cNvPr id="128" name="文本框 127"/>
+            <p:cNvSpPr txBox="1"/>
+            <p:nvPr/>
+          </p:nvSpPr>
+          <p:spPr>
+            <a:xfrm>
+              <a:off x="9221091" y="2529291"/>
+              <a:ext cx="1042444" cy="307777"/>
+            </a:xfrm>
+            <a:prstGeom prst="rect">
+              <a:avLst/>
+            </a:prstGeom>
+            <a:noFill/>
+          </p:spPr>
+          <p:txBody>
+            <a:bodyPr wrap="square" rtlCol="0">
+              <a:spAutoFit/>
+            </a:bodyPr>
+            <a:lstStyle/>
+            <a:p>
+              <a:r>
+                <a:rPr lang="en-US" altLang="zh-CN" sz="1400" dirty="0" smtClean="0">
+                  <a:latin typeface="Times New Roman" panose="02020603050405020304" pitchFamily="18" charset="0"/>
+                  <a:cs typeface="Times New Roman" panose="02020603050405020304" pitchFamily="18" charset="0"/>
+                </a:rPr>
+                <a:t>NF B (</a:t>
+              </a:r>
+              <a:r>
+                <a:rPr lang="en-US" altLang="zh-CN" sz="1400" dirty="0" smtClean="0">
+                  <a:latin typeface="Times New Roman" panose="02020603050405020304" pitchFamily="18" charset="0"/>
+                  <a:cs typeface="Times New Roman" panose="02020603050405020304" pitchFamily="18" charset="0"/>
+                </a:rPr>
+                <a:t>2ms</a:t>
+              </a:r>
+              <a:r>
+                <a:rPr lang="en-US" altLang="zh-CN" sz="1400" dirty="0" smtClean="0">
+                  <a:latin typeface="Times New Roman" panose="02020603050405020304" pitchFamily="18" charset="0"/>
+                  <a:cs typeface="Times New Roman" panose="02020603050405020304" pitchFamily="18" charset="0"/>
+                </a:rPr>
+                <a:t>)</a:t>
+              </a:r>
+              <a:endParaRPr lang="zh-CN" altLang="en-US" sz="1400" dirty="0">
+                <a:latin typeface="Times New Roman" panose="02020603050405020304" pitchFamily="18" charset="0"/>
+                <a:cs typeface="Times New Roman" panose="02020603050405020304" pitchFamily="18" charset="0"/>
+              </a:endParaRPr>
+            </a:p>
+          </p:txBody>
+        </p:sp>
+        <p:sp>
+          <p:nvSpPr>
+            <p:cNvPr id="129" name="文本框 128"/>
+            <p:cNvSpPr txBox="1"/>
+            <p:nvPr/>
+          </p:nvSpPr>
+          <p:spPr>
+            <a:xfrm>
+              <a:off x="10383690" y="2529291"/>
+              <a:ext cx="1042444" cy="307777"/>
+            </a:xfrm>
+            <a:prstGeom prst="rect">
+              <a:avLst/>
+            </a:prstGeom>
+            <a:noFill/>
+          </p:spPr>
+          <p:txBody>
+            <a:bodyPr wrap="square" rtlCol="0">
+              <a:spAutoFit/>
+            </a:bodyPr>
+            <a:lstStyle/>
+            <a:p>
+              <a:r>
+                <a:rPr lang="en-US" altLang="zh-CN" sz="1400" dirty="0" smtClean="0">
+                  <a:latin typeface="Times New Roman" panose="02020603050405020304" pitchFamily="18" charset="0"/>
+                  <a:cs typeface="Times New Roman" panose="02020603050405020304" pitchFamily="18" charset="0"/>
+                </a:rPr>
+                <a:t>NF </a:t>
+              </a:r>
+              <a:r>
+                <a:rPr lang="en-US" altLang="zh-CN" sz="1400" dirty="0">
+                  <a:latin typeface="Times New Roman" panose="02020603050405020304" pitchFamily="18" charset="0"/>
+                  <a:cs typeface="Times New Roman" panose="02020603050405020304" pitchFamily="18" charset="0"/>
+                </a:rPr>
+                <a:t>C</a:t>
+              </a:r>
+              <a:r>
+                <a:rPr lang="en-US" altLang="zh-CN" sz="1400" dirty="0" smtClean="0">
+                  <a:latin typeface="Times New Roman" panose="02020603050405020304" pitchFamily="18" charset="0"/>
+                  <a:cs typeface="Times New Roman" panose="02020603050405020304" pitchFamily="18" charset="0"/>
+                </a:rPr>
+                <a:t> (</a:t>
+              </a:r>
+              <a:r>
+                <a:rPr lang="en-US" altLang="zh-CN" sz="1400" dirty="0" smtClean="0">
+                  <a:latin typeface="Times New Roman" panose="02020603050405020304" pitchFamily="18" charset="0"/>
+                  <a:cs typeface="Times New Roman" panose="02020603050405020304" pitchFamily="18" charset="0"/>
+                </a:rPr>
+                <a:t>1ms</a:t>
+              </a:r>
+              <a:r>
+                <a:rPr lang="en-US" altLang="zh-CN" sz="1400" dirty="0" smtClean="0">
+                  <a:latin typeface="Times New Roman" panose="02020603050405020304" pitchFamily="18" charset="0"/>
+                  <a:cs typeface="Times New Roman" panose="02020603050405020304" pitchFamily="18" charset="0"/>
+                </a:rPr>
+                <a:t>)</a:t>
+              </a:r>
+              <a:endParaRPr lang="zh-CN" altLang="en-US" sz="1400" dirty="0">
+                <a:latin typeface="Times New Roman" panose="02020603050405020304" pitchFamily="18" charset="0"/>
+                <a:cs typeface="Times New Roman" panose="02020603050405020304" pitchFamily="18" charset="0"/>
+              </a:endParaRPr>
+            </a:p>
+          </p:txBody>
+        </p:sp>
+        <p:cxnSp>
+          <p:nvCxnSpPr>
+            <p:cNvPr id="130" name="直接箭头连接符 129"/>
+            <p:cNvCxnSpPr>
+              <a:endCxn id="133" idx="1"/>
+            </p:cNvCxnSpPr>
+            <p:nvPr/>
+          </p:nvCxnSpPr>
+          <p:spPr>
+            <a:xfrm>
+              <a:off x="8889415" y="2228232"/>
+              <a:ext cx="564898" cy="0"/>
+            </a:xfrm>
+            <a:prstGeom prst="straightConnector1">
+              <a:avLst/>
+            </a:prstGeom>
+            <a:ln w="19050">
+              <a:tailEnd type="triangle"/>
+            </a:ln>
+          </p:spPr>
+          <p:style>
+            <a:lnRef idx="1">
+              <a:schemeClr val="accent6"/>
+            </a:lnRef>
+            <a:fillRef idx="0">
+              <a:schemeClr val="accent6"/>
+            </a:fillRef>
+            <a:effectRef idx="0">
+              <a:schemeClr val="accent6"/>
+            </a:effectRef>
+            <a:fontRef idx="minor">
+              <a:schemeClr val="tx1"/>
+            </a:fontRef>
+          </p:style>
+        </p:cxnSp>
+        <p:sp>
+          <p:nvSpPr>
+            <p:cNvPr id="137" name="文本框 136"/>
+            <p:cNvSpPr txBox="1"/>
+            <p:nvPr/>
+          </p:nvSpPr>
+          <p:spPr>
+            <a:xfrm>
+              <a:off x="9085832" y="2814995"/>
+              <a:ext cx="1524485" cy="307777"/>
+            </a:xfrm>
+            <a:prstGeom prst="rect">
+              <a:avLst/>
+            </a:prstGeom>
+            <a:noFill/>
+          </p:spPr>
+          <p:txBody>
+            <a:bodyPr wrap="square" rtlCol="0">
+              <a:spAutoFit/>
+            </a:bodyPr>
+            <a:lstStyle/>
+            <a:p>
+              <a:r>
+                <a:rPr lang="en-US" altLang="zh-CN" sz="1400" dirty="0" smtClean="0">
+                  <a:latin typeface="Times New Roman" panose="02020603050405020304" pitchFamily="18" charset="0"/>
+                  <a:cs typeface="Times New Roman" panose="02020603050405020304" pitchFamily="18" charset="0"/>
+                </a:rPr>
+                <a:t>Total latency: </a:t>
+              </a:r>
+              <a:r>
+                <a:rPr lang="en-US" altLang="zh-CN" sz="1400" dirty="0" smtClean="0">
+                  <a:latin typeface="Times New Roman" panose="02020603050405020304" pitchFamily="18" charset="0"/>
+                  <a:cs typeface="Times New Roman" panose="02020603050405020304" pitchFamily="18" charset="0"/>
+                </a:rPr>
+                <a:t>5ms</a:t>
+              </a:r>
+              <a:endParaRPr lang="zh-CN" altLang="en-US" sz="1400" dirty="0">
+                <a:latin typeface="Times New Roman" panose="02020603050405020304" pitchFamily="18" charset="0"/>
+                <a:cs typeface="Times New Roman" panose="02020603050405020304" pitchFamily="18" charset="0"/>
+              </a:endParaRPr>
+            </a:p>
+          </p:txBody>
+        </p:sp>
+      </p:grpSp>
     </p:spTree>
     <p:extLst>
       <p:ext uri="{BB962C8B-B14F-4D97-AF65-F5344CB8AC3E}">
@@ -5816,7 +6359,7 @@
 </p:sld>
 </file>
 
-<file path=ppt/slides/slide12.xml><?xml version="1.0" encoding="utf-8"?>
+<file path=ppt/slides/slide13.xml><?xml version="1.0" encoding="utf-8"?>
 <p:sld xmlns:a="http://schemas.openxmlformats.org/drawingml/2006/main" xmlns:r="http://schemas.openxmlformats.org/officeDocument/2006/relationships" xmlns:p="http://schemas.openxmlformats.org/presentationml/2006/main">
   <p:cSld>
     <p:spTree>
@@ -9949,7 +10492,7 @@
 </p:sld>
 </file>
 
-<file path=ppt/slides/slide13.xml><?xml version="1.0" encoding="utf-8"?>
+<file path=ppt/slides/slide14.xml><?xml version="1.0" encoding="utf-8"?>
 <p:sld xmlns:a="http://schemas.openxmlformats.org/drawingml/2006/main" xmlns:r="http://schemas.openxmlformats.org/officeDocument/2006/relationships" xmlns:p="http://schemas.openxmlformats.org/presentationml/2006/main">
   <p:cSld>
     <p:spTree>
@@ -20356,6 +20899,914 @@
 </file>
 
 <file path=ppt/slides/slide8.xml><?xml version="1.0" encoding="utf-8"?>
+<p:sld xmlns:a="http://schemas.openxmlformats.org/drawingml/2006/main" xmlns:r="http://schemas.openxmlformats.org/officeDocument/2006/relationships" xmlns:p="http://schemas.openxmlformats.org/presentationml/2006/main">
+  <p:cSld>
+    <p:spTree>
+      <p:nvGrpSpPr>
+        <p:cNvPr id="1" name=""/>
+        <p:cNvGrpSpPr/>
+        <p:nvPr/>
+      </p:nvGrpSpPr>
+      <p:grpSpPr>
+        <a:xfrm>
+          <a:off x="0" y="0"/>
+          <a:ext cx="0" cy="0"/>
+          <a:chOff x="0" y="0"/>
+          <a:chExt cx="0" cy="0"/>
+        </a:xfrm>
+      </p:grpSpPr>
+      <p:graphicFrame>
+        <p:nvGraphicFramePr>
+          <p:cNvPr id="6" name="表格 5"/>
+          <p:cNvGraphicFramePr>
+            <a:graphicFrameLocks noGrp="1"/>
+          </p:cNvGraphicFramePr>
+          <p:nvPr>
+            <p:extLst>
+              <p:ext uri="{D42A27DB-BD31-4B8C-83A1-F6EECF244321}">
+                <p14:modId xmlns:p14="http://schemas.microsoft.com/office/powerpoint/2010/main" val="965891382"/>
+              </p:ext>
+            </p:extLst>
+          </p:nvPr>
+        </p:nvGraphicFramePr>
+        <p:xfrm>
+          <a:off x="1649845" y="1275759"/>
+          <a:ext cx="8001230" cy="4083016"/>
+        </p:xfrm>
+        <a:graphic>
+          <a:graphicData uri="http://schemas.openxmlformats.org/drawingml/2006/table">
+            <a:tbl>
+              <a:tblPr firstRow="1" firstCol="1" bandRow="1"/>
+              <a:tblGrid>
+                <a:gridCol w="2174010">
+                  <a:extLst>
+                    <a:ext uri="{9D8B030D-6E8A-4147-A177-3AD203B41FA5}">
+                      <a16:colId xmlns:a16="http://schemas.microsoft.com/office/drawing/2014/main" val="354735457"/>
+                    </a:ext>
+                  </a:extLst>
+                </a:gridCol>
+                <a:gridCol w="5827220">
+                  <a:extLst>
+                    <a:ext uri="{9D8B030D-6E8A-4147-A177-3AD203B41FA5}">
+                      <a16:colId xmlns:a16="http://schemas.microsoft.com/office/drawing/2014/main" val="1090313937"/>
+                    </a:ext>
+                  </a:extLst>
+                </a:gridCol>
+              </a:tblGrid>
+              <a:tr h="1065496">
+                <a:tc>
+                  <a:txBody>
+                    <a:bodyPr/>
+                    <a:lstStyle/>
+                    <a:p>
+                      <a:pPr algn="ctr">
+                        <a:spcAft>
+                          <a:spcPts val="0"/>
+                        </a:spcAft>
+                      </a:pPr>
+                      <a:r>
+                        <a:rPr lang="en-US" altLang="zh-CN" sz="1800" kern="100" dirty="0" smtClean="0">
+                          <a:effectLst/>
+                          <a:latin typeface="Times New Roman" panose="02020603050405020304" pitchFamily="18" charset="0"/>
+                          <a:ea typeface="等线" panose="02010600030101010101" pitchFamily="2" charset="-122"/>
+                          <a:cs typeface="Times New Roman" panose="02020603050405020304" pitchFamily="18" charset="0"/>
+                        </a:rPr>
+                        <a:t>Parallelizable</a:t>
+                      </a:r>
+                    </a:p>
+                    <a:p>
+                      <a:pPr algn="ctr">
+                        <a:spcAft>
+                          <a:spcPts val="0"/>
+                        </a:spcAft>
+                      </a:pPr>
+                      <a:r>
+                        <a:rPr lang="en-US" altLang="zh-CN" sz="1800" kern="100" baseline="0" dirty="0" smtClean="0">
+                          <a:effectLst/>
+                          <a:latin typeface="Times New Roman" panose="02020603050405020304" pitchFamily="18" charset="0"/>
+                          <a:ea typeface="等线" panose="02010600030101010101" pitchFamily="2" charset="-122"/>
+                          <a:cs typeface="Times New Roman" panose="02020603050405020304" pitchFamily="18" charset="0"/>
+                        </a:rPr>
+                        <a:t>(</a:t>
+                      </a:r>
+                      <a:r>
+                        <a:rPr lang="en-US" altLang="zh-CN" sz="1800" kern="100" dirty="0" smtClean="0">
+                          <a:effectLst/>
+                          <a:latin typeface="Times New Roman" panose="02020603050405020304" pitchFamily="18" charset="0"/>
+                          <a:ea typeface="+mn-ea"/>
+                          <a:cs typeface="Times New Roman" panose="02020603050405020304" pitchFamily="18" charset="0"/>
+                        </a:rPr>
+                        <a:t>No</a:t>
+                      </a:r>
+                      <a:r>
+                        <a:rPr lang="en-US" altLang="zh-CN" sz="1800" kern="100" baseline="0" dirty="0" smtClean="0">
+                          <a:effectLst/>
+                          <a:latin typeface="Times New Roman" panose="02020603050405020304" pitchFamily="18" charset="0"/>
+                          <a:ea typeface="+mn-ea"/>
+                          <a:cs typeface="Times New Roman" panose="02020603050405020304" pitchFamily="18" charset="0"/>
+                        </a:rPr>
+                        <a:t> packet copy</a:t>
+                      </a:r>
+                      <a:r>
+                        <a:rPr lang="en-US" altLang="zh-CN" sz="1800" kern="100" baseline="0" dirty="0" smtClean="0">
+                          <a:effectLst/>
+                          <a:latin typeface="Times New Roman" panose="02020603050405020304" pitchFamily="18" charset="0"/>
+                          <a:ea typeface="等线" panose="02010600030101010101" pitchFamily="2" charset="-122"/>
+                          <a:cs typeface="Times New Roman" panose="02020603050405020304" pitchFamily="18" charset="0"/>
+                        </a:rPr>
+                        <a:t>)</a:t>
+                      </a:r>
+                      <a:endParaRPr lang="zh-CN" sz="1800" kern="100" dirty="0">
+                        <a:effectLst/>
+                        <a:latin typeface="Times New Roman" panose="02020603050405020304" pitchFamily="18" charset="0"/>
+                        <a:ea typeface="等线" panose="02010600030101010101" pitchFamily="2" charset="-122"/>
+                        <a:cs typeface="Times New Roman" panose="02020603050405020304" pitchFamily="18" charset="0"/>
+                      </a:endParaRPr>
+                    </a:p>
+                  </a:txBody>
+                  <a:tcPr marL="68580" marR="68580" marT="0" marB="0" anchor="ctr">
+                    <a:lnL w="12700" cap="flat" cmpd="sng" algn="ctr">
+                      <a:solidFill>
+                        <a:srgbClr val="000000"/>
+                      </a:solidFill>
+                      <a:prstDash val="solid"/>
+                      <a:round/>
+                      <a:headEnd type="none" w="med" len="med"/>
+                      <a:tailEnd type="none" w="med" len="med"/>
+                    </a:lnL>
+                    <a:lnR w="12700" cap="flat" cmpd="sng" algn="ctr">
+                      <a:solidFill>
+                        <a:srgbClr val="000000"/>
+                      </a:solidFill>
+                      <a:prstDash val="solid"/>
+                      <a:round/>
+                      <a:headEnd type="none" w="med" len="med"/>
+                      <a:tailEnd type="none" w="med" len="med"/>
+                    </a:lnR>
+                    <a:lnT w="12700" cap="flat" cmpd="sng" algn="ctr">
+                      <a:solidFill>
+                        <a:srgbClr val="000000"/>
+                      </a:solidFill>
+                      <a:prstDash val="solid"/>
+                      <a:round/>
+                      <a:headEnd type="none" w="med" len="med"/>
+                      <a:tailEnd type="none" w="med" len="med"/>
+                    </a:lnT>
+                    <a:lnB w="12700" cap="flat" cmpd="sng" algn="ctr">
+                      <a:solidFill>
+                        <a:srgbClr val="000000"/>
+                      </a:solidFill>
+                      <a:prstDash val="solid"/>
+                      <a:round/>
+                      <a:headEnd type="none" w="med" len="med"/>
+                      <a:tailEnd type="none" w="med" len="med"/>
+                    </a:lnB>
+                  </a:tcPr>
+                </a:tc>
+                <a:tc>
+                  <a:txBody>
+                    <a:bodyPr/>
+                    <a:lstStyle/>
+                    <a:p>
+                      <a:pPr algn="ctr">
+                        <a:spcAft>
+                          <a:spcPts val="0"/>
+                        </a:spcAft>
+                      </a:pPr>
+                      <a:r>
+                        <a:rPr lang="en-US" sz="1800" kern="100" dirty="0">
+                          <a:effectLst/>
+                          <a:latin typeface="Times New Roman" panose="02020603050405020304" pitchFamily="18" charset="0"/>
+                          <a:ea typeface="等线" panose="02010600030101010101" pitchFamily="2" charset="-122"/>
+                          <a:cs typeface="Times New Roman" panose="02020603050405020304" pitchFamily="18" charset="0"/>
+                        </a:rPr>
+                        <a:t> </a:t>
+                      </a:r>
+                      <a:r>
+                        <a:rPr lang="en-US" sz="1800" kern="100" dirty="0" smtClean="0">
+                          <a:effectLst/>
+                          <a:latin typeface="Times New Roman" panose="02020603050405020304" pitchFamily="18" charset="0"/>
+                          <a:ea typeface="等线" panose="02010600030101010101" pitchFamily="2" charset="-122"/>
+                          <a:cs typeface="Times New Roman" panose="02020603050405020304" pitchFamily="18" charset="0"/>
+                        </a:rPr>
+                        <a:t>&lt;R, R, *&gt;; </a:t>
+                      </a:r>
+                      <a:r>
+                        <a:rPr lang="en-US" altLang="zh-CN" sz="1800" kern="100" dirty="0" smtClean="0">
+                          <a:effectLst/>
+                          <a:latin typeface="Times New Roman" panose="02020603050405020304" pitchFamily="18" charset="0"/>
+                          <a:ea typeface="等线" panose="02010600030101010101" pitchFamily="2" charset="-122"/>
+                          <a:cs typeface="Times New Roman" panose="02020603050405020304" pitchFamily="18" charset="0"/>
+                        </a:rPr>
+                        <a:t>&lt;R, W,</a:t>
+                      </a:r>
+                      <a:r>
+                        <a:rPr lang="en-US" altLang="zh-CN" sz="1800" kern="100" baseline="0" dirty="0" smtClean="0">
+                          <a:effectLst/>
+                          <a:latin typeface="Times New Roman" panose="02020603050405020304" pitchFamily="18" charset="0"/>
+                          <a:ea typeface="等线" panose="02010600030101010101" pitchFamily="2" charset="-122"/>
+                          <a:cs typeface="Times New Roman" panose="02020603050405020304" pitchFamily="18" charset="0"/>
+                        </a:rPr>
+                        <a:t> N</a:t>
+                      </a:r>
+                      <a:r>
+                        <a:rPr lang="en-US" altLang="zh-CN" sz="1800" kern="100" dirty="0" smtClean="0">
+                          <a:effectLst/>
+                          <a:latin typeface="Times New Roman" panose="02020603050405020304" pitchFamily="18" charset="0"/>
+                          <a:ea typeface="等线" panose="02010600030101010101" pitchFamily="2" charset="-122"/>
+                          <a:cs typeface="Times New Roman" panose="02020603050405020304" pitchFamily="18" charset="0"/>
+                        </a:rPr>
+                        <a:t>&gt;;</a:t>
+                      </a:r>
+                      <a:r>
+                        <a:rPr lang="en-US" altLang="zh-CN" sz="1800" kern="100" baseline="0" dirty="0" smtClean="0">
+                          <a:effectLst/>
+                          <a:latin typeface="Times New Roman" panose="02020603050405020304" pitchFamily="18" charset="0"/>
+                          <a:ea typeface="等线" panose="02010600030101010101" pitchFamily="2" charset="-122"/>
+                          <a:cs typeface="Times New Roman" panose="02020603050405020304" pitchFamily="18" charset="0"/>
+                        </a:rPr>
+                        <a:t> </a:t>
+                      </a:r>
+                      <a:r>
+                        <a:rPr lang="en-US" altLang="zh-CN" sz="1800" kern="100" dirty="0" smtClean="0">
+                          <a:effectLst/>
+                          <a:latin typeface="Times New Roman" panose="02020603050405020304" pitchFamily="18" charset="0"/>
+                          <a:ea typeface="等线" panose="02010600030101010101" pitchFamily="2" charset="-122"/>
+                          <a:cs typeface="Times New Roman" panose="02020603050405020304" pitchFamily="18" charset="0"/>
+                        </a:rPr>
+                        <a:t>&lt;W, W, N&gt;;</a:t>
+                      </a:r>
+                      <a:r>
+                        <a:rPr lang="en-US" altLang="zh-CN" sz="1800" kern="100" baseline="0" dirty="0" smtClean="0">
+                          <a:effectLst/>
+                          <a:latin typeface="Times New Roman" panose="02020603050405020304" pitchFamily="18" charset="0"/>
+                          <a:ea typeface="等线" panose="02010600030101010101" pitchFamily="2" charset="-122"/>
+                          <a:cs typeface="Times New Roman" panose="02020603050405020304" pitchFamily="18" charset="0"/>
+                        </a:rPr>
+                        <a:t> </a:t>
+                      </a:r>
+                      <a:r>
+                        <a:rPr lang="en-US" altLang="zh-CN" sz="1800" kern="100" dirty="0" smtClean="0">
+                          <a:effectLst/>
+                          <a:latin typeface="Times New Roman" panose="02020603050405020304" pitchFamily="18" charset="0"/>
+                          <a:ea typeface="等线" panose="02010600030101010101" pitchFamily="2" charset="-122"/>
+                          <a:cs typeface="Times New Roman" panose="02020603050405020304" pitchFamily="18" charset="0"/>
+                        </a:rPr>
+                        <a:t>&lt;*,</a:t>
+                      </a:r>
+                      <a:r>
+                        <a:rPr lang="en-US" altLang="zh-CN" sz="1800" kern="100" baseline="0" dirty="0" smtClean="0">
+                          <a:effectLst/>
+                          <a:latin typeface="Times New Roman" panose="02020603050405020304" pitchFamily="18" charset="0"/>
+                          <a:ea typeface="等线" panose="02010600030101010101" pitchFamily="2" charset="-122"/>
+                          <a:cs typeface="Times New Roman" panose="02020603050405020304" pitchFamily="18" charset="0"/>
+                        </a:rPr>
+                        <a:t> D, *</a:t>
+                      </a:r>
+                      <a:r>
+                        <a:rPr lang="en-US" altLang="zh-CN" sz="1800" kern="100" dirty="0" smtClean="0">
+                          <a:effectLst/>
+                          <a:latin typeface="Times New Roman" panose="02020603050405020304" pitchFamily="18" charset="0"/>
+                          <a:ea typeface="等线" panose="02010600030101010101" pitchFamily="2" charset="-122"/>
+                          <a:cs typeface="Times New Roman" panose="02020603050405020304" pitchFamily="18" charset="0"/>
+                        </a:rPr>
+                        <a:t>&gt;</a:t>
+                      </a:r>
+                      <a:endParaRPr lang="zh-CN" sz="1800" kern="100" dirty="0">
+                        <a:effectLst/>
+                        <a:latin typeface="Times New Roman" panose="02020603050405020304" pitchFamily="18" charset="0"/>
+                        <a:ea typeface="等线" panose="02010600030101010101" pitchFamily="2" charset="-122"/>
+                        <a:cs typeface="Times New Roman" panose="02020603050405020304" pitchFamily="18" charset="0"/>
+                      </a:endParaRPr>
+                    </a:p>
+                  </a:txBody>
+                  <a:tcPr marL="68580" marR="68580" marT="0" marB="0" anchor="ctr">
+                    <a:lnL w="12700" cap="flat" cmpd="sng" algn="ctr">
+                      <a:solidFill>
+                        <a:srgbClr val="000000"/>
+                      </a:solidFill>
+                      <a:prstDash val="solid"/>
+                      <a:round/>
+                      <a:headEnd type="none" w="med" len="med"/>
+                      <a:tailEnd type="none" w="med" len="med"/>
+                    </a:lnL>
+                    <a:lnR w="12700" cap="flat" cmpd="sng" algn="ctr">
+                      <a:solidFill>
+                        <a:srgbClr val="000000"/>
+                      </a:solidFill>
+                      <a:prstDash val="solid"/>
+                      <a:round/>
+                      <a:headEnd type="none" w="med" len="med"/>
+                      <a:tailEnd type="none" w="med" len="med"/>
+                    </a:lnR>
+                    <a:lnT w="12700" cap="flat" cmpd="sng" algn="ctr">
+                      <a:solidFill>
+                        <a:srgbClr val="000000"/>
+                      </a:solidFill>
+                      <a:prstDash val="solid"/>
+                      <a:round/>
+                      <a:headEnd type="none" w="med" len="med"/>
+                      <a:tailEnd type="none" w="med" len="med"/>
+                    </a:lnT>
+                    <a:lnB w="12700" cap="flat" cmpd="sng" algn="ctr">
+                      <a:solidFill>
+                        <a:srgbClr val="000000"/>
+                      </a:solidFill>
+                      <a:prstDash val="solid"/>
+                      <a:round/>
+                      <a:headEnd type="none" w="med" len="med"/>
+                      <a:tailEnd type="none" w="med" len="med"/>
+                    </a:lnB>
+                  </a:tcPr>
+                </a:tc>
+                <a:extLst>
+                  <a:ext uri="{0D108BD9-81ED-4DB2-BD59-A6C34878D82A}">
+                    <a16:rowId xmlns:a16="http://schemas.microsoft.com/office/drawing/2014/main" val="1486221931"/>
+                  </a:ext>
+                </a:extLst>
+              </a:tr>
+              <a:tr h="1065496">
+                <a:tc>
+                  <a:txBody>
+                    <a:bodyPr/>
+                    <a:lstStyle/>
+                    <a:p>
+                      <a:pPr algn="ctr">
+                        <a:spcAft>
+                          <a:spcPts val="0"/>
+                        </a:spcAft>
+                      </a:pPr>
+                      <a:r>
+                        <a:rPr lang="en-US" sz="1800" kern="100" dirty="0" smtClean="0">
+                          <a:effectLst/>
+                          <a:latin typeface="Times New Roman" panose="02020603050405020304" pitchFamily="18" charset="0"/>
+                          <a:ea typeface="等线" panose="02010600030101010101" pitchFamily="2" charset="-122"/>
+                          <a:cs typeface="Times New Roman" panose="02020603050405020304" pitchFamily="18" charset="0"/>
+                        </a:rPr>
+                        <a:t>Parallelizable</a:t>
+                      </a:r>
+                    </a:p>
+                    <a:p>
+                      <a:pPr algn="ctr">
+                        <a:spcAft>
+                          <a:spcPts val="0"/>
+                        </a:spcAft>
+                      </a:pPr>
+                      <a:r>
+                        <a:rPr lang="en-US" sz="1800" kern="100" baseline="0" dirty="0" smtClean="0">
+                          <a:effectLst/>
+                          <a:latin typeface="Times New Roman" panose="02020603050405020304" pitchFamily="18" charset="0"/>
+                          <a:ea typeface="等线" panose="02010600030101010101" pitchFamily="2" charset="-122"/>
+                          <a:cs typeface="Times New Roman" panose="02020603050405020304" pitchFamily="18" charset="0"/>
+                        </a:rPr>
+                        <a:t>(</a:t>
+                      </a:r>
+                      <a:r>
+                        <a:rPr lang="en-US" altLang="zh-CN" sz="1800" kern="100" dirty="0" smtClean="0">
+                          <a:effectLst/>
+                          <a:latin typeface="Times New Roman" panose="02020603050405020304" pitchFamily="18" charset="0"/>
+                          <a:ea typeface="+mn-ea"/>
+                          <a:cs typeface="Times New Roman" panose="02020603050405020304" pitchFamily="18" charset="0"/>
+                        </a:rPr>
+                        <a:t>Need</a:t>
+                      </a:r>
+                      <a:r>
+                        <a:rPr lang="en-US" altLang="zh-CN" sz="1800" kern="100" baseline="0" dirty="0" smtClean="0">
+                          <a:effectLst/>
+                          <a:latin typeface="Times New Roman" panose="02020603050405020304" pitchFamily="18" charset="0"/>
+                          <a:ea typeface="+mn-ea"/>
+                          <a:cs typeface="Times New Roman" panose="02020603050405020304" pitchFamily="18" charset="0"/>
+                        </a:rPr>
+                        <a:t> packet copy</a:t>
+                      </a:r>
+                      <a:r>
+                        <a:rPr lang="en-US" sz="1800" kern="100" baseline="0" dirty="0" smtClean="0">
+                          <a:effectLst/>
+                          <a:latin typeface="Times New Roman" panose="02020603050405020304" pitchFamily="18" charset="0"/>
+                          <a:ea typeface="等线" panose="02010600030101010101" pitchFamily="2" charset="-122"/>
+                          <a:cs typeface="Times New Roman" panose="02020603050405020304" pitchFamily="18" charset="0"/>
+                        </a:rPr>
+                        <a:t>)</a:t>
+                      </a:r>
+                      <a:r>
+                        <a:rPr lang="en-US" sz="1800" kern="100" dirty="0">
+                          <a:effectLst/>
+                          <a:latin typeface="Times New Roman" panose="02020603050405020304" pitchFamily="18" charset="0"/>
+                          <a:ea typeface="等线" panose="02010600030101010101" pitchFamily="2" charset="-122"/>
+                          <a:cs typeface="Times New Roman" panose="02020603050405020304" pitchFamily="18" charset="0"/>
+                        </a:rPr>
+                        <a:t> </a:t>
+                      </a:r>
+                      <a:endParaRPr lang="zh-CN" sz="1800" kern="100" dirty="0">
+                        <a:effectLst/>
+                        <a:latin typeface="Times New Roman" panose="02020603050405020304" pitchFamily="18" charset="0"/>
+                        <a:ea typeface="等线" panose="02010600030101010101" pitchFamily="2" charset="-122"/>
+                        <a:cs typeface="Times New Roman" panose="02020603050405020304" pitchFamily="18" charset="0"/>
+                      </a:endParaRPr>
+                    </a:p>
+                  </a:txBody>
+                  <a:tcPr marL="68580" marR="68580" marT="0" marB="0" anchor="ctr">
+                    <a:lnL w="12700" cap="flat" cmpd="sng" algn="ctr">
+                      <a:solidFill>
+                        <a:srgbClr val="000000"/>
+                      </a:solidFill>
+                      <a:prstDash val="solid"/>
+                      <a:round/>
+                      <a:headEnd type="none" w="med" len="med"/>
+                      <a:tailEnd type="none" w="med" len="med"/>
+                    </a:lnL>
+                    <a:lnR w="12700" cap="flat" cmpd="sng" algn="ctr">
+                      <a:solidFill>
+                        <a:srgbClr val="000000"/>
+                      </a:solidFill>
+                      <a:prstDash val="solid"/>
+                      <a:round/>
+                      <a:headEnd type="none" w="med" len="med"/>
+                      <a:tailEnd type="none" w="med" len="med"/>
+                    </a:lnR>
+                    <a:lnT w="12700" cap="flat" cmpd="sng" algn="ctr">
+                      <a:solidFill>
+                        <a:srgbClr val="000000"/>
+                      </a:solidFill>
+                      <a:prstDash val="solid"/>
+                      <a:round/>
+                      <a:headEnd type="none" w="med" len="med"/>
+                      <a:tailEnd type="none" w="med" len="med"/>
+                    </a:lnT>
+                    <a:lnB w="12700" cap="flat" cmpd="sng" algn="ctr">
+                      <a:solidFill>
+                        <a:srgbClr val="000000"/>
+                      </a:solidFill>
+                      <a:prstDash val="solid"/>
+                      <a:round/>
+                      <a:headEnd type="none" w="med" len="med"/>
+                      <a:tailEnd type="none" w="med" len="med"/>
+                    </a:lnB>
+                  </a:tcPr>
+                </a:tc>
+                <a:tc>
+                  <a:txBody>
+                    <a:bodyPr/>
+                    <a:lstStyle/>
+                    <a:p>
+                      <a:pPr algn="ctr">
+                        <a:spcAft>
+                          <a:spcPts val="0"/>
+                        </a:spcAft>
+                      </a:pPr>
+                      <a:r>
+                        <a:rPr lang="en-US" sz="1800" kern="100" dirty="0">
+                          <a:effectLst/>
+                          <a:latin typeface="Times New Roman" panose="02020603050405020304" pitchFamily="18" charset="0"/>
+                          <a:ea typeface="等线" panose="02010600030101010101" pitchFamily="2" charset="-122"/>
+                          <a:cs typeface="Times New Roman" panose="02020603050405020304" pitchFamily="18" charset="0"/>
+                        </a:rPr>
+                        <a:t> </a:t>
+                      </a:r>
+                      <a:r>
+                        <a:rPr lang="en-US" sz="1800" kern="100" dirty="0" smtClean="0">
+                          <a:effectLst/>
+                          <a:latin typeface="Times New Roman" panose="02020603050405020304" pitchFamily="18" charset="0"/>
+                          <a:ea typeface="等线" panose="02010600030101010101" pitchFamily="2" charset="-122"/>
+                          <a:cs typeface="Times New Roman" panose="02020603050405020304" pitchFamily="18" charset="0"/>
+                        </a:rPr>
+                        <a:t>&lt;W, W, Y&gt;</a:t>
+                      </a:r>
+                    </a:p>
+                    <a:p>
+                      <a:pPr algn="ctr">
+                        <a:spcAft>
+                          <a:spcPts val="0"/>
+                        </a:spcAft>
+                      </a:pPr>
+                      <a:r>
+                        <a:rPr lang="en-US" altLang="zh-CN" sz="1800" kern="100" dirty="0" smtClean="0">
+                          <a:effectLst/>
+                          <a:latin typeface="Times New Roman" panose="02020603050405020304" pitchFamily="18" charset="0"/>
+                          <a:ea typeface="等线" panose="02010600030101010101" pitchFamily="2" charset="-122"/>
+                          <a:cs typeface="Times New Roman" panose="02020603050405020304" pitchFamily="18" charset="0"/>
+                        </a:rPr>
+                        <a:t>&lt;R, W, Y&gt;</a:t>
+                      </a:r>
+                    </a:p>
+                    <a:p>
+                      <a:pPr algn="ctr">
+                        <a:spcAft>
+                          <a:spcPts val="0"/>
+                        </a:spcAft>
+                      </a:pPr>
+                      <a:r>
+                        <a:rPr lang="en-US" altLang="zh-CN" sz="1800" kern="100" dirty="0" smtClean="0">
+                          <a:effectLst/>
+                          <a:latin typeface="Times New Roman" panose="02020603050405020304" pitchFamily="18" charset="0"/>
+                          <a:ea typeface="等线" panose="02010600030101010101" pitchFamily="2" charset="-122"/>
+                          <a:cs typeface="Times New Roman" panose="02020603050405020304" pitchFamily="18" charset="0"/>
+                        </a:rPr>
+                        <a:t>&lt;R, AR,*&gt;</a:t>
+                      </a:r>
+                    </a:p>
+                    <a:p>
+                      <a:pPr algn="ctr">
+                        <a:spcAft>
+                          <a:spcPts val="0"/>
+                        </a:spcAft>
+                      </a:pPr>
+                      <a:r>
+                        <a:rPr lang="en-US" altLang="zh-CN" sz="1800" kern="100" dirty="0" smtClean="0">
+                          <a:effectLst/>
+                          <a:latin typeface="Times New Roman" panose="02020603050405020304" pitchFamily="18" charset="0"/>
+                          <a:ea typeface="+mn-ea"/>
+                          <a:cs typeface="Times New Roman" panose="02020603050405020304" pitchFamily="18" charset="0"/>
+                        </a:rPr>
+                        <a:t>&lt;W, AR,*&gt;</a:t>
+                      </a:r>
+                    </a:p>
+                    <a:p>
+                      <a:pPr algn="ctr">
+                        <a:spcAft>
+                          <a:spcPts val="0"/>
+                        </a:spcAft>
+                      </a:pPr>
+                      <a:r>
+                        <a:rPr lang="en-US" altLang="zh-CN" sz="1800" kern="100" dirty="0" smtClean="0">
+                          <a:effectLst/>
+                          <a:latin typeface="Times New Roman" panose="02020603050405020304" pitchFamily="18" charset="0"/>
+                          <a:ea typeface="+mn-ea"/>
+                          <a:cs typeface="Times New Roman" panose="02020603050405020304" pitchFamily="18" charset="0"/>
+                        </a:rPr>
+                        <a:t>&lt;AR, AR,*&gt;</a:t>
+                      </a:r>
+                      <a:endParaRPr lang="zh-CN" sz="1800" kern="100" dirty="0">
+                        <a:effectLst/>
+                        <a:latin typeface="Times New Roman" panose="02020603050405020304" pitchFamily="18" charset="0"/>
+                        <a:ea typeface="等线" panose="02010600030101010101" pitchFamily="2" charset="-122"/>
+                        <a:cs typeface="Times New Roman" panose="02020603050405020304" pitchFamily="18" charset="0"/>
+                      </a:endParaRPr>
+                    </a:p>
+                  </a:txBody>
+                  <a:tcPr marL="68580" marR="68580" marT="0" marB="0" anchor="ctr">
+                    <a:lnL w="12700" cap="flat" cmpd="sng" algn="ctr">
+                      <a:solidFill>
+                        <a:srgbClr val="000000"/>
+                      </a:solidFill>
+                      <a:prstDash val="solid"/>
+                      <a:round/>
+                      <a:headEnd type="none" w="med" len="med"/>
+                      <a:tailEnd type="none" w="med" len="med"/>
+                    </a:lnL>
+                    <a:lnR w="12700" cap="flat" cmpd="sng" algn="ctr">
+                      <a:solidFill>
+                        <a:srgbClr val="000000"/>
+                      </a:solidFill>
+                      <a:prstDash val="solid"/>
+                      <a:round/>
+                      <a:headEnd type="none" w="med" len="med"/>
+                      <a:tailEnd type="none" w="med" len="med"/>
+                    </a:lnR>
+                    <a:lnT w="12700" cap="flat" cmpd="sng" algn="ctr">
+                      <a:solidFill>
+                        <a:srgbClr val="000000"/>
+                      </a:solidFill>
+                      <a:prstDash val="solid"/>
+                      <a:round/>
+                      <a:headEnd type="none" w="med" len="med"/>
+                      <a:tailEnd type="none" w="med" len="med"/>
+                    </a:lnT>
+                    <a:lnB w="12700" cap="flat" cmpd="sng" algn="ctr">
+                      <a:solidFill>
+                        <a:srgbClr val="000000"/>
+                      </a:solidFill>
+                      <a:prstDash val="solid"/>
+                      <a:round/>
+                      <a:headEnd type="none" w="med" len="med"/>
+                      <a:tailEnd type="none" w="med" len="med"/>
+                    </a:lnB>
+                  </a:tcPr>
+                </a:tc>
+                <a:extLst>
+                  <a:ext uri="{0D108BD9-81ED-4DB2-BD59-A6C34878D82A}">
+                    <a16:rowId xmlns:a16="http://schemas.microsoft.com/office/drawing/2014/main" val="2763117215"/>
+                  </a:ext>
+                </a:extLst>
+              </a:tr>
+              <a:tr h="1065496">
+                <a:tc>
+                  <a:txBody>
+                    <a:bodyPr/>
+                    <a:lstStyle/>
+                    <a:p>
+                      <a:pPr algn="ctr">
+                        <a:spcAft>
+                          <a:spcPts val="0"/>
+                        </a:spcAft>
+                      </a:pPr>
+                      <a:r>
+                        <a:rPr lang="en-US" sz="1800" kern="100" dirty="0" smtClean="0">
+                          <a:effectLst/>
+                          <a:latin typeface="Times New Roman" panose="02020603050405020304" pitchFamily="18" charset="0"/>
+                          <a:ea typeface="等线" panose="02010600030101010101" pitchFamily="2" charset="-122"/>
+                          <a:cs typeface="Times New Roman" panose="02020603050405020304" pitchFamily="18" charset="0"/>
+                        </a:rPr>
+                        <a:t>Non</a:t>
+                      </a:r>
+                      <a:r>
+                        <a:rPr lang="en-US" sz="1800" kern="100" baseline="0" dirty="0" smtClean="0">
+                          <a:effectLst/>
+                          <a:latin typeface="Times New Roman" panose="02020603050405020304" pitchFamily="18" charset="0"/>
+                          <a:ea typeface="等线" panose="02010600030101010101" pitchFamily="2" charset="-122"/>
+                          <a:cs typeface="Times New Roman" panose="02020603050405020304" pitchFamily="18" charset="0"/>
+                        </a:rPr>
+                        <a:t> parallelizable</a:t>
+                      </a:r>
+                      <a:r>
+                        <a:rPr lang="en-US" sz="1800" kern="100" dirty="0">
+                          <a:effectLst/>
+                          <a:latin typeface="Times New Roman" panose="02020603050405020304" pitchFamily="18" charset="0"/>
+                          <a:ea typeface="等线" panose="02010600030101010101" pitchFamily="2" charset="-122"/>
+                          <a:cs typeface="Times New Roman" panose="02020603050405020304" pitchFamily="18" charset="0"/>
+                        </a:rPr>
+                        <a:t> </a:t>
+                      </a:r>
+                      <a:endParaRPr lang="zh-CN" sz="1800" kern="100" dirty="0">
+                        <a:effectLst/>
+                        <a:latin typeface="Times New Roman" panose="02020603050405020304" pitchFamily="18" charset="0"/>
+                        <a:ea typeface="等线" panose="02010600030101010101" pitchFamily="2" charset="-122"/>
+                        <a:cs typeface="Times New Roman" panose="02020603050405020304" pitchFamily="18" charset="0"/>
+                      </a:endParaRPr>
+                    </a:p>
+                  </a:txBody>
+                  <a:tcPr marL="68580" marR="68580" marT="0" marB="0" anchor="ctr">
+                    <a:lnL w="12700" cap="flat" cmpd="sng" algn="ctr">
+                      <a:solidFill>
+                        <a:srgbClr val="000000"/>
+                      </a:solidFill>
+                      <a:prstDash val="solid"/>
+                      <a:round/>
+                      <a:headEnd type="none" w="med" len="med"/>
+                      <a:tailEnd type="none" w="med" len="med"/>
+                    </a:lnL>
+                    <a:lnR w="12700" cap="flat" cmpd="sng" algn="ctr">
+                      <a:solidFill>
+                        <a:srgbClr val="000000"/>
+                      </a:solidFill>
+                      <a:prstDash val="solid"/>
+                      <a:round/>
+                      <a:headEnd type="none" w="med" len="med"/>
+                      <a:tailEnd type="none" w="med" len="med"/>
+                    </a:lnR>
+                    <a:lnT w="12700" cap="flat" cmpd="sng" algn="ctr">
+                      <a:solidFill>
+                        <a:srgbClr val="000000"/>
+                      </a:solidFill>
+                      <a:prstDash val="solid"/>
+                      <a:round/>
+                      <a:headEnd type="none" w="med" len="med"/>
+                      <a:tailEnd type="none" w="med" len="med"/>
+                    </a:lnT>
+                    <a:lnB w="12700" cap="flat" cmpd="sng" algn="ctr">
+                      <a:solidFill>
+                        <a:srgbClr val="000000"/>
+                      </a:solidFill>
+                      <a:prstDash val="solid"/>
+                      <a:round/>
+                      <a:headEnd type="none" w="med" len="med"/>
+                      <a:tailEnd type="none" w="med" len="med"/>
+                    </a:lnB>
+                  </a:tcPr>
+                </a:tc>
+                <a:tc>
+                  <a:txBody>
+                    <a:bodyPr/>
+                    <a:lstStyle/>
+                    <a:p>
+                      <a:pPr algn="ctr">
+                        <a:spcAft>
+                          <a:spcPts val="0"/>
+                        </a:spcAft>
+                      </a:pPr>
+                      <a:r>
+                        <a:rPr lang="en-US" sz="1800" kern="100" dirty="0">
+                          <a:effectLst/>
+                          <a:latin typeface="Times New Roman" panose="02020603050405020304" pitchFamily="18" charset="0"/>
+                          <a:ea typeface="等线" panose="02010600030101010101" pitchFamily="2" charset="-122"/>
+                          <a:cs typeface="Times New Roman" panose="02020603050405020304" pitchFamily="18" charset="0"/>
+                        </a:rPr>
+                        <a:t> </a:t>
+                      </a:r>
+                      <a:r>
+                        <a:rPr lang="en-US" sz="1800" kern="100" dirty="0" smtClean="0">
+                          <a:effectLst/>
+                          <a:latin typeface="Times New Roman" panose="02020603050405020304" pitchFamily="18" charset="0"/>
+                          <a:ea typeface="等线" panose="02010600030101010101" pitchFamily="2" charset="-122"/>
+                          <a:cs typeface="Times New Roman" panose="02020603050405020304" pitchFamily="18" charset="0"/>
+                        </a:rPr>
+                        <a:t>&lt;W,</a:t>
+                      </a:r>
+                      <a:r>
+                        <a:rPr lang="en-US" sz="1800" kern="100" baseline="0" dirty="0" smtClean="0">
+                          <a:effectLst/>
+                          <a:latin typeface="Times New Roman" panose="02020603050405020304" pitchFamily="18" charset="0"/>
+                          <a:ea typeface="等线" panose="02010600030101010101" pitchFamily="2" charset="-122"/>
+                          <a:cs typeface="Times New Roman" panose="02020603050405020304" pitchFamily="18" charset="0"/>
+                        </a:rPr>
+                        <a:t> R, *</a:t>
+                      </a:r>
+                      <a:r>
+                        <a:rPr lang="en-US" sz="1800" kern="100" dirty="0" smtClean="0">
+                          <a:effectLst/>
+                          <a:latin typeface="Times New Roman" panose="02020603050405020304" pitchFamily="18" charset="0"/>
+                          <a:ea typeface="等线" panose="02010600030101010101" pitchFamily="2" charset="-122"/>
+                          <a:cs typeface="Times New Roman" panose="02020603050405020304" pitchFamily="18" charset="0"/>
+                        </a:rPr>
+                        <a:t>&gt;</a:t>
+                      </a:r>
+                    </a:p>
+                    <a:p>
+                      <a:pPr algn="ctr">
+                        <a:spcAft>
+                          <a:spcPts val="0"/>
+                        </a:spcAft>
+                      </a:pPr>
+                      <a:r>
+                        <a:rPr lang="en-US" altLang="zh-CN" sz="1800" kern="100" dirty="0" smtClean="0">
+                          <a:effectLst/>
+                          <a:latin typeface="Times New Roman" panose="02020603050405020304" pitchFamily="18" charset="0"/>
+                          <a:ea typeface="+mn-ea"/>
+                          <a:cs typeface="Times New Roman" panose="02020603050405020304" pitchFamily="18" charset="0"/>
+                        </a:rPr>
+                        <a:t>&lt;AR,</a:t>
+                      </a:r>
+                      <a:r>
+                        <a:rPr lang="en-US" altLang="zh-CN" sz="1800" kern="100" baseline="0" dirty="0" smtClean="0">
+                          <a:effectLst/>
+                          <a:latin typeface="Times New Roman" panose="02020603050405020304" pitchFamily="18" charset="0"/>
+                          <a:ea typeface="+mn-ea"/>
+                          <a:cs typeface="Times New Roman" panose="02020603050405020304" pitchFamily="18" charset="0"/>
+                        </a:rPr>
+                        <a:t> R, *</a:t>
+                      </a:r>
+                      <a:r>
+                        <a:rPr lang="en-US" altLang="zh-CN" sz="1800" kern="100" dirty="0" smtClean="0">
+                          <a:effectLst/>
+                          <a:latin typeface="Times New Roman" panose="02020603050405020304" pitchFamily="18" charset="0"/>
+                          <a:ea typeface="+mn-ea"/>
+                          <a:cs typeface="Times New Roman" panose="02020603050405020304" pitchFamily="18" charset="0"/>
+                        </a:rPr>
+                        <a:t>&gt;</a:t>
+                      </a:r>
+                    </a:p>
+                    <a:p>
+                      <a:pPr algn="ctr">
+                        <a:spcAft>
+                          <a:spcPts val="0"/>
+                        </a:spcAft>
+                      </a:pPr>
+                      <a:r>
+                        <a:rPr lang="en-US" altLang="zh-CN" sz="1800" kern="100" dirty="0" smtClean="0">
+                          <a:effectLst/>
+                          <a:latin typeface="Times New Roman" panose="02020603050405020304" pitchFamily="18" charset="0"/>
+                          <a:ea typeface="+mn-ea"/>
+                          <a:cs typeface="Times New Roman" panose="02020603050405020304" pitchFamily="18" charset="0"/>
+                        </a:rPr>
+                        <a:t>&lt;AR,</a:t>
+                      </a:r>
+                      <a:r>
+                        <a:rPr lang="en-US" altLang="zh-CN" sz="1800" kern="100" baseline="0" dirty="0" smtClean="0">
+                          <a:effectLst/>
+                          <a:latin typeface="Times New Roman" panose="02020603050405020304" pitchFamily="18" charset="0"/>
+                          <a:ea typeface="+mn-ea"/>
+                          <a:cs typeface="Times New Roman" panose="02020603050405020304" pitchFamily="18" charset="0"/>
+                        </a:rPr>
+                        <a:t> W, *</a:t>
+                      </a:r>
+                      <a:r>
+                        <a:rPr lang="en-US" altLang="zh-CN" sz="1800" kern="100" dirty="0" smtClean="0">
+                          <a:effectLst/>
+                          <a:latin typeface="Times New Roman" panose="02020603050405020304" pitchFamily="18" charset="0"/>
+                          <a:ea typeface="+mn-ea"/>
+                          <a:cs typeface="Times New Roman" panose="02020603050405020304" pitchFamily="18" charset="0"/>
+                        </a:rPr>
+                        <a:t>&gt;</a:t>
+                      </a:r>
+                    </a:p>
+                    <a:p>
+                      <a:pPr algn="ctr">
+                        <a:spcAft>
+                          <a:spcPts val="0"/>
+                        </a:spcAft>
+                      </a:pPr>
+                      <a:r>
+                        <a:rPr lang="en-US" altLang="zh-CN" sz="1800" kern="100" dirty="0" smtClean="0">
+                          <a:effectLst/>
+                          <a:latin typeface="Times New Roman" panose="02020603050405020304" pitchFamily="18" charset="0"/>
+                          <a:ea typeface="+mn-ea"/>
+                          <a:cs typeface="Times New Roman" panose="02020603050405020304" pitchFamily="18" charset="0"/>
+                        </a:rPr>
+                        <a:t>&lt;D, R, *&gt;</a:t>
+                      </a:r>
+                    </a:p>
+                    <a:p>
+                      <a:pPr algn="ctr">
+                        <a:spcAft>
+                          <a:spcPts val="0"/>
+                        </a:spcAft>
+                      </a:pPr>
+                      <a:r>
+                        <a:rPr lang="en-US" altLang="zh-CN" sz="1800" kern="100" dirty="0" smtClean="0">
+                          <a:effectLst/>
+                          <a:latin typeface="Times New Roman" panose="02020603050405020304" pitchFamily="18" charset="0"/>
+                          <a:ea typeface="+mn-ea"/>
+                          <a:cs typeface="Times New Roman" panose="02020603050405020304" pitchFamily="18" charset="0"/>
+                        </a:rPr>
+                        <a:t>&lt;D, W, *&gt;</a:t>
+                      </a:r>
+                    </a:p>
+                    <a:p>
+                      <a:pPr algn="ctr">
+                        <a:spcAft>
+                          <a:spcPts val="0"/>
+                        </a:spcAft>
+                      </a:pPr>
+                      <a:r>
+                        <a:rPr lang="en-US" altLang="zh-CN" sz="1800" kern="100" dirty="0" smtClean="0">
+                          <a:effectLst/>
+                          <a:latin typeface="Times New Roman" panose="02020603050405020304" pitchFamily="18" charset="0"/>
+                          <a:ea typeface="+mn-ea"/>
+                          <a:cs typeface="Times New Roman" panose="02020603050405020304" pitchFamily="18" charset="0"/>
+                        </a:rPr>
+                        <a:t>&lt;D, AR, *&gt;</a:t>
+                      </a:r>
+                      <a:endParaRPr lang="zh-CN" sz="1800" kern="100" dirty="0">
+                        <a:effectLst/>
+                        <a:latin typeface="Times New Roman" panose="02020603050405020304" pitchFamily="18" charset="0"/>
+                        <a:ea typeface="等线" panose="02010600030101010101" pitchFamily="2" charset="-122"/>
+                        <a:cs typeface="Times New Roman" panose="02020603050405020304" pitchFamily="18" charset="0"/>
+                      </a:endParaRPr>
+                    </a:p>
+                  </a:txBody>
+                  <a:tcPr marL="68580" marR="68580" marT="0" marB="0" anchor="ctr">
+                    <a:lnL w="12700" cap="flat" cmpd="sng" algn="ctr">
+                      <a:solidFill>
+                        <a:srgbClr val="000000"/>
+                      </a:solidFill>
+                      <a:prstDash val="solid"/>
+                      <a:round/>
+                      <a:headEnd type="none" w="med" len="med"/>
+                      <a:tailEnd type="none" w="med" len="med"/>
+                    </a:lnL>
+                    <a:lnR w="12700" cap="flat" cmpd="sng" algn="ctr">
+                      <a:solidFill>
+                        <a:srgbClr val="000000"/>
+                      </a:solidFill>
+                      <a:prstDash val="solid"/>
+                      <a:round/>
+                      <a:headEnd type="none" w="med" len="med"/>
+                      <a:tailEnd type="none" w="med" len="med"/>
+                    </a:lnR>
+                    <a:lnT w="12700" cap="flat" cmpd="sng" algn="ctr">
+                      <a:solidFill>
+                        <a:srgbClr val="000000"/>
+                      </a:solidFill>
+                      <a:prstDash val="solid"/>
+                      <a:round/>
+                      <a:headEnd type="none" w="med" len="med"/>
+                      <a:tailEnd type="none" w="med" len="med"/>
+                    </a:lnT>
+                    <a:lnB w="12700" cap="flat" cmpd="sng" algn="ctr">
+                      <a:solidFill>
+                        <a:srgbClr val="000000"/>
+                      </a:solidFill>
+                      <a:prstDash val="solid"/>
+                      <a:round/>
+                      <a:headEnd type="none" w="med" len="med"/>
+                      <a:tailEnd type="none" w="med" len="med"/>
+                    </a:lnB>
+                  </a:tcPr>
+                </a:tc>
+                <a:extLst>
+                  <a:ext uri="{0D108BD9-81ED-4DB2-BD59-A6C34878D82A}">
+                    <a16:rowId xmlns:a16="http://schemas.microsoft.com/office/drawing/2014/main" val="3972804387"/>
+                  </a:ext>
+                </a:extLst>
+              </a:tr>
+            </a:tbl>
+          </a:graphicData>
+        </a:graphic>
+      </p:graphicFrame>
+    </p:spTree>
+    <p:extLst>
+      <p:ext uri="{BB962C8B-B14F-4D97-AF65-F5344CB8AC3E}">
+        <p14:creationId xmlns:p14="http://schemas.microsoft.com/office/powerpoint/2010/main" val="1001857223"/>
+      </p:ext>
+    </p:extLst>
+  </p:cSld>
+  <p:clrMapOvr>
+    <a:masterClrMapping/>
+  </p:clrMapOvr>
+</p:sld>
+</file>
+
+<file path=ppt/slides/slide9.xml><?xml version="1.0" encoding="utf-8"?>
 <p:sld xmlns:a="http://schemas.openxmlformats.org/drawingml/2006/main" xmlns:r="http://schemas.openxmlformats.org/officeDocument/2006/relationships" xmlns:p="http://schemas.openxmlformats.org/presentationml/2006/main">
   <p:cSld>
     <p:spTree>
@@ -22381,510 +23832,6 @@
 </p:sld>
 </file>
 
-<file path=ppt/slides/slide9.xml><?xml version="1.0" encoding="utf-8"?>
-<p:sld xmlns:a="http://schemas.openxmlformats.org/drawingml/2006/main" xmlns:r="http://schemas.openxmlformats.org/officeDocument/2006/relationships" xmlns:p="http://schemas.openxmlformats.org/presentationml/2006/main">
-  <p:cSld>
-    <p:spTree>
-      <p:nvGrpSpPr>
-        <p:cNvPr id="1" name=""/>
-        <p:cNvGrpSpPr/>
-        <p:nvPr/>
-      </p:nvGrpSpPr>
-      <p:grpSpPr>
-        <a:xfrm>
-          <a:off x="0" y="0"/>
-          <a:ext cx="0" cy="0"/>
-          <a:chOff x="0" y="0"/>
-          <a:chExt cx="0" cy="0"/>
-        </a:xfrm>
-      </p:grpSpPr>
-      <p:sp>
-        <p:nvSpPr>
-          <p:cNvPr id="2" name="矩形 1"/>
-          <p:cNvSpPr/>
-          <p:nvPr/>
-        </p:nvSpPr>
-        <p:spPr>
-          <a:xfrm>
-            <a:off x="1604356" y="2335876"/>
-            <a:ext cx="1354975" cy="789709"/>
-          </a:xfrm>
-          <a:prstGeom prst="rect">
-            <a:avLst/>
-          </a:prstGeom>
-        </p:spPr>
-        <p:style>
-          <a:lnRef idx="2">
-            <a:schemeClr val="accent1">
-              <a:shade val="50000"/>
-            </a:schemeClr>
-          </a:lnRef>
-          <a:fillRef idx="1">
-            <a:schemeClr val="accent1"/>
-          </a:fillRef>
-          <a:effectRef idx="0">
-            <a:schemeClr val="accent1"/>
-          </a:effectRef>
-          <a:fontRef idx="minor">
-            <a:schemeClr val="lt1"/>
-          </a:fontRef>
-        </p:style>
-        <p:txBody>
-          <a:bodyPr rtlCol="0" anchor="ctr"/>
-          <a:lstStyle/>
-          <a:p>
-            <a:pPr algn="ctr"/>
-            <a:r>
-              <a:rPr lang="en-US" altLang="zh-CN" dirty="0"/>
-              <a:t>NF A (2ms)</a:t>
-            </a:r>
-            <a:endParaRPr lang="zh-CN" altLang="en-US" dirty="0"/>
-          </a:p>
-        </p:txBody>
-      </p:sp>
-      <p:sp>
-        <p:nvSpPr>
-          <p:cNvPr id="3" name="矩形 2"/>
-          <p:cNvSpPr/>
-          <p:nvPr/>
-        </p:nvSpPr>
-        <p:spPr>
-          <a:xfrm>
-            <a:off x="4308764" y="2335876"/>
-            <a:ext cx="1354975" cy="789709"/>
-          </a:xfrm>
-          <a:prstGeom prst="rect">
-            <a:avLst/>
-          </a:prstGeom>
-        </p:spPr>
-        <p:style>
-          <a:lnRef idx="2">
-            <a:schemeClr val="accent1">
-              <a:shade val="50000"/>
-            </a:schemeClr>
-          </a:lnRef>
-          <a:fillRef idx="1">
-            <a:schemeClr val="accent1"/>
-          </a:fillRef>
-          <a:effectRef idx="0">
-            <a:schemeClr val="accent1"/>
-          </a:effectRef>
-          <a:fontRef idx="minor">
-            <a:schemeClr val="lt1"/>
-          </a:fontRef>
-        </p:style>
-        <p:txBody>
-          <a:bodyPr rtlCol="0" anchor="ctr"/>
-          <a:lstStyle/>
-          <a:p>
-            <a:pPr algn="ctr"/>
-            <a:r>
-              <a:rPr lang="en-US" altLang="zh-CN" dirty="0"/>
-              <a:t>NF B (2ms)</a:t>
-            </a:r>
-            <a:endParaRPr lang="zh-CN" altLang="en-US" dirty="0"/>
-          </a:p>
-        </p:txBody>
-      </p:sp>
-      <p:sp>
-        <p:nvSpPr>
-          <p:cNvPr id="4" name="矩形 3"/>
-          <p:cNvSpPr/>
-          <p:nvPr/>
-        </p:nvSpPr>
-        <p:spPr>
-          <a:xfrm>
-            <a:off x="7013172" y="2335875"/>
-            <a:ext cx="1354975" cy="789709"/>
-          </a:xfrm>
-          <a:prstGeom prst="rect">
-            <a:avLst/>
-          </a:prstGeom>
-        </p:spPr>
-        <p:style>
-          <a:lnRef idx="2">
-            <a:schemeClr val="accent1">
-              <a:shade val="50000"/>
-            </a:schemeClr>
-          </a:lnRef>
-          <a:fillRef idx="1">
-            <a:schemeClr val="accent1"/>
-          </a:fillRef>
-          <a:effectRef idx="0">
-            <a:schemeClr val="accent1"/>
-          </a:effectRef>
-          <a:fontRef idx="minor">
-            <a:schemeClr val="lt1"/>
-          </a:fontRef>
-        </p:style>
-        <p:txBody>
-          <a:bodyPr rtlCol="0" anchor="ctr"/>
-          <a:lstStyle/>
-          <a:p>
-            <a:pPr algn="ctr"/>
-            <a:r>
-              <a:rPr lang="en-US" altLang="zh-CN" dirty="0"/>
-              <a:t>NF C (1ms)</a:t>
-            </a:r>
-            <a:endParaRPr lang="zh-CN" altLang="en-US" dirty="0"/>
-          </a:p>
-        </p:txBody>
-      </p:sp>
-      <p:cxnSp>
-        <p:nvCxnSpPr>
-          <p:cNvPr id="6" name="直接箭头连接符 5"/>
-          <p:cNvCxnSpPr>
-            <a:stCxn id="2" idx="3"/>
-            <a:endCxn id="3" idx="1"/>
-          </p:cNvCxnSpPr>
-          <p:nvPr/>
-        </p:nvCxnSpPr>
-        <p:spPr>
-          <a:xfrm>
-            <a:off x="2959331" y="2730731"/>
-            <a:ext cx="1349433" cy="0"/>
-          </a:xfrm>
-          <a:prstGeom prst="straightConnector1">
-            <a:avLst/>
-          </a:prstGeom>
-          <a:ln>
-            <a:tailEnd type="triangle"/>
-          </a:ln>
-        </p:spPr>
-        <p:style>
-          <a:lnRef idx="1">
-            <a:schemeClr val="accent1"/>
-          </a:lnRef>
-          <a:fillRef idx="0">
-            <a:schemeClr val="accent1"/>
-          </a:fillRef>
-          <a:effectRef idx="0">
-            <a:schemeClr val="accent1"/>
-          </a:effectRef>
-          <a:fontRef idx="minor">
-            <a:schemeClr val="tx1"/>
-          </a:fontRef>
-        </p:style>
-      </p:cxnSp>
-      <p:cxnSp>
-        <p:nvCxnSpPr>
-          <p:cNvPr id="7" name="直接箭头连接符 6"/>
-          <p:cNvCxnSpPr>
-            <a:stCxn id="3" idx="3"/>
-            <a:endCxn id="4" idx="1"/>
-          </p:cNvCxnSpPr>
-          <p:nvPr/>
-        </p:nvCxnSpPr>
-        <p:spPr>
-          <a:xfrm flipV="1">
-            <a:off x="5663739" y="2730730"/>
-            <a:ext cx="1349433" cy="1"/>
-          </a:xfrm>
-          <a:prstGeom prst="straightConnector1">
-            <a:avLst/>
-          </a:prstGeom>
-          <a:ln>
-            <a:tailEnd type="triangle"/>
-          </a:ln>
-        </p:spPr>
-        <p:style>
-          <a:lnRef idx="1">
-            <a:schemeClr val="accent1"/>
-          </a:lnRef>
-          <a:fillRef idx="0">
-            <a:schemeClr val="accent1"/>
-          </a:fillRef>
-          <a:effectRef idx="0">
-            <a:schemeClr val="accent1"/>
-          </a:effectRef>
-          <a:fontRef idx="minor">
-            <a:schemeClr val="tx1"/>
-          </a:fontRef>
-        </p:style>
-      </p:cxnSp>
-      <p:cxnSp>
-        <p:nvCxnSpPr>
-          <p:cNvPr id="11" name="直接连接符 10"/>
-          <p:cNvCxnSpPr>
-            <a:stCxn id="2" idx="2"/>
-          </p:cNvCxnSpPr>
-          <p:nvPr/>
-        </p:nvCxnSpPr>
-        <p:spPr>
-          <a:xfrm>
-            <a:off x="2281844" y="3125585"/>
-            <a:ext cx="1167938" cy="482139"/>
-          </a:xfrm>
-          <a:prstGeom prst="line">
-            <a:avLst/>
-          </a:prstGeom>
-        </p:spPr>
-        <p:style>
-          <a:lnRef idx="1">
-            <a:schemeClr val="accent1"/>
-          </a:lnRef>
-          <a:fillRef idx="0">
-            <a:schemeClr val="accent1"/>
-          </a:fillRef>
-          <a:effectRef idx="0">
-            <a:schemeClr val="accent1"/>
-          </a:effectRef>
-          <a:fontRef idx="minor">
-            <a:schemeClr val="tx1"/>
-          </a:fontRef>
-        </p:style>
-      </p:cxnSp>
-      <p:cxnSp>
-        <p:nvCxnSpPr>
-          <p:cNvPr id="12" name="直接连接符 11"/>
-          <p:cNvCxnSpPr/>
-          <p:nvPr/>
-        </p:nvCxnSpPr>
-        <p:spPr>
-          <a:xfrm>
-            <a:off x="4986251" y="3125585"/>
-            <a:ext cx="1167938" cy="482139"/>
-          </a:xfrm>
-          <a:prstGeom prst="line">
-            <a:avLst/>
-          </a:prstGeom>
-        </p:spPr>
-        <p:style>
-          <a:lnRef idx="1">
-            <a:schemeClr val="accent1"/>
-          </a:lnRef>
-          <a:fillRef idx="0">
-            <a:schemeClr val="accent1"/>
-          </a:fillRef>
-          <a:effectRef idx="0">
-            <a:schemeClr val="accent1"/>
-          </a:effectRef>
-          <a:fontRef idx="minor">
-            <a:schemeClr val="tx1"/>
-          </a:fontRef>
-        </p:style>
-      </p:cxnSp>
-      <p:sp>
-        <p:nvSpPr>
-          <p:cNvPr id="16" name="文本框 15"/>
-          <p:cNvSpPr txBox="1"/>
-          <p:nvPr/>
-        </p:nvSpPr>
-        <p:spPr>
-          <a:xfrm>
-            <a:off x="2902528" y="3545962"/>
-            <a:ext cx="1463040" cy="369332"/>
-          </a:xfrm>
-          <a:prstGeom prst="rect">
-            <a:avLst/>
-          </a:prstGeom>
-          <a:noFill/>
-        </p:spPr>
-        <p:txBody>
-          <a:bodyPr wrap="square" rtlCol="0">
-            <a:spAutoFit/>
-          </a:bodyPr>
-          <a:lstStyle/>
-          <a:p>
-            <a:r>
-              <a:rPr lang="en-US" altLang="zh-CN" dirty="0"/>
-              <a:t>Parallelizable</a:t>
-            </a:r>
-          </a:p>
-        </p:txBody>
-      </p:sp>
-      <p:cxnSp>
-        <p:nvCxnSpPr>
-          <p:cNvPr id="20" name="直接连接符 19"/>
-          <p:cNvCxnSpPr/>
-          <p:nvPr/>
-        </p:nvCxnSpPr>
-        <p:spPr>
-          <a:xfrm flipH="1">
-            <a:off x="3818314" y="3125585"/>
-            <a:ext cx="1167938" cy="482139"/>
-          </a:xfrm>
-          <a:prstGeom prst="line">
-            <a:avLst/>
-          </a:prstGeom>
-        </p:spPr>
-        <p:style>
-          <a:lnRef idx="1">
-            <a:schemeClr val="accent1"/>
-          </a:lnRef>
-          <a:fillRef idx="0">
-            <a:schemeClr val="accent1"/>
-          </a:fillRef>
-          <a:effectRef idx="0">
-            <a:schemeClr val="accent1"/>
-          </a:effectRef>
-          <a:fontRef idx="minor">
-            <a:schemeClr val="tx1"/>
-          </a:fontRef>
-        </p:style>
-      </p:cxnSp>
-      <p:cxnSp>
-        <p:nvCxnSpPr>
-          <p:cNvPr id="21" name="直接连接符 20"/>
-          <p:cNvCxnSpPr/>
-          <p:nvPr/>
-        </p:nvCxnSpPr>
-        <p:spPr>
-          <a:xfrm flipH="1">
-            <a:off x="6522721" y="3123505"/>
-            <a:ext cx="1167938" cy="482139"/>
-          </a:xfrm>
-          <a:prstGeom prst="line">
-            <a:avLst/>
-          </a:prstGeom>
-        </p:spPr>
-        <p:style>
-          <a:lnRef idx="1">
-            <a:schemeClr val="accent1"/>
-          </a:lnRef>
-          <a:fillRef idx="0">
-            <a:schemeClr val="accent1"/>
-          </a:fillRef>
-          <a:effectRef idx="0">
-            <a:schemeClr val="accent1"/>
-          </a:effectRef>
-          <a:fontRef idx="minor">
-            <a:schemeClr val="tx1"/>
-          </a:fontRef>
-        </p:style>
-      </p:cxnSp>
-      <p:sp>
-        <p:nvSpPr>
-          <p:cNvPr id="22" name="文本框 21"/>
-          <p:cNvSpPr txBox="1"/>
-          <p:nvPr/>
-        </p:nvSpPr>
-        <p:spPr>
-          <a:xfrm>
-            <a:off x="5606935" y="3545962"/>
-            <a:ext cx="1463040" cy="369332"/>
-          </a:xfrm>
-          <a:prstGeom prst="rect">
-            <a:avLst/>
-          </a:prstGeom>
-          <a:noFill/>
-        </p:spPr>
-        <p:txBody>
-          <a:bodyPr wrap="square" rtlCol="0">
-            <a:spAutoFit/>
-          </a:bodyPr>
-          <a:lstStyle/>
-          <a:p>
-            <a:r>
-              <a:rPr lang="en-US" altLang="zh-CN" dirty="0"/>
-              <a:t>Parallelizable</a:t>
-            </a:r>
-          </a:p>
-        </p:txBody>
-      </p:sp>
-      <p:cxnSp>
-        <p:nvCxnSpPr>
-          <p:cNvPr id="23" name="直接连接符 22"/>
-          <p:cNvCxnSpPr/>
-          <p:nvPr/>
-        </p:nvCxnSpPr>
-        <p:spPr>
-          <a:xfrm flipH="1">
-            <a:off x="2281844" y="1506389"/>
-            <a:ext cx="2120439" cy="806334"/>
-          </a:xfrm>
-          <a:prstGeom prst="line">
-            <a:avLst/>
-          </a:prstGeom>
-        </p:spPr>
-        <p:style>
-          <a:lnRef idx="1">
-            <a:schemeClr val="accent1"/>
-          </a:lnRef>
-          <a:fillRef idx="0">
-            <a:schemeClr val="accent1"/>
-          </a:fillRef>
-          <a:effectRef idx="0">
-            <a:schemeClr val="accent1"/>
-          </a:effectRef>
-          <a:fontRef idx="minor">
-            <a:schemeClr val="tx1"/>
-          </a:fontRef>
-        </p:style>
-      </p:cxnSp>
-      <p:cxnSp>
-        <p:nvCxnSpPr>
-          <p:cNvPr id="28" name="直接连接符 27"/>
-          <p:cNvCxnSpPr/>
-          <p:nvPr/>
-        </p:nvCxnSpPr>
-        <p:spPr>
-          <a:xfrm flipH="1" flipV="1">
-            <a:off x="5570220" y="1506389"/>
-            <a:ext cx="2120439" cy="806334"/>
-          </a:xfrm>
-          <a:prstGeom prst="line">
-            <a:avLst/>
-          </a:prstGeom>
-        </p:spPr>
-        <p:style>
-          <a:lnRef idx="1">
-            <a:schemeClr val="accent1"/>
-          </a:lnRef>
-          <a:fillRef idx="0">
-            <a:schemeClr val="accent1"/>
-          </a:fillRef>
-          <a:effectRef idx="0">
-            <a:schemeClr val="accent1"/>
-          </a:effectRef>
-          <a:fontRef idx="minor">
-            <a:schemeClr val="tx1"/>
-          </a:fontRef>
-        </p:style>
-      </p:cxnSp>
-      <p:sp>
-        <p:nvSpPr>
-          <p:cNvPr id="30" name="文本框 29"/>
-          <p:cNvSpPr txBox="1"/>
-          <p:nvPr/>
-        </p:nvSpPr>
-        <p:spPr>
-          <a:xfrm>
-            <a:off x="4108565" y="1198819"/>
-            <a:ext cx="1755371" cy="369332"/>
-          </a:xfrm>
-          <a:prstGeom prst="rect">
-            <a:avLst/>
-          </a:prstGeom>
-          <a:noFill/>
-        </p:spPr>
-        <p:txBody>
-          <a:bodyPr wrap="square" rtlCol="0">
-            <a:spAutoFit/>
-          </a:bodyPr>
-          <a:lstStyle/>
-          <a:p>
-            <a:r>
-              <a:rPr lang="en-US" altLang="zh-CN" dirty="0" err="1"/>
-              <a:t>Unparallelizable</a:t>
-            </a:r>
-            <a:endParaRPr lang="en-US" altLang="zh-CN" dirty="0"/>
-          </a:p>
-        </p:txBody>
-      </p:sp>
-    </p:spTree>
-    <p:extLst>
-      <p:ext uri="{BB962C8B-B14F-4D97-AF65-F5344CB8AC3E}">
-        <p14:creationId xmlns:p14="http://schemas.microsoft.com/office/powerpoint/2010/main" val="1609978852"/>
-      </p:ext>
-    </p:extLst>
-  </p:cSld>
-  <p:clrMapOvr>
-    <a:masterClrMapping/>
-  </p:clrMapOvr>
-</p:sld>
-</file>
-
 <file path=ppt/theme/theme1.xml><?xml version="1.0" encoding="utf-8"?>
 <a:theme xmlns:a="http://schemas.openxmlformats.org/drawingml/2006/main" name="Office 主题​​">
   <a:themeElements>

--- a/docs/Figures.pptx
+++ b/docs/Figures.pptx
@@ -3842,8 +3842,8 @@
         </p:nvSpPr>
         <p:spPr>
           <a:xfrm>
-            <a:off x="8733324" y="6216091"/>
-            <a:ext cx="1876993" cy="523220"/>
+            <a:off x="4530389" y="4485753"/>
+            <a:ext cx="2941632" cy="646331"/>
           </a:xfrm>
           <a:prstGeom prst="rect">
             <a:avLst/>
@@ -3857,7 +3857,7 @@
           <a:lstStyle/>
           <a:p>
             <a:r>
-              <a:rPr lang="en-US" altLang="zh-CN" sz="1400" dirty="0" smtClean="0">
+              <a:rPr lang="en-US" altLang="zh-CN" dirty="0" smtClean="0">
                 <a:latin typeface="Times New Roman" panose="02020603050405020304" pitchFamily="18" charset="0"/>
                 <a:cs typeface="Times New Roman" panose="02020603050405020304" pitchFamily="18" charset="0"/>
               </a:rPr>
@@ -3866,75 +3866,20 @@
           </a:p>
           <a:p>
             <a:r>
-              <a:rPr lang="en-US" altLang="zh-CN" sz="1400" dirty="0" smtClean="0">
+              <a:rPr lang="en-US" altLang="zh-CN" dirty="0" smtClean="0">
                 <a:latin typeface="Times New Roman" panose="02020603050405020304" pitchFamily="18" charset="0"/>
                 <a:cs typeface="Times New Roman" panose="02020603050405020304" pitchFamily="18" charset="0"/>
               </a:rPr>
-              <a:t>by traversing</a:t>
-            </a:r>
-            <a:endParaRPr lang="zh-CN" altLang="en-US" sz="1400" dirty="0">
-              <a:latin typeface="Times New Roman" panose="02020603050405020304" pitchFamily="18" charset="0"/>
-              <a:cs typeface="Times New Roman" panose="02020603050405020304" pitchFamily="18" charset="0"/>
-            </a:endParaRPr>
-          </a:p>
-        </p:txBody>
-      </p:sp>
-      <p:sp>
-        <p:nvSpPr>
-          <p:cNvPr id="105" name="文本框 104"/>
-          <p:cNvSpPr txBox="1"/>
-          <p:nvPr/>
-        </p:nvSpPr>
-        <p:spPr>
-          <a:xfrm>
-            <a:off x="9052283" y="5168587"/>
-            <a:ext cx="1444418" cy="523220"/>
-          </a:xfrm>
-          <a:prstGeom prst="rect">
-            <a:avLst/>
-          </a:prstGeom>
-          <a:noFill/>
-        </p:spPr>
-        <p:txBody>
-          <a:bodyPr wrap="square" rtlCol="0">
-            <a:spAutoFit/>
-          </a:bodyPr>
-          <a:lstStyle/>
-          <a:p>
-            <a:pPr>
-              <a:lnSpc>
-                <a:spcPts val="1680"/>
-              </a:lnSpc>
-            </a:pPr>
-            <a:r>
-              <a:rPr lang="en-US" altLang="zh-CN" sz="1400" dirty="0" smtClean="0">
+              <a:t>by </a:t>
+            </a:r>
+            <a:r>
+              <a:rPr lang="en-US" altLang="zh-CN" dirty="0" smtClean="0">
                 <a:latin typeface="Times New Roman" panose="02020603050405020304" pitchFamily="18" charset="0"/>
                 <a:cs typeface="Times New Roman" panose="02020603050405020304" pitchFamily="18" charset="0"/>
               </a:rPr>
-              <a:t>Two parallel </a:t>
-            </a:r>
-          </a:p>
-          <a:p>
-            <a:pPr>
-              <a:lnSpc>
-                <a:spcPts val="1680"/>
-              </a:lnSpc>
-            </a:pPr>
-            <a:r>
-              <a:rPr lang="en-US" altLang="zh-CN" sz="1400" dirty="0">
-                <a:latin typeface="Times New Roman" panose="02020603050405020304" pitchFamily="18" charset="0"/>
-                <a:cs typeface="Times New Roman" panose="02020603050405020304" pitchFamily="18" charset="0"/>
-              </a:rPr>
-              <a:t>s</a:t>
-            </a:r>
-            <a:r>
-              <a:rPr lang="en-US" altLang="zh-CN" sz="1400" dirty="0" smtClean="0">
-                <a:latin typeface="Times New Roman" panose="02020603050405020304" pitchFamily="18" charset="0"/>
-                <a:cs typeface="Times New Roman" panose="02020603050405020304" pitchFamily="18" charset="0"/>
-              </a:rPr>
-              <a:t>trategies in total. </a:t>
-            </a:r>
-            <a:endParaRPr lang="zh-CN" altLang="en-US" sz="1400" dirty="0">
+              <a:t>traversing every strategy</a:t>
+            </a:r>
+            <a:endParaRPr lang="zh-CN" altLang="en-US" dirty="0">
               <a:latin typeface="Times New Roman" panose="02020603050405020304" pitchFamily="18" charset="0"/>
               <a:cs typeface="Times New Roman" panose="02020603050405020304" pitchFamily="18" charset="0"/>
             </a:endParaRPr>
@@ -3949,8 +3894,8 @@
         </p:nvSpPr>
         <p:spPr>
           <a:xfrm>
-            <a:off x="5313795" y="6065377"/>
-            <a:ext cx="2016056" cy="523220"/>
+            <a:off x="4612987" y="7531154"/>
+            <a:ext cx="2543849" cy="646331"/>
           </a:xfrm>
           <a:prstGeom prst="rect">
             <a:avLst/>
@@ -3964,7 +3909,7 @@
           <a:lstStyle/>
           <a:p>
             <a:r>
-              <a:rPr lang="en-US" altLang="zh-CN" sz="1400" dirty="0" smtClean="0">
+              <a:rPr lang="en-US" altLang="zh-CN" dirty="0">
                 <a:latin typeface="Times New Roman" panose="02020603050405020304" pitchFamily="18" charset="0"/>
                 <a:cs typeface="Times New Roman" panose="02020603050405020304" pitchFamily="18" charset="0"/>
               </a:rPr>
@@ -3973,20 +3918,20 @@
           </a:p>
           <a:p>
             <a:r>
-              <a:rPr lang="en-US" altLang="zh-CN" sz="1400" dirty="0">
+              <a:rPr lang="en-US" altLang="zh-CN" dirty="0">
                 <a:latin typeface="Times New Roman" panose="02020603050405020304" pitchFamily="18" charset="0"/>
                 <a:cs typeface="Times New Roman" panose="02020603050405020304" pitchFamily="18" charset="0"/>
               </a:rPr>
               <a:t>w</a:t>
             </a:r>
             <a:r>
-              <a:rPr lang="en-US" altLang="zh-CN" sz="1400" dirty="0" smtClean="0">
+              <a:rPr lang="en-US" altLang="zh-CN" dirty="0">
                 <a:latin typeface="Times New Roman" panose="02020603050405020304" pitchFamily="18" charset="0"/>
                 <a:cs typeface="Times New Roman" panose="02020603050405020304" pitchFamily="18" charset="0"/>
               </a:rPr>
               <a:t>ith 3ms latency</a:t>
             </a:r>
-            <a:endParaRPr lang="zh-CN" altLang="en-US" sz="1400" dirty="0">
+            <a:endParaRPr lang="zh-CN" altLang="en-US" dirty="0">
               <a:latin typeface="Times New Roman" panose="02020603050405020304" pitchFamily="18" charset="0"/>
               <a:cs typeface="Times New Roman" panose="02020603050405020304" pitchFamily="18" charset="0"/>
             </a:endParaRPr>
@@ -4001,7 +3946,7 @@
         </p:nvGrpSpPr>
         <p:grpSpPr>
           <a:xfrm>
-            <a:off x="4303386" y="2123548"/>
+            <a:off x="4558921" y="2172507"/>
             <a:ext cx="2002713" cy="2225727"/>
             <a:chOff x="4386189" y="2005675"/>
             <a:chExt cx="2002713" cy="2225727"/>
@@ -4975,21 +4920,7 @@
                   <a:latin typeface="Times New Roman" panose="02020603050405020304" pitchFamily="18" charset="0"/>
                   <a:cs typeface="Times New Roman" panose="02020603050405020304" pitchFamily="18" charset="0"/>
                 </a:rPr>
-                <a:t>NF A (</a:t>
-              </a:r>
-              <a:r>
-                <a:rPr lang="en-US" altLang="zh-CN" sz="1400" dirty="0" smtClean="0">
-                  <a:latin typeface="Times New Roman" panose="02020603050405020304" pitchFamily="18" charset="0"/>
-                  <a:cs typeface="Times New Roman" panose="02020603050405020304" pitchFamily="18" charset="0"/>
-                </a:rPr>
-                <a:t>2ms</a:t>
-              </a:r>
-              <a:r>
-                <a:rPr lang="en-US" altLang="zh-CN" sz="1400" dirty="0" smtClean="0">
-                  <a:latin typeface="Times New Roman" panose="02020603050405020304" pitchFamily="18" charset="0"/>
-                  <a:cs typeface="Times New Roman" panose="02020603050405020304" pitchFamily="18" charset="0"/>
-                </a:rPr>
-                <a:t>)</a:t>
+                <a:t>NF A (2ms)</a:t>
               </a:r>
               <a:endParaRPr lang="zh-CN" altLang="en-US" sz="1400" dirty="0">
                 <a:latin typeface="Times New Roman" panose="02020603050405020304" pitchFamily="18" charset="0"/>
@@ -5025,21 +4956,7 @@
                   <a:latin typeface="Times New Roman" panose="02020603050405020304" pitchFamily="18" charset="0"/>
                   <a:cs typeface="Times New Roman" panose="02020603050405020304" pitchFamily="18" charset="0"/>
                 </a:rPr>
-                <a:t>NF B (</a:t>
-              </a:r>
-              <a:r>
-                <a:rPr lang="en-US" altLang="zh-CN" sz="1400" dirty="0" smtClean="0">
-                  <a:latin typeface="Times New Roman" panose="02020603050405020304" pitchFamily="18" charset="0"/>
-                  <a:cs typeface="Times New Roman" panose="02020603050405020304" pitchFamily="18" charset="0"/>
-                </a:rPr>
-                <a:t>2ms</a:t>
-              </a:r>
-              <a:r>
-                <a:rPr lang="en-US" altLang="zh-CN" sz="1400" dirty="0" smtClean="0">
-                  <a:latin typeface="Times New Roman" panose="02020603050405020304" pitchFamily="18" charset="0"/>
-                  <a:cs typeface="Times New Roman" panose="02020603050405020304" pitchFamily="18" charset="0"/>
-                </a:rPr>
-                <a:t>)</a:t>
+                <a:t>NF B (2ms)</a:t>
               </a:r>
               <a:endParaRPr lang="zh-CN" altLang="en-US" sz="1400" dirty="0">
                 <a:latin typeface="Times New Roman" panose="02020603050405020304" pitchFamily="18" charset="0"/>
@@ -5089,21 +5006,7 @@
                   <a:latin typeface="Times New Roman" panose="02020603050405020304" pitchFamily="18" charset="0"/>
                   <a:cs typeface="Times New Roman" panose="02020603050405020304" pitchFamily="18" charset="0"/>
                 </a:rPr>
-                <a:t> (</a:t>
-              </a:r>
-              <a:r>
-                <a:rPr lang="en-US" altLang="zh-CN" sz="1400" dirty="0" smtClean="0">
-                  <a:latin typeface="Times New Roman" panose="02020603050405020304" pitchFamily="18" charset="0"/>
-                  <a:cs typeface="Times New Roman" panose="02020603050405020304" pitchFamily="18" charset="0"/>
-                </a:rPr>
-                <a:t>1ms</a:t>
-              </a:r>
-              <a:r>
-                <a:rPr lang="en-US" altLang="zh-CN" sz="1400" dirty="0" smtClean="0">
-                  <a:latin typeface="Times New Roman" panose="02020603050405020304" pitchFamily="18" charset="0"/>
-                  <a:cs typeface="Times New Roman" panose="02020603050405020304" pitchFamily="18" charset="0"/>
-                </a:rPr>
-                <a:t>)</a:t>
+                <a:t> (1ms)</a:t>
               </a:r>
               <a:endParaRPr lang="zh-CN" altLang="en-US" sz="1400" dirty="0">
                 <a:latin typeface="Times New Roman" panose="02020603050405020304" pitchFamily="18" charset="0"/>
@@ -5156,7 +5059,7 @@
         </p:nvGrpSpPr>
         <p:grpSpPr>
           <a:xfrm>
-            <a:off x="1476674" y="2100650"/>
+            <a:off x="1972384" y="2141730"/>
             <a:ext cx="1985860" cy="2256504"/>
             <a:chOff x="663246" y="867080"/>
             <a:chExt cx="1985860" cy="2256504"/>
@@ -5713,10 +5616,10 @@
         </p:nvGrpSpPr>
         <p:grpSpPr>
           <a:xfrm>
-            <a:off x="7229120" y="2677682"/>
-            <a:ext cx="3367642" cy="1182540"/>
-            <a:chOff x="8058492" y="1940232"/>
-            <a:chExt cx="3367642" cy="1182540"/>
+            <a:off x="7513064" y="3215694"/>
+            <a:ext cx="2857797" cy="1182540"/>
+            <a:chOff x="8313415" y="1940232"/>
+            <a:chExt cx="2857797" cy="1182540"/>
           </a:xfrm>
         </p:grpSpPr>
         <p:grpSp>
@@ -6103,170 +6006,6 @@
             </a:fontRef>
           </p:style>
         </p:cxnSp>
-        <p:sp>
-          <p:nvSpPr>
-            <p:cNvPr id="127" name="文本框 126"/>
-            <p:cNvSpPr txBox="1"/>
-            <p:nvPr/>
-          </p:nvSpPr>
-          <p:spPr>
-            <a:xfrm>
-              <a:off x="8058492" y="2508745"/>
-              <a:ext cx="1042444" cy="307777"/>
-            </a:xfrm>
-            <a:prstGeom prst="rect">
-              <a:avLst/>
-            </a:prstGeom>
-            <a:noFill/>
-          </p:spPr>
-          <p:txBody>
-            <a:bodyPr wrap="square" rtlCol="0">
-              <a:spAutoFit/>
-            </a:bodyPr>
-            <a:lstStyle/>
-            <a:p>
-              <a:r>
-                <a:rPr lang="en-US" altLang="zh-CN" sz="1400" dirty="0" smtClean="0">
-                  <a:latin typeface="Times New Roman" panose="02020603050405020304" pitchFamily="18" charset="0"/>
-                  <a:cs typeface="Times New Roman" panose="02020603050405020304" pitchFamily="18" charset="0"/>
-                </a:rPr>
-                <a:t>NF A (</a:t>
-              </a:r>
-              <a:r>
-                <a:rPr lang="en-US" altLang="zh-CN" sz="1400" dirty="0" smtClean="0">
-                  <a:latin typeface="Times New Roman" panose="02020603050405020304" pitchFamily="18" charset="0"/>
-                  <a:cs typeface="Times New Roman" panose="02020603050405020304" pitchFamily="18" charset="0"/>
-                </a:rPr>
-                <a:t>2ms</a:t>
-              </a:r>
-              <a:r>
-                <a:rPr lang="en-US" altLang="zh-CN" sz="1400" dirty="0" smtClean="0">
-                  <a:latin typeface="Times New Roman" panose="02020603050405020304" pitchFamily="18" charset="0"/>
-                  <a:cs typeface="Times New Roman" panose="02020603050405020304" pitchFamily="18" charset="0"/>
-                </a:rPr>
-                <a:t>)</a:t>
-              </a:r>
-              <a:endParaRPr lang="zh-CN" altLang="en-US" sz="1400" dirty="0">
-                <a:latin typeface="Times New Roman" panose="02020603050405020304" pitchFamily="18" charset="0"/>
-                <a:cs typeface="Times New Roman" panose="02020603050405020304" pitchFamily="18" charset="0"/>
-              </a:endParaRPr>
-            </a:p>
-          </p:txBody>
-        </p:sp>
-        <p:sp>
-          <p:nvSpPr>
-            <p:cNvPr id="128" name="文本框 127"/>
-            <p:cNvSpPr txBox="1"/>
-            <p:nvPr/>
-          </p:nvSpPr>
-          <p:spPr>
-            <a:xfrm>
-              <a:off x="9221091" y="2529291"/>
-              <a:ext cx="1042444" cy="307777"/>
-            </a:xfrm>
-            <a:prstGeom prst="rect">
-              <a:avLst/>
-            </a:prstGeom>
-            <a:noFill/>
-          </p:spPr>
-          <p:txBody>
-            <a:bodyPr wrap="square" rtlCol="0">
-              <a:spAutoFit/>
-            </a:bodyPr>
-            <a:lstStyle/>
-            <a:p>
-              <a:r>
-                <a:rPr lang="en-US" altLang="zh-CN" sz="1400" dirty="0" smtClean="0">
-                  <a:latin typeface="Times New Roman" panose="02020603050405020304" pitchFamily="18" charset="0"/>
-                  <a:cs typeface="Times New Roman" panose="02020603050405020304" pitchFamily="18" charset="0"/>
-                </a:rPr>
-                <a:t>NF B (</a:t>
-              </a:r>
-              <a:r>
-                <a:rPr lang="en-US" altLang="zh-CN" sz="1400" dirty="0" smtClean="0">
-                  <a:latin typeface="Times New Roman" panose="02020603050405020304" pitchFamily="18" charset="0"/>
-                  <a:cs typeface="Times New Roman" panose="02020603050405020304" pitchFamily="18" charset="0"/>
-                </a:rPr>
-                <a:t>2ms</a:t>
-              </a:r>
-              <a:r>
-                <a:rPr lang="en-US" altLang="zh-CN" sz="1400" dirty="0" smtClean="0">
-                  <a:latin typeface="Times New Roman" panose="02020603050405020304" pitchFamily="18" charset="0"/>
-                  <a:cs typeface="Times New Roman" panose="02020603050405020304" pitchFamily="18" charset="0"/>
-                </a:rPr>
-                <a:t>)</a:t>
-              </a:r>
-              <a:endParaRPr lang="zh-CN" altLang="en-US" sz="1400" dirty="0">
-                <a:latin typeface="Times New Roman" panose="02020603050405020304" pitchFamily="18" charset="0"/>
-                <a:cs typeface="Times New Roman" panose="02020603050405020304" pitchFamily="18" charset="0"/>
-              </a:endParaRPr>
-            </a:p>
-          </p:txBody>
-        </p:sp>
-        <p:sp>
-          <p:nvSpPr>
-            <p:cNvPr id="129" name="文本框 128"/>
-            <p:cNvSpPr txBox="1"/>
-            <p:nvPr/>
-          </p:nvSpPr>
-          <p:spPr>
-            <a:xfrm>
-              <a:off x="10383690" y="2529291"/>
-              <a:ext cx="1042444" cy="307777"/>
-            </a:xfrm>
-            <a:prstGeom prst="rect">
-              <a:avLst/>
-            </a:prstGeom>
-            <a:noFill/>
-          </p:spPr>
-          <p:txBody>
-            <a:bodyPr wrap="square" rtlCol="0">
-              <a:spAutoFit/>
-            </a:bodyPr>
-            <a:lstStyle/>
-            <a:p>
-              <a:r>
-                <a:rPr lang="en-US" altLang="zh-CN" sz="1400" dirty="0" smtClean="0">
-                  <a:latin typeface="Times New Roman" panose="02020603050405020304" pitchFamily="18" charset="0"/>
-                  <a:cs typeface="Times New Roman" panose="02020603050405020304" pitchFamily="18" charset="0"/>
-                </a:rPr>
-                <a:t>NF </a:t>
-              </a:r>
-              <a:r>
-                <a:rPr lang="en-US" altLang="zh-CN" sz="1400" dirty="0">
-                  <a:latin typeface="Times New Roman" panose="02020603050405020304" pitchFamily="18" charset="0"/>
-                  <a:cs typeface="Times New Roman" panose="02020603050405020304" pitchFamily="18" charset="0"/>
-                </a:rPr>
-                <a:t>C</a:t>
-              </a:r>
-              <a:r>
-                <a:rPr lang="en-US" altLang="zh-CN" sz="1400" dirty="0" smtClean="0">
-                  <a:latin typeface="Times New Roman" panose="02020603050405020304" pitchFamily="18" charset="0"/>
-                  <a:cs typeface="Times New Roman" panose="02020603050405020304" pitchFamily="18" charset="0"/>
-                </a:rPr>
-                <a:t> (</a:t>
-              </a:r>
-              <a:r>
-                <a:rPr lang="en-US" altLang="zh-CN" sz="1400" dirty="0" smtClean="0">
-                  <a:latin typeface="Times New Roman" panose="02020603050405020304" pitchFamily="18" charset="0"/>
-                  <a:cs typeface="Times New Roman" panose="02020603050405020304" pitchFamily="18" charset="0"/>
-                </a:rPr>
-                <a:t>1ms</a:t>
-              </a:r>
-              <a:r>
-                <a:rPr lang="en-US" altLang="zh-CN" sz="1400" dirty="0" smtClean="0">
-                  <a:latin typeface="Times New Roman" panose="02020603050405020304" pitchFamily="18" charset="0"/>
-                  <a:cs typeface="Times New Roman" panose="02020603050405020304" pitchFamily="18" charset="0"/>
-                </a:rPr>
-                <a:t>)</a:t>
-              </a:r>
-              <a:endParaRPr lang="zh-CN" altLang="en-US" sz="1400" dirty="0">
-                <a:latin typeface="Times New Roman" panose="02020603050405020304" pitchFamily="18" charset="0"/>
-                <a:cs typeface="Times New Roman" panose="02020603050405020304" pitchFamily="18" charset="0"/>
-              </a:endParaRPr>
-            </a:p>
-          </p:txBody>
-        </p:sp>
         <p:cxnSp>
           <p:nvCxnSpPr>
             <p:cNvPr id="130" name="直接箭头连接符 129"/>
@@ -6329,14 +6068,7 @@
                   <a:latin typeface="Times New Roman" panose="02020603050405020304" pitchFamily="18" charset="0"/>
                   <a:cs typeface="Times New Roman" panose="02020603050405020304" pitchFamily="18" charset="0"/>
                 </a:rPr>
-                <a:t>Total latency: </a:t>
-              </a:r>
-              <a:r>
-                <a:rPr lang="en-US" altLang="zh-CN" sz="1400" dirty="0" smtClean="0">
-                  <a:latin typeface="Times New Roman" panose="02020603050405020304" pitchFamily="18" charset="0"/>
-                  <a:cs typeface="Times New Roman" panose="02020603050405020304" pitchFamily="18" charset="0"/>
-                </a:rPr>
-                <a:t>5ms</a:t>
+                <a:t>Total latency: 5ms</a:t>
               </a:r>
               <a:endParaRPr lang="zh-CN" altLang="en-US" sz="1400" dirty="0">
                 <a:latin typeface="Times New Roman" panose="02020603050405020304" pitchFamily="18" charset="0"/>
@@ -6346,6 +6078,782 @@
           </p:txBody>
         </p:sp>
       </p:grpSp>
+      <p:cxnSp>
+        <p:nvCxnSpPr>
+          <p:cNvPr id="3" name="直接箭头连接符 2"/>
+          <p:cNvCxnSpPr/>
+          <p:nvPr/>
+        </p:nvCxnSpPr>
+        <p:spPr>
+          <a:xfrm flipH="1">
+            <a:off x="3526244" y="1176339"/>
+            <a:ext cx="2292666" cy="765438"/>
+          </a:xfrm>
+          <a:prstGeom prst="straightConnector1">
+            <a:avLst/>
+          </a:prstGeom>
+          <a:ln w="15875">
+            <a:tailEnd type="arrow"/>
+          </a:ln>
+        </p:spPr>
+        <p:style>
+          <a:lnRef idx="1">
+            <a:schemeClr val="dk1"/>
+          </a:lnRef>
+          <a:fillRef idx="0">
+            <a:schemeClr val="dk1"/>
+          </a:fillRef>
+          <a:effectRef idx="0">
+            <a:schemeClr val="dk1"/>
+          </a:effectRef>
+          <a:fontRef idx="minor">
+            <a:schemeClr val="tx1"/>
+          </a:fontRef>
+        </p:style>
+      </p:cxnSp>
+      <p:cxnSp>
+        <p:nvCxnSpPr>
+          <p:cNvPr id="75" name="直接箭头连接符 74"/>
+          <p:cNvCxnSpPr/>
+          <p:nvPr/>
+        </p:nvCxnSpPr>
+        <p:spPr>
+          <a:xfrm flipH="1">
+            <a:off x="5818909" y="1176339"/>
+            <a:ext cx="1" cy="827599"/>
+          </a:xfrm>
+          <a:prstGeom prst="straightConnector1">
+            <a:avLst/>
+          </a:prstGeom>
+          <a:ln w="15875">
+            <a:tailEnd type="arrow"/>
+          </a:ln>
+        </p:spPr>
+        <p:style>
+          <a:lnRef idx="1">
+            <a:schemeClr val="dk1"/>
+          </a:lnRef>
+          <a:fillRef idx="0">
+            <a:schemeClr val="dk1"/>
+          </a:fillRef>
+          <a:effectRef idx="0">
+            <a:schemeClr val="dk1"/>
+          </a:effectRef>
+          <a:fontRef idx="minor">
+            <a:schemeClr val="tx1"/>
+          </a:fontRef>
+        </p:style>
+      </p:cxnSp>
+      <p:cxnSp>
+        <p:nvCxnSpPr>
+          <p:cNvPr id="76" name="直接箭头连接符 75"/>
+          <p:cNvCxnSpPr/>
+          <p:nvPr/>
+        </p:nvCxnSpPr>
+        <p:spPr>
+          <a:xfrm>
+            <a:off x="5820489" y="1200986"/>
+            <a:ext cx="2292666" cy="765438"/>
+          </a:xfrm>
+          <a:prstGeom prst="straightConnector1">
+            <a:avLst/>
+          </a:prstGeom>
+          <a:ln w="15875">
+            <a:tailEnd type="arrow"/>
+          </a:ln>
+        </p:spPr>
+        <p:style>
+          <a:lnRef idx="1">
+            <a:schemeClr val="dk1"/>
+          </a:lnRef>
+          <a:fillRef idx="0">
+            <a:schemeClr val="dk1"/>
+          </a:fillRef>
+          <a:effectRef idx="0">
+            <a:schemeClr val="dk1"/>
+          </a:effectRef>
+          <a:fontRef idx="minor">
+            <a:schemeClr val="tx1"/>
+          </a:fontRef>
+        </p:style>
+      </p:cxnSp>
+      <p:sp>
+        <p:nvSpPr>
+          <p:cNvPr id="77" name="文本框 76"/>
+          <p:cNvSpPr txBox="1"/>
+          <p:nvPr/>
+        </p:nvSpPr>
+        <p:spPr>
+          <a:xfrm>
+            <a:off x="3871297" y="1260121"/>
+            <a:ext cx="913205" cy="310341"/>
+          </a:xfrm>
+          <a:prstGeom prst="rect">
+            <a:avLst/>
+          </a:prstGeom>
+          <a:noFill/>
+        </p:spPr>
+        <p:txBody>
+          <a:bodyPr wrap="square" rtlCol="0">
+            <a:spAutoFit/>
+          </a:bodyPr>
+          <a:lstStyle/>
+          <a:p>
+            <a:pPr>
+              <a:lnSpc>
+                <a:spcPts val="1680"/>
+              </a:lnSpc>
+            </a:pPr>
+            <a:r>
+              <a:rPr lang="en-US" altLang="zh-CN" sz="1400" dirty="0" smtClean="0">
+                <a:latin typeface="Times New Roman" panose="02020603050405020304" pitchFamily="18" charset="0"/>
+                <a:cs typeface="Times New Roman" panose="02020603050405020304" pitchFamily="18" charset="0"/>
+              </a:rPr>
+              <a:t>Strategy 1</a:t>
+            </a:r>
+            <a:endParaRPr lang="zh-CN" altLang="en-US" sz="1400" dirty="0">
+              <a:latin typeface="Times New Roman" panose="02020603050405020304" pitchFamily="18" charset="0"/>
+              <a:cs typeface="Times New Roman" panose="02020603050405020304" pitchFamily="18" charset="0"/>
+            </a:endParaRPr>
+          </a:p>
+        </p:txBody>
+      </p:sp>
+      <p:sp>
+        <p:nvSpPr>
+          <p:cNvPr id="78" name="文本框 77"/>
+          <p:cNvSpPr txBox="1"/>
+          <p:nvPr/>
+        </p:nvSpPr>
+        <p:spPr>
+          <a:xfrm>
+            <a:off x="5365416" y="1436866"/>
+            <a:ext cx="913205" cy="297967"/>
+          </a:xfrm>
+          <a:prstGeom prst="rect">
+            <a:avLst/>
+          </a:prstGeom>
+          <a:noFill/>
+        </p:spPr>
+        <p:txBody>
+          <a:bodyPr wrap="square" rtlCol="0">
+            <a:spAutoFit/>
+          </a:bodyPr>
+          <a:lstStyle/>
+          <a:p>
+            <a:pPr>
+              <a:lnSpc>
+                <a:spcPts val="1680"/>
+              </a:lnSpc>
+            </a:pPr>
+            <a:r>
+              <a:rPr lang="en-US" altLang="zh-CN" sz="1400" dirty="0" smtClean="0">
+                <a:latin typeface="Times New Roman" panose="02020603050405020304" pitchFamily="18" charset="0"/>
+                <a:cs typeface="Times New Roman" panose="02020603050405020304" pitchFamily="18" charset="0"/>
+              </a:rPr>
+              <a:t>Strategy 2</a:t>
+            </a:r>
+            <a:endParaRPr lang="zh-CN" altLang="en-US" sz="1400" dirty="0">
+              <a:latin typeface="Times New Roman" panose="02020603050405020304" pitchFamily="18" charset="0"/>
+              <a:cs typeface="Times New Roman" panose="02020603050405020304" pitchFamily="18" charset="0"/>
+            </a:endParaRPr>
+          </a:p>
+        </p:txBody>
+      </p:sp>
+      <p:sp>
+        <p:nvSpPr>
+          <p:cNvPr id="79" name="文本框 78"/>
+          <p:cNvSpPr txBox="1"/>
+          <p:nvPr/>
+        </p:nvSpPr>
+        <p:spPr>
+          <a:xfrm>
+            <a:off x="6715081" y="1268495"/>
+            <a:ext cx="913205" cy="297967"/>
+          </a:xfrm>
+          <a:prstGeom prst="rect">
+            <a:avLst/>
+          </a:prstGeom>
+          <a:noFill/>
+        </p:spPr>
+        <p:txBody>
+          <a:bodyPr wrap="square" rtlCol="0">
+            <a:spAutoFit/>
+          </a:bodyPr>
+          <a:lstStyle/>
+          <a:p>
+            <a:pPr>
+              <a:lnSpc>
+                <a:spcPts val="1680"/>
+              </a:lnSpc>
+            </a:pPr>
+            <a:r>
+              <a:rPr lang="en-US" altLang="zh-CN" sz="1400" dirty="0" smtClean="0">
+                <a:latin typeface="Times New Roman" panose="02020603050405020304" pitchFamily="18" charset="0"/>
+                <a:cs typeface="Times New Roman" panose="02020603050405020304" pitchFamily="18" charset="0"/>
+              </a:rPr>
+              <a:t>Strategy 3</a:t>
+            </a:r>
+            <a:endParaRPr lang="zh-CN" altLang="en-US" sz="1400" dirty="0">
+              <a:latin typeface="Times New Roman" panose="02020603050405020304" pitchFamily="18" charset="0"/>
+              <a:cs typeface="Times New Roman" panose="02020603050405020304" pitchFamily="18" charset="0"/>
+            </a:endParaRPr>
+          </a:p>
+        </p:txBody>
+      </p:sp>
+      <p:grpSp>
+        <p:nvGrpSpPr>
+          <p:cNvPr id="81" name="组合 80"/>
+          <p:cNvGrpSpPr/>
+          <p:nvPr/>
+        </p:nvGrpSpPr>
+        <p:grpSpPr>
+          <a:xfrm>
+            <a:off x="4891982" y="5518229"/>
+            <a:ext cx="1985860" cy="1917950"/>
+            <a:chOff x="663246" y="867080"/>
+            <a:chExt cx="1985860" cy="1917950"/>
+          </a:xfrm>
+        </p:grpSpPr>
+        <p:sp>
+          <p:nvSpPr>
+            <p:cNvPr id="82" name="矩形 81"/>
+            <p:cNvSpPr/>
+            <p:nvPr/>
+          </p:nvSpPr>
+          <p:spPr>
+            <a:xfrm>
+              <a:off x="663246" y="867080"/>
+              <a:ext cx="1002735" cy="1917950"/>
+            </a:xfrm>
+            <a:prstGeom prst="rect">
+              <a:avLst/>
+            </a:prstGeom>
+            <a:solidFill>
+              <a:schemeClr val="bg1">
+                <a:lumMod val="85000"/>
+              </a:schemeClr>
+            </a:solidFill>
+            <a:ln>
+              <a:solidFill>
+                <a:schemeClr val="bg2"/>
+              </a:solidFill>
+            </a:ln>
+          </p:spPr>
+          <p:style>
+            <a:lnRef idx="2">
+              <a:schemeClr val="accent3">
+                <a:shade val="50000"/>
+              </a:schemeClr>
+            </a:lnRef>
+            <a:fillRef idx="1">
+              <a:schemeClr val="accent3"/>
+            </a:fillRef>
+            <a:effectRef idx="0">
+              <a:schemeClr val="accent3"/>
+            </a:effectRef>
+            <a:fontRef idx="minor">
+              <a:schemeClr val="lt1"/>
+            </a:fontRef>
+          </p:style>
+          <p:txBody>
+            <a:bodyPr rtlCol="0" anchor="ctr"/>
+            <a:lstStyle/>
+            <a:p>
+              <a:pPr algn="ctr"/>
+              <a:endParaRPr lang="zh-CN" altLang="en-US"/>
+            </a:p>
+          </p:txBody>
+        </p:sp>
+        <p:grpSp>
+          <p:nvGrpSpPr>
+            <p:cNvPr id="84" name="组合 83"/>
+            <p:cNvGrpSpPr/>
+            <p:nvPr/>
+          </p:nvGrpSpPr>
+          <p:grpSpPr>
+            <a:xfrm>
+              <a:off x="895832" y="962055"/>
+              <a:ext cx="576000" cy="576000"/>
+              <a:chOff x="722982" y="3756375"/>
+              <a:chExt cx="576000" cy="576000"/>
+            </a:xfrm>
+          </p:grpSpPr>
+          <p:sp>
+            <p:nvSpPr>
+              <p:cNvPr id="97" name="矩形 96"/>
+              <p:cNvSpPr/>
+              <p:nvPr/>
+            </p:nvSpPr>
+            <p:spPr>
+              <a:xfrm>
+                <a:off x="722982" y="3756375"/>
+                <a:ext cx="288000" cy="576000"/>
+              </a:xfrm>
+              <a:prstGeom prst="rect">
+                <a:avLst/>
+              </a:prstGeom>
+              <a:ln>
+                <a:noFill/>
+              </a:ln>
+            </p:spPr>
+            <p:style>
+              <a:lnRef idx="2">
+                <a:schemeClr val="accent6">
+                  <a:shade val="50000"/>
+                </a:schemeClr>
+              </a:lnRef>
+              <a:fillRef idx="1">
+                <a:schemeClr val="accent6"/>
+              </a:fillRef>
+              <a:effectRef idx="0">
+                <a:schemeClr val="accent6"/>
+              </a:effectRef>
+              <a:fontRef idx="minor">
+                <a:schemeClr val="lt1"/>
+              </a:fontRef>
+            </p:style>
+            <p:txBody>
+              <a:bodyPr rtlCol="0" anchor="ctr"/>
+              <a:lstStyle/>
+              <a:p>
+                <a:pPr algn="ctr"/>
+                <a:endParaRPr lang="zh-CN" altLang="en-US" sz="1100" dirty="0">
+                  <a:latin typeface="Times New Roman" panose="02020603050405020304" pitchFamily="18" charset="0"/>
+                  <a:cs typeface="Times New Roman" panose="02020603050405020304" pitchFamily="18" charset="0"/>
+                </a:endParaRPr>
+              </a:p>
+            </p:txBody>
+          </p:sp>
+          <p:sp>
+            <p:nvSpPr>
+              <p:cNvPr id="98" name="矩形 97"/>
+              <p:cNvSpPr/>
+              <p:nvPr/>
+            </p:nvSpPr>
+            <p:spPr>
+              <a:xfrm>
+                <a:off x="1010982" y="3756375"/>
+                <a:ext cx="288000" cy="576000"/>
+              </a:xfrm>
+              <a:prstGeom prst="rect">
+                <a:avLst/>
+              </a:prstGeom>
+              <a:ln>
+                <a:noFill/>
+              </a:ln>
+            </p:spPr>
+            <p:style>
+              <a:lnRef idx="2">
+                <a:schemeClr val="accent6">
+                  <a:shade val="50000"/>
+                </a:schemeClr>
+              </a:lnRef>
+              <a:fillRef idx="1">
+                <a:schemeClr val="accent6"/>
+              </a:fillRef>
+              <a:effectRef idx="0">
+                <a:schemeClr val="accent6"/>
+              </a:effectRef>
+              <a:fontRef idx="minor">
+                <a:schemeClr val="lt1"/>
+              </a:fontRef>
+            </p:style>
+            <p:txBody>
+              <a:bodyPr rtlCol="0" anchor="ctr"/>
+              <a:lstStyle/>
+              <a:p>
+                <a:pPr algn="ctr"/>
+                <a:endParaRPr lang="zh-CN" altLang="en-US" sz="1100" dirty="0">
+                  <a:latin typeface="Times New Roman" panose="02020603050405020304" pitchFamily="18" charset="0"/>
+                  <a:cs typeface="Times New Roman" panose="02020603050405020304" pitchFamily="18" charset="0"/>
+                </a:endParaRPr>
+              </a:p>
+            </p:txBody>
+          </p:sp>
+        </p:grpSp>
+        <p:grpSp>
+          <p:nvGrpSpPr>
+            <p:cNvPr id="85" name="组合 84"/>
+            <p:cNvGrpSpPr/>
+            <p:nvPr/>
+          </p:nvGrpSpPr>
+          <p:grpSpPr>
+            <a:xfrm>
+              <a:off x="895832" y="2114055"/>
+              <a:ext cx="576000" cy="576000"/>
+              <a:chOff x="1899933" y="3756375"/>
+              <a:chExt cx="576000" cy="576000"/>
+            </a:xfrm>
+          </p:grpSpPr>
+          <p:sp>
+            <p:nvSpPr>
+              <p:cNvPr id="95" name="矩形 94"/>
+              <p:cNvSpPr/>
+              <p:nvPr/>
+            </p:nvSpPr>
+            <p:spPr>
+              <a:xfrm>
+                <a:off x="1899933" y="3756375"/>
+                <a:ext cx="288000" cy="576000"/>
+              </a:xfrm>
+              <a:prstGeom prst="rect">
+                <a:avLst/>
+              </a:prstGeom>
+              <a:ln>
+                <a:noFill/>
+              </a:ln>
+            </p:spPr>
+            <p:style>
+              <a:lnRef idx="2">
+                <a:schemeClr val="accent6">
+                  <a:shade val="50000"/>
+                </a:schemeClr>
+              </a:lnRef>
+              <a:fillRef idx="1">
+                <a:schemeClr val="accent6"/>
+              </a:fillRef>
+              <a:effectRef idx="0">
+                <a:schemeClr val="accent6"/>
+              </a:effectRef>
+              <a:fontRef idx="minor">
+                <a:schemeClr val="lt1"/>
+              </a:fontRef>
+            </p:style>
+            <p:txBody>
+              <a:bodyPr rtlCol="0" anchor="ctr"/>
+              <a:lstStyle/>
+              <a:p>
+                <a:pPr algn="ctr"/>
+                <a:endParaRPr lang="zh-CN" altLang="en-US" sz="1100" dirty="0">
+                  <a:latin typeface="Times New Roman" panose="02020603050405020304" pitchFamily="18" charset="0"/>
+                  <a:cs typeface="Times New Roman" panose="02020603050405020304" pitchFamily="18" charset="0"/>
+                </a:endParaRPr>
+              </a:p>
+            </p:txBody>
+          </p:sp>
+          <p:sp>
+            <p:nvSpPr>
+              <p:cNvPr id="96" name="矩形 95"/>
+              <p:cNvSpPr/>
+              <p:nvPr/>
+            </p:nvSpPr>
+            <p:spPr>
+              <a:xfrm>
+                <a:off x="2187933" y="3756375"/>
+                <a:ext cx="288000" cy="576000"/>
+              </a:xfrm>
+              <a:prstGeom prst="rect">
+                <a:avLst/>
+              </a:prstGeom>
+              <a:solidFill>
+                <a:schemeClr val="accent4">
+                  <a:lumMod val="60000"/>
+                  <a:lumOff val="40000"/>
+                </a:schemeClr>
+              </a:solidFill>
+              <a:ln>
+                <a:noFill/>
+              </a:ln>
+            </p:spPr>
+            <p:style>
+              <a:lnRef idx="2">
+                <a:schemeClr val="accent1">
+                  <a:shade val="50000"/>
+                </a:schemeClr>
+              </a:lnRef>
+              <a:fillRef idx="1">
+                <a:schemeClr val="accent1"/>
+              </a:fillRef>
+              <a:effectRef idx="0">
+                <a:schemeClr val="accent1"/>
+              </a:effectRef>
+              <a:fontRef idx="minor">
+                <a:schemeClr val="lt1"/>
+              </a:fontRef>
+            </p:style>
+            <p:txBody>
+              <a:bodyPr rtlCol="0" anchor="ctr"/>
+              <a:lstStyle/>
+              <a:p>
+                <a:pPr algn="ctr"/>
+                <a:endParaRPr lang="zh-CN" altLang="en-US" dirty="0">
+                  <a:solidFill>
+                    <a:schemeClr val="tx1"/>
+                  </a:solidFill>
+                  <a:latin typeface="Times New Roman" panose="02020603050405020304" pitchFamily="18" charset="0"/>
+                  <a:cs typeface="Times New Roman" panose="02020603050405020304" pitchFamily="18" charset="0"/>
+                </a:endParaRPr>
+              </a:p>
+            </p:txBody>
+          </p:sp>
+        </p:grpSp>
+        <p:grpSp>
+          <p:nvGrpSpPr>
+            <p:cNvPr id="86" name="组合 85"/>
+            <p:cNvGrpSpPr/>
+            <p:nvPr/>
+          </p:nvGrpSpPr>
+          <p:grpSpPr>
+            <a:xfrm>
+              <a:off x="2073106" y="1538055"/>
+              <a:ext cx="576000" cy="576000"/>
+              <a:chOff x="3004779" y="3756375"/>
+              <a:chExt cx="576000" cy="576000"/>
+            </a:xfrm>
+          </p:grpSpPr>
+          <p:sp>
+            <p:nvSpPr>
+              <p:cNvPr id="93" name="矩形 92"/>
+              <p:cNvSpPr/>
+              <p:nvPr/>
+            </p:nvSpPr>
+            <p:spPr>
+              <a:xfrm>
+                <a:off x="3004779" y="3756375"/>
+                <a:ext cx="288000" cy="576000"/>
+              </a:xfrm>
+              <a:prstGeom prst="rect">
+                <a:avLst/>
+              </a:prstGeom>
+              <a:solidFill>
+                <a:schemeClr val="accent4">
+                  <a:lumMod val="60000"/>
+                  <a:lumOff val="40000"/>
+                </a:schemeClr>
+              </a:solidFill>
+              <a:ln>
+                <a:noFill/>
+              </a:ln>
+            </p:spPr>
+            <p:style>
+              <a:lnRef idx="2">
+                <a:schemeClr val="accent1">
+                  <a:shade val="50000"/>
+                </a:schemeClr>
+              </a:lnRef>
+              <a:fillRef idx="1">
+                <a:schemeClr val="accent1"/>
+              </a:fillRef>
+              <a:effectRef idx="0">
+                <a:schemeClr val="accent1"/>
+              </a:effectRef>
+              <a:fontRef idx="minor">
+                <a:schemeClr val="lt1"/>
+              </a:fontRef>
+            </p:style>
+            <p:txBody>
+              <a:bodyPr rtlCol="0" anchor="ctr"/>
+              <a:lstStyle/>
+              <a:p>
+                <a:pPr algn="ctr"/>
+                <a:endParaRPr lang="zh-CN" altLang="en-US" dirty="0">
+                  <a:solidFill>
+                    <a:schemeClr val="tx1"/>
+                  </a:solidFill>
+                  <a:latin typeface="Times New Roman" panose="02020603050405020304" pitchFamily="18" charset="0"/>
+                  <a:cs typeface="Times New Roman" panose="02020603050405020304" pitchFamily="18" charset="0"/>
+                </a:endParaRPr>
+              </a:p>
+            </p:txBody>
+          </p:sp>
+          <p:sp>
+            <p:nvSpPr>
+              <p:cNvPr id="94" name="矩形 93"/>
+              <p:cNvSpPr/>
+              <p:nvPr/>
+            </p:nvSpPr>
+            <p:spPr>
+              <a:xfrm>
+                <a:off x="3292779" y="3756375"/>
+                <a:ext cx="288000" cy="576000"/>
+              </a:xfrm>
+              <a:prstGeom prst="rect">
+                <a:avLst/>
+              </a:prstGeom>
+              <a:solidFill>
+                <a:schemeClr val="accent4">
+                  <a:lumMod val="60000"/>
+                  <a:lumOff val="40000"/>
+                </a:schemeClr>
+              </a:solidFill>
+              <a:ln>
+                <a:noFill/>
+              </a:ln>
+            </p:spPr>
+            <p:style>
+              <a:lnRef idx="2">
+                <a:schemeClr val="accent1">
+                  <a:shade val="50000"/>
+                </a:schemeClr>
+              </a:lnRef>
+              <a:fillRef idx="1">
+                <a:schemeClr val="accent1"/>
+              </a:fillRef>
+              <a:effectRef idx="0">
+                <a:schemeClr val="accent1"/>
+              </a:effectRef>
+              <a:fontRef idx="minor">
+                <a:schemeClr val="lt1"/>
+              </a:fontRef>
+            </p:style>
+            <p:txBody>
+              <a:bodyPr rtlCol="0" anchor="ctr"/>
+              <a:lstStyle/>
+              <a:p>
+                <a:pPr algn="ctr"/>
+                <a:endParaRPr lang="zh-CN" altLang="en-US" dirty="0">
+                  <a:solidFill>
+                    <a:schemeClr val="tx1"/>
+                  </a:solidFill>
+                  <a:latin typeface="Times New Roman" panose="02020603050405020304" pitchFamily="18" charset="0"/>
+                  <a:cs typeface="Times New Roman" panose="02020603050405020304" pitchFamily="18" charset="0"/>
+                </a:endParaRPr>
+              </a:p>
+            </p:txBody>
+          </p:sp>
+        </p:grpSp>
+        <p:sp>
+          <p:nvSpPr>
+            <p:cNvPr id="90" name="文本框 89"/>
+            <p:cNvSpPr txBox="1"/>
+            <p:nvPr/>
+          </p:nvSpPr>
+          <p:spPr>
+            <a:xfrm>
+              <a:off x="764243" y="1564445"/>
+              <a:ext cx="929377" cy="523220"/>
+            </a:xfrm>
+            <a:prstGeom prst="rect">
+              <a:avLst/>
+            </a:prstGeom>
+            <a:noFill/>
+          </p:spPr>
+          <p:txBody>
+            <a:bodyPr wrap="square" rtlCol="0">
+              <a:spAutoFit/>
+            </a:bodyPr>
+            <a:lstStyle/>
+            <a:p>
+              <a:r>
+                <a:rPr lang="en-US" altLang="zh-CN" sz="1400" dirty="0" smtClean="0">
+                  <a:latin typeface="Times New Roman" panose="02020603050405020304" pitchFamily="18" charset="0"/>
+                  <a:cs typeface="Times New Roman" panose="02020603050405020304" pitchFamily="18" charset="0"/>
+                </a:rPr>
+                <a:t>Running in parallel</a:t>
+              </a:r>
+              <a:endParaRPr lang="zh-CN" altLang="en-US" sz="1400" dirty="0">
+                <a:latin typeface="Times New Roman" panose="02020603050405020304" pitchFamily="18" charset="0"/>
+                <a:cs typeface="Times New Roman" panose="02020603050405020304" pitchFamily="18" charset="0"/>
+              </a:endParaRPr>
+            </a:p>
+          </p:txBody>
+        </p:sp>
+        <p:cxnSp>
+          <p:nvCxnSpPr>
+            <p:cNvPr id="91" name="直接箭头连接符 90"/>
+            <p:cNvCxnSpPr>
+              <a:stCxn id="98" idx="3"/>
+              <a:endCxn id="93" idx="1"/>
+            </p:cNvCxnSpPr>
+            <p:nvPr/>
+          </p:nvCxnSpPr>
+          <p:spPr>
+            <a:xfrm>
+              <a:off x="1471832" y="1250055"/>
+              <a:ext cx="601274" cy="576000"/>
+            </a:xfrm>
+            <a:prstGeom prst="straightConnector1">
+              <a:avLst/>
+            </a:prstGeom>
+            <a:ln w="19050">
+              <a:tailEnd type="triangle"/>
+            </a:ln>
+          </p:spPr>
+          <p:style>
+            <a:lnRef idx="1">
+              <a:schemeClr val="accent6"/>
+            </a:lnRef>
+            <a:fillRef idx="0">
+              <a:schemeClr val="accent6"/>
+            </a:fillRef>
+            <a:effectRef idx="0">
+              <a:schemeClr val="accent6"/>
+            </a:effectRef>
+            <a:fontRef idx="minor">
+              <a:schemeClr val="tx1"/>
+            </a:fontRef>
+          </p:style>
+        </p:cxnSp>
+        <p:cxnSp>
+          <p:nvCxnSpPr>
+            <p:cNvPr id="92" name="直接箭头连接符 91"/>
+            <p:cNvCxnSpPr>
+              <a:stCxn id="96" idx="3"/>
+              <a:endCxn id="93" idx="1"/>
+            </p:cNvCxnSpPr>
+            <p:nvPr/>
+          </p:nvCxnSpPr>
+          <p:spPr>
+            <a:xfrm flipV="1">
+              <a:off x="1471832" y="1826055"/>
+              <a:ext cx="601274" cy="576000"/>
+            </a:xfrm>
+            <a:prstGeom prst="straightConnector1">
+              <a:avLst/>
+            </a:prstGeom>
+            <a:ln w="19050">
+              <a:tailEnd type="triangle"/>
+            </a:ln>
+          </p:spPr>
+          <p:style>
+            <a:lnRef idx="1">
+              <a:schemeClr val="accent6"/>
+            </a:lnRef>
+            <a:fillRef idx="0">
+              <a:schemeClr val="accent6"/>
+            </a:fillRef>
+            <a:effectRef idx="0">
+              <a:schemeClr val="accent6"/>
+            </a:effectRef>
+            <a:fontRef idx="minor">
+              <a:schemeClr val="tx1"/>
+            </a:fontRef>
+          </p:style>
+        </p:cxnSp>
+      </p:grpSp>
+      <p:cxnSp>
+        <p:nvCxnSpPr>
+          <p:cNvPr id="99" name="直接箭头连接符 98"/>
+          <p:cNvCxnSpPr/>
+          <p:nvPr/>
+        </p:nvCxnSpPr>
+        <p:spPr>
+          <a:xfrm flipH="1">
+            <a:off x="5815861" y="4529139"/>
+            <a:ext cx="1" cy="827599"/>
+          </a:xfrm>
+          <a:prstGeom prst="straightConnector1">
+            <a:avLst/>
+          </a:prstGeom>
+          <a:ln w="15875">
+            <a:tailEnd type="arrow"/>
+          </a:ln>
+        </p:spPr>
+        <p:style>
+          <a:lnRef idx="1">
+            <a:schemeClr val="dk1"/>
+          </a:lnRef>
+          <a:fillRef idx="0">
+            <a:schemeClr val="dk1"/>
+          </a:fillRef>
+          <a:effectRef idx="0">
+            <a:schemeClr val="dk1"/>
+          </a:effectRef>
+          <a:fontRef idx="minor">
+            <a:schemeClr val="tx1"/>
+          </a:fontRef>
+        </p:style>
+      </p:cxnSp>
     </p:spTree>
     <p:extLst>
       <p:ext uri="{BB962C8B-B14F-4D97-AF65-F5344CB8AC3E}">

--- a/docs/Figures.pptx
+++ b/docs/Figures.pptx
@@ -3870,14 +3870,7 @@
                 <a:latin typeface="Times New Roman" panose="02020603050405020304" pitchFamily="18" charset="0"/>
                 <a:cs typeface="Times New Roman" panose="02020603050405020304" pitchFamily="18" charset="0"/>
               </a:rPr>
-              <a:t>by </a:t>
-            </a:r>
-            <a:r>
-              <a:rPr lang="en-US" altLang="zh-CN" dirty="0" smtClean="0">
-                <a:latin typeface="Times New Roman" panose="02020603050405020304" pitchFamily="18" charset="0"/>
-                <a:cs typeface="Times New Roman" panose="02020603050405020304" pitchFamily="18" charset="0"/>
-              </a:rPr>
-              <a:t>traversing every strategy</a:t>
+              <a:t>by traversing every strategy</a:t>
             </a:r>
             <a:endParaRPr lang="zh-CN" altLang="en-US" dirty="0">
               <a:latin typeface="Times New Roman" panose="02020603050405020304" pitchFamily="18" charset="0"/>
@@ -3922,14 +3915,7 @@
                 <a:latin typeface="Times New Roman" panose="02020603050405020304" pitchFamily="18" charset="0"/>
                 <a:cs typeface="Times New Roman" panose="02020603050405020304" pitchFamily="18" charset="0"/>
               </a:rPr>
-              <a:t>w</a:t>
-            </a:r>
-            <a:r>
-              <a:rPr lang="en-US" altLang="zh-CN" dirty="0">
-                <a:latin typeface="Times New Roman" panose="02020603050405020304" pitchFamily="18" charset="0"/>
-                <a:cs typeface="Times New Roman" panose="02020603050405020304" pitchFamily="18" charset="0"/>
-              </a:rPr>
-              <a:t>ith 3ms latency</a:t>
+              <a:t>with 3ms latency</a:t>
             </a:r>
             <a:endParaRPr lang="zh-CN" altLang="en-US" dirty="0">
               <a:latin typeface="Times New Roman" panose="02020603050405020304" pitchFamily="18" charset="0"/>
@@ -21432,28 +21418,28 @@
           <p:nvPr>
             <p:extLst>
               <p:ext uri="{D42A27DB-BD31-4B8C-83A1-F6EECF244321}">
-                <p14:modId xmlns:p14="http://schemas.microsoft.com/office/powerpoint/2010/main" val="965891382"/>
+                <p14:modId xmlns:p14="http://schemas.microsoft.com/office/powerpoint/2010/main" val="2723380775"/>
               </p:ext>
             </p:extLst>
           </p:nvPr>
         </p:nvGraphicFramePr>
         <p:xfrm>
-          <a:off x="1649845" y="1275759"/>
-          <a:ext cx="8001230" cy="4083016"/>
+          <a:off x="1018077" y="1458639"/>
+          <a:ext cx="9979661" cy="4261984"/>
         </p:xfrm>
         <a:graphic>
           <a:graphicData uri="http://schemas.openxmlformats.org/drawingml/2006/table">
             <a:tbl>
               <a:tblPr firstRow="1" firstCol="1" bandRow="1"/>
               <a:tblGrid>
-                <a:gridCol w="2174010">
+                <a:gridCol w="2711569">
                   <a:extLst>
                     <a:ext uri="{9D8B030D-6E8A-4147-A177-3AD203B41FA5}">
                       <a16:colId xmlns:a16="http://schemas.microsoft.com/office/drawing/2014/main" val="354735457"/>
                     </a:ext>
                   </a:extLst>
                 </a:gridCol>
-                <a:gridCol w="5827220">
+                <a:gridCol w="7268092">
                   <a:extLst>
                     <a:ext uri="{9D8B030D-6E8A-4147-A177-3AD203B41FA5}">
                       <a16:colId xmlns:a16="http://schemas.microsoft.com/office/drawing/2014/main" val="1090313937"/>
@@ -21461,6 +21447,163 @@
                   </a:extLst>
                 </a:gridCol>
               </a:tblGrid>
+              <a:tr h="1065496">
+                <a:tc>
+                  <a:txBody>
+                    <a:bodyPr/>
+                    <a:lstStyle/>
+                    <a:p>
+                      <a:pPr algn="ctr">
+                        <a:spcAft>
+                          <a:spcPts val="0"/>
+                        </a:spcAft>
+                      </a:pPr>
+                      <a:r>
+                        <a:rPr lang="en-US" altLang="zh-CN" sz="1800" kern="100" dirty="0" smtClean="0">
+                          <a:effectLst/>
+                          <a:latin typeface="Times New Roman" panose="02020603050405020304" pitchFamily="18" charset="0"/>
+                          <a:ea typeface="等线" panose="02010600030101010101" pitchFamily="2" charset="-122"/>
+                          <a:cs typeface="Times New Roman" panose="02020603050405020304" pitchFamily="18" charset="0"/>
+                        </a:rPr>
+                        <a:t>Situation</a:t>
+                      </a:r>
+                      <a:endParaRPr lang="zh-CN" sz="1800" kern="100" dirty="0">
+                        <a:effectLst/>
+                        <a:latin typeface="Times New Roman" panose="02020603050405020304" pitchFamily="18" charset="0"/>
+                        <a:ea typeface="等线" panose="02010600030101010101" pitchFamily="2" charset="-122"/>
+                        <a:cs typeface="Times New Roman" panose="02020603050405020304" pitchFamily="18" charset="0"/>
+                      </a:endParaRPr>
+                    </a:p>
+                  </a:txBody>
+                  <a:tcPr marL="68580" marR="68580" marT="0" marB="0" anchor="ctr">
+                    <a:lnL w="12700" cap="flat" cmpd="sng" algn="ctr">
+                      <a:solidFill>
+                        <a:srgbClr val="000000"/>
+                      </a:solidFill>
+                      <a:prstDash val="solid"/>
+                      <a:round/>
+                      <a:headEnd type="none" w="med" len="med"/>
+                      <a:tailEnd type="none" w="med" len="med"/>
+                    </a:lnL>
+                    <a:lnR w="12700" cap="flat" cmpd="sng" algn="ctr">
+                      <a:solidFill>
+                        <a:srgbClr val="000000"/>
+                      </a:solidFill>
+                      <a:prstDash val="solid"/>
+                      <a:round/>
+                      <a:headEnd type="none" w="med" len="med"/>
+                      <a:tailEnd type="none" w="med" len="med"/>
+                    </a:lnR>
+                    <a:lnT w="12700" cap="flat" cmpd="sng" algn="ctr">
+                      <a:solidFill>
+                        <a:srgbClr val="000000"/>
+                      </a:solidFill>
+                      <a:prstDash val="solid"/>
+                      <a:round/>
+                      <a:headEnd type="none" w="med" len="med"/>
+                      <a:tailEnd type="none" w="med" len="med"/>
+                    </a:lnT>
+                    <a:lnB w="12700" cap="flat" cmpd="sng" algn="ctr">
+                      <a:solidFill>
+                        <a:srgbClr val="000000"/>
+                      </a:solidFill>
+                      <a:prstDash val="solid"/>
+                      <a:round/>
+                      <a:headEnd type="none" w="med" len="med"/>
+                      <a:tailEnd type="none" w="med" len="med"/>
+                    </a:lnB>
+                  </a:tcPr>
+                </a:tc>
+                <a:tc>
+                  <a:txBody>
+                    <a:bodyPr/>
+                    <a:lstStyle/>
+                    <a:p>
+                      <a:pPr algn="ctr">
+                        <a:spcAft>
+                          <a:spcPts val="0"/>
+                        </a:spcAft>
+                      </a:pPr>
+                      <a:r>
+                        <a:rPr lang="en-US" altLang="zh-CN" sz="1800" kern="100" dirty="0" smtClean="0">
+                          <a:effectLst/>
+                          <a:latin typeface="Times New Roman" panose="02020603050405020304" pitchFamily="18" charset="0"/>
+                          <a:ea typeface="等线" panose="02010600030101010101" pitchFamily="2" charset="-122"/>
+                          <a:cs typeface="Times New Roman" panose="02020603050405020304" pitchFamily="18" charset="0"/>
+                        </a:rPr>
+                        <a:t>(NF1</a:t>
+                      </a:r>
+                      <a:r>
+                        <a:rPr lang="en-US" altLang="zh-CN" sz="1800" kern="100" baseline="0" dirty="0" smtClean="0">
+                          <a:effectLst/>
+                          <a:latin typeface="Times New Roman" panose="02020603050405020304" pitchFamily="18" charset="0"/>
+                          <a:ea typeface="等线" panose="02010600030101010101" pitchFamily="2" charset="-122"/>
+                          <a:cs typeface="Times New Roman" panose="02020603050405020304" pitchFamily="18" charset="0"/>
+                        </a:rPr>
+                        <a:t>’s Action, NF2’s Action, Conflict or not</a:t>
+                      </a:r>
+                      <a:r>
+                        <a:rPr lang="en-US" altLang="zh-CN" sz="1800" kern="100" dirty="0" smtClean="0">
+                          <a:effectLst/>
+                          <a:latin typeface="Times New Roman" panose="02020603050405020304" pitchFamily="18" charset="0"/>
+                          <a:ea typeface="等线" panose="02010600030101010101" pitchFamily="2" charset="-122"/>
+                          <a:cs typeface="Times New Roman" panose="02020603050405020304" pitchFamily="18" charset="0"/>
+                        </a:rPr>
+                        <a:t>)</a:t>
+                      </a:r>
+                      <a:endParaRPr lang="zh-CN" sz="1800" kern="100" dirty="0">
+                        <a:effectLst/>
+                        <a:latin typeface="Times New Roman" panose="02020603050405020304" pitchFamily="18" charset="0"/>
+                        <a:ea typeface="等线" panose="02010600030101010101" pitchFamily="2" charset="-122"/>
+                        <a:cs typeface="Times New Roman" panose="02020603050405020304" pitchFamily="18" charset="0"/>
+                      </a:endParaRPr>
+                    </a:p>
+                  </a:txBody>
+                  <a:tcPr marL="68580" marR="68580" marT="0" marB="0" anchor="ctr">
+                    <a:lnL w="12700" cap="flat" cmpd="sng" algn="ctr">
+                      <a:solidFill>
+                        <a:srgbClr val="000000"/>
+                      </a:solidFill>
+                      <a:prstDash val="solid"/>
+                      <a:round/>
+                      <a:headEnd type="none" w="med" len="med"/>
+                      <a:tailEnd type="none" w="med" len="med"/>
+                    </a:lnL>
+                    <a:lnR w="12700" cap="flat" cmpd="sng" algn="ctr">
+                      <a:solidFill>
+                        <a:srgbClr val="000000"/>
+                      </a:solidFill>
+                      <a:prstDash val="solid"/>
+                      <a:round/>
+                      <a:headEnd type="none" w="med" len="med"/>
+                      <a:tailEnd type="none" w="med" len="med"/>
+                    </a:lnR>
+                    <a:lnT w="12700" cap="flat" cmpd="sng" algn="ctr">
+                      <a:solidFill>
+                        <a:srgbClr val="000000"/>
+                      </a:solidFill>
+                      <a:prstDash val="solid"/>
+                      <a:round/>
+                      <a:headEnd type="none" w="med" len="med"/>
+                      <a:tailEnd type="none" w="med" len="med"/>
+                    </a:lnT>
+                    <a:lnB w="12700" cap="flat" cmpd="sng" algn="ctr">
+                      <a:solidFill>
+                        <a:srgbClr val="000000"/>
+                      </a:solidFill>
+                      <a:prstDash val="solid"/>
+                      <a:round/>
+                      <a:headEnd type="none" w="med" len="med"/>
+                      <a:tailEnd type="none" w="med" len="med"/>
+                    </a:lnB>
+                  </a:tcPr>
+                </a:tc>
+                <a:extLst>
+                  <a:ext uri="{0D108BD9-81ED-4DB2-BD59-A6C34878D82A}">
+                    <a16:rowId xmlns:a16="http://schemas.microsoft.com/office/drawing/2014/main" val="868881553"/>
+                  </a:ext>
+                </a:extLst>
+              </a:tr>
               <a:tr h="1065496">
                 <a:tc>
                   <a:txBody>
@@ -21606,7 +21749,16 @@
                           <a:ea typeface="等线" panose="02010600030101010101" pitchFamily="2" charset="-122"/>
                           <a:cs typeface="Times New Roman" panose="02020603050405020304" pitchFamily="18" charset="0"/>
                         </a:rPr>
-                        <a:t>&lt;R, W,</a:t>
+                        <a:t>&lt;</a:t>
+                      </a:r>
+                      <a:r>
+                        <a:rPr lang="en-US" altLang="zh-CN" sz="1800" kern="100" dirty="0" smtClean="0">
+                          <a:effectLst/>
+                          <a:latin typeface="Times New Roman" panose="02020603050405020304" pitchFamily="18" charset="0"/>
+                          <a:ea typeface="等线" panose="02010600030101010101" pitchFamily="2" charset="-122"/>
+                          <a:cs typeface="Times New Roman" panose="02020603050405020304" pitchFamily="18" charset="0"/>
+                        </a:rPr>
+                        <a:t>R, W,</a:t>
                       </a:r>
                       <a:r>
                         <a:rPr lang="en-US" altLang="zh-CN" sz="1800" kern="100" baseline="0" dirty="0" smtClean="0">
@@ -21878,15 +22030,26 @@
                           <a:ea typeface="等线" panose="02010600030101010101" pitchFamily="2" charset="-122"/>
                           <a:cs typeface="Times New Roman" panose="02020603050405020304" pitchFamily="18" charset="0"/>
                         </a:rPr>
-                        <a:t>&lt;W, W, Y&gt;</a:t>
+                        <a:t>&lt;W, W, Y</a:t>
                       </a:r>
-                    </a:p>
-                    <a:p>
-                      <a:pPr algn="ctr">
-                        <a:spcAft>
-                          <a:spcPts val="0"/>
-                        </a:spcAft>
-                      </a:pPr>
+                      <a:r>
+                        <a:rPr lang="en-US" sz="1800" kern="100" dirty="0" smtClean="0">
+                          <a:effectLst/>
+                          <a:latin typeface="Times New Roman" panose="02020603050405020304" pitchFamily="18" charset="0"/>
+                          <a:ea typeface="等线" panose="02010600030101010101" pitchFamily="2" charset="-122"/>
+                          <a:cs typeface="Times New Roman" panose="02020603050405020304" pitchFamily="18" charset="0"/>
+                        </a:rPr>
+                        <a:t>&gt;;</a:t>
+                      </a:r>
+                      <a:r>
+                        <a:rPr lang="en-US" sz="1800" kern="100" baseline="0" dirty="0" smtClean="0">
+                          <a:effectLst/>
+                          <a:latin typeface="Times New Roman" panose="02020603050405020304" pitchFamily="18" charset="0"/>
+                          <a:ea typeface="等线" panose="02010600030101010101" pitchFamily="2" charset="-122"/>
+                          <a:cs typeface="Times New Roman" panose="02020603050405020304" pitchFamily="18" charset="0"/>
+                        </a:rPr>
+                        <a:t> </a:t>
+                      </a:r>
                       <a:r>
                         <a:rPr lang="en-US" altLang="zh-CN" sz="1800" kern="100" dirty="0" smtClean="0">
                           <a:effectLst/>
@@ -21894,15 +22057,8 @@
                           <a:ea typeface="等线" panose="02010600030101010101" pitchFamily="2" charset="-122"/>
                           <a:cs typeface="Times New Roman" panose="02020603050405020304" pitchFamily="18" charset="0"/>
                         </a:rPr>
-                        <a:t>&lt;R, W, Y&gt;</a:t>
+                        <a:t>&lt;</a:t>
                       </a:r>
-                    </a:p>
-                    <a:p>
-                      <a:pPr algn="ctr">
-                        <a:spcAft>
-                          <a:spcPts val="0"/>
-                        </a:spcAft>
-                      </a:pPr>
                       <a:r>
                         <a:rPr lang="en-US" altLang="zh-CN" sz="1800" kern="100" dirty="0" smtClean="0">
                           <a:effectLst/>
@@ -21910,15 +22066,62 @@
                           <a:ea typeface="等线" panose="02010600030101010101" pitchFamily="2" charset="-122"/>
                           <a:cs typeface="Times New Roman" panose="02020603050405020304" pitchFamily="18" charset="0"/>
                         </a:rPr>
-                        <a:t>&lt;R, AR,*&gt;</a:t>
+                        <a:t>R, W, Y</a:t>
                       </a:r>
-                    </a:p>
-                    <a:p>
-                      <a:pPr algn="ctr">
-                        <a:spcAft>
-                          <a:spcPts val="0"/>
-                        </a:spcAft>
-                      </a:pPr>
+                      <a:r>
+                        <a:rPr lang="en-US" altLang="zh-CN" sz="1800" kern="100" dirty="0" smtClean="0">
+                          <a:effectLst/>
+                          <a:latin typeface="Times New Roman" panose="02020603050405020304" pitchFamily="18" charset="0"/>
+                          <a:ea typeface="等线" panose="02010600030101010101" pitchFamily="2" charset="-122"/>
+                          <a:cs typeface="Times New Roman" panose="02020603050405020304" pitchFamily="18" charset="0"/>
+                        </a:rPr>
+                        <a:t>&gt;;</a:t>
+                      </a:r>
+                      <a:r>
+                        <a:rPr lang="en-US" altLang="zh-CN" sz="1800" kern="100" baseline="0" dirty="0" smtClean="0">
+                          <a:effectLst/>
+                          <a:latin typeface="Times New Roman" panose="02020603050405020304" pitchFamily="18" charset="0"/>
+                          <a:ea typeface="等线" panose="02010600030101010101" pitchFamily="2" charset="-122"/>
+                          <a:cs typeface="Times New Roman" panose="02020603050405020304" pitchFamily="18" charset="0"/>
+                        </a:rPr>
+                        <a:t> </a:t>
+                      </a:r>
+                      <a:r>
+                        <a:rPr lang="en-US" altLang="zh-CN" sz="1800" kern="100" dirty="0" smtClean="0">
+                          <a:effectLst/>
+                          <a:latin typeface="Times New Roman" panose="02020603050405020304" pitchFamily="18" charset="0"/>
+                          <a:ea typeface="等线" panose="02010600030101010101" pitchFamily="2" charset="-122"/>
+                          <a:cs typeface="Times New Roman" panose="02020603050405020304" pitchFamily="18" charset="0"/>
+                        </a:rPr>
+                        <a:t>&lt;</a:t>
+                      </a:r>
+                      <a:r>
+                        <a:rPr lang="en-US" altLang="zh-CN" sz="1800" kern="100" dirty="0" smtClean="0">
+                          <a:effectLst/>
+                          <a:latin typeface="Times New Roman" panose="02020603050405020304" pitchFamily="18" charset="0"/>
+                          <a:ea typeface="等线" panose="02010600030101010101" pitchFamily="2" charset="-122"/>
+                          <a:cs typeface="Times New Roman" panose="02020603050405020304" pitchFamily="18" charset="0"/>
+                        </a:rPr>
+                        <a:t>R, </a:t>
+                      </a:r>
+                      <a:r>
+                        <a:rPr lang="en-US" altLang="zh-CN" sz="1800" kern="100" dirty="0" smtClean="0">
+                          <a:effectLst/>
+                          <a:latin typeface="Times New Roman" panose="02020603050405020304" pitchFamily="18" charset="0"/>
+                          <a:ea typeface="等线" panose="02010600030101010101" pitchFamily="2" charset="-122"/>
+                          <a:cs typeface="Times New Roman" panose="02020603050405020304" pitchFamily="18" charset="0"/>
+                        </a:rPr>
+                        <a:t>A/R, *&gt;;</a:t>
+                      </a:r>
+                      <a:r>
+                        <a:rPr lang="en-US" altLang="zh-CN" sz="1800" kern="100" baseline="0" dirty="0" smtClean="0">
+                          <a:effectLst/>
+                          <a:latin typeface="Times New Roman" panose="02020603050405020304" pitchFamily="18" charset="0"/>
+                          <a:ea typeface="等线" panose="02010600030101010101" pitchFamily="2" charset="-122"/>
+                          <a:cs typeface="Times New Roman" panose="02020603050405020304" pitchFamily="18" charset="0"/>
+                        </a:rPr>
+                        <a:t> </a:t>
+                      </a:r>
                       <a:r>
                         <a:rPr lang="en-US" altLang="zh-CN" sz="1800" kern="100" dirty="0" smtClean="0">
                           <a:effectLst/>
@@ -21926,15 +22129,8 @@
                           <a:ea typeface="+mn-ea"/>
                           <a:cs typeface="Times New Roman" panose="02020603050405020304" pitchFamily="18" charset="0"/>
                         </a:rPr>
-                        <a:t>&lt;W, AR,*&gt;</a:t>
+                        <a:t>&lt;</a:t>
                       </a:r>
-                    </a:p>
-                    <a:p>
-                      <a:pPr algn="ctr">
-                        <a:spcAft>
-                          <a:spcPts val="0"/>
-                        </a:spcAft>
-                      </a:pPr>
                       <a:r>
                         <a:rPr lang="en-US" altLang="zh-CN" sz="1800" kern="100" dirty="0" smtClean="0">
                           <a:effectLst/>
@@ -21942,7 +22138,52 @@
                           <a:ea typeface="+mn-ea"/>
                           <a:cs typeface="Times New Roman" panose="02020603050405020304" pitchFamily="18" charset="0"/>
                         </a:rPr>
-                        <a:t>&lt;AR, AR,*&gt;</a:t>
+                        <a:t>W, </a:t>
+                      </a:r>
+                      <a:r>
+                        <a:rPr lang="en-US" altLang="zh-CN" sz="1800" kern="100" dirty="0" smtClean="0">
+                          <a:effectLst/>
+                          <a:latin typeface="Times New Roman" panose="02020603050405020304" pitchFamily="18" charset="0"/>
+                          <a:ea typeface="+mn-ea"/>
+                          <a:cs typeface="Times New Roman" panose="02020603050405020304" pitchFamily="18" charset="0"/>
+                        </a:rPr>
+                        <a:t>A/R, *&gt;;</a:t>
+                      </a:r>
+                      <a:r>
+                        <a:rPr lang="en-US" altLang="zh-CN" sz="1800" kern="100" baseline="0" dirty="0" smtClean="0">
+                          <a:effectLst/>
+                          <a:latin typeface="Times New Roman" panose="02020603050405020304" pitchFamily="18" charset="0"/>
+                          <a:ea typeface="+mn-ea"/>
+                          <a:cs typeface="Times New Roman" panose="02020603050405020304" pitchFamily="18" charset="0"/>
+                        </a:rPr>
+                        <a:t> </a:t>
+                      </a:r>
+                      <a:r>
+                        <a:rPr lang="en-US" altLang="zh-CN" sz="1800" kern="100" dirty="0" smtClean="0">
+                          <a:effectLst/>
+                          <a:latin typeface="Times New Roman" panose="02020603050405020304" pitchFamily="18" charset="0"/>
+                          <a:ea typeface="+mn-ea"/>
+                          <a:cs typeface="Times New Roman" panose="02020603050405020304" pitchFamily="18" charset="0"/>
+                        </a:rPr>
+                        <a:t>&lt;A/R</a:t>
+                      </a:r>
+                      <a:r>
+                        <a:rPr lang="en-US" altLang="zh-CN" sz="1800" kern="100" dirty="0" smtClean="0">
+                          <a:effectLst/>
+                          <a:latin typeface="Times New Roman" panose="02020603050405020304" pitchFamily="18" charset="0"/>
+                          <a:ea typeface="+mn-ea"/>
+                          <a:cs typeface="Times New Roman" panose="02020603050405020304" pitchFamily="18" charset="0"/>
+                        </a:rPr>
+                        <a:t>, </a:t>
+                      </a:r>
+                      <a:r>
+                        <a:rPr lang="en-US" altLang="zh-CN" sz="1800" kern="100" dirty="0" smtClean="0">
+                          <a:effectLst/>
+                          <a:latin typeface="Times New Roman" panose="02020603050405020304" pitchFamily="18" charset="0"/>
+                          <a:ea typeface="+mn-ea"/>
+                          <a:cs typeface="Times New Roman" panose="02020603050405020304" pitchFamily="18" charset="0"/>
+                        </a:rPr>
+                        <a:t>A/R, *&gt;</a:t>
                       </a:r>
                       <a:endParaRPr lang="zh-CN" sz="1800" kern="100" dirty="0">
                         <a:effectLst/>
@@ -22117,7 +22358,16 @@
                           <a:ea typeface="等线" panose="02010600030101010101" pitchFamily="2" charset="-122"/>
                           <a:cs typeface="Times New Roman" panose="02020603050405020304" pitchFamily="18" charset="0"/>
                         </a:rPr>
-                        <a:t> R, *</a:t>
+                        <a:t> R, </a:t>
+                      </a:r>
+                      <a:r>
+                        <a:rPr lang="en-US" sz="1800" kern="100" baseline="0" dirty="0" smtClean="0">
+                          <a:effectLst/>
+                          <a:latin typeface="Times New Roman" panose="02020603050405020304" pitchFamily="18" charset="0"/>
+                          <a:ea typeface="等线" panose="02010600030101010101" pitchFamily="2" charset="-122"/>
+                          <a:cs typeface="Times New Roman" panose="02020603050405020304" pitchFamily="18" charset="0"/>
+                        </a:rPr>
+                        <a:t>*</a:t>
                       </a:r>
                       <a:r>
                         <a:rPr lang="en-US" sz="1800" kern="100" dirty="0" smtClean="0">
@@ -22126,15 +22376,17 @@
                           <a:ea typeface="等线" panose="02010600030101010101" pitchFamily="2" charset="-122"/>
                           <a:cs typeface="Times New Roman" panose="02020603050405020304" pitchFamily="18" charset="0"/>
                         </a:rPr>
-                        <a:t>&gt;</a:t>
+                        <a:t>&gt;;</a:t>
                       </a:r>
-                    </a:p>
-                    <a:p>
-                      <a:pPr algn="ctr">
-                        <a:spcAft>
-                          <a:spcPts val="0"/>
-                        </a:spcAft>
-                      </a:pPr>
+                      <a:r>
+                        <a:rPr lang="en-US" sz="1800" kern="100" baseline="0" dirty="0" smtClean="0">
+                          <a:effectLst/>
+                          <a:latin typeface="Times New Roman" panose="02020603050405020304" pitchFamily="18" charset="0"/>
+                          <a:ea typeface="等线" panose="02010600030101010101" pitchFamily="2" charset="-122"/>
+                          <a:cs typeface="Times New Roman" panose="02020603050405020304" pitchFamily="18" charset="0"/>
+                        </a:rPr>
+                        <a:t> </a:t>
+                      </a:r>
                       <a:r>
                         <a:rPr lang="en-US" altLang="zh-CN" sz="1800" kern="100" dirty="0" smtClean="0">
                           <a:effectLst/>
@@ -22142,7 +22394,16 @@
                           <a:ea typeface="+mn-ea"/>
                           <a:cs typeface="Times New Roman" panose="02020603050405020304" pitchFamily="18" charset="0"/>
                         </a:rPr>
-                        <a:t>&lt;AR,</a:t>
+                        <a:t>&lt;A/R</a:t>
+                      </a:r>
+                      <a:r>
+                        <a:rPr lang="en-US" altLang="zh-CN" sz="1800" kern="100" dirty="0" smtClean="0">
+                          <a:effectLst/>
+                          <a:latin typeface="Times New Roman" panose="02020603050405020304" pitchFamily="18" charset="0"/>
+                          <a:ea typeface="+mn-ea"/>
+                          <a:cs typeface="Times New Roman" panose="02020603050405020304" pitchFamily="18" charset="0"/>
+                        </a:rPr>
+                        <a:t>,</a:t>
                       </a:r>
                       <a:r>
                         <a:rPr lang="en-US" altLang="zh-CN" sz="1800" kern="100" baseline="0" dirty="0" smtClean="0">
@@ -22151,7 +22412,16 @@
                           <a:ea typeface="+mn-ea"/>
                           <a:cs typeface="Times New Roman" panose="02020603050405020304" pitchFamily="18" charset="0"/>
                         </a:rPr>
-                        <a:t> R, *</a:t>
+                        <a:t> R, </a:t>
+                      </a:r>
+                      <a:r>
+                        <a:rPr lang="en-US" altLang="zh-CN" sz="1800" kern="100" baseline="0" dirty="0" smtClean="0">
+                          <a:effectLst/>
+                          <a:latin typeface="Times New Roman" panose="02020603050405020304" pitchFamily="18" charset="0"/>
+                          <a:ea typeface="+mn-ea"/>
+                          <a:cs typeface="Times New Roman" panose="02020603050405020304" pitchFamily="18" charset="0"/>
+                        </a:rPr>
+                        <a:t>*</a:t>
                       </a:r>
                       <a:r>
                         <a:rPr lang="en-US" altLang="zh-CN" sz="1800" kern="100" dirty="0" smtClean="0">
@@ -22160,23 +22430,7 @@
                           <a:ea typeface="+mn-ea"/>
                           <a:cs typeface="Times New Roman" panose="02020603050405020304" pitchFamily="18" charset="0"/>
                         </a:rPr>
-                        <a:t>&gt;</a:t>
-                      </a:r>
-                    </a:p>
-                    <a:p>
-                      <a:pPr algn="ctr">
-                        <a:spcAft>
-                          <a:spcPts val="0"/>
-                        </a:spcAft>
-                      </a:pPr>
-                      <a:r>
-                        <a:rPr lang="en-US" altLang="zh-CN" sz="1800" kern="100" dirty="0" smtClean="0">
-                          <a:effectLst/>
-                          <a:latin typeface="Times New Roman" panose="02020603050405020304" pitchFamily="18" charset="0"/>
-                          <a:ea typeface="+mn-ea"/>
-                          <a:cs typeface="Times New Roman" panose="02020603050405020304" pitchFamily="18" charset="0"/>
-                        </a:rPr>
-                        <a:t>&lt;AR,</a:t>
+                        <a:t>&gt;;</a:t>
                       </a:r>
                       <a:r>
                         <a:rPr lang="en-US" altLang="zh-CN" sz="1800" kern="100" baseline="0" dirty="0" smtClean="0">
@@ -22185,7 +22439,7 @@
                           <a:ea typeface="+mn-ea"/>
                           <a:cs typeface="Times New Roman" panose="02020603050405020304" pitchFamily="18" charset="0"/>
                         </a:rPr>
-                        <a:t> W, *</a:t>
+                        <a:t> </a:t>
                       </a:r>
                       <a:r>
                         <a:rPr lang="en-US" altLang="zh-CN" sz="1800" kern="100" dirty="0" smtClean="0">
@@ -22194,15 +22448,8 @@
                           <a:ea typeface="+mn-ea"/>
                           <a:cs typeface="Times New Roman" panose="02020603050405020304" pitchFamily="18" charset="0"/>
                         </a:rPr>
-                        <a:t>&gt;</a:t>
+                        <a:t>&lt;A/R</a:t>
                       </a:r>
-                    </a:p>
-                    <a:p>
-                      <a:pPr algn="ctr">
-                        <a:spcAft>
-                          <a:spcPts val="0"/>
-                        </a:spcAft>
-                      </a:pPr>
                       <a:r>
                         <a:rPr lang="en-US" altLang="zh-CN" sz="1800" kern="100" dirty="0" smtClean="0">
                           <a:effectLst/>
@@ -22210,15 +22457,26 @@
                           <a:ea typeface="+mn-ea"/>
                           <a:cs typeface="Times New Roman" panose="02020603050405020304" pitchFamily="18" charset="0"/>
                         </a:rPr>
-                        <a:t>&lt;D, R, *&gt;</a:t>
+                        <a:t>,</a:t>
                       </a:r>
-                    </a:p>
-                    <a:p>
-                      <a:pPr algn="ctr">
-                        <a:spcAft>
-                          <a:spcPts val="0"/>
-                        </a:spcAft>
-                      </a:pPr>
+                      <a:r>
+                        <a:rPr lang="en-US" altLang="zh-CN" sz="1800" kern="100" baseline="0" dirty="0" smtClean="0">
+                          <a:effectLst/>
+                          <a:latin typeface="Times New Roman" panose="02020603050405020304" pitchFamily="18" charset="0"/>
+                          <a:ea typeface="+mn-ea"/>
+                          <a:cs typeface="Times New Roman" panose="02020603050405020304" pitchFamily="18" charset="0"/>
+                        </a:rPr>
+                        <a:t> W, </a:t>
+                      </a:r>
+                      <a:r>
+                        <a:rPr lang="en-US" altLang="zh-CN" sz="1800" kern="100" baseline="0" dirty="0" smtClean="0">
+                          <a:effectLst/>
+                          <a:latin typeface="Times New Roman" panose="02020603050405020304" pitchFamily="18" charset="0"/>
+                          <a:ea typeface="+mn-ea"/>
+                          <a:cs typeface="Times New Roman" panose="02020603050405020304" pitchFamily="18" charset="0"/>
+                        </a:rPr>
+                        <a:t>*</a:t>
+                      </a:r>
                       <a:r>
                         <a:rPr lang="en-US" altLang="zh-CN" sz="1800" kern="100" dirty="0" smtClean="0">
                           <a:effectLst/>
@@ -22226,15 +22484,17 @@
                           <a:ea typeface="+mn-ea"/>
                           <a:cs typeface="Times New Roman" panose="02020603050405020304" pitchFamily="18" charset="0"/>
                         </a:rPr>
-                        <a:t>&lt;D, W, *&gt;</a:t>
+                        <a:t>&gt;;</a:t>
                       </a:r>
-                    </a:p>
-                    <a:p>
-                      <a:pPr algn="ctr">
-                        <a:spcAft>
-                          <a:spcPts val="0"/>
-                        </a:spcAft>
-                      </a:pPr>
+                      <a:r>
+                        <a:rPr lang="en-US" altLang="zh-CN" sz="1800" kern="100" baseline="0" dirty="0" smtClean="0">
+                          <a:effectLst/>
+                          <a:latin typeface="Times New Roman" panose="02020603050405020304" pitchFamily="18" charset="0"/>
+                          <a:ea typeface="+mn-ea"/>
+                          <a:cs typeface="Times New Roman" panose="02020603050405020304" pitchFamily="18" charset="0"/>
+                        </a:rPr>
+                        <a:t> </a:t>
+                      </a:r>
                       <a:r>
                         <a:rPr lang="en-US" altLang="zh-CN" sz="1800" kern="100" dirty="0" smtClean="0">
                           <a:effectLst/>
@@ -22242,7 +22502,106 @@
                           <a:ea typeface="+mn-ea"/>
                           <a:cs typeface="Times New Roman" panose="02020603050405020304" pitchFamily="18" charset="0"/>
                         </a:rPr>
-                        <a:t>&lt;D, AR, *&gt;</a:t>
+                        <a:t>&lt;</a:t>
+                      </a:r>
+                      <a:r>
+                        <a:rPr lang="en-US" altLang="zh-CN" sz="1800" kern="100" dirty="0" smtClean="0">
+                          <a:effectLst/>
+                          <a:latin typeface="Times New Roman" panose="02020603050405020304" pitchFamily="18" charset="0"/>
+                          <a:ea typeface="+mn-ea"/>
+                          <a:cs typeface="Times New Roman" panose="02020603050405020304" pitchFamily="18" charset="0"/>
+                        </a:rPr>
+                        <a:t>D, R, </a:t>
+                      </a:r>
+                      <a:r>
+                        <a:rPr lang="en-US" altLang="zh-CN" sz="1800" kern="100" dirty="0" smtClean="0">
+                          <a:effectLst/>
+                          <a:latin typeface="Times New Roman" panose="02020603050405020304" pitchFamily="18" charset="0"/>
+                          <a:ea typeface="+mn-ea"/>
+                          <a:cs typeface="Times New Roman" panose="02020603050405020304" pitchFamily="18" charset="0"/>
+                        </a:rPr>
+                        <a:t>*&gt;;</a:t>
+                      </a:r>
+                      <a:r>
+                        <a:rPr lang="en-US" altLang="zh-CN" sz="1800" kern="100" baseline="0" dirty="0" smtClean="0">
+                          <a:effectLst/>
+                          <a:latin typeface="Times New Roman" panose="02020603050405020304" pitchFamily="18" charset="0"/>
+                          <a:ea typeface="+mn-ea"/>
+                          <a:cs typeface="Times New Roman" panose="02020603050405020304" pitchFamily="18" charset="0"/>
+                        </a:rPr>
+                        <a:t> </a:t>
+                      </a:r>
+                      <a:r>
+                        <a:rPr lang="en-US" altLang="zh-CN" sz="1800" kern="100" dirty="0" smtClean="0">
+                          <a:effectLst/>
+                          <a:latin typeface="Times New Roman" panose="02020603050405020304" pitchFamily="18" charset="0"/>
+                          <a:ea typeface="+mn-ea"/>
+                          <a:cs typeface="Times New Roman" panose="02020603050405020304" pitchFamily="18" charset="0"/>
+                        </a:rPr>
+                        <a:t>&lt;</a:t>
+                      </a:r>
+                      <a:r>
+                        <a:rPr lang="en-US" altLang="zh-CN" sz="1800" kern="100" dirty="0" smtClean="0">
+                          <a:effectLst/>
+                          <a:latin typeface="Times New Roman" panose="02020603050405020304" pitchFamily="18" charset="0"/>
+                          <a:ea typeface="+mn-ea"/>
+                          <a:cs typeface="Times New Roman" panose="02020603050405020304" pitchFamily="18" charset="0"/>
+                        </a:rPr>
+                        <a:t>D, W, </a:t>
+                      </a:r>
+                      <a:r>
+                        <a:rPr lang="en-US" altLang="zh-CN" sz="1800" kern="100" dirty="0" smtClean="0">
+                          <a:effectLst/>
+                          <a:latin typeface="Times New Roman" panose="02020603050405020304" pitchFamily="18" charset="0"/>
+                          <a:ea typeface="+mn-ea"/>
+                          <a:cs typeface="Times New Roman" panose="02020603050405020304" pitchFamily="18" charset="0"/>
+                        </a:rPr>
+                        <a:t>*&gt;;</a:t>
+                      </a:r>
+                      <a:r>
+                        <a:rPr lang="en-US" altLang="zh-CN" sz="1800" kern="100" baseline="0" dirty="0" smtClean="0">
+                          <a:effectLst/>
+                          <a:latin typeface="Times New Roman" panose="02020603050405020304" pitchFamily="18" charset="0"/>
+                          <a:ea typeface="+mn-ea"/>
+                          <a:cs typeface="Times New Roman" panose="02020603050405020304" pitchFamily="18" charset="0"/>
+                        </a:rPr>
+                        <a:t> </a:t>
+                      </a:r>
+                      <a:r>
+                        <a:rPr lang="en-US" altLang="zh-CN" sz="1800" kern="100" dirty="0" smtClean="0">
+                          <a:effectLst/>
+                          <a:latin typeface="Times New Roman" panose="02020603050405020304" pitchFamily="18" charset="0"/>
+                          <a:ea typeface="+mn-ea"/>
+                          <a:cs typeface="Times New Roman" panose="02020603050405020304" pitchFamily="18" charset="0"/>
+                        </a:rPr>
+                        <a:t>&lt;</a:t>
+                      </a:r>
+                      <a:r>
+                        <a:rPr lang="en-US" altLang="zh-CN" sz="1800" kern="100" dirty="0" smtClean="0">
+                          <a:effectLst/>
+                          <a:latin typeface="Times New Roman" panose="02020603050405020304" pitchFamily="18" charset="0"/>
+                          <a:ea typeface="+mn-ea"/>
+                          <a:cs typeface="Times New Roman" panose="02020603050405020304" pitchFamily="18" charset="0"/>
+                        </a:rPr>
+                        <a:t>D, </a:t>
+                      </a:r>
+                      <a:r>
+                        <a:rPr lang="en-US" altLang="zh-CN" sz="1800" kern="100" dirty="0" smtClean="0">
+                          <a:effectLst/>
+                          <a:latin typeface="Times New Roman" panose="02020603050405020304" pitchFamily="18" charset="0"/>
+                          <a:ea typeface="+mn-ea"/>
+                          <a:cs typeface="Times New Roman" panose="02020603050405020304" pitchFamily="18" charset="0"/>
+                        </a:rPr>
+                        <a:t>A/R</a:t>
+                      </a:r>
+                      <a:r>
+                        <a:rPr lang="en-US" altLang="zh-CN" sz="1800" kern="100" dirty="0" smtClean="0">
+                          <a:effectLst/>
+                          <a:latin typeface="Times New Roman" panose="02020603050405020304" pitchFamily="18" charset="0"/>
+                          <a:ea typeface="+mn-ea"/>
+                          <a:cs typeface="Times New Roman" panose="02020603050405020304" pitchFamily="18" charset="0"/>
+                        </a:rPr>
+                        <a:t>, *&gt;</a:t>
                       </a:r>
                       <a:endParaRPr lang="zh-CN" sz="1800" kern="100" dirty="0">
                         <a:effectLst/>

--- a/docs/Figures.pptx
+++ b/docs/Figures.pptx
@@ -21749,16 +21749,7 @@
                           <a:ea typeface="等线" panose="02010600030101010101" pitchFamily="2" charset="-122"/>
                           <a:cs typeface="Times New Roman" panose="02020603050405020304" pitchFamily="18" charset="0"/>
                         </a:rPr>
-                        <a:t>&lt;</a:t>
-                      </a:r>
-                      <a:r>
-                        <a:rPr lang="en-US" altLang="zh-CN" sz="1800" kern="100" dirty="0" smtClean="0">
-                          <a:effectLst/>
-                          <a:latin typeface="Times New Roman" panose="02020603050405020304" pitchFamily="18" charset="0"/>
-                          <a:ea typeface="等线" panose="02010600030101010101" pitchFamily="2" charset="-122"/>
-                          <a:cs typeface="Times New Roman" panose="02020603050405020304" pitchFamily="18" charset="0"/>
-                        </a:rPr>
-                        <a:t>R, W,</a:t>
+                        <a:t>&lt;R, W,</a:t>
                       </a:r>
                       <a:r>
                         <a:rPr lang="en-US" altLang="zh-CN" sz="1800" kern="100" baseline="0" dirty="0" smtClean="0">
@@ -22030,16 +22021,7 @@
                           <a:ea typeface="等线" panose="02010600030101010101" pitchFamily="2" charset="-122"/>
                           <a:cs typeface="Times New Roman" panose="02020603050405020304" pitchFamily="18" charset="0"/>
                         </a:rPr>
-                        <a:t>&lt;W, W, Y</a:t>
-                      </a:r>
-                      <a:r>
-                        <a:rPr lang="en-US" sz="1800" kern="100" dirty="0" smtClean="0">
-                          <a:effectLst/>
-                          <a:latin typeface="Times New Roman" panose="02020603050405020304" pitchFamily="18" charset="0"/>
-                          <a:ea typeface="等线" panose="02010600030101010101" pitchFamily="2" charset="-122"/>
-                          <a:cs typeface="Times New Roman" panose="02020603050405020304" pitchFamily="18" charset="0"/>
-                        </a:rPr>
-                        <a:t>&gt;;</a:t>
+                        <a:t>&lt;W, W, Y&gt;;</a:t>
                       </a:r>
                       <a:r>
                         <a:rPr lang="en-US" sz="1800" kern="100" baseline="0" dirty="0" smtClean="0">
@@ -22057,25 +22039,7 @@
                           <a:ea typeface="等线" panose="02010600030101010101" pitchFamily="2" charset="-122"/>
                           <a:cs typeface="Times New Roman" panose="02020603050405020304" pitchFamily="18" charset="0"/>
                         </a:rPr>
-                        <a:t>&lt;</a:t>
-                      </a:r>
-                      <a:r>
-                        <a:rPr lang="en-US" altLang="zh-CN" sz="1800" kern="100" dirty="0" smtClean="0">
-                          <a:effectLst/>
-                          <a:latin typeface="Times New Roman" panose="02020603050405020304" pitchFamily="18" charset="0"/>
-                          <a:ea typeface="等线" panose="02010600030101010101" pitchFamily="2" charset="-122"/>
-                          <a:cs typeface="Times New Roman" panose="02020603050405020304" pitchFamily="18" charset="0"/>
-                        </a:rPr>
-                        <a:t>R, W, Y</a:t>
-                      </a:r>
-                      <a:r>
-                        <a:rPr lang="en-US" altLang="zh-CN" sz="1800" kern="100" dirty="0" smtClean="0">
-                          <a:effectLst/>
-                          <a:latin typeface="Times New Roman" panose="02020603050405020304" pitchFamily="18" charset="0"/>
-                          <a:ea typeface="等线" panose="02010600030101010101" pitchFamily="2" charset="-122"/>
-                          <a:cs typeface="Times New Roman" panose="02020603050405020304" pitchFamily="18" charset="0"/>
-                        </a:rPr>
-                        <a:t>&gt;;</a:t>
+                        <a:t>&lt;R, W, Y&gt;;</a:t>
                       </a:r>
                       <a:r>
                         <a:rPr lang="en-US" altLang="zh-CN" sz="1800" kern="100" baseline="0" dirty="0" smtClean="0">
@@ -22093,25 +22057,7 @@
                           <a:ea typeface="等线" panose="02010600030101010101" pitchFamily="2" charset="-122"/>
                           <a:cs typeface="Times New Roman" panose="02020603050405020304" pitchFamily="18" charset="0"/>
                         </a:rPr>
-                        <a:t>&lt;</a:t>
-                      </a:r>
-                      <a:r>
-                        <a:rPr lang="en-US" altLang="zh-CN" sz="1800" kern="100" dirty="0" smtClean="0">
-                          <a:effectLst/>
-                          <a:latin typeface="Times New Roman" panose="02020603050405020304" pitchFamily="18" charset="0"/>
-                          <a:ea typeface="等线" panose="02010600030101010101" pitchFamily="2" charset="-122"/>
-                          <a:cs typeface="Times New Roman" panose="02020603050405020304" pitchFamily="18" charset="0"/>
-                        </a:rPr>
-                        <a:t>R, </a:t>
-                      </a:r>
-                      <a:r>
-                        <a:rPr lang="en-US" altLang="zh-CN" sz="1800" kern="100" dirty="0" smtClean="0">
-                          <a:effectLst/>
-                          <a:latin typeface="Times New Roman" panose="02020603050405020304" pitchFamily="18" charset="0"/>
-                          <a:ea typeface="等线" panose="02010600030101010101" pitchFamily="2" charset="-122"/>
-                          <a:cs typeface="Times New Roman" panose="02020603050405020304" pitchFamily="18" charset="0"/>
-                        </a:rPr>
-                        <a:t>A/R, *&gt;;</a:t>
+                        <a:t>&lt;R, A/R, *&gt;;</a:t>
                       </a:r>
                       <a:r>
                         <a:rPr lang="en-US" altLang="zh-CN" sz="1800" kern="100" baseline="0" dirty="0" smtClean="0">
@@ -22129,25 +22075,7 @@
                           <a:ea typeface="+mn-ea"/>
                           <a:cs typeface="Times New Roman" panose="02020603050405020304" pitchFamily="18" charset="0"/>
                         </a:rPr>
-                        <a:t>&lt;</a:t>
-                      </a:r>
-                      <a:r>
-                        <a:rPr lang="en-US" altLang="zh-CN" sz="1800" kern="100" dirty="0" smtClean="0">
-                          <a:effectLst/>
-                          <a:latin typeface="Times New Roman" panose="02020603050405020304" pitchFamily="18" charset="0"/>
-                          <a:ea typeface="+mn-ea"/>
-                          <a:cs typeface="Times New Roman" panose="02020603050405020304" pitchFamily="18" charset="0"/>
-                        </a:rPr>
-                        <a:t>W, </a:t>
-                      </a:r>
-                      <a:r>
-                        <a:rPr lang="en-US" altLang="zh-CN" sz="1800" kern="100" dirty="0" smtClean="0">
-                          <a:effectLst/>
-                          <a:latin typeface="Times New Roman" panose="02020603050405020304" pitchFamily="18" charset="0"/>
-                          <a:ea typeface="+mn-ea"/>
-                          <a:cs typeface="Times New Roman" panose="02020603050405020304" pitchFamily="18" charset="0"/>
-                        </a:rPr>
-                        <a:t>A/R, *&gt;;</a:t>
+                        <a:t>&lt;W, A/R, *&gt;;</a:t>
                       </a:r>
                       <a:r>
                         <a:rPr lang="en-US" altLang="zh-CN" sz="1800" kern="100" baseline="0" dirty="0" smtClean="0">
@@ -22165,25 +22093,7 @@
                           <a:ea typeface="+mn-ea"/>
                           <a:cs typeface="Times New Roman" panose="02020603050405020304" pitchFamily="18" charset="0"/>
                         </a:rPr>
-                        <a:t>&lt;A/R</a:t>
-                      </a:r>
-                      <a:r>
-                        <a:rPr lang="en-US" altLang="zh-CN" sz="1800" kern="100" dirty="0" smtClean="0">
-                          <a:effectLst/>
-                          <a:latin typeface="Times New Roman" panose="02020603050405020304" pitchFamily="18" charset="0"/>
-                          <a:ea typeface="+mn-ea"/>
-                          <a:cs typeface="Times New Roman" panose="02020603050405020304" pitchFamily="18" charset="0"/>
-                        </a:rPr>
-                        <a:t>, </a:t>
-                      </a:r>
-                      <a:r>
-                        <a:rPr lang="en-US" altLang="zh-CN" sz="1800" kern="100" dirty="0" smtClean="0">
-                          <a:effectLst/>
-                          <a:latin typeface="Times New Roman" panose="02020603050405020304" pitchFamily="18" charset="0"/>
-                          <a:ea typeface="+mn-ea"/>
-                          <a:cs typeface="Times New Roman" panose="02020603050405020304" pitchFamily="18" charset="0"/>
-                        </a:rPr>
-                        <a:t>A/R, *&gt;</a:t>
+                        <a:t>&lt;A/R, A/R, *&gt;</a:t>
                       </a:r>
                       <a:endParaRPr lang="zh-CN" sz="1800" kern="100" dirty="0">
                         <a:effectLst/>
@@ -22358,16 +22268,7 @@
                           <a:ea typeface="等线" panose="02010600030101010101" pitchFamily="2" charset="-122"/>
                           <a:cs typeface="Times New Roman" panose="02020603050405020304" pitchFamily="18" charset="0"/>
                         </a:rPr>
-                        <a:t> R, </a:t>
-                      </a:r>
-                      <a:r>
-                        <a:rPr lang="en-US" sz="1800" kern="100" baseline="0" dirty="0" smtClean="0">
-                          <a:effectLst/>
-                          <a:latin typeface="Times New Roman" panose="02020603050405020304" pitchFamily="18" charset="0"/>
-                          <a:ea typeface="等线" panose="02010600030101010101" pitchFamily="2" charset="-122"/>
-                          <a:cs typeface="Times New Roman" panose="02020603050405020304" pitchFamily="18" charset="0"/>
-                        </a:rPr>
-                        <a:t>*</a:t>
+                        <a:t> R, *</a:t>
                       </a:r>
                       <a:r>
                         <a:rPr lang="en-US" sz="1800" kern="100" dirty="0" smtClean="0">
@@ -22394,16 +22295,7 @@
                           <a:ea typeface="+mn-ea"/>
                           <a:cs typeface="Times New Roman" panose="02020603050405020304" pitchFamily="18" charset="0"/>
                         </a:rPr>
-                        <a:t>&lt;A/R</a:t>
-                      </a:r>
-                      <a:r>
-                        <a:rPr lang="en-US" altLang="zh-CN" sz="1800" kern="100" dirty="0" smtClean="0">
-                          <a:effectLst/>
-                          <a:latin typeface="Times New Roman" panose="02020603050405020304" pitchFamily="18" charset="0"/>
-                          <a:ea typeface="+mn-ea"/>
-                          <a:cs typeface="Times New Roman" panose="02020603050405020304" pitchFamily="18" charset="0"/>
-                        </a:rPr>
-                        <a:t>,</a:t>
+                        <a:t>&lt;A/R,</a:t>
                       </a:r>
                       <a:r>
                         <a:rPr lang="en-US" altLang="zh-CN" sz="1800" kern="100" baseline="0" dirty="0" smtClean="0">
@@ -22412,16 +22304,7 @@
                           <a:ea typeface="+mn-ea"/>
                           <a:cs typeface="Times New Roman" panose="02020603050405020304" pitchFamily="18" charset="0"/>
                         </a:rPr>
-                        <a:t> R, </a:t>
-                      </a:r>
-                      <a:r>
-                        <a:rPr lang="en-US" altLang="zh-CN" sz="1800" kern="100" baseline="0" dirty="0" smtClean="0">
-                          <a:effectLst/>
-                          <a:latin typeface="Times New Roman" panose="02020603050405020304" pitchFamily="18" charset="0"/>
-                          <a:ea typeface="+mn-ea"/>
-                          <a:cs typeface="Times New Roman" panose="02020603050405020304" pitchFamily="18" charset="0"/>
-                        </a:rPr>
-                        <a:t>*</a:t>
+                        <a:t> R, *</a:t>
                       </a:r>
                       <a:r>
                         <a:rPr lang="en-US" altLang="zh-CN" sz="1800" kern="100" dirty="0" smtClean="0">
@@ -22448,16 +22331,7 @@
                           <a:ea typeface="+mn-ea"/>
                           <a:cs typeface="Times New Roman" panose="02020603050405020304" pitchFamily="18" charset="0"/>
                         </a:rPr>
-                        <a:t>&lt;A/R</a:t>
-                      </a:r>
-                      <a:r>
-                        <a:rPr lang="en-US" altLang="zh-CN" sz="1800" kern="100" dirty="0" smtClean="0">
-                          <a:effectLst/>
-                          <a:latin typeface="Times New Roman" panose="02020603050405020304" pitchFamily="18" charset="0"/>
-                          <a:ea typeface="+mn-ea"/>
-                          <a:cs typeface="Times New Roman" panose="02020603050405020304" pitchFamily="18" charset="0"/>
-                        </a:rPr>
-                        <a:t>,</a:t>
+                        <a:t>&lt;A/R,</a:t>
                       </a:r>
                       <a:r>
                         <a:rPr lang="en-US" altLang="zh-CN" sz="1800" kern="100" baseline="0" dirty="0" smtClean="0">
@@ -22466,16 +22340,7 @@
                           <a:ea typeface="+mn-ea"/>
                           <a:cs typeface="Times New Roman" panose="02020603050405020304" pitchFamily="18" charset="0"/>
                         </a:rPr>
-                        <a:t> W, </a:t>
-                      </a:r>
-                      <a:r>
-                        <a:rPr lang="en-US" altLang="zh-CN" sz="1800" kern="100" baseline="0" dirty="0" smtClean="0">
-                          <a:effectLst/>
-                          <a:latin typeface="Times New Roman" panose="02020603050405020304" pitchFamily="18" charset="0"/>
-                          <a:ea typeface="+mn-ea"/>
-                          <a:cs typeface="Times New Roman" panose="02020603050405020304" pitchFamily="18" charset="0"/>
-                        </a:rPr>
-                        <a:t>*</a:t>
+                        <a:t> W, *</a:t>
                       </a:r>
                       <a:r>
                         <a:rPr lang="en-US" altLang="zh-CN" sz="1800" kern="100" dirty="0" smtClean="0">
@@ -22502,25 +22367,7 @@
                           <a:ea typeface="+mn-ea"/>
                           <a:cs typeface="Times New Roman" panose="02020603050405020304" pitchFamily="18" charset="0"/>
                         </a:rPr>
-                        <a:t>&lt;</a:t>
-                      </a:r>
-                      <a:r>
-                        <a:rPr lang="en-US" altLang="zh-CN" sz="1800" kern="100" dirty="0" smtClean="0">
-                          <a:effectLst/>
-                          <a:latin typeface="Times New Roman" panose="02020603050405020304" pitchFamily="18" charset="0"/>
-                          <a:ea typeface="+mn-ea"/>
-                          <a:cs typeface="Times New Roman" panose="02020603050405020304" pitchFamily="18" charset="0"/>
-                        </a:rPr>
-                        <a:t>D, R, </a:t>
-                      </a:r>
-                      <a:r>
-                        <a:rPr lang="en-US" altLang="zh-CN" sz="1800" kern="100" dirty="0" smtClean="0">
-                          <a:effectLst/>
-                          <a:latin typeface="Times New Roman" panose="02020603050405020304" pitchFamily="18" charset="0"/>
-                          <a:ea typeface="+mn-ea"/>
-                          <a:cs typeface="Times New Roman" panose="02020603050405020304" pitchFamily="18" charset="0"/>
-                        </a:rPr>
-                        <a:t>*&gt;;</a:t>
+                        <a:t>&lt;D, R, *&gt;;</a:t>
                       </a:r>
                       <a:r>
                         <a:rPr lang="en-US" altLang="zh-CN" sz="1800" kern="100" baseline="0" dirty="0" smtClean="0">
@@ -22538,25 +22385,7 @@
                           <a:ea typeface="+mn-ea"/>
                           <a:cs typeface="Times New Roman" panose="02020603050405020304" pitchFamily="18" charset="0"/>
                         </a:rPr>
-                        <a:t>&lt;</a:t>
-                      </a:r>
-                      <a:r>
-                        <a:rPr lang="en-US" altLang="zh-CN" sz="1800" kern="100" dirty="0" smtClean="0">
-                          <a:effectLst/>
-                          <a:latin typeface="Times New Roman" panose="02020603050405020304" pitchFamily="18" charset="0"/>
-                          <a:ea typeface="+mn-ea"/>
-                          <a:cs typeface="Times New Roman" panose="02020603050405020304" pitchFamily="18" charset="0"/>
-                        </a:rPr>
-                        <a:t>D, W, </a:t>
-                      </a:r>
-                      <a:r>
-                        <a:rPr lang="en-US" altLang="zh-CN" sz="1800" kern="100" dirty="0" smtClean="0">
-                          <a:effectLst/>
-                          <a:latin typeface="Times New Roman" panose="02020603050405020304" pitchFamily="18" charset="0"/>
-                          <a:ea typeface="+mn-ea"/>
-                          <a:cs typeface="Times New Roman" panose="02020603050405020304" pitchFamily="18" charset="0"/>
-                        </a:rPr>
-                        <a:t>*&gt;;</a:t>
+                        <a:t>&lt;D, W, *&gt;;</a:t>
                       </a:r>
                       <a:r>
                         <a:rPr lang="en-US" altLang="zh-CN" sz="1800" kern="100" baseline="0" dirty="0" smtClean="0">
@@ -22574,34 +22403,7 @@
                           <a:ea typeface="+mn-ea"/>
                           <a:cs typeface="Times New Roman" panose="02020603050405020304" pitchFamily="18" charset="0"/>
                         </a:rPr>
-                        <a:t>&lt;</a:t>
-                      </a:r>
-                      <a:r>
-                        <a:rPr lang="en-US" altLang="zh-CN" sz="1800" kern="100" dirty="0" smtClean="0">
-                          <a:effectLst/>
-                          <a:latin typeface="Times New Roman" panose="02020603050405020304" pitchFamily="18" charset="0"/>
-                          <a:ea typeface="+mn-ea"/>
-                          <a:cs typeface="Times New Roman" panose="02020603050405020304" pitchFamily="18" charset="0"/>
-                        </a:rPr>
-                        <a:t>D, </a:t>
-                      </a:r>
-                      <a:r>
-                        <a:rPr lang="en-US" altLang="zh-CN" sz="1800" kern="100" dirty="0" smtClean="0">
-                          <a:effectLst/>
-                          <a:latin typeface="Times New Roman" panose="02020603050405020304" pitchFamily="18" charset="0"/>
-                          <a:ea typeface="+mn-ea"/>
-                          <a:cs typeface="Times New Roman" panose="02020603050405020304" pitchFamily="18" charset="0"/>
-                        </a:rPr>
-                        <a:t>A/R</a:t>
-                      </a:r>
-                      <a:r>
-                        <a:rPr lang="en-US" altLang="zh-CN" sz="1800" kern="100" dirty="0" smtClean="0">
-                          <a:effectLst/>
-                          <a:latin typeface="Times New Roman" panose="02020603050405020304" pitchFamily="18" charset="0"/>
-                          <a:ea typeface="+mn-ea"/>
-                          <a:cs typeface="Times New Roman" panose="02020603050405020304" pitchFamily="18" charset="0"/>
-                        </a:rPr>
-                        <a:t>, *&gt;</a:t>
+                        <a:t>&lt;D, A/R, *&gt;</a:t>
                       </a:r>
                       <a:endParaRPr lang="zh-CN" sz="1800" kern="100" dirty="0">
                         <a:effectLst/>
@@ -24565,18 +24367,25 @@
                 <a:t>ID</a:t>
               </a:r>
               <a:r>
-                <a:rPr lang="en-US" altLang="zh-CN" baseline="-25000" dirty="0" smtClean="0">
+                <a:rPr lang="en-US" altLang="zh-CN" baseline="-25000" dirty="0">
                   <a:latin typeface="Times New Roman" panose="02020603050405020304" pitchFamily="18" charset="0"/>
                   <a:cs typeface="Times New Roman" panose="02020603050405020304" pitchFamily="18" charset="0"/>
                 </a:rPr>
-                <a:t>1</a:t>
+                <a:t>2</a:t>
               </a:r>
               <a:r>
                 <a:rPr lang="en-US" altLang="zh-CN" dirty="0" smtClean="0">
                   <a:latin typeface="Times New Roman" panose="02020603050405020304" pitchFamily="18" charset="0"/>
                   <a:cs typeface="Times New Roman" panose="02020603050405020304" pitchFamily="18" charset="0"/>
                 </a:rPr>
-                <a:t>.Field A</a:t>
+                <a:t>.Field </a:t>
+              </a:r>
+              <a:r>
+                <a:rPr lang="en-US" altLang="zh-CN" dirty="0" smtClean="0">
+                  <a:latin typeface="Times New Roman" panose="02020603050405020304" pitchFamily="18" charset="0"/>
+                  <a:cs typeface="Times New Roman" panose="02020603050405020304" pitchFamily="18" charset="0"/>
+                </a:rPr>
+                <a:t>A</a:t>
               </a:r>
               <a:endParaRPr lang="zh-CN" altLang="en-US" dirty="0">
                 <a:latin typeface="Times New Roman" panose="02020603050405020304" pitchFamily="18" charset="0"/>
